--- a/Presentation.pptx
+++ b/Presentation.pptx
@@ -5,7 +5,7 @@
     <p:sldMasterId id="2147483708" r:id="rId1"/>
   </p:sldMasterIdLst>
   <p:notesMasterIdLst>
-    <p:notesMasterId r:id="rId28"/>
+    <p:notesMasterId r:id="rId29"/>
   </p:notesMasterIdLst>
   <p:sldIdLst>
     <p:sldId id="256" r:id="rId2"/>
@@ -20,20 +20,21 @@
     <p:sldId id="370" r:id="rId11"/>
     <p:sldId id="371" r:id="rId12"/>
     <p:sldId id="364" r:id="rId13"/>
-    <p:sldId id="378" r:id="rId14"/>
-    <p:sldId id="372" r:id="rId15"/>
-    <p:sldId id="374" r:id="rId16"/>
-    <p:sldId id="376" r:id="rId17"/>
-    <p:sldId id="379" r:id="rId18"/>
-    <p:sldId id="382" r:id="rId19"/>
-    <p:sldId id="383" r:id="rId20"/>
-    <p:sldId id="384" r:id="rId21"/>
-    <p:sldId id="385" r:id="rId22"/>
-    <p:sldId id="386" r:id="rId23"/>
-    <p:sldId id="387" r:id="rId24"/>
-    <p:sldId id="388" r:id="rId25"/>
-    <p:sldId id="389" r:id="rId26"/>
-    <p:sldId id="390" r:id="rId27"/>
+    <p:sldId id="391" r:id="rId14"/>
+    <p:sldId id="378" r:id="rId15"/>
+    <p:sldId id="372" r:id="rId16"/>
+    <p:sldId id="374" r:id="rId17"/>
+    <p:sldId id="376" r:id="rId18"/>
+    <p:sldId id="379" r:id="rId19"/>
+    <p:sldId id="382" r:id="rId20"/>
+    <p:sldId id="383" r:id="rId21"/>
+    <p:sldId id="384" r:id="rId22"/>
+    <p:sldId id="385" r:id="rId23"/>
+    <p:sldId id="386" r:id="rId24"/>
+    <p:sldId id="387" r:id="rId25"/>
+    <p:sldId id="388" r:id="rId26"/>
+    <p:sldId id="389" r:id="rId27"/>
+    <p:sldId id="390" r:id="rId28"/>
   </p:sldIdLst>
   <p:sldSz cx="9144000" cy="6858000" type="screen4x3"/>
   <p:notesSz cx="6858000" cy="9144000"/>
@@ -3937,6 +3938,17 @@
               </a:rPr>
               <a:t>Метод компенсации нелинейных искажений усилителя мощности для стандарта мобильной связи</a:t>
             </a:r>
+            <a:r>
+              <a:rPr lang="en-GB" sz="4000" dirty="0">
+                <a:solidFill>
+                  <a:srgbClr val="F8F8F2"/>
+                </a:solidFill>
+                <a:effectLst/>
+                <a:latin typeface="Segoe UI Semibold" panose="020B0702040204020203" pitchFamily="34" charset="0"/>
+                <a:cs typeface="Segoe UI Semibold" panose="020B0702040204020203" pitchFamily="34" charset="0"/>
+              </a:rPr>
+              <a:t/>
+            </a:r>
             <a:br>
               <a:rPr lang="en-GB" sz="4000" dirty="0">
                 <a:solidFill>
@@ -7037,6 +7049,68 @@
           <a:chExt cx="0" cy="0"/>
         </a:xfrm>
       </p:grpSpPr>
+      <p:pic>
+        <p:nvPicPr>
+          <p:cNvPr id="5" name="Picture 3"/>
+          <p:cNvPicPr>
+            <a:picLocks noChangeAspect="1" noChangeArrowheads="1"/>
+          </p:cNvPicPr>
+          <p:nvPr/>
+        </p:nvPicPr>
+        <p:blipFill rotWithShape="1">
+          <a:blip r:embed="rId2">
+            <a:extLst>
+              <a:ext uri="{28A0092B-C50C-407E-A947-70E740481C1C}">
+                <a14:useLocalDpi xmlns:a14="http://schemas.microsoft.com/office/drawing/2010/main" val="0"/>
+              </a:ext>
+            </a:extLst>
+          </a:blip>
+          <a:srcRect l="15284" r="3408" b="24122"/>
+          <a:stretch/>
+        </p:blipFill>
+        <p:spPr bwMode="auto">
+          <a:xfrm>
+            <a:off x="917829" y="5219966"/>
+            <a:ext cx="6673933" cy="1326809"/>
+          </a:xfrm>
+          <a:prstGeom prst="rect">
+            <a:avLst/>
+          </a:prstGeom>
+          <a:noFill/>
+          <a:ln>
+            <a:noFill/>
+          </a:ln>
+          <a:effectLst/>
+          <a:extLst>
+            <a:ext uri="{909E8E84-426E-40DD-AFC4-6F175D3DCCD1}">
+              <a14:hiddenFill xmlns:a14="http://schemas.microsoft.com/office/drawing/2010/main">
+                <a:solidFill>
+                  <a:schemeClr val="accent1"/>
+                </a:solidFill>
+              </a14:hiddenFill>
+            </a:ext>
+            <a:ext uri="{91240B29-F687-4F45-9708-019B960494DF}">
+              <a14:hiddenLine xmlns:a14="http://schemas.microsoft.com/office/drawing/2010/main" w="9525">
+                <a:solidFill>
+                  <a:schemeClr val="tx1"/>
+                </a:solidFill>
+                <a:miter lim="800000"/>
+                <a:headEnd/>
+                <a:tailEnd/>
+              </a14:hiddenLine>
+            </a:ext>
+            <a:ext uri="{AF507438-7753-43E0-B8FC-AC1667EBCBE1}">
+              <a14:hiddenEffects xmlns:a14="http://schemas.microsoft.com/office/drawing/2010/main">
+                <a:effectLst>
+                  <a:outerShdw dist="35921" dir="2700000" algn="ctr" rotWithShape="0">
+                    <a:schemeClr val="bg2"/>
+                  </a:outerShdw>
+                </a:effectLst>
+              </a14:hiddenEffects>
+            </a:ext>
+          </a:extLst>
+        </p:spPr>
+      </p:pic>
       <p:sp>
         <p:nvSpPr>
           <p:cNvPr id="2" name="Заголовок 1">
@@ -7089,19 +7163,105 @@
             <p:ph idx="1"/>
           </p:nvPr>
         </p:nvSpPr>
-        <p:spPr/>
+        <p:spPr>
+          <a:xfrm>
+            <a:off x="346330" y="1038226"/>
+            <a:ext cx="4235196" cy="5295899"/>
+          </a:xfrm>
+        </p:spPr>
         <p:txBody>
-          <a:bodyPr/>
+          <a:bodyPr>
+            <a:normAutofit/>
+          </a:bodyPr>
           <a:lstStyle/>
           <a:p>
-            <a:r>
-              <a:rPr lang="en-US" dirty="0">
-                <a:latin typeface="Segoe UI" panose="020B0502040204020203" pitchFamily="34" charset="0"/>
-                <a:cs typeface="Segoe UI" panose="020B0502040204020203" pitchFamily="34" charset="0"/>
-              </a:rPr>
-              <a:t>Predistortion, compensation…</a:t>
-            </a:r>
-            <a:endParaRPr lang="ru-RU" dirty="0">
+            <a:pPr marL="0" indent="0">
+              <a:buNone/>
+            </a:pPr>
+            <a:r>
+              <a:rPr lang="ru-RU" sz="1600" dirty="0" smtClean="0">
+                <a:latin typeface="Segoe UI" panose="020B0502040204020203" pitchFamily="34" charset="0"/>
+                <a:cs typeface="Segoe UI" panose="020B0502040204020203" pitchFamily="34" charset="0"/>
+              </a:rPr>
+              <a:t>Существующие методы борьбы с искажениями можно разделить на два основных подхода</a:t>
+            </a:r>
+          </a:p>
+          <a:p>
+            <a:pPr marL="0" indent="0">
+              <a:buNone/>
+            </a:pPr>
+            <a:r>
+              <a:rPr lang="ru-RU" sz="1600" b="1" dirty="0" smtClean="0">
+                <a:latin typeface="Segoe UI" panose="020B0502040204020203" pitchFamily="34" charset="0"/>
+                <a:cs typeface="Segoe UI" panose="020B0502040204020203" pitchFamily="34" charset="0"/>
+              </a:rPr>
+              <a:t>Подготовка сигнала ни передатчике перед усилителем</a:t>
+            </a:r>
+          </a:p>
+          <a:p>
+            <a:r>
+              <a:rPr lang="ru-RU" sz="1600" dirty="0" smtClean="0">
+                <a:latin typeface="Segoe UI" panose="020B0502040204020203" pitchFamily="34" charset="0"/>
+                <a:cs typeface="Segoe UI" panose="020B0502040204020203" pitchFamily="34" charset="0"/>
+              </a:rPr>
+              <a:t>Сигналу придаются свойства, которые минимизируют влияние нелинейности УМ, эффективно «выпрямляя» амплитудную характеристику</a:t>
+            </a:r>
+            <a:r>
+              <a:rPr lang="en-US" sz="1600" dirty="0" smtClean="0">
+                <a:latin typeface="Segoe UI" panose="020B0502040204020203" pitchFamily="34" charset="0"/>
+                <a:cs typeface="Segoe UI" panose="020B0502040204020203" pitchFamily="34" charset="0"/>
+              </a:rPr>
+              <a:t> (pre-distortion – </a:t>
+            </a:r>
+            <a:r>
+              <a:rPr lang="ru-RU" sz="1600" dirty="0" smtClean="0">
+                <a:latin typeface="Segoe UI" panose="020B0502040204020203" pitchFamily="34" charset="0"/>
+                <a:cs typeface="Segoe UI" panose="020B0502040204020203" pitchFamily="34" charset="0"/>
+              </a:rPr>
+              <a:t>предварительное искажение</a:t>
+            </a:r>
+            <a:r>
+              <a:rPr lang="en-US" sz="1600" dirty="0" smtClean="0">
+                <a:latin typeface="Segoe UI" panose="020B0502040204020203" pitchFamily="34" charset="0"/>
+                <a:cs typeface="Segoe UI" panose="020B0502040204020203" pitchFamily="34" charset="0"/>
+              </a:rPr>
+              <a:t>)</a:t>
+            </a:r>
+            <a:endParaRPr lang="ru-RU" sz="1600" dirty="0" smtClean="0">
+              <a:latin typeface="Segoe UI" panose="020B0502040204020203" pitchFamily="34" charset="0"/>
+              <a:cs typeface="Segoe UI" panose="020B0502040204020203" pitchFamily="34" charset="0"/>
+            </a:endParaRPr>
+          </a:p>
+          <a:p>
+            <a:r>
+              <a:rPr lang="ru-RU" sz="1600" dirty="0" smtClean="0">
+                <a:latin typeface="Segoe UI" panose="020B0502040204020203" pitchFamily="34" charset="0"/>
+                <a:cs typeface="Segoe UI" panose="020B0502040204020203" pitchFamily="34" charset="0"/>
+              </a:rPr>
+              <a:t>Имеет малую эффективность при низких </a:t>
+            </a:r>
+            <a:r>
+              <a:rPr lang="en-US" sz="1600" dirty="0" smtClean="0">
+                <a:latin typeface="Segoe UI" panose="020B0502040204020203" pitchFamily="34" charset="0"/>
+                <a:cs typeface="Segoe UI" panose="020B0502040204020203" pitchFamily="34" charset="0"/>
+              </a:rPr>
+              <a:t>OBO\IBO</a:t>
+            </a:r>
+          </a:p>
+          <a:p>
+            <a:r>
+              <a:rPr lang="ru-RU" sz="1600" dirty="0" smtClean="0">
+                <a:latin typeface="Segoe UI" panose="020B0502040204020203" pitchFamily="34" charset="0"/>
+                <a:cs typeface="Segoe UI" panose="020B0502040204020203" pitchFamily="34" charset="0"/>
+              </a:rPr>
+              <a:t>Необходима дополнительная сигнальная обработка на передатчике</a:t>
+            </a:r>
+          </a:p>
+          <a:p>
+            <a:pPr marL="0" indent="0">
+              <a:buNone/>
+            </a:pPr>
+            <a:endParaRPr lang="ru-RU" sz="1600" b="1" dirty="0">
               <a:latin typeface="Segoe UI" panose="020B0502040204020203" pitchFamily="34" charset="0"/>
               <a:cs typeface="Segoe UI" panose="020B0502040204020203" pitchFamily="34" charset="0"/>
             </a:endParaRPr>
@@ -7137,6 +7297,143 @@
           </a:p>
         </p:txBody>
       </p:sp>
+      <p:pic>
+        <p:nvPicPr>
+          <p:cNvPr id="6" name="Рисунок 5"/>
+          <p:cNvPicPr>
+            <a:picLocks noChangeAspect="1"/>
+          </p:cNvPicPr>
+          <p:nvPr/>
+        </p:nvPicPr>
+        <p:blipFill>
+          <a:blip r:embed="rId3"/>
+          <a:stretch>
+            <a:fillRect/>
+          </a:stretch>
+        </p:blipFill>
+        <p:spPr>
+          <a:xfrm>
+            <a:off x="5471876" y="889347"/>
+            <a:ext cx="1857634" cy="714475"/>
+          </a:xfrm>
+          <a:prstGeom prst="rect">
+            <a:avLst/>
+          </a:prstGeom>
+        </p:spPr>
+      </p:pic>
+      <p:pic>
+        <p:nvPicPr>
+          <p:cNvPr id="7" name="Picture 2"/>
+          <p:cNvPicPr>
+            <a:picLocks noChangeAspect="1" noChangeArrowheads="1"/>
+          </p:cNvPicPr>
+          <p:nvPr/>
+        </p:nvPicPr>
+        <p:blipFill>
+          <a:blip r:embed="rId4">
+            <a:extLst>
+              <a:ext uri="{28A0092B-C50C-407E-A947-70E740481C1C}">
+                <a14:useLocalDpi xmlns:a14="http://schemas.microsoft.com/office/drawing/2010/main" val="0"/>
+              </a:ext>
+            </a:extLst>
+          </a:blip>
+          <a:srcRect/>
+          <a:stretch>
+            <a:fillRect/>
+          </a:stretch>
+        </p:blipFill>
+        <p:spPr bwMode="auto">
+          <a:xfrm>
+            <a:off x="4581526" y="1974624"/>
+            <a:ext cx="3638335" cy="3198536"/>
+          </a:xfrm>
+          <a:prstGeom prst="rect">
+            <a:avLst/>
+          </a:prstGeom>
+          <a:noFill/>
+          <a:ln>
+            <a:noFill/>
+          </a:ln>
+          <a:effectLst/>
+          <a:extLst>
+            <a:ext uri="{909E8E84-426E-40DD-AFC4-6F175D3DCCD1}">
+              <a14:hiddenFill xmlns:a14="http://schemas.microsoft.com/office/drawing/2010/main">
+                <a:solidFill>
+                  <a:schemeClr val="accent1"/>
+                </a:solidFill>
+              </a14:hiddenFill>
+            </a:ext>
+            <a:ext uri="{91240B29-F687-4F45-9708-019B960494DF}">
+              <a14:hiddenLine xmlns:a14="http://schemas.microsoft.com/office/drawing/2010/main" w="9525">
+                <a:solidFill>
+                  <a:schemeClr val="tx1"/>
+                </a:solidFill>
+                <a:miter lim="800000"/>
+                <a:headEnd/>
+                <a:tailEnd/>
+              </a14:hiddenLine>
+            </a:ext>
+            <a:ext uri="{AF507438-7753-43E0-B8FC-AC1667EBCBE1}">
+              <a14:hiddenEffects xmlns:a14="http://schemas.microsoft.com/office/drawing/2010/main">
+                <a:effectLst>
+                  <a:outerShdw dist="35921" dir="2700000" algn="ctr" rotWithShape="0">
+                    <a:schemeClr val="bg2"/>
+                  </a:outerShdw>
+                </a:effectLst>
+              </a14:hiddenEffects>
+            </a:ext>
+          </a:extLst>
+        </p:spPr>
+      </p:pic>
+      <p:sp>
+        <p:nvSpPr>
+          <p:cNvPr id="8" name="Прямоугольник 7"/>
+          <p:cNvSpPr/>
+          <p:nvPr/>
+        </p:nvSpPr>
+        <p:spPr>
+          <a:xfrm>
+            <a:off x="4708283" y="1689246"/>
+            <a:ext cx="3667886" cy="338554"/>
+          </a:xfrm>
+          <a:prstGeom prst="rect">
+            <a:avLst/>
+          </a:prstGeom>
+        </p:spPr>
+        <p:txBody>
+          <a:bodyPr wrap="square">
+            <a:spAutoFit/>
+          </a:bodyPr>
+          <a:lstStyle/>
+          <a:p>
+            <a:r>
+              <a:rPr lang="en-US" sz="800" i="1" dirty="0">
+                <a:latin typeface="Segoe UI" panose="020B0502040204020203" pitchFamily="34" charset="0"/>
+                <a:cs typeface="Segoe UI" panose="020B0502040204020203" pitchFamily="34" charset="0"/>
+              </a:rPr>
+              <a:t>Efficient Compensation of the Nonlinearity of Solid-State Power Amplifiers Using Adaptive Sequential Monte Carlo Methods / Mahdi </a:t>
+            </a:r>
+            <a:r>
+              <a:rPr lang="en-US" sz="800" i="1" dirty="0" err="1">
+                <a:latin typeface="Segoe UI" panose="020B0502040204020203" pitchFamily="34" charset="0"/>
+                <a:cs typeface="Segoe UI" panose="020B0502040204020203" pitchFamily="34" charset="0"/>
+              </a:rPr>
+              <a:t>Shabany</a:t>
+            </a:r>
+            <a:r>
+              <a:rPr lang="en-US" sz="800" i="1" dirty="0">
+                <a:latin typeface="Segoe UI" panose="020B0502040204020203" pitchFamily="34" charset="0"/>
+                <a:cs typeface="Segoe UI" panose="020B0502040204020203" pitchFamily="34" charset="0"/>
+              </a:rPr>
+              <a:t>, 2008</a:t>
+            </a:r>
+            <a:endParaRPr lang="en-US" sz="800" i="1" dirty="0">
+              <a:latin typeface="Segoe UI" panose="020B0502040204020203" pitchFamily="34" charset="0"/>
+              <a:cs typeface="Segoe UI" panose="020B0502040204020203" pitchFamily="34" charset="0"/>
+            </a:endParaRPr>
+          </a:p>
+        </p:txBody>
+      </p:sp>
     </p:spTree>
     <p:extLst>
       <p:ext uri="{BB962C8B-B14F-4D97-AF65-F5344CB8AC3E}">
@@ -7151,6 +7448,269 @@
 </file>
 
 <file path=ppt/slides/slide13.xml><?xml version="1.0" encoding="utf-8"?>
+<p:sld xmlns:a="http://schemas.openxmlformats.org/drawingml/2006/main" xmlns:r="http://schemas.openxmlformats.org/officeDocument/2006/relationships" xmlns:p="http://schemas.openxmlformats.org/presentationml/2006/main">
+  <p:cSld>
+    <p:spTree>
+      <p:nvGrpSpPr>
+        <p:cNvPr id="1" name=""/>
+        <p:cNvGrpSpPr/>
+        <p:nvPr/>
+      </p:nvGrpSpPr>
+      <p:grpSpPr>
+        <a:xfrm>
+          <a:off x="0" y="0"/>
+          <a:ext cx="0" cy="0"/>
+          <a:chOff x="0" y="0"/>
+          <a:chExt cx="0" cy="0"/>
+        </a:xfrm>
+      </p:grpSpPr>
+      <p:pic>
+        <p:nvPicPr>
+          <p:cNvPr id="6" name="Рисунок 5"/>
+          <p:cNvPicPr>
+            <a:picLocks noChangeAspect="1"/>
+          </p:cNvPicPr>
+          <p:nvPr/>
+        </p:nvPicPr>
+        <p:blipFill>
+          <a:blip r:embed="rId2"/>
+          <a:stretch>
+            <a:fillRect/>
+          </a:stretch>
+        </p:blipFill>
+        <p:spPr>
+          <a:xfrm>
+            <a:off x="3930513" y="2363788"/>
+            <a:ext cx="4370802" cy="2791137"/>
+          </a:xfrm>
+          <a:prstGeom prst="rect">
+            <a:avLst/>
+          </a:prstGeom>
+        </p:spPr>
+      </p:pic>
+      <p:sp>
+        <p:nvSpPr>
+          <p:cNvPr id="2" name="Заголовок 1">
+            <a:extLst>
+              <a:ext uri="{FF2B5EF4-FFF2-40B4-BE49-F238E27FC236}">
+                <a16:creationId xmlns:a16="http://schemas.microsoft.com/office/drawing/2014/main" id="{8BE826D0-5549-D29A-4886-74267A5EE61A}"/>
+              </a:ext>
+            </a:extLst>
+          </p:cNvPr>
+          <p:cNvSpPr>
+            <a:spLocks noGrp="1"/>
+          </p:cNvSpPr>
+          <p:nvPr>
+            <p:ph type="title"/>
+          </p:nvPr>
+        </p:nvSpPr>
+        <p:spPr>
+          <a:xfrm>
+            <a:off x="219573" y="225084"/>
+            <a:ext cx="7269480" cy="1325562"/>
+          </a:xfrm>
+        </p:spPr>
+        <p:txBody>
+          <a:bodyPr anchor="t"/>
+          <a:lstStyle/>
+          <a:p>
+            <a:r>
+              <a:rPr lang="ru-RU" dirty="0">
+                <a:latin typeface="Segoe UI Semibold" panose="020B0702040204020203" pitchFamily="34" charset="0"/>
+                <a:cs typeface="Segoe UI Semibold" panose="020B0702040204020203" pitchFamily="34" charset="0"/>
+              </a:rPr>
+              <a:t>Обзор методов компенсации</a:t>
+            </a:r>
+          </a:p>
+        </p:txBody>
+      </p:sp>
+      <p:sp>
+        <p:nvSpPr>
+          <p:cNvPr id="3" name="Объект 2">
+            <a:extLst>
+              <a:ext uri="{FF2B5EF4-FFF2-40B4-BE49-F238E27FC236}">
+                <a16:creationId xmlns:a16="http://schemas.microsoft.com/office/drawing/2014/main" id="{349C600C-0F04-1563-63A6-3AB005D5EFA3}"/>
+              </a:ext>
+            </a:extLst>
+          </p:cNvPr>
+          <p:cNvSpPr>
+            <a:spLocks noGrp="1"/>
+          </p:cNvSpPr>
+          <p:nvPr>
+            <p:ph idx="1"/>
+          </p:nvPr>
+        </p:nvSpPr>
+        <p:spPr>
+          <a:xfrm>
+            <a:off x="346329" y="1038226"/>
+            <a:ext cx="3768471" cy="5295899"/>
+          </a:xfrm>
+        </p:spPr>
+        <p:txBody>
+          <a:bodyPr>
+            <a:normAutofit lnSpcReduction="10000"/>
+          </a:bodyPr>
+          <a:lstStyle/>
+          <a:p>
+            <a:pPr marL="0" indent="0">
+              <a:buNone/>
+            </a:pPr>
+            <a:r>
+              <a:rPr lang="ru-RU" b="1" dirty="0" smtClean="0">
+                <a:latin typeface="Segoe UI" panose="020B0502040204020203" pitchFamily="34" charset="0"/>
+                <a:cs typeface="Segoe UI" panose="020B0502040204020203" pitchFamily="34" charset="0"/>
+              </a:rPr>
+              <a:t>Компенсация искажений на приемнике</a:t>
+            </a:r>
+          </a:p>
+          <a:p>
+            <a:r>
+              <a:rPr lang="ru-RU" dirty="0" smtClean="0">
+                <a:latin typeface="Segoe UI" panose="020B0502040204020203" pitchFamily="34" charset="0"/>
+                <a:cs typeface="Segoe UI" panose="020B0502040204020203" pitchFamily="34" charset="0"/>
+              </a:rPr>
+              <a:t>Компенсация производится посредством оценки параметров УМ с помощью пилотных сигналов, либо параметры считаются известными/переданы в сервисной информации. На основе полученных параметров применяется дополнительная обработка</a:t>
+            </a:r>
+          </a:p>
+          <a:p>
+            <a:r>
+              <a:rPr lang="ru-RU" dirty="0" smtClean="0">
+                <a:latin typeface="Segoe UI" panose="020B0502040204020203" pitchFamily="34" charset="0"/>
+                <a:cs typeface="Segoe UI" panose="020B0502040204020203" pitchFamily="34" charset="0"/>
+              </a:rPr>
+              <a:t>Многие работы рассматривают теоретические случаи, редко производится полноценное моделирование системы</a:t>
+            </a:r>
+          </a:p>
+          <a:p>
+            <a:r>
+              <a:rPr lang="ru-RU" dirty="0" smtClean="0">
+                <a:latin typeface="Segoe UI" panose="020B0502040204020203" pitchFamily="34" charset="0"/>
+                <a:cs typeface="Segoe UI" panose="020B0502040204020203" pitchFamily="34" charset="0"/>
+              </a:rPr>
+              <a:t>Не удалось найти пример использования компенсации для </a:t>
+            </a:r>
+            <a:r>
+              <a:rPr lang="en-US" dirty="0" smtClean="0">
+                <a:latin typeface="Segoe UI" panose="020B0502040204020203" pitchFamily="34" charset="0"/>
+                <a:cs typeface="Segoe UI" panose="020B0502040204020203" pitchFamily="34" charset="0"/>
+              </a:rPr>
+              <a:t>DFT-s-OFDM </a:t>
+            </a:r>
+            <a:r>
+              <a:rPr lang="ru-RU" dirty="0" smtClean="0">
+                <a:latin typeface="Segoe UI" panose="020B0502040204020203" pitchFamily="34" charset="0"/>
+                <a:cs typeface="Segoe UI" panose="020B0502040204020203" pitchFamily="34" charset="0"/>
+              </a:rPr>
+              <a:t>сигнала</a:t>
+            </a:r>
+            <a:endParaRPr lang="ru-RU" dirty="0">
+              <a:latin typeface="Segoe UI" panose="020B0502040204020203" pitchFamily="34" charset="0"/>
+              <a:cs typeface="Segoe UI" panose="020B0502040204020203" pitchFamily="34" charset="0"/>
+            </a:endParaRPr>
+          </a:p>
+          <a:p>
+            <a:pPr marL="0" indent="0">
+              <a:buNone/>
+            </a:pPr>
+            <a:endParaRPr lang="ru-RU" b="1" dirty="0">
+              <a:latin typeface="Segoe UI" panose="020B0502040204020203" pitchFamily="34" charset="0"/>
+              <a:cs typeface="Segoe UI" panose="020B0502040204020203" pitchFamily="34" charset="0"/>
+            </a:endParaRPr>
+          </a:p>
+        </p:txBody>
+      </p:sp>
+      <p:sp>
+        <p:nvSpPr>
+          <p:cNvPr id="4" name="Номер слайда 3">
+            <a:extLst>
+              <a:ext uri="{FF2B5EF4-FFF2-40B4-BE49-F238E27FC236}">
+                <a16:creationId xmlns:a16="http://schemas.microsoft.com/office/drawing/2014/main" id="{8B490247-C3DE-4E64-3994-77CF364D4A23}"/>
+              </a:ext>
+            </a:extLst>
+          </p:cNvPr>
+          <p:cNvSpPr>
+            <a:spLocks noGrp="1"/>
+          </p:cNvSpPr>
+          <p:nvPr>
+            <p:ph type="sldNum" sz="quarter" idx="12"/>
+          </p:nvPr>
+        </p:nvSpPr>
+        <p:spPr/>
+        <p:txBody>
+          <a:bodyPr/>
+          <a:lstStyle/>
+          <a:p>
+            <a:fld id="{12AFF886-F040-4FA5-8BD0-0A595B4BDA00}" type="slidenum">
+              <a:rPr lang="ru-RU" smtClean="0"/>
+              <a:t>13</a:t>
+            </a:fld>
+            <a:endParaRPr lang="ru-RU"/>
+          </a:p>
+        </p:txBody>
+      </p:sp>
+      <p:sp>
+        <p:nvSpPr>
+          <p:cNvPr id="7" name="Прямоугольник 6"/>
+          <p:cNvSpPr/>
+          <p:nvPr/>
+        </p:nvSpPr>
+        <p:spPr>
+          <a:xfrm>
+            <a:off x="4229100" y="1971002"/>
+            <a:ext cx="4072215" cy="430887"/>
+          </a:xfrm>
+          <a:prstGeom prst="rect">
+            <a:avLst/>
+          </a:prstGeom>
+        </p:spPr>
+        <p:txBody>
+          <a:bodyPr wrap="square">
+            <a:spAutoFit/>
+          </a:bodyPr>
+          <a:lstStyle/>
+          <a:p>
+            <a:r>
+              <a:rPr lang="en-US" sz="1100" i="1" dirty="0">
+                <a:latin typeface="Segoe UI" panose="020B0502040204020203" pitchFamily="34" charset="0"/>
+                <a:cs typeface="Segoe UI" panose="020B0502040204020203" pitchFamily="34" charset="0"/>
+              </a:rPr>
+              <a:t>Receiver based compensation of nonlinear distortion in MIMO-OFDM / </a:t>
+            </a:r>
+            <a:r>
+              <a:rPr lang="en-US" sz="1100" i="1" dirty="0" err="1">
+                <a:latin typeface="Segoe UI" panose="020B0502040204020203" pitchFamily="34" charset="0"/>
+                <a:cs typeface="Segoe UI" panose="020B0502040204020203" pitchFamily="34" charset="0"/>
+              </a:rPr>
+              <a:t>Drotar</a:t>
+            </a:r>
+            <a:r>
+              <a:rPr lang="en-US" sz="1100" i="1" dirty="0">
+                <a:latin typeface="Segoe UI" panose="020B0502040204020203" pitchFamily="34" charset="0"/>
+                <a:cs typeface="Segoe UI" panose="020B0502040204020203" pitchFamily="34" charset="0"/>
+              </a:rPr>
+              <a:t> et. al., 2010</a:t>
+            </a:r>
+            <a:endParaRPr lang="en-US" sz="1100" i="1" dirty="0">
+              <a:latin typeface="Segoe UI" panose="020B0502040204020203" pitchFamily="34" charset="0"/>
+              <a:cs typeface="Segoe UI" panose="020B0502040204020203" pitchFamily="34" charset="0"/>
+            </a:endParaRPr>
+          </a:p>
+        </p:txBody>
+      </p:sp>
+    </p:spTree>
+    <p:extLst>
+      <p:ext uri="{BB962C8B-B14F-4D97-AF65-F5344CB8AC3E}">
+        <p14:creationId xmlns:p14="http://schemas.microsoft.com/office/powerpoint/2010/main" val="3899540755"/>
+      </p:ext>
+    </p:extLst>
+  </p:cSld>
+  <p:clrMapOvr>
+    <a:masterClrMapping/>
+  </p:clrMapOvr>
+</p:sld>
+</file>
+
+<file path=ppt/slides/slide14.xml><?xml version="1.0" encoding="utf-8"?>
 <p:sld xmlns:a="http://schemas.openxmlformats.org/drawingml/2006/main" xmlns:r="http://schemas.openxmlformats.org/officeDocument/2006/relationships" xmlns:p="http://schemas.openxmlformats.org/presentationml/2006/main">
   <p:cSld>
     <p:spTree>
@@ -7190,7 +7750,7 @@
           <a:p>
             <a:fld id="{12AFF886-F040-4FA5-8BD0-0A595B4BDA00}" type="slidenum">
               <a:rPr lang="ru-RU" smtClean="0"/>
-              <a:t>13</a:t>
+              <a:t>14</a:t>
             </a:fld>
             <a:endParaRPr lang="ru-RU"/>
           </a:p>
@@ -7218,7 +7778,7 @@
         </p:blipFill>
         <p:spPr>
           <a:xfrm>
-            <a:off x="360446" y="2035063"/>
+            <a:off x="360446" y="1939813"/>
             <a:ext cx="5478664" cy="1881667"/>
           </a:xfrm>
           <a:prstGeom prst="rect">
@@ -7575,74 +8135,6 @@
           </a:p>
         </p:txBody>
       </p:sp>
-      <p:pic>
-        <p:nvPicPr>
-          <p:cNvPr id="13" name="Picture 5">
-            <a:extLst>
-              <a:ext uri="{FF2B5EF4-FFF2-40B4-BE49-F238E27FC236}">
-                <a16:creationId xmlns:a16="http://schemas.microsoft.com/office/drawing/2014/main" id="{24051730-6320-0AED-CA2E-925E44CED1BF}"/>
-              </a:ext>
-            </a:extLst>
-          </p:cNvPr>
-          <p:cNvPicPr>
-            <a:picLocks noChangeAspect="1" noChangeArrowheads="1"/>
-          </p:cNvPicPr>
-          <p:nvPr/>
-        </p:nvPicPr>
-        <p:blipFill rotWithShape="1">
-          <a:blip r:embed="rId3">
-            <a:extLst>
-              <a:ext uri="{28A0092B-C50C-407E-A947-70E740481C1C}">
-                <a14:useLocalDpi xmlns:a14="http://schemas.microsoft.com/office/drawing/2010/main" val="0"/>
-              </a:ext>
-            </a:extLst>
-          </a:blip>
-          <a:srcRect r="6968"/>
-          <a:stretch/>
-        </p:blipFill>
-        <p:spPr bwMode="auto">
-          <a:xfrm rot="5400000" flipH="1">
-            <a:off x="4593349" y="3067007"/>
-            <a:ext cx="4013484" cy="3235566"/>
-          </a:xfrm>
-          <a:prstGeom prst="rect">
-            <a:avLst/>
-          </a:prstGeom>
-          <a:noFill/>
-          <a:ln>
-            <a:noFill/>
-          </a:ln>
-          <a:effectLst/>
-          <a:extLst>
-            <a:ext uri="{909E8E84-426E-40DD-AFC4-6F175D3DCCD1}">
-              <a14:hiddenFill xmlns:a14="http://schemas.microsoft.com/office/drawing/2010/main">
-                <a:solidFill>
-                  <a:schemeClr val="accent1"/>
-                </a:solidFill>
-              </a14:hiddenFill>
-            </a:ext>
-            <a:ext uri="{91240B29-F687-4F45-9708-019B960494DF}">
-              <a14:hiddenLine xmlns:a14="http://schemas.microsoft.com/office/drawing/2010/main" w="9525">
-                <a:solidFill>
-                  <a:schemeClr val="tx1"/>
-                </a:solidFill>
-                <a:miter lim="800000"/>
-                <a:headEnd/>
-                <a:tailEnd/>
-              </a14:hiddenLine>
-            </a:ext>
-            <a:ext uri="{AF507438-7753-43E0-B8FC-AC1667EBCBE1}">
-              <a14:hiddenEffects xmlns:a14="http://schemas.microsoft.com/office/drawing/2010/main">
-                <a:effectLst>
-                  <a:outerShdw dist="35921" dir="2700000" algn="ctr" rotWithShape="0">
-                    <a:schemeClr val="bg2"/>
-                  </a:outerShdw>
-                </a:effectLst>
-              </a14:hiddenEffects>
-            </a:ext>
-          </a:extLst>
-        </p:spPr>
-      </p:pic>
       <p:sp>
         <p:nvSpPr>
           <p:cNvPr id="14" name="Объект 2">
@@ -7659,8 +8151,8 @@
         </p:nvSpPr>
         <p:spPr>
           <a:xfrm>
-            <a:off x="348723" y="4019551"/>
-            <a:ext cx="4633585" cy="2671982"/>
+            <a:off x="348723" y="3821480"/>
+            <a:ext cx="4633585" cy="2870053"/>
           </a:xfrm>
           <a:prstGeom prst="rect">
             <a:avLst/>
@@ -7668,7 +8160,7 @@
         </p:spPr>
         <p:txBody>
           <a:bodyPr vert="horz" lIns="91440" tIns="45720" rIns="91440" bIns="45720" rtlCol="0">
-            <a:normAutofit fontScale="92500" lnSpcReduction="10000"/>
+            <a:normAutofit/>
           </a:bodyPr>
           <a:lstStyle>
             <a:lvl1pPr marL="182880" indent="-182880" algn="l" defTabSz="914400" rtl="0" eaLnBrk="1" latinLnBrk="0" hangingPunct="1">
@@ -7922,7 +8414,7 @@
               <a:buNone/>
             </a:pPr>
             <a:r>
-              <a:rPr lang="ru-RU" dirty="0">
+              <a:rPr lang="ru-RU" sz="1600" dirty="0">
                 <a:latin typeface="Segoe UI" panose="020B0502040204020203" pitchFamily="34" charset="0"/>
                 <a:cs typeface="Segoe UI" panose="020B0502040204020203" pitchFamily="34" charset="0"/>
               </a:rPr>
@@ -7938,7 +8430,7 @@
               <a:buNone/>
             </a:pPr>
             <a:r>
-              <a:rPr lang="ru-RU" dirty="0">
+              <a:rPr lang="ru-RU" sz="1600" dirty="0">
                 <a:latin typeface="Segoe UI" panose="020B0502040204020203" pitchFamily="34" charset="0"/>
                 <a:cs typeface="Segoe UI" panose="020B0502040204020203" pitchFamily="34" charset="0"/>
               </a:rPr>
@@ -7954,7 +8446,7 @@
               <a:buNone/>
             </a:pPr>
             <a:r>
-              <a:rPr lang="ru-RU" dirty="0">
+              <a:rPr lang="ru-RU" sz="1600" dirty="0">
                 <a:latin typeface="Segoe UI" panose="020B0502040204020203" pitchFamily="34" charset="0"/>
                 <a:cs typeface="Segoe UI" panose="020B0502040204020203" pitchFamily="34" charset="0"/>
               </a:rPr>
@@ -7963,6 +8455,36 @@
           </a:p>
         </p:txBody>
       </p:sp>
+      <p:pic>
+        <p:nvPicPr>
+          <p:cNvPr id="3" name="Рисунок 2"/>
+          <p:cNvPicPr>
+            <a:picLocks noChangeAspect="1"/>
+          </p:cNvPicPr>
+          <p:nvPr/>
+        </p:nvPicPr>
+        <p:blipFill>
+          <a:blip r:embed="rId3" cstate="print">
+            <a:extLst>
+              <a:ext uri="{28A0092B-C50C-407E-A947-70E740481C1C}">
+                <a14:useLocalDpi xmlns:a14="http://schemas.microsoft.com/office/drawing/2010/main" val="0"/>
+              </a:ext>
+            </a:extLst>
+          </a:blip>
+          <a:stretch>
+            <a:fillRect/>
+          </a:stretch>
+        </p:blipFill>
+        <p:spPr>
+          <a:xfrm>
+            <a:off x="5144800" y="2681151"/>
+            <a:ext cx="3084799" cy="4119699"/>
+          </a:xfrm>
+          <a:prstGeom prst="rect">
+            <a:avLst/>
+          </a:prstGeom>
+        </p:spPr>
+      </p:pic>
     </p:spTree>
     <p:extLst>
       <p:ext uri="{BB962C8B-B14F-4D97-AF65-F5344CB8AC3E}">
@@ -7976,7 +8498,7 @@
 </p:sld>
 </file>
 
-<file path=ppt/slides/slide14.xml><?xml version="1.0" encoding="utf-8"?>
+<file path=ppt/slides/slide15.xml><?xml version="1.0" encoding="utf-8"?>
 <p:sld xmlns:a="http://schemas.openxmlformats.org/drawingml/2006/main" xmlns:r="http://schemas.openxmlformats.org/officeDocument/2006/relationships" xmlns:p="http://schemas.openxmlformats.org/presentationml/2006/main">
   <p:cSld>
     <p:spTree>
@@ -8052,7 +8574,7 @@
           <a:p>
             <a:fld id="{12AFF886-F040-4FA5-8BD0-0A595B4BDA00}" type="slidenum">
               <a:rPr lang="ru-RU" smtClean="0"/>
-              <a:t>14</a:t>
+              <a:t>15</a:t>
             </a:fld>
             <a:endParaRPr lang="ru-RU"/>
           </a:p>
@@ -8131,7 +8653,7 @@
 </p:sld>
 </file>
 
-<file path=ppt/slides/slide15.xml><?xml version="1.0" encoding="utf-8"?>
+<file path=ppt/slides/slide16.xml><?xml version="1.0" encoding="utf-8"?>
 <p:sld xmlns:a="http://schemas.openxmlformats.org/drawingml/2006/main" xmlns:r="http://schemas.openxmlformats.org/officeDocument/2006/relationships" xmlns:p="http://schemas.openxmlformats.org/presentationml/2006/main">
   <p:cSld>
     <p:spTree>
@@ -8260,42 +8782,12 @@
           <a:p>
             <a:fld id="{12AFF886-F040-4FA5-8BD0-0A595B4BDA00}" type="slidenum">
               <a:rPr lang="ru-RU" smtClean="0"/>
-              <a:t>15</a:t>
+              <a:t>16</a:t>
             </a:fld>
             <a:endParaRPr lang="ru-RU"/>
           </a:p>
         </p:txBody>
       </p:sp>
-      <p:pic>
-        <p:nvPicPr>
-          <p:cNvPr id="6" name="Рисунок 5">
-            <a:extLst>
-              <a:ext uri="{FF2B5EF4-FFF2-40B4-BE49-F238E27FC236}">
-                <a16:creationId xmlns:a16="http://schemas.microsoft.com/office/drawing/2014/main" id="{DA5066C8-53B5-2F4E-F17D-F0ACC04473E1}"/>
-              </a:ext>
-            </a:extLst>
-          </p:cNvPr>
-          <p:cNvPicPr>
-            <a:picLocks noChangeAspect="1"/>
-          </p:cNvPicPr>
-          <p:nvPr/>
-        </p:nvPicPr>
-        <p:blipFill>
-          <a:blip r:embed="rId2"/>
-          <a:stretch>
-            <a:fillRect/>
-          </a:stretch>
-        </p:blipFill>
-        <p:spPr>
-          <a:xfrm>
-            <a:off x="3239047" y="1840523"/>
-            <a:ext cx="5064057" cy="4651717"/>
-          </a:xfrm>
-          <a:prstGeom prst="rect">
-            <a:avLst/>
-          </a:prstGeom>
-        </p:spPr>
-      </p:pic>
       <p:sp>
         <p:nvSpPr>
           <p:cNvPr id="7" name="Объект 2">
@@ -8627,7 +9119,7 @@
           <p:nvPr/>
         </p:nvPicPr>
         <p:blipFill>
-          <a:blip r:embed="rId3"/>
+          <a:blip r:embed="rId2"/>
           <a:stretch>
             <a:fillRect/>
           </a:stretch>
@@ -8642,6 +9134,1891 @@
           </a:prstGeom>
         </p:spPr>
       </p:pic>
+      <p:graphicFrame>
+        <p:nvGraphicFramePr>
+          <p:cNvPr id="5" name="Таблица 4"/>
+          <p:cNvGraphicFramePr>
+            <a:graphicFrameLocks noGrp="1"/>
+          </p:cNvGraphicFramePr>
+          <p:nvPr>
+            <p:extLst>
+              <p:ext uri="{D42A27DB-BD31-4B8C-83A1-F6EECF244321}">
+                <p14:modId xmlns:p14="http://schemas.microsoft.com/office/powerpoint/2010/main" val="758060462"/>
+              </p:ext>
+            </p:extLst>
+          </p:nvPr>
+        </p:nvGraphicFramePr>
+        <p:xfrm>
+          <a:off x="3252955" y="1733554"/>
+          <a:ext cx="5040923" cy="4930901"/>
+        </p:xfrm>
+        <a:graphic>
+          <a:graphicData uri="http://schemas.openxmlformats.org/drawingml/2006/table">
+            <a:tbl>
+              <a:tblPr firstRow="1" firstCol="1" bandRow="1">
+                <a:tableStyleId>{5940675A-B579-460E-94D1-54222C63F5DA}</a:tableStyleId>
+              </a:tblPr>
+              <a:tblGrid>
+                <a:gridCol w="2357270">
+                  <a:extLst>
+                    <a:ext uri="{9D8B030D-6E8A-4147-A177-3AD203B41FA5}">
+                      <a16:colId xmlns:a16="http://schemas.microsoft.com/office/drawing/2014/main" val="3611293040"/>
+                    </a:ext>
+                  </a:extLst>
+                </a:gridCol>
+                <a:gridCol w="2683653">
+                  <a:extLst>
+                    <a:ext uri="{9D8B030D-6E8A-4147-A177-3AD203B41FA5}">
+                      <a16:colId xmlns:a16="http://schemas.microsoft.com/office/drawing/2014/main" val="65458567"/>
+                    </a:ext>
+                  </a:extLst>
+                </a:gridCol>
+              </a:tblGrid>
+              <a:tr h="470318">
+                <a:tc>
+                  <a:txBody>
+                    <a:bodyPr/>
+                    <a:lstStyle/>
+                    <a:p>
+                      <a:pPr algn="l">
+                        <a:lnSpc>
+                          <a:spcPct val="115000"/>
+                        </a:lnSpc>
+                        <a:spcAft>
+                          <a:spcPts val="0"/>
+                        </a:spcAft>
+                      </a:pPr>
+                      <a:r>
+                        <a:rPr lang="ru-RU" sz="1400" b="1" dirty="0" smtClean="0">
+                          <a:effectLst/>
+                          <a:latin typeface="Segoe UI" panose="020B0502040204020203" pitchFamily="34" charset="0"/>
+                          <a:cs typeface="Segoe UI" panose="020B0502040204020203" pitchFamily="34" charset="0"/>
+                        </a:rPr>
+                        <a:t>Параметр</a:t>
+                      </a:r>
+                      <a:endParaRPr lang="ru-RU" sz="1400" b="1" dirty="0">
+                        <a:effectLst/>
+                        <a:latin typeface="Segoe UI" panose="020B0502040204020203" pitchFamily="34" charset="0"/>
+                        <a:ea typeface="Malgun Gothic" panose="020B0503020000020004" pitchFamily="34" charset="-127"/>
+                        <a:cs typeface="Segoe UI" panose="020B0502040204020203" pitchFamily="34" charset="0"/>
+                      </a:endParaRPr>
+                    </a:p>
+                  </a:txBody>
+                  <a:tcPr marL="68580" marR="68580" marT="5080" marB="0" anchor="ctr">
+                    <a:lnL w="12700" cap="flat" cmpd="sng" algn="ctr">
+                      <a:noFill/>
+                      <a:prstDash val="solid"/>
+                      <a:round/>
+                      <a:headEnd type="none" w="med" len="med"/>
+                      <a:tailEnd type="none" w="med" len="med"/>
+                    </a:lnL>
+                    <a:lnR w="12700" cap="flat" cmpd="sng" algn="ctr">
+                      <a:solidFill>
+                        <a:schemeClr val="tx1"/>
+                      </a:solidFill>
+                      <a:prstDash val="solid"/>
+                      <a:round/>
+                      <a:headEnd type="none" w="med" len="med"/>
+                      <a:tailEnd type="none" w="med" len="med"/>
+                    </a:lnR>
+                    <a:lnT w="12700" cmpd="sng">
+                      <a:noFill/>
+                    </a:lnT>
+                    <a:lnB w="12700" cap="flat" cmpd="sng" algn="ctr">
+                      <a:solidFill>
+                        <a:schemeClr val="tx1"/>
+                      </a:solidFill>
+                      <a:prstDash val="solid"/>
+                      <a:round/>
+                      <a:headEnd type="none" w="med" len="med"/>
+                      <a:tailEnd type="none" w="med" len="med"/>
+                    </a:lnB>
+                    <a:lnTlToBr w="12700" cmpd="sng">
+                      <a:noFill/>
+                      <a:prstDash val="solid"/>
+                    </a:lnTlToBr>
+                    <a:lnBlToTr w="12700" cmpd="sng">
+                      <a:noFill/>
+                      <a:prstDash val="solid"/>
+                    </a:lnBlToTr>
+                  </a:tcPr>
+                </a:tc>
+                <a:tc>
+                  <a:txBody>
+                    <a:bodyPr/>
+                    <a:lstStyle/>
+                    <a:p>
+                      <a:pPr algn="l">
+                        <a:lnSpc>
+                          <a:spcPct val="115000"/>
+                        </a:lnSpc>
+                        <a:spcAft>
+                          <a:spcPts val="0"/>
+                        </a:spcAft>
+                      </a:pPr>
+                      <a:r>
+                        <a:rPr lang="ru-RU" sz="1400" b="1" dirty="0" smtClean="0">
+                          <a:effectLst/>
+                          <a:latin typeface="Segoe UI" panose="020B0502040204020203" pitchFamily="34" charset="0"/>
+                          <a:cs typeface="Segoe UI" panose="020B0502040204020203" pitchFamily="34" charset="0"/>
+                        </a:rPr>
+                        <a:t>Используемы значения</a:t>
+                      </a:r>
+                      <a:endParaRPr lang="ru-RU" sz="1400" b="1" dirty="0">
+                        <a:effectLst/>
+                        <a:latin typeface="Segoe UI" panose="020B0502040204020203" pitchFamily="34" charset="0"/>
+                        <a:ea typeface="Malgun Gothic" panose="020B0503020000020004" pitchFamily="34" charset="-127"/>
+                        <a:cs typeface="Segoe UI" panose="020B0502040204020203" pitchFamily="34" charset="0"/>
+                      </a:endParaRPr>
+                    </a:p>
+                  </a:txBody>
+                  <a:tcPr marL="68580" marR="68580" marT="5080" marB="0" anchor="ctr">
+                    <a:lnL w="12700" cap="flat" cmpd="sng" algn="ctr">
+                      <a:solidFill>
+                        <a:schemeClr val="tx1"/>
+                      </a:solidFill>
+                      <a:prstDash val="solid"/>
+                      <a:round/>
+                      <a:headEnd type="none" w="med" len="med"/>
+                      <a:tailEnd type="none" w="med" len="med"/>
+                    </a:lnL>
+                    <a:lnR w="12700" cmpd="sng">
+                      <a:noFill/>
+                    </a:lnR>
+                    <a:lnT w="12700" cmpd="sng">
+                      <a:noFill/>
+                    </a:lnT>
+                    <a:lnB w="12700" cap="flat" cmpd="sng" algn="ctr">
+                      <a:solidFill>
+                        <a:schemeClr val="tx1"/>
+                      </a:solidFill>
+                      <a:prstDash val="solid"/>
+                      <a:round/>
+                      <a:headEnd type="none" w="med" len="med"/>
+                      <a:tailEnd type="none" w="med" len="med"/>
+                    </a:lnB>
+                    <a:lnTlToBr w="12700" cmpd="sng">
+                      <a:noFill/>
+                      <a:prstDash val="solid"/>
+                    </a:lnTlToBr>
+                    <a:lnBlToTr w="12700" cmpd="sng">
+                      <a:noFill/>
+                      <a:prstDash val="solid"/>
+                    </a:lnBlToTr>
+                  </a:tcPr>
+                </a:tc>
+                <a:extLst>
+                  <a:ext uri="{0D108BD9-81ED-4DB2-BD59-A6C34878D82A}">
+                    <a16:rowId xmlns:a16="http://schemas.microsoft.com/office/drawing/2014/main" val="1769476416"/>
+                  </a:ext>
+                </a:extLst>
+              </a:tr>
+              <a:tr h="354387">
+                <a:tc>
+                  <a:txBody>
+                    <a:bodyPr/>
+                    <a:lstStyle/>
+                    <a:p>
+                      <a:pPr algn="l">
+                        <a:lnSpc>
+                          <a:spcPct val="115000"/>
+                        </a:lnSpc>
+                        <a:spcAft>
+                          <a:spcPts val="0"/>
+                        </a:spcAft>
+                      </a:pPr>
+                      <a:r>
+                        <a:rPr lang="ru-RU" sz="1400" dirty="0" smtClean="0">
+                          <a:effectLst/>
+                          <a:latin typeface="Segoe UI" panose="020B0502040204020203" pitchFamily="34" charset="0"/>
+                          <a:cs typeface="Segoe UI" panose="020B0502040204020203" pitchFamily="34" charset="0"/>
+                        </a:rPr>
+                        <a:t>Несущая частота,</a:t>
+                      </a:r>
+                      <a:r>
+                        <a:rPr lang="ru-RU" sz="1400" baseline="0" dirty="0" smtClean="0">
+                          <a:effectLst/>
+                          <a:latin typeface="Segoe UI" panose="020B0502040204020203" pitchFamily="34" charset="0"/>
+                          <a:cs typeface="Segoe UI" panose="020B0502040204020203" pitchFamily="34" charset="0"/>
+                        </a:rPr>
+                        <a:t> </a:t>
+                      </a:r>
+                      <a:r>
+                        <a:rPr lang="en-US" sz="1400" baseline="0" dirty="0" smtClean="0">
+                          <a:effectLst/>
+                          <a:latin typeface="Segoe UI" panose="020B0502040204020203" pitchFamily="34" charset="0"/>
+                          <a:cs typeface="Segoe UI" panose="020B0502040204020203" pitchFamily="34" charset="0"/>
+                        </a:rPr>
+                        <a:t>f</a:t>
+                      </a:r>
+                      <a:r>
+                        <a:rPr lang="en-US" sz="1400" baseline="-25000" dirty="0" smtClean="0">
+                          <a:effectLst/>
+                          <a:latin typeface="Segoe UI" panose="020B0502040204020203" pitchFamily="34" charset="0"/>
+                          <a:cs typeface="Segoe UI" panose="020B0502040204020203" pitchFamily="34" charset="0"/>
+                        </a:rPr>
+                        <a:t>c</a:t>
+                      </a:r>
+                      <a:endParaRPr lang="ru-RU" sz="1400" b="1" i="1" baseline="-25000" dirty="0">
+                        <a:effectLst/>
+                        <a:latin typeface="Segoe UI" panose="020B0502040204020203" pitchFamily="34" charset="0"/>
+                        <a:ea typeface="Malgun Gothic" panose="020B0503020000020004" pitchFamily="34" charset="-127"/>
+                        <a:cs typeface="Segoe UI" panose="020B0502040204020203" pitchFamily="34" charset="0"/>
+                      </a:endParaRPr>
+                    </a:p>
+                  </a:txBody>
+                  <a:tcPr marL="68580" marR="68580" marT="5080" marB="0" anchor="ctr">
+                    <a:lnL w="12700" cap="flat" cmpd="sng" algn="ctr">
+                      <a:noFill/>
+                      <a:prstDash val="solid"/>
+                      <a:round/>
+                      <a:headEnd type="none" w="med" len="med"/>
+                      <a:tailEnd type="none" w="med" len="med"/>
+                    </a:lnL>
+                    <a:lnR w="12700" cap="flat" cmpd="sng" algn="ctr">
+                      <a:solidFill>
+                        <a:schemeClr val="tx1"/>
+                      </a:solidFill>
+                      <a:prstDash val="solid"/>
+                      <a:round/>
+                      <a:headEnd type="none" w="med" len="med"/>
+                      <a:tailEnd type="none" w="med" len="med"/>
+                    </a:lnR>
+                    <a:lnT w="12700" cap="flat" cmpd="sng" algn="ctr">
+                      <a:solidFill>
+                        <a:schemeClr val="tx1"/>
+                      </a:solidFill>
+                      <a:prstDash val="solid"/>
+                      <a:round/>
+                      <a:headEnd type="none" w="med" len="med"/>
+                      <a:tailEnd type="none" w="med" len="med"/>
+                    </a:lnT>
+                    <a:lnB w="12700" cap="flat" cmpd="sng" algn="ctr">
+                      <a:solidFill>
+                        <a:schemeClr val="tx1"/>
+                      </a:solidFill>
+                      <a:prstDash val="solid"/>
+                      <a:round/>
+                      <a:headEnd type="none" w="med" len="med"/>
+                      <a:tailEnd type="none" w="med" len="med"/>
+                    </a:lnB>
+                    <a:lnTlToBr w="12700" cmpd="sng">
+                      <a:noFill/>
+                      <a:prstDash val="solid"/>
+                    </a:lnTlToBr>
+                    <a:lnBlToTr w="12700" cmpd="sng">
+                      <a:noFill/>
+                      <a:prstDash val="solid"/>
+                    </a:lnBlToTr>
+                  </a:tcPr>
+                </a:tc>
+                <a:tc>
+                  <a:txBody>
+                    <a:bodyPr/>
+                    <a:lstStyle/>
+                    <a:p>
+                      <a:pPr algn="l">
+                        <a:lnSpc>
+                          <a:spcPct val="115000"/>
+                        </a:lnSpc>
+                        <a:spcAft>
+                          <a:spcPts val="0"/>
+                        </a:spcAft>
+                      </a:pPr>
+                      <a:r>
+                        <a:rPr lang="en-US" sz="1400">
+                          <a:effectLst/>
+                          <a:latin typeface="Segoe UI" panose="020B0502040204020203" pitchFamily="34" charset="0"/>
+                          <a:cs typeface="Segoe UI" panose="020B0502040204020203" pitchFamily="34" charset="0"/>
+                        </a:rPr>
+                        <a:t>60GHz</a:t>
+                      </a:r>
+                      <a:endParaRPr lang="ru-RU" sz="1400" b="1">
+                        <a:effectLst/>
+                        <a:latin typeface="Segoe UI" panose="020B0502040204020203" pitchFamily="34" charset="0"/>
+                        <a:ea typeface="Malgun Gothic" panose="020B0503020000020004" pitchFamily="34" charset="-127"/>
+                        <a:cs typeface="Segoe UI" panose="020B0502040204020203" pitchFamily="34" charset="0"/>
+                      </a:endParaRPr>
+                    </a:p>
+                  </a:txBody>
+                  <a:tcPr marL="68580" marR="68580" marT="5080" marB="0" anchor="ctr">
+                    <a:lnL w="12700" cap="flat" cmpd="sng" algn="ctr">
+                      <a:solidFill>
+                        <a:schemeClr val="tx1"/>
+                      </a:solidFill>
+                      <a:prstDash val="solid"/>
+                      <a:round/>
+                      <a:headEnd type="none" w="med" len="med"/>
+                      <a:tailEnd type="none" w="med" len="med"/>
+                    </a:lnL>
+                    <a:lnR w="12700" cmpd="sng">
+                      <a:noFill/>
+                    </a:lnR>
+                    <a:lnT w="12700" cap="flat" cmpd="sng" algn="ctr">
+                      <a:solidFill>
+                        <a:schemeClr val="tx1"/>
+                      </a:solidFill>
+                      <a:prstDash val="solid"/>
+                      <a:round/>
+                      <a:headEnd type="none" w="med" len="med"/>
+                      <a:tailEnd type="none" w="med" len="med"/>
+                    </a:lnT>
+                    <a:lnB w="12700" cap="flat" cmpd="sng" algn="ctr">
+                      <a:solidFill>
+                        <a:schemeClr val="tx1"/>
+                      </a:solidFill>
+                      <a:prstDash val="solid"/>
+                      <a:round/>
+                      <a:headEnd type="none" w="med" len="med"/>
+                      <a:tailEnd type="none" w="med" len="med"/>
+                    </a:lnB>
+                    <a:lnTlToBr w="12700" cmpd="sng">
+                      <a:noFill/>
+                      <a:prstDash val="solid"/>
+                    </a:lnTlToBr>
+                    <a:lnBlToTr w="12700" cmpd="sng">
+                      <a:noFill/>
+                      <a:prstDash val="solid"/>
+                    </a:lnBlToTr>
+                  </a:tcPr>
+                </a:tc>
+                <a:extLst>
+                  <a:ext uri="{0D108BD9-81ED-4DB2-BD59-A6C34878D82A}">
+                    <a16:rowId xmlns:a16="http://schemas.microsoft.com/office/drawing/2014/main" val="1686200729"/>
+                  </a:ext>
+                </a:extLst>
+              </a:tr>
+              <a:tr h="473317">
+                <a:tc>
+                  <a:txBody>
+                    <a:bodyPr/>
+                    <a:lstStyle/>
+                    <a:p>
+                      <a:pPr algn="l">
+                        <a:lnSpc>
+                          <a:spcPct val="115000"/>
+                        </a:lnSpc>
+                        <a:spcAft>
+                          <a:spcPts val="0"/>
+                        </a:spcAft>
+                      </a:pPr>
+                      <a:r>
+                        <a:rPr lang="ru-RU" sz="1400" dirty="0" smtClean="0">
+                          <a:effectLst/>
+                          <a:latin typeface="Segoe UI" panose="020B0502040204020203" pitchFamily="34" charset="0"/>
+                          <a:cs typeface="Segoe UI" panose="020B0502040204020203" pitchFamily="34" charset="0"/>
+                        </a:rPr>
+                        <a:t>Полоса частот</a:t>
+                      </a:r>
+                      <a:endParaRPr lang="ru-RU" sz="1400" dirty="0">
+                        <a:effectLst/>
+                        <a:latin typeface="Segoe UI" panose="020B0502040204020203" pitchFamily="34" charset="0"/>
+                        <a:ea typeface="Malgun Gothic" panose="020B0503020000020004" pitchFamily="34" charset="-127"/>
+                        <a:cs typeface="Segoe UI" panose="020B0502040204020203" pitchFamily="34" charset="0"/>
+                      </a:endParaRPr>
+                    </a:p>
+                  </a:txBody>
+                  <a:tcPr marL="68580" marR="68580" marT="5080" marB="0" anchor="ctr">
+                    <a:lnL w="12700" cap="flat" cmpd="sng" algn="ctr">
+                      <a:noFill/>
+                      <a:prstDash val="solid"/>
+                      <a:round/>
+                      <a:headEnd type="none" w="med" len="med"/>
+                      <a:tailEnd type="none" w="med" len="med"/>
+                    </a:lnL>
+                    <a:lnR w="12700" cap="flat" cmpd="sng" algn="ctr">
+                      <a:solidFill>
+                        <a:schemeClr val="tx1"/>
+                      </a:solidFill>
+                      <a:prstDash val="solid"/>
+                      <a:round/>
+                      <a:headEnd type="none" w="med" len="med"/>
+                      <a:tailEnd type="none" w="med" len="med"/>
+                    </a:lnR>
+                    <a:lnT w="12700" cap="flat" cmpd="sng" algn="ctr">
+                      <a:solidFill>
+                        <a:schemeClr val="tx1"/>
+                      </a:solidFill>
+                      <a:prstDash val="solid"/>
+                      <a:round/>
+                      <a:headEnd type="none" w="med" len="med"/>
+                      <a:tailEnd type="none" w="med" len="med"/>
+                    </a:lnT>
+                    <a:lnB w="12700" cap="flat" cmpd="sng" algn="ctr">
+                      <a:solidFill>
+                        <a:schemeClr val="tx1"/>
+                      </a:solidFill>
+                      <a:prstDash val="solid"/>
+                      <a:round/>
+                      <a:headEnd type="none" w="med" len="med"/>
+                      <a:tailEnd type="none" w="med" len="med"/>
+                    </a:lnB>
+                    <a:lnTlToBr w="12700" cmpd="sng">
+                      <a:noFill/>
+                      <a:prstDash val="solid"/>
+                    </a:lnTlToBr>
+                    <a:lnBlToTr w="12700" cmpd="sng">
+                      <a:noFill/>
+                      <a:prstDash val="solid"/>
+                    </a:lnBlToTr>
+                  </a:tcPr>
+                </a:tc>
+                <a:tc>
+                  <a:txBody>
+                    <a:bodyPr/>
+                    <a:lstStyle/>
+                    <a:p>
+                      <a:pPr algn="l">
+                        <a:lnSpc>
+                          <a:spcPct val="115000"/>
+                        </a:lnSpc>
+                        <a:spcAft>
+                          <a:spcPts val="0"/>
+                        </a:spcAft>
+                      </a:pPr>
+                      <a:r>
+                        <a:rPr lang="en-US" sz="1400" dirty="0">
+                          <a:effectLst/>
+                          <a:latin typeface="Segoe UI" panose="020B0502040204020203" pitchFamily="34" charset="0"/>
+                          <a:cs typeface="Segoe UI" panose="020B0502040204020203" pitchFamily="34" charset="0"/>
+                        </a:rPr>
+                        <a:t>400 </a:t>
+                      </a:r>
+                      <a:r>
+                        <a:rPr lang="en-US" sz="1400" dirty="0" smtClean="0">
+                          <a:effectLst/>
+                          <a:latin typeface="Segoe UI" panose="020B0502040204020203" pitchFamily="34" charset="0"/>
+                          <a:cs typeface="Segoe UI" panose="020B0502040204020203" pitchFamily="34" charset="0"/>
+                        </a:rPr>
+                        <a:t>MHz</a:t>
+                      </a:r>
+                      <a:endParaRPr lang="ru-RU" sz="1400" dirty="0">
+                        <a:effectLst/>
+                        <a:latin typeface="Segoe UI" panose="020B0502040204020203" pitchFamily="34" charset="0"/>
+                        <a:cs typeface="Segoe UI" panose="020B0502040204020203" pitchFamily="34" charset="0"/>
+                      </a:endParaRPr>
+                    </a:p>
+                  </a:txBody>
+                  <a:tcPr marL="68580" marR="68580" marT="5080" marB="0" anchor="ctr">
+                    <a:lnL w="12700" cap="flat" cmpd="sng" algn="ctr">
+                      <a:solidFill>
+                        <a:schemeClr val="tx1"/>
+                      </a:solidFill>
+                      <a:prstDash val="solid"/>
+                      <a:round/>
+                      <a:headEnd type="none" w="med" len="med"/>
+                      <a:tailEnd type="none" w="med" len="med"/>
+                    </a:lnL>
+                    <a:lnR w="12700" cmpd="sng">
+                      <a:noFill/>
+                    </a:lnR>
+                    <a:lnT w="12700" cap="flat" cmpd="sng" algn="ctr">
+                      <a:solidFill>
+                        <a:schemeClr val="tx1"/>
+                      </a:solidFill>
+                      <a:prstDash val="solid"/>
+                      <a:round/>
+                      <a:headEnd type="none" w="med" len="med"/>
+                      <a:tailEnd type="none" w="med" len="med"/>
+                    </a:lnT>
+                    <a:lnB w="12700" cap="flat" cmpd="sng" algn="ctr">
+                      <a:solidFill>
+                        <a:schemeClr val="tx1"/>
+                      </a:solidFill>
+                      <a:prstDash val="solid"/>
+                      <a:round/>
+                      <a:headEnd type="none" w="med" len="med"/>
+                      <a:tailEnd type="none" w="med" len="med"/>
+                    </a:lnB>
+                    <a:lnTlToBr w="12700" cmpd="sng">
+                      <a:noFill/>
+                      <a:prstDash val="solid"/>
+                    </a:lnTlToBr>
+                    <a:lnBlToTr w="12700" cmpd="sng">
+                      <a:noFill/>
+                      <a:prstDash val="solid"/>
+                    </a:lnBlToTr>
+                  </a:tcPr>
+                </a:tc>
+                <a:extLst>
+                  <a:ext uri="{0D108BD9-81ED-4DB2-BD59-A6C34878D82A}">
+                    <a16:rowId xmlns:a16="http://schemas.microsoft.com/office/drawing/2014/main" val="1513865619"/>
+                  </a:ext>
+                </a:extLst>
+              </a:tr>
+              <a:tr h="602007">
+                <a:tc>
+                  <a:txBody>
+                    <a:bodyPr/>
+                    <a:lstStyle/>
+                    <a:p>
+                      <a:pPr algn="l">
+                        <a:lnSpc>
+                          <a:spcPct val="115000"/>
+                        </a:lnSpc>
+                        <a:spcAft>
+                          <a:spcPts val="0"/>
+                        </a:spcAft>
+                      </a:pPr>
+                      <a:r>
+                        <a:rPr lang="ru-RU" sz="1400" dirty="0" smtClean="0">
+                          <a:effectLst/>
+                          <a:latin typeface="Segoe UI" panose="020B0502040204020203" pitchFamily="34" charset="0"/>
+                          <a:cs typeface="Segoe UI" panose="020B0502040204020203" pitchFamily="34" charset="0"/>
+                        </a:rPr>
+                        <a:t>Тип сигнала</a:t>
+                      </a:r>
+                      <a:endParaRPr lang="ru-RU" sz="1400" dirty="0">
+                        <a:effectLst/>
+                        <a:latin typeface="Segoe UI" panose="020B0502040204020203" pitchFamily="34" charset="0"/>
+                        <a:ea typeface="Malgun Gothic" panose="020B0503020000020004" pitchFamily="34" charset="-127"/>
+                        <a:cs typeface="Segoe UI" panose="020B0502040204020203" pitchFamily="34" charset="0"/>
+                      </a:endParaRPr>
+                    </a:p>
+                  </a:txBody>
+                  <a:tcPr marL="68580" marR="68580" marT="5080" marB="0" anchor="ctr">
+                    <a:lnL w="12700" cap="flat" cmpd="sng" algn="ctr">
+                      <a:noFill/>
+                      <a:prstDash val="solid"/>
+                      <a:round/>
+                      <a:headEnd type="none" w="med" len="med"/>
+                      <a:tailEnd type="none" w="med" len="med"/>
+                    </a:lnL>
+                    <a:lnR w="12700" cap="flat" cmpd="sng" algn="ctr">
+                      <a:solidFill>
+                        <a:schemeClr val="tx1"/>
+                      </a:solidFill>
+                      <a:prstDash val="solid"/>
+                      <a:round/>
+                      <a:headEnd type="none" w="med" len="med"/>
+                      <a:tailEnd type="none" w="med" len="med"/>
+                    </a:lnR>
+                    <a:lnT w="12700" cap="flat" cmpd="sng" algn="ctr">
+                      <a:solidFill>
+                        <a:schemeClr val="tx1"/>
+                      </a:solidFill>
+                      <a:prstDash val="solid"/>
+                      <a:round/>
+                      <a:headEnd type="none" w="med" len="med"/>
+                      <a:tailEnd type="none" w="med" len="med"/>
+                    </a:lnT>
+                    <a:lnB w="12700" cap="flat" cmpd="sng" algn="ctr">
+                      <a:solidFill>
+                        <a:schemeClr val="tx1"/>
+                      </a:solidFill>
+                      <a:prstDash val="solid"/>
+                      <a:round/>
+                      <a:headEnd type="none" w="med" len="med"/>
+                      <a:tailEnd type="none" w="med" len="med"/>
+                    </a:lnB>
+                    <a:lnTlToBr w="12700" cmpd="sng">
+                      <a:noFill/>
+                      <a:prstDash val="solid"/>
+                    </a:lnTlToBr>
+                    <a:lnBlToTr w="12700" cmpd="sng">
+                      <a:noFill/>
+                      <a:prstDash val="solid"/>
+                    </a:lnBlToTr>
+                  </a:tcPr>
+                </a:tc>
+                <a:tc>
+                  <a:txBody>
+                    <a:bodyPr/>
+                    <a:lstStyle/>
+                    <a:p>
+                      <a:pPr algn="l">
+                        <a:lnSpc>
+                          <a:spcPct val="115000"/>
+                        </a:lnSpc>
+                        <a:spcAft>
+                          <a:spcPts val="0"/>
+                        </a:spcAft>
+                      </a:pPr>
+                      <a:r>
+                        <a:rPr lang="en-US" sz="1400" dirty="0" smtClean="0">
+                          <a:effectLst/>
+                          <a:latin typeface="Segoe UI" panose="020B0502040204020203" pitchFamily="34" charset="0"/>
+                          <a:cs typeface="Segoe UI" panose="020B0502040204020203" pitchFamily="34" charset="0"/>
+                        </a:rPr>
+                        <a:t>CP-OFDM,</a:t>
+                      </a:r>
+                      <a:endParaRPr lang="ru-RU" sz="1400" dirty="0" smtClean="0">
+                        <a:effectLst/>
+                        <a:latin typeface="Segoe UI" panose="020B0502040204020203" pitchFamily="34" charset="0"/>
+                        <a:cs typeface="Segoe UI" panose="020B0502040204020203" pitchFamily="34" charset="0"/>
+                      </a:endParaRPr>
+                    </a:p>
+                    <a:p>
+                      <a:pPr algn="l">
+                        <a:lnSpc>
+                          <a:spcPct val="115000"/>
+                        </a:lnSpc>
+                        <a:spcAft>
+                          <a:spcPts val="0"/>
+                        </a:spcAft>
+                      </a:pPr>
+                      <a:r>
+                        <a:rPr lang="en-US" sz="1400" dirty="0" smtClean="0">
+                          <a:effectLst/>
+                          <a:latin typeface="Segoe UI" panose="020B0502040204020203" pitchFamily="34" charset="0"/>
+                          <a:cs typeface="Segoe UI" panose="020B0502040204020203" pitchFamily="34" charset="0"/>
+                        </a:rPr>
+                        <a:t>DFT-s-OFDM</a:t>
+                      </a:r>
+                      <a:endParaRPr lang="ru-RU" sz="1400" dirty="0">
+                        <a:effectLst/>
+                        <a:latin typeface="Segoe UI" panose="020B0502040204020203" pitchFamily="34" charset="0"/>
+                        <a:ea typeface="Malgun Gothic" panose="020B0503020000020004" pitchFamily="34" charset="-127"/>
+                        <a:cs typeface="Segoe UI" panose="020B0502040204020203" pitchFamily="34" charset="0"/>
+                      </a:endParaRPr>
+                    </a:p>
+                  </a:txBody>
+                  <a:tcPr marL="68580" marR="68580" marT="5080" marB="0" anchor="ctr">
+                    <a:lnL w="12700" cap="flat" cmpd="sng" algn="ctr">
+                      <a:solidFill>
+                        <a:schemeClr val="tx1"/>
+                      </a:solidFill>
+                      <a:prstDash val="solid"/>
+                      <a:round/>
+                      <a:headEnd type="none" w="med" len="med"/>
+                      <a:tailEnd type="none" w="med" len="med"/>
+                    </a:lnL>
+                    <a:lnR w="12700" cmpd="sng">
+                      <a:noFill/>
+                    </a:lnR>
+                    <a:lnT w="12700" cap="flat" cmpd="sng" algn="ctr">
+                      <a:solidFill>
+                        <a:schemeClr val="tx1"/>
+                      </a:solidFill>
+                      <a:prstDash val="solid"/>
+                      <a:round/>
+                      <a:headEnd type="none" w="med" len="med"/>
+                      <a:tailEnd type="none" w="med" len="med"/>
+                    </a:lnT>
+                    <a:lnB w="12700" cap="flat" cmpd="sng" algn="ctr">
+                      <a:solidFill>
+                        <a:schemeClr val="tx1"/>
+                      </a:solidFill>
+                      <a:prstDash val="solid"/>
+                      <a:round/>
+                      <a:headEnd type="none" w="med" len="med"/>
+                      <a:tailEnd type="none" w="med" len="med"/>
+                    </a:lnB>
+                    <a:lnTlToBr w="12700" cmpd="sng">
+                      <a:noFill/>
+                      <a:prstDash val="solid"/>
+                    </a:lnTlToBr>
+                    <a:lnBlToTr w="12700" cmpd="sng">
+                      <a:noFill/>
+                      <a:prstDash val="solid"/>
+                    </a:lnBlToTr>
+                  </a:tcPr>
+                </a:tc>
+                <a:extLst>
+                  <a:ext uri="{0D108BD9-81ED-4DB2-BD59-A6C34878D82A}">
+                    <a16:rowId xmlns:a16="http://schemas.microsoft.com/office/drawing/2014/main" val="609473981"/>
+                  </a:ext>
+                </a:extLst>
+              </a:tr>
+              <a:tr h="544641">
+                <a:tc>
+                  <a:txBody>
+                    <a:bodyPr/>
+                    <a:lstStyle/>
+                    <a:p>
+                      <a:pPr algn="l">
+                        <a:lnSpc>
+                          <a:spcPct val="115000"/>
+                        </a:lnSpc>
+                        <a:spcAft>
+                          <a:spcPts val="0"/>
+                        </a:spcAft>
+                      </a:pPr>
+                      <a:r>
+                        <a:rPr lang="ru-RU" sz="1400" dirty="0" smtClean="0">
+                          <a:effectLst/>
+                          <a:latin typeface="Segoe UI" panose="020B0502040204020203" pitchFamily="34" charset="0"/>
+                          <a:cs typeface="Segoe UI" panose="020B0502040204020203" pitchFamily="34" charset="0"/>
+                        </a:rPr>
+                        <a:t>Модель УМ</a:t>
+                      </a:r>
+                      <a:endParaRPr lang="ru-RU" sz="1400" dirty="0">
+                        <a:effectLst/>
+                        <a:latin typeface="Segoe UI" panose="020B0502040204020203" pitchFamily="34" charset="0"/>
+                        <a:ea typeface="Malgun Gothic" panose="020B0503020000020004" pitchFamily="34" charset="-127"/>
+                        <a:cs typeface="Segoe UI" panose="020B0502040204020203" pitchFamily="34" charset="0"/>
+                      </a:endParaRPr>
+                    </a:p>
+                  </a:txBody>
+                  <a:tcPr marL="68580" marR="68580" marT="5080" marB="0" anchor="ctr">
+                    <a:lnL w="12700" cap="flat" cmpd="sng" algn="ctr">
+                      <a:noFill/>
+                      <a:prstDash val="solid"/>
+                      <a:round/>
+                      <a:headEnd type="none" w="med" len="med"/>
+                      <a:tailEnd type="none" w="med" len="med"/>
+                    </a:lnL>
+                    <a:lnR w="12700" cap="flat" cmpd="sng" algn="ctr">
+                      <a:solidFill>
+                        <a:schemeClr val="tx1"/>
+                      </a:solidFill>
+                      <a:prstDash val="solid"/>
+                      <a:round/>
+                      <a:headEnd type="none" w="med" len="med"/>
+                      <a:tailEnd type="none" w="med" len="med"/>
+                    </a:lnR>
+                    <a:lnT w="12700" cap="flat" cmpd="sng" algn="ctr">
+                      <a:solidFill>
+                        <a:schemeClr val="tx1"/>
+                      </a:solidFill>
+                      <a:prstDash val="solid"/>
+                      <a:round/>
+                      <a:headEnd type="none" w="med" len="med"/>
+                      <a:tailEnd type="none" w="med" len="med"/>
+                    </a:lnT>
+                    <a:lnB w="12700" cap="flat" cmpd="sng" algn="ctr">
+                      <a:solidFill>
+                        <a:schemeClr val="tx1"/>
+                      </a:solidFill>
+                      <a:prstDash val="solid"/>
+                      <a:round/>
+                      <a:headEnd type="none" w="med" len="med"/>
+                      <a:tailEnd type="none" w="med" len="med"/>
+                    </a:lnB>
+                    <a:lnTlToBr w="12700" cmpd="sng">
+                      <a:noFill/>
+                      <a:prstDash val="solid"/>
+                    </a:lnTlToBr>
+                    <a:lnBlToTr w="12700" cmpd="sng">
+                      <a:noFill/>
+                      <a:prstDash val="solid"/>
+                    </a:lnBlToTr>
+                  </a:tcPr>
+                </a:tc>
+                <a:tc>
+                  <a:txBody>
+                    <a:bodyPr/>
+                    <a:lstStyle/>
+                    <a:p>
+                      <a:pPr algn="l">
+                        <a:lnSpc>
+                          <a:spcPct val="115000"/>
+                        </a:lnSpc>
+                        <a:spcAft>
+                          <a:spcPts val="0"/>
+                        </a:spcAft>
+                      </a:pPr>
+                      <a:r>
+                        <a:rPr lang="en-US" sz="1400" dirty="0" smtClean="0">
+                          <a:effectLst/>
+                          <a:latin typeface="Segoe UI" panose="020B0502040204020203" pitchFamily="34" charset="0"/>
+                          <a:cs typeface="Segoe UI" panose="020B0502040204020203" pitchFamily="34" charset="0"/>
+                        </a:rPr>
+                        <a:t>30-70</a:t>
+                      </a:r>
+                      <a:r>
+                        <a:rPr lang="ru-RU" sz="1400" dirty="0" smtClean="0">
+                          <a:effectLst/>
+                          <a:latin typeface="Segoe UI" panose="020B0502040204020203" pitchFamily="34" charset="0"/>
+                          <a:cs typeface="Segoe UI" panose="020B0502040204020203" pitchFamily="34" charset="0"/>
+                        </a:rPr>
+                        <a:t> </a:t>
+                      </a:r>
+                      <a:r>
+                        <a:rPr lang="en-US" sz="1400" dirty="0" smtClean="0">
+                          <a:effectLst/>
+                          <a:latin typeface="Segoe UI" panose="020B0502040204020203" pitchFamily="34" charset="0"/>
+                          <a:cs typeface="Segoe UI" panose="020B0502040204020203" pitchFamily="34" charset="0"/>
+                        </a:rPr>
+                        <a:t>GHz, </a:t>
+                      </a:r>
+                      <a:r>
+                        <a:rPr lang="en-US" sz="1400" dirty="0">
+                          <a:effectLst/>
+                          <a:latin typeface="Segoe UI" panose="020B0502040204020203" pitchFamily="34" charset="0"/>
+                          <a:cs typeface="Segoe UI" panose="020B0502040204020203" pitchFamily="34" charset="0"/>
+                        </a:rPr>
+                        <a:t/>
+                      </a:r>
+                      <a:br>
+                        <a:rPr lang="en-US" sz="1400" dirty="0">
+                          <a:effectLst/>
+                          <a:latin typeface="Segoe UI" panose="020B0502040204020203" pitchFamily="34" charset="0"/>
+                          <a:cs typeface="Segoe UI" panose="020B0502040204020203" pitchFamily="34" charset="0"/>
+                        </a:rPr>
+                      </a:br>
+                      <a:r>
+                        <a:rPr lang="en-US" sz="1400" dirty="0" smtClean="0">
+                          <a:effectLst/>
+                          <a:latin typeface="Segoe UI" panose="020B0502040204020203" pitchFamily="34" charset="0"/>
+                          <a:cs typeface="Segoe UI" panose="020B0502040204020203" pitchFamily="34" charset="0"/>
+                        </a:rPr>
+                        <a:t>100-200</a:t>
+                      </a:r>
+                      <a:r>
+                        <a:rPr lang="ru-RU" sz="1400" dirty="0" smtClean="0">
+                          <a:effectLst/>
+                          <a:latin typeface="Segoe UI" panose="020B0502040204020203" pitchFamily="34" charset="0"/>
+                          <a:cs typeface="Segoe UI" panose="020B0502040204020203" pitchFamily="34" charset="0"/>
+                        </a:rPr>
+                        <a:t> </a:t>
+                      </a:r>
+                      <a:r>
+                        <a:rPr lang="en-US" sz="1400" dirty="0" smtClean="0">
+                          <a:effectLst/>
+                          <a:latin typeface="Segoe UI" panose="020B0502040204020203" pitchFamily="34" charset="0"/>
+                          <a:cs typeface="Segoe UI" panose="020B0502040204020203" pitchFamily="34" charset="0"/>
+                        </a:rPr>
+                        <a:t>GHz</a:t>
+                      </a:r>
+                      <a:endParaRPr lang="ru-RU" sz="1400" dirty="0">
+                        <a:effectLst/>
+                        <a:latin typeface="Segoe UI" panose="020B0502040204020203" pitchFamily="34" charset="0"/>
+                        <a:ea typeface="Malgun Gothic" panose="020B0503020000020004" pitchFamily="34" charset="-127"/>
+                        <a:cs typeface="Segoe UI" panose="020B0502040204020203" pitchFamily="34" charset="0"/>
+                      </a:endParaRPr>
+                    </a:p>
+                  </a:txBody>
+                  <a:tcPr marL="68580" marR="68580" marT="5080" marB="0" anchor="ctr">
+                    <a:lnL w="12700" cap="flat" cmpd="sng" algn="ctr">
+                      <a:solidFill>
+                        <a:schemeClr val="tx1"/>
+                      </a:solidFill>
+                      <a:prstDash val="solid"/>
+                      <a:round/>
+                      <a:headEnd type="none" w="med" len="med"/>
+                      <a:tailEnd type="none" w="med" len="med"/>
+                    </a:lnL>
+                    <a:lnR w="12700" cmpd="sng">
+                      <a:noFill/>
+                    </a:lnR>
+                    <a:lnT w="12700" cap="flat" cmpd="sng" algn="ctr">
+                      <a:solidFill>
+                        <a:schemeClr val="tx1"/>
+                      </a:solidFill>
+                      <a:prstDash val="solid"/>
+                      <a:round/>
+                      <a:headEnd type="none" w="med" len="med"/>
+                      <a:tailEnd type="none" w="med" len="med"/>
+                    </a:lnT>
+                    <a:lnB w="12700" cap="flat" cmpd="sng" algn="ctr">
+                      <a:solidFill>
+                        <a:schemeClr val="tx1"/>
+                      </a:solidFill>
+                      <a:prstDash val="solid"/>
+                      <a:round/>
+                      <a:headEnd type="none" w="med" len="med"/>
+                      <a:tailEnd type="none" w="med" len="med"/>
+                    </a:lnB>
+                    <a:lnTlToBr w="12700" cmpd="sng">
+                      <a:noFill/>
+                      <a:prstDash val="solid"/>
+                    </a:lnTlToBr>
+                    <a:lnBlToTr w="12700" cmpd="sng">
+                      <a:noFill/>
+                      <a:prstDash val="solid"/>
+                    </a:lnBlToTr>
+                  </a:tcPr>
+                </a:tc>
+                <a:extLst>
+                  <a:ext uri="{0D108BD9-81ED-4DB2-BD59-A6C34878D82A}">
+                    <a16:rowId xmlns:a16="http://schemas.microsoft.com/office/drawing/2014/main" val="219122244"/>
+                  </a:ext>
+                </a:extLst>
+              </a:tr>
+              <a:tr h="283607">
+                <a:tc>
+                  <a:txBody>
+                    <a:bodyPr/>
+                    <a:lstStyle/>
+                    <a:p>
+                      <a:pPr algn="l">
+                        <a:lnSpc>
+                          <a:spcPct val="115000"/>
+                        </a:lnSpc>
+                        <a:spcAft>
+                          <a:spcPts val="0"/>
+                        </a:spcAft>
+                      </a:pPr>
+                      <a:r>
+                        <a:rPr lang="ru-RU" sz="1400" dirty="0" smtClean="0">
+                          <a:effectLst/>
+                          <a:latin typeface="Segoe UI" panose="020B0502040204020203" pitchFamily="34" charset="0"/>
+                          <a:cs typeface="Segoe UI" panose="020B0502040204020203" pitchFamily="34" charset="0"/>
+                        </a:rPr>
+                        <a:t>Мощность передатчика</a:t>
+                      </a:r>
+                      <a:endParaRPr lang="ru-RU" sz="1400" dirty="0">
+                        <a:effectLst/>
+                        <a:latin typeface="Segoe UI" panose="020B0502040204020203" pitchFamily="34" charset="0"/>
+                        <a:ea typeface="Malgun Gothic" panose="020B0503020000020004" pitchFamily="34" charset="-127"/>
+                        <a:cs typeface="Segoe UI" panose="020B0502040204020203" pitchFamily="34" charset="0"/>
+                      </a:endParaRPr>
+                    </a:p>
+                  </a:txBody>
+                  <a:tcPr marL="68580" marR="68580" marT="5080" marB="0" anchor="ctr">
+                    <a:lnL w="12700" cap="flat" cmpd="sng" algn="ctr">
+                      <a:noFill/>
+                      <a:prstDash val="solid"/>
+                      <a:round/>
+                      <a:headEnd type="none" w="med" len="med"/>
+                      <a:tailEnd type="none" w="med" len="med"/>
+                    </a:lnL>
+                    <a:lnR w="12700" cap="flat" cmpd="sng" algn="ctr">
+                      <a:solidFill>
+                        <a:schemeClr val="tx1"/>
+                      </a:solidFill>
+                      <a:prstDash val="solid"/>
+                      <a:round/>
+                      <a:headEnd type="none" w="med" len="med"/>
+                      <a:tailEnd type="none" w="med" len="med"/>
+                    </a:lnR>
+                    <a:lnT w="12700" cap="flat" cmpd="sng" algn="ctr">
+                      <a:solidFill>
+                        <a:schemeClr val="tx1"/>
+                      </a:solidFill>
+                      <a:prstDash val="solid"/>
+                      <a:round/>
+                      <a:headEnd type="none" w="med" len="med"/>
+                      <a:tailEnd type="none" w="med" len="med"/>
+                    </a:lnT>
+                    <a:lnB w="12700" cap="flat" cmpd="sng" algn="ctr">
+                      <a:solidFill>
+                        <a:schemeClr val="tx1"/>
+                      </a:solidFill>
+                      <a:prstDash val="solid"/>
+                      <a:round/>
+                      <a:headEnd type="none" w="med" len="med"/>
+                      <a:tailEnd type="none" w="med" len="med"/>
+                    </a:lnB>
+                    <a:lnTlToBr w="12700" cmpd="sng">
+                      <a:noFill/>
+                      <a:prstDash val="solid"/>
+                    </a:lnTlToBr>
+                    <a:lnBlToTr w="12700" cmpd="sng">
+                      <a:noFill/>
+                      <a:prstDash val="solid"/>
+                    </a:lnBlToTr>
+                  </a:tcPr>
+                </a:tc>
+                <a:tc>
+                  <a:txBody>
+                    <a:bodyPr/>
+                    <a:lstStyle/>
+                    <a:p>
+                      <a:pPr algn="l">
+                        <a:lnSpc>
+                          <a:spcPct val="115000"/>
+                        </a:lnSpc>
+                        <a:spcAft>
+                          <a:spcPts val="0"/>
+                        </a:spcAft>
+                      </a:pPr>
+                      <a:r>
+                        <a:rPr lang="en-US" sz="1400" dirty="0">
+                          <a:effectLst/>
+                          <a:latin typeface="Segoe UI" panose="020B0502040204020203" pitchFamily="34" charset="0"/>
+                          <a:cs typeface="Segoe UI" panose="020B0502040204020203" pitchFamily="34" charset="0"/>
+                        </a:rPr>
+                        <a:t>10 </a:t>
+                      </a:r>
+                      <a:r>
+                        <a:rPr lang="en-US" sz="1400" dirty="0" err="1" smtClean="0">
+                          <a:effectLst/>
+                          <a:latin typeface="Segoe UI" panose="020B0502040204020203" pitchFamily="34" charset="0"/>
+                          <a:cs typeface="Segoe UI" panose="020B0502040204020203" pitchFamily="34" charset="0"/>
+                        </a:rPr>
+                        <a:t>dBm</a:t>
+                      </a:r>
+                      <a:endParaRPr lang="ru-RU" sz="1400" dirty="0">
+                        <a:effectLst/>
+                        <a:latin typeface="Segoe UI" panose="020B0502040204020203" pitchFamily="34" charset="0"/>
+                        <a:ea typeface="Malgun Gothic" panose="020B0503020000020004" pitchFamily="34" charset="-127"/>
+                        <a:cs typeface="Segoe UI" panose="020B0502040204020203" pitchFamily="34" charset="0"/>
+                      </a:endParaRPr>
+                    </a:p>
+                  </a:txBody>
+                  <a:tcPr marL="68580" marR="68580" marT="5080" marB="0" anchor="ctr">
+                    <a:lnL w="12700" cap="flat" cmpd="sng" algn="ctr">
+                      <a:solidFill>
+                        <a:schemeClr val="tx1"/>
+                      </a:solidFill>
+                      <a:prstDash val="solid"/>
+                      <a:round/>
+                      <a:headEnd type="none" w="med" len="med"/>
+                      <a:tailEnd type="none" w="med" len="med"/>
+                    </a:lnL>
+                    <a:lnR w="12700" cmpd="sng">
+                      <a:noFill/>
+                    </a:lnR>
+                    <a:lnT w="12700" cap="flat" cmpd="sng" algn="ctr">
+                      <a:solidFill>
+                        <a:schemeClr val="tx1"/>
+                      </a:solidFill>
+                      <a:prstDash val="solid"/>
+                      <a:round/>
+                      <a:headEnd type="none" w="med" len="med"/>
+                      <a:tailEnd type="none" w="med" len="med"/>
+                    </a:lnT>
+                    <a:lnB w="12700" cap="flat" cmpd="sng" algn="ctr">
+                      <a:solidFill>
+                        <a:schemeClr val="tx1"/>
+                      </a:solidFill>
+                      <a:prstDash val="solid"/>
+                      <a:round/>
+                      <a:headEnd type="none" w="med" len="med"/>
+                      <a:tailEnd type="none" w="med" len="med"/>
+                    </a:lnB>
+                    <a:lnTlToBr w="12700" cmpd="sng">
+                      <a:noFill/>
+                      <a:prstDash val="solid"/>
+                    </a:lnTlToBr>
+                    <a:lnBlToTr w="12700" cmpd="sng">
+                      <a:noFill/>
+                      <a:prstDash val="solid"/>
+                    </a:lnBlToTr>
+                  </a:tcPr>
+                </a:tc>
+                <a:extLst>
+                  <a:ext uri="{0D108BD9-81ED-4DB2-BD59-A6C34878D82A}">
+                    <a16:rowId xmlns:a16="http://schemas.microsoft.com/office/drawing/2014/main" val="2961077644"/>
+                  </a:ext>
+                </a:extLst>
+              </a:tr>
+              <a:tr h="283607">
+                <a:tc>
+                  <a:txBody>
+                    <a:bodyPr/>
+                    <a:lstStyle/>
+                    <a:p>
+                      <a:pPr algn="l">
+                        <a:lnSpc>
+                          <a:spcPct val="115000"/>
+                        </a:lnSpc>
+                        <a:spcAft>
+                          <a:spcPts val="0"/>
+                        </a:spcAft>
+                      </a:pPr>
+                      <a:r>
+                        <a:rPr lang="en-US" sz="1400">
+                          <a:effectLst/>
+                          <a:latin typeface="Segoe UI" panose="020B0502040204020203" pitchFamily="34" charset="0"/>
+                          <a:cs typeface="Segoe UI" panose="020B0502040204020203" pitchFamily="34" charset="0"/>
+                        </a:rPr>
+                        <a:t>SCS</a:t>
+                      </a:r>
+                      <a:endParaRPr lang="ru-RU" sz="1400">
+                        <a:effectLst/>
+                        <a:latin typeface="Segoe UI" panose="020B0502040204020203" pitchFamily="34" charset="0"/>
+                        <a:ea typeface="Malgun Gothic" panose="020B0503020000020004" pitchFamily="34" charset="-127"/>
+                        <a:cs typeface="Segoe UI" panose="020B0502040204020203" pitchFamily="34" charset="0"/>
+                      </a:endParaRPr>
+                    </a:p>
+                  </a:txBody>
+                  <a:tcPr marL="68580" marR="68580" marT="5080" marB="0" anchor="ctr">
+                    <a:lnL w="12700" cap="flat" cmpd="sng" algn="ctr">
+                      <a:noFill/>
+                      <a:prstDash val="solid"/>
+                      <a:round/>
+                      <a:headEnd type="none" w="med" len="med"/>
+                      <a:tailEnd type="none" w="med" len="med"/>
+                    </a:lnL>
+                    <a:lnR w="12700" cap="flat" cmpd="sng" algn="ctr">
+                      <a:solidFill>
+                        <a:schemeClr val="tx1"/>
+                      </a:solidFill>
+                      <a:prstDash val="solid"/>
+                      <a:round/>
+                      <a:headEnd type="none" w="med" len="med"/>
+                      <a:tailEnd type="none" w="med" len="med"/>
+                    </a:lnR>
+                    <a:lnT w="12700" cap="flat" cmpd="sng" algn="ctr">
+                      <a:solidFill>
+                        <a:schemeClr val="tx1"/>
+                      </a:solidFill>
+                      <a:prstDash val="solid"/>
+                      <a:round/>
+                      <a:headEnd type="none" w="med" len="med"/>
+                      <a:tailEnd type="none" w="med" len="med"/>
+                    </a:lnT>
+                    <a:lnB w="12700" cap="flat" cmpd="sng" algn="ctr">
+                      <a:solidFill>
+                        <a:schemeClr val="tx1"/>
+                      </a:solidFill>
+                      <a:prstDash val="solid"/>
+                      <a:round/>
+                      <a:headEnd type="none" w="med" len="med"/>
+                      <a:tailEnd type="none" w="med" len="med"/>
+                    </a:lnB>
+                    <a:lnTlToBr w="12700" cmpd="sng">
+                      <a:noFill/>
+                      <a:prstDash val="solid"/>
+                    </a:lnTlToBr>
+                    <a:lnBlToTr w="12700" cmpd="sng">
+                      <a:noFill/>
+                      <a:prstDash val="solid"/>
+                    </a:lnBlToTr>
+                  </a:tcPr>
+                </a:tc>
+                <a:tc>
+                  <a:txBody>
+                    <a:bodyPr/>
+                    <a:lstStyle/>
+                    <a:p>
+                      <a:pPr algn="l">
+                        <a:lnSpc>
+                          <a:spcPct val="115000"/>
+                        </a:lnSpc>
+                        <a:spcAft>
+                          <a:spcPts val="0"/>
+                        </a:spcAft>
+                      </a:pPr>
+                      <a:r>
+                        <a:rPr lang="en-US" sz="1400" dirty="0">
+                          <a:effectLst/>
+                          <a:latin typeface="Segoe UI" panose="020B0502040204020203" pitchFamily="34" charset="0"/>
+                          <a:cs typeface="Segoe UI" panose="020B0502040204020203" pitchFamily="34" charset="0"/>
+                        </a:rPr>
+                        <a:t>120 </a:t>
+                      </a:r>
+                      <a:r>
+                        <a:rPr lang="en-US" sz="1400" dirty="0" smtClean="0">
+                          <a:effectLst/>
+                          <a:latin typeface="Segoe UI" panose="020B0502040204020203" pitchFamily="34" charset="0"/>
+                          <a:cs typeface="Segoe UI" panose="020B0502040204020203" pitchFamily="34" charset="0"/>
+                        </a:rPr>
+                        <a:t>kHz, </a:t>
+                      </a:r>
+                      <a:r>
+                        <a:rPr lang="en-US" sz="1400" dirty="0">
+                          <a:effectLst/>
+                          <a:latin typeface="Segoe UI" panose="020B0502040204020203" pitchFamily="34" charset="0"/>
+                          <a:cs typeface="Segoe UI" panose="020B0502040204020203" pitchFamily="34" charset="0"/>
+                        </a:rPr>
+                        <a:t>480 </a:t>
+                      </a:r>
+                      <a:r>
+                        <a:rPr lang="en-US" sz="1400" dirty="0" smtClean="0">
+                          <a:effectLst/>
+                          <a:latin typeface="Segoe UI" panose="020B0502040204020203" pitchFamily="34" charset="0"/>
+                          <a:cs typeface="Segoe UI" panose="020B0502040204020203" pitchFamily="34" charset="0"/>
+                        </a:rPr>
+                        <a:t>kHz, </a:t>
+                      </a:r>
+                      <a:r>
+                        <a:rPr lang="en-US" sz="1400" dirty="0">
+                          <a:effectLst/>
+                          <a:latin typeface="Segoe UI" panose="020B0502040204020203" pitchFamily="34" charset="0"/>
+                          <a:cs typeface="Segoe UI" panose="020B0502040204020203" pitchFamily="34" charset="0"/>
+                        </a:rPr>
+                        <a:t>960 kHz</a:t>
+                      </a:r>
+                      <a:endParaRPr lang="ru-RU" sz="1400" dirty="0">
+                        <a:effectLst/>
+                        <a:latin typeface="Segoe UI" panose="020B0502040204020203" pitchFamily="34" charset="0"/>
+                        <a:ea typeface="Malgun Gothic" panose="020B0503020000020004" pitchFamily="34" charset="-127"/>
+                        <a:cs typeface="Segoe UI" panose="020B0502040204020203" pitchFamily="34" charset="0"/>
+                      </a:endParaRPr>
+                    </a:p>
+                  </a:txBody>
+                  <a:tcPr marL="68580" marR="68580" marT="5080" marB="0" anchor="ctr">
+                    <a:lnL w="12700" cap="flat" cmpd="sng" algn="ctr">
+                      <a:solidFill>
+                        <a:schemeClr val="tx1"/>
+                      </a:solidFill>
+                      <a:prstDash val="solid"/>
+                      <a:round/>
+                      <a:headEnd type="none" w="med" len="med"/>
+                      <a:tailEnd type="none" w="med" len="med"/>
+                    </a:lnL>
+                    <a:lnR w="12700" cmpd="sng">
+                      <a:noFill/>
+                    </a:lnR>
+                    <a:lnT w="12700" cap="flat" cmpd="sng" algn="ctr">
+                      <a:solidFill>
+                        <a:schemeClr val="tx1"/>
+                      </a:solidFill>
+                      <a:prstDash val="solid"/>
+                      <a:round/>
+                      <a:headEnd type="none" w="med" len="med"/>
+                      <a:tailEnd type="none" w="med" len="med"/>
+                    </a:lnT>
+                    <a:lnB w="12700" cap="flat" cmpd="sng" algn="ctr">
+                      <a:solidFill>
+                        <a:schemeClr val="tx1"/>
+                      </a:solidFill>
+                      <a:prstDash val="solid"/>
+                      <a:round/>
+                      <a:headEnd type="none" w="med" len="med"/>
+                      <a:tailEnd type="none" w="med" len="med"/>
+                    </a:lnB>
+                    <a:lnTlToBr w="12700" cmpd="sng">
+                      <a:noFill/>
+                      <a:prstDash val="solid"/>
+                    </a:lnTlToBr>
+                    <a:lnBlToTr w="12700" cmpd="sng">
+                      <a:noFill/>
+                      <a:prstDash val="solid"/>
+                    </a:lnBlToTr>
+                  </a:tcPr>
+                </a:tc>
+                <a:extLst>
+                  <a:ext uri="{0D108BD9-81ED-4DB2-BD59-A6C34878D82A}">
+                    <a16:rowId xmlns:a16="http://schemas.microsoft.com/office/drawing/2014/main" val="468435612"/>
+                  </a:ext>
+                </a:extLst>
+              </a:tr>
+              <a:tr h="489328">
+                <a:tc>
+                  <a:txBody>
+                    <a:bodyPr/>
+                    <a:lstStyle/>
+                    <a:p>
+                      <a:pPr algn="l">
+                        <a:lnSpc>
+                          <a:spcPct val="115000"/>
+                        </a:lnSpc>
+                        <a:spcAft>
+                          <a:spcPts val="0"/>
+                        </a:spcAft>
+                      </a:pPr>
+                      <a:r>
+                        <a:rPr lang="ru-RU" sz="1400" dirty="0" smtClean="0">
+                          <a:effectLst/>
+                          <a:latin typeface="Segoe UI" panose="020B0502040204020203" pitchFamily="34" charset="0"/>
+                          <a:cs typeface="Segoe UI" panose="020B0502040204020203" pitchFamily="34" charset="0"/>
+                        </a:rPr>
+                        <a:t>Количество ресурсных блоков</a:t>
+                      </a:r>
+                      <a:endParaRPr lang="ru-RU" sz="1400" dirty="0">
+                        <a:effectLst/>
+                        <a:latin typeface="Segoe UI" panose="020B0502040204020203" pitchFamily="34" charset="0"/>
+                        <a:ea typeface="Malgun Gothic" panose="020B0503020000020004" pitchFamily="34" charset="-127"/>
+                        <a:cs typeface="Segoe UI" panose="020B0502040204020203" pitchFamily="34" charset="0"/>
+                      </a:endParaRPr>
+                    </a:p>
+                  </a:txBody>
+                  <a:tcPr marL="68580" marR="68580" marT="5080" marB="0" anchor="ctr">
+                    <a:lnL w="12700" cap="flat" cmpd="sng" algn="ctr">
+                      <a:noFill/>
+                      <a:prstDash val="solid"/>
+                      <a:round/>
+                      <a:headEnd type="none" w="med" len="med"/>
+                      <a:tailEnd type="none" w="med" len="med"/>
+                    </a:lnL>
+                    <a:lnR w="12700" cap="flat" cmpd="sng" algn="ctr">
+                      <a:solidFill>
+                        <a:schemeClr val="tx1"/>
+                      </a:solidFill>
+                      <a:prstDash val="solid"/>
+                      <a:round/>
+                      <a:headEnd type="none" w="med" len="med"/>
+                      <a:tailEnd type="none" w="med" len="med"/>
+                    </a:lnR>
+                    <a:lnT w="12700" cap="flat" cmpd="sng" algn="ctr">
+                      <a:solidFill>
+                        <a:schemeClr val="tx1"/>
+                      </a:solidFill>
+                      <a:prstDash val="solid"/>
+                      <a:round/>
+                      <a:headEnd type="none" w="med" len="med"/>
+                      <a:tailEnd type="none" w="med" len="med"/>
+                    </a:lnT>
+                    <a:lnB w="12700" cap="flat" cmpd="sng" algn="ctr">
+                      <a:solidFill>
+                        <a:schemeClr val="tx1"/>
+                      </a:solidFill>
+                      <a:prstDash val="solid"/>
+                      <a:round/>
+                      <a:headEnd type="none" w="med" len="med"/>
+                      <a:tailEnd type="none" w="med" len="med"/>
+                    </a:lnB>
+                    <a:lnTlToBr w="12700" cmpd="sng">
+                      <a:noFill/>
+                      <a:prstDash val="solid"/>
+                    </a:lnTlToBr>
+                    <a:lnBlToTr w="12700" cmpd="sng">
+                      <a:noFill/>
+                      <a:prstDash val="solid"/>
+                    </a:lnBlToTr>
+                  </a:tcPr>
+                </a:tc>
+                <a:tc>
+                  <a:txBody>
+                    <a:bodyPr/>
+                    <a:lstStyle/>
+                    <a:p>
+                      <a:pPr algn="l">
+                        <a:lnSpc>
+                          <a:spcPct val="115000"/>
+                        </a:lnSpc>
+                        <a:spcAft>
+                          <a:spcPts val="0"/>
+                        </a:spcAft>
+                      </a:pPr>
+                      <a:r>
+                        <a:rPr lang="en-US" sz="1400" dirty="0" smtClean="0">
+                          <a:effectLst/>
+                          <a:latin typeface="Segoe UI" panose="020B0502040204020203" pitchFamily="34" charset="0"/>
+                          <a:cs typeface="Segoe UI" panose="020B0502040204020203" pitchFamily="34" charset="0"/>
+                        </a:rPr>
+                        <a:t>256,</a:t>
+                      </a:r>
+                      <a:r>
+                        <a:rPr lang="en-US" sz="1400" baseline="0" dirty="0" smtClean="0">
+                          <a:effectLst/>
+                          <a:latin typeface="Segoe UI" panose="020B0502040204020203" pitchFamily="34" charset="0"/>
+                          <a:cs typeface="Segoe UI" panose="020B0502040204020203" pitchFamily="34" charset="0"/>
+                        </a:rPr>
+                        <a:t> </a:t>
+                      </a:r>
+                      <a:r>
+                        <a:rPr lang="en-US" sz="1400" dirty="0" smtClean="0">
+                          <a:effectLst/>
+                          <a:latin typeface="Segoe UI" panose="020B0502040204020203" pitchFamily="34" charset="0"/>
+                          <a:cs typeface="Segoe UI" panose="020B0502040204020203" pitchFamily="34" charset="0"/>
+                        </a:rPr>
+                        <a:t>64, </a:t>
+                      </a:r>
+                      <a:r>
+                        <a:rPr lang="en-US" sz="1400" dirty="0">
+                          <a:effectLst/>
+                          <a:latin typeface="Segoe UI" panose="020B0502040204020203" pitchFamily="34" charset="0"/>
+                          <a:cs typeface="Segoe UI" panose="020B0502040204020203" pitchFamily="34" charset="0"/>
+                        </a:rPr>
+                        <a:t>32 RBs</a:t>
+                      </a:r>
+                      <a:endParaRPr lang="ru-RU" sz="1400" dirty="0">
+                        <a:effectLst/>
+                        <a:latin typeface="Segoe UI" panose="020B0502040204020203" pitchFamily="34" charset="0"/>
+                        <a:ea typeface="Malgun Gothic" panose="020B0503020000020004" pitchFamily="34" charset="-127"/>
+                        <a:cs typeface="Segoe UI" panose="020B0502040204020203" pitchFamily="34" charset="0"/>
+                      </a:endParaRPr>
+                    </a:p>
+                  </a:txBody>
+                  <a:tcPr marL="68580" marR="68580" marT="5080" marB="0" anchor="ctr">
+                    <a:lnL w="12700" cap="flat" cmpd="sng" algn="ctr">
+                      <a:solidFill>
+                        <a:schemeClr val="tx1"/>
+                      </a:solidFill>
+                      <a:prstDash val="solid"/>
+                      <a:round/>
+                      <a:headEnd type="none" w="med" len="med"/>
+                      <a:tailEnd type="none" w="med" len="med"/>
+                    </a:lnL>
+                    <a:lnR w="12700" cmpd="sng">
+                      <a:noFill/>
+                    </a:lnR>
+                    <a:lnT w="12700" cap="flat" cmpd="sng" algn="ctr">
+                      <a:solidFill>
+                        <a:schemeClr val="tx1"/>
+                      </a:solidFill>
+                      <a:prstDash val="solid"/>
+                      <a:round/>
+                      <a:headEnd type="none" w="med" len="med"/>
+                      <a:tailEnd type="none" w="med" len="med"/>
+                    </a:lnT>
+                    <a:lnB w="12700" cap="flat" cmpd="sng" algn="ctr">
+                      <a:solidFill>
+                        <a:schemeClr val="tx1"/>
+                      </a:solidFill>
+                      <a:prstDash val="solid"/>
+                      <a:round/>
+                      <a:headEnd type="none" w="med" len="med"/>
+                      <a:tailEnd type="none" w="med" len="med"/>
+                    </a:lnB>
+                    <a:lnTlToBr w="12700" cmpd="sng">
+                      <a:noFill/>
+                      <a:prstDash val="solid"/>
+                    </a:lnTlToBr>
+                    <a:lnBlToTr w="12700" cmpd="sng">
+                      <a:noFill/>
+                      <a:prstDash val="solid"/>
+                    </a:lnBlToTr>
+                  </a:tcPr>
+                </a:tc>
+                <a:extLst>
+                  <a:ext uri="{0D108BD9-81ED-4DB2-BD59-A6C34878D82A}">
+                    <a16:rowId xmlns:a16="http://schemas.microsoft.com/office/drawing/2014/main" val="1682688836"/>
+                  </a:ext>
+                </a:extLst>
+              </a:tr>
+              <a:tr h="283607">
+                <a:tc>
+                  <a:txBody>
+                    <a:bodyPr/>
+                    <a:lstStyle/>
+                    <a:p>
+                      <a:pPr algn="l">
+                        <a:lnSpc>
+                          <a:spcPct val="115000"/>
+                        </a:lnSpc>
+                        <a:spcAft>
+                          <a:spcPts val="0"/>
+                        </a:spcAft>
+                      </a:pPr>
+                      <a:r>
+                        <a:rPr lang="ru-RU" sz="1400" dirty="0" smtClean="0">
+                          <a:effectLst/>
+                          <a:latin typeface="Segoe UI" panose="020B0502040204020203" pitchFamily="34" charset="0"/>
+                          <a:cs typeface="Segoe UI" panose="020B0502040204020203" pitchFamily="34" charset="0"/>
+                        </a:rPr>
+                        <a:t>Модель канала</a:t>
+                      </a:r>
+                      <a:endParaRPr lang="ru-RU" sz="1400" dirty="0">
+                        <a:effectLst/>
+                        <a:latin typeface="Segoe UI" panose="020B0502040204020203" pitchFamily="34" charset="0"/>
+                        <a:ea typeface="Malgun Gothic" panose="020B0503020000020004" pitchFamily="34" charset="-127"/>
+                        <a:cs typeface="Segoe UI" panose="020B0502040204020203" pitchFamily="34" charset="0"/>
+                      </a:endParaRPr>
+                    </a:p>
+                  </a:txBody>
+                  <a:tcPr marL="68580" marR="68580" marT="5080" marB="0" anchor="ctr">
+                    <a:lnL w="12700" cap="flat" cmpd="sng" algn="ctr">
+                      <a:noFill/>
+                      <a:prstDash val="solid"/>
+                      <a:round/>
+                      <a:headEnd type="none" w="med" len="med"/>
+                      <a:tailEnd type="none" w="med" len="med"/>
+                    </a:lnL>
+                    <a:lnR w="12700" cap="flat" cmpd="sng" algn="ctr">
+                      <a:solidFill>
+                        <a:schemeClr val="tx1"/>
+                      </a:solidFill>
+                      <a:prstDash val="solid"/>
+                      <a:round/>
+                      <a:headEnd type="none" w="med" len="med"/>
+                      <a:tailEnd type="none" w="med" len="med"/>
+                    </a:lnR>
+                    <a:lnT w="12700" cap="flat" cmpd="sng" algn="ctr">
+                      <a:solidFill>
+                        <a:schemeClr val="tx1"/>
+                      </a:solidFill>
+                      <a:prstDash val="solid"/>
+                      <a:round/>
+                      <a:headEnd type="none" w="med" len="med"/>
+                      <a:tailEnd type="none" w="med" len="med"/>
+                    </a:lnT>
+                    <a:lnB w="12700" cap="flat" cmpd="sng" algn="ctr">
+                      <a:solidFill>
+                        <a:schemeClr val="tx1"/>
+                      </a:solidFill>
+                      <a:prstDash val="solid"/>
+                      <a:round/>
+                      <a:headEnd type="none" w="med" len="med"/>
+                      <a:tailEnd type="none" w="med" len="med"/>
+                    </a:lnB>
+                    <a:lnTlToBr w="12700" cmpd="sng">
+                      <a:noFill/>
+                      <a:prstDash val="solid"/>
+                    </a:lnTlToBr>
+                    <a:lnBlToTr w="12700" cmpd="sng">
+                      <a:noFill/>
+                      <a:prstDash val="solid"/>
+                    </a:lnBlToTr>
+                  </a:tcPr>
+                </a:tc>
+                <a:tc>
+                  <a:txBody>
+                    <a:bodyPr/>
+                    <a:lstStyle/>
+                    <a:p>
+                      <a:pPr algn="l">
+                        <a:lnSpc>
+                          <a:spcPct val="115000"/>
+                        </a:lnSpc>
+                        <a:spcAft>
+                          <a:spcPts val="0"/>
+                        </a:spcAft>
+                      </a:pPr>
+                      <a:r>
+                        <a:rPr lang="en-US" sz="1400">
+                          <a:effectLst/>
+                          <a:latin typeface="Segoe UI" panose="020B0502040204020203" pitchFamily="34" charset="0"/>
+                          <a:cs typeface="Segoe UI" panose="020B0502040204020203" pitchFamily="34" charset="0"/>
+                        </a:rPr>
+                        <a:t>TDL-A, 5 ns DS, 3 km/h</a:t>
+                      </a:r>
+                      <a:endParaRPr lang="ru-RU" sz="1400">
+                        <a:effectLst/>
+                        <a:latin typeface="Segoe UI" panose="020B0502040204020203" pitchFamily="34" charset="0"/>
+                        <a:ea typeface="Malgun Gothic" panose="020B0503020000020004" pitchFamily="34" charset="-127"/>
+                        <a:cs typeface="Segoe UI" panose="020B0502040204020203" pitchFamily="34" charset="0"/>
+                      </a:endParaRPr>
+                    </a:p>
+                  </a:txBody>
+                  <a:tcPr marL="68580" marR="68580" marT="5080" marB="0" anchor="ctr">
+                    <a:lnL w="12700" cap="flat" cmpd="sng" algn="ctr">
+                      <a:solidFill>
+                        <a:schemeClr val="tx1"/>
+                      </a:solidFill>
+                      <a:prstDash val="solid"/>
+                      <a:round/>
+                      <a:headEnd type="none" w="med" len="med"/>
+                      <a:tailEnd type="none" w="med" len="med"/>
+                    </a:lnL>
+                    <a:lnR w="12700" cmpd="sng">
+                      <a:noFill/>
+                    </a:lnR>
+                    <a:lnT w="12700" cap="flat" cmpd="sng" algn="ctr">
+                      <a:solidFill>
+                        <a:schemeClr val="tx1"/>
+                      </a:solidFill>
+                      <a:prstDash val="solid"/>
+                      <a:round/>
+                      <a:headEnd type="none" w="med" len="med"/>
+                      <a:tailEnd type="none" w="med" len="med"/>
+                    </a:lnT>
+                    <a:lnB w="12700" cap="flat" cmpd="sng" algn="ctr">
+                      <a:solidFill>
+                        <a:schemeClr val="tx1"/>
+                      </a:solidFill>
+                      <a:prstDash val="solid"/>
+                      <a:round/>
+                      <a:headEnd type="none" w="med" len="med"/>
+                      <a:tailEnd type="none" w="med" len="med"/>
+                    </a:lnB>
+                    <a:lnTlToBr w="12700" cmpd="sng">
+                      <a:noFill/>
+                      <a:prstDash val="solid"/>
+                    </a:lnTlToBr>
+                    <a:lnBlToTr w="12700" cmpd="sng">
+                      <a:noFill/>
+                      <a:prstDash val="solid"/>
+                    </a:lnBlToTr>
+                  </a:tcPr>
+                </a:tc>
+                <a:extLst>
+                  <a:ext uri="{0D108BD9-81ED-4DB2-BD59-A6C34878D82A}">
+                    <a16:rowId xmlns:a16="http://schemas.microsoft.com/office/drawing/2014/main" val="3116672457"/>
+                  </a:ext>
+                </a:extLst>
+              </a:tr>
+              <a:tr h="283607">
+                <a:tc>
+                  <a:txBody>
+                    <a:bodyPr/>
+                    <a:lstStyle/>
+                    <a:p>
+                      <a:pPr algn="l">
+                        <a:lnSpc>
+                          <a:spcPct val="115000"/>
+                        </a:lnSpc>
+                        <a:spcAft>
+                          <a:spcPts val="0"/>
+                        </a:spcAft>
+                      </a:pPr>
+                      <a:r>
+                        <a:rPr lang="ru-RU" sz="1400" dirty="0" smtClean="0">
+                          <a:effectLst/>
+                          <a:latin typeface="Segoe UI" panose="020B0502040204020203" pitchFamily="34" charset="0"/>
+                          <a:cs typeface="Segoe UI" panose="020B0502040204020203" pitchFamily="34" charset="0"/>
+                        </a:rPr>
+                        <a:t>Параметры передачи</a:t>
+                      </a:r>
+                      <a:endParaRPr lang="ru-RU" sz="1400" dirty="0">
+                        <a:effectLst/>
+                        <a:latin typeface="Segoe UI" panose="020B0502040204020203" pitchFamily="34" charset="0"/>
+                        <a:ea typeface="Malgun Gothic" panose="020B0503020000020004" pitchFamily="34" charset="-127"/>
+                        <a:cs typeface="Segoe UI" panose="020B0502040204020203" pitchFamily="34" charset="0"/>
+                      </a:endParaRPr>
+                    </a:p>
+                  </a:txBody>
+                  <a:tcPr marL="68580" marR="68580" marT="5080" marB="0" anchor="ctr">
+                    <a:lnL w="12700" cap="flat" cmpd="sng" algn="ctr">
+                      <a:noFill/>
+                      <a:prstDash val="solid"/>
+                      <a:round/>
+                      <a:headEnd type="none" w="med" len="med"/>
+                      <a:tailEnd type="none" w="med" len="med"/>
+                    </a:lnL>
+                    <a:lnR w="12700" cap="flat" cmpd="sng" algn="ctr">
+                      <a:solidFill>
+                        <a:schemeClr val="tx1"/>
+                      </a:solidFill>
+                      <a:prstDash val="solid"/>
+                      <a:round/>
+                      <a:headEnd type="none" w="med" len="med"/>
+                      <a:tailEnd type="none" w="med" len="med"/>
+                    </a:lnR>
+                    <a:lnT w="12700" cap="flat" cmpd="sng" algn="ctr">
+                      <a:solidFill>
+                        <a:schemeClr val="tx1"/>
+                      </a:solidFill>
+                      <a:prstDash val="solid"/>
+                      <a:round/>
+                      <a:headEnd type="none" w="med" len="med"/>
+                      <a:tailEnd type="none" w="med" len="med"/>
+                    </a:lnT>
+                    <a:lnB w="12700" cap="flat" cmpd="sng" algn="ctr">
+                      <a:solidFill>
+                        <a:schemeClr val="tx1"/>
+                      </a:solidFill>
+                      <a:prstDash val="solid"/>
+                      <a:round/>
+                      <a:headEnd type="none" w="med" len="med"/>
+                      <a:tailEnd type="none" w="med" len="med"/>
+                    </a:lnB>
+                    <a:lnTlToBr w="12700" cmpd="sng">
+                      <a:noFill/>
+                      <a:prstDash val="solid"/>
+                    </a:lnTlToBr>
+                    <a:lnBlToTr w="12700" cmpd="sng">
+                      <a:noFill/>
+                      <a:prstDash val="solid"/>
+                    </a:lnBlToTr>
+                  </a:tcPr>
+                </a:tc>
+                <a:tc>
+                  <a:txBody>
+                    <a:bodyPr/>
+                    <a:lstStyle/>
+                    <a:p>
+                      <a:pPr algn="l">
+                        <a:lnSpc>
+                          <a:spcPct val="115000"/>
+                        </a:lnSpc>
+                        <a:spcAft>
+                          <a:spcPts val="0"/>
+                        </a:spcAft>
+                      </a:pPr>
+                      <a:r>
+                        <a:rPr lang="en-US" sz="1400" dirty="0" smtClean="0">
+                          <a:effectLst/>
+                          <a:latin typeface="Segoe UI" panose="020B0502040204020203" pitchFamily="34" charset="0"/>
+                          <a:cs typeface="Segoe UI" panose="020B0502040204020203" pitchFamily="34" charset="0"/>
+                        </a:rPr>
+                        <a:t>1 TX, 2 RX </a:t>
+                      </a:r>
+                      <a:r>
+                        <a:rPr lang="en-US" sz="1400" dirty="0">
+                          <a:effectLst/>
+                          <a:latin typeface="Segoe UI" panose="020B0502040204020203" pitchFamily="34" charset="0"/>
+                          <a:cs typeface="Segoe UI" panose="020B0502040204020203" pitchFamily="34" charset="0"/>
+                        </a:rPr>
+                        <a:t>MRC</a:t>
+                      </a:r>
+                      <a:endParaRPr lang="ru-RU" sz="1400" dirty="0">
+                        <a:effectLst/>
+                        <a:latin typeface="Segoe UI" panose="020B0502040204020203" pitchFamily="34" charset="0"/>
+                        <a:ea typeface="Malgun Gothic" panose="020B0503020000020004" pitchFamily="34" charset="-127"/>
+                        <a:cs typeface="Segoe UI" panose="020B0502040204020203" pitchFamily="34" charset="0"/>
+                      </a:endParaRPr>
+                    </a:p>
+                  </a:txBody>
+                  <a:tcPr marL="68580" marR="68580" marT="5080" marB="0" anchor="ctr">
+                    <a:lnL w="12700" cap="flat" cmpd="sng" algn="ctr">
+                      <a:solidFill>
+                        <a:schemeClr val="tx1"/>
+                      </a:solidFill>
+                      <a:prstDash val="solid"/>
+                      <a:round/>
+                      <a:headEnd type="none" w="med" len="med"/>
+                      <a:tailEnd type="none" w="med" len="med"/>
+                    </a:lnL>
+                    <a:lnR w="12700" cmpd="sng">
+                      <a:noFill/>
+                    </a:lnR>
+                    <a:lnT w="12700" cap="flat" cmpd="sng" algn="ctr">
+                      <a:solidFill>
+                        <a:schemeClr val="tx1"/>
+                      </a:solidFill>
+                      <a:prstDash val="solid"/>
+                      <a:round/>
+                      <a:headEnd type="none" w="med" len="med"/>
+                      <a:tailEnd type="none" w="med" len="med"/>
+                    </a:lnT>
+                    <a:lnB w="12700" cap="flat" cmpd="sng" algn="ctr">
+                      <a:solidFill>
+                        <a:schemeClr val="tx1"/>
+                      </a:solidFill>
+                      <a:prstDash val="solid"/>
+                      <a:round/>
+                      <a:headEnd type="none" w="med" len="med"/>
+                      <a:tailEnd type="none" w="med" len="med"/>
+                    </a:lnB>
+                    <a:lnTlToBr w="12700" cmpd="sng">
+                      <a:noFill/>
+                      <a:prstDash val="solid"/>
+                    </a:lnTlToBr>
+                    <a:lnBlToTr w="12700" cmpd="sng">
+                      <a:noFill/>
+                      <a:prstDash val="solid"/>
+                    </a:lnBlToTr>
+                  </a:tcPr>
+                </a:tc>
+                <a:extLst>
+                  <a:ext uri="{0D108BD9-81ED-4DB2-BD59-A6C34878D82A}">
+                    <a16:rowId xmlns:a16="http://schemas.microsoft.com/office/drawing/2014/main" val="2700068599"/>
+                  </a:ext>
+                </a:extLst>
+              </a:tr>
+              <a:tr h="855995">
+                <a:tc>
+                  <a:txBody>
+                    <a:bodyPr/>
+                    <a:lstStyle/>
+                    <a:p>
+                      <a:pPr algn="l">
+                        <a:lnSpc>
+                          <a:spcPct val="115000"/>
+                        </a:lnSpc>
+                        <a:spcAft>
+                          <a:spcPts val="0"/>
+                        </a:spcAft>
+                      </a:pPr>
+                      <a:r>
+                        <a:rPr lang="ru-RU" sz="1400" dirty="0" smtClean="0">
+                          <a:effectLst/>
+                          <a:latin typeface="Segoe UI" panose="020B0502040204020203" pitchFamily="34" charset="0"/>
+                          <a:cs typeface="Segoe UI" panose="020B0502040204020203" pitchFamily="34" charset="0"/>
+                        </a:rPr>
+                        <a:t>Модуляция и кодирование</a:t>
+                      </a:r>
+                      <a:endParaRPr lang="ru-RU" sz="1400" dirty="0">
+                        <a:effectLst/>
+                        <a:latin typeface="Segoe UI" panose="020B0502040204020203" pitchFamily="34" charset="0"/>
+                        <a:ea typeface="Malgun Gothic" panose="020B0503020000020004" pitchFamily="34" charset="-127"/>
+                        <a:cs typeface="Segoe UI" panose="020B0502040204020203" pitchFamily="34" charset="0"/>
+                      </a:endParaRPr>
+                    </a:p>
+                  </a:txBody>
+                  <a:tcPr marL="68580" marR="68580" marT="5080" marB="0" anchor="ctr">
+                    <a:lnL w="12700" cap="flat" cmpd="sng" algn="ctr">
+                      <a:noFill/>
+                      <a:prstDash val="solid"/>
+                      <a:round/>
+                      <a:headEnd type="none" w="med" len="med"/>
+                      <a:tailEnd type="none" w="med" len="med"/>
+                    </a:lnL>
+                    <a:lnR w="12700" cap="flat" cmpd="sng" algn="ctr">
+                      <a:solidFill>
+                        <a:schemeClr val="tx1"/>
+                      </a:solidFill>
+                      <a:prstDash val="solid"/>
+                      <a:round/>
+                      <a:headEnd type="none" w="med" len="med"/>
+                      <a:tailEnd type="none" w="med" len="med"/>
+                    </a:lnR>
+                    <a:lnT w="12700" cap="flat" cmpd="sng" algn="ctr">
+                      <a:solidFill>
+                        <a:schemeClr val="tx1"/>
+                      </a:solidFill>
+                      <a:prstDash val="solid"/>
+                      <a:round/>
+                      <a:headEnd type="none" w="med" len="med"/>
+                      <a:tailEnd type="none" w="med" len="med"/>
+                    </a:lnT>
+                    <a:lnB w="12700" cmpd="sng">
+                      <a:noFill/>
+                    </a:lnB>
+                    <a:lnTlToBr w="12700" cmpd="sng">
+                      <a:noFill/>
+                      <a:prstDash val="solid"/>
+                    </a:lnTlToBr>
+                    <a:lnBlToTr w="12700" cmpd="sng">
+                      <a:noFill/>
+                      <a:prstDash val="solid"/>
+                    </a:lnBlToTr>
+                  </a:tcPr>
+                </a:tc>
+                <a:tc>
+                  <a:txBody>
+                    <a:bodyPr/>
+                    <a:lstStyle/>
+                    <a:p>
+                      <a:pPr algn="l">
+                        <a:lnSpc>
+                          <a:spcPct val="115000"/>
+                        </a:lnSpc>
+                        <a:spcAft>
+                          <a:spcPts val="0"/>
+                        </a:spcAft>
+                      </a:pPr>
+                      <a:r>
+                        <a:rPr lang="en-US" sz="1400" dirty="0">
+                          <a:effectLst/>
+                          <a:latin typeface="Segoe UI" panose="020B0502040204020203" pitchFamily="34" charset="0"/>
+                          <a:cs typeface="Segoe UI" panose="020B0502040204020203" pitchFamily="34" charset="0"/>
+                        </a:rPr>
+                        <a:t>64-QAM (MCS Table 1;22, 27)</a:t>
+                      </a:r>
+                      <a:endParaRPr lang="ru-RU" sz="1400" dirty="0">
+                        <a:effectLst/>
+                        <a:latin typeface="Segoe UI" panose="020B0502040204020203" pitchFamily="34" charset="0"/>
+                        <a:cs typeface="Segoe UI" panose="020B0502040204020203" pitchFamily="34" charset="0"/>
+                      </a:endParaRPr>
+                    </a:p>
+                    <a:p>
+                      <a:pPr algn="l">
+                        <a:lnSpc>
+                          <a:spcPct val="115000"/>
+                        </a:lnSpc>
+                        <a:spcAft>
+                          <a:spcPts val="0"/>
+                        </a:spcAft>
+                      </a:pPr>
+                      <a:r>
+                        <a:rPr lang="en-US" sz="1400" dirty="0">
+                          <a:effectLst/>
+                          <a:latin typeface="Segoe UI" panose="020B0502040204020203" pitchFamily="34" charset="0"/>
+                          <a:cs typeface="Segoe UI" panose="020B0502040204020203" pitchFamily="34" charset="0"/>
+                        </a:rPr>
+                        <a:t>256 QAM(MCS Table 2; 22)</a:t>
+                      </a:r>
+                      <a:endParaRPr lang="ru-RU" sz="1400" dirty="0">
+                        <a:effectLst/>
+                        <a:latin typeface="Segoe UI" panose="020B0502040204020203" pitchFamily="34" charset="0"/>
+                        <a:ea typeface="Malgun Gothic" panose="020B0503020000020004" pitchFamily="34" charset="-127"/>
+                        <a:cs typeface="Segoe UI" panose="020B0502040204020203" pitchFamily="34" charset="0"/>
+                      </a:endParaRPr>
+                    </a:p>
+                  </a:txBody>
+                  <a:tcPr marL="68580" marR="68580" marT="5080" marB="0" anchor="ctr">
+                    <a:lnL w="12700" cap="flat" cmpd="sng" algn="ctr">
+                      <a:solidFill>
+                        <a:schemeClr val="tx1"/>
+                      </a:solidFill>
+                      <a:prstDash val="solid"/>
+                      <a:round/>
+                      <a:headEnd type="none" w="med" len="med"/>
+                      <a:tailEnd type="none" w="med" len="med"/>
+                    </a:lnL>
+                    <a:lnR w="12700" cmpd="sng">
+                      <a:noFill/>
+                    </a:lnR>
+                    <a:lnT w="12700" cap="flat" cmpd="sng" algn="ctr">
+                      <a:solidFill>
+                        <a:schemeClr val="tx1"/>
+                      </a:solidFill>
+                      <a:prstDash val="solid"/>
+                      <a:round/>
+                      <a:headEnd type="none" w="med" len="med"/>
+                      <a:tailEnd type="none" w="med" len="med"/>
+                    </a:lnT>
+                    <a:lnB w="12700" cmpd="sng">
+                      <a:noFill/>
+                    </a:lnB>
+                    <a:lnTlToBr w="12700" cmpd="sng">
+                      <a:noFill/>
+                      <a:prstDash val="solid"/>
+                    </a:lnTlToBr>
+                    <a:lnBlToTr w="12700" cmpd="sng">
+                      <a:noFill/>
+                      <a:prstDash val="solid"/>
+                    </a:lnBlToTr>
+                  </a:tcPr>
+                </a:tc>
+                <a:extLst>
+                  <a:ext uri="{0D108BD9-81ED-4DB2-BD59-A6C34878D82A}">
+                    <a16:rowId xmlns:a16="http://schemas.microsoft.com/office/drawing/2014/main" val="2581772118"/>
+                  </a:ext>
+                </a:extLst>
+              </a:tr>
+            </a:tbl>
+          </a:graphicData>
+        </a:graphic>
+      </p:graphicFrame>
     </p:spTree>
     <p:extLst>
       <p:ext uri="{BB962C8B-B14F-4D97-AF65-F5344CB8AC3E}">
@@ -8655,7 +11032,7 @@
 </p:sld>
 </file>
 
-<file path=ppt/slides/slide16.xml><?xml version="1.0" encoding="utf-8"?>
+<file path=ppt/slides/slide17.xml><?xml version="1.0" encoding="utf-8"?>
 <p:sld xmlns:a="http://schemas.openxmlformats.org/drawingml/2006/main" xmlns:r="http://schemas.openxmlformats.org/officeDocument/2006/relationships" xmlns:p="http://schemas.openxmlformats.org/presentationml/2006/main">
   <p:cSld>
     <p:spTree>
@@ -8731,7 +11108,7 @@
           <a:p>
             <a:fld id="{12AFF886-F040-4FA5-8BD0-0A595B4BDA00}" type="slidenum">
               <a:rPr lang="ru-RU" smtClean="0"/>
-              <a:t>16</a:t>
+              <a:t>17</a:t>
             </a:fld>
             <a:endParaRPr lang="ru-RU"/>
           </a:p>
@@ -9465,7 +11842,7 @@
 </p:sld>
 </file>
 
-<file path=ppt/slides/slide17.xml><?xml version="1.0" encoding="utf-8"?>
+<file path=ppt/slides/slide18.xml><?xml version="1.0" encoding="utf-8"?>
 <p:sld xmlns:a="http://schemas.openxmlformats.org/drawingml/2006/main" xmlns:r="http://schemas.openxmlformats.org/officeDocument/2006/relationships" xmlns:p="http://schemas.openxmlformats.org/presentationml/2006/main">
   <p:cSld>
     <p:spTree>
@@ -9541,7 +11918,7 @@
           <a:p>
             <a:fld id="{12AFF886-F040-4FA5-8BD0-0A595B4BDA00}" type="slidenum">
               <a:rPr lang="ru-RU" smtClean="0"/>
-              <a:t>17</a:t>
+              <a:t>18</a:t>
             </a:fld>
             <a:endParaRPr lang="ru-RU"/>
           </a:p>
@@ -10320,7 +12697,7 @@
 </p:sld>
 </file>
 
-<file path=ppt/slides/slide18.xml><?xml version="1.0" encoding="utf-8"?>
+<file path=ppt/slides/slide19.xml><?xml version="1.0" encoding="utf-8"?>
 <p:sld xmlns:a="http://schemas.openxmlformats.org/drawingml/2006/main" xmlns:r="http://schemas.openxmlformats.org/officeDocument/2006/relationships" xmlns:p="http://schemas.openxmlformats.org/presentationml/2006/main">
   <p:cSld>
     <p:spTree>
@@ -10396,7 +12773,7 @@
           <a:p>
             <a:fld id="{12AFF886-F040-4FA5-8BD0-0A595B4BDA00}" type="slidenum">
               <a:rPr lang="ru-RU" smtClean="0"/>
-              <a:t>18</a:t>
+              <a:t>19</a:t>
             </a:fld>
             <a:endParaRPr lang="ru-RU"/>
           </a:p>
@@ -10810,7 +13187,155 @@
 </p:sld>
 </file>
 
-<file path=ppt/slides/slide19.xml><?xml version="1.0" encoding="utf-8"?>
+<file path=ppt/slides/slide2.xml><?xml version="1.0" encoding="utf-8"?>
+<p:sld xmlns:a="http://schemas.openxmlformats.org/drawingml/2006/main" xmlns:r="http://schemas.openxmlformats.org/officeDocument/2006/relationships" xmlns:p="http://schemas.openxmlformats.org/presentationml/2006/main">
+  <p:cSld>
+    <p:spTree>
+      <p:nvGrpSpPr>
+        <p:cNvPr id="1" name=""/>
+        <p:cNvGrpSpPr/>
+        <p:nvPr/>
+      </p:nvGrpSpPr>
+      <p:grpSpPr>
+        <a:xfrm>
+          <a:off x="0" y="0"/>
+          <a:ext cx="0" cy="0"/>
+          <a:chOff x="0" y="0"/>
+          <a:chExt cx="0" cy="0"/>
+        </a:xfrm>
+      </p:grpSpPr>
+      <p:sp>
+        <p:nvSpPr>
+          <p:cNvPr id="2" name="Заголовок 1">
+            <a:extLst>
+              <a:ext uri="{FF2B5EF4-FFF2-40B4-BE49-F238E27FC236}">
+                <a16:creationId xmlns:a16="http://schemas.microsoft.com/office/drawing/2014/main" id="{8BE826D0-5549-D29A-4886-74267A5EE61A}"/>
+              </a:ext>
+            </a:extLst>
+          </p:cNvPr>
+          <p:cNvSpPr>
+            <a:spLocks noGrp="1"/>
+          </p:cNvSpPr>
+          <p:nvPr>
+            <p:ph type="title"/>
+          </p:nvPr>
+        </p:nvSpPr>
+        <p:spPr/>
+        <p:txBody>
+          <a:bodyPr/>
+          <a:lstStyle/>
+          <a:p>
+            <a:r>
+              <a:rPr lang="ru-RU" dirty="0">
+                <a:latin typeface="Segoe UI Semibold" panose="020B0702040204020203" pitchFamily="34" charset="0"/>
+                <a:cs typeface="Segoe UI Semibold" panose="020B0702040204020203" pitchFamily="34" charset="0"/>
+              </a:rPr>
+              <a:t>Цели работы</a:t>
+            </a:r>
+          </a:p>
+        </p:txBody>
+      </p:sp>
+      <p:sp>
+        <p:nvSpPr>
+          <p:cNvPr id="3" name="Объект 2">
+            <a:extLst>
+              <a:ext uri="{FF2B5EF4-FFF2-40B4-BE49-F238E27FC236}">
+                <a16:creationId xmlns:a16="http://schemas.microsoft.com/office/drawing/2014/main" id="{349C600C-0F04-1563-63A6-3AB005D5EFA3}"/>
+              </a:ext>
+            </a:extLst>
+          </p:cNvPr>
+          <p:cNvSpPr>
+            <a:spLocks noGrp="1"/>
+          </p:cNvSpPr>
+          <p:nvPr>
+            <p:ph idx="1"/>
+          </p:nvPr>
+        </p:nvSpPr>
+        <p:spPr/>
+        <p:txBody>
+          <a:bodyPr>
+            <a:normAutofit/>
+          </a:bodyPr>
+          <a:lstStyle/>
+          <a:p>
+            <a:r>
+              <a:rPr lang="ru-RU" sz="2400" dirty="0">
+                <a:latin typeface="Segoe UI" panose="020B0502040204020203" pitchFamily="34" charset="0"/>
+                <a:cs typeface="Segoe UI" panose="020B0502040204020203" pitchFamily="34" charset="0"/>
+              </a:rPr>
+              <a:t>Исследование влияния нелинейности усилителя мощности на различные типы сигнала, используемые в стандарте </a:t>
+            </a:r>
+            <a:r>
+              <a:rPr lang="en-GB" sz="2400" dirty="0">
+                <a:latin typeface="Segoe UI" panose="020B0502040204020203" pitchFamily="34" charset="0"/>
+                <a:cs typeface="Segoe UI" panose="020B0502040204020203" pitchFamily="34" charset="0"/>
+              </a:rPr>
+              <a:t>5G NR</a:t>
+            </a:r>
+          </a:p>
+          <a:p>
+            <a:r>
+              <a:rPr lang="ru-RU" sz="2400" dirty="0">
+                <a:latin typeface="Segoe UI" panose="020B0502040204020203" pitchFamily="34" charset="0"/>
+                <a:cs typeface="Segoe UI" panose="020B0502040204020203" pitchFamily="34" charset="0"/>
+              </a:rPr>
+              <a:t>Разработка модели усилителя для миллиметрового диапазона 100-200 ГГц</a:t>
+            </a:r>
+          </a:p>
+          <a:p>
+            <a:r>
+              <a:rPr lang="ru-RU" sz="2400" dirty="0">
+                <a:latin typeface="Segoe UI" panose="020B0502040204020203" pitchFamily="34" charset="0"/>
+                <a:cs typeface="Segoe UI" panose="020B0502040204020203" pitchFamily="34" charset="0"/>
+              </a:rPr>
+              <a:t>Разработка метода компенсации нелинейных искажений усилителя мощности на приемнике</a:t>
+            </a:r>
+          </a:p>
+        </p:txBody>
+      </p:sp>
+      <p:sp>
+        <p:nvSpPr>
+          <p:cNvPr id="4" name="Номер слайда 3">
+            <a:extLst>
+              <a:ext uri="{FF2B5EF4-FFF2-40B4-BE49-F238E27FC236}">
+                <a16:creationId xmlns:a16="http://schemas.microsoft.com/office/drawing/2014/main" id="{8B490247-C3DE-4E64-3994-77CF364D4A23}"/>
+              </a:ext>
+            </a:extLst>
+          </p:cNvPr>
+          <p:cNvSpPr>
+            <a:spLocks noGrp="1"/>
+          </p:cNvSpPr>
+          <p:nvPr>
+            <p:ph type="sldNum" sz="quarter" idx="12"/>
+          </p:nvPr>
+        </p:nvSpPr>
+        <p:spPr/>
+        <p:txBody>
+          <a:bodyPr/>
+          <a:lstStyle/>
+          <a:p>
+            <a:fld id="{12AFF886-F040-4FA5-8BD0-0A595B4BDA00}" type="slidenum">
+              <a:rPr lang="ru-RU" smtClean="0"/>
+              <a:t>2</a:t>
+            </a:fld>
+            <a:endParaRPr lang="ru-RU"/>
+          </a:p>
+        </p:txBody>
+      </p:sp>
+    </p:spTree>
+    <p:extLst>
+      <p:ext uri="{BB962C8B-B14F-4D97-AF65-F5344CB8AC3E}">
+        <p14:creationId xmlns:p14="http://schemas.microsoft.com/office/powerpoint/2010/main" val="647620844"/>
+      </p:ext>
+    </p:extLst>
+  </p:cSld>
+  <p:clrMapOvr>
+    <a:masterClrMapping/>
+  </p:clrMapOvr>
+</p:sld>
+</file>
+
+<file path=ppt/slides/slide20.xml><?xml version="1.0" encoding="utf-8"?>
 <p:sld xmlns:a="http://schemas.openxmlformats.org/drawingml/2006/main" xmlns:r="http://schemas.openxmlformats.org/officeDocument/2006/relationships" xmlns:p="http://schemas.openxmlformats.org/presentationml/2006/main">
   <p:cSld>
     <p:spTree>
@@ -10886,7 +13411,7 @@
           <a:p>
             <a:fld id="{12AFF886-F040-4FA5-8BD0-0A595B4BDA00}" type="slidenum">
               <a:rPr lang="ru-RU" smtClean="0"/>
-              <a:t>19</a:t>
+              <a:t>20</a:t>
             </a:fld>
             <a:endParaRPr lang="ru-RU"/>
           </a:p>
@@ -11300,155 +13825,7 @@
 </p:sld>
 </file>
 
-<file path=ppt/slides/slide2.xml><?xml version="1.0" encoding="utf-8"?>
-<p:sld xmlns:a="http://schemas.openxmlformats.org/drawingml/2006/main" xmlns:r="http://schemas.openxmlformats.org/officeDocument/2006/relationships" xmlns:p="http://schemas.openxmlformats.org/presentationml/2006/main">
-  <p:cSld>
-    <p:spTree>
-      <p:nvGrpSpPr>
-        <p:cNvPr id="1" name=""/>
-        <p:cNvGrpSpPr/>
-        <p:nvPr/>
-      </p:nvGrpSpPr>
-      <p:grpSpPr>
-        <a:xfrm>
-          <a:off x="0" y="0"/>
-          <a:ext cx="0" cy="0"/>
-          <a:chOff x="0" y="0"/>
-          <a:chExt cx="0" cy="0"/>
-        </a:xfrm>
-      </p:grpSpPr>
-      <p:sp>
-        <p:nvSpPr>
-          <p:cNvPr id="2" name="Заголовок 1">
-            <a:extLst>
-              <a:ext uri="{FF2B5EF4-FFF2-40B4-BE49-F238E27FC236}">
-                <a16:creationId xmlns:a16="http://schemas.microsoft.com/office/drawing/2014/main" id="{8BE826D0-5549-D29A-4886-74267A5EE61A}"/>
-              </a:ext>
-            </a:extLst>
-          </p:cNvPr>
-          <p:cNvSpPr>
-            <a:spLocks noGrp="1"/>
-          </p:cNvSpPr>
-          <p:nvPr>
-            <p:ph type="title"/>
-          </p:nvPr>
-        </p:nvSpPr>
-        <p:spPr/>
-        <p:txBody>
-          <a:bodyPr/>
-          <a:lstStyle/>
-          <a:p>
-            <a:r>
-              <a:rPr lang="ru-RU" dirty="0">
-                <a:latin typeface="Segoe UI Semibold" panose="020B0702040204020203" pitchFamily="34" charset="0"/>
-                <a:cs typeface="Segoe UI Semibold" panose="020B0702040204020203" pitchFamily="34" charset="0"/>
-              </a:rPr>
-              <a:t>Цели работы</a:t>
-            </a:r>
-          </a:p>
-        </p:txBody>
-      </p:sp>
-      <p:sp>
-        <p:nvSpPr>
-          <p:cNvPr id="3" name="Объект 2">
-            <a:extLst>
-              <a:ext uri="{FF2B5EF4-FFF2-40B4-BE49-F238E27FC236}">
-                <a16:creationId xmlns:a16="http://schemas.microsoft.com/office/drawing/2014/main" id="{349C600C-0F04-1563-63A6-3AB005D5EFA3}"/>
-              </a:ext>
-            </a:extLst>
-          </p:cNvPr>
-          <p:cNvSpPr>
-            <a:spLocks noGrp="1"/>
-          </p:cNvSpPr>
-          <p:nvPr>
-            <p:ph idx="1"/>
-          </p:nvPr>
-        </p:nvSpPr>
-        <p:spPr/>
-        <p:txBody>
-          <a:bodyPr>
-            <a:normAutofit/>
-          </a:bodyPr>
-          <a:lstStyle/>
-          <a:p>
-            <a:r>
-              <a:rPr lang="ru-RU" sz="2400" dirty="0">
-                <a:latin typeface="Segoe UI" panose="020B0502040204020203" pitchFamily="34" charset="0"/>
-                <a:cs typeface="Segoe UI" panose="020B0502040204020203" pitchFamily="34" charset="0"/>
-              </a:rPr>
-              <a:t>Исследование влияния нелинейности усилителя мощности на различные типы сигнала, используемые в стандарте </a:t>
-            </a:r>
-            <a:r>
-              <a:rPr lang="en-GB" sz="2400" dirty="0">
-                <a:latin typeface="Segoe UI" panose="020B0502040204020203" pitchFamily="34" charset="0"/>
-                <a:cs typeface="Segoe UI" panose="020B0502040204020203" pitchFamily="34" charset="0"/>
-              </a:rPr>
-              <a:t>5G NR</a:t>
-            </a:r>
-          </a:p>
-          <a:p>
-            <a:r>
-              <a:rPr lang="ru-RU" sz="2400" dirty="0">
-                <a:latin typeface="Segoe UI" panose="020B0502040204020203" pitchFamily="34" charset="0"/>
-                <a:cs typeface="Segoe UI" panose="020B0502040204020203" pitchFamily="34" charset="0"/>
-              </a:rPr>
-              <a:t>Разработка модели усилителя для миллиметрового диапазона 100-200 ГГц</a:t>
-            </a:r>
-          </a:p>
-          <a:p>
-            <a:r>
-              <a:rPr lang="ru-RU" sz="2400" dirty="0">
-                <a:latin typeface="Segoe UI" panose="020B0502040204020203" pitchFamily="34" charset="0"/>
-                <a:cs typeface="Segoe UI" panose="020B0502040204020203" pitchFamily="34" charset="0"/>
-              </a:rPr>
-              <a:t>Разработка метода компенсации нелинейных искажений усилителя мощности на приемнике</a:t>
-            </a:r>
-          </a:p>
-        </p:txBody>
-      </p:sp>
-      <p:sp>
-        <p:nvSpPr>
-          <p:cNvPr id="4" name="Номер слайда 3">
-            <a:extLst>
-              <a:ext uri="{FF2B5EF4-FFF2-40B4-BE49-F238E27FC236}">
-                <a16:creationId xmlns:a16="http://schemas.microsoft.com/office/drawing/2014/main" id="{8B490247-C3DE-4E64-3994-77CF364D4A23}"/>
-              </a:ext>
-            </a:extLst>
-          </p:cNvPr>
-          <p:cNvSpPr>
-            <a:spLocks noGrp="1"/>
-          </p:cNvSpPr>
-          <p:nvPr>
-            <p:ph type="sldNum" sz="quarter" idx="12"/>
-          </p:nvPr>
-        </p:nvSpPr>
-        <p:spPr/>
-        <p:txBody>
-          <a:bodyPr/>
-          <a:lstStyle/>
-          <a:p>
-            <a:fld id="{12AFF886-F040-4FA5-8BD0-0A595B4BDA00}" type="slidenum">
-              <a:rPr lang="ru-RU" smtClean="0"/>
-              <a:t>2</a:t>
-            </a:fld>
-            <a:endParaRPr lang="ru-RU"/>
-          </a:p>
-        </p:txBody>
-      </p:sp>
-    </p:spTree>
-    <p:extLst>
-      <p:ext uri="{BB962C8B-B14F-4D97-AF65-F5344CB8AC3E}">
-        <p14:creationId xmlns:p14="http://schemas.microsoft.com/office/powerpoint/2010/main" val="647620844"/>
-      </p:ext>
-    </p:extLst>
-  </p:cSld>
-  <p:clrMapOvr>
-    <a:masterClrMapping/>
-  </p:clrMapOvr>
-</p:sld>
-</file>
-
-<file path=ppt/slides/slide20.xml><?xml version="1.0" encoding="utf-8"?>
+<file path=ppt/slides/slide21.xml><?xml version="1.0" encoding="utf-8"?>
 <p:sld xmlns:a="http://schemas.openxmlformats.org/drawingml/2006/main" xmlns:r="http://schemas.openxmlformats.org/officeDocument/2006/relationships" xmlns:p="http://schemas.openxmlformats.org/presentationml/2006/main">
   <p:cSld>
     <p:spTree>
@@ -11524,7 +13901,7 @@
           <a:p>
             <a:fld id="{12AFF886-F040-4FA5-8BD0-0A595B4BDA00}" type="slidenum">
               <a:rPr lang="ru-RU" smtClean="0"/>
-              <a:t>20</a:t>
+              <a:t>21</a:t>
             </a:fld>
             <a:endParaRPr lang="ru-RU"/>
           </a:p>
@@ -12227,7 +14604,7 @@
 </p:sld>
 </file>
 
-<file path=ppt/slides/slide21.xml><?xml version="1.0" encoding="utf-8"?>
+<file path=ppt/slides/slide22.xml><?xml version="1.0" encoding="utf-8"?>
 <p:sld xmlns:a="http://schemas.openxmlformats.org/drawingml/2006/main" xmlns:r="http://schemas.openxmlformats.org/officeDocument/2006/relationships" xmlns:p="http://schemas.openxmlformats.org/presentationml/2006/main">
   <p:cSld>
     <p:spTree>
@@ -12303,7 +14680,7 @@
           <a:p>
             <a:fld id="{12AFF886-F040-4FA5-8BD0-0A595B4BDA00}" type="slidenum">
               <a:rPr lang="ru-RU" smtClean="0"/>
-              <a:t>21</a:t>
+              <a:t>22</a:t>
             </a:fld>
             <a:endParaRPr lang="ru-RU"/>
           </a:p>
@@ -13047,7 +15424,7 @@
 </p:sld>
 </file>
 
-<file path=ppt/slides/slide22.xml><?xml version="1.0" encoding="utf-8"?>
+<file path=ppt/slides/slide23.xml><?xml version="1.0" encoding="utf-8"?>
 <p:sld xmlns:a="http://schemas.openxmlformats.org/drawingml/2006/main" xmlns:r="http://schemas.openxmlformats.org/officeDocument/2006/relationships" xmlns:p="http://schemas.openxmlformats.org/presentationml/2006/main">
   <p:cSld>
     <p:spTree>
@@ -13123,7 +15500,7 @@
           <a:p>
             <a:fld id="{12AFF886-F040-4FA5-8BD0-0A595B4BDA00}" type="slidenum">
               <a:rPr lang="ru-RU" smtClean="0"/>
-              <a:t>22</a:t>
+              <a:t>23</a:t>
             </a:fld>
             <a:endParaRPr lang="ru-RU"/>
           </a:p>
@@ -13558,7 +15935,7 @@
 </p:sld>
 </file>
 
-<file path=ppt/slides/slide23.xml><?xml version="1.0" encoding="utf-8"?>
+<file path=ppt/slides/slide24.xml><?xml version="1.0" encoding="utf-8"?>
 <p:sld xmlns:a="http://schemas.openxmlformats.org/drawingml/2006/main" xmlns:r="http://schemas.openxmlformats.org/officeDocument/2006/relationships" xmlns:p="http://schemas.openxmlformats.org/presentationml/2006/main">
   <p:cSld>
     <p:spTree>
@@ -13670,7 +16047,7 @@
           <a:p>
             <a:fld id="{12AFF886-F040-4FA5-8BD0-0A595B4BDA00}" type="slidenum">
               <a:rPr lang="ru-RU" smtClean="0"/>
-              <a:t>23</a:t>
+              <a:t>24</a:t>
             </a:fld>
             <a:endParaRPr lang="ru-RU"/>
           </a:p>
@@ -14069,7 +16446,7 @@
 </p:sld>
 </file>
 
-<file path=ppt/slides/slide24.xml><?xml version="1.0" encoding="utf-8"?>
+<file path=ppt/slides/slide25.xml><?xml version="1.0" encoding="utf-8"?>
 <p:sld xmlns:a="http://schemas.openxmlformats.org/drawingml/2006/main" xmlns:r="http://schemas.openxmlformats.org/officeDocument/2006/relationships" xmlns:p="http://schemas.openxmlformats.org/presentationml/2006/main">
   <p:cSld>
     <p:spTree>
@@ -14145,7 +16522,7 @@
           <a:p>
             <a:fld id="{12AFF886-F040-4FA5-8BD0-0A595B4BDA00}" type="slidenum">
               <a:rPr lang="ru-RU" smtClean="0"/>
-              <a:t>24</a:t>
+              <a:t>25</a:t>
             </a:fld>
             <a:endParaRPr lang="ru-RU"/>
           </a:p>
@@ -14303,7 +16680,7 @@
 </p:sld>
 </file>
 
-<file path=ppt/slides/slide25.xml><?xml version="1.0" encoding="utf-8"?>
+<file path=ppt/slides/slide26.xml><?xml version="1.0" encoding="utf-8"?>
 <p:sld xmlns:a="http://schemas.openxmlformats.org/drawingml/2006/main" xmlns:r="http://schemas.openxmlformats.org/officeDocument/2006/relationships" xmlns:p="http://schemas.openxmlformats.org/presentationml/2006/main">
   <p:cSld>
     <p:spTree>
@@ -14382,7 +16759,7 @@
           <a:p>
             <a:fld id="{12AFF886-F040-4FA5-8BD0-0A595B4BDA00}" type="slidenum">
               <a:rPr lang="ru-RU" smtClean="0"/>
-              <a:t>25</a:t>
+              <a:t>26</a:t>
             </a:fld>
             <a:endParaRPr lang="ru-RU"/>
           </a:p>
@@ -14401,7 +16778,7 @@
 </p:sld>
 </file>
 
-<file path=ppt/slides/slide26.xml><?xml version="1.0" encoding="utf-8"?>
+<file path=ppt/slides/slide27.xml><?xml version="1.0" encoding="utf-8"?>
 <p:sld xmlns:a="http://schemas.openxmlformats.org/drawingml/2006/main" xmlns:r="http://schemas.openxmlformats.org/officeDocument/2006/relationships" xmlns:p="http://schemas.openxmlformats.org/presentationml/2006/main">
   <p:cSld>
     <p:spTree>
@@ -14441,7 +16818,7 @@
           <a:p>
             <a:fld id="{12AFF886-F040-4FA5-8BD0-0A595B4BDA00}" type="slidenum">
               <a:rPr lang="ru-RU" smtClean="0"/>
-              <a:t>26</a:t>
+              <a:t>27</a:t>
             </a:fld>
             <a:endParaRPr lang="ru-RU"/>
           </a:p>
@@ -14472,6 +16849,36 @@
           </a:p>
         </p:txBody>
       </p:sp>
+      <p:pic>
+        <p:nvPicPr>
+          <p:cNvPr id="6" name="Рисунок 5">
+            <a:extLst>
+              <a:ext uri="{FF2B5EF4-FFF2-40B4-BE49-F238E27FC236}">
+                <a16:creationId xmlns:a16="http://schemas.microsoft.com/office/drawing/2014/main" id="{DA5066C8-53B5-2F4E-F17D-F0ACC04473E1}"/>
+              </a:ext>
+            </a:extLst>
+          </p:cNvPr>
+          <p:cNvPicPr>
+            <a:picLocks noChangeAspect="1"/>
+          </p:cNvPicPr>
+          <p:nvPr/>
+        </p:nvPicPr>
+        <p:blipFill>
+          <a:blip r:embed="rId2"/>
+          <a:stretch>
+            <a:fillRect/>
+          </a:stretch>
+        </p:blipFill>
+        <p:spPr>
+          <a:xfrm>
+            <a:off x="3239047" y="1840523"/>
+            <a:ext cx="5064057" cy="4651717"/>
+          </a:xfrm>
+          <a:prstGeom prst="rect">
+            <a:avLst/>
+          </a:prstGeom>
+        </p:spPr>
+      </p:pic>
     </p:spTree>
     <p:extLst>
       <p:ext uri="{BB962C8B-B14F-4D97-AF65-F5344CB8AC3E}">
@@ -14583,8 +16990,8 @@
         </p:nvSpPr>
         <p:spPr>
           <a:xfrm>
-            <a:off x="333376" y="1009650"/>
-            <a:ext cx="4714874" cy="5692139"/>
+            <a:off x="333375" y="1009650"/>
+            <a:ext cx="6593635" cy="5692139"/>
           </a:xfrm>
           <a:prstGeom prst="rect">
             <a:avLst/>
@@ -15083,55 +17490,8 @@
         </p:blipFill>
         <p:spPr bwMode="auto">
           <a:xfrm>
-            <a:off x="5048250" y="5316538"/>
+            <a:off x="2943405" y="5300026"/>
             <a:ext cx="3294228" cy="1401763"/>
-          </a:xfrm>
-          <a:prstGeom prst="rect">
-            <a:avLst/>
-          </a:prstGeom>
-          <a:noFill/>
-          <a:extLst>
-            <a:ext uri="{909E8E84-426E-40DD-AFC4-6F175D3DCCD1}">
-              <a14:hiddenFill xmlns:a14="http://schemas.microsoft.com/office/drawing/2010/main">
-                <a:solidFill>
-                  <a:srgbClr val="FFFFFF"/>
-                </a:solidFill>
-              </a14:hiddenFill>
-            </a:ext>
-          </a:extLst>
-        </p:spPr>
-      </p:pic>
-      <p:pic>
-        <p:nvPicPr>
-          <p:cNvPr id="1028" name="Picture 4" descr="AWS IoT| Промышленность, потребительские товары, коммерческая и  автомобильная отрасли | Amazon Web Services">
-            <a:extLst>
-              <a:ext uri="{FF2B5EF4-FFF2-40B4-BE49-F238E27FC236}">
-                <a16:creationId xmlns:a16="http://schemas.microsoft.com/office/drawing/2014/main" id="{E3BD6957-F0B1-71C6-7D5A-46823A2B4BEC}"/>
-              </a:ext>
-            </a:extLst>
-          </p:cNvPr>
-          <p:cNvPicPr>
-            <a:picLocks noChangeAspect="1" noChangeArrowheads="1"/>
-          </p:cNvPicPr>
-          <p:nvPr/>
-        </p:nvPicPr>
-        <p:blipFill>
-          <a:blip r:embed="rId3">
-            <a:extLst>
-              <a:ext uri="{28A0092B-C50C-407E-A947-70E740481C1C}">
-                <a14:useLocalDpi xmlns:a14="http://schemas.microsoft.com/office/drawing/2010/main" val="0"/>
-              </a:ext>
-            </a:extLst>
-          </a:blip>
-          <a:srcRect/>
-          <a:stretch>
-            <a:fillRect/>
-          </a:stretch>
-        </p:blipFill>
-        <p:spPr bwMode="auto">
-          <a:xfrm>
-            <a:off x="5349622" y="1843612"/>
-            <a:ext cx="2888792" cy="1423463"/>
           </a:xfrm>
           <a:prstGeom prst="rect">
             <a:avLst/>
@@ -15180,13 +17540,7 @@
       </p:grpSpPr>
       <p:pic>
         <p:nvPicPr>
-          <p:cNvPr id="6" name="Рисунок 5">
-            <a:extLst>
-              <a:ext uri="{FF2B5EF4-FFF2-40B4-BE49-F238E27FC236}">
-                <a16:creationId xmlns:a16="http://schemas.microsoft.com/office/drawing/2014/main" id="{B11C3FB2-0CE3-7247-54A1-B226374C2990}"/>
-              </a:ext>
-            </a:extLst>
-          </p:cNvPr>
+          <p:cNvPr id="3" name="Рисунок 2"/>
           <p:cNvPicPr>
             <a:picLocks noChangeAspect="1"/>
           </p:cNvPicPr>
@@ -15200,8 +17554,8 @@
         </p:blipFill>
         <p:spPr>
           <a:xfrm>
-            <a:off x="710680" y="1320820"/>
-            <a:ext cx="6973273" cy="1209844"/>
+            <a:off x="527472" y="1481049"/>
+            <a:ext cx="7309219" cy="1056283"/>
           </a:xfrm>
           <a:prstGeom prst="rect">
             <a:avLst/>
@@ -15222,8 +17576,8 @@
         </p:nvSpPr>
         <p:spPr>
           <a:xfrm>
-            <a:off x="6377809" y="1739329"/>
-            <a:ext cx="683287" cy="602902"/>
+            <a:off x="6505575" y="1704975"/>
+            <a:ext cx="704850" cy="661988"/>
           </a:xfrm>
           <a:prstGeom prst="rect">
             <a:avLst/>
@@ -15583,14 +17937,141 @@
         </p:blipFill>
         <p:spPr>
           <a:xfrm>
-            <a:off x="778612" y="1719589"/>
-            <a:ext cx="7142516" cy="4538698"/>
+            <a:off x="2085976" y="2890851"/>
+            <a:ext cx="6226152" cy="3956396"/>
           </a:xfrm>
           <a:prstGeom prst="rect">
             <a:avLst/>
           </a:prstGeom>
         </p:spPr>
       </p:pic>
+      <p:sp>
+        <p:nvSpPr>
+          <p:cNvPr id="5" name="TextBox 4">
+            <a:extLst>
+              <a:ext uri="{FF2B5EF4-FFF2-40B4-BE49-F238E27FC236}">
+                <a16:creationId xmlns:a16="http://schemas.microsoft.com/office/drawing/2014/main" id="{96996E8B-B2DC-8B61-C739-5CB2F7E8757E}"/>
+              </a:ext>
+            </a:extLst>
+          </p:cNvPr>
+          <p:cNvSpPr txBox="1"/>
+          <p:nvPr/>
+        </p:nvSpPr>
+        <p:spPr>
+          <a:xfrm>
+            <a:off x="230410" y="1458675"/>
+            <a:ext cx="5141690" cy="1569660"/>
+          </a:xfrm>
+          <a:prstGeom prst="rect">
+            <a:avLst/>
+          </a:prstGeom>
+          <a:noFill/>
+        </p:spPr>
+        <p:txBody>
+          <a:bodyPr wrap="square" rtlCol="0">
+            <a:spAutoFit/>
+          </a:bodyPr>
+          <a:lstStyle/>
+          <a:p>
+            <a:r>
+              <a:rPr lang="ru-RU" sz="1600" dirty="0" smtClean="0">
+                <a:latin typeface="Segoe UI" panose="020B0502040204020203" pitchFamily="34" charset="0"/>
+                <a:cs typeface="Segoe UI" panose="020B0502040204020203" pitchFamily="34" charset="0"/>
+              </a:rPr>
+              <a:t>При подаче сигнала на нелинейный участок усилителя возникают искажения</a:t>
+            </a:r>
+          </a:p>
+          <a:p>
+            <a:endParaRPr lang="ru-RU" sz="1600" dirty="0" smtClean="0">
+              <a:latin typeface="Segoe UI" panose="020B0502040204020203" pitchFamily="34" charset="0"/>
+              <a:cs typeface="Segoe UI" panose="020B0502040204020203" pitchFamily="34" charset="0"/>
+            </a:endParaRPr>
+          </a:p>
+          <a:p>
+            <a:r>
+              <a:rPr lang="ru-RU" sz="1600" dirty="0" smtClean="0">
+                <a:latin typeface="Segoe UI" panose="020B0502040204020203" pitchFamily="34" charset="0"/>
+                <a:cs typeface="Segoe UI" panose="020B0502040204020203" pitchFamily="34" charset="0"/>
+              </a:rPr>
+              <a:t>Чем больше амплитуда на входе, тем больше искажение на выходе – эффект насыщения усилителя</a:t>
+            </a:r>
+            <a:endParaRPr lang="ru-RU" sz="1600" dirty="0">
+              <a:latin typeface="Segoe UI" panose="020B0502040204020203" pitchFamily="34" charset="0"/>
+              <a:cs typeface="Segoe UI" panose="020B0502040204020203" pitchFamily="34" charset="0"/>
+            </a:endParaRPr>
+          </a:p>
+        </p:txBody>
+      </p:sp>
+      <p:sp>
+        <p:nvSpPr>
+          <p:cNvPr id="8" name="TextBox 7">
+            <a:extLst>
+              <a:ext uri="{FF2B5EF4-FFF2-40B4-BE49-F238E27FC236}">
+                <a16:creationId xmlns:a16="http://schemas.microsoft.com/office/drawing/2014/main" id="{96996E8B-B2DC-8B61-C739-5CB2F7E8757E}"/>
+              </a:ext>
+            </a:extLst>
+          </p:cNvPr>
+          <p:cNvSpPr txBox="1"/>
+          <p:nvPr/>
+        </p:nvSpPr>
+        <p:spPr>
+          <a:xfrm>
+            <a:off x="230410" y="4417875"/>
+            <a:ext cx="2408015" cy="1569660"/>
+          </a:xfrm>
+          <a:prstGeom prst="rect">
+            <a:avLst/>
+          </a:prstGeom>
+          <a:noFill/>
+        </p:spPr>
+        <p:txBody>
+          <a:bodyPr wrap="square" rtlCol="0">
+            <a:spAutoFit/>
+          </a:bodyPr>
+          <a:lstStyle/>
+          <a:p>
+            <a:r>
+              <a:rPr lang="ru-RU" sz="1600" dirty="0" smtClean="0">
+                <a:latin typeface="Segoe UI" panose="020B0502040204020203" pitchFamily="34" charset="0"/>
+                <a:cs typeface="Segoe UI" panose="020B0502040204020203" pitchFamily="34" charset="0"/>
+              </a:rPr>
+              <a:t>Высокий пик-фактор (</a:t>
+            </a:r>
+            <a:r>
+              <a:rPr lang="en-US" sz="1600" dirty="0" smtClean="0">
+                <a:latin typeface="Segoe UI" panose="020B0502040204020203" pitchFamily="34" charset="0"/>
+                <a:cs typeface="Segoe UI" panose="020B0502040204020203" pitchFamily="34" charset="0"/>
+              </a:rPr>
+              <a:t>PARP)</a:t>
+            </a:r>
+            <a:r>
+              <a:rPr lang="ru-RU" sz="1600" dirty="0" smtClean="0">
+                <a:latin typeface="Segoe UI" panose="020B0502040204020203" pitchFamily="34" charset="0"/>
+                <a:cs typeface="Segoe UI" panose="020B0502040204020203" pitchFamily="34" charset="0"/>
+              </a:rPr>
+              <a:t> (например, у </a:t>
+            </a:r>
+            <a:r>
+              <a:rPr lang="en-US" sz="1600" dirty="0" smtClean="0">
+                <a:latin typeface="Segoe UI" panose="020B0502040204020203" pitchFamily="34" charset="0"/>
+                <a:cs typeface="Segoe UI" panose="020B0502040204020203" pitchFamily="34" charset="0"/>
+              </a:rPr>
+              <a:t>OFDM </a:t>
+            </a:r>
+            <a:r>
+              <a:rPr lang="ru-RU" sz="1600" dirty="0" smtClean="0">
+                <a:latin typeface="Segoe UI" panose="020B0502040204020203" pitchFamily="34" charset="0"/>
+                <a:cs typeface="Segoe UI" panose="020B0502040204020203" pitchFamily="34" charset="0"/>
+              </a:rPr>
+              <a:t>сигнала) может привести к значительным искажениям</a:t>
+            </a:r>
+            <a:endParaRPr lang="ru-RU" sz="1600" dirty="0">
+              <a:latin typeface="Segoe UI" panose="020B0502040204020203" pitchFamily="34" charset="0"/>
+              <a:cs typeface="Segoe UI" panose="020B0502040204020203" pitchFamily="34" charset="0"/>
+            </a:endParaRPr>
+          </a:p>
+        </p:txBody>
+      </p:sp>
     </p:spTree>
     <p:extLst>
       <p:ext uri="{BB962C8B-B14F-4D97-AF65-F5344CB8AC3E}">
@@ -15730,7 +18211,7 @@
         </p:blipFill>
         <p:spPr>
           <a:xfrm>
-            <a:off x="3418550" y="1828799"/>
+            <a:off x="3372098" y="2440730"/>
             <a:ext cx="4916557" cy="4138247"/>
           </a:xfrm>
           <a:prstGeom prst="rect">
@@ -15760,7 +18241,7 @@
         </p:blipFill>
         <p:spPr>
           <a:xfrm>
-            <a:off x="366941" y="1845851"/>
+            <a:off x="566966" y="2593130"/>
             <a:ext cx="2875764" cy="2255095"/>
           </a:xfrm>
           <a:prstGeom prst="rect">
@@ -15784,8 +18265,300 @@
         </p:nvSpPr>
         <p:spPr>
           <a:xfrm>
-            <a:off x="366941" y="4290646"/>
-            <a:ext cx="3228710" cy="2346923"/>
+            <a:off x="519340" y="1469858"/>
+            <a:ext cx="6995885" cy="1941744"/>
+          </a:xfrm>
+          <a:prstGeom prst="rect">
+            <a:avLst/>
+          </a:prstGeom>
+        </p:spPr>
+        <p:txBody>
+          <a:bodyPr vert="horz" lIns="91440" tIns="45720" rIns="91440" bIns="45720" rtlCol="0">
+            <a:normAutofit/>
+          </a:bodyPr>
+          <a:lstStyle>
+            <a:lvl1pPr marL="182880" indent="-182880" algn="l" defTabSz="914400" rtl="0" eaLnBrk="1" latinLnBrk="0" hangingPunct="1">
+              <a:lnSpc>
+                <a:spcPct val="95000"/>
+              </a:lnSpc>
+              <a:spcBef>
+                <a:spcPts val="1400"/>
+              </a:spcBef>
+              <a:spcAft>
+                <a:spcPts val="200"/>
+              </a:spcAft>
+              <a:buClr>
+                <a:schemeClr val="accent1"/>
+              </a:buClr>
+              <a:buSzPct val="80000"/>
+              <a:buFont typeface="Arial" pitchFamily="34" charset="0"/>
+              <a:buChar char="•"/>
+              <a:defRPr sz="1800" kern="1200" spc="10" baseline="0">
+                <a:solidFill>
+                  <a:schemeClr val="tx1"/>
+                </a:solidFill>
+                <a:latin typeface="+mn-lt"/>
+                <a:ea typeface="+mn-ea"/>
+                <a:cs typeface="+mn-cs"/>
+              </a:defRPr>
+            </a:lvl1pPr>
+            <a:lvl2pPr marL="457200" indent="-182880" algn="l" defTabSz="914400" rtl="0" eaLnBrk="1" latinLnBrk="0" hangingPunct="1">
+              <a:lnSpc>
+                <a:spcPct val="90000"/>
+              </a:lnSpc>
+              <a:spcBef>
+                <a:spcPts val="300"/>
+              </a:spcBef>
+              <a:spcAft>
+                <a:spcPts val="300"/>
+              </a:spcAft>
+              <a:buClr>
+                <a:schemeClr val="accent1"/>
+              </a:buClr>
+              <a:buFont typeface="Wingdings 2" pitchFamily="18" charset="2"/>
+              <a:buChar char=""/>
+              <a:defRPr sz="1600" kern="1200">
+                <a:solidFill>
+                  <a:schemeClr val="tx1">
+                    <a:lumMod val="85000"/>
+                    <a:lumOff val="15000"/>
+                  </a:schemeClr>
+                </a:solidFill>
+                <a:latin typeface="+mn-lt"/>
+                <a:ea typeface="+mn-ea"/>
+                <a:cs typeface="+mn-cs"/>
+              </a:defRPr>
+            </a:lvl2pPr>
+            <a:lvl3pPr marL="731520" indent="-182880" algn="l" defTabSz="914400" rtl="0" eaLnBrk="1" latinLnBrk="0" hangingPunct="1">
+              <a:lnSpc>
+                <a:spcPct val="90000"/>
+              </a:lnSpc>
+              <a:spcBef>
+                <a:spcPts val="300"/>
+              </a:spcBef>
+              <a:spcAft>
+                <a:spcPts val="300"/>
+              </a:spcAft>
+              <a:buClr>
+                <a:schemeClr val="accent1"/>
+              </a:buClr>
+              <a:buFont typeface="Wingdings 2" pitchFamily="18" charset="2"/>
+              <a:buChar char=""/>
+              <a:defRPr sz="1400" kern="1200">
+                <a:solidFill>
+                  <a:schemeClr val="tx1">
+                    <a:lumMod val="85000"/>
+                    <a:lumOff val="15000"/>
+                  </a:schemeClr>
+                </a:solidFill>
+                <a:latin typeface="+mn-lt"/>
+                <a:ea typeface="+mn-ea"/>
+                <a:cs typeface="+mn-cs"/>
+              </a:defRPr>
+            </a:lvl3pPr>
+            <a:lvl4pPr marL="1005840" indent="-182880" algn="l" defTabSz="914400" rtl="0" eaLnBrk="1" latinLnBrk="0" hangingPunct="1">
+              <a:lnSpc>
+                <a:spcPct val="90000"/>
+              </a:lnSpc>
+              <a:spcBef>
+                <a:spcPts val="300"/>
+              </a:spcBef>
+              <a:spcAft>
+                <a:spcPts val="300"/>
+              </a:spcAft>
+              <a:buClr>
+                <a:schemeClr val="accent1"/>
+              </a:buClr>
+              <a:buFont typeface="Wingdings 2" pitchFamily="18" charset="2"/>
+              <a:buChar char=""/>
+              <a:defRPr sz="1400" kern="1200">
+                <a:solidFill>
+                  <a:schemeClr val="tx1">
+                    <a:lumMod val="85000"/>
+                    <a:lumOff val="15000"/>
+                  </a:schemeClr>
+                </a:solidFill>
+                <a:latin typeface="+mn-lt"/>
+                <a:ea typeface="+mn-ea"/>
+                <a:cs typeface="+mn-cs"/>
+              </a:defRPr>
+            </a:lvl4pPr>
+            <a:lvl5pPr marL="1280160" indent="-182880" algn="l" defTabSz="914400" rtl="0" eaLnBrk="1" latinLnBrk="0" hangingPunct="1">
+              <a:lnSpc>
+                <a:spcPct val="90000"/>
+              </a:lnSpc>
+              <a:spcBef>
+                <a:spcPts val="300"/>
+              </a:spcBef>
+              <a:spcAft>
+                <a:spcPts val="300"/>
+              </a:spcAft>
+              <a:buClr>
+                <a:schemeClr val="accent1"/>
+              </a:buClr>
+              <a:buFont typeface="Wingdings 2" pitchFamily="18" charset="2"/>
+              <a:buChar char=""/>
+              <a:defRPr sz="1400" kern="1200">
+                <a:solidFill>
+                  <a:schemeClr val="tx1">
+                    <a:lumMod val="85000"/>
+                    <a:lumOff val="15000"/>
+                  </a:schemeClr>
+                </a:solidFill>
+                <a:latin typeface="+mn-lt"/>
+                <a:ea typeface="+mn-ea"/>
+                <a:cs typeface="+mn-cs"/>
+              </a:defRPr>
+            </a:lvl5pPr>
+            <a:lvl6pPr marL="1600000" indent="-228600" algn="l" defTabSz="914400" rtl="0" eaLnBrk="1" latinLnBrk="0" hangingPunct="1">
+              <a:lnSpc>
+                <a:spcPct val="90000"/>
+              </a:lnSpc>
+              <a:spcBef>
+                <a:spcPts val="300"/>
+              </a:spcBef>
+              <a:spcAft>
+                <a:spcPts val="300"/>
+              </a:spcAft>
+              <a:buClr>
+                <a:schemeClr val="accent1"/>
+              </a:buClr>
+              <a:buFont typeface="Wingdings 2" pitchFamily="18" charset="2"/>
+              <a:buChar char=""/>
+              <a:defRPr sz="1400" kern="1200">
+                <a:solidFill>
+                  <a:schemeClr val="tx1">
+                    <a:lumMod val="85000"/>
+                    <a:lumOff val="15000"/>
+                  </a:schemeClr>
+                </a:solidFill>
+                <a:latin typeface="+mn-lt"/>
+                <a:ea typeface="+mn-ea"/>
+                <a:cs typeface="+mn-cs"/>
+              </a:defRPr>
+            </a:lvl6pPr>
+            <a:lvl7pPr marL="1900000" indent="-228600" algn="l" defTabSz="914400" rtl="0" eaLnBrk="1" latinLnBrk="0" hangingPunct="1">
+              <a:lnSpc>
+                <a:spcPct val="90000"/>
+              </a:lnSpc>
+              <a:spcBef>
+                <a:spcPts val="300"/>
+              </a:spcBef>
+              <a:spcAft>
+                <a:spcPts val="300"/>
+              </a:spcAft>
+              <a:buClr>
+                <a:schemeClr val="accent1"/>
+              </a:buClr>
+              <a:buFont typeface="Wingdings 2" pitchFamily="18" charset="2"/>
+              <a:buChar char=""/>
+              <a:defRPr sz="1400" kern="1200">
+                <a:solidFill>
+                  <a:schemeClr val="tx1">
+                    <a:lumMod val="85000"/>
+                    <a:lumOff val="15000"/>
+                  </a:schemeClr>
+                </a:solidFill>
+                <a:latin typeface="+mn-lt"/>
+                <a:ea typeface="+mn-ea"/>
+                <a:cs typeface="+mn-cs"/>
+              </a:defRPr>
+            </a:lvl7pPr>
+            <a:lvl8pPr marL="2200000" indent="-228600" algn="l" defTabSz="914400" rtl="0" eaLnBrk="1" latinLnBrk="0" hangingPunct="1">
+              <a:lnSpc>
+                <a:spcPct val="90000"/>
+              </a:lnSpc>
+              <a:spcBef>
+                <a:spcPts val="300"/>
+              </a:spcBef>
+              <a:spcAft>
+                <a:spcPts val="300"/>
+              </a:spcAft>
+              <a:buClr>
+                <a:schemeClr val="accent1"/>
+              </a:buClr>
+              <a:buFont typeface="Wingdings 2" pitchFamily="18" charset="2"/>
+              <a:buChar char=""/>
+              <a:defRPr sz="1400" kern="1200">
+                <a:solidFill>
+                  <a:schemeClr val="tx1">
+                    <a:lumMod val="85000"/>
+                    <a:lumOff val="15000"/>
+                  </a:schemeClr>
+                </a:solidFill>
+                <a:latin typeface="+mn-lt"/>
+                <a:ea typeface="+mn-ea"/>
+                <a:cs typeface="+mn-cs"/>
+              </a:defRPr>
+            </a:lvl8pPr>
+            <a:lvl9pPr marL="2500000" indent="-228600" algn="l" defTabSz="914400" rtl="0" eaLnBrk="1" latinLnBrk="0" hangingPunct="1">
+              <a:lnSpc>
+                <a:spcPct val="90000"/>
+              </a:lnSpc>
+              <a:spcBef>
+                <a:spcPts val="300"/>
+              </a:spcBef>
+              <a:spcAft>
+                <a:spcPts val="300"/>
+              </a:spcAft>
+              <a:buClr>
+                <a:schemeClr val="accent1"/>
+              </a:buClr>
+              <a:buFont typeface="Wingdings 2" pitchFamily="18" charset="2"/>
+              <a:buChar char=""/>
+              <a:defRPr sz="1400" kern="1200">
+                <a:solidFill>
+                  <a:schemeClr val="tx1">
+                    <a:lumMod val="85000"/>
+                    <a:lumOff val="15000"/>
+                  </a:schemeClr>
+                </a:solidFill>
+                <a:latin typeface="+mn-lt"/>
+                <a:ea typeface="+mn-ea"/>
+                <a:cs typeface="+mn-cs"/>
+              </a:defRPr>
+            </a:lvl9pPr>
+          </a:lstStyle>
+          <a:p>
+            <a:pPr marL="0" indent="0">
+              <a:lnSpc>
+                <a:spcPct val="100000"/>
+              </a:lnSpc>
+              <a:buFont typeface="Arial" pitchFamily="34" charset="0"/>
+              <a:buNone/>
+            </a:pPr>
+            <a:r>
+              <a:rPr lang="ru-RU" dirty="0" smtClean="0">
+                <a:latin typeface="Segoe UI" panose="020B0502040204020203" pitchFamily="34" charset="0"/>
+                <a:cs typeface="Segoe UI" panose="020B0502040204020203" pitchFamily="34" charset="0"/>
+              </a:rPr>
+              <a:t>Чтобы минимизировать искажения, рабочую точку усилителя сдвигают ближе к линейному участку – делается отступ по средней мощности</a:t>
+            </a:r>
+            <a:endParaRPr lang="ru-RU" dirty="0">
+              <a:latin typeface="Segoe UI" panose="020B0502040204020203" pitchFamily="34" charset="0"/>
+              <a:cs typeface="Segoe UI" panose="020B0502040204020203" pitchFamily="34" charset="0"/>
+            </a:endParaRPr>
+          </a:p>
+        </p:txBody>
+      </p:sp>
+      <p:sp>
+        <p:nvSpPr>
+          <p:cNvPr id="7" name="Объект 2">
+            <a:extLst>
+              <a:ext uri="{FF2B5EF4-FFF2-40B4-BE49-F238E27FC236}">
+                <a16:creationId xmlns:a16="http://schemas.microsoft.com/office/drawing/2014/main" id="{8CDFC422-4199-8C58-632B-0CF9DB308CCD}"/>
+              </a:ext>
+            </a:extLst>
+          </p:cNvPr>
+          <p:cNvSpPr txBox="1">
+            <a:spLocks/>
+          </p:cNvSpPr>
+          <p:nvPr/>
+        </p:nvSpPr>
+        <p:spPr>
+          <a:xfrm>
+            <a:off x="519341" y="4848225"/>
+            <a:ext cx="3228710" cy="1941744"/>
           </a:xfrm>
           <a:prstGeom prst="rect">
             <a:avLst/>
@@ -16454,8 +19227,8 @@
         </p:nvSpPr>
         <p:spPr>
           <a:xfrm>
-            <a:off x="4226179" y="4772443"/>
-            <a:ext cx="4214876" cy="857318"/>
+            <a:off x="4226179" y="4772442"/>
+            <a:ext cx="4214876" cy="552033"/>
           </a:xfrm>
           <a:prstGeom prst="rect">
             <a:avLst/>
@@ -16463,7 +19236,7 @@
         </p:spPr>
         <p:txBody>
           <a:bodyPr vert="horz" lIns="91440" tIns="45720" rIns="91440" bIns="45720" rtlCol="0">
-            <a:normAutofit/>
+            <a:normAutofit lnSpcReduction="10000"/>
           </a:bodyPr>
           <a:lstStyle>
             <a:lvl1pPr marL="182880" indent="-182880" algn="l" defTabSz="914400" rtl="0" eaLnBrk="1" latinLnBrk="0" hangingPunct="1">
@@ -16748,16 +19521,15 @@
           </p:cNvPicPr>
           <p:nvPr/>
         </p:nvPicPr>
-        <p:blipFill>
+        <p:blipFill rotWithShape="1">
           <a:blip r:embed="rId4"/>
-          <a:stretch>
-            <a:fillRect/>
-          </a:stretch>
+          <a:srcRect l="21937" t="24693" r="532" b="53908"/>
+          <a:stretch/>
         </p:blipFill>
         <p:spPr>
           <a:xfrm>
-            <a:off x="4385844" y="5476192"/>
-            <a:ext cx="3280183" cy="1379825"/>
+            <a:off x="4876944" y="5629276"/>
+            <a:ext cx="2543175" cy="295275"/>
           </a:xfrm>
           <a:prstGeom prst="rect">
             <a:avLst/>
@@ -17280,6 +20052,613 @@
           </a:p>
         </p:txBody>
       </p:sp>
+      <p:sp>
+        <p:nvSpPr>
+          <p:cNvPr id="14" name="Объект 2">
+            <a:extLst>
+              <a:ext uri="{FF2B5EF4-FFF2-40B4-BE49-F238E27FC236}">
+                <a16:creationId xmlns:a16="http://schemas.microsoft.com/office/drawing/2014/main" id="{66F784C2-0F9A-5BE8-7FB9-E40BC00A75CB}"/>
+              </a:ext>
+            </a:extLst>
+          </p:cNvPr>
+          <p:cNvSpPr txBox="1">
+            <a:spLocks/>
+          </p:cNvSpPr>
+          <p:nvPr/>
+        </p:nvSpPr>
+        <p:spPr>
+          <a:xfrm>
+            <a:off x="4226179" y="5303125"/>
+            <a:ext cx="4214876" cy="373776"/>
+          </a:xfrm>
+          <a:prstGeom prst="rect">
+            <a:avLst/>
+          </a:prstGeom>
+        </p:spPr>
+        <p:txBody>
+          <a:bodyPr vert="horz" lIns="91440" tIns="45720" rIns="91440" bIns="45720" rtlCol="0">
+            <a:normAutofit/>
+          </a:bodyPr>
+          <a:lstStyle>
+            <a:lvl1pPr marL="182880" indent="-182880" algn="l" defTabSz="914400" rtl="0" eaLnBrk="1" latinLnBrk="0" hangingPunct="1">
+              <a:lnSpc>
+                <a:spcPct val="95000"/>
+              </a:lnSpc>
+              <a:spcBef>
+                <a:spcPts val="1400"/>
+              </a:spcBef>
+              <a:spcAft>
+                <a:spcPts val="200"/>
+              </a:spcAft>
+              <a:buClr>
+                <a:schemeClr val="accent1"/>
+              </a:buClr>
+              <a:buSzPct val="80000"/>
+              <a:buFont typeface="Arial" pitchFamily="34" charset="0"/>
+              <a:buChar char="•"/>
+              <a:defRPr sz="1800" kern="1200" spc="10" baseline="0">
+                <a:solidFill>
+                  <a:schemeClr val="tx1"/>
+                </a:solidFill>
+                <a:latin typeface="+mn-lt"/>
+                <a:ea typeface="+mn-ea"/>
+                <a:cs typeface="+mn-cs"/>
+              </a:defRPr>
+            </a:lvl1pPr>
+            <a:lvl2pPr marL="457200" indent="-182880" algn="l" defTabSz="914400" rtl="0" eaLnBrk="1" latinLnBrk="0" hangingPunct="1">
+              <a:lnSpc>
+                <a:spcPct val="90000"/>
+              </a:lnSpc>
+              <a:spcBef>
+                <a:spcPts val="300"/>
+              </a:spcBef>
+              <a:spcAft>
+                <a:spcPts val="300"/>
+              </a:spcAft>
+              <a:buClr>
+                <a:schemeClr val="accent1"/>
+              </a:buClr>
+              <a:buFont typeface="Wingdings 2" pitchFamily="18" charset="2"/>
+              <a:buChar char=""/>
+              <a:defRPr sz="1600" kern="1200">
+                <a:solidFill>
+                  <a:schemeClr val="tx1">
+                    <a:lumMod val="85000"/>
+                    <a:lumOff val="15000"/>
+                  </a:schemeClr>
+                </a:solidFill>
+                <a:latin typeface="+mn-lt"/>
+                <a:ea typeface="+mn-ea"/>
+                <a:cs typeface="+mn-cs"/>
+              </a:defRPr>
+            </a:lvl2pPr>
+            <a:lvl3pPr marL="731520" indent="-182880" algn="l" defTabSz="914400" rtl="0" eaLnBrk="1" latinLnBrk="0" hangingPunct="1">
+              <a:lnSpc>
+                <a:spcPct val="90000"/>
+              </a:lnSpc>
+              <a:spcBef>
+                <a:spcPts val="300"/>
+              </a:spcBef>
+              <a:spcAft>
+                <a:spcPts val="300"/>
+              </a:spcAft>
+              <a:buClr>
+                <a:schemeClr val="accent1"/>
+              </a:buClr>
+              <a:buFont typeface="Wingdings 2" pitchFamily="18" charset="2"/>
+              <a:buChar char=""/>
+              <a:defRPr sz="1400" kern="1200">
+                <a:solidFill>
+                  <a:schemeClr val="tx1">
+                    <a:lumMod val="85000"/>
+                    <a:lumOff val="15000"/>
+                  </a:schemeClr>
+                </a:solidFill>
+                <a:latin typeface="+mn-lt"/>
+                <a:ea typeface="+mn-ea"/>
+                <a:cs typeface="+mn-cs"/>
+              </a:defRPr>
+            </a:lvl3pPr>
+            <a:lvl4pPr marL="1005840" indent="-182880" algn="l" defTabSz="914400" rtl="0" eaLnBrk="1" latinLnBrk="0" hangingPunct="1">
+              <a:lnSpc>
+                <a:spcPct val="90000"/>
+              </a:lnSpc>
+              <a:spcBef>
+                <a:spcPts val="300"/>
+              </a:spcBef>
+              <a:spcAft>
+                <a:spcPts val="300"/>
+              </a:spcAft>
+              <a:buClr>
+                <a:schemeClr val="accent1"/>
+              </a:buClr>
+              <a:buFont typeface="Wingdings 2" pitchFamily="18" charset="2"/>
+              <a:buChar char=""/>
+              <a:defRPr sz="1400" kern="1200">
+                <a:solidFill>
+                  <a:schemeClr val="tx1">
+                    <a:lumMod val="85000"/>
+                    <a:lumOff val="15000"/>
+                  </a:schemeClr>
+                </a:solidFill>
+                <a:latin typeface="+mn-lt"/>
+                <a:ea typeface="+mn-ea"/>
+                <a:cs typeface="+mn-cs"/>
+              </a:defRPr>
+            </a:lvl4pPr>
+            <a:lvl5pPr marL="1280160" indent="-182880" algn="l" defTabSz="914400" rtl="0" eaLnBrk="1" latinLnBrk="0" hangingPunct="1">
+              <a:lnSpc>
+                <a:spcPct val="90000"/>
+              </a:lnSpc>
+              <a:spcBef>
+                <a:spcPts val="300"/>
+              </a:spcBef>
+              <a:spcAft>
+                <a:spcPts val="300"/>
+              </a:spcAft>
+              <a:buClr>
+                <a:schemeClr val="accent1"/>
+              </a:buClr>
+              <a:buFont typeface="Wingdings 2" pitchFamily="18" charset="2"/>
+              <a:buChar char=""/>
+              <a:defRPr sz="1400" kern="1200">
+                <a:solidFill>
+                  <a:schemeClr val="tx1">
+                    <a:lumMod val="85000"/>
+                    <a:lumOff val="15000"/>
+                  </a:schemeClr>
+                </a:solidFill>
+                <a:latin typeface="+mn-lt"/>
+                <a:ea typeface="+mn-ea"/>
+                <a:cs typeface="+mn-cs"/>
+              </a:defRPr>
+            </a:lvl5pPr>
+            <a:lvl6pPr marL="1600000" indent="-228600" algn="l" defTabSz="914400" rtl="0" eaLnBrk="1" latinLnBrk="0" hangingPunct="1">
+              <a:lnSpc>
+                <a:spcPct val="90000"/>
+              </a:lnSpc>
+              <a:spcBef>
+                <a:spcPts val="300"/>
+              </a:spcBef>
+              <a:spcAft>
+                <a:spcPts val="300"/>
+              </a:spcAft>
+              <a:buClr>
+                <a:schemeClr val="accent1"/>
+              </a:buClr>
+              <a:buFont typeface="Wingdings 2" pitchFamily="18" charset="2"/>
+              <a:buChar char=""/>
+              <a:defRPr sz="1400" kern="1200">
+                <a:solidFill>
+                  <a:schemeClr val="tx1">
+                    <a:lumMod val="85000"/>
+                    <a:lumOff val="15000"/>
+                  </a:schemeClr>
+                </a:solidFill>
+                <a:latin typeface="+mn-lt"/>
+                <a:ea typeface="+mn-ea"/>
+                <a:cs typeface="+mn-cs"/>
+              </a:defRPr>
+            </a:lvl6pPr>
+            <a:lvl7pPr marL="1900000" indent="-228600" algn="l" defTabSz="914400" rtl="0" eaLnBrk="1" latinLnBrk="0" hangingPunct="1">
+              <a:lnSpc>
+                <a:spcPct val="90000"/>
+              </a:lnSpc>
+              <a:spcBef>
+                <a:spcPts val="300"/>
+              </a:spcBef>
+              <a:spcAft>
+                <a:spcPts val="300"/>
+              </a:spcAft>
+              <a:buClr>
+                <a:schemeClr val="accent1"/>
+              </a:buClr>
+              <a:buFont typeface="Wingdings 2" pitchFamily="18" charset="2"/>
+              <a:buChar char=""/>
+              <a:defRPr sz="1400" kern="1200">
+                <a:solidFill>
+                  <a:schemeClr val="tx1">
+                    <a:lumMod val="85000"/>
+                    <a:lumOff val="15000"/>
+                  </a:schemeClr>
+                </a:solidFill>
+                <a:latin typeface="+mn-lt"/>
+                <a:ea typeface="+mn-ea"/>
+                <a:cs typeface="+mn-cs"/>
+              </a:defRPr>
+            </a:lvl7pPr>
+            <a:lvl8pPr marL="2200000" indent="-228600" algn="l" defTabSz="914400" rtl="0" eaLnBrk="1" latinLnBrk="0" hangingPunct="1">
+              <a:lnSpc>
+                <a:spcPct val="90000"/>
+              </a:lnSpc>
+              <a:spcBef>
+                <a:spcPts val="300"/>
+              </a:spcBef>
+              <a:spcAft>
+                <a:spcPts val="300"/>
+              </a:spcAft>
+              <a:buClr>
+                <a:schemeClr val="accent1"/>
+              </a:buClr>
+              <a:buFont typeface="Wingdings 2" pitchFamily="18" charset="2"/>
+              <a:buChar char=""/>
+              <a:defRPr sz="1400" kern="1200">
+                <a:solidFill>
+                  <a:schemeClr val="tx1">
+                    <a:lumMod val="85000"/>
+                    <a:lumOff val="15000"/>
+                  </a:schemeClr>
+                </a:solidFill>
+                <a:latin typeface="+mn-lt"/>
+                <a:ea typeface="+mn-ea"/>
+                <a:cs typeface="+mn-cs"/>
+              </a:defRPr>
+            </a:lvl8pPr>
+            <a:lvl9pPr marL="2500000" indent="-228600" algn="l" defTabSz="914400" rtl="0" eaLnBrk="1" latinLnBrk="0" hangingPunct="1">
+              <a:lnSpc>
+                <a:spcPct val="90000"/>
+              </a:lnSpc>
+              <a:spcBef>
+                <a:spcPts val="300"/>
+              </a:spcBef>
+              <a:spcAft>
+                <a:spcPts val="300"/>
+              </a:spcAft>
+              <a:buClr>
+                <a:schemeClr val="accent1"/>
+              </a:buClr>
+              <a:buFont typeface="Wingdings 2" pitchFamily="18" charset="2"/>
+              <a:buChar char=""/>
+              <a:defRPr sz="1400" kern="1200">
+                <a:solidFill>
+                  <a:schemeClr val="tx1">
+                    <a:lumMod val="85000"/>
+                    <a:lumOff val="15000"/>
+                  </a:schemeClr>
+                </a:solidFill>
+                <a:latin typeface="+mn-lt"/>
+                <a:ea typeface="+mn-ea"/>
+                <a:cs typeface="+mn-cs"/>
+              </a:defRPr>
+            </a:lvl9pPr>
+          </a:lstStyle>
+          <a:p>
+            <a:pPr marL="0" indent="0">
+              <a:buFont typeface="Arial" pitchFamily="34" charset="0"/>
+              <a:buNone/>
+            </a:pPr>
+            <a:r>
+              <a:rPr lang="ru-RU" sz="1600" dirty="0" smtClean="0">
+                <a:latin typeface="Segoe UI" panose="020B0502040204020203" pitchFamily="34" charset="0"/>
+                <a:cs typeface="Segoe UI" panose="020B0502040204020203" pitchFamily="34" charset="0"/>
+              </a:rPr>
+              <a:t>АМ-АМ искажение </a:t>
+            </a:r>
+            <a:endParaRPr lang="ru-RU" sz="1600" dirty="0">
+              <a:latin typeface="Segoe UI" panose="020B0502040204020203" pitchFamily="34" charset="0"/>
+              <a:cs typeface="Segoe UI" panose="020B0502040204020203" pitchFamily="34" charset="0"/>
+            </a:endParaRPr>
+          </a:p>
+        </p:txBody>
+      </p:sp>
+      <p:pic>
+        <p:nvPicPr>
+          <p:cNvPr id="15" name="Рисунок 14">
+            <a:extLst>
+              <a:ext uri="{FF2B5EF4-FFF2-40B4-BE49-F238E27FC236}">
+                <a16:creationId xmlns:a16="http://schemas.microsoft.com/office/drawing/2014/main" id="{D1EE36C1-C0CB-0118-67F2-5A8A3D8AAFAB}"/>
+              </a:ext>
+            </a:extLst>
+          </p:cNvPr>
+          <p:cNvPicPr>
+            <a:picLocks noChangeAspect="1"/>
+          </p:cNvPicPr>
+          <p:nvPr/>
+        </p:nvPicPr>
+        <p:blipFill rotWithShape="1">
+          <a:blip r:embed="rId4"/>
+          <a:srcRect l="24859" t="69559" r="3706" b="11112"/>
+          <a:stretch/>
+        </p:blipFill>
+        <p:spPr>
+          <a:xfrm>
+            <a:off x="4976956" y="6334664"/>
+            <a:ext cx="2343150" cy="266700"/>
+          </a:xfrm>
+          <a:prstGeom prst="rect">
+            <a:avLst/>
+          </a:prstGeom>
+        </p:spPr>
+      </p:pic>
+      <p:sp>
+        <p:nvSpPr>
+          <p:cNvPr id="16" name="Объект 2">
+            <a:extLst>
+              <a:ext uri="{FF2B5EF4-FFF2-40B4-BE49-F238E27FC236}">
+                <a16:creationId xmlns:a16="http://schemas.microsoft.com/office/drawing/2014/main" id="{66F784C2-0F9A-5BE8-7FB9-E40BC00A75CB}"/>
+              </a:ext>
+            </a:extLst>
+          </p:cNvPr>
+          <p:cNvSpPr txBox="1">
+            <a:spLocks/>
+          </p:cNvSpPr>
+          <p:nvPr/>
+        </p:nvSpPr>
+        <p:spPr>
+          <a:xfrm>
+            <a:off x="4226179" y="5966801"/>
+            <a:ext cx="4214876" cy="373776"/>
+          </a:xfrm>
+          <a:prstGeom prst="rect">
+            <a:avLst/>
+          </a:prstGeom>
+        </p:spPr>
+        <p:txBody>
+          <a:bodyPr vert="horz" lIns="91440" tIns="45720" rIns="91440" bIns="45720" rtlCol="0">
+            <a:normAutofit/>
+          </a:bodyPr>
+          <a:lstStyle>
+            <a:lvl1pPr marL="182880" indent="-182880" algn="l" defTabSz="914400" rtl="0" eaLnBrk="1" latinLnBrk="0" hangingPunct="1">
+              <a:lnSpc>
+                <a:spcPct val="95000"/>
+              </a:lnSpc>
+              <a:spcBef>
+                <a:spcPts val="1400"/>
+              </a:spcBef>
+              <a:spcAft>
+                <a:spcPts val="200"/>
+              </a:spcAft>
+              <a:buClr>
+                <a:schemeClr val="accent1"/>
+              </a:buClr>
+              <a:buSzPct val="80000"/>
+              <a:buFont typeface="Arial" pitchFamily="34" charset="0"/>
+              <a:buChar char="•"/>
+              <a:defRPr sz="1800" kern="1200" spc="10" baseline="0">
+                <a:solidFill>
+                  <a:schemeClr val="tx1"/>
+                </a:solidFill>
+                <a:latin typeface="+mn-lt"/>
+                <a:ea typeface="+mn-ea"/>
+                <a:cs typeface="+mn-cs"/>
+              </a:defRPr>
+            </a:lvl1pPr>
+            <a:lvl2pPr marL="457200" indent="-182880" algn="l" defTabSz="914400" rtl="0" eaLnBrk="1" latinLnBrk="0" hangingPunct="1">
+              <a:lnSpc>
+                <a:spcPct val="90000"/>
+              </a:lnSpc>
+              <a:spcBef>
+                <a:spcPts val="300"/>
+              </a:spcBef>
+              <a:spcAft>
+                <a:spcPts val="300"/>
+              </a:spcAft>
+              <a:buClr>
+                <a:schemeClr val="accent1"/>
+              </a:buClr>
+              <a:buFont typeface="Wingdings 2" pitchFamily="18" charset="2"/>
+              <a:buChar char=""/>
+              <a:defRPr sz="1600" kern="1200">
+                <a:solidFill>
+                  <a:schemeClr val="tx1">
+                    <a:lumMod val="85000"/>
+                    <a:lumOff val="15000"/>
+                  </a:schemeClr>
+                </a:solidFill>
+                <a:latin typeface="+mn-lt"/>
+                <a:ea typeface="+mn-ea"/>
+                <a:cs typeface="+mn-cs"/>
+              </a:defRPr>
+            </a:lvl2pPr>
+            <a:lvl3pPr marL="731520" indent="-182880" algn="l" defTabSz="914400" rtl="0" eaLnBrk="1" latinLnBrk="0" hangingPunct="1">
+              <a:lnSpc>
+                <a:spcPct val="90000"/>
+              </a:lnSpc>
+              <a:spcBef>
+                <a:spcPts val="300"/>
+              </a:spcBef>
+              <a:spcAft>
+                <a:spcPts val="300"/>
+              </a:spcAft>
+              <a:buClr>
+                <a:schemeClr val="accent1"/>
+              </a:buClr>
+              <a:buFont typeface="Wingdings 2" pitchFamily="18" charset="2"/>
+              <a:buChar char=""/>
+              <a:defRPr sz="1400" kern="1200">
+                <a:solidFill>
+                  <a:schemeClr val="tx1">
+                    <a:lumMod val="85000"/>
+                    <a:lumOff val="15000"/>
+                  </a:schemeClr>
+                </a:solidFill>
+                <a:latin typeface="+mn-lt"/>
+                <a:ea typeface="+mn-ea"/>
+                <a:cs typeface="+mn-cs"/>
+              </a:defRPr>
+            </a:lvl3pPr>
+            <a:lvl4pPr marL="1005840" indent="-182880" algn="l" defTabSz="914400" rtl="0" eaLnBrk="1" latinLnBrk="0" hangingPunct="1">
+              <a:lnSpc>
+                <a:spcPct val="90000"/>
+              </a:lnSpc>
+              <a:spcBef>
+                <a:spcPts val="300"/>
+              </a:spcBef>
+              <a:spcAft>
+                <a:spcPts val="300"/>
+              </a:spcAft>
+              <a:buClr>
+                <a:schemeClr val="accent1"/>
+              </a:buClr>
+              <a:buFont typeface="Wingdings 2" pitchFamily="18" charset="2"/>
+              <a:buChar char=""/>
+              <a:defRPr sz="1400" kern="1200">
+                <a:solidFill>
+                  <a:schemeClr val="tx1">
+                    <a:lumMod val="85000"/>
+                    <a:lumOff val="15000"/>
+                  </a:schemeClr>
+                </a:solidFill>
+                <a:latin typeface="+mn-lt"/>
+                <a:ea typeface="+mn-ea"/>
+                <a:cs typeface="+mn-cs"/>
+              </a:defRPr>
+            </a:lvl4pPr>
+            <a:lvl5pPr marL="1280160" indent="-182880" algn="l" defTabSz="914400" rtl="0" eaLnBrk="1" latinLnBrk="0" hangingPunct="1">
+              <a:lnSpc>
+                <a:spcPct val="90000"/>
+              </a:lnSpc>
+              <a:spcBef>
+                <a:spcPts val="300"/>
+              </a:spcBef>
+              <a:spcAft>
+                <a:spcPts val="300"/>
+              </a:spcAft>
+              <a:buClr>
+                <a:schemeClr val="accent1"/>
+              </a:buClr>
+              <a:buFont typeface="Wingdings 2" pitchFamily="18" charset="2"/>
+              <a:buChar char=""/>
+              <a:defRPr sz="1400" kern="1200">
+                <a:solidFill>
+                  <a:schemeClr val="tx1">
+                    <a:lumMod val="85000"/>
+                    <a:lumOff val="15000"/>
+                  </a:schemeClr>
+                </a:solidFill>
+                <a:latin typeface="+mn-lt"/>
+                <a:ea typeface="+mn-ea"/>
+                <a:cs typeface="+mn-cs"/>
+              </a:defRPr>
+            </a:lvl5pPr>
+            <a:lvl6pPr marL="1600000" indent="-228600" algn="l" defTabSz="914400" rtl="0" eaLnBrk="1" latinLnBrk="0" hangingPunct="1">
+              <a:lnSpc>
+                <a:spcPct val="90000"/>
+              </a:lnSpc>
+              <a:spcBef>
+                <a:spcPts val="300"/>
+              </a:spcBef>
+              <a:spcAft>
+                <a:spcPts val="300"/>
+              </a:spcAft>
+              <a:buClr>
+                <a:schemeClr val="accent1"/>
+              </a:buClr>
+              <a:buFont typeface="Wingdings 2" pitchFamily="18" charset="2"/>
+              <a:buChar char=""/>
+              <a:defRPr sz="1400" kern="1200">
+                <a:solidFill>
+                  <a:schemeClr val="tx1">
+                    <a:lumMod val="85000"/>
+                    <a:lumOff val="15000"/>
+                  </a:schemeClr>
+                </a:solidFill>
+                <a:latin typeface="+mn-lt"/>
+                <a:ea typeface="+mn-ea"/>
+                <a:cs typeface="+mn-cs"/>
+              </a:defRPr>
+            </a:lvl6pPr>
+            <a:lvl7pPr marL="1900000" indent="-228600" algn="l" defTabSz="914400" rtl="0" eaLnBrk="1" latinLnBrk="0" hangingPunct="1">
+              <a:lnSpc>
+                <a:spcPct val="90000"/>
+              </a:lnSpc>
+              <a:spcBef>
+                <a:spcPts val="300"/>
+              </a:spcBef>
+              <a:spcAft>
+                <a:spcPts val="300"/>
+              </a:spcAft>
+              <a:buClr>
+                <a:schemeClr val="accent1"/>
+              </a:buClr>
+              <a:buFont typeface="Wingdings 2" pitchFamily="18" charset="2"/>
+              <a:buChar char=""/>
+              <a:defRPr sz="1400" kern="1200">
+                <a:solidFill>
+                  <a:schemeClr val="tx1">
+                    <a:lumMod val="85000"/>
+                    <a:lumOff val="15000"/>
+                  </a:schemeClr>
+                </a:solidFill>
+                <a:latin typeface="+mn-lt"/>
+                <a:ea typeface="+mn-ea"/>
+                <a:cs typeface="+mn-cs"/>
+              </a:defRPr>
+            </a:lvl7pPr>
+            <a:lvl8pPr marL="2200000" indent="-228600" algn="l" defTabSz="914400" rtl="0" eaLnBrk="1" latinLnBrk="0" hangingPunct="1">
+              <a:lnSpc>
+                <a:spcPct val="90000"/>
+              </a:lnSpc>
+              <a:spcBef>
+                <a:spcPts val="300"/>
+              </a:spcBef>
+              <a:spcAft>
+                <a:spcPts val="300"/>
+              </a:spcAft>
+              <a:buClr>
+                <a:schemeClr val="accent1"/>
+              </a:buClr>
+              <a:buFont typeface="Wingdings 2" pitchFamily="18" charset="2"/>
+              <a:buChar char=""/>
+              <a:defRPr sz="1400" kern="1200">
+                <a:solidFill>
+                  <a:schemeClr val="tx1">
+                    <a:lumMod val="85000"/>
+                    <a:lumOff val="15000"/>
+                  </a:schemeClr>
+                </a:solidFill>
+                <a:latin typeface="+mn-lt"/>
+                <a:ea typeface="+mn-ea"/>
+                <a:cs typeface="+mn-cs"/>
+              </a:defRPr>
+            </a:lvl8pPr>
+            <a:lvl9pPr marL="2500000" indent="-228600" algn="l" defTabSz="914400" rtl="0" eaLnBrk="1" latinLnBrk="0" hangingPunct="1">
+              <a:lnSpc>
+                <a:spcPct val="90000"/>
+              </a:lnSpc>
+              <a:spcBef>
+                <a:spcPts val="300"/>
+              </a:spcBef>
+              <a:spcAft>
+                <a:spcPts val="300"/>
+              </a:spcAft>
+              <a:buClr>
+                <a:schemeClr val="accent1"/>
+              </a:buClr>
+              <a:buFont typeface="Wingdings 2" pitchFamily="18" charset="2"/>
+              <a:buChar char=""/>
+              <a:defRPr sz="1400" kern="1200">
+                <a:solidFill>
+                  <a:schemeClr val="tx1">
+                    <a:lumMod val="85000"/>
+                    <a:lumOff val="15000"/>
+                  </a:schemeClr>
+                </a:solidFill>
+                <a:latin typeface="+mn-lt"/>
+                <a:ea typeface="+mn-ea"/>
+                <a:cs typeface="+mn-cs"/>
+              </a:defRPr>
+            </a:lvl9pPr>
+          </a:lstStyle>
+          <a:p>
+            <a:pPr marL="0" indent="0">
+              <a:buFont typeface="Arial" pitchFamily="34" charset="0"/>
+              <a:buNone/>
+            </a:pPr>
+            <a:r>
+              <a:rPr lang="ru-RU" sz="1600" dirty="0" smtClean="0">
+                <a:latin typeface="Segoe UI" panose="020B0502040204020203" pitchFamily="34" charset="0"/>
+                <a:cs typeface="Segoe UI" panose="020B0502040204020203" pitchFamily="34" charset="0"/>
+              </a:rPr>
+              <a:t>АМ-РМ искажение </a:t>
+            </a:r>
+            <a:endParaRPr lang="ru-RU" sz="1600" dirty="0">
+              <a:latin typeface="Segoe UI" panose="020B0502040204020203" pitchFamily="34" charset="0"/>
+              <a:cs typeface="Segoe UI" panose="020B0502040204020203" pitchFamily="34" charset="0"/>
+            </a:endParaRPr>
+          </a:p>
+        </p:txBody>
+      </p:sp>
     </p:spTree>
     <p:extLst>
       <p:ext uri="{BB962C8B-B14F-4D97-AF65-F5344CB8AC3E}">
@@ -17696,7 +21075,21 @@
                 <a:latin typeface="Segoe UI" panose="020B0502040204020203" pitchFamily="34" charset="0"/>
                 <a:cs typeface="Segoe UI" panose="020B0502040204020203" pitchFamily="34" charset="0"/>
               </a:rPr>
-              <a:t>Параметры для модели 100 -200 ГГц были получены по данным из последних работ по созданию твердотельных усилителей в соответствующем диапазоне частот</a:t>
+              <a:t>Параметры для модели </a:t>
+            </a:r>
+            <a:r>
+              <a:rPr lang="ru-RU" sz="1600" dirty="0" smtClean="0">
+                <a:latin typeface="Segoe UI" panose="020B0502040204020203" pitchFamily="34" charset="0"/>
+                <a:cs typeface="Segoe UI" panose="020B0502040204020203" pitchFamily="34" charset="0"/>
+              </a:rPr>
+              <a:t>100-200 </a:t>
+            </a:r>
+            <a:r>
+              <a:rPr lang="ru-RU" sz="1600" dirty="0">
+                <a:latin typeface="Segoe UI" panose="020B0502040204020203" pitchFamily="34" charset="0"/>
+                <a:cs typeface="Segoe UI" panose="020B0502040204020203" pitchFamily="34" charset="0"/>
+              </a:rPr>
+              <a:t>ГГц были получены по данным из последних работ по созданию твердотельных усилителей в соответствующем диапазоне частот</a:t>
             </a:r>
           </a:p>
           <a:p>

--- a/Presentation.pptx
+++ b/Presentation.pptx
@@ -5,7 +5,7 @@
     <p:sldMasterId id="2147483708" r:id="rId1"/>
   </p:sldMasterIdLst>
   <p:notesMasterIdLst>
-    <p:notesMasterId r:id="rId29"/>
+    <p:notesMasterId r:id="rId30"/>
   </p:notesMasterIdLst>
   <p:sldIdLst>
     <p:sldId id="256" r:id="rId2"/>
@@ -26,15 +26,16 @@
     <p:sldId id="374" r:id="rId17"/>
     <p:sldId id="376" r:id="rId18"/>
     <p:sldId id="379" r:id="rId19"/>
-    <p:sldId id="382" r:id="rId20"/>
-    <p:sldId id="383" r:id="rId21"/>
-    <p:sldId id="384" r:id="rId22"/>
-    <p:sldId id="385" r:id="rId23"/>
-    <p:sldId id="386" r:id="rId24"/>
-    <p:sldId id="387" r:id="rId25"/>
-    <p:sldId id="388" r:id="rId26"/>
-    <p:sldId id="389" r:id="rId27"/>
-    <p:sldId id="390" r:id="rId28"/>
+    <p:sldId id="384" r:id="rId20"/>
+    <p:sldId id="385" r:id="rId21"/>
+    <p:sldId id="388" r:id="rId22"/>
+    <p:sldId id="389" r:id="rId23"/>
+    <p:sldId id="392" r:id="rId24"/>
+    <p:sldId id="390" r:id="rId25"/>
+    <p:sldId id="382" r:id="rId26"/>
+    <p:sldId id="383" r:id="rId27"/>
+    <p:sldId id="386" r:id="rId28"/>
+    <p:sldId id="387" r:id="rId29"/>
   </p:sldIdLst>
   <p:sldSz cx="9144000" cy="6858000" type="screen4x3"/>
   <p:notesSz cx="6858000" cy="9144000"/>
@@ -234,7 +235,7 @@
           <a:p>
             <a:fld id="{44520D1A-6BF5-4F95-B58D-D836C203D0C1}" type="datetimeFigureOut">
               <a:rPr lang="ru-RU" smtClean="0"/>
-              <a:t>06.06.2022</a:t>
+              <a:t>07.06.2022</a:t>
             </a:fld>
             <a:endParaRPr lang="ru-RU"/>
           </a:p>
@@ -797,7 +798,7 @@
           <a:p>
             <a:fld id="{CE7AEB54-EFC9-4CAF-82CC-75A466E3AA9C}" type="datetime1">
               <a:rPr lang="ru-RU" smtClean="0"/>
-              <a:t>06.06.2022</a:t>
+              <a:t>07.06.2022</a:t>
             </a:fld>
             <a:endParaRPr lang="ru-RU"/>
           </a:p>
@@ -989,7 +990,7 @@
           <a:p>
             <a:fld id="{CC02C0E8-6B6D-448A-B9C4-BD0730654AD4}" type="datetime1">
               <a:rPr lang="ru-RU" smtClean="0"/>
-              <a:t>06.06.2022</a:t>
+              <a:t>07.06.2022</a:t>
             </a:fld>
             <a:endParaRPr lang="ru-RU"/>
           </a:p>
@@ -1169,7 +1170,7 @@
           <a:p>
             <a:fld id="{B856AD82-8A9E-4AA3-AA9E-7B9FB6E8F8A7}" type="datetime1">
               <a:rPr lang="ru-RU" smtClean="0"/>
-              <a:t>06.06.2022</a:t>
+              <a:t>07.06.2022</a:t>
             </a:fld>
             <a:endParaRPr lang="ru-RU"/>
           </a:p>
@@ -1339,7 +1340,7 @@
           <a:p>
             <a:fld id="{15EE9521-0049-4678-B379-C0731D5890A9}" type="datetime1">
               <a:rPr lang="ru-RU" smtClean="0"/>
-              <a:t>06.06.2022</a:t>
+              <a:t>07.06.2022</a:t>
             </a:fld>
             <a:endParaRPr lang="ru-RU"/>
           </a:p>
@@ -1593,7 +1594,7 @@
           <a:p>
             <a:fld id="{F9F43CBE-9BC2-4C9A-888B-CAC535D90BAF}" type="datetime1">
               <a:rPr lang="ru-RU" smtClean="0"/>
-              <a:t>06.06.2022</a:t>
+              <a:t>07.06.2022</a:t>
             </a:fld>
             <a:endParaRPr lang="ru-RU"/>
           </a:p>
@@ -1919,7 +1920,7 @@
           <a:p>
             <a:fld id="{37C0947A-0537-42D2-808C-A08A4CDF5D76}" type="datetime1">
               <a:rPr lang="ru-RU" smtClean="0"/>
-              <a:t>06.06.2022</a:t>
+              <a:t>07.06.2022</a:t>
             </a:fld>
             <a:endParaRPr lang="ru-RU"/>
           </a:p>
@@ -2339,7 +2340,7 @@
           <a:p>
             <a:fld id="{A8929EE6-C820-4D6F-9ADA-BB179A7A8A83}" type="datetime1">
               <a:rPr lang="ru-RU" smtClean="0"/>
-              <a:t>06.06.2022</a:t>
+              <a:t>07.06.2022</a:t>
             </a:fld>
             <a:endParaRPr lang="ru-RU"/>
           </a:p>
@@ -2458,7 +2459,7 @@
           <a:p>
             <a:fld id="{5C82630B-9DAE-4409-AFF0-79F5C7161C4E}" type="datetime1">
               <a:rPr lang="ru-RU" smtClean="0"/>
-              <a:t>06.06.2022</a:t>
+              <a:t>07.06.2022</a:t>
             </a:fld>
             <a:endParaRPr lang="ru-RU"/>
           </a:p>
@@ -2553,7 +2554,7 @@
           <a:p>
             <a:fld id="{A431ED0E-67BA-4AE3-8FC6-97723DF455A8}" type="datetime1">
               <a:rPr lang="ru-RU" smtClean="0"/>
-              <a:t>06.06.2022</a:t>
+              <a:t>07.06.2022</a:t>
             </a:fld>
             <a:endParaRPr lang="ru-RU"/>
           </a:p>
@@ -2840,7 +2841,7 @@
           <a:p>
             <a:fld id="{00278453-7134-48F9-BF64-ED8A41C38433}" type="datetime1">
               <a:rPr lang="ru-RU" smtClean="0"/>
-              <a:t>06.06.2022</a:t>
+              <a:t>07.06.2022</a:t>
             </a:fld>
             <a:endParaRPr lang="ru-RU"/>
           </a:p>
@@ -3162,7 +3163,7 @@
           <a:p>
             <a:fld id="{AFD10698-F4D3-4419-A9E9-6D61E20A3139}" type="datetime1">
               <a:rPr lang="ru-RU" smtClean="0"/>
-              <a:t>06.06.2022</a:t>
+              <a:t>07.06.2022</a:t>
             </a:fld>
             <a:endParaRPr lang="ru-RU"/>
           </a:p>
@@ -3416,7 +3417,7 @@
           <a:p>
             <a:fld id="{A8929EE6-C820-4D6F-9ADA-BB179A7A8A83}" type="datetime1">
               <a:rPr lang="ru-RU" smtClean="0"/>
-              <a:t>06.06.2022</a:t>
+              <a:t>07.06.2022</a:t>
             </a:fld>
             <a:endParaRPr lang="ru-RU"/>
           </a:p>
@@ -5767,6 +5768,13 @@
   <p:clrMapOvr>
     <a:masterClrMapping/>
   </p:clrMapOvr>
+  <p:timing>
+    <p:tnLst>
+      <p:par>
+        <p:cTn id="1" dur="indefinite" restart="never" nodeType="tmRoot"/>
+      </p:par>
+    </p:tnLst>
+  </p:timing>
 </p:sld>
 </file>
 
@@ -7427,10 +7435,6 @@
               </a:rPr>
               <a:t>, 2008</a:t>
             </a:r>
-            <a:endParaRPr lang="en-US" sz="800" i="1" dirty="0">
-              <a:latin typeface="Segoe UI" panose="020B0502040204020203" pitchFamily="34" charset="0"/>
-              <a:cs typeface="Segoe UI" panose="020B0502040204020203" pitchFamily="34" charset="0"/>
-            </a:endParaRPr>
           </a:p>
         </p:txBody>
       </p:sp>
@@ -7690,10 +7694,6 @@
               </a:rPr>
               <a:t> et. al., 2010</a:t>
             </a:r>
-            <a:endParaRPr lang="en-US" sz="1100" i="1" dirty="0">
-              <a:latin typeface="Segoe UI" panose="020B0502040204020203" pitchFamily="34" charset="0"/>
-              <a:cs typeface="Segoe UI" panose="020B0502040204020203" pitchFamily="34" charset="0"/>
-            </a:endParaRPr>
           </a:p>
         </p:txBody>
       </p:sp>
@@ -12733,7 +12733,7 @@
         <p:spPr>
           <a:xfrm>
             <a:off x="123444" y="213360"/>
-            <a:ext cx="7269480" cy="1325562"/>
+            <a:ext cx="7269480" cy="794825"/>
           </a:xfrm>
         </p:spPr>
         <p:txBody>
@@ -12774,6 +12774,2311 @@
             <a:fld id="{12AFF886-F040-4FA5-8BD0-0A595B4BDA00}" type="slidenum">
               <a:rPr lang="ru-RU" smtClean="0"/>
               <a:t>19</a:t>
+            </a:fld>
+            <a:endParaRPr lang="ru-RU"/>
+          </a:p>
+        </p:txBody>
+      </p:sp>
+      <p:sp>
+        <p:nvSpPr>
+          <p:cNvPr id="13" name="Объект 2">
+            <a:extLst>
+              <a:ext uri="{FF2B5EF4-FFF2-40B4-BE49-F238E27FC236}">
+                <a16:creationId xmlns:a16="http://schemas.microsoft.com/office/drawing/2014/main" id="{9F2EE8E7-90F4-BC50-0F9D-CEF973711876}"/>
+              </a:ext>
+            </a:extLst>
+          </p:cNvPr>
+          <p:cNvSpPr txBox="1">
+            <a:spLocks/>
+          </p:cNvSpPr>
+          <p:nvPr/>
+        </p:nvSpPr>
+        <p:spPr>
+          <a:xfrm>
+            <a:off x="231492" y="1008185"/>
+            <a:ext cx="6227923" cy="668215"/>
+          </a:xfrm>
+          <a:prstGeom prst="rect">
+            <a:avLst/>
+          </a:prstGeom>
+        </p:spPr>
+        <p:txBody>
+          <a:bodyPr vert="horz" lIns="91440" tIns="45720" rIns="91440" bIns="45720" rtlCol="0">
+            <a:normAutofit/>
+          </a:bodyPr>
+          <a:lstStyle>
+            <a:lvl1pPr marL="182880" indent="-182880" algn="l" defTabSz="914400" rtl="0" eaLnBrk="1" latinLnBrk="0" hangingPunct="1">
+              <a:lnSpc>
+                <a:spcPct val="95000"/>
+              </a:lnSpc>
+              <a:spcBef>
+                <a:spcPts val="1400"/>
+              </a:spcBef>
+              <a:spcAft>
+                <a:spcPts val="200"/>
+              </a:spcAft>
+              <a:buClr>
+                <a:schemeClr val="accent1"/>
+              </a:buClr>
+              <a:buSzPct val="80000"/>
+              <a:buFont typeface="Arial" pitchFamily="34" charset="0"/>
+              <a:buChar char="•"/>
+              <a:defRPr sz="1800" kern="1200" spc="10" baseline="0">
+                <a:solidFill>
+                  <a:schemeClr val="tx1"/>
+                </a:solidFill>
+                <a:latin typeface="+mn-lt"/>
+                <a:ea typeface="+mn-ea"/>
+                <a:cs typeface="+mn-cs"/>
+              </a:defRPr>
+            </a:lvl1pPr>
+            <a:lvl2pPr marL="457200" indent="-182880" algn="l" defTabSz="914400" rtl="0" eaLnBrk="1" latinLnBrk="0" hangingPunct="1">
+              <a:lnSpc>
+                <a:spcPct val="90000"/>
+              </a:lnSpc>
+              <a:spcBef>
+                <a:spcPts val="300"/>
+              </a:spcBef>
+              <a:spcAft>
+                <a:spcPts val="300"/>
+              </a:spcAft>
+              <a:buClr>
+                <a:schemeClr val="accent1"/>
+              </a:buClr>
+              <a:buFont typeface="Wingdings 2" pitchFamily="18" charset="2"/>
+              <a:buChar char=""/>
+              <a:defRPr sz="1600" kern="1200">
+                <a:solidFill>
+                  <a:schemeClr val="tx1">
+                    <a:lumMod val="85000"/>
+                    <a:lumOff val="15000"/>
+                  </a:schemeClr>
+                </a:solidFill>
+                <a:latin typeface="+mn-lt"/>
+                <a:ea typeface="+mn-ea"/>
+                <a:cs typeface="+mn-cs"/>
+              </a:defRPr>
+            </a:lvl2pPr>
+            <a:lvl3pPr marL="731520" indent="-182880" algn="l" defTabSz="914400" rtl="0" eaLnBrk="1" latinLnBrk="0" hangingPunct="1">
+              <a:lnSpc>
+                <a:spcPct val="90000"/>
+              </a:lnSpc>
+              <a:spcBef>
+                <a:spcPts val="300"/>
+              </a:spcBef>
+              <a:spcAft>
+                <a:spcPts val="300"/>
+              </a:spcAft>
+              <a:buClr>
+                <a:schemeClr val="accent1"/>
+              </a:buClr>
+              <a:buFont typeface="Wingdings 2" pitchFamily="18" charset="2"/>
+              <a:buChar char=""/>
+              <a:defRPr sz="1400" kern="1200">
+                <a:solidFill>
+                  <a:schemeClr val="tx1">
+                    <a:lumMod val="85000"/>
+                    <a:lumOff val="15000"/>
+                  </a:schemeClr>
+                </a:solidFill>
+                <a:latin typeface="+mn-lt"/>
+                <a:ea typeface="+mn-ea"/>
+                <a:cs typeface="+mn-cs"/>
+              </a:defRPr>
+            </a:lvl3pPr>
+            <a:lvl4pPr marL="1005840" indent="-182880" algn="l" defTabSz="914400" rtl="0" eaLnBrk="1" latinLnBrk="0" hangingPunct="1">
+              <a:lnSpc>
+                <a:spcPct val="90000"/>
+              </a:lnSpc>
+              <a:spcBef>
+                <a:spcPts val="300"/>
+              </a:spcBef>
+              <a:spcAft>
+                <a:spcPts val="300"/>
+              </a:spcAft>
+              <a:buClr>
+                <a:schemeClr val="accent1"/>
+              </a:buClr>
+              <a:buFont typeface="Wingdings 2" pitchFamily="18" charset="2"/>
+              <a:buChar char=""/>
+              <a:defRPr sz="1400" kern="1200">
+                <a:solidFill>
+                  <a:schemeClr val="tx1">
+                    <a:lumMod val="85000"/>
+                    <a:lumOff val="15000"/>
+                  </a:schemeClr>
+                </a:solidFill>
+                <a:latin typeface="+mn-lt"/>
+                <a:ea typeface="+mn-ea"/>
+                <a:cs typeface="+mn-cs"/>
+              </a:defRPr>
+            </a:lvl4pPr>
+            <a:lvl5pPr marL="1280160" indent="-182880" algn="l" defTabSz="914400" rtl="0" eaLnBrk="1" latinLnBrk="0" hangingPunct="1">
+              <a:lnSpc>
+                <a:spcPct val="90000"/>
+              </a:lnSpc>
+              <a:spcBef>
+                <a:spcPts val="300"/>
+              </a:spcBef>
+              <a:spcAft>
+                <a:spcPts val="300"/>
+              </a:spcAft>
+              <a:buClr>
+                <a:schemeClr val="accent1"/>
+              </a:buClr>
+              <a:buFont typeface="Wingdings 2" pitchFamily="18" charset="2"/>
+              <a:buChar char=""/>
+              <a:defRPr sz="1400" kern="1200">
+                <a:solidFill>
+                  <a:schemeClr val="tx1">
+                    <a:lumMod val="85000"/>
+                    <a:lumOff val="15000"/>
+                  </a:schemeClr>
+                </a:solidFill>
+                <a:latin typeface="+mn-lt"/>
+                <a:ea typeface="+mn-ea"/>
+                <a:cs typeface="+mn-cs"/>
+              </a:defRPr>
+            </a:lvl5pPr>
+            <a:lvl6pPr marL="1600000" indent="-228600" algn="l" defTabSz="914400" rtl="0" eaLnBrk="1" latinLnBrk="0" hangingPunct="1">
+              <a:lnSpc>
+                <a:spcPct val="90000"/>
+              </a:lnSpc>
+              <a:spcBef>
+                <a:spcPts val="300"/>
+              </a:spcBef>
+              <a:spcAft>
+                <a:spcPts val="300"/>
+              </a:spcAft>
+              <a:buClr>
+                <a:schemeClr val="accent1"/>
+              </a:buClr>
+              <a:buFont typeface="Wingdings 2" pitchFamily="18" charset="2"/>
+              <a:buChar char=""/>
+              <a:defRPr sz="1400" kern="1200">
+                <a:solidFill>
+                  <a:schemeClr val="tx1">
+                    <a:lumMod val="85000"/>
+                    <a:lumOff val="15000"/>
+                  </a:schemeClr>
+                </a:solidFill>
+                <a:latin typeface="+mn-lt"/>
+                <a:ea typeface="+mn-ea"/>
+                <a:cs typeface="+mn-cs"/>
+              </a:defRPr>
+            </a:lvl6pPr>
+            <a:lvl7pPr marL="1900000" indent="-228600" algn="l" defTabSz="914400" rtl="0" eaLnBrk="1" latinLnBrk="0" hangingPunct="1">
+              <a:lnSpc>
+                <a:spcPct val="90000"/>
+              </a:lnSpc>
+              <a:spcBef>
+                <a:spcPts val="300"/>
+              </a:spcBef>
+              <a:spcAft>
+                <a:spcPts val="300"/>
+              </a:spcAft>
+              <a:buClr>
+                <a:schemeClr val="accent1"/>
+              </a:buClr>
+              <a:buFont typeface="Wingdings 2" pitchFamily="18" charset="2"/>
+              <a:buChar char=""/>
+              <a:defRPr sz="1400" kern="1200">
+                <a:solidFill>
+                  <a:schemeClr val="tx1">
+                    <a:lumMod val="85000"/>
+                    <a:lumOff val="15000"/>
+                  </a:schemeClr>
+                </a:solidFill>
+                <a:latin typeface="+mn-lt"/>
+                <a:ea typeface="+mn-ea"/>
+                <a:cs typeface="+mn-cs"/>
+              </a:defRPr>
+            </a:lvl7pPr>
+            <a:lvl8pPr marL="2200000" indent="-228600" algn="l" defTabSz="914400" rtl="0" eaLnBrk="1" latinLnBrk="0" hangingPunct="1">
+              <a:lnSpc>
+                <a:spcPct val="90000"/>
+              </a:lnSpc>
+              <a:spcBef>
+                <a:spcPts val="300"/>
+              </a:spcBef>
+              <a:spcAft>
+                <a:spcPts val="300"/>
+              </a:spcAft>
+              <a:buClr>
+                <a:schemeClr val="accent1"/>
+              </a:buClr>
+              <a:buFont typeface="Wingdings 2" pitchFamily="18" charset="2"/>
+              <a:buChar char=""/>
+              <a:defRPr sz="1400" kern="1200">
+                <a:solidFill>
+                  <a:schemeClr val="tx1">
+                    <a:lumMod val="85000"/>
+                    <a:lumOff val="15000"/>
+                  </a:schemeClr>
+                </a:solidFill>
+                <a:latin typeface="+mn-lt"/>
+                <a:ea typeface="+mn-ea"/>
+                <a:cs typeface="+mn-cs"/>
+              </a:defRPr>
+            </a:lvl8pPr>
+            <a:lvl9pPr marL="2500000" indent="-228600" algn="l" defTabSz="914400" rtl="0" eaLnBrk="1" latinLnBrk="0" hangingPunct="1">
+              <a:lnSpc>
+                <a:spcPct val="90000"/>
+              </a:lnSpc>
+              <a:spcBef>
+                <a:spcPts val="300"/>
+              </a:spcBef>
+              <a:spcAft>
+                <a:spcPts val="300"/>
+              </a:spcAft>
+              <a:buClr>
+                <a:schemeClr val="accent1"/>
+              </a:buClr>
+              <a:buFont typeface="Wingdings 2" pitchFamily="18" charset="2"/>
+              <a:buChar char=""/>
+              <a:defRPr sz="1400" kern="1200">
+                <a:solidFill>
+                  <a:schemeClr val="tx1">
+                    <a:lumMod val="85000"/>
+                    <a:lumOff val="15000"/>
+                  </a:schemeClr>
+                </a:solidFill>
+                <a:latin typeface="+mn-lt"/>
+                <a:ea typeface="+mn-ea"/>
+                <a:cs typeface="+mn-cs"/>
+              </a:defRPr>
+            </a:lvl9pPr>
+          </a:lstStyle>
+          <a:p>
+            <a:pPr marL="0" indent="0">
+              <a:lnSpc>
+                <a:spcPct val="100000"/>
+              </a:lnSpc>
+              <a:buFont typeface="Arial" pitchFamily="34" charset="0"/>
+              <a:buNone/>
+            </a:pPr>
+            <a:r>
+              <a:rPr lang="en-US" sz="2400" dirty="0">
+                <a:latin typeface="Segoe UI" panose="020B0502040204020203" pitchFamily="34" charset="0"/>
+                <a:cs typeface="Segoe UI" panose="020B0502040204020203" pitchFamily="34" charset="0"/>
+              </a:rPr>
+              <a:t>DFT-s-OFDM / </a:t>
+            </a:r>
+            <a:r>
+              <a:rPr lang="ru-RU" sz="2400" dirty="0">
+                <a:latin typeface="Segoe UI" panose="020B0502040204020203" pitchFamily="34" charset="0"/>
+                <a:cs typeface="Segoe UI" panose="020B0502040204020203" pitchFamily="34" charset="0"/>
+              </a:rPr>
+              <a:t>10</a:t>
+            </a:r>
+            <a:r>
+              <a:rPr lang="en-US" sz="2400" dirty="0">
+                <a:latin typeface="Segoe UI" panose="020B0502040204020203" pitchFamily="34" charset="0"/>
+                <a:cs typeface="Segoe UI" panose="020B0502040204020203" pitchFamily="34" charset="0"/>
+              </a:rPr>
+              <a:t>0-</a:t>
+            </a:r>
+            <a:r>
+              <a:rPr lang="ru-RU" sz="2400" dirty="0">
+                <a:latin typeface="Segoe UI" panose="020B0502040204020203" pitchFamily="34" charset="0"/>
+                <a:cs typeface="Segoe UI" panose="020B0502040204020203" pitchFamily="34" charset="0"/>
+              </a:rPr>
+              <a:t>20</a:t>
+            </a:r>
+            <a:r>
+              <a:rPr lang="en-US" sz="2400" dirty="0">
+                <a:latin typeface="Segoe UI" panose="020B0502040204020203" pitchFamily="34" charset="0"/>
+                <a:cs typeface="Segoe UI" panose="020B0502040204020203" pitchFamily="34" charset="0"/>
+              </a:rPr>
+              <a:t>0 </a:t>
+            </a:r>
+            <a:r>
+              <a:rPr lang="ru-RU" sz="2400" dirty="0">
+                <a:latin typeface="Segoe UI" panose="020B0502040204020203" pitchFamily="34" charset="0"/>
+                <a:cs typeface="Segoe UI" panose="020B0502040204020203" pitchFamily="34" charset="0"/>
+              </a:rPr>
+              <a:t>ГГц / </a:t>
+            </a:r>
+            <a:r>
+              <a:rPr lang="en-US" sz="2400" dirty="0">
+                <a:latin typeface="Segoe UI" panose="020B0502040204020203" pitchFamily="34" charset="0"/>
+                <a:cs typeface="Segoe UI" panose="020B0502040204020203" pitchFamily="34" charset="0"/>
+              </a:rPr>
+              <a:t>SCS 120 </a:t>
+            </a:r>
+            <a:r>
+              <a:rPr lang="ru-RU" sz="2400" dirty="0">
+                <a:latin typeface="Segoe UI" panose="020B0502040204020203" pitchFamily="34" charset="0"/>
+                <a:cs typeface="Segoe UI" panose="020B0502040204020203" pitchFamily="34" charset="0"/>
+              </a:rPr>
+              <a:t>кГц</a:t>
+            </a:r>
+          </a:p>
+        </p:txBody>
+      </p:sp>
+      <p:pic>
+        <p:nvPicPr>
+          <p:cNvPr id="5" name="Рисунок 4">
+            <a:extLst>
+              <a:ext uri="{FF2B5EF4-FFF2-40B4-BE49-F238E27FC236}">
+                <a16:creationId xmlns:a16="http://schemas.microsoft.com/office/drawing/2014/main" id="{E4843CD5-A468-B8DF-7F80-87BC9E36B4AA}"/>
+              </a:ext>
+            </a:extLst>
+          </p:cNvPr>
+          <p:cNvPicPr>
+            <a:picLocks noChangeAspect="1"/>
+          </p:cNvPicPr>
+          <p:nvPr/>
+        </p:nvPicPr>
+        <p:blipFill rotWithShape="1">
+          <a:blip r:embed="rId2">
+            <a:extLst>
+              <a:ext uri="{28A0092B-C50C-407E-A947-70E740481C1C}">
+                <a14:useLocalDpi xmlns:a14="http://schemas.microsoft.com/office/drawing/2010/main" val="0"/>
+              </a:ext>
+            </a:extLst>
+          </a:blip>
+          <a:srcRect r="3681"/>
+          <a:stretch/>
+        </p:blipFill>
+        <p:spPr>
+          <a:xfrm>
+            <a:off x="2541327" y="1731912"/>
+            <a:ext cx="5840673" cy="4546209"/>
+          </a:xfrm>
+          <a:prstGeom prst="rect">
+            <a:avLst/>
+          </a:prstGeom>
+        </p:spPr>
+      </p:pic>
+      <p:sp>
+        <p:nvSpPr>
+          <p:cNvPr id="6" name="Объект 2">
+            <a:extLst>
+              <a:ext uri="{FF2B5EF4-FFF2-40B4-BE49-F238E27FC236}">
+                <a16:creationId xmlns:a16="http://schemas.microsoft.com/office/drawing/2014/main" id="{243C8A65-20B2-7197-1B8C-F0CC59B1B416}"/>
+              </a:ext>
+            </a:extLst>
+          </p:cNvPr>
+          <p:cNvSpPr txBox="1">
+            <a:spLocks/>
+          </p:cNvSpPr>
+          <p:nvPr/>
+        </p:nvSpPr>
+        <p:spPr>
+          <a:xfrm>
+            <a:off x="231492" y="1575703"/>
+            <a:ext cx="2635534" cy="3986897"/>
+          </a:xfrm>
+          <a:prstGeom prst="rect">
+            <a:avLst/>
+          </a:prstGeom>
+        </p:spPr>
+        <p:txBody>
+          <a:bodyPr vert="horz" lIns="91440" tIns="45720" rIns="91440" bIns="45720" rtlCol="0">
+            <a:normAutofit/>
+          </a:bodyPr>
+          <a:lstStyle>
+            <a:lvl1pPr marL="182880" indent="-182880" algn="l" defTabSz="914400" rtl="0" eaLnBrk="1" latinLnBrk="0" hangingPunct="1">
+              <a:lnSpc>
+                <a:spcPct val="95000"/>
+              </a:lnSpc>
+              <a:spcBef>
+                <a:spcPts val="1400"/>
+              </a:spcBef>
+              <a:spcAft>
+                <a:spcPts val="200"/>
+              </a:spcAft>
+              <a:buClr>
+                <a:schemeClr val="accent1"/>
+              </a:buClr>
+              <a:buSzPct val="80000"/>
+              <a:buFont typeface="Arial" pitchFamily="34" charset="0"/>
+              <a:buChar char="•"/>
+              <a:defRPr sz="1800" kern="1200" spc="10" baseline="0">
+                <a:solidFill>
+                  <a:schemeClr val="tx1"/>
+                </a:solidFill>
+                <a:latin typeface="+mn-lt"/>
+                <a:ea typeface="+mn-ea"/>
+                <a:cs typeface="+mn-cs"/>
+              </a:defRPr>
+            </a:lvl1pPr>
+            <a:lvl2pPr marL="457200" indent="-182880" algn="l" defTabSz="914400" rtl="0" eaLnBrk="1" latinLnBrk="0" hangingPunct="1">
+              <a:lnSpc>
+                <a:spcPct val="90000"/>
+              </a:lnSpc>
+              <a:spcBef>
+                <a:spcPts val="300"/>
+              </a:spcBef>
+              <a:spcAft>
+                <a:spcPts val="300"/>
+              </a:spcAft>
+              <a:buClr>
+                <a:schemeClr val="accent1"/>
+              </a:buClr>
+              <a:buFont typeface="Wingdings 2" pitchFamily="18" charset="2"/>
+              <a:buChar char=""/>
+              <a:defRPr sz="1600" kern="1200">
+                <a:solidFill>
+                  <a:schemeClr val="tx1">
+                    <a:lumMod val="85000"/>
+                    <a:lumOff val="15000"/>
+                  </a:schemeClr>
+                </a:solidFill>
+                <a:latin typeface="+mn-lt"/>
+                <a:ea typeface="+mn-ea"/>
+                <a:cs typeface="+mn-cs"/>
+              </a:defRPr>
+            </a:lvl2pPr>
+            <a:lvl3pPr marL="731520" indent="-182880" algn="l" defTabSz="914400" rtl="0" eaLnBrk="1" latinLnBrk="0" hangingPunct="1">
+              <a:lnSpc>
+                <a:spcPct val="90000"/>
+              </a:lnSpc>
+              <a:spcBef>
+                <a:spcPts val="300"/>
+              </a:spcBef>
+              <a:spcAft>
+                <a:spcPts val="300"/>
+              </a:spcAft>
+              <a:buClr>
+                <a:schemeClr val="accent1"/>
+              </a:buClr>
+              <a:buFont typeface="Wingdings 2" pitchFamily="18" charset="2"/>
+              <a:buChar char=""/>
+              <a:defRPr sz="1400" kern="1200">
+                <a:solidFill>
+                  <a:schemeClr val="tx1">
+                    <a:lumMod val="85000"/>
+                    <a:lumOff val="15000"/>
+                  </a:schemeClr>
+                </a:solidFill>
+                <a:latin typeface="+mn-lt"/>
+                <a:ea typeface="+mn-ea"/>
+                <a:cs typeface="+mn-cs"/>
+              </a:defRPr>
+            </a:lvl3pPr>
+            <a:lvl4pPr marL="1005840" indent="-182880" algn="l" defTabSz="914400" rtl="0" eaLnBrk="1" latinLnBrk="0" hangingPunct="1">
+              <a:lnSpc>
+                <a:spcPct val="90000"/>
+              </a:lnSpc>
+              <a:spcBef>
+                <a:spcPts val="300"/>
+              </a:spcBef>
+              <a:spcAft>
+                <a:spcPts val="300"/>
+              </a:spcAft>
+              <a:buClr>
+                <a:schemeClr val="accent1"/>
+              </a:buClr>
+              <a:buFont typeface="Wingdings 2" pitchFamily="18" charset="2"/>
+              <a:buChar char=""/>
+              <a:defRPr sz="1400" kern="1200">
+                <a:solidFill>
+                  <a:schemeClr val="tx1">
+                    <a:lumMod val="85000"/>
+                    <a:lumOff val="15000"/>
+                  </a:schemeClr>
+                </a:solidFill>
+                <a:latin typeface="+mn-lt"/>
+                <a:ea typeface="+mn-ea"/>
+                <a:cs typeface="+mn-cs"/>
+              </a:defRPr>
+            </a:lvl4pPr>
+            <a:lvl5pPr marL="1280160" indent="-182880" algn="l" defTabSz="914400" rtl="0" eaLnBrk="1" latinLnBrk="0" hangingPunct="1">
+              <a:lnSpc>
+                <a:spcPct val="90000"/>
+              </a:lnSpc>
+              <a:spcBef>
+                <a:spcPts val="300"/>
+              </a:spcBef>
+              <a:spcAft>
+                <a:spcPts val="300"/>
+              </a:spcAft>
+              <a:buClr>
+                <a:schemeClr val="accent1"/>
+              </a:buClr>
+              <a:buFont typeface="Wingdings 2" pitchFamily="18" charset="2"/>
+              <a:buChar char=""/>
+              <a:defRPr sz="1400" kern="1200">
+                <a:solidFill>
+                  <a:schemeClr val="tx1">
+                    <a:lumMod val="85000"/>
+                    <a:lumOff val="15000"/>
+                  </a:schemeClr>
+                </a:solidFill>
+                <a:latin typeface="+mn-lt"/>
+                <a:ea typeface="+mn-ea"/>
+                <a:cs typeface="+mn-cs"/>
+              </a:defRPr>
+            </a:lvl5pPr>
+            <a:lvl6pPr marL="1600000" indent="-228600" algn="l" defTabSz="914400" rtl="0" eaLnBrk="1" latinLnBrk="0" hangingPunct="1">
+              <a:lnSpc>
+                <a:spcPct val="90000"/>
+              </a:lnSpc>
+              <a:spcBef>
+                <a:spcPts val="300"/>
+              </a:spcBef>
+              <a:spcAft>
+                <a:spcPts val="300"/>
+              </a:spcAft>
+              <a:buClr>
+                <a:schemeClr val="accent1"/>
+              </a:buClr>
+              <a:buFont typeface="Wingdings 2" pitchFamily="18" charset="2"/>
+              <a:buChar char=""/>
+              <a:defRPr sz="1400" kern="1200">
+                <a:solidFill>
+                  <a:schemeClr val="tx1">
+                    <a:lumMod val="85000"/>
+                    <a:lumOff val="15000"/>
+                  </a:schemeClr>
+                </a:solidFill>
+                <a:latin typeface="+mn-lt"/>
+                <a:ea typeface="+mn-ea"/>
+                <a:cs typeface="+mn-cs"/>
+              </a:defRPr>
+            </a:lvl6pPr>
+            <a:lvl7pPr marL="1900000" indent="-228600" algn="l" defTabSz="914400" rtl="0" eaLnBrk="1" latinLnBrk="0" hangingPunct="1">
+              <a:lnSpc>
+                <a:spcPct val="90000"/>
+              </a:lnSpc>
+              <a:spcBef>
+                <a:spcPts val="300"/>
+              </a:spcBef>
+              <a:spcAft>
+                <a:spcPts val="300"/>
+              </a:spcAft>
+              <a:buClr>
+                <a:schemeClr val="accent1"/>
+              </a:buClr>
+              <a:buFont typeface="Wingdings 2" pitchFamily="18" charset="2"/>
+              <a:buChar char=""/>
+              <a:defRPr sz="1400" kern="1200">
+                <a:solidFill>
+                  <a:schemeClr val="tx1">
+                    <a:lumMod val="85000"/>
+                    <a:lumOff val="15000"/>
+                  </a:schemeClr>
+                </a:solidFill>
+                <a:latin typeface="+mn-lt"/>
+                <a:ea typeface="+mn-ea"/>
+                <a:cs typeface="+mn-cs"/>
+              </a:defRPr>
+            </a:lvl7pPr>
+            <a:lvl8pPr marL="2200000" indent="-228600" algn="l" defTabSz="914400" rtl="0" eaLnBrk="1" latinLnBrk="0" hangingPunct="1">
+              <a:lnSpc>
+                <a:spcPct val="90000"/>
+              </a:lnSpc>
+              <a:spcBef>
+                <a:spcPts val="300"/>
+              </a:spcBef>
+              <a:spcAft>
+                <a:spcPts val="300"/>
+              </a:spcAft>
+              <a:buClr>
+                <a:schemeClr val="accent1"/>
+              </a:buClr>
+              <a:buFont typeface="Wingdings 2" pitchFamily="18" charset="2"/>
+              <a:buChar char=""/>
+              <a:defRPr sz="1400" kern="1200">
+                <a:solidFill>
+                  <a:schemeClr val="tx1">
+                    <a:lumMod val="85000"/>
+                    <a:lumOff val="15000"/>
+                  </a:schemeClr>
+                </a:solidFill>
+                <a:latin typeface="+mn-lt"/>
+                <a:ea typeface="+mn-ea"/>
+                <a:cs typeface="+mn-cs"/>
+              </a:defRPr>
+            </a:lvl8pPr>
+            <a:lvl9pPr marL="2500000" indent="-228600" algn="l" defTabSz="914400" rtl="0" eaLnBrk="1" latinLnBrk="0" hangingPunct="1">
+              <a:lnSpc>
+                <a:spcPct val="90000"/>
+              </a:lnSpc>
+              <a:spcBef>
+                <a:spcPts val="300"/>
+              </a:spcBef>
+              <a:spcAft>
+                <a:spcPts val="300"/>
+              </a:spcAft>
+              <a:buClr>
+                <a:schemeClr val="accent1"/>
+              </a:buClr>
+              <a:buFont typeface="Wingdings 2" pitchFamily="18" charset="2"/>
+              <a:buChar char=""/>
+              <a:defRPr sz="1400" kern="1200">
+                <a:solidFill>
+                  <a:schemeClr val="tx1">
+                    <a:lumMod val="85000"/>
+                    <a:lumOff val="15000"/>
+                  </a:schemeClr>
+                </a:solidFill>
+                <a:latin typeface="+mn-lt"/>
+                <a:ea typeface="+mn-ea"/>
+                <a:cs typeface="+mn-cs"/>
+              </a:defRPr>
+            </a:lvl9pPr>
+          </a:lstStyle>
+          <a:p>
+            <a:pPr marL="0" indent="0">
+              <a:buFont typeface="Arial" pitchFamily="34" charset="0"/>
+              <a:buNone/>
+            </a:pPr>
+            <a:r>
+              <a:rPr lang="ru-RU" dirty="0">
+                <a:latin typeface="Segoe UI" panose="020B0502040204020203" pitchFamily="34" charset="0"/>
+                <a:cs typeface="Segoe UI" panose="020B0502040204020203" pitchFamily="34" charset="0"/>
+              </a:rPr>
+              <a:t>Характеристики УМ значительно хуже, даже в случае </a:t>
+            </a:r>
+            <a:r>
+              <a:rPr lang="en-GB" dirty="0">
+                <a:latin typeface="Segoe UI" panose="020B0502040204020203" pitchFamily="34" charset="0"/>
+                <a:cs typeface="Segoe UI" panose="020B0502040204020203" pitchFamily="34" charset="0"/>
+              </a:rPr>
+              <a:t>DFT-s-OFDM </a:t>
+            </a:r>
+            <a:r>
+              <a:rPr lang="ru-RU" dirty="0">
+                <a:latin typeface="Segoe UI" panose="020B0502040204020203" pitchFamily="34" charset="0"/>
+                <a:cs typeface="Segoe UI" panose="020B0502040204020203" pitchFamily="34" charset="0"/>
+              </a:rPr>
+              <a:t>наблюдается сильное падение производительности.</a:t>
+            </a:r>
+          </a:p>
+          <a:p>
+            <a:pPr marL="0" indent="0">
+              <a:buFont typeface="Arial" pitchFamily="34" charset="0"/>
+              <a:buNone/>
+            </a:pPr>
+            <a:r>
+              <a:rPr lang="ru-RU" dirty="0">
+                <a:latin typeface="Segoe UI" panose="020B0502040204020203" pitchFamily="34" charset="0"/>
+                <a:cs typeface="Segoe UI" panose="020B0502040204020203" pitchFamily="34" charset="0"/>
+              </a:rPr>
+              <a:t>При высокой модуляции часть информации может быть невозвратно искажена</a:t>
+            </a:r>
+          </a:p>
+        </p:txBody>
+      </p:sp>
+    </p:spTree>
+    <p:extLst>
+      <p:ext uri="{BB962C8B-B14F-4D97-AF65-F5344CB8AC3E}">
+        <p14:creationId xmlns:p14="http://schemas.microsoft.com/office/powerpoint/2010/main" val="3959395434"/>
+      </p:ext>
+    </p:extLst>
+  </p:cSld>
+  <p:clrMapOvr>
+    <a:masterClrMapping/>
+  </p:clrMapOvr>
+</p:sld>
+</file>
+
+<file path=ppt/slides/slide2.xml><?xml version="1.0" encoding="utf-8"?>
+<p:sld xmlns:a="http://schemas.openxmlformats.org/drawingml/2006/main" xmlns:r="http://schemas.openxmlformats.org/officeDocument/2006/relationships" xmlns:p="http://schemas.openxmlformats.org/presentationml/2006/main">
+  <p:cSld>
+    <p:spTree>
+      <p:nvGrpSpPr>
+        <p:cNvPr id="1" name=""/>
+        <p:cNvGrpSpPr/>
+        <p:nvPr/>
+      </p:nvGrpSpPr>
+      <p:grpSpPr>
+        <a:xfrm>
+          <a:off x="0" y="0"/>
+          <a:ext cx="0" cy="0"/>
+          <a:chOff x="0" y="0"/>
+          <a:chExt cx="0" cy="0"/>
+        </a:xfrm>
+      </p:grpSpPr>
+      <p:sp>
+        <p:nvSpPr>
+          <p:cNvPr id="2" name="Заголовок 1">
+            <a:extLst>
+              <a:ext uri="{FF2B5EF4-FFF2-40B4-BE49-F238E27FC236}">
+                <a16:creationId xmlns:a16="http://schemas.microsoft.com/office/drawing/2014/main" id="{8BE826D0-5549-D29A-4886-74267A5EE61A}"/>
+              </a:ext>
+            </a:extLst>
+          </p:cNvPr>
+          <p:cNvSpPr>
+            <a:spLocks noGrp="1"/>
+          </p:cNvSpPr>
+          <p:nvPr>
+            <p:ph type="title"/>
+          </p:nvPr>
+        </p:nvSpPr>
+        <p:spPr/>
+        <p:txBody>
+          <a:bodyPr/>
+          <a:lstStyle/>
+          <a:p>
+            <a:r>
+              <a:rPr lang="ru-RU" dirty="0">
+                <a:latin typeface="Segoe UI Semibold" panose="020B0702040204020203" pitchFamily="34" charset="0"/>
+                <a:cs typeface="Segoe UI Semibold" panose="020B0702040204020203" pitchFamily="34" charset="0"/>
+              </a:rPr>
+              <a:t>Цели работы</a:t>
+            </a:r>
+          </a:p>
+        </p:txBody>
+      </p:sp>
+      <p:sp>
+        <p:nvSpPr>
+          <p:cNvPr id="3" name="Объект 2">
+            <a:extLst>
+              <a:ext uri="{FF2B5EF4-FFF2-40B4-BE49-F238E27FC236}">
+                <a16:creationId xmlns:a16="http://schemas.microsoft.com/office/drawing/2014/main" id="{349C600C-0F04-1563-63A6-3AB005D5EFA3}"/>
+              </a:ext>
+            </a:extLst>
+          </p:cNvPr>
+          <p:cNvSpPr>
+            <a:spLocks noGrp="1"/>
+          </p:cNvSpPr>
+          <p:nvPr>
+            <p:ph idx="1"/>
+          </p:nvPr>
+        </p:nvSpPr>
+        <p:spPr/>
+        <p:txBody>
+          <a:bodyPr>
+            <a:normAutofit/>
+          </a:bodyPr>
+          <a:lstStyle/>
+          <a:p>
+            <a:r>
+              <a:rPr lang="ru-RU" sz="2400" dirty="0">
+                <a:latin typeface="Segoe UI" panose="020B0502040204020203" pitchFamily="34" charset="0"/>
+                <a:cs typeface="Segoe UI" panose="020B0502040204020203" pitchFamily="34" charset="0"/>
+              </a:rPr>
+              <a:t>Исследование влияния нелинейности усилителя мощности на различные типы сигнала, используемые в стандарте </a:t>
+            </a:r>
+            <a:r>
+              <a:rPr lang="en-GB" sz="2400" dirty="0">
+                <a:latin typeface="Segoe UI" panose="020B0502040204020203" pitchFamily="34" charset="0"/>
+                <a:cs typeface="Segoe UI" panose="020B0502040204020203" pitchFamily="34" charset="0"/>
+              </a:rPr>
+              <a:t>5G NR</a:t>
+            </a:r>
+          </a:p>
+          <a:p>
+            <a:r>
+              <a:rPr lang="ru-RU" sz="2400" dirty="0">
+                <a:latin typeface="Segoe UI" panose="020B0502040204020203" pitchFamily="34" charset="0"/>
+                <a:cs typeface="Segoe UI" panose="020B0502040204020203" pitchFamily="34" charset="0"/>
+              </a:rPr>
+              <a:t>Разработка модели усилителя для миллиметрового диапазона 100-200 ГГц</a:t>
+            </a:r>
+          </a:p>
+          <a:p>
+            <a:r>
+              <a:rPr lang="ru-RU" sz="2400" dirty="0">
+                <a:latin typeface="Segoe UI" panose="020B0502040204020203" pitchFamily="34" charset="0"/>
+                <a:cs typeface="Segoe UI" panose="020B0502040204020203" pitchFamily="34" charset="0"/>
+              </a:rPr>
+              <a:t>Разработка метода компенсации нелинейных искажений усилителя мощности на приемнике</a:t>
+            </a:r>
+          </a:p>
+        </p:txBody>
+      </p:sp>
+      <p:sp>
+        <p:nvSpPr>
+          <p:cNvPr id="4" name="Номер слайда 3">
+            <a:extLst>
+              <a:ext uri="{FF2B5EF4-FFF2-40B4-BE49-F238E27FC236}">
+                <a16:creationId xmlns:a16="http://schemas.microsoft.com/office/drawing/2014/main" id="{8B490247-C3DE-4E64-3994-77CF364D4A23}"/>
+              </a:ext>
+            </a:extLst>
+          </p:cNvPr>
+          <p:cNvSpPr>
+            <a:spLocks noGrp="1"/>
+          </p:cNvSpPr>
+          <p:nvPr>
+            <p:ph type="sldNum" sz="quarter" idx="12"/>
+          </p:nvPr>
+        </p:nvSpPr>
+        <p:spPr/>
+        <p:txBody>
+          <a:bodyPr/>
+          <a:lstStyle/>
+          <a:p>
+            <a:fld id="{12AFF886-F040-4FA5-8BD0-0A595B4BDA00}" type="slidenum">
+              <a:rPr lang="ru-RU" smtClean="0"/>
+              <a:t>2</a:t>
+            </a:fld>
+            <a:endParaRPr lang="ru-RU"/>
+          </a:p>
+        </p:txBody>
+      </p:sp>
+    </p:spTree>
+    <p:extLst>
+      <p:ext uri="{BB962C8B-B14F-4D97-AF65-F5344CB8AC3E}">
+        <p14:creationId xmlns:p14="http://schemas.microsoft.com/office/powerpoint/2010/main" val="647620844"/>
+      </p:ext>
+    </p:extLst>
+  </p:cSld>
+  <p:clrMapOvr>
+    <a:masterClrMapping/>
+  </p:clrMapOvr>
+</p:sld>
+</file>
+
+<file path=ppt/slides/slide20.xml><?xml version="1.0" encoding="utf-8"?>
+<p:sld xmlns:a="http://schemas.openxmlformats.org/drawingml/2006/main" xmlns:r="http://schemas.openxmlformats.org/officeDocument/2006/relationships" xmlns:p="http://schemas.openxmlformats.org/presentationml/2006/main">
+  <p:cSld>
+    <p:spTree>
+      <p:nvGrpSpPr>
+        <p:cNvPr id="1" name=""/>
+        <p:cNvGrpSpPr/>
+        <p:nvPr/>
+      </p:nvGrpSpPr>
+      <p:grpSpPr>
+        <a:xfrm>
+          <a:off x="0" y="0"/>
+          <a:ext cx="0" cy="0"/>
+          <a:chOff x="0" y="0"/>
+          <a:chExt cx="0" cy="0"/>
+        </a:xfrm>
+      </p:grpSpPr>
+      <p:sp>
+        <p:nvSpPr>
+          <p:cNvPr id="2" name="Заголовок 1">
+            <a:extLst>
+              <a:ext uri="{FF2B5EF4-FFF2-40B4-BE49-F238E27FC236}">
+                <a16:creationId xmlns:a16="http://schemas.microsoft.com/office/drawing/2014/main" id="{8BE826D0-5549-D29A-4886-74267A5EE61A}"/>
+              </a:ext>
+            </a:extLst>
+          </p:cNvPr>
+          <p:cNvSpPr>
+            <a:spLocks noGrp="1"/>
+          </p:cNvSpPr>
+          <p:nvPr>
+            <p:ph type="title"/>
+          </p:nvPr>
+        </p:nvSpPr>
+        <p:spPr>
+          <a:xfrm>
+            <a:off x="123444" y="213360"/>
+            <a:ext cx="7269480" cy="794825"/>
+          </a:xfrm>
+        </p:spPr>
+        <p:txBody>
+          <a:bodyPr anchor="t"/>
+          <a:lstStyle/>
+          <a:p>
+            <a:r>
+              <a:rPr lang="ru-RU" dirty="0">
+                <a:latin typeface="Segoe UI Semibold" panose="020B0702040204020203" pitchFamily="34" charset="0"/>
+                <a:cs typeface="Segoe UI Semibold" panose="020B0702040204020203" pitchFamily="34" charset="0"/>
+              </a:rPr>
+              <a:t>Результаты симуляций</a:t>
+            </a:r>
+          </a:p>
+        </p:txBody>
+      </p:sp>
+      <p:sp>
+        <p:nvSpPr>
+          <p:cNvPr id="4" name="Номер слайда 3">
+            <a:extLst>
+              <a:ext uri="{FF2B5EF4-FFF2-40B4-BE49-F238E27FC236}">
+                <a16:creationId xmlns:a16="http://schemas.microsoft.com/office/drawing/2014/main" id="{8B490247-C3DE-4E64-3994-77CF364D4A23}"/>
+              </a:ext>
+            </a:extLst>
+          </p:cNvPr>
+          <p:cNvSpPr>
+            <a:spLocks noGrp="1"/>
+          </p:cNvSpPr>
+          <p:nvPr>
+            <p:ph type="sldNum" sz="quarter" idx="12"/>
+          </p:nvPr>
+        </p:nvSpPr>
+        <p:spPr/>
+        <p:txBody>
+          <a:bodyPr/>
+          <a:lstStyle/>
+          <a:p>
+            <a:fld id="{12AFF886-F040-4FA5-8BD0-0A595B4BDA00}" type="slidenum">
+              <a:rPr lang="ru-RU" smtClean="0"/>
+              <a:t>20</a:t>
+            </a:fld>
+            <a:endParaRPr lang="ru-RU"/>
+          </a:p>
+        </p:txBody>
+      </p:sp>
+      <p:sp>
+        <p:nvSpPr>
+          <p:cNvPr id="13" name="Объект 2">
+            <a:extLst>
+              <a:ext uri="{FF2B5EF4-FFF2-40B4-BE49-F238E27FC236}">
+                <a16:creationId xmlns:a16="http://schemas.microsoft.com/office/drawing/2014/main" id="{9F2EE8E7-90F4-BC50-0F9D-CEF973711876}"/>
+              </a:ext>
+            </a:extLst>
+          </p:cNvPr>
+          <p:cNvSpPr txBox="1">
+            <a:spLocks/>
+          </p:cNvSpPr>
+          <p:nvPr/>
+        </p:nvSpPr>
+        <p:spPr>
+          <a:xfrm>
+            <a:off x="231492" y="1008185"/>
+            <a:ext cx="6227923" cy="668215"/>
+          </a:xfrm>
+          <a:prstGeom prst="rect">
+            <a:avLst/>
+          </a:prstGeom>
+        </p:spPr>
+        <p:txBody>
+          <a:bodyPr vert="horz" lIns="91440" tIns="45720" rIns="91440" bIns="45720" rtlCol="0">
+            <a:normAutofit/>
+          </a:bodyPr>
+          <a:lstStyle>
+            <a:lvl1pPr marL="182880" indent="-182880" algn="l" defTabSz="914400" rtl="0" eaLnBrk="1" latinLnBrk="0" hangingPunct="1">
+              <a:lnSpc>
+                <a:spcPct val="95000"/>
+              </a:lnSpc>
+              <a:spcBef>
+                <a:spcPts val="1400"/>
+              </a:spcBef>
+              <a:spcAft>
+                <a:spcPts val="200"/>
+              </a:spcAft>
+              <a:buClr>
+                <a:schemeClr val="accent1"/>
+              </a:buClr>
+              <a:buSzPct val="80000"/>
+              <a:buFont typeface="Arial" pitchFamily="34" charset="0"/>
+              <a:buChar char="•"/>
+              <a:defRPr sz="1800" kern="1200" spc="10" baseline="0">
+                <a:solidFill>
+                  <a:schemeClr val="tx1"/>
+                </a:solidFill>
+                <a:latin typeface="+mn-lt"/>
+                <a:ea typeface="+mn-ea"/>
+                <a:cs typeface="+mn-cs"/>
+              </a:defRPr>
+            </a:lvl1pPr>
+            <a:lvl2pPr marL="457200" indent="-182880" algn="l" defTabSz="914400" rtl="0" eaLnBrk="1" latinLnBrk="0" hangingPunct="1">
+              <a:lnSpc>
+                <a:spcPct val="90000"/>
+              </a:lnSpc>
+              <a:spcBef>
+                <a:spcPts val="300"/>
+              </a:spcBef>
+              <a:spcAft>
+                <a:spcPts val="300"/>
+              </a:spcAft>
+              <a:buClr>
+                <a:schemeClr val="accent1"/>
+              </a:buClr>
+              <a:buFont typeface="Wingdings 2" pitchFamily="18" charset="2"/>
+              <a:buChar char=""/>
+              <a:defRPr sz="1600" kern="1200">
+                <a:solidFill>
+                  <a:schemeClr val="tx1">
+                    <a:lumMod val="85000"/>
+                    <a:lumOff val="15000"/>
+                  </a:schemeClr>
+                </a:solidFill>
+                <a:latin typeface="+mn-lt"/>
+                <a:ea typeface="+mn-ea"/>
+                <a:cs typeface="+mn-cs"/>
+              </a:defRPr>
+            </a:lvl2pPr>
+            <a:lvl3pPr marL="731520" indent="-182880" algn="l" defTabSz="914400" rtl="0" eaLnBrk="1" latinLnBrk="0" hangingPunct="1">
+              <a:lnSpc>
+                <a:spcPct val="90000"/>
+              </a:lnSpc>
+              <a:spcBef>
+                <a:spcPts val="300"/>
+              </a:spcBef>
+              <a:spcAft>
+                <a:spcPts val="300"/>
+              </a:spcAft>
+              <a:buClr>
+                <a:schemeClr val="accent1"/>
+              </a:buClr>
+              <a:buFont typeface="Wingdings 2" pitchFamily="18" charset="2"/>
+              <a:buChar char=""/>
+              <a:defRPr sz="1400" kern="1200">
+                <a:solidFill>
+                  <a:schemeClr val="tx1">
+                    <a:lumMod val="85000"/>
+                    <a:lumOff val="15000"/>
+                  </a:schemeClr>
+                </a:solidFill>
+                <a:latin typeface="+mn-lt"/>
+                <a:ea typeface="+mn-ea"/>
+                <a:cs typeface="+mn-cs"/>
+              </a:defRPr>
+            </a:lvl3pPr>
+            <a:lvl4pPr marL="1005840" indent="-182880" algn="l" defTabSz="914400" rtl="0" eaLnBrk="1" latinLnBrk="0" hangingPunct="1">
+              <a:lnSpc>
+                <a:spcPct val="90000"/>
+              </a:lnSpc>
+              <a:spcBef>
+                <a:spcPts val="300"/>
+              </a:spcBef>
+              <a:spcAft>
+                <a:spcPts val="300"/>
+              </a:spcAft>
+              <a:buClr>
+                <a:schemeClr val="accent1"/>
+              </a:buClr>
+              <a:buFont typeface="Wingdings 2" pitchFamily="18" charset="2"/>
+              <a:buChar char=""/>
+              <a:defRPr sz="1400" kern="1200">
+                <a:solidFill>
+                  <a:schemeClr val="tx1">
+                    <a:lumMod val="85000"/>
+                    <a:lumOff val="15000"/>
+                  </a:schemeClr>
+                </a:solidFill>
+                <a:latin typeface="+mn-lt"/>
+                <a:ea typeface="+mn-ea"/>
+                <a:cs typeface="+mn-cs"/>
+              </a:defRPr>
+            </a:lvl4pPr>
+            <a:lvl5pPr marL="1280160" indent="-182880" algn="l" defTabSz="914400" rtl="0" eaLnBrk="1" latinLnBrk="0" hangingPunct="1">
+              <a:lnSpc>
+                <a:spcPct val="90000"/>
+              </a:lnSpc>
+              <a:spcBef>
+                <a:spcPts val="300"/>
+              </a:spcBef>
+              <a:spcAft>
+                <a:spcPts val="300"/>
+              </a:spcAft>
+              <a:buClr>
+                <a:schemeClr val="accent1"/>
+              </a:buClr>
+              <a:buFont typeface="Wingdings 2" pitchFamily="18" charset="2"/>
+              <a:buChar char=""/>
+              <a:defRPr sz="1400" kern="1200">
+                <a:solidFill>
+                  <a:schemeClr val="tx1">
+                    <a:lumMod val="85000"/>
+                    <a:lumOff val="15000"/>
+                  </a:schemeClr>
+                </a:solidFill>
+                <a:latin typeface="+mn-lt"/>
+                <a:ea typeface="+mn-ea"/>
+                <a:cs typeface="+mn-cs"/>
+              </a:defRPr>
+            </a:lvl5pPr>
+            <a:lvl6pPr marL="1600000" indent="-228600" algn="l" defTabSz="914400" rtl="0" eaLnBrk="1" latinLnBrk="0" hangingPunct="1">
+              <a:lnSpc>
+                <a:spcPct val="90000"/>
+              </a:lnSpc>
+              <a:spcBef>
+                <a:spcPts val="300"/>
+              </a:spcBef>
+              <a:spcAft>
+                <a:spcPts val="300"/>
+              </a:spcAft>
+              <a:buClr>
+                <a:schemeClr val="accent1"/>
+              </a:buClr>
+              <a:buFont typeface="Wingdings 2" pitchFamily="18" charset="2"/>
+              <a:buChar char=""/>
+              <a:defRPr sz="1400" kern="1200">
+                <a:solidFill>
+                  <a:schemeClr val="tx1">
+                    <a:lumMod val="85000"/>
+                    <a:lumOff val="15000"/>
+                  </a:schemeClr>
+                </a:solidFill>
+                <a:latin typeface="+mn-lt"/>
+                <a:ea typeface="+mn-ea"/>
+                <a:cs typeface="+mn-cs"/>
+              </a:defRPr>
+            </a:lvl6pPr>
+            <a:lvl7pPr marL="1900000" indent="-228600" algn="l" defTabSz="914400" rtl="0" eaLnBrk="1" latinLnBrk="0" hangingPunct="1">
+              <a:lnSpc>
+                <a:spcPct val="90000"/>
+              </a:lnSpc>
+              <a:spcBef>
+                <a:spcPts val="300"/>
+              </a:spcBef>
+              <a:spcAft>
+                <a:spcPts val="300"/>
+              </a:spcAft>
+              <a:buClr>
+                <a:schemeClr val="accent1"/>
+              </a:buClr>
+              <a:buFont typeface="Wingdings 2" pitchFamily="18" charset="2"/>
+              <a:buChar char=""/>
+              <a:defRPr sz="1400" kern="1200">
+                <a:solidFill>
+                  <a:schemeClr val="tx1">
+                    <a:lumMod val="85000"/>
+                    <a:lumOff val="15000"/>
+                  </a:schemeClr>
+                </a:solidFill>
+                <a:latin typeface="+mn-lt"/>
+                <a:ea typeface="+mn-ea"/>
+                <a:cs typeface="+mn-cs"/>
+              </a:defRPr>
+            </a:lvl7pPr>
+            <a:lvl8pPr marL="2200000" indent="-228600" algn="l" defTabSz="914400" rtl="0" eaLnBrk="1" latinLnBrk="0" hangingPunct="1">
+              <a:lnSpc>
+                <a:spcPct val="90000"/>
+              </a:lnSpc>
+              <a:spcBef>
+                <a:spcPts val="300"/>
+              </a:spcBef>
+              <a:spcAft>
+                <a:spcPts val="300"/>
+              </a:spcAft>
+              <a:buClr>
+                <a:schemeClr val="accent1"/>
+              </a:buClr>
+              <a:buFont typeface="Wingdings 2" pitchFamily="18" charset="2"/>
+              <a:buChar char=""/>
+              <a:defRPr sz="1400" kern="1200">
+                <a:solidFill>
+                  <a:schemeClr val="tx1">
+                    <a:lumMod val="85000"/>
+                    <a:lumOff val="15000"/>
+                  </a:schemeClr>
+                </a:solidFill>
+                <a:latin typeface="+mn-lt"/>
+                <a:ea typeface="+mn-ea"/>
+                <a:cs typeface="+mn-cs"/>
+              </a:defRPr>
+            </a:lvl8pPr>
+            <a:lvl9pPr marL="2500000" indent="-228600" algn="l" defTabSz="914400" rtl="0" eaLnBrk="1" latinLnBrk="0" hangingPunct="1">
+              <a:lnSpc>
+                <a:spcPct val="90000"/>
+              </a:lnSpc>
+              <a:spcBef>
+                <a:spcPts val="300"/>
+              </a:spcBef>
+              <a:spcAft>
+                <a:spcPts val="300"/>
+              </a:spcAft>
+              <a:buClr>
+                <a:schemeClr val="accent1"/>
+              </a:buClr>
+              <a:buFont typeface="Wingdings 2" pitchFamily="18" charset="2"/>
+              <a:buChar char=""/>
+              <a:defRPr sz="1400" kern="1200">
+                <a:solidFill>
+                  <a:schemeClr val="tx1">
+                    <a:lumMod val="85000"/>
+                    <a:lumOff val="15000"/>
+                  </a:schemeClr>
+                </a:solidFill>
+                <a:latin typeface="+mn-lt"/>
+                <a:ea typeface="+mn-ea"/>
+                <a:cs typeface="+mn-cs"/>
+              </a:defRPr>
+            </a:lvl9pPr>
+          </a:lstStyle>
+          <a:p>
+            <a:pPr marL="0" indent="0">
+              <a:lnSpc>
+                <a:spcPct val="100000"/>
+              </a:lnSpc>
+              <a:buFont typeface="Arial" pitchFamily="34" charset="0"/>
+              <a:buNone/>
+            </a:pPr>
+            <a:r>
+              <a:rPr lang="en-US" sz="2400" dirty="0">
+                <a:latin typeface="Segoe UI" panose="020B0502040204020203" pitchFamily="34" charset="0"/>
+                <a:cs typeface="Segoe UI" panose="020B0502040204020203" pitchFamily="34" charset="0"/>
+              </a:rPr>
+              <a:t>CP-OFDM / </a:t>
+            </a:r>
+            <a:r>
+              <a:rPr lang="ru-RU" sz="2400" dirty="0">
+                <a:latin typeface="Segoe UI" panose="020B0502040204020203" pitchFamily="34" charset="0"/>
+                <a:cs typeface="Segoe UI" panose="020B0502040204020203" pitchFamily="34" charset="0"/>
+              </a:rPr>
+              <a:t>10</a:t>
+            </a:r>
+            <a:r>
+              <a:rPr lang="en-US" sz="2400" dirty="0">
+                <a:latin typeface="Segoe UI" panose="020B0502040204020203" pitchFamily="34" charset="0"/>
+                <a:cs typeface="Segoe UI" panose="020B0502040204020203" pitchFamily="34" charset="0"/>
+              </a:rPr>
+              <a:t>0-</a:t>
+            </a:r>
+            <a:r>
+              <a:rPr lang="ru-RU" sz="2400" dirty="0">
+                <a:latin typeface="Segoe UI" panose="020B0502040204020203" pitchFamily="34" charset="0"/>
+                <a:cs typeface="Segoe UI" panose="020B0502040204020203" pitchFamily="34" charset="0"/>
+              </a:rPr>
+              <a:t>20</a:t>
+            </a:r>
+            <a:r>
+              <a:rPr lang="en-US" sz="2400" dirty="0">
+                <a:latin typeface="Segoe UI" panose="020B0502040204020203" pitchFamily="34" charset="0"/>
+                <a:cs typeface="Segoe UI" panose="020B0502040204020203" pitchFamily="34" charset="0"/>
+              </a:rPr>
+              <a:t>0 </a:t>
+            </a:r>
+            <a:r>
+              <a:rPr lang="ru-RU" sz="2400" dirty="0">
+                <a:latin typeface="Segoe UI" panose="020B0502040204020203" pitchFamily="34" charset="0"/>
+                <a:cs typeface="Segoe UI" panose="020B0502040204020203" pitchFamily="34" charset="0"/>
+              </a:rPr>
+              <a:t>ГГц / </a:t>
+            </a:r>
+            <a:r>
+              <a:rPr lang="en-US" sz="2400" dirty="0">
+                <a:latin typeface="Segoe UI" panose="020B0502040204020203" pitchFamily="34" charset="0"/>
+                <a:cs typeface="Segoe UI" panose="020B0502040204020203" pitchFamily="34" charset="0"/>
+              </a:rPr>
+              <a:t>SCS 120 </a:t>
+            </a:r>
+            <a:r>
+              <a:rPr lang="ru-RU" sz="2400" dirty="0">
+                <a:latin typeface="Segoe UI" panose="020B0502040204020203" pitchFamily="34" charset="0"/>
+                <a:cs typeface="Segoe UI" panose="020B0502040204020203" pitchFamily="34" charset="0"/>
+              </a:rPr>
+              <a:t>кГц</a:t>
+            </a:r>
+          </a:p>
+        </p:txBody>
+      </p:sp>
+      <p:pic>
+        <p:nvPicPr>
+          <p:cNvPr id="5" name="Рисунок 4">
+            <a:extLst>
+              <a:ext uri="{FF2B5EF4-FFF2-40B4-BE49-F238E27FC236}">
+                <a16:creationId xmlns:a16="http://schemas.microsoft.com/office/drawing/2014/main" id="{1340A1AB-CCFB-0BEE-4350-73BCAC426DF8}"/>
+              </a:ext>
+            </a:extLst>
+          </p:cNvPr>
+          <p:cNvPicPr>
+            <a:picLocks noChangeAspect="1"/>
+          </p:cNvPicPr>
+          <p:nvPr/>
+        </p:nvPicPr>
+        <p:blipFill rotWithShape="1">
+          <a:blip r:embed="rId2">
+            <a:extLst>
+              <a:ext uri="{28A0092B-C50C-407E-A947-70E740481C1C}">
+                <a14:useLocalDpi xmlns:a14="http://schemas.microsoft.com/office/drawing/2010/main" val="0"/>
+              </a:ext>
+            </a:extLst>
+          </a:blip>
+          <a:srcRect r="7443"/>
+          <a:stretch/>
+        </p:blipFill>
+        <p:spPr>
+          <a:xfrm>
+            <a:off x="2455726" y="1731638"/>
+            <a:ext cx="5764350" cy="4669162"/>
+          </a:xfrm>
+          <a:prstGeom prst="rect">
+            <a:avLst/>
+          </a:prstGeom>
+        </p:spPr>
+      </p:pic>
+      <p:sp>
+        <p:nvSpPr>
+          <p:cNvPr id="6" name="Объект 2">
+            <a:extLst>
+              <a:ext uri="{FF2B5EF4-FFF2-40B4-BE49-F238E27FC236}">
+                <a16:creationId xmlns:a16="http://schemas.microsoft.com/office/drawing/2014/main" id="{8747799B-6D3A-9D66-CF0E-5EA460FEAB23}"/>
+              </a:ext>
+            </a:extLst>
+          </p:cNvPr>
+          <p:cNvSpPr txBox="1">
+            <a:spLocks/>
+          </p:cNvSpPr>
+          <p:nvPr/>
+        </p:nvSpPr>
+        <p:spPr>
+          <a:xfrm>
+            <a:off x="231492" y="1575703"/>
+            <a:ext cx="2635534" cy="4825097"/>
+          </a:xfrm>
+          <a:prstGeom prst="rect">
+            <a:avLst/>
+          </a:prstGeom>
+        </p:spPr>
+        <p:txBody>
+          <a:bodyPr vert="horz" lIns="91440" tIns="45720" rIns="91440" bIns="45720" rtlCol="0">
+            <a:normAutofit/>
+          </a:bodyPr>
+          <a:lstStyle>
+            <a:lvl1pPr marL="182880" indent="-182880" algn="l" defTabSz="914400" rtl="0" eaLnBrk="1" latinLnBrk="0" hangingPunct="1">
+              <a:lnSpc>
+                <a:spcPct val="95000"/>
+              </a:lnSpc>
+              <a:spcBef>
+                <a:spcPts val="1400"/>
+              </a:spcBef>
+              <a:spcAft>
+                <a:spcPts val="200"/>
+              </a:spcAft>
+              <a:buClr>
+                <a:schemeClr val="accent1"/>
+              </a:buClr>
+              <a:buSzPct val="80000"/>
+              <a:buFont typeface="Arial" pitchFamily="34" charset="0"/>
+              <a:buChar char="•"/>
+              <a:defRPr sz="1800" kern="1200" spc="10" baseline="0">
+                <a:solidFill>
+                  <a:schemeClr val="tx1"/>
+                </a:solidFill>
+                <a:latin typeface="+mn-lt"/>
+                <a:ea typeface="+mn-ea"/>
+                <a:cs typeface="+mn-cs"/>
+              </a:defRPr>
+            </a:lvl1pPr>
+            <a:lvl2pPr marL="457200" indent="-182880" algn="l" defTabSz="914400" rtl="0" eaLnBrk="1" latinLnBrk="0" hangingPunct="1">
+              <a:lnSpc>
+                <a:spcPct val="90000"/>
+              </a:lnSpc>
+              <a:spcBef>
+                <a:spcPts val="300"/>
+              </a:spcBef>
+              <a:spcAft>
+                <a:spcPts val="300"/>
+              </a:spcAft>
+              <a:buClr>
+                <a:schemeClr val="accent1"/>
+              </a:buClr>
+              <a:buFont typeface="Wingdings 2" pitchFamily="18" charset="2"/>
+              <a:buChar char=""/>
+              <a:defRPr sz="1600" kern="1200">
+                <a:solidFill>
+                  <a:schemeClr val="tx1">
+                    <a:lumMod val="85000"/>
+                    <a:lumOff val="15000"/>
+                  </a:schemeClr>
+                </a:solidFill>
+                <a:latin typeface="+mn-lt"/>
+                <a:ea typeface="+mn-ea"/>
+                <a:cs typeface="+mn-cs"/>
+              </a:defRPr>
+            </a:lvl2pPr>
+            <a:lvl3pPr marL="731520" indent="-182880" algn="l" defTabSz="914400" rtl="0" eaLnBrk="1" latinLnBrk="0" hangingPunct="1">
+              <a:lnSpc>
+                <a:spcPct val="90000"/>
+              </a:lnSpc>
+              <a:spcBef>
+                <a:spcPts val="300"/>
+              </a:spcBef>
+              <a:spcAft>
+                <a:spcPts val="300"/>
+              </a:spcAft>
+              <a:buClr>
+                <a:schemeClr val="accent1"/>
+              </a:buClr>
+              <a:buFont typeface="Wingdings 2" pitchFamily="18" charset="2"/>
+              <a:buChar char=""/>
+              <a:defRPr sz="1400" kern="1200">
+                <a:solidFill>
+                  <a:schemeClr val="tx1">
+                    <a:lumMod val="85000"/>
+                    <a:lumOff val="15000"/>
+                  </a:schemeClr>
+                </a:solidFill>
+                <a:latin typeface="+mn-lt"/>
+                <a:ea typeface="+mn-ea"/>
+                <a:cs typeface="+mn-cs"/>
+              </a:defRPr>
+            </a:lvl3pPr>
+            <a:lvl4pPr marL="1005840" indent="-182880" algn="l" defTabSz="914400" rtl="0" eaLnBrk="1" latinLnBrk="0" hangingPunct="1">
+              <a:lnSpc>
+                <a:spcPct val="90000"/>
+              </a:lnSpc>
+              <a:spcBef>
+                <a:spcPts val="300"/>
+              </a:spcBef>
+              <a:spcAft>
+                <a:spcPts val="300"/>
+              </a:spcAft>
+              <a:buClr>
+                <a:schemeClr val="accent1"/>
+              </a:buClr>
+              <a:buFont typeface="Wingdings 2" pitchFamily="18" charset="2"/>
+              <a:buChar char=""/>
+              <a:defRPr sz="1400" kern="1200">
+                <a:solidFill>
+                  <a:schemeClr val="tx1">
+                    <a:lumMod val="85000"/>
+                    <a:lumOff val="15000"/>
+                  </a:schemeClr>
+                </a:solidFill>
+                <a:latin typeface="+mn-lt"/>
+                <a:ea typeface="+mn-ea"/>
+                <a:cs typeface="+mn-cs"/>
+              </a:defRPr>
+            </a:lvl4pPr>
+            <a:lvl5pPr marL="1280160" indent="-182880" algn="l" defTabSz="914400" rtl="0" eaLnBrk="1" latinLnBrk="0" hangingPunct="1">
+              <a:lnSpc>
+                <a:spcPct val="90000"/>
+              </a:lnSpc>
+              <a:spcBef>
+                <a:spcPts val="300"/>
+              </a:spcBef>
+              <a:spcAft>
+                <a:spcPts val="300"/>
+              </a:spcAft>
+              <a:buClr>
+                <a:schemeClr val="accent1"/>
+              </a:buClr>
+              <a:buFont typeface="Wingdings 2" pitchFamily="18" charset="2"/>
+              <a:buChar char=""/>
+              <a:defRPr sz="1400" kern="1200">
+                <a:solidFill>
+                  <a:schemeClr val="tx1">
+                    <a:lumMod val="85000"/>
+                    <a:lumOff val="15000"/>
+                  </a:schemeClr>
+                </a:solidFill>
+                <a:latin typeface="+mn-lt"/>
+                <a:ea typeface="+mn-ea"/>
+                <a:cs typeface="+mn-cs"/>
+              </a:defRPr>
+            </a:lvl5pPr>
+            <a:lvl6pPr marL="1600000" indent="-228600" algn="l" defTabSz="914400" rtl="0" eaLnBrk="1" latinLnBrk="0" hangingPunct="1">
+              <a:lnSpc>
+                <a:spcPct val="90000"/>
+              </a:lnSpc>
+              <a:spcBef>
+                <a:spcPts val="300"/>
+              </a:spcBef>
+              <a:spcAft>
+                <a:spcPts val="300"/>
+              </a:spcAft>
+              <a:buClr>
+                <a:schemeClr val="accent1"/>
+              </a:buClr>
+              <a:buFont typeface="Wingdings 2" pitchFamily="18" charset="2"/>
+              <a:buChar char=""/>
+              <a:defRPr sz="1400" kern="1200">
+                <a:solidFill>
+                  <a:schemeClr val="tx1">
+                    <a:lumMod val="85000"/>
+                    <a:lumOff val="15000"/>
+                  </a:schemeClr>
+                </a:solidFill>
+                <a:latin typeface="+mn-lt"/>
+                <a:ea typeface="+mn-ea"/>
+                <a:cs typeface="+mn-cs"/>
+              </a:defRPr>
+            </a:lvl6pPr>
+            <a:lvl7pPr marL="1900000" indent="-228600" algn="l" defTabSz="914400" rtl="0" eaLnBrk="1" latinLnBrk="0" hangingPunct="1">
+              <a:lnSpc>
+                <a:spcPct val="90000"/>
+              </a:lnSpc>
+              <a:spcBef>
+                <a:spcPts val="300"/>
+              </a:spcBef>
+              <a:spcAft>
+                <a:spcPts val="300"/>
+              </a:spcAft>
+              <a:buClr>
+                <a:schemeClr val="accent1"/>
+              </a:buClr>
+              <a:buFont typeface="Wingdings 2" pitchFamily="18" charset="2"/>
+              <a:buChar char=""/>
+              <a:defRPr sz="1400" kern="1200">
+                <a:solidFill>
+                  <a:schemeClr val="tx1">
+                    <a:lumMod val="85000"/>
+                    <a:lumOff val="15000"/>
+                  </a:schemeClr>
+                </a:solidFill>
+                <a:latin typeface="+mn-lt"/>
+                <a:ea typeface="+mn-ea"/>
+                <a:cs typeface="+mn-cs"/>
+              </a:defRPr>
+            </a:lvl7pPr>
+            <a:lvl8pPr marL="2200000" indent="-228600" algn="l" defTabSz="914400" rtl="0" eaLnBrk="1" latinLnBrk="0" hangingPunct="1">
+              <a:lnSpc>
+                <a:spcPct val="90000"/>
+              </a:lnSpc>
+              <a:spcBef>
+                <a:spcPts val="300"/>
+              </a:spcBef>
+              <a:spcAft>
+                <a:spcPts val="300"/>
+              </a:spcAft>
+              <a:buClr>
+                <a:schemeClr val="accent1"/>
+              </a:buClr>
+              <a:buFont typeface="Wingdings 2" pitchFamily="18" charset="2"/>
+              <a:buChar char=""/>
+              <a:defRPr sz="1400" kern="1200">
+                <a:solidFill>
+                  <a:schemeClr val="tx1">
+                    <a:lumMod val="85000"/>
+                    <a:lumOff val="15000"/>
+                  </a:schemeClr>
+                </a:solidFill>
+                <a:latin typeface="+mn-lt"/>
+                <a:ea typeface="+mn-ea"/>
+                <a:cs typeface="+mn-cs"/>
+              </a:defRPr>
+            </a:lvl8pPr>
+            <a:lvl9pPr marL="2500000" indent="-228600" algn="l" defTabSz="914400" rtl="0" eaLnBrk="1" latinLnBrk="0" hangingPunct="1">
+              <a:lnSpc>
+                <a:spcPct val="90000"/>
+              </a:lnSpc>
+              <a:spcBef>
+                <a:spcPts val="300"/>
+              </a:spcBef>
+              <a:spcAft>
+                <a:spcPts val="300"/>
+              </a:spcAft>
+              <a:buClr>
+                <a:schemeClr val="accent1"/>
+              </a:buClr>
+              <a:buFont typeface="Wingdings 2" pitchFamily="18" charset="2"/>
+              <a:buChar char=""/>
+              <a:defRPr sz="1400" kern="1200">
+                <a:solidFill>
+                  <a:schemeClr val="tx1">
+                    <a:lumMod val="85000"/>
+                    <a:lumOff val="15000"/>
+                  </a:schemeClr>
+                </a:solidFill>
+                <a:latin typeface="+mn-lt"/>
+                <a:ea typeface="+mn-ea"/>
+                <a:cs typeface="+mn-cs"/>
+              </a:defRPr>
+            </a:lvl9pPr>
+          </a:lstStyle>
+          <a:p>
+            <a:pPr marL="0" indent="0">
+              <a:buFont typeface="Arial" pitchFamily="34" charset="0"/>
+              <a:buNone/>
+            </a:pPr>
+            <a:r>
+              <a:rPr lang="ru-RU" dirty="0">
+                <a:latin typeface="Segoe UI" panose="020B0502040204020203" pitchFamily="34" charset="0"/>
+                <a:cs typeface="Segoe UI" panose="020B0502040204020203" pitchFamily="34" charset="0"/>
+              </a:rPr>
+              <a:t>В случае </a:t>
+            </a:r>
+            <a:r>
+              <a:rPr lang="en-US" dirty="0">
+                <a:latin typeface="Segoe UI" panose="020B0502040204020203" pitchFamily="34" charset="0"/>
+                <a:cs typeface="Segoe UI" panose="020B0502040204020203" pitchFamily="34" charset="0"/>
+              </a:rPr>
+              <a:t>OFDM </a:t>
+            </a:r>
+            <a:r>
+              <a:rPr lang="ru-RU" dirty="0">
+                <a:latin typeface="Segoe UI" panose="020B0502040204020203" pitchFamily="34" charset="0"/>
+                <a:cs typeface="Segoe UI" panose="020B0502040204020203" pitchFamily="34" charset="0"/>
+              </a:rPr>
+              <a:t>сигнала искажения еще хуже.</a:t>
+            </a:r>
+          </a:p>
+          <a:p>
+            <a:pPr marL="0" indent="0">
+              <a:buFont typeface="Arial" pitchFamily="34" charset="0"/>
+              <a:buNone/>
+            </a:pPr>
+            <a:r>
+              <a:rPr lang="ru-RU" dirty="0">
+                <a:latin typeface="Segoe UI" panose="020B0502040204020203" pitchFamily="34" charset="0"/>
+                <a:cs typeface="Segoe UI" panose="020B0502040204020203" pitchFamily="34" charset="0"/>
+              </a:rPr>
+              <a:t>Для </a:t>
+            </a:r>
+            <a:r>
+              <a:rPr lang="en-GB" dirty="0">
+                <a:latin typeface="Segoe UI" panose="020B0502040204020203" pitchFamily="34" charset="0"/>
+                <a:cs typeface="Segoe UI" panose="020B0502040204020203" pitchFamily="34" charset="0"/>
+              </a:rPr>
+              <a:t>MCS 27 </a:t>
+            </a:r>
+            <a:r>
+              <a:rPr lang="ru-RU" dirty="0">
+                <a:latin typeface="Segoe UI" panose="020B0502040204020203" pitchFamily="34" charset="0"/>
+                <a:cs typeface="Segoe UI" panose="020B0502040204020203" pitchFamily="34" charset="0"/>
+              </a:rPr>
+              <a:t>информация практически не восстановлена.</a:t>
+            </a:r>
+          </a:p>
+          <a:p>
+            <a:pPr marL="0" indent="0">
+              <a:buFont typeface="Arial" pitchFamily="34" charset="0"/>
+              <a:buNone/>
+            </a:pPr>
+            <a:r>
+              <a:rPr lang="ru-RU" dirty="0">
+                <a:latin typeface="Segoe UI" panose="020B0502040204020203" pitchFamily="34" charset="0"/>
+                <a:cs typeface="Segoe UI" panose="020B0502040204020203" pitchFamily="34" charset="0"/>
+              </a:rPr>
+              <a:t>Для </a:t>
+            </a:r>
+            <a:r>
+              <a:rPr lang="en-GB" dirty="0">
+                <a:latin typeface="Segoe UI" panose="020B0502040204020203" pitchFamily="34" charset="0"/>
+                <a:cs typeface="Segoe UI" panose="020B0502040204020203" pitchFamily="34" charset="0"/>
+              </a:rPr>
+              <a:t>MCS 22 </a:t>
+            </a:r>
+            <a:r>
+              <a:rPr lang="ru-RU" dirty="0">
+                <a:latin typeface="Segoe UI" panose="020B0502040204020203" pitchFamily="34" charset="0"/>
+                <a:cs typeface="Segoe UI" panose="020B0502040204020203" pitchFamily="34" charset="0"/>
+              </a:rPr>
+              <a:t>наблюдается увеличение искажений, при этом компенсация улучшает результат сдвигая кривую на 3-5 дБ</a:t>
+            </a:r>
+          </a:p>
+        </p:txBody>
+      </p:sp>
+    </p:spTree>
+    <p:extLst>
+      <p:ext uri="{BB962C8B-B14F-4D97-AF65-F5344CB8AC3E}">
+        <p14:creationId xmlns:p14="http://schemas.microsoft.com/office/powerpoint/2010/main" val="4233144835"/>
+      </p:ext>
+    </p:extLst>
+  </p:cSld>
+  <p:clrMapOvr>
+    <a:masterClrMapping/>
+  </p:clrMapOvr>
+</p:sld>
+</file>
+
+<file path=ppt/slides/slide21.xml><?xml version="1.0" encoding="utf-8"?>
+<p:sld xmlns:a="http://schemas.openxmlformats.org/drawingml/2006/main" xmlns:r="http://schemas.openxmlformats.org/officeDocument/2006/relationships" xmlns:p="http://schemas.openxmlformats.org/presentationml/2006/main">
+  <p:cSld>
+    <p:spTree>
+      <p:nvGrpSpPr>
+        <p:cNvPr id="1" name=""/>
+        <p:cNvGrpSpPr/>
+        <p:nvPr/>
+      </p:nvGrpSpPr>
+      <p:grpSpPr>
+        <a:xfrm>
+          <a:off x="0" y="0"/>
+          <a:ext cx="0" cy="0"/>
+          <a:chOff x="0" y="0"/>
+          <a:chExt cx="0" cy="0"/>
+        </a:xfrm>
+      </p:grpSpPr>
+      <p:sp>
+        <p:nvSpPr>
+          <p:cNvPr id="2" name="Заголовок 1">
+            <a:extLst>
+              <a:ext uri="{FF2B5EF4-FFF2-40B4-BE49-F238E27FC236}">
+                <a16:creationId xmlns:a16="http://schemas.microsoft.com/office/drawing/2014/main" id="{8BE826D0-5549-D29A-4886-74267A5EE61A}"/>
+              </a:ext>
+            </a:extLst>
+          </p:cNvPr>
+          <p:cNvSpPr>
+            <a:spLocks noGrp="1"/>
+          </p:cNvSpPr>
+          <p:nvPr>
+            <p:ph type="title"/>
+          </p:nvPr>
+        </p:nvSpPr>
+        <p:spPr>
+          <a:xfrm>
+            <a:off x="123444" y="213360"/>
+            <a:ext cx="7269480" cy="1325562"/>
+          </a:xfrm>
+        </p:spPr>
+        <p:txBody>
+          <a:bodyPr anchor="t"/>
+          <a:lstStyle/>
+          <a:p>
+            <a:r>
+              <a:rPr lang="ru-RU" dirty="0">
+                <a:latin typeface="Segoe UI Semibold" panose="020B0702040204020203" pitchFamily="34" charset="0"/>
+                <a:cs typeface="Segoe UI Semibold" panose="020B0702040204020203" pitchFamily="34" charset="0"/>
+              </a:rPr>
+              <a:t>Заключение</a:t>
+            </a:r>
+          </a:p>
+        </p:txBody>
+      </p:sp>
+      <p:sp>
+        <p:nvSpPr>
+          <p:cNvPr id="4" name="Номер слайда 3">
+            <a:extLst>
+              <a:ext uri="{FF2B5EF4-FFF2-40B4-BE49-F238E27FC236}">
+                <a16:creationId xmlns:a16="http://schemas.microsoft.com/office/drawing/2014/main" id="{8B490247-C3DE-4E64-3994-77CF364D4A23}"/>
+              </a:ext>
+            </a:extLst>
+          </p:cNvPr>
+          <p:cNvSpPr>
+            <a:spLocks noGrp="1"/>
+          </p:cNvSpPr>
+          <p:nvPr>
+            <p:ph type="sldNum" sz="quarter" idx="12"/>
+          </p:nvPr>
+        </p:nvSpPr>
+        <p:spPr/>
+        <p:txBody>
+          <a:bodyPr/>
+          <a:lstStyle/>
+          <a:p>
+            <a:fld id="{12AFF886-F040-4FA5-8BD0-0A595B4BDA00}" type="slidenum">
+              <a:rPr lang="ru-RU" smtClean="0"/>
+              <a:t>21</a:t>
+            </a:fld>
+            <a:endParaRPr lang="ru-RU"/>
+          </a:p>
+        </p:txBody>
+      </p:sp>
+      <p:sp>
+        <p:nvSpPr>
+          <p:cNvPr id="9" name="Объект 2">
+            <a:extLst>
+              <a:ext uri="{FF2B5EF4-FFF2-40B4-BE49-F238E27FC236}">
+                <a16:creationId xmlns:a16="http://schemas.microsoft.com/office/drawing/2014/main" id="{492639FA-2F2B-213B-EC04-2DA7F42DC8EC}"/>
+              </a:ext>
+            </a:extLst>
+          </p:cNvPr>
+          <p:cNvSpPr>
+            <a:spLocks noGrp="1"/>
+          </p:cNvSpPr>
+          <p:nvPr>
+            <p:ph idx="1"/>
+          </p:nvPr>
+        </p:nvSpPr>
+        <p:spPr>
+          <a:xfrm>
+            <a:off x="286439" y="1266093"/>
+            <a:ext cx="7933636" cy="5146430"/>
+          </a:xfrm>
+        </p:spPr>
+        <p:txBody>
+          <a:bodyPr>
+            <a:normAutofit lnSpcReduction="10000"/>
+          </a:bodyPr>
+          <a:lstStyle/>
+          <a:p>
+            <a:r>
+              <a:rPr lang="ru-RU" sz="2000" dirty="0">
+                <a:latin typeface="Segoe UI" panose="020B0502040204020203" pitchFamily="34" charset="0"/>
+                <a:cs typeface="Segoe UI" panose="020B0502040204020203" pitchFamily="34" charset="0"/>
+              </a:rPr>
+              <a:t>Исследовано влияние нелинейности усилителя мощности на сигналы </a:t>
+            </a:r>
+            <a:r>
+              <a:rPr lang="en-US" sz="2000" dirty="0">
+                <a:latin typeface="Segoe UI" panose="020B0502040204020203" pitchFamily="34" charset="0"/>
+                <a:cs typeface="Segoe UI" panose="020B0502040204020203" pitchFamily="34" charset="0"/>
+              </a:rPr>
+              <a:t>CP-OFDM</a:t>
+            </a:r>
+            <a:r>
+              <a:rPr lang="ru-RU" sz="2000" dirty="0">
+                <a:latin typeface="Segoe UI" panose="020B0502040204020203" pitchFamily="34" charset="0"/>
+                <a:cs typeface="Segoe UI" panose="020B0502040204020203" pitchFamily="34" charset="0"/>
+              </a:rPr>
+              <a:t>,</a:t>
+            </a:r>
+            <a:r>
+              <a:rPr lang="en-US" sz="2000" dirty="0">
+                <a:latin typeface="Segoe UI" panose="020B0502040204020203" pitchFamily="34" charset="0"/>
+                <a:cs typeface="Segoe UI" panose="020B0502040204020203" pitchFamily="34" charset="0"/>
+              </a:rPr>
+              <a:t> DFT-s-OFDM</a:t>
+            </a:r>
+            <a:endParaRPr lang="en-GB" sz="2000" dirty="0">
+              <a:latin typeface="Segoe UI" panose="020B0502040204020203" pitchFamily="34" charset="0"/>
+              <a:cs typeface="Segoe UI" panose="020B0502040204020203" pitchFamily="34" charset="0"/>
+            </a:endParaRPr>
+          </a:p>
+          <a:p>
+            <a:r>
+              <a:rPr lang="ru-RU" sz="2000" dirty="0">
+                <a:latin typeface="Segoe UI" panose="020B0502040204020203" pitchFamily="34" charset="0"/>
+                <a:cs typeface="Segoe UI" panose="020B0502040204020203" pitchFamily="34" charset="0"/>
+              </a:rPr>
+              <a:t>Подобраны параметры для модели </a:t>
+            </a:r>
+            <a:r>
+              <a:rPr lang="ru-RU" sz="2000" dirty="0" err="1">
+                <a:latin typeface="Segoe UI" panose="020B0502040204020203" pitchFamily="34" charset="0"/>
+                <a:cs typeface="Segoe UI" panose="020B0502040204020203" pitchFamily="34" charset="0"/>
+              </a:rPr>
+              <a:t>Раппа</a:t>
+            </a:r>
+            <a:r>
+              <a:rPr lang="ru-RU" sz="2000" dirty="0">
+                <a:latin typeface="Segoe UI" panose="020B0502040204020203" pitchFamily="34" charset="0"/>
+                <a:cs typeface="Segoe UI" panose="020B0502040204020203" pitchFamily="34" charset="0"/>
+              </a:rPr>
+              <a:t> в диапазоне 100-200 ГГц</a:t>
+            </a:r>
+          </a:p>
+          <a:p>
+            <a:pPr lvl="1"/>
+            <a:r>
+              <a:rPr lang="ru-RU" sz="1800" dirty="0">
+                <a:latin typeface="Segoe UI" panose="020B0502040204020203" pitchFamily="34" charset="0"/>
+                <a:cs typeface="Segoe UI" panose="020B0502040204020203" pitchFamily="34" charset="0"/>
+              </a:rPr>
+              <a:t>В данном диапазоне </a:t>
+            </a:r>
+            <a:r>
+              <a:rPr lang="ru-RU" sz="1800" dirty="0" smtClean="0">
+                <a:latin typeface="Segoe UI" panose="020B0502040204020203" pitchFamily="34" charset="0"/>
+                <a:cs typeface="Segoe UI" panose="020B0502040204020203" pitchFamily="34" charset="0"/>
+              </a:rPr>
+              <a:t>усилитель </a:t>
+            </a:r>
+            <a:r>
+              <a:rPr lang="ru-RU" sz="1800" dirty="0">
+                <a:latin typeface="Segoe UI" panose="020B0502040204020203" pitchFamily="34" charset="0"/>
+                <a:cs typeface="Segoe UI" panose="020B0502040204020203" pitchFamily="34" charset="0"/>
+              </a:rPr>
+              <a:t>значительно хуже по сравнению с диапазоном 30-70 ГГц. Искажения более значительны, в некоторых случаях информацию практически невозможно восстановить</a:t>
+            </a:r>
+          </a:p>
+          <a:p>
+            <a:r>
+              <a:rPr lang="ru-RU" sz="2000" dirty="0">
+                <a:latin typeface="Segoe UI" panose="020B0502040204020203" pitchFamily="34" charset="0"/>
+                <a:cs typeface="Segoe UI" panose="020B0502040204020203" pitchFamily="34" charset="0"/>
+              </a:rPr>
+              <a:t>Разработан и реализован в </a:t>
+            </a:r>
+            <a:r>
+              <a:rPr lang="ru-RU" sz="2000" dirty="0" smtClean="0">
+                <a:latin typeface="Segoe UI" panose="020B0502040204020203" pitchFamily="34" charset="0"/>
+                <a:cs typeface="Segoe UI" panose="020B0502040204020203" pitchFamily="34" charset="0"/>
+              </a:rPr>
+              <a:t>симуляторе канального уровня</a:t>
+            </a:r>
+            <a:r>
+              <a:rPr lang="en-US" sz="2000" dirty="0" smtClean="0">
+                <a:latin typeface="Segoe UI" panose="020B0502040204020203" pitchFamily="34" charset="0"/>
+                <a:cs typeface="Segoe UI" panose="020B0502040204020203" pitchFamily="34" charset="0"/>
+              </a:rPr>
+              <a:t> </a:t>
+            </a:r>
+            <a:r>
+              <a:rPr lang="ru-RU" sz="2000" dirty="0">
+                <a:latin typeface="Segoe UI" panose="020B0502040204020203" pitchFamily="34" charset="0"/>
+                <a:cs typeface="Segoe UI" panose="020B0502040204020203" pitchFamily="34" charset="0"/>
+              </a:rPr>
+              <a:t>метод компенсации нелинейных искажений усилителя на приемнике</a:t>
+            </a:r>
+          </a:p>
+          <a:p>
+            <a:pPr lvl="1"/>
+            <a:r>
+              <a:rPr lang="ru-RU" sz="1800" dirty="0">
+                <a:latin typeface="Segoe UI" panose="020B0502040204020203" pitchFamily="34" charset="0"/>
+                <a:cs typeface="Segoe UI" panose="020B0502040204020203" pitchFamily="34" charset="0"/>
+              </a:rPr>
+              <a:t>Компенсация выполняется на приемнике, </a:t>
+            </a:r>
+            <a:r>
+              <a:rPr lang="ru-RU" sz="1800" dirty="0" smtClean="0">
+                <a:latin typeface="Segoe UI" panose="020B0502040204020203" pitchFamily="34" charset="0"/>
+                <a:cs typeface="Segoe UI" panose="020B0502040204020203" pitchFamily="34" charset="0"/>
+              </a:rPr>
+              <a:t>что критически важно для простых, дешевых устройств, поскольк</a:t>
+            </a:r>
+            <a:r>
+              <a:rPr lang="ru-RU" sz="1800" dirty="0" smtClean="0">
+                <a:latin typeface="Segoe UI" panose="020B0502040204020203" pitchFamily="34" charset="0"/>
+                <a:cs typeface="Segoe UI" panose="020B0502040204020203" pitchFamily="34" charset="0"/>
+              </a:rPr>
+              <a:t>у из-за малой стоимости качество передающих цепей низкое и нелинейные искажения значительны. Необходимая компенсация  производится на приемнике, </a:t>
+            </a:r>
+            <a:r>
+              <a:rPr lang="ru-RU" sz="1800" dirty="0" err="1" smtClean="0">
+                <a:latin typeface="Segoe UI" panose="020B0502040204020203" pitchFamily="34" charset="0"/>
+                <a:cs typeface="Segoe UI" panose="020B0502040204020203" pitchFamily="34" charset="0"/>
+              </a:rPr>
+              <a:t>минимизируя</a:t>
+            </a:r>
+            <a:r>
+              <a:rPr lang="ru-RU" sz="1800" dirty="0" smtClean="0">
+                <a:latin typeface="Segoe UI" panose="020B0502040204020203" pitchFamily="34" charset="0"/>
+                <a:cs typeface="Segoe UI" panose="020B0502040204020203" pitchFamily="34" charset="0"/>
+              </a:rPr>
+              <a:t> сигнальную обработку на передатчике.</a:t>
+            </a:r>
+            <a:endParaRPr lang="ru-RU" sz="1800" dirty="0">
+              <a:latin typeface="Segoe UI" panose="020B0502040204020203" pitchFamily="34" charset="0"/>
+              <a:cs typeface="Segoe UI" panose="020B0502040204020203" pitchFamily="34" charset="0"/>
+            </a:endParaRPr>
+          </a:p>
+          <a:p>
+            <a:pPr lvl="1"/>
+            <a:r>
+              <a:rPr lang="ru-RU" sz="1800" dirty="0">
+                <a:latin typeface="Segoe UI" panose="020B0502040204020203" pitchFamily="34" charset="0"/>
+                <a:cs typeface="Segoe UI" panose="020B0502040204020203" pitchFamily="34" charset="0"/>
+              </a:rPr>
+              <a:t>Метод способен улучшить производительность системы для обеих моделей усилителя по сравнению со случаем отсутствия компенсации для определенных наборов параметров</a:t>
+            </a:r>
+          </a:p>
+        </p:txBody>
+      </p:sp>
+    </p:spTree>
+    <p:extLst>
+      <p:ext uri="{BB962C8B-B14F-4D97-AF65-F5344CB8AC3E}">
+        <p14:creationId xmlns:p14="http://schemas.microsoft.com/office/powerpoint/2010/main" val="640933074"/>
+      </p:ext>
+    </p:extLst>
+  </p:cSld>
+  <p:clrMapOvr>
+    <a:masterClrMapping/>
+  </p:clrMapOvr>
+</p:sld>
+</file>
+
+<file path=ppt/slides/slide22.xml><?xml version="1.0" encoding="utf-8"?>
+<p:sld xmlns:a="http://schemas.openxmlformats.org/drawingml/2006/main" xmlns:r="http://schemas.openxmlformats.org/officeDocument/2006/relationships" xmlns:p="http://schemas.openxmlformats.org/presentationml/2006/main">
+  <p:cSld>
+    <p:spTree>
+      <p:nvGrpSpPr>
+        <p:cNvPr id="1" name=""/>
+        <p:cNvGrpSpPr/>
+        <p:nvPr/>
+      </p:nvGrpSpPr>
+      <p:grpSpPr>
+        <a:xfrm>
+          <a:off x="0" y="0"/>
+          <a:ext cx="0" cy="0"/>
+          <a:chOff x="0" y="0"/>
+          <a:chExt cx="0" cy="0"/>
+        </a:xfrm>
+      </p:grpSpPr>
+      <p:sp>
+        <p:nvSpPr>
+          <p:cNvPr id="2" name="Заголовок 1">
+            <a:extLst>
+              <a:ext uri="{FF2B5EF4-FFF2-40B4-BE49-F238E27FC236}">
+                <a16:creationId xmlns:a16="http://schemas.microsoft.com/office/drawing/2014/main" id="{8BE826D0-5549-D29A-4886-74267A5EE61A}"/>
+              </a:ext>
+            </a:extLst>
+          </p:cNvPr>
+          <p:cNvSpPr>
+            <a:spLocks noGrp="1"/>
+          </p:cNvSpPr>
+          <p:nvPr>
+            <p:ph type="title"/>
+          </p:nvPr>
+        </p:nvSpPr>
+        <p:spPr>
+          <a:xfrm>
+            <a:off x="828675" y="2385059"/>
+            <a:ext cx="7269480" cy="1834515"/>
+          </a:xfrm>
+        </p:spPr>
+        <p:txBody>
+          <a:bodyPr anchor="t">
+            <a:noAutofit/>
+          </a:bodyPr>
+          <a:lstStyle/>
+          <a:p>
+            <a:pPr algn="ctr"/>
+            <a:r>
+              <a:rPr lang="ru-RU" sz="5400" dirty="0">
+                <a:latin typeface="Segoe UI Semibold" panose="020B0702040204020203" pitchFamily="34" charset="0"/>
+                <a:cs typeface="Segoe UI Semibold" panose="020B0702040204020203" pitchFamily="34" charset="0"/>
+              </a:rPr>
+              <a:t>Спасибо за внимание!</a:t>
+            </a:r>
+          </a:p>
+        </p:txBody>
+      </p:sp>
+      <p:sp>
+        <p:nvSpPr>
+          <p:cNvPr id="4" name="Номер слайда 3">
+            <a:extLst>
+              <a:ext uri="{FF2B5EF4-FFF2-40B4-BE49-F238E27FC236}">
+                <a16:creationId xmlns:a16="http://schemas.microsoft.com/office/drawing/2014/main" id="{8B490247-C3DE-4E64-3994-77CF364D4A23}"/>
+              </a:ext>
+            </a:extLst>
+          </p:cNvPr>
+          <p:cNvSpPr>
+            <a:spLocks noGrp="1"/>
+          </p:cNvSpPr>
+          <p:nvPr>
+            <p:ph type="sldNum" sz="quarter" idx="12"/>
+          </p:nvPr>
+        </p:nvSpPr>
+        <p:spPr/>
+        <p:txBody>
+          <a:bodyPr/>
+          <a:lstStyle/>
+          <a:p>
+            <a:fld id="{12AFF886-F040-4FA5-8BD0-0A595B4BDA00}" type="slidenum">
+              <a:rPr lang="ru-RU" smtClean="0"/>
+              <a:t>22</a:t>
+            </a:fld>
+            <a:endParaRPr lang="ru-RU"/>
+          </a:p>
+        </p:txBody>
+      </p:sp>
+    </p:spTree>
+    <p:extLst>
+      <p:ext uri="{BB962C8B-B14F-4D97-AF65-F5344CB8AC3E}">
+        <p14:creationId xmlns:p14="http://schemas.microsoft.com/office/powerpoint/2010/main" val="2667988670"/>
+      </p:ext>
+    </p:extLst>
+  </p:cSld>
+  <p:clrMapOvr>
+    <a:masterClrMapping/>
+  </p:clrMapOvr>
+</p:sld>
+</file>
+
+<file path=ppt/slides/slide23.xml><?xml version="1.0" encoding="utf-8"?>
+<p:sld xmlns:a="http://schemas.openxmlformats.org/drawingml/2006/main" xmlns:r="http://schemas.openxmlformats.org/officeDocument/2006/relationships" xmlns:p="http://schemas.openxmlformats.org/presentationml/2006/main">
+  <p:cSld>
+    <p:spTree>
+      <p:nvGrpSpPr>
+        <p:cNvPr id="1" name=""/>
+        <p:cNvGrpSpPr/>
+        <p:nvPr/>
+      </p:nvGrpSpPr>
+      <p:grpSpPr>
+        <a:xfrm>
+          <a:off x="0" y="0"/>
+          <a:ext cx="0" cy="0"/>
+          <a:chOff x="0" y="0"/>
+          <a:chExt cx="0" cy="0"/>
+        </a:xfrm>
+      </p:grpSpPr>
+      <p:sp>
+        <p:nvSpPr>
+          <p:cNvPr id="4" name="Номер слайда 3">
+            <a:extLst>
+              <a:ext uri="{FF2B5EF4-FFF2-40B4-BE49-F238E27FC236}">
+                <a16:creationId xmlns:a16="http://schemas.microsoft.com/office/drawing/2014/main" id="{8B490247-C3DE-4E64-3994-77CF364D4A23}"/>
+              </a:ext>
+            </a:extLst>
+          </p:cNvPr>
+          <p:cNvSpPr>
+            <a:spLocks noGrp="1"/>
+          </p:cNvSpPr>
+          <p:nvPr>
+            <p:ph type="sldNum" sz="quarter" idx="12"/>
+          </p:nvPr>
+        </p:nvSpPr>
+        <p:spPr/>
+        <p:txBody>
+          <a:bodyPr/>
+          <a:lstStyle/>
+          <a:p>
+            <a:fld id="{12AFF886-F040-4FA5-8BD0-0A595B4BDA00}" type="slidenum">
+              <a:rPr lang="ru-RU" smtClean="0"/>
+              <a:t>23</a:t>
+            </a:fld>
+            <a:endParaRPr lang="ru-RU"/>
+          </a:p>
+        </p:txBody>
+      </p:sp>
+    </p:spTree>
+    <p:extLst>
+      <p:ext uri="{BB962C8B-B14F-4D97-AF65-F5344CB8AC3E}">
+        <p14:creationId xmlns:p14="http://schemas.microsoft.com/office/powerpoint/2010/main" val="1736766625"/>
+      </p:ext>
+    </p:extLst>
+  </p:cSld>
+  <p:clrMapOvr>
+    <a:masterClrMapping/>
+  </p:clrMapOvr>
+</p:sld>
+</file>
+
+<file path=ppt/slides/slide24.xml><?xml version="1.0" encoding="utf-8"?>
+<p:sld xmlns:a="http://schemas.openxmlformats.org/drawingml/2006/main" xmlns:r="http://schemas.openxmlformats.org/officeDocument/2006/relationships" xmlns:p="http://schemas.openxmlformats.org/presentationml/2006/main">
+  <p:cSld>
+    <p:spTree>
+      <p:nvGrpSpPr>
+        <p:cNvPr id="1" name=""/>
+        <p:cNvGrpSpPr/>
+        <p:nvPr/>
+      </p:nvGrpSpPr>
+      <p:grpSpPr>
+        <a:xfrm>
+          <a:off x="0" y="0"/>
+          <a:ext cx="0" cy="0"/>
+          <a:chOff x="0" y="0"/>
+          <a:chExt cx="0" cy="0"/>
+        </a:xfrm>
+      </p:grpSpPr>
+      <p:sp>
+        <p:nvSpPr>
+          <p:cNvPr id="4" name="Номер слайда 3">
+            <a:extLst>
+              <a:ext uri="{FF2B5EF4-FFF2-40B4-BE49-F238E27FC236}">
+                <a16:creationId xmlns:a16="http://schemas.microsoft.com/office/drawing/2014/main" id="{8B490247-C3DE-4E64-3994-77CF364D4A23}"/>
+              </a:ext>
+            </a:extLst>
+          </p:cNvPr>
+          <p:cNvSpPr>
+            <a:spLocks noGrp="1"/>
+          </p:cNvSpPr>
+          <p:nvPr>
+            <p:ph type="sldNum" sz="quarter" idx="12"/>
+          </p:nvPr>
+        </p:nvSpPr>
+        <p:spPr/>
+        <p:txBody>
+          <a:bodyPr/>
+          <a:lstStyle/>
+          <a:p>
+            <a:fld id="{12AFF886-F040-4FA5-8BD0-0A595B4BDA00}" type="slidenum">
+              <a:rPr lang="ru-RU" smtClean="0"/>
+              <a:t>24</a:t>
+            </a:fld>
+            <a:endParaRPr lang="ru-RU"/>
+          </a:p>
+        </p:txBody>
+      </p:sp>
+      <p:sp>
+        <p:nvSpPr>
+          <p:cNvPr id="5" name="Заголовок 4">
+            <a:extLst>
+              <a:ext uri="{FF2B5EF4-FFF2-40B4-BE49-F238E27FC236}">
+                <a16:creationId xmlns:a16="http://schemas.microsoft.com/office/drawing/2014/main" id="{4ABA3548-CC30-7727-FC9F-720C9C840EF9}"/>
+              </a:ext>
+            </a:extLst>
+          </p:cNvPr>
+          <p:cNvSpPr>
+            <a:spLocks noGrp="1"/>
+          </p:cNvSpPr>
+          <p:nvPr>
+            <p:ph type="title"/>
+          </p:nvPr>
+        </p:nvSpPr>
+        <p:spPr/>
+        <p:txBody>
+          <a:bodyPr/>
+          <a:lstStyle/>
+          <a:p>
+            <a:endParaRPr lang="ru-RU"/>
+          </a:p>
+        </p:txBody>
+      </p:sp>
+      <p:pic>
+        <p:nvPicPr>
+          <p:cNvPr id="6" name="Рисунок 5">
+            <a:extLst>
+              <a:ext uri="{FF2B5EF4-FFF2-40B4-BE49-F238E27FC236}">
+                <a16:creationId xmlns:a16="http://schemas.microsoft.com/office/drawing/2014/main" id="{DA5066C8-53B5-2F4E-F17D-F0ACC04473E1}"/>
+              </a:ext>
+            </a:extLst>
+          </p:cNvPr>
+          <p:cNvPicPr>
+            <a:picLocks noChangeAspect="1"/>
+          </p:cNvPicPr>
+          <p:nvPr/>
+        </p:nvPicPr>
+        <p:blipFill>
+          <a:blip r:embed="rId2"/>
+          <a:stretch>
+            <a:fillRect/>
+          </a:stretch>
+        </p:blipFill>
+        <p:spPr>
+          <a:xfrm>
+            <a:off x="1883862" y="1332604"/>
+            <a:ext cx="5064057" cy="4651717"/>
+          </a:xfrm>
+          <a:prstGeom prst="rect">
+            <a:avLst/>
+          </a:prstGeom>
+        </p:spPr>
+      </p:pic>
+    </p:spTree>
+    <p:extLst>
+      <p:ext uri="{BB962C8B-B14F-4D97-AF65-F5344CB8AC3E}">
+        <p14:creationId xmlns:p14="http://schemas.microsoft.com/office/powerpoint/2010/main" val="1399684132"/>
+      </p:ext>
+    </p:extLst>
+  </p:cSld>
+  <p:clrMapOvr>
+    <a:masterClrMapping/>
+  </p:clrMapOvr>
+</p:sld>
+</file>
+
+<file path=ppt/slides/slide25.xml><?xml version="1.0" encoding="utf-8"?>
+<p:sld xmlns:a="http://schemas.openxmlformats.org/drawingml/2006/main" xmlns:r="http://schemas.openxmlformats.org/officeDocument/2006/relationships" xmlns:p="http://schemas.openxmlformats.org/presentationml/2006/main">
+  <p:cSld>
+    <p:spTree>
+      <p:nvGrpSpPr>
+        <p:cNvPr id="1" name=""/>
+        <p:cNvGrpSpPr/>
+        <p:nvPr/>
+      </p:nvGrpSpPr>
+      <p:grpSpPr>
+        <a:xfrm>
+          <a:off x="0" y="0"/>
+          <a:ext cx="0" cy="0"/>
+          <a:chOff x="0" y="0"/>
+          <a:chExt cx="0" cy="0"/>
+        </a:xfrm>
+      </p:grpSpPr>
+      <p:sp>
+        <p:nvSpPr>
+          <p:cNvPr id="2" name="Заголовок 1">
+            <a:extLst>
+              <a:ext uri="{FF2B5EF4-FFF2-40B4-BE49-F238E27FC236}">
+                <a16:creationId xmlns:a16="http://schemas.microsoft.com/office/drawing/2014/main" id="{8BE826D0-5549-D29A-4886-74267A5EE61A}"/>
+              </a:ext>
+            </a:extLst>
+          </p:cNvPr>
+          <p:cNvSpPr>
+            <a:spLocks noGrp="1"/>
+          </p:cNvSpPr>
+          <p:nvPr>
+            <p:ph type="title"/>
+          </p:nvPr>
+        </p:nvSpPr>
+        <p:spPr>
+          <a:xfrm>
+            <a:off x="123444" y="213360"/>
+            <a:ext cx="7269480" cy="1325562"/>
+          </a:xfrm>
+        </p:spPr>
+        <p:txBody>
+          <a:bodyPr anchor="t"/>
+          <a:lstStyle/>
+          <a:p>
+            <a:r>
+              <a:rPr lang="ru-RU" dirty="0">
+                <a:latin typeface="Segoe UI Semibold" panose="020B0702040204020203" pitchFamily="34" charset="0"/>
+                <a:cs typeface="Segoe UI Semibold" panose="020B0702040204020203" pitchFamily="34" charset="0"/>
+              </a:rPr>
+              <a:t>Результаты симуляций</a:t>
+            </a:r>
+          </a:p>
+        </p:txBody>
+      </p:sp>
+      <p:sp>
+        <p:nvSpPr>
+          <p:cNvPr id="4" name="Номер слайда 3">
+            <a:extLst>
+              <a:ext uri="{FF2B5EF4-FFF2-40B4-BE49-F238E27FC236}">
+                <a16:creationId xmlns:a16="http://schemas.microsoft.com/office/drawing/2014/main" id="{8B490247-C3DE-4E64-3994-77CF364D4A23}"/>
+              </a:ext>
+            </a:extLst>
+          </p:cNvPr>
+          <p:cNvSpPr>
+            <a:spLocks noGrp="1"/>
+          </p:cNvSpPr>
+          <p:nvPr>
+            <p:ph type="sldNum" sz="quarter" idx="12"/>
+          </p:nvPr>
+        </p:nvSpPr>
+        <p:spPr/>
+        <p:txBody>
+          <a:bodyPr/>
+          <a:lstStyle/>
+          <a:p>
+            <a:fld id="{12AFF886-F040-4FA5-8BD0-0A595B4BDA00}" type="slidenum">
+              <a:rPr lang="ru-RU" smtClean="0"/>
+              <a:t>25</a:t>
             </a:fld>
             <a:endParaRPr lang="ru-RU"/>
           </a:p>
@@ -13187,155 +15492,7 @@
 </p:sld>
 </file>
 
-<file path=ppt/slides/slide2.xml><?xml version="1.0" encoding="utf-8"?>
-<p:sld xmlns:a="http://schemas.openxmlformats.org/drawingml/2006/main" xmlns:r="http://schemas.openxmlformats.org/officeDocument/2006/relationships" xmlns:p="http://schemas.openxmlformats.org/presentationml/2006/main">
-  <p:cSld>
-    <p:spTree>
-      <p:nvGrpSpPr>
-        <p:cNvPr id="1" name=""/>
-        <p:cNvGrpSpPr/>
-        <p:nvPr/>
-      </p:nvGrpSpPr>
-      <p:grpSpPr>
-        <a:xfrm>
-          <a:off x="0" y="0"/>
-          <a:ext cx="0" cy="0"/>
-          <a:chOff x="0" y="0"/>
-          <a:chExt cx="0" cy="0"/>
-        </a:xfrm>
-      </p:grpSpPr>
-      <p:sp>
-        <p:nvSpPr>
-          <p:cNvPr id="2" name="Заголовок 1">
-            <a:extLst>
-              <a:ext uri="{FF2B5EF4-FFF2-40B4-BE49-F238E27FC236}">
-                <a16:creationId xmlns:a16="http://schemas.microsoft.com/office/drawing/2014/main" id="{8BE826D0-5549-D29A-4886-74267A5EE61A}"/>
-              </a:ext>
-            </a:extLst>
-          </p:cNvPr>
-          <p:cNvSpPr>
-            <a:spLocks noGrp="1"/>
-          </p:cNvSpPr>
-          <p:nvPr>
-            <p:ph type="title"/>
-          </p:nvPr>
-        </p:nvSpPr>
-        <p:spPr/>
-        <p:txBody>
-          <a:bodyPr/>
-          <a:lstStyle/>
-          <a:p>
-            <a:r>
-              <a:rPr lang="ru-RU" dirty="0">
-                <a:latin typeface="Segoe UI Semibold" panose="020B0702040204020203" pitchFamily="34" charset="0"/>
-                <a:cs typeface="Segoe UI Semibold" panose="020B0702040204020203" pitchFamily="34" charset="0"/>
-              </a:rPr>
-              <a:t>Цели работы</a:t>
-            </a:r>
-          </a:p>
-        </p:txBody>
-      </p:sp>
-      <p:sp>
-        <p:nvSpPr>
-          <p:cNvPr id="3" name="Объект 2">
-            <a:extLst>
-              <a:ext uri="{FF2B5EF4-FFF2-40B4-BE49-F238E27FC236}">
-                <a16:creationId xmlns:a16="http://schemas.microsoft.com/office/drawing/2014/main" id="{349C600C-0F04-1563-63A6-3AB005D5EFA3}"/>
-              </a:ext>
-            </a:extLst>
-          </p:cNvPr>
-          <p:cNvSpPr>
-            <a:spLocks noGrp="1"/>
-          </p:cNvSpPr>
-          <p:nvPr>
-            <p:ph idx="1"/>
-          </p:nvPr>
-        </p:nvSpPr>
-        <p:spPr/>
-        <p:txBody>
-          <a:bodyPr>
-            <a:normAutofit/>
-          </a:bodyPr>
-          <a:lstStyle/>
-          <a:p>
-            <a:r>
-              <a:rPr lang="ru-RU" sz="2400" dirty="0">
-                <a:latin typeface="Segoe UI" panose="020B0502040204020203" pitchFamily="34" charset="0"/>
-                <a:cs typeface="Segoe UI" panose="020B0502040204020203" pitchFamily="34" charset="0"/>
-              </a:rPr>
-              <a:t>Исследование влияния нелинейности усилителя мощности на различные типы сигнала, используемые в стандарте </a:t>
-            </a:r>
-            <a:r>
-              <a:rPr lang="en-GB" sz="2400" dirty="0">
-                <a:latin typeface="Segoe UI" panose="020B0502040204020203" pitchFamily="34" charset="0"/>
-                <a:cs typeface="Segoe UI" panose="020B0502040204020203" pitchFamily="34" charset="0"/>
-              </a:rPr>
-              <a:t>5G NR</a:t>
-            </a:r>
-          </a:p>
-          <a:p>
-            <a:r>
-              <a:rPr lang="ru-RU" sz="2400" dirty="0">
-                <a:latin typeface="Segoe UI" panose="020B0502040204020203" pitchFamily="34" charset="0"/>
-                <a:cs typeface="Segoe UI" panose="020B0502040204020203" pitchFamily="34" charset="0"/>
-              </a:rPr>
-              <a:t>Разработка модели усилителя для миллиметрового диапазона 100-200 ГГц</a:t>
-            </a:r>
-          </a:p>
-          <a:p>
-            <a:r>
-              <a:rPr lang="ru-RU" sz="2400" dirty="0">
-                <a:latin typeface="Segoe UI" panose="020B0502040204020203" pitchFamily="34" charset="0"/>
-                <a:cs typeface="Segoe UI" panose="020B0502040204020203" pitchFamily="34" charset="0"/>
-              </a:rPr>
-              <a:t>Разработка метода компенсации нелинейных искажений усилителя мощности на приемнике</a:t>
-            </a:r>
-          </a:p>
-        </p:txBody>
-      </p:sp>
-      <p:sp>
-        <p:nvSpPr>
-          <p:cNvPr id="4" name="Номер слайда 3">
-            <a:extLst>
-              <a:ext uri="{FF2B5EF4-FFF2-40B4-BE49-F238E27FC236}">
-                <a16:creationId xmlns:a16="http://schemas.microsoft.com/office/drawing/2014/main" id="{8B490247-C3DE-4E64-3994-77CF364D4A23}"/>
-              </a:ext>
-            </a:extLst>
-          </p:cNvPr>
-          <p:cNvSpPr>
-            <a:spLocks noGrp="1"/>
-          </p:cNvSpPr>
-          <p:nvPr>
-            <p:ph type="sldNum" sz="quarter" idx="12"/>
-          </p:nvPr>
-        </p:nvSpPr>
-        <p:spPr/>
-        <p:txBody>
-          <a:bodyPr/>
-          <a:lstStyle/>
-          <a:p>
-            <a:fld id="{12AFF886-F040-4FA5-8BD0-0A595B4BDA00}" type="slidenum">
-              <a:rPr lang="ru-RU" smtClean="0"/>
-              <a:t>2</a:t>
-            </a:fld>
-            <a:endParaRPr lang="ru-RU"/>
-          </a:p>
-        </p:txBody>
-      </p:sp>
-    </p:spTree>
-    <p:extLst>
-      <p:ext uri="{BB962C8B-B14F-4D97-AF65-F5344CB8AC3E}">
-        <p14:creationId xmlns:p14="http://schemas.microsoft.com/office/powerpoint/2010/main" val="647620844"/>
-      </p:ext>
-    </p:extLst>
-  </p:cSld>
-  <p:clrMapOvr>
-    <a:masterClrMapping/>
-  </p:clrMapOvr>
-</p:sld>
-</file>
-
-<file path=ppt/slides/slide20.xml><?xml version="1.0" encoding="utf-8"?>
+<file path=ppt/slides/slide26.xml><?xml version="1.0" encoding="utf-8"?>
 <p:sld xmlns:a="http://schemas.openxmlformats.org/drawingml/2006/main" xmlns:r="http://schemas.openxmlformats.org/officeDocument/2006/relationships" xmlns:p="http://schemas.openxmlformats.org/presentationml/2006/main">
   <p:cSld>
     <p:spTree>
@@ -13411,7 +15568,7 @@
           <a:p>
             <a:fld id="{12AFF886-F040-4FA5-8BD0-0A595B4BDA00}" type="slidenum">
               <a:rPr lang="ru-RU" smtClean="0"/>
-              <a:t>20</a:t>
+              <a:t>26</a:t>
             </a:fld>
             <a:endParaRPr lang="ru-RU"/>
           </a:p>
@@ -13825,1606 +15982,7 @@
 </p:sld>
 </file>
 
-<file path=ppt/slides/slide21.xml><?xml version="1.0" encoding="utf-8"?>
-<p:sld xmlns:a="http://schemas.openxmlformats.org/drawingml/2006/main" xmlns:r="http://schemas.openxmlformats.org/officeDocument/2006/relationships" xmlns:p="http://schemas.openxmlformats.org/presentationml/2006/main">
-  <p:cSld>
-    <p:spTree>
-      <p:nvGrpSpPr>
-        <p:cNvPr id="1" name=""/>
-        <p:cNvGrpSpPr/>
-        <p:nvPr/>
-      </p:nvGrpSpPr>
-      <p:grpSpPr>
-        <a:xfrm>
-          <a:off x="0" y="0"/>
-          <a:ext cx="0" cy="0"/>
-          <a:chOff x="0" y="0"/>
-          <a:chExt cx="0" cy="0"/>
-        </a:xfrm>
-      </p:grpSpPr>
-      <p:sp>
-        <p:nvSpPr>
-          <p:cNvPr id="2" name="Заголовок 1">
-            <a:extLst>
-              <a:ext uri="{FF2B5EF4-FFF2-40B4-BE49-F238E27FC236}">
-                <a16:creationId xmlns:a16="http://schemas.microsoft.com/office/drawing/2014/main" id="{8BE826D0-5549-D29A-4886-74267A5EE61A}"/>
-              </a:ext>
-            </a:extLst>
-          </p:cNvPr>
-          <p:cNvSpPr>
-            <a:spLocks noGrp="1"/>
-          </p:cNvSpPr>
-          <p:nvPr>
-            <p:ph type="title"/>
-          </p:nvPr>
-        </p:nvSpPr>
-        <p:spPr>
-          <a:xfrm>
-            <a:off x="123444" y="213360"/>
-            <a:ext cx="7269480" cy="794825"/>
-          </a:xfrm>
-        </p:spPr>
-        <p:txBody>
-          <a:bodyPr anchor="t"/>
-          <a:lstStyle/>
-          <a:p>
-            <a:r>
-              <a:rPr lang="ru-RU" dirty="0">
-                <a:latin typeface="Segoe UI Semibold" panose="020B0702040204020203" pitchFamily="34" charset="0"/>
-                <a:cs typeface="Segoe UI Semibold" panose="020B0702040204020203" pitchFamily="34" charset="0"/>
-              </a:rPr>
-              <a:t>Результаты симуляций</a:t>
-            </a:r>
-          </a:p>
-        </p:txBody>
-      </p:sp>
-      <p:sp>
-        <p:nvSpPr>
-          <p:cNvPr id="4" name="Номер слайда 3">
-            <a:extLst>
-              <a:ext uri="{FF2B5EF4-FFF2-40B4-BE49-F238E27FC236}">
-                <a16:creationId xmlns:a16="http://schemas.microsoft.com/office/drawing/2014/main" id="{8B490247-C3DE-4E64-3994-77CF364D4A23}"/>
-              </a:ext>
-            </a:extLst>
-          </p:cNvPr>
-          <p:cNvSpPr>
-            <a:spLocks noGrp="1"/>
-          </p:cNvSpPr>
-          <p:nvPr>
-            <p:ph type="sldNum" sz="quarter" idx="12"/>
-          </p:nvPr>
-        </p:nvSpPr>
-        <p:spPr/>
-        <p:txBody>
-          <a:bodyPr/>
-          <a:lstStyle/>
-          <a:p>
-            <a:fld id="{12AFF886-F040-4FA5-8BD0-0A595B4BDA00}" type="slidenum">
-              <a:rPr lang="ru-RU" smtClean="0"/>
-              <a:t>21</a:t>
-            </a:fld>
-            <a:endParaRPr lang="ru-RU"/>
-          </a:p>
-        </p:txBody>
-      </p:sp>
-      <p:sp>
-        <p:nvSpPr>
-          <p:cNvPr id="13" name="Объект 2">
-            <a:extLst>
-              <a:ext uri="{FF2B5EF4-FFF2-40B4-BE49-F238E27FC236}">
-                <a16:creationId xmlns:a16="http://schemas.microsoft.com/office/drawing/2014/main" id="{9F2EE8E7-90F4-BC50-0F9D-CEF973711876}"/>
-              </a:ext>
-            </a:extLst>
-          </p:cNvPr>
-          <p:cNvSpPr txBox="1">
-            <a:spLocks/>
-          </p:cNvSpPr>
-          <p:nvPr/>
-        </p:nvSpPr>
-        <p:spPr>
-          <a:xfrm>
-            <a:off x="231492" y="1008185"/>
-            <a:ext cx="6227923" cy="668215"/>
-          </a:xfrm>
-          <a:prstGeom prst="rect">
-            <a:avLst/>
-          </a:prstGeom>
-        </p:spPr>
-        <p:txBody>
-          <a:bodyPr vert="horz" lIns="91440" tIns="45720" rIns="91440" bIns="45720" rtlCol="0">
-            <a:normAutofit/>
-          </a:bodyPr>
-          <a:lstStyle>
-            <a:lvl1pPr marL="182880" indent="-182880" algn="l" defTabSz="914400" rtl="0" eaLnBrk="1" latinLnBrk="0" hangingPunct="1">
-              <a:lnSpc>
-                <a:spcPct val="95000"/>
-              </a:lnSpc>
-              <a:spcBef>
-                <a:spcPts val="1400"/>
-              </a:spcBef>
-              <a:spcAft>
-                <a:spcPts val="200"/>
-              </a:spcAft>
-              <a:buClr>
-                <a:schemeClr val="accent1"/>
-              </a:buClr>
-              <a:buSzPct val="80000"/>
-              <a:buFont typeface="Arial" pitchFamily="34" charset="0"/>
-              <a:buChar char="•"/>
-              <a:defRPr sz="1800" kern="1200" spc="10" baseline="0">
-                <a:solidFill>
-                  <a:schemeClr val="tx1"/>
-                </a:solidFill>
-                <a:latin typeface="+mn-lt"/>
-                <a:ea typeface="+mn-ea"/>
-                <a:cs typeface="+mn-cs"/>
-              </a:defRPr>
-            </a:lvl1pPr>
-            <a:lvl2pPr marL="457200" indent="-182880" algn="l" defTabSz="914400" rtl="0" eaLnBrk="1" latinLnBrk="0" hangingPunct="1">
-              <a:lnSpc>
-                <a:spcPct val="90000"/>
-              </a:lnSpc>
-              <a:spcBef>
-                <a:spcPts val="300"/>
-              </a:spcBef>
-              <a:spcAft>
-                <a:spcPts val="300"/>
-              </a:spcAft>
-              <a:buClr>
-                <a:schemeClr val="accent1"/>
-              </a:buClr>
-              <a:buFont typeface="Wingdings 2" pitchFamily="18" charset="2"/>
-              <a:buChar char=""/>
-              <a:defRPr sz="1600" kern="1200">
-                <a:solidFill>
-                  <a:schemeClr val="tx1">
-                    <a:lumMod val="85000"/>
-                    <a:lumOff val="15000"/>
-                  </a:schemeClr>
-                </a:solidFill>
-                <a:latin typeface="+mn-lt"/>
-                <a:ea typeface="+mn-ea"/>
-                <a:cs typeface="+mn-cs"/>
-              </a:defRPr>
-            </a:lvl2pPr>
-            <a:lvl3pPr marL="731520" indent="-182880" algn="l" defTabSz="914400" rtl="0" eaLnBrk="1" latinLnBrk="0" hangingPunct="1">
-              <a:lnSpc>
-                <a:spcPct val="90000"/>
-              </a:lnSpc>
-              <a:spcBef>
-                <a:spcPts val="300"/>
-              </a:spcBef>
-              <a:spcAft>
-                <a:spcPts val="300"/>
-              </a:spcAft>
-              <a:buClr>
-                <a:schemeClr val="accent1"/>
-              </a:buClr>
-              <a:buFont typeface="Wingdings 2" pitchFamily="18" charset="2"/>
-              <a:buChar char=""/>
-              <a:defRPr sz="1400" kern="1200">
-                <a:solidFill>
-                  <a:schemeClr val="tx1">
-                    <a:lumMod val="85000"/>
-                    <a:lumOff val="15000"/>
-                  </a:schemeClr>
-                </a:solidFill>
-                <a:latin typeface="+mn-lt"/>
-                <a:ea typeface="+mn-ea"/>
-                <a:cs typeface="+mn-cs"/>
-              </a:defRPr>
-            </a:lvl3pPr>
-            <a:lvl4pPr marL="1005840" indent="-182880" algn="l" defTabSz="914400" rtl="0" eaLnBrk="1" latinLnBrk="0" hangingPunct="1">
-              <a:lnSpc>
-                <a:spcPct val="90000"/>
-              </a:lnSpc>
-              <a:spcBef>
-                <a:spcPts val="300"/>
-              </a:spcBef>
-              <a:spcAft>
-                <a:spcPts val="300"/>
-              </a:spcAft>
-              <a:buClr>
-                <a:schemeClr val="accent1"/>
-              </a:buClr>
-              <a:buFont typeface="Wingdings 2" pitchFamily="18" charset="2"/>
-              <a:buChar char=""/>
-              <a:defRPr sz="1400" kern="1200">
-                <a:solidFill>
-                  <a:schemeClr val="tx1">
-                    <a:lumMod val="85000"/>
-                    <a:lumOff val="15000"/>
-                  </a:schemeClr>
-                </a:solidFill>
-                <a:latin typeface="+mn-lt"/>
-                <a:ea typeface="+mn-ea"/>
-                <a:cs typeface="+mn-cs"/>
-              </a:defRPr>
-            </a:lvl4pPr>
-            <a:lvl5pPr marL="1280160" indent="-182880" algn="l" defTabSz="914400" rtl="0" eaLnBrk="1" latinLnBrk="0" hangingPunct="1">
-              <a:lnSpc>
-                <a:spcPct val="90000"/>
-              </a:lnSpc>
-              <a:spcBef>
-                <a:spcPts val="300"/>
-              </a:spcBef>
-              <a:spcAft>
-                <a:spcPts val="300"/>
-              </a:spcAft>
-              <a:buClr>
-                <a:schemeClr val="accent1"/>
-              </a:buClr>
-              <a:buFont typeface="Wingdings 2" pitchFamily="18" charset="2"/>
-              <a:buChar char=""/>
-              <a:defRPr sz="1400" kern="1200">
-                <a:solidFill>
-                  <a:schemeClr val="tx1">
-                    <a:lumMod val="85000"/>
-                    <a:lumOff val="15000"/>
-                  </a:schemeClr>
-                </a:solidFill>
-                <a:latin typeface="+mn-lt"/>
-                <a:ea typeface="+mn-ea"/>
-                <a:cs typeface="+mn-cs"/>
-              </a:defRPr>
-            </a:lvl5pPr>
-            <a:lvl6pPr marL="1600000" indent="-228600" algn="l" defTabSz="914400" rtl="0" eaLnBrk="1" latinLnBrk="0" hangingPunct="1">
-              <a:lnSpc>
-                <a:spcPct val="90000"/>
-              </a:lnSpc>
-              <a:spcBef>
-                <a:spcPts val="300"/>
-              </a:spcBef>
-              <a:spcAft>
-                <a:spcPts val="300"/>
-              </a:spcAft>
-              <a:buClr>
-                <a:schemeClr val="accent1"/>
-              </a:buClr>
-              <a:buFont typeface="Wingdings 2" pitchFamily="18" charset="2"/>
-              <a:buChar char=""/>
-              <a:defRPr sz="1400" kern="1200">
-                <a:solidFill>
-                  <a:schemeClr val="tx1">
-                    <a:lumMod val="85000"/>
-                    <a:lumOff val="15000"/>
-                  </a:schemeClr>
-                </a:solidFill>
-                <a:latin typeface="+mn-lt"/>
-                <a:ea typeface="+mn-ea"/>
-                <a:cs typeface="+mn-cs"/>
-              </a:defRPr>
-            </a:lvl6pPr>
-            <a:lvl7pPr marL="1900000" indent="-228600" algn="l" defTabSz="914400" rtl="0" eaLnBrk="1" latinLnBrk="0" hangingPunct="1">
-              <a:lnSpc>
-                <a:spcPct val="90000"/>
-              </a:lnSpc>
-              <a:spcBef>
-                <a:spcPts val="300"/>
-              </a:spcBef>
-              <a:spcAft>
-                <a:spcPts val="300"/>
-              </a:spcAft>
-              <a:buClr>
-                <a:schemeClr val="accent1"/>
-              </a:buClr>
-              <a:buFont typeface="Wingdings 2" pitchFamily="18" charset="2"/>
-              <a:buChar char=""/>
-              <a:defRPr sz="1400" kern="1200">
-                <a:solidFill>
-                  <a:schemeClr val="tx1">
-                    <a:lumMod val="85000"/>
-                    <a:lumOff val="15000"/>
-                  </a:schemeClr>
-                </a:solidFill>
-                <a:latin typeface="+mn-lt"/>
-                <a:ea typeface="+mn-ea"/>
-                <a:cs typeface="+mn-cs"/>
-              </a:defRPr>
-            </a:lvl7pPr>
-            <a:lvl8pPr marL="2200000" indent="-228600" algn="l" defTabSz="914400" rtl="0" eaLnBrk="1" latinLnBrk="0" hangingPunct="1">
-              <a:lnSpc>
-                <a:spcPct val="90000"/>
-              </a:lnSpc>
-              <a:spcBef>
-                <a:spcPts val="300"/>
-              </a:spcBef>
-              <a:spcAft>
-                <a:spcPts val="300"/>
-              </a:spcAft>
-              <a:buClr>
-                <a:schemeClr val="accent1"/>
-              </a:buClr>
-              <a:buFont typeface="Wingdings 2" pitchFamily="18" charset="2"/>
-              <a:buChar char=""/>
-              <a:defRPr sz="1400" kern="1200">
-                <a:solidFill>
-                  <a:schemeClr val="tx1">
-                    <a:lumMod val="85000"/>
-                    <a:lumOff val="15000"/>
-                  </a:schemeClr>
-                </a:solidFill>
-                <a:latin typeface="+mn-lt"/>
-                <a:ea typeface="+mn-ea"/>
-                <a:cs typeface="+mn-cs"/>
-              </a:defRPr>
-            </a:lvl8pPr>
-            <a:lvl9pPr marL="2500000" indent="-228600" algn="l" defTabSz="914400" rtl="0" eaLnBrk="1" latinLnBrk="0" hangingPunct="1">
-              <a:lnSpc>
-                <a:spcPct val="90000"/>
-              </a:lnSpc>
-              <a:spcBef>
-                <a:spcPts val="300"/>
-              </a:spcBef>
-              <a:spcAft>
-                <a:spcPts val="300"/>
-              </a:spcAft>
-              <a:buClr>
-                <a:schemeClr val="accent1"/>
-              </a:buClr>
-              <a:buFont typeface="Wingdings 2" pitchFamily="18" charset="2"/>
-              <a:buChar char=""/>
-              <a:defRPr sz="1400" kern="1200">
-                <a:solidFill>
-                  <a:schemeClr val="tx1">
-                    <a:lumMod val="85000"/>
-                    <a:lumOff val="15000"/>
-                  </a:schemeClr>
-                </a:solidFill>
-                <a:latin typeface="+mn-lt"/>
-                <a:ea typeface="+mn-ea"/>
-                <a:cs typeface="+mn-cs"/>
-              </a:defRPr>
-            </a:lvl9pPr>
-          </a:lstStyle>
-          <a:p>
-            <a:pPr marL="0" indent="0">
-              <a:lnSpc>
-                <a:spcPct val="100000"/>
-              </a:lnSpc>
-              <a:buFont typeface="Arial" pitchFamily="34" charset="0"/>
-              <a:buNone/>
-            </a:pPr>
-            <a:r>
-              <a:rPr lang="en-US" sz="2400" dirty="0">
-                <a:latin typeface="Segoe UI" panose="020B0502040204020203" pitchFamily="34" charset="0"/>
-                <a:cs typeface="Segoe UI" panose="020B0502040204020203" pitchFamily="34" charset="0"/>
-              </a:rPr>
-              <a:t>DFT-s-OFDM / </a:t>
-            </a:r>
-            <a:r>
-              <a:rPr lang="ru-RU" sz="2400" dirty="0">
-                <a:latin typeface="Segoe UI" panose="020B0502040204020203" pitchFamily="34" charset="0"/>
-                <a:cs typeface="Segoe UI" panose="020B0502040204020203" pitchFamily="34" charset="0"/>
-              </a:rPr>
-              <a:t>10</a:t>
-            </a:r>
-            <a:r>
-              <a:rPr lang="en-US" sz="2400" dirty="0">
-                <a:latin typeface="Segoe UI" panose="020B0502040204020203" pitchFamily="34" charset="0"/>
-                <a:cs typeface="Segoe UI" panose="020B0502040204020203" pitchFamily="34" charset="0"/>
-              </a:rPr>
-              <a:t>0-</a:t>
-            </a:r>
-            <a:r>
-              <a:rPr lang="ru-RU" sz="2400" dirty="0">
-                <a:latin typeface="Segoe UI" panose="020B0502040204020203" pitchFamily="34" charset="0"/>
-                <a:cs typeface="Segoe UI" panose="020B0502040204020203" pitchFamily="34" charset="0"/>
-              </a:rPr>
-              <a:t>20</a:t>
-            </a:r>
-            <a:r>
-              <a:rPr lang="en-US" sz="2400" dirty="0">
-                <a:latin typeface="Segoe UI" panose="020B0502040204020203" pitchFamily="34" charset="0"/>
-                <a:cs typeface="Segoe UI" panose="020B0502040204020203" pitchFamily="34" charset="0"/>
-              </a:rPr>
-              <a:t>0 </a:t>
-            </a:r>
-            <a:r>
-              <a:rPr lang="ru-RU" sz="2400" dirty="0">
-                <a:latin typeface="Segoe UI" panose="020B0502040204020203" pitchFamily="34" charset="0"/>
-                <a:cs typeface="Segoe UI" panose="020B0502040204020203" pitchFamily="34" charset="0"/>
-              </a:rPr>
-              <a:t>ГГц / </a:t>
-            </a:r>
-            <a:r>
-              <a:rPr lang="en-US" sz="2400" dirty="0">
-                <a:latin typeface="Segoe UI" panose="020B0502040204020203" pitchFamily="34" charset="0"/>
-                <a:cs typeface="Segoe UI" panose="020B0502040204020203" pitchFamily="34" charset="0"/>
-              </a:rPr>
-              <a:t>SCS 120 </a:t>
-            </a:r>
-            <a:r>
-              <a:rPr lang="ru-RU" sz="2400" dirty="0">
-                <a:latin typeface="Segoe UI" panose="020B0502040204020203" pitchFamily="34" charset="0"/>
-                <a:cs typeface="Segoe UI" panose="020B0502040204020203" pitchFamily="34" charset="0"/>
-              </a:rPr>
-              <a:t>кГц</a:t>
-            </a:r>
-          </a:p>
-        </p:txBody>
-      </p:sp>
-      <p:pic>
-        <p:nvPicPr>
-          <p:cNvPr id="5" name="Рисунок 4">
-            <a:extLst>
-              <a:ext uri="{FF2B5EF4-FFF2-40B4-BE49-F238E27FC236}">
-                <a16:creationId xmlns:a16="http://schemas.microsoft.com/office/drawing/2014/main" id="{E4843CD5-A468-B8DF-7F80-87BC9E36B4AA}"/>
-              </a:ext>
-            </a:extLst>
-          </p:cNvPr>
-          <p:cNvPicPr>
-            <a:picLocks noChangeAspect="1"/>
-          </p:cNvPicPr>
-          <p:nvPr/>
-        </p:nvPicPr>
-        <p:blipFill rotWithShape="1">
-          <a:blip r:embed="rId2">
-            <a:extLst>
-              <a:ext uri="{28A0092B-C50C-407E-A947-70E740481C1C}">
-                <a14:useLocalDpi xmlns:a14="http://schemas.microsoft.com/office/drawing/2010/main" val="0"/>
-              </a:ext>
-            </a:extLst>
-          </a:blip>
-          <a:srcRect r="3681"/>
-          <a:stretch/>
-        </p:blipFill>
-        <p:spPr>
-          <a:xfrm>
-            <a:off x="2541327" y="1731912"/>
-            <a:ext cx="5840673" cy="4546209"/>
-          </a:xfrm>
-          <a:prstGeom prst="rect">
-            <a:avLst/>
-          </a:prstGeom>
-        </p:spPr>
-      </p:pic>
-      <p:sp>
-        <p:nvSpPr>
-          <p:cNvPr id="6" name="Объект 2">
-            <a:extLst>
-              <a:ext uri="{FF2B5EF4-FFF2-40B4-BE49-F238E27FC236}">
-                <a16:creationId xmlns:a16="http://schemas.microsoft.com/office/drawing/2014/main" id="{243C8A65-20B2-7197-1B8C-F0CC59B1B416}"/>
-              </a:ext>
-            </a:extLst>
-          </p:cNvPr>
-          <p:cNvSpPr txBox="1">
-            <a:spLocks/>
-          </p:cNvSpPr>
-          <p:nvPr/>
-        </p:nvSpPr>
-        <p:spPr>
-          <a:xfrm>
-            <a:off x="231492" y="1575703"/>
-            <a:ext cx="2635534" cy="3986897"/>
-          </a:xfrm>
-          <a:prstGeom prst="rect">
-            <a:avLst/>
-          </a:prstGeom>
-        </p:spPr>
-        <p:txBody>
-          <a:bodyPr vert="horz" lIns="91440" tIns="45720" rIns="91440" bIns="45720" rtlCol="0">
-            <a:normAutofit/>
-          </a:bodyPr>
-          <a:lstStyle>
-            <a:lvl1pPr marL="182880" indent="-182880" algn="l" defTabSz="914400" rtl="0" eaLnBrk="1" latinLnBrk="0" hangingPunct="1">
-              <a:lnSpc>
-                <a:spcPct val="95000"/>
-              </a:lnSpc>
-              <a:spcBef>
-                <a:spcPts val="1400"/>
-              </a:spcBef>
-              <a:spcAft>
-                <a:spcPts val="200"/>
-              </a:spcAft>
-              <a:buClr>
-                <a:schemeClr val="accent1"/>
-              </a:buClr>
-              <a:buSzPct val="80000"/>
-              <a:buFont typeface="Arial" pitchFamily="34" charset="0"/>
-              <a:buChar char="•"/>
-              <a:defRPr sz="1800" kern="1200" spc="10" baseline="0">
-                <a:solidFill>
-                  <a:schemeClr val="tx1"/>
-                </a:solidFill>
-                <a:latin typeface="+mn-lt"/>
-                <a:ea typeface="+mn-ea"/>
-                <a:cs typeface="+mn-cs"/>
-              </a:defRPr>
-            </a:lvl1pPr>
-            <a:lvl2pPr marL="457200" indent="-182880" algn="l" defTabSz="914400" rtl="0" eaLnBrk="1" latinLnBrk="0" hangingPunct="1">
-              <a:lnSpc>
-                <a:spcPct val="90000"/>
-              </a:lnSpc>
-              <a:spcBef>
-                <a:spcPts val="300"/>
-              </a:spcBef>
-              <a:spcAft>
-                <a:spcPts val="300"/>
-              </a:spcAft>
-              <a:buClr>
-                <a:schemeClr val="accent1"/>
-              </a:buClr>
-              <a:buFont typeface="Wingdings 2" pitchFamily="18" charset="2"/>
-              <a:buChar char=""/>
-              <a:defRPr sz="1600" kern="1200">
-                <a:solidFill>
-                  <a:schemeClr val="tx1">
-                    <a:lumMod val="85000"/>
-                    <a:lumOff val="15000"/>
-                  </a:schemeClr>
-                </a:solidFill>
-                <a:latin typeface="+mn-lt"/>
-                <a:ea typeface="+mn-ea"/>
-                <a:cs typeface="+mn-cs"/>
-              </a:defRPr>
-            </a:lvl2pPr>
-            <a:lvl3pPr marL="731520" indent="-182880" algn="l" defTabSz="914400" rtl="0" eaLnBrk="1" latinLnBrk="0" hangingPunct="1">
-              <a:lnSpc>
-                <a:spcPct val="90000"/>
-              </a:lnSpc>
-              <a:spcBef>
-                <a:spcPts val="300"/>
-              </a:spcBef>
-              <a:spcAft>
-                <a:spcPts val="300"/>
-              </a:spcAft>
-              <a:buClr>
-                <a:schemeClr val="accent1"/>
-              </a:buClr>
-              <a:buFont typeface="Wingdings 2" pitchFamily="18" charset="2"/>
-              <a:buChar char=""/>
-              <a:defRPr sz="1400" kern="1200">
-                <a:solidFill>
-                  <a:schemeClr val="tx1">
-                    <a:lumMod val="85000"/>
-                    <a:lumOff val="15000"/>
-                  </a:schemeClr>
-                </a:solidFill>
-                <a:latin typeface="+mn-lt"/>
-                <a:ea typeface="+mn-ea"/>
-                <a:cs typeface="+mn-cs"/>
-              </a:defRPr>
-            </a:lvl3pPr>
-            <a:lvl4pPr marL="1005840" indent="-182880" algn="l" defTabSz="914400" rtl="0" eaLnBrk="1" latinLnBrk="0" hangingPunct="1">
-              <a:lnSpc>
-                <a:spcPct val="90000"/>
-              </a:lnSpc>
-              <a:spcBef>
-                <a:spcPts val="300"/>
-              </a:spcBef>
-              <a:spcAft>
-                <a:spcPts val="300"/>
-              </a:spcAft>
-              <a:buClr>
-                <a:schemeClr val="accent1"/>
-              </a:buClr>
-              <a:buFont typeface="Wingdings 2" pitchFamily="18" charset="2"/>
-              <a:buChar char=""/>
-              <a:defRPr sz="1400" kern="1200">
-                <a:solidFill>
-                  <a:schemeClr val="tx1">
-                    <a:lumMod val="85000"/>
-                    <a:lumOff val="15000"/>
-                  </a:schemeClr>
-                </a:solidFill>
-                <a:latin typeface="+mn-lt"/>
-                <a:ea typeface="+mn-ea"/>
-                <a:cs typeface="+mn-cs"/>
-              </a:defRPr>
-            </a:lvl4pPr>
-            <a:lvl5pPr marL="1280160" indent="-182880" algn="l" defTabSz="914400" rtl="0" eaLnBrk="1" latinLnBrk="0" hangingPunct="1">
-              <a:lnSpc>
-                <a:spcPct val="90000"/>
-              </a:lnSpc>
-              <a:spcBef>
-                <a:spcPts val="300"/>
-              </a:spcBef>
-              <a:spcAft>
-                <a:spcPts val="300"/>
-              </a:spcAft>
-              <a:buClr>
-                <a:schemeClr val="accent1"/>
-              </a:buClr>
-              <a:buFont typeface="Wingdings 2" pitchFamily="18" charset="2"/>
-              <a:buChar char=""/>
-              <a:defRPr sz="1400" kern="1200">
-                <a:solidFill>
-                  <a:schemeClr val="tx1">
-                    <a:lumMod val="85000"/>
-                    <a:lumOff val="15000"/>
-                  </a:schemeClr>
-                </a:solidFill>
-                <a:latin typeface="+mn-lt"/>
-                <a:ea typeface="+mn-ea"/>
-                <a:cs typeface="+mn-cs"/>
-              </a:defRPr>
-            </a:lvl5pPr>
-            <a:lvl6pPr marL="1600000" indent="-228600" algn="l" defTabSz="914400" rtl="0" eaLnBrk="1" latinLnBrk="0" hangingPunct="1">
-              <a:lnSpc>
-                <a:spcPct val="90000"/>
-              </a:lnSpc>
-              <a:spcBef>
-                <a:spcPts val="300"/>
-              </a:spcBef>
-              <a:spcAft>
-                <a:spcPts val="300"/>
-              </a:spcAft>
-              <a:buClr>
-                <a:schemeClr val="accent1"/>
-              </a:buClr>
-              <a:buFont typeface="Wingdings 2" pitchFamily="18" charset="2"/>
-              <a:buChar char=""/>
-              <a:defRPr sz="1400" kern="1200">
-                <a:solidFill>
-                  <a:schemeClr val="tx1">
-                    <a:lumMod val="85000"/>
-                    <a:lumOff val="15000"/>
-                  </a:schemeClr>
-                </a:solidFill>
-                <a:latin typeface="+mn-lt"/>
-                <a:ea typeface="+mn-ea"/>
-                <a:cs typeface="+mn-cs"/>
-              </a:defRPr>
-            </a:lvl6pPr>
-            <a:lvl7pPr marL="1900000" indent="-228600" algn="l" defTabSz="914400" rtl="0" eaLnBrk="1" latinLnBrk="0" hangingPunct="1">
-              <a:lnSpc>
-                <a:spcPct val="90000"/>
-              </a:lnSpc>
-              <a:spcBef>
-                <a:spcPts val="300"/>
-              </a:spcBef>
-              <a:spcAft>
-                <a:spcPts val="300"/>
-              </a:spcAft>
-              <a:buClr>
-                <a:schemeClr val="accent1"/>
-              </a:buClr>
-              <a:buFont typeface="Wingdings 2" pitchFamily="18" charset="2"/>
-              <a:buChar char=""/>
-              <a:defRPr sz="1400" kern="1200">
-                <a:solidFill>
-                  <a:schemeClr val="tx1">
-                    <a:lumMod val="85000"/>
-                    <a:lumOff val="15000"/>
-                  </a:schemeClr>
-                </a:solidFill>
-                <a:latin typeface="+mn-lt"/>
-                <a:ea typeface="+mn-ea"/>
-                <a:cs typeface="+mn-cs"/>
-              </a:defRPr>
-            </a:lvl7pPr>
-            <a:lvl8pPr marL="2200000" indent="-228600" algn="l" defTabSz="914400" rtl="0" eaLnBrk="1" latinLnBrk="0" hangingPunct="1">
-              <a:lnSpc>
-                <a:spcPct val="90000"/>
-              </a:lnSpc>
-              <a:spcBef>
-                <a:spcPts val="300"/>
-              </a:spcBef>
-              <a:spcAft>
-                <a:spcPts val="300"/>
-              </a:spcAft>
-              <a:buClr>
-                <a:schemeClr val="accent1"/>
-              </a:buClr>
-              <a:buFont typeface="Wingdings 2" pitchFamily="18" charset="2"/>
-              <a:buChar char=""/>
-              <a:defRPr sz="1400" kern="1200">
-                <a:solidFill>
-                  <a:schemeClr val="tx1">
-                    <a:lumMod val="85000"/>
-                    <a:lumOff val="15000"/>
-                  </a:schemeClr>
-                </a:solidFill>
-                <a:latin typeface="+mn-lt"/>
-                <a:ea typeface="+mn-ea"/>
-                <a:cs typeface="+mn-cs"/>
-              </a:defRPr>
-            </a:lvl8pPr>
-            <a:lvl9pPr marL="2500000" indent="-228600" algn="l" defTabSz="914400" rtl="0" eaLnBrk="1" latinLnBrk="0" hangingPunct="1">
-              <a:lnSpc>
-                <a:spcPct val="90000"/>
-              </a:lnSpc>
-              <a:spcBef>
-                <a:spcPts val="300"/>
-              </a:spcBef>
-              <a:spcAft>
-                <a:spcPts val="300"/>
-              </a:spcAft>
-              <a:buClr>
-                <a:schemeClr val="accent1"/>
-              </a:buClr>
-              <a:buFont typeface="Wingdings 2" pitchFamily="18" charset="2"/>
-              <a:buChar char=""/>
-              <a:defRPr sz="1400" kern="1200">
-                <a:solidFill>
-                  <a:schemeClr val="tx1">
-                    <a:lumMod val="85000"/>
-                    <a:lumOff val="15000"/>
-                  </a:schemeClr>
-                </a:solidFill>
-                <a:latin typeface="+mn-lt"/>
-                <a:ea typeface="+mn-ea"/>
-                <a:cs typeface="+mn-cs"/>
-              </a:defRPr>
-            </a:lvl9pPr>
-          </a:lstStyle>
-          <a:p>
-            <a:pPr marL="0" indent="0">
-              <a:buFont typeface="Arial" pitchFamily="34" charset="0"/>
-              <a:buNone/>
-            </a:pPr>
-            <a:r>
-              <a:rPr lang="ru-RU" dirty="0">
-                <a:latin typeface="Segoe UI" panose="020B0502040204020203" pitchFamily="34" charset="0"/>
-                <a:cs typeface="Segoe UI" panose="020B0502040204020203" pitchFamily="34" charset="0"/>
-              </a:rPr>
-              <a:t>Характеристики УМ значительно хуже, даже в случае </a:t>
-            </a:r>
-            <a:r>
-              <a:rPr lang="en-GB" dirty="0">
-                <a:latin typeface="Segoe UI" panose="020B0502040204020203" pitchFamily="34" charset="0"/>
-                <a:cs typeface="Segoe UI" panose="020B0502040204020203" pitchFamily="34" charset="0"/>
-              </a:rPr>
-              <a:t>DFT-s-OFDM </a:t>
-            </a:r>
-            <a:r>
-              <a:rPr lang="ru-RU" dirty="0">
-                <a:latin typeface="Segoe UI" panose="020B0502040204020203" pitchFamily="34" charset="0"/>
-                <a:cs typeface="Segoe UI" panose="020B0502040204020203" pitchFamily="34" charset="0"/>
-              </a:rPr>
-              <a:t>наблюдается сильное падение производительности.</a:t>
-            </a:r>
-          </a:p>
-          <a:p>
-            <a:pPr marL="0" indent="0">
-              <a:buFont typeface="Arial" pitchFamily="34" charset="0"/>
-              <a:buNone/>
-            </a:pPr>
-            <a:r>
-              <a:rPr lang="ru-RU" dirty="0">
-                <a:latin typeface="Segoe UI" panose="020B0502040204020203" pitchFamily="34" charset="0"/>
-                <a:cs typeface="Segoe UI" panose="020B0502040204020203" pitchFamily="34" charset="0"/>
-              </a:rPr>
-              <a:t>При высокой модуляции часть информации может быть невозвратно искажена</a:t>
-            </a:r>
-          </a:p>
-        </p:txBody>
-      </p:sp>
-    </p:spTree>
-    <p:extLst>
-      <p:ext uri="{BB962C8B-B14F-4D97-AF65-F5344CB8AC3E}">
-        <p14:creationId xmlns:p14="http://schemas.microsoft.com/office/powerpoint/2010/main" val="3959395434"/>
-      </p:ext>
-    </p:extLst>
-  </p:cSld>
-  <p:clrMapOvr>
-    <a:masterClrMapping/>
-  </p:clrMapOvr>
-</p:sld>
-</file>
-
-<file path=ppt/slides/slide22.xml><?xml version="1.0" encoding="utf-8"?>
-<p:sld xmlns:a="http://schemas.openxmlformats.org/drawingml/2006/main" xmlns:r="http://schemas.openxmlformats.org/officeDocument/2006/relationships" xmlns:p="http://schemas.openxmlformats.org/presentationml/2006/main">
-  <p:cSld>
-    <p:spTree>
-      <p:nvGrpSpPr>
-        <p:cNvPr id="1" name=""/>
-        <p:cNvGrpSpPr/>
-        <p:nvPr/>
-      </p:nvGrpSpPr>
-      <p:grpSpPr>
-        <a:xfrm>
-          <a:off x="0" y="0"/>
-          <a:ext cx="0" cy="0"/>
-          <a:chOff x="0" y="0"/>
-          <a:chExt cx="0" cy="0"/>
-        </a:xfrm>
-      </p:grpSpPr>
-      <p:sp>
-        <p:nvSpPr>
-          <p:cNvPr id="2" name="Заголовок 1">
-            <a:extLst>
-              <a:ext uri="{FF2B5EF4-FFF2-40B4-BE49-F238E27FC236}">
-                <a16:creationId xmlns:a16="http://schemas.microsoft.com/office/drawing/2014/main" id="{8BE826D0-5549-D29A-4886-74267A5EE61A}"/>
-              </a:ext>
-            </a:extLst>
-          </p:cNvPr>
-          <p:cNvSpPr>
-            <a:spLocks noGrp="1"/>
-          </p:cNvSpPr>
-          <p:nvPr>
-            <p:ph type="title"/>
-          </p:nvPr>
-        </p:nvSpPr>
-        <p:spPr>
-          <a:xfrm>
-            <a:off x="123444" y="213360"/>
-            <a:ext cx="7269480" cy="794825"/>
-          </a:xfrm>
-        </p:spPr>
-        <p:txBody>
-          <a:bodyPr anchor="t"/>
-          <a:lstStyle/>
-          <a:p>
-            <a:r>
-              <a:rPr lang="ru-RU" dirty="0">
-                <a:latin typeface="Segoe UI Semibold" panose="020B0702040204020203" pitchFamily="34" charset="0"/>
-                <a:cs typeface="Segoe UI Semibold" panose="020B0702040204020203" pitchFamily="34" charset="0"/>
-              </a:rPr>
-              <a:t>Результаты симуляций</a:t>
-            </a:r>
-          </a:p>
-        </p:txBody>
-      </p:sp>
-      <p:sp>
-        <p:nvSpPr>
-          <p:cNvPr id="4" name="Номер слайда 3">
-            <a:extLst>
-              <a:ext uri="{FF2B5EF4-FFF2-40B4-BE49-F238E27FC236}">
-                <a16:creationId xmlns:a16="http://schemas.microsoft.com/office/drawing/2014/main" id="{8B490247-C3DE-4E64-3994-77CF364D4A23}"/>
-              </a:ext>
-            </a:extLst>
-          </p:cNvPr>
-          <p:cNvSpPr>
-            <a:spLocks noGrp="1"/>
-          </p:cNvSpPr>
-          <p:nvPr>
-            <p:ph type="sldNum" sz="quarter" idx="12"/>
-          </p:nvPr>
-        </p:nvSpPr>
-        <p:spPr/>
-        <p:txBody>
-          <a:bodyPr/>
-          <a:lstStyle/>
-          <a:p>
-            <a:fld id="{12AFF886-F040-4FA5-8BD0-0A595B4BDA00}" type="slidenum">
-              <a:rPr lang="ru-RU" smtClean="0"/>
-              <a:t>22</a:t>
-            </a:fld>
-            <a:endParaRPr lang="ru-RU"/>
-          </a:p>
-        </p:txBody>
-      </p:sp>
-      <p:sp>
-        <p:nvSpPr>
-          <p:cNvPr id="13" name="Объект 2">
-            <a:extLst>
-              <a:ext uri="{FF2B5EF4-FFF2-40B4-BE49-F238E27FC236}">
-                <a16:creationId xmlns:a16="http://schemas.microsoft.com/office/drawing/2014/main" id="{9F2EE8E7-90F4-BC50-0F9D-CEF973711876}"/>
-              </a:ext>
-            </a:extLst>
-          </p:cNvPr>
-          <p:cNvSpPr txBox="1">
-            <a:spLocks/>
-          </p:cNvSpPr>
-          <p:nvPr/>
-        </p:nvSpPr>
-        <p:spPr>
-          <a:xfrm>
-            <a:off x="231492" y="1008185"/>
-            <a:ext cx="6227923" cy="668215"/>
-          </a:xfrm>
-          <a:prstGeom prst="rect">
-            <a:avLst/>
-          </a:prstGeom>
-        </p:spPr>
-        <p:txBody>
-          <a:bodyPr vert="horz" lIns="91440" tIns="45720" rIns="91440" bIns="45720" rtlCol="0">
-            <a:normAutofit/>
-          </a:bodyPr>
-          <a:lstStyle>
-            <a:lvl1pPr marL="182880" indent="-182880" algn="l" defTabSz="914400" rtl="0" eaLnBrk="1" latinLnBrk="0" hangingPunct="1">
-              <a:lnSpc>
-                <a:spcPct val="95000"/>
-              </a:lnSpc>
-              <a:spcBef>
-                <a:spcPts val="1400"/>
-              </a:spcBef>
-              <a:spcAft>
-                <a:spcPts val="200"/>
-              </a:spcAft>
-              <a:buClr>
-                <a:schemeClr val="accent1"/>
-              </a:buClr>
-              <a:buSzPct val="80000"/>
-              <a:buFont typeface="Arial" pitchFamily="34" charset="0"/>
-              <a:buChar char="•"/>
-              <a:defRPr sz="1800" kern="1200" spc="10" baseline="0">
-                <a:solidFill>
-                  <a:schemeClr val="tx1"/>
-                </a:solidFill>
-                <a:latin typeface="+mn-lt"/>
-                <a:ea typeface="+mn-ea"/>
-                <a:cs typeface="+mn-cs"/>
-              </a:defRPr>
-            </a:lvl1pPr>
-            <a:lvl2pPr marL="457200" indent="-182880" algn="l" defTabSz="914400" rtl="0" eaLnBrk="1" latinLnBrk="0" hangingPunct="1">
-              <a:lnSpc>
-                <a:spcPct val="90000"/>
-              </a:lnSpc>
-              <a:spcBef>
-                <a:spcPts val="300"/>
-              </a:spcBef>
-              <a:spcAft>
-                <a:spcPts val="300"/>
-              </a:spcAft>
-              <a:buClr>
-                <a:schemeClr val="accent1"/>
-              </a:buClr>
-              <a:buFont typeface="Wingdings 2" pitchFamily="18" charset="2"/>
-              <a:buChar char=""/>
-              <a:defRPr sz="1600" kern="1200">
-                <a:solidFill>
-                  <a:schemeClr val="tx1">
-                    <a:lumMod val="85000"/>
-                    <a:lumOff val="15000"/>
-                  </a:schemeClr>
-                </a:solidFill>
-                <a:latin typeface="+mn-lt"/>
-                <a:ea typeface="+mn-ea"/>
-                <a:cs typeface="+mn-cs"/>
-              </a:defRPr>
-            </a:lvl2pPr>
-            <a:lvl3pPr marL="731520" indent="-182880" algn="l" defTabSz="914400" rtl="0" eaLnBrk="1" latinLnBrk="0" hangingPunct="1">
-              <a:lnSpc>
-                <a:spcPct val="90000"/>
-              </a:lnSpc>
-              <a:spcBef>
-                <a:spcPts val="300"/>
-              </a:spcBef>
-              <a:spcAft>
-                <a:spcPts val="300"/>
-              </a:spcAft>
-              <a:buClr>
-                <a:schemeClr val="accent1"/>
-              </a:buClr>
-              <a:buFont typeface="Wingdings 2" pitchFamily="18" charset="2"/>
-              <a:buChar char=""/>
-              <a:defRPr sz="1400" kern="1200">
-                <a:solidFill>
-                  <a:schemeClr val="tx1">
-                    <a:lumMod val="85000"/>
-                    <a:lumOff val="15000"/>
-                  </a:schemeClr>
-                </a:solidFill>
-                <a:latin typeface="+mn-lt"/>
-                <a:ea typeface="+mn-ea"/>
-                <a:cs typeface="+mn-cs"/>
-              </a:defRPr>
-            </a:lvl3pPr>
-            <a:lvl4pPr marL="1005840" indent="-182880" algn="l" defTabSz="914400" rtl="0" eaLnBrk="1" latinLnBrk="0" hangingPunct="1">
-              <a:lnSpc>
-                <a:spcPct val="90000"/>
-              </a:lnSpc>
-              <a:spcBef>
-                <a:spcPts val="300"/>
-              </a:spcBef>
-              <a:spcAft>
-                <a:spcPts val="300"/>
-              </a:spcAft>
-              <a:buClr>
-                <a:schemeClr val="accent1"/>
-              </a:buClr>
-              <a:buFont typeface="Wingdings 2" pitchFamily="18" charset="2"/>
-              <a:buChar char=""/>
-              <a:defRPr sz="1400" kern="1200">
-                <a:solidFill>
-                  <a:schemeClr val="tx1">
-                    <a:lumMod val="85000"/>
-                    <a:lumOff val="15000"/>
-                  </a:schemeClr>
-                </a:solidFill>
-                <a:latin typeface="+mn-lt"/>
-                <a:ea typeface="+mn-ea"/>
-                <a:cs typeface="+mn-cs"/>
-              </a:defRPr>
-            </a:lvl4pPr>
-            <a:lvl5pPr marL="1280160" indent="-182880" algn="l" defTabSz="914400" rtl="0" eaLnBrk="1" latinLnBrk="0" hangingPunct="1">
-              <a:lnSpc>
-                <a:spcPct val="90000"/>
-              </a:lnSpc>
-              <a:spcBef>
-                <a:spcPts val="300"/>
-              </a:spcBef>
-              <a:spcAft>
-                <a:spcPts val="300"/>
-              </a:spcAft>
-              <a:buClr>
-                <a:schemeClr val="accent1"/>
-              </a:buClr>
-              <a:buFont typeface="Wingdings 2" pitchFamily="18" charset="2"/>
-              <a:buChar char=""/>
-              <a:defRPr sz="1400" kern="1200">
-                <a:solidFill>
-                  <a:schemeClr val="tx1">
-                    <a:lumMod val="85000"/>
-                    <a:lumOff val="15000"/>
-                  </a:schemeClr>
-                </a:solidFill>
-                <a:latin typeface="+mn-lt"/>
-                <a:ea typeface="+mn-ea"/>
-                <a:cs typeface="+mn-cs"/>
-              </a:defRPr>
-            </a:lvl5pPr>
-            <a:lvl6pPr marL="1600000" indent="-228600" algn="l" defTabSz="914400" rtl="0" eaLnBrk="1" latinLnBrk="0" hangingPunct="1">
-              <a:lnSpc>
-                <a:spcPct val="90000"/>
-              </a:lnSpc>
-              <a:spcBef>
-                <a:spcPts val="300"/>
-              </a:spcBef>
-              <a:spcAft>
-                <a:spcPts val="300"/>
-              </a:spcAft>
-              <a:buClr>
-                <a:schemeClr val="accent1"/>
-              </a:buClr>
-              <a:buFont typeface="Wingdings 2" pitchFamily="18" charset="2"/>
-              <a:buChar char=""/>
-              <a:defRPr sz="1400" kern="1200">
-                <a:solidFill>
-                  <a:schemeClr val="tx1">
-                    <a:lumMod val="85000"/>
-                    <a:lumOff val="15000"/>
-                  </a:schemeClr>
-                </a:solidFill>
-                <a:latin typeface="+mn-lt"/>
-                <a:ea typeface="+mn-ea"/>
-                <a:cs typeface="+mn-cs"/>
-              </a:defRPr>
-            </a:lvl6pPr>
-            <a:lvl7pPr marL="1900000" indent="-228600" algn="l" defTabSz="914400" rtl="0" eaLnBrk="1" latinLnBrk="0" hangingPunct="1">
-              <a:lnSpc>
-                <a:spcPct val="90000"/>
-              </a:lnSpc>
-              <a:spcBef>
-                <a:spcPts val="300"/>
-              </a:spcBef>
-              <a:spcAft>
-                <a:spcPts val="300"/>
-              </a:spcAft>
-              <a:buClr>
-                <a:schemeClr val="accent1"/>
-              </a:buClr>
-              <a:buFont typeface="Wingdings 2" pitchFamily="18" charset="2"/>
-              <a:buChar char=""/>
-              <a:defRPr sz="1400" kern="1200">
-                <a:solidFill>
-                  <a:schemeClr val="tx1">
-                    <a:lumMod val="85000"/>
-                    <a:lumOff val="15000"/>
-                  </a:schemeClr>
-                </a:solidFill>
-                <a:latin typeface="+mn-lt"/>
-                <a:ea typeface="+mn-ea"/>
-                <a:cs typeface="+mn-cs"/>
-              </a:defRPr>
-            </a:lvl7pPr>
-            <a:lvl8pPr marL="2200000" indent="-228600" algn="l" defTabSz="914400" rtl="0" eaLnBrk="1" latinLnBrk="0" hangingPunct="1">
-              <a:lnSpc>
-                <a:spcPct val="90000"/>
-              </a:lnSpc>
-              <a:spcBef>
-                <a:spcPts val="300"/>
-              </a:spcBef>
-              <a:spcAft>
-                <a:spcPts val="300"/>
-              </a:spcAft>
-              <a:buClr>
-                <a:schemeClr val="accent1"/>
-              </a:buClr>
-              <a:buFont typeface="Wingdings 2" pitchFamily="18" charset="2"/>
-              <a:buChar char=""/>
-              <a:defRPr sz="1400" kern="1200">
-                <a:solidFill>
-                  <a:schemeClr val="tx1">
-                    <a:lumMod val="85000"/>
-                    <a:lumOff val="15000"/>
-                  </a:schemeClr>
-                </a:solidFill>
-                <a:latin typeface="+mn-lt"/>
-                <a:ea typeface="+mn-ea"/>
-                <a:cs typeface="+mn-cs"/>
-              </a:defRPr>
-            </a:lvl8pPr>
-            <a:lvl9pPr marL="2500000" indent="-228600" algn="l" defTabSz="914400" rtl="0" eaLnBrk="1" latinLnBrk="0" hangingPunct="1">
-              <a:lnSpc>
-                <a:spcPct val="90000"/>
-              </a:lnSpc>
-              <a:spcBef>
-                <a:spcPts val="300"/>
-              </a:spcBef>
-              <a:spcAft>
-                <a:spcPts val="300"/>
-              </a:spcAft>
-              <a:buClr>
-                <a:schemeClr val="accent1"/>
-              </a:buClr>
-              <a:buFont typeface="Wingdings 2" pitchFamily="18" charset="2"/>
-              <a:buChar char=""/>
-              <a:defRPr sz="1400" kern="1200">
-                <a:solidFill>
-                  <a:schemeClr val="tx1">
-                    <a:lumMod val="85000"/>
-                    <a:lumOff val="15000"/>
-                  </a:schemeClr>
-                </a:solidFill>
-                <a:latin typeface="+mn-lt"/>
-                <a:ea typeface="+mn-ea"/>
-                <a:cs typeface="+mn-cs"/>
-              </a:defRPr>
-            </a:lvl9pPr>
-          </a:lstStyle>
-          <a:p>
-            <a:pPr marL="0" indent="0">
-              <a:lnSpc>
-                <a:spcPct val="100000"/>
-              </a:lnSpc>
-              <a:buFont typeface="Arial" pitchFamily="34" charset="0"/>
-              <a:buNone/>
-            </a:pPr>
-            <a:r>
-              <a:rPr lang="en-US" sz="2400" dirty="0">
-                <a:latin typeface="Segoe UI" panose="020B0502040204020203" pitchFamily="34" charset="0"/>
-                <a:cs typeface="Segoe UI" panose="020B0502040204020203" pitchFamily="34" charset="0"/>
-              </a:rPr>
-              <a:t>CP-OFDM / </a:t>
-            </a:r>
-            <a:r>
-              <a:rPr lang="ru-RU" sz="2400" dirty="0">
-                <a:latin typeface="Segoe UI" panose="020B0502040204020203" pitchFamily="34" charset="0"/>
-                <a:cs typeface="Segoe UI" panose="020B0502040204020203" pitchFamily="34" charset="0"/>
-              </a:rPr>
-              <a:t>10</a:t>
-            </a:r>
-            <a:r>
-              <a:rPr lang="en-US" sz="2400" dirty="0">
-                <a:latin typeface="Segoe UI" panose="020B0502040204020203" pitchFamily="34" charset="0"/>
-                <a:cs typeface="Segoe UI" panose="020B0502040204020203" pitchFamily="34" charset="0"/>
-              </a:rPr>
-              <a:t>0-</a:t>
-            </a:r>
-            <a:r>
-              <a:rPr lang="ru-RU" sz="2400" dirty="0">
-                <a:latin typeface="Segoe UI" panose="020B0502040204020203" pitchFamily="34" charset="0"/>
-                <a:cs typeface="Segoe UI" panose="020B0502040204020203" pitchFamily="34" charset="0"/>
-              </a:rPr>
-              <a:t>20</a:t>
-            </a:r>
-            <a:r>
-              <a:rPr lang="en-US" sz="2400" dirty="0">
-                <a:latin typeface="Segoe UI" panose="020B0502040204020203" pitchFamily="34" charset="0"/>
-                <a:cs typeface="Segoe UI" panose="020B0502040204020203" pitchFamily="34" charset="0"/>
-              </a:rPr>
-              <a:t>0 </a:t>
-            </a:r>
-            <a:r>
-              <a:rPr lang="ru-RU" sz="2400" dirty="0">
-                <a:latin typeface="Segoe UI" panose="020B0502040204020203" pitchFamily="34" charset="0"/>
-                <a:cs typeface="Segoe UI" panose="020B0502040204020203" pitchFamily="34" charset="0"/>
-              </a:rPr>
-              <a:t>ГГц / </a:t>
-            </a:r>
-            <a:r>
-              <a:rPr lang="en-US" sz="2400" dirty="0">
-                <a:latin typeface="Segoe UI" panose="020B0502040204020203" pitchFamily="34" charset="0"/>
-                <a:cs typeface="Segoe UI" panose="020B0502040204020203" pitchFamily="34" charset="0"/>
-              </a:rPr>
-              <a:t>SCS 120 </a:t>
-            </a:r>
-            <a:r>
-              <a:rPr lang="ru-RU" sz="2400" dirty="0">
-                <a:latin typeface="Segoe UI" panose="020B0502040204020203" pitchFamily="34" charset="0"/>
-                <a:cs typeface="Segoe UI" panose="020B0502040204020203" pitchFamily="34" charset="0"/>
-              </a:rPr>
-              <a:t>кГц</a:t>
-            </a:r>
-          </a:p>
-        </p:txBody>
-      </p:sp>
-      <p:pic>
-        <p:nvPicPr>
-          <p:cNvPr id="5" name="Рисунок 4">
-            <a:extLst>
-              <a:ext uri="{FF2B5EF4-FFF2-40B4-BE49-F238E27FC236}">
-                <a16:creationId xmlns:a16="http://schemas.microsoft.com/office/drawing/2014/main" id="{1340A1AB-CCFB-0BEE-4350-73BCAC426DF8}"/>
-              </a:ext>
-            </a:extLst>
-          </p:cNvPr>
-          <p:cNvPicPr>
-            <a:picLocks noChangeAspect="1"/>
-          </p:cNvPicPr>
-          <p:nvPr/>
-        </p:nvPicPr>
-        <p:blipFill rotWithShape="1">
-          <a:blip r:embed="rId2">
-            <a:extLst>
-              <a:ext uri="{28A0092B-C50C-407E-A947-70E740481C1C}">
-                <a14:useLocalDpi xmlns:a14="http://schemas.microsoft.com/office/drawing/2010/main" val="0"/>
-              </a:ext>
-            </a:extLst>
-          </a:blip>
-          <a:srcRect r="7443"/>
-          <a:stretch/>
-        </p:blipFill>
-        <p:spPr>
-          <a:xfrm>
-            <a:off x="2455726" y="1731638"/>
-            <a:ext cx="5764350" cy="4669162"/>
-          </a:xfrm>
-          <a:prstGeom prst="rect">
-            <a:avLst/>
-          </a:prstGeom>
-        </p:spPr>
-      </p:pic>
-      <p:sp>
-        <p:nvSpPr>
-          <p:cNvPr id="6" name="Объект 2">
-            <a:extLst>
-              <a:ext uri="{FF2B5EF4-FFF2-40B4-BE49-F238E27FC236}">
-                <a16:creationId xmlns:a16="http://schemas.microsoft.com/office/drawing/2014/main" id="{8747799B-6D3A-9D66-CF0E-5EA460FEAB23}"/>
-              </a:ext>
-            </a:extLst>
-          </p:cNvPr>
-          <p:cNvSpPr txBox="1">
-            <a:spLocks/>
-          </p:cNvSpPr>
-          <p:nvPr/>
-        </p:nvSpPr>
-        <p:spPr>
-          <a:xfrm>
-            <a:off x="231492" y="1575703"/>
-            <a:ext cx="2635534" cy="4825097"/>
-          </a:xfrm>
-          <a:prstGeom prst="rect">
-            <a:avLst/>
-          </a:prstGeom>
-        </p:spPr>
-        <p:txBody>
-          <a:bodyPr vert="horz" lIns="91440" tIns="45720" rIns="91440" bIns="45720" rtlCol="0">
-            <a:normAutofit/>
-          </a:bodyPr>
-          <a:lstStyle>
-            <a:lvl1pPr marL="182880" indent="-182880" algn="l" defTabSz="914400" rtl="0" eaLnBrk="1" latinLnBrk="0" hangingPunct="1">
-              <a:lnSpc>
-                <a:spcPct val="95000"/>
-              </a:lnSpc>
-              <a:spcBef>
-                <a:spcPts val="1400"/>
-              </a:spcBef>
-              <a:spcAft>
-                <a:spcPts val="200"/>
-              </a:spcAft>
-              <a:buClr>
-                <a:schemeClr val="accent1"/>
-              </a:buClr>
-              <a:buSzPct val="80000"/>
-              <a:buFont typeface="Arial" pitchFamily="34" charset="0"/>
-              <a:buChar char="•"/>
-              <a:defRPr sz="1800" kern="1200" spc="10" baseline="0">
-                <a:solidFill>
-                  <a:schemeClr val="tx1"/>
-                </a:solidFill>
-                <a:latin typeface="+mn-lt"/>
-                <a:ea typeface="+mn-ea"/>
-                <a:cs typeface="+mn-cs"/>
-              </a:defRPr>
-            </a:lvl1pPr>
-            <a:lvl2pPr marL="457200" indent="-182880" algn="l" defTabSz="914400" rtl="0" eaLnBrk="1" latinLnBrk="0" hangingPunct="1">
-              <a:lnSpc>
-                <a:spcPct val="90000"/>
-              </a:lnSpc>
-              <a:spcBef>
-                <a:spcPts val="300"/>
-              </a:spcBef>
-              <a:spcAft>
-                <a:spcPts val="300"/>
-              </a:spcAft>
-              <a:buClr>
-                <a:schemeClr val="accent1"/>
-              </a:buClr>
-              <a:buFont typeface="Wingdings 2" pitchFamily="18" charset="2"/>
-              <a:buChar char=""/>
-              <a:defRPr sz="1600" kern="1200">
-                <a:solidFill>
-                  <a:schemeClr val="tx1">
-                    <a:lumMod val="85000"/>
-                    <a:lumOff val="15000"/>
-                  </a:schemeClr>
-                </a:solidFill>
-                <a:latin typeface="+mn-lt"/>
-                <a:ea typeface="+mn-ea"/>
-                <a:cs typeface="+mn-cs"/>
-              </a:defRPr>
-            </a:lvl2pPr>
-            <a:lvl3pPr marL="731520" indent="-182880" algn="l" defTabSz="914400" rtl="0" eaLnBrk="1" latinLnBrk="0" hangingPunct="1">
-              <a:lnSpc>
-                <a:spcPct val="90000"/>
-              </a:lnSpc>
-              <a:spcBef>
-                <a:spcPts val="300"/>
-              </a:spcBef>
-              <a:spcAft>
-                <a:spcPts val="300"/>
-              </a:spcAft>
-              <a:buClr>
-                <a:schemeClr val="accent1"/>
-              </a:buClr>
-              <a:buFont typeface="Wingdings 2" pitchFamily="18" charset="2"/>
-              <a:buChar char=""/>
-              <a:defRPr sz="1400" kern="1200">
-                <a:solidFill>
-                  <a:schemeClr val="tx1">
-                    <a:lumMod val="85000"/>
-                    <a:lumOff val="15000"/>
-                  </a:schemeClr>
-                </a:solidFill>
-                <a:latin typeface="+mn-lt"/>
-                <a:ea typeface="+mn-ea"/>
-                <a:cs typeface="+mn-cs"/>
-              </a:defRPr>
-            </a:lvl3pPr>
-            <a:lvl4pPr marL="1005840" indent="-182880" algn="l" defTabSz="914400" rtl="0" eaLnBrk="1" latinLnBrk="0" hangingPunct="1">
-              <a:lnSpc>
-                <a:spcPct val="90000"/>
-              </a:lnSpc>
-              <a:spcBef>
-                <a:spcPts val="300"/>
-              </a:spcBef>
-              <a:spcAft>
-                <a:spcPts val="300"/>
-              </a:spcAft>
-              <a:buClr>
-                <a:schemeClr val="accent1"/>
-              </a:buClr>
-              <a:buFont typeface="Wingdings 2" pitchFamily="18" charset="2"/>
-              <a:buChar char=""/>
-              <a:defRPr sz="1400" kern="1200">
-                <a:solidFill>
-                  <a:schemeClr val="tx1">
-                    <a:lumMod val="85000"/>
-                    <a:lumOff val="15000"/>
-                  </a:schemeClr>
-                </a:solidFill>
-                <a:latin typeface="+mn-lt"/>
-                <a:ea typeface="+mn-ea"/>
-                <a:cs typeface="+mn-cs"/>
-              </a:defRPr>
-            </a:lvl4pPr>
-            <a:lvl5pPr marL="1280160" indent="-182880" algn="l" defTabSz="914400" rtl="0" eaLnBrk="1" latinLnBrk="0" hangingPunct="1">
-              <a:lnSpc>
-                <a:spcPct val="90000"/>
-              </a:lnSpc>
-              <a:spcBef>
-                <a:spcPts val="300"/>
-              </a:spcBef>
-              <a:spcAft>
-                <a:spcPts val="300"/>
-              </a:spcAft>
-              <a:buClr>
-                <a:schemeClr val="accent1"/>
-              </a:buClr>
-              <a:buFont typeface="Wingdings 2" pitchFamily="18" charset="2"/>
-              <a:buChar char=""/>
-              <a:defRPr sz="1400" kern="1200">
-                <a:solidFill>
-                  <a:schemeClr val="tx1">
-                    <a:lumMod val="85000"/>
-                    <a:lumOff val="15000"/>
-                  </a:schemeClr>
-                </a:solidFill>
-                <a:latin typeface="+mn-lt"/>
-                <a:ea typeface="+mn-ea"/>
-                <a:cs typeface="+mn-cs"/>
-              </a:defRPr>
-            </a:lvl5pPr>
-            <a:lvl6pPr marL="1600000" indent="-228600" algn="l" defTabSz="914400" rtl="0" eaLnBrk="1" latinLnBrk="0" hangingPunct="1">
-              <a:lnSpc>
-                <a:spcPct val="90000"/>
-              </a:lnSpc>
-              <a:spcBef>
-                <a:spcPts val="300"/>
-              </a:spcBef>
-              <a:spcAft>
-                <a:spcPts val="300"/>
-              </a:spcAft>
-              <a:buClr>
-                <a:schemeClr val="accent1"/>
-              </a:buClr>
-              <a:buFont typeface="Wingdings 2" pitchFamily="18" charset="2"/>
-              <a:buChar char=""/>
-              <a:defRPr sz="1400" kern="1200">
-                <a:solidFill>
-                  <a:schemeClr val="tx1">
-                    <a:lumMod val="85000"/>
-                    <a:lumOff val="15000"/>
-                  </a:schemeClr>
-                </a:solidFill>
-                <a:latin typeface="+mn-lt"/>
-                <a:ea typeface="+mn-ea"/>
-                <a:cs typeface="+mn-cs"/>
-              </a:defRPr>
-            </a:lvl6pPr>
-            <a:lvl7pPr marL="1900000" indent="-228600" algn="l" defTabSz="914400" rtl="0" eaLnBrk="1" latinLnBrk="0" hangingPunct="1">
-              <a:lnSpc>
-                <a:spcPct val="90000"/>
-              </a:lnSpc>
-              <a:spcBef>
-                <a:spcPts val="300"/>
-              </a:spcBef>
-              <a:spcAft>
-                <a:spcPts val="300"/>
-              </a:spcAft>
-              <a:buClr>
-                <a:schemeClr val="accent1"/>
-              </a:buClr>
-              <a:buFont typeface="Wingdings 2" pitchFamily="18" charset="2"/>
-              <a:buChar char=""/>
-              <a:defRPr sz="1400" kern="1200">
-                <a:solidFill>
-                  <a:schemeClr val="tx1">
-                    <a:lumMod val="85000"/>
-                    <a:lumOff val="15000"/>
-                  </a:schemeClr>
-                </a:solidFill>
-                <a:latin typeface="+mn-lt"/>
-                <a:ea typeface="+mn-ea"/>
-                <a:cs typeface="+mn-cs"/>
-              </a:defRPr>
-            </a:lvl7pPr>
-            <a:lvl8pPr marL="2200000" indent="-228600" algn="l" defTabSz="914400" rtl="0" eaLnBrk="1" latinLnBrk="0" hangingPunct="1">
-              <a:lnSpc>
-                <a:spcPct val="90000"/>
-              </a:lnSpc>
-              <a:spcBef>
-                <a:spcPts val="300"/>
-              </a:spcBef>
-              <a:spcAft>
-                <a:spcPts val="300"/>
-              </a:spcAft>
-              <a:buClr>
-                <a:schemeClr val="accent1"/>
-              </a:buClr>
-              <a:buFont typeface="Wingdings 2" pitchFamily="18" charset="2"/>
-              <a:buChar char=""/>
-              <a:defRPr sz="1400" kern="1200">
-                <a:solidFill>
-                  <a:schemeClr val="tx1">
-                    <a:lumMod val="85000"/>
-                    <a:lumOff val="15000"/>
-                  </a:schemeClr>
-                </a:solidFill>
-                <a:latin typeface="+mn-lt"/>
-                <a:ea typeface="+mn-ea"/>
-                <a:cs typeface="+mn-cs"/>
-              </a:defRPr>
-            </a:lvl8pPr>
-            <a:lvl9pPr marL="2500000" indent="-228600" algn="l" defTabSz="914400" rtl="0" eaLnBrk="1" latinLnBrk="0" hangingPunct="1">
-              <a:lnSpc>
-                <a:spcPct val="90000"/>
-              </a:lnSpc>
-              <a:spcBef>
-                <a:spcPts val="300"/>
-              </a:spcBef>
-              <a:spcAft>
-                <a:spcPts val="300"/>
-              </a:spcAft>
-              <a:buClr>
-                <a:schemeClr val="accent1"/>
-              </a:buClr>
-              <a:buFont typeface="Wingdings 2" pitchFamily="18" charset="2"/>
-              <a:buChar char=""/>
-              <a:defRPr sz="1400" kern="1200">
-                <a:solidFill>
-                  <a:schemeClr val="tx1">
-                    <a:lumMod val="85000"/>
-                    <a:lumOff val="15000"/>
-                  </a:schemeClr>
-                </a:solidFill>
-                <a:latin typeface="+mn-lt"/>
-                <a:ea typeface="+mn-ea"/>
-                <a:cs typeface="+mn-cs"/>
-              </a:defRPr>
-            </a:lvl9pPr>
-          </a:lstStyle>
-          <a:p>
-            <a:pPr marL="0" indent="0">
-              <a:buFont typeface="Arial" pitchFamily="34" charset="0"/>
-              <a:buNone/>
-            </a:pPr>
-            <a:r>
-              <a:rPr lang="ru-RU" dirty="0">
-                <a:latin typeface="Segoe UI" panose="020B0502040204020203" pitchFamily="34" charset="0"/>
-                <a:cs typeface="Segoe UI" panose="020B0502040204020203" pitchFamily="34" charset="0"/>
-              </a:rPr>
-              <a:t>В случае </a:t>
-            </a:r>
-            <a:r>
-              <a:rPr lang="en-US" dirty="0">
-                <a:latin typeface="Segoe UI" panose="020B0502040204020203" pitchFamily="34" charset="0"/>
-                <a:cs typeface="Segoe UI" panose="020B0502040204020203" pitchFamily="34" charset="0"/>
-              </a:rPr>
-              <a:t>OFDM </a:t>
-            </a:r>
-            <a:r>
-              <a:rPr lang="ru-RU" dirty="0">
-                <a:latin typeface="Segoe UI" panose="020B0502040204020203" pitchFamily="34" charset="0"/>
-                <a:cs typeface="Segoe UI" panose="020B0502040204020203" pitchFamily="34" charset="0"/>
-              </a:rPr>
-              <a:t>сигнала искажения еще хуже.</a:t>
-            </a:r>
-          </a:p>
-          <a:p>
-            <a:pPr marL="0" indent="0">
-              <a:buFont typeface="Arial" pitchFamily="34" charset="0"/>
-              <a:buNone/>
-            </a:pPr>
-            <a:r>
-              <a:rPr lang="ru-RU" dirty="0">
-                <a:latin typeface="Segoe UI" panose="020B0502040204020203" pitchFamily="34" charset="0"/>
-                <a:cs typeface="Segoe UI" panose="020B0502040204020203" pitchFamily="34" charset="0"/>
-              </a:rPr>
-              <a:t>Для </a:t>
-            </a:r>
-            <a:r>
-              <a:rPr lang="en-GB" dirty="0">
-                <a:latin typeface="Segoe UI" panose="020B0502040204020203" pitchFamily="34" charset="0"/>
-                <a:cs typeface="Segoe UI" panose="020B0502040204020203" pitchFamily="34" charset="0"/>
-              </a:rPr>
-              <a:t>MCS 27 </a:t>
-            </a:r>
-            <a:r>
-              <a:rPr lang="ru-RU" dirty="0">
-                <a:latin typeface="Segoe UI" panose="020B0502040204020203" pitchFamily="34" charset="0"/>
-                <a:cs typeface="Segoe UI" panose="020B0502040204020203" pitchFamily="34" charset="0"/>
-              </a:rPr>
-              <a:t>информация практически не восстановлена.</a:t>
-            </a:r>
-          </a:p>
-          <a:p>
-            <a:pPr marL="0" indent="0">
-              <a:buFont typeface="Arial" pitchFamily="34" charset="0"/>
-              <a:buNone/>
-            </a:pPr>
-            <a:r>
-              <a:rPr lang="ru-RU" dirty="0">
-                <a:latin typeface="Segoe UI" panose="020B0502040204020203" pitchFamily="34" charset="0"/>
-                <a:cs typeface="Segoe UI" panose="020B0502040204020203" pitchFamily="34" charset="0"/>
-              </a:rPr>
-              <a:t>Для </a:t>
-            </a:r>
-            <a:r>
-              <a:rPr lang="en-GB" dirty="0">
-                <a:latin typeface="Segoe UI" panose="020B0502040204020203" pitchFamily="34" charset="0"/>
-                <a:cs typeface="Segoe UI" panose="020B0502040204020203" pitchFamily="34" charset="0"/>
-              </a:rPr>
-              <a:t>MCS 22 </a:t>
-            </a:r>
-            <a:r>
-              <a:rPr lang="ru-RU" dirty="0">
-                <a:latin typeface="Segoe UI" panose="020B0502040204020203" pitchFamily="34" charset="0"/>
-                <a:cs typeface="Segoe UI" panose="020B0502040204020203" pitchFamily="34" charset="0"/>
-              </a:rPr>
-              <a:t>наблюдается увеличение искажений, при этом компенсация улучшает результат сдвигая кривую на 3-5 дБ</a:t>
-            </a:r>
-          </a:p>
-        </p:txBody>
-      </p:sp>
-    </p:spTree>
-    <p:extLst>
-      <p:ext uri="{BB962C8B-B14F-4D97-AF65-F5344CB8AC3E}">
-        <p14:creationId xmlns:p14="http://schemas.microsoft.com/office/powerpoint/2010/main" val="4233144835"/>
-      </p:ext>
-    </p:extLst>
-  </p:cSld>
-  <p:clrMapOvr>
-    <a:masterClrMapping/>
-  </p:clrMapOvr>
-</p:sld>
-</file>
-
-<file path=ppt/slides/slide23.xml><?xml version="1.0" encoding="utf-8"?>
+<file path=ppt/slides/slide27.xml><?xml version="1.0" encoding="utf-8"?>
 <p:sld xmlns:a="http://schemas.openxmlformats.org/drawingml/2006/main" xmlns:r="http://schemas.openxmlformats.org/officeDocument/2006/relationships" xmlns:p="http://schemas.openxmlformats.org/presentationml/2006/main">
   <p:cSld>
     <p:spTree>
@@ -15500,7 +16058,7 @@
           <a:p>
             <a:fld id="{12AFF886-F040-4FA5-8BD0-0A595B4BDA00}" type="slidenum">
               <a:rPr lang="ru-RU" smtClean="0"/>
-              <a:t>23</a:t>
+              <a:t>27</a:t>
             </a:fld>
             <a:endParaRPr lang="ru-RU"/>
           </a:p>
@@ -15935,7 +16493,7 @@
 </p:sld>
 </file>
 
-<file path=ppt/slides/slide24.xml><?xml version="1.0" encoding="utf-8"?>
+<file path=ppt/slides/slide28.xml><?xml version="1.0" encoding="utf-8"?>
 <p:sld xmlns:a="http://schemas.openxmlformats.org/drawingml/2006/main" xmlns:r="http://schemas.openxmlformats.org/officeDocument/2006/relationships" xmlns:p="http://schemas.openxmlformats.org/presentationml/2006/main">
   <p:cSld>
     <p:spTree>
@@ -16047,7 +16605,7 @@
           <a:p>
             <a:fld id="{12AFF886-F040-4FA5-8BD0-0A595B4BDA00}" type="slidenum">
               <a:rPr lang="ru-RU" smtClean="0"/>
-              <a:t>24</a:t>
+              <a:t>28</a:t>
             </a:fld>
             <a:endParaRPr lang="ru-RU"/>
           </a:p>
@@ -16446,452 +17004,6 @@
 </p:sld>
 </file>
 
-<file path=ppt/slides/slide25.xml><?xml version="1.0" encoding="utf-8"?>
-<p:sld xmlns:a="http://schemas.openxmlformats.org/drawingml/2006/main" xmlns:r="http://schemas.openxmlformats.org/officeDocument/2006/relationships" xmlns:p="http://schemas.openxmlformats.org/presentationml/2006/main">
-  <p:cSld>
-    <p:spTree>
-      <p:nvGrpSpPr>
-        <p:cNvPr id="1" name=""/>
-        <p:cNvGrpSpPr/>
-        <p:nvPr/>
-      </p:nvGrpSpPr>
-      <p:grpSpPr>
-        <a:xfrm>
-          <a:off x="0" y="0"/>
-          <a:ext cx="0" cy="0"/>
-          <a:chOff x="0" y="0"/>
-          <a:chExt cx="0" cy="0"/>
-        </a:xfrm>
-      </p:grpSpPr>
-      <p:sp>
-        <p:nvSpPr>
-          <p:cNvPr id="2" name="Заголовок 1">
-            <a:extLst>
-              <a:ext uri="{FF2B5EF4-FFF2-40B4-BE49-F238E27FC236}">
-                <a16:creationId xmlns:a16="http://schemas.microsoft.com/office/drawing/2014/main" id="{8BE826D0-5549-D29A-4886-74267A5EE61A}"/>
-              </a:ext>
-            </a:extLst>
-          </p:cNvPr>
-          <p:cNvSpPr>
-            <a:spLocks noGrp="1"/>
-          </p:cNvSpPr>
-          <p:nvPr>
-            <p:ph type="title"/>
-          </p:nvPr>
-        </p:nvSpPr>
-        <p:spPr>
-          <a:xfrm>
-            <a:off x="123444" y="213360"/>
-            <a:ext cx="7269480" cy="1325562"/>
-          </a:xfrm>
-        </p:spPr>
-        <p:txBody>
-          <a:bodyPr anchor="t"/>
-          <a:lstStyle/>
-          <a:p>
-            <a:r>
-              <a:rPr lang="ru-RU" dirty="0">
-                <a:latin typeface="Segoe UI Semibold" panose="020B0702040204020203" pitchFamily="34" charset="0"/>
-                <a:cs typeface="Segoe UI Semibold" panose="020B0702040204020203" pitchFamily="34" charset="0"/>
-              </a:rPr>
-              <a:t>Заключение</a:t>
-            </a:r>
-          </a:p>
-        </p:txBody>
-      </p:sp>
-      <p:sp>
-        <p:nvSpPr>
-          <p:cNvPr id="4" name="Номер слайда 3">
-            <a:extLst>
-              <a:ext uri="{FF2B5EF4-FFF2-40B4-BE49-F238E27FC236}">
-                <a16:creationId xmlns:a16="http://schemas.microsoft.com/office/drawing/2014/main" id="{8B490247-C3DE-4E64-3994-77CF364D4A23}"/>
-              </a:ext>
-            </a:extLst>
-          </p:cNvPr>
-          <p:cNvSpPr>
-            <a:spLocks noGrp="1"/>
-          </p:cNvSpPr>
-          <p:nvPr>
-            <p:ph type="sldNum" sz="quarter" idx="12"/>
-          </p:nvPr>
-        </p:nvSpPr>
-        <p:spPr/>
-        <p:txBody>
-          <a:bodyPr/>
-          <a:lstStyle/>
-          <a:p>
-            <a:fld id="{12AFF886-F040-4FA5-8BD0-0A595B4BDA00}" type="slidenum">
-              <a:rPr lang="ru-RU" smtClean="0"/>
-              <a:t>25</a:t>
-            </a:fld>
-            <a:endParaRPr lang="ru-RU"/>
-          </a:p>
-        </p:txBody>
-      </p:sp>
-      <p:sp>
-        <p:nvSpPr>
-          <p:cNvPr id="9" name="Объект 2">
-            <a:extLst>
-              <a:ext uri="{FF2B5EF4-FFF2-40B4-BE49-F238E27FC236}">
-                <a16:creationId xmlns:a16="http://schemas.microsoft.com/office/drawing/2014/main" id="{492639FA-2F2B-213B-EC04-2DA7F42DC8EC}"/>
-              </a:ext>
-            </a:extLst>
-          </p:cNvPr>
-          <p:cNvSpPr>
-            <a:spLocks noGrp="1"/>
-          </p:cNvSpPr>
-          <p:nvPr>
-            <p:ph idx="1"/>
-          </p:nvPr>
-        </p:nvSpPr>
-        <p:spPr>
-          <a:xfrm>
-            <a:off x="468923" y="1266093"/>
-            <a:ext cx="7751152" cy="5146430"/>
-          </a:xfrm>
-        </p:spPr>
-        <p:txBody>
-          <a:bodyPr>
-            <a:normAutofit/>
-          </a:bodyPr>
-          <a:lstStyle/>
-          <a:p>
-            <a:r>
-              <a:rPr lang="ru-RU" sz="2000" dirty="0">
-                <a:latin typeface="Segoe UI" panose="020B0502040204020203" pitchFamily="34" charset="0"/>
-                <a:cs typeface="Segoe UI" panose="020B0502040204020203" pitchFamily="34" charset="0"/>
-              </a:rPr>
-              <a:t>Исследовано влияние нелинейности усилителя мощности на сигналы </a:t>
-            </a:r>
-            <a:r>
-              <a:rPr lang="en-US" sz="2000" dirty="0">
-                <a:latin typeface="Segoe UI" panose="020B0502040204020203" pitchFamily="34" charset="0"/>
-                <a:cs typeface="Segoe UI" panose="020B0502040204020203" pitchFamily="34" charset="0"/>
-              </a:rPr>
-              <a:t>CP-OFDM</a:t>
-            </a:r>
-            <a:r>
-              <a:rPr lang="ru-RU" sz="2000" dirty="0">
-                <a:latin typeface="Segoe UI" panose="020B0502040204020203" pitchFamily="34" charset="0"/>
-                <a:cs typeface="Segoe UI" panose="020B0502040204020203" pitchFamily="34" charset="0"/>
-              </a:rPr>
-              <a:t>,</a:t>
-            </a:r>
-            <a:r>
-              <a:rPr lang="en-US" sz="2000" dirty="0">
-                <a:latin typeface="Segoe UI" panose="020B0502040204020203" pitchFamily="34" charset="0"/>
-                <a:cs typeface="Segoe UI" panose="020B0502040204020203" pitchFamily="34" charset="0"/>
-              </a:rPr>
-              <a:t> DFT-s-OFDM</a:t>
-            </a:r>
-            <a:endParaRPr lang="en-GB" sz="2000" dirty="0">
-              <a:latin typeface="Segoe UI" panose="020B0502040204020203" pitchFamily="34" charset="0"/>
-              <a:cs typeface="Segoe UI" panose="020B0502040204020203" pitchFamily="34" charset="0"/>
-            </a:endParaRPr>
-          </a:p>
-          <a:p>
-            <a:r>
-              <a:rPr lang="ru-RU" sz="2000" dirty="0">
-                <a:latin typeface="Segoe UI" panose="020B0502040204020203" pitchFamily="34" charset="0"/>
-                <a:cs typeface="Segoe UI" panose="020B0502040204020203" pitchFamily="34" charset="0"/>
-              </a:rPr>
-              <a:t>Подобраны параметры для модели </a:t>
-            </a:r>
-            <a:r>
-              <a:rPr lang="ru-RU" sz="2000" dirty="0" err="1">
-                <a:latin typeface="Segoe UI" panose="020B0502040204020203" pitchFamily="34" charset="0"/>
-                <a:cs typeface="Segoe UI" panose="020B0502040204020203" pitchFamily="34" charset="0"/>
-              </a:rPr>
-              <a:t>Раппа</a:t>
-            </a:r>
-            <a:r>
-              <a:rPr lang="ru-RU" sz="2000" dirty="0">
-                <a:latin typeface="Segoe UI" panose="020B0502040204020203" pitchFamily="34" charset="0"/>
-                <a:cs typeface="Segoe UI" panose="020B0502040204020203" pitchFamily="34" charset="0"/>
-              </a:rPr>
-              <a:t> в диапазоне 100-200 ГГц</a:t>
-            </a:r>
-          </a:p>
-          <a:p>
-            <a:pPr lvl="1"/>
-            <a:r>
-              <a:rPr lang="ru-RU" sz="1800" dirty="0">
-                <a:latin typeface="Segoe UI" panose="020B0502040204020203" pitchFamily="34" charset="0"/>
-                <a:cs typeface="Segoe UI" panose="020B0502040204020203" pitchFamily="34" charset="0"/>
-              </a:rPr>
-              <a:t>В данном диапазоне УМ значительно хуже по сравнению с диапазоном 30-70 ГГц. Искажения более значительны, в некоторых случаях информацию практически невозможно восстановить</a:t>
-            </a:r>
-          </a:p>
-          <a:p>
-            <a:r>
-              <a:rPr lang="ru-RU" sz="2000" dirty="0">
-                <a:latin typeface="Segoe UI" panose="020B0502040204020203" pitchFamily="34" charset="0"/>
-                <a:cs typeface="Segoe UI" panose="020B0502040204020203" pitchFamily="34" charset="0"/>
-              </a:rPr>
-              <a:t>Разработан и реализован в </a:t>
-            </a:r>
-            <a:r>
-              <a:rPr lang="en-US" sz="2000" dirty="0">
-                <a:latin typeface="Segoe UI" panose="020B0502040204020203" pitchFamily="34" charset="0"/>
-                <a:cs typeface="Segoe UI" panose="020B0502040204020203" pitchFamily="34" charset="0"/>
-              </a:rPr>
-              <a:t>LLS </a:t>
-            </a:r>
-            <a:r>
-              <a:rPr lang="ru-RU" sz="2000" dirty="0">
-                <a:latin typeface="Segoe UI" panose="020B0502040204020203" pitchFamily="34" charset="0"/>
-                <a:cs typeface="Segoe UI" panose="020B0502040204020203" pitchFamily="34" charset="0"/>
-              </a:rPr>
-              <a:t>метод компенсации нелинейных искажений усилителя на приемнике</a:t>
-            </a:r>
-          </a:p>
-          <a:p>
-            <a:pPr lvl="1"/>
-            <a:r>
-              <a:rPr lang="ru-RU" sz="1800" dirty="0">
-                <a:latin typeface="Segoe UI" panose="020B0502040204020203" pitchFamily="34" charset="0"/>
-                <a:cs typeface="Segoe UI" panose="020B0502040204020203" pitchFamily="34" charset="0"/>
-              </a:rPr>
-              <a:t>Компенсация выполняется на приемнике, это важно для уменьшения сигнальной обработки на передатчике</a:t>
-            </a:r>
-          </a:p>
-          <a:p>
-            <a:pPr lvl="1"/>
-            <a:r>
-              <a:rPr lang="ru-RU" sz="1800" dirty="0">
-                <a:latin typeface="Segoe UI" panose="020B0502040204020203" pitchFamily="34" charset="0"/>
-                <a:cs typeface="Segoe UI" panose="020B0502040204020203" pitchFamily="34" charset="0"/>
-              </a:rPr>
-              <a:t>Метод способен улучшить производительность системы для обеих моделей усилителя по сравнению со случаем отсутствия компенсации для определенных наборов параметров</a:t>
-            </a:r>
-          </a:p>
-        </p:txBody>
-      </p:sp>
-    </p:spTree>
-    <p:extLst>
-      <p:ext uri="{BB962C8B-B14F-4D97-AF65-F5344CB8AC3E}">
-        <p14:creationId xmlns:p14="http://schemas.microsoft.com/office/powerpoint/2010/main" val="640933074"/>
-      </p:ext>
-    </p:extLst>
-  </p:cSld>
-  <p:clrMapOvr>
-    <a:masterClrMapping/>
-  </p:clrMapOvr>
-</p:sld>
-</file>
-
-<file path=ppt/slides/slide26.xml><?xml version="1.0" encoding="utf-8"?>
-<p:sld xmlns:a="http://schemas.openxmlformats.org/drawingml/2006/main" xmlns:r="http://schemas.openxmlformats.org/officeDocument/2006/relationships" xmlns:p="http://schemas.openxmlformats.org/presentationml/2006/main">
-  <p:cSld>
-    <p:spTree>
-      <p:nvGrpSpPr>
-        <p:cNvPr id="1" name=""/>
-        <p:cNvGrpSpPr/>
-        <p:nvPr/>
-      </p:nvGrpSpPr>
-      <p:grpSpPr>
-        <a:xfrm>
-          <a:off x="0" y="0"/>
-          <a:ext cx="0" cy="0"/>
-          <a:chOff x="0" y="0"/>
-          <a:chExt cx="0" cy="0"/>
-        </a:xfrm>
-      </p:grpSpPr>
-      <p:sp>
-        <p:nvSpPr>
-          <p:cNvPr id="2" name="Заголовок 1">
-            <a:extLst>
-              <a:ext uri="{FF2B5EF4-FFF2-40B4-BE49-F238E27FC236}">
-                <a16:creationId xmlns:a16="http://schemas.microsoft.com/office/drawing/2014/main" id="{8BE826D0-5549-D29A-4886-74267A5EE61A}"/>
-              </a:ext>
-            </a:extLst>
-          </p:cNvPr>
-          <p:cNvSpPr>
-            <a:spLocks noGrp="1"/>
-          </p:cNvSpPr>
-          <p:nvPr>
-            <p:ph type="title"/>
-          </p:nvPr>
-        </p:nvSpPr>
-        <p:spPr>
-          <a:xfrm>
-            <a:off x="828675" y="2385059"/>
-            <a:ext cx="7269480" cy="1834515"/>
-          </a:xfrm>
-        </p:spPr>
-        <p:txBody>
-          <a:bodyPr anchor="t">
-            <a:noAutofit/>
-          </a:bodyPr>
-          <a:lstStyle/>
-          <a:p>
-            <a:pPr algn="ctr"/>
-            <a:r>
-              <a:rPr lang="ru-RU" sz="5400" dirty="0">
-                <a:latin typeface="Segoe UI Semibold" panose="020B0702040204020203" pitchFamily="34" charset="0"/>
-                <a:cs typeface="Segoe UI Semibold" panose="020B0702040204020203" pitchFamily="34" charset="0"/>
-              </a:rPr>
-              <a:t>Спасибо за внимание!</a:t>
-            </a:r>
-          </a:p>
-        </p:txBody>
-      </p:sp>
-      <p:sp>
-        <p:nvSpPr>
-          <p:cNvPr id="4" name="Номер слайда 3">
-            <a:extLst>
-              <a:ext uri="{FF2B5EF4-FFF2-40B4-BE49-F238E27FC236}">
-                <a16:creationId xmlns:a16="http://schemas.microsoft.com/office/drawing/2014/main" id="{8B490247-C3DE-4E64-3994-77CF364D4A23}"/>
-              </a:ext>
-            </a:extLst>
-          </p:cNvPr>
-          <p:cNvSpPr>
-            <a:spLocks noGrp="1"/>
-          </p:cNvSpPr>
-          <p:nvPr>
-            <p:ph type="sldNum" sz="quarter" idx="12"/>
-          </p:nvPr>
-        </p:nvSpPr>
-        <p:spPr/>
-        <p:txBody>
-          <a:bodyPr/>
-          <a:lstStyle/>
-          <a:p>
-            <a:fld id="{12AFF886-F040-4FA5-8BD0-0A595B4BDA00}" type="slidenum">
-              <a:rPr lang="ru-RU" smtClean="0"/>
-              <a:t>26</a:t>
-            </a:fld>
-            <a:endParaRPr lang="ru-RU"/>
-          </a:p>
-        </p:txBody>
-      </p:sp>
-    </p:spTree>
-    <p:extLst>
-      <p:ext uri="{BB962C8B-B14F-4D97-AF65-F5344CB8AC3E}">
-        <p14:creationId xmlns:p14="http://schemas.microsoft.com/office/powerpoint/2010/main" val="2667988670"/>
-      </p:ext>
-    </p:extLst>
-  </p:cSld>
-  <p:clrMapOvr>
-    <a:masterClrMapping/>
-  </p:clrMapOvr>
-</p:sld>
-</file>
-
-<file path=ppt/slides/slide27.xml><?xml version="1.0" encoding="utf-8"?>
-<p:sld xmlns:a="http://schemas.openxmlformats.org/drawingml/2006/main" xmlns:r="http://schemas.openxmlformats.org/officeDocument/2006/relationships" xmlns:p="http://schemas.openxmlformats.org/presentationml/2006/main">
-  <p:cSld>
-    <p:spTree>
-      <p:nvGrpSpPr>
-        <p:cNvPr id="1" name=""/>
-        <p:cNvGrpSpPr/>
-        <p:nvPr/>
-      </p:nvGrpSpPr>
-      <p:grpSpPr>
-        <a:xfrm>
-          <a:off x="0" y="0"/>
-          <a:ext cx="0" cy="0"/>
-          <a:chOff x="0" y="0"/>
-          <a:chExt cx="0" cy="0"/>
-        </a:xfrm>
-      </p:grpSpPr>
-      <p:sp>
-        <p:nvSpPr>
-          <p:cNvPr id="4" name="Номер слайда 3">
-            <a:extLst>
-              <a:ext uri="{FF2B5EF4-FFF2-40B4-BE49-F238E27FC236}">
-                <a16:creationId xmlns:a16="http://schemas.microsoft.com/office/drawing/2014/main" id="{8B490247-C3DE-4E64-3994-77CF364D4A23}"/>
-              </a:ext>
-            </a:extLst>
-          </p:cNvPr>
-          <p:cNvSpPr>
-            <a:spLocks noGrp="1"/>
-          </p:cNvSpPr>
-          <p:nvPr>
-            <p:ph type="sldNum" sz="quarter" idx="12"/>
-          </p:nvPr>
-        </p:nvSpPr>
-        <p:spPr/>
-        <p:txBody>
-          <a:bodyPr/>
-          <a:lstStyle/>
-          <a:p>
-            <a:fld id="{12AFF886-F040-4FA5-8BD0-0A595B4BDA00}" type="slidenum">
-              <a:rPr lang="ru-RU" smtClean="0"/>
-              <a:t>27</a:t>
-            </a:fld>
-            <a:endParaRPr lang="ru-RU"/>
-          </a:p>
-        </p:txBody>
-      </p:sp>
-      <p:sp>
-        <p:nvSpPr>
-          <p:cNvPr id="5" name="Заголовок 4">
-            <a:extLst>
-              <a:ext uri="{FF2B5EF4-FFF2-40B4-BE49-F238E27FC236}">
-                <a16:creationId xmlns:a16="http://schemas.microsoft.com/office/drawing/2014/main" id="{4ABA3548-CC30-7727-FC9F-720C9C840EF9}"/>
-              </a:ext>
-            </a:extLst>
-          </p:cNvPr>
-          <p:cNvSpPr>
-            <a:spLocks noGrp="1"/>
-          </p:cNvSpPr>
-          <p:nvPr>
-            <p:ph type="title"/>
-          </p:nvPr>
-        </p:nvSpPr>
-        <p:spPr/>
-        <p:txBody>
-          <a:bodyPr/>
-          <a:lstStyle/>
-          <a:p>
-            <a:endParaRPr lang="ru-RU"/>
-          </a:p>
-        </p:txBody>
-      </p:sp>
-      <p:pic>
-        <p:nvPicPr>
-          <p:cNvPr id="6" name="Рисунок 5">
-            <a:extLst>
-              <a:ext uri="{FF2B5EF4-FFF2-40B4-BE49-F238E27FC236}">
-                <a16:creationId xmlns:a16="http://schemas.microsoft.com/office/drawing/2014/main" id="{DA5066C8-53B5-2F4E-F17D-F0ACC04473E1}"/>
-              </a:ext>
-            </a:extLst>
-          </p:cNvPr>
-          <p:cNvPicPr>
-            <a:picLocks noChangeAspect="1"/>
-          </p:cNvPicPr>
-          <p:nvPr/>
-        </p:nvPicPr>
-        <p:blipFill>
-          <a:blip r:embed="rId2"/>
-          <a:stretch>
-            <a:fillRect/>
-          </a:stretch>
-        </p:blipFill>
-        <p:spPr>
-          <a:xfrm>
-            <a:off x="3239047" y="1840523"/>
-            <a:ext cx="5064057" cy="4651717"/>
-          </a:xfrm>
-          <a:prstGeom prst="rect">
-            <a:avLst/>
-          </a:prstGeom>
-        </p:spPr>
-      </p:pic>
-    </p:spTree>
-    <p:extLst>
-      <p:ext uri="{BB962C8B-B14F-4D97-AF65-F5344CB8AC3E}">
-        <p14:creationId xmlns:p14="http://schemas.microsoft.com/office/powerpoint/2010/main" val="1399684132"/>
-      </p:ext>
-    </p:extLst>
-  </p:cSld>
-  <p:clrMapOvr>
-    <a:masterClrMapping/>
-  </p:clrMapOvr>
-</p:sld>
-</file>
-
 <file path=ppt/slides/slide3.xml><?xml version="1.0" encoding="utf-8"?>
 <p:sld xmlns:a="http://schemas.openxmlformats.org/drawingml/2006/main" xmlns:r="http://schemas.openxmlformats.org/officeDocument/2006/relationships" xmlns:p="http://schemas.openxmlformats.org/presentationml/2006/main">
   <p:cSld>
@@ -16991,7 +17103,7 @@
         <p:spPr>
           <a:xfrm>
             <a:off x="333375" y="1009650"/>
-            <a:ext cx="6593635" cy="5692139"/>
+            <a:ext cx="6969125" cy="5692139"/>
           </a:xfrm>
           <a:prstGeom prst="rect">
             <a:avLst/>
@@ -17346,11 +17458,80 @@
               <a:t>Поддержка несущих частот до 52.6 ГГц в релизах 15, 16 стандарта </a:t>
             </a:r>
             <a:r>
+              <a:rPr lang="en-GB" dirty="0" smtClean="0">
+                <a:latin typeface="Segoe UI" panose="020B0502040204020203" pitchFamily="34" charset="0"/>
+                <a:cs typeface="Segoe UI" panose="020B0502040204020203" pitchFamily="34" charset="0"/>
+              </a:rPr>
+              <a:t>5G</a:t>
+            </a:r>
+            <a:r>
+              <a:rPr lang="ru-RU" dirty="0" smtClean="0">
+                <a:latin typeface="Segoe UI" panose="020B0502040204020203" pitchFamily="34" charset="0"/>
+                <a:cs typeface="Segoe UI" panose="020B0502040204020203" pitchFamily="34" charset="0"/>
+              </a:rPr>
+              <a:t>, расширение </a:t>
+            </a:r>
+            <a:r>
+              <a:rPr lang="ru-RU" dirty="0">
+                <a:latin typeface="Segoe UI" panose="020B0502040204020203" pitchFamily="34" charset="0"/>
+                <a:cs typeface="Segoe UI" panose="020B0502040204020203" pitchFamily="34" charset="0"/>
+              </a:rPr>
+              <a:t>диапазона </a:t>
+            </a:r>
+            <a:r>
               <a:rPr lang="en-GB" dirty="0">
                 <a:latin typeface="Segoe UI" panose="020B0502040204020203" pitchFamily="34" charset="0"/>
                 <a:cs typeface="Segoe UI" panose="020B0502040204020203" pitchFamily="34" charset="0"/>
               </a:rPr>
-              <a:t>5G</a:t>
+              <a:t>FR2 </a:t>
+            </a:r>
+            <a:r>
+              <a:rPr lang="ru-RU" dirty="0">
+                <a:latin typeface="Segoe UI" panose="020B0502040204020203" pitchFamily="34" charset="0"/>
+                <a:cs typeface="Segoe UI" panose="020B0502040204020203" pitchFamily="34" charset="0"/>
+              </a:rPr>
+              <a:t>до</a:t>
+            </a:r>
+            <a:r>
+              <a:rPr lang="en-US" dirty="0">
+                <a:latin typeface="Segoe UI" panose="020B0502040204020203" pitchFamily="34" charset="0"/>
+                <a:cs typeface="Segoe UI" panose="020B0502040204020203" pitchFamily="34" charset="0"/>
+              </a:rPr>
+              <a:t> 114</a:t>
+            </a:r>
+            <a:r>
+              <a:rPr lang="ru-RU" dirty="0">
+                <a:latin typeface="Segoe UI" panose="020B0502040204020203" pitchFamily="34" charset="0"/>
+                <a:cs typeface="Segoe UI" panose="020B0502040204020203" pitchFamily="34" charset="0"/>
+              </a:rPr>
+              <a:t> ГГц</a:t>
+            </a:r>
+          </a:p>
+          <a:p>
+            <a:pPr>
+              <a:lnSpc>
+                <a:spcPct val="100000"/>
+              </a:lnSpc>
+              <a:spcBef>
+                <a:spcPts val="600"/>
+              </a:spcBef>
+              <a:spcAft>
+                <a:spcPts val="0"/>
+              </a:spcAft>
+            </a:pPr>
+            <a:r>
+              <a:rPr lang="ru-RU" dirty="0">
+                <a:latin typeface="Segoe UI" panose="020B0502040204020203" pitchFamily="34" charset="0"/>
+                <a:cs typeface="Segoe UI" panose="020B0502040204020203" pitchFamily="34" charset="0"/>
+              </a:rPr>
+              <a:t>Характеристики усилителей в миллиметровом диапазоне значительно хуже </a:t>
+            </a:r>
+            <a:r>
+              <a:rPr lang="ru-RU" dirty="0" smtClean="0">
+                <a:latin typeface="Segoe UI" panose="020B0502040204020203" pitchFamily="34" charset="0"/>
+                <a:cs typeface="Segoe UI" panose="020B0502040204020203" pitchFamily="34" charset="0"/>
+              </a:rPr>
+              <a:t>из-за сложности процесса производства</a:t>
             </a:r>
             <a:endParaRPr lang="ru-RU" dirty="0">
               <a:latin typeface="Segoe UI" panose="020B0502040204020203" pitchFamily="34" charset="0"/>
@@ -17374,90 +17555,33 @@
                 <a:latin typeface="Segoe UI" panose="020B0502040204020203" pitchFamily="34" charset="0"/>
                 <a:cs typeface="Segoe UI" panose="020B0502040204020203" pitchFamily="34" charset="0"/>
               </a:rPr>
-              <a:t>Расширение диапазона </a:t>
-            </a:r>
-            <a:r>
-              <a:rPr lang="en-GB" dirty="0">
-                <a:latin typeface="Segoe UI" panose="020B0502040204020203" pitchFamily="34" charset="0"/>
-                <a:cs typeface="Segoe UI" panose="020B0502040204020203" pitchFamily="34" charset="0"/>
-              </a:rPr>
-              <a:t>FR2 </a:t>
+              <a:t>Передающие устройства – датчики, сенсоры должны быть </a:t>
+            </a:r>
+            <a:r>
+              <a:rPr lang="ru-RU" dirty="0" smtClean="0">
+                <a:latin typeface="Segoe UI" panose="020B0502040204020203" pitchFamily="34" charset="0"/>
+                <a:cs typeface="Segoe UI" panose="020B0502040204020203" pitchFamily="34" charset="0"/>
+              </a:rPr>
+              <a:t>эффективны</a:t>
             </a:r>
             <a:r>
               <a:rPr lang="ru-RU" dirty="0">
                 <a:latin typeface="Segoe UI" panose="020B0502040204020203" pitchFamily="34" charset="0"/>
                 <a:cs typeface="Segoe UI" panose="020B0502040204020203" pitchFamily="34" charset="0"/>
               </a:rPr>
-              <a:t>до</a:t>
-            </a:r>
-            <a:r>
-              <a:rPr lang="en-US" dirty="0">
-                <a:latin typeface="Segoe UI" panose="020B0502040204020203" pitchFamily="34" charset="0"/>
-                <a:cs typeface="Segoe UI" panose="020B0502040204020203" pitchFamily="34" charset="0"/>
-              </a:rPr>
-              <a:t> 114</a:t>
-            </a:r>
-            <a:r>
-              <a:rPr lang="ru-RU" dirty="0">
-                <a:latin typeface="Segoe UI" panose="020B0502040204020203" pitchFamily="34" charset="0"/>
-                <a:cs typeface="Segoe UI" panose="020B0502040204020203" pitchFamily="34" charset="0"/>
-              </a:rPr>
-              <a:t> ГГц</a:t>
-            </a:r>
-          </a:p>
-          <a:p>
-            <a:pPr>
-              <a:lnSpc>
-                <a:spcPct val="100000"/>
-              </a:lnSpc>
-              <a:spcBef>
-                <a:spcPts val="600"/>
-              </a:spcBef>
-              <a:spcAft>
-                <a:spcPts val="0"/>
-              </a:spcAft>
-            </a:pPr>
-            <a:r>
-              <a:rPr lang="ru-RU" dirty="0">
-                <a:latin typeface="Segoe UI" panose="020B0502040204020203" pitchFamily="34" charset="0"/>
-                <a:cs typeface="Segoe UI" panose="020B0502040204020203" pitchFamily="34" charset="0"/>
-              </a:rPr>
-              <a:t>Характеристики усилителей в миллиметровом диапазоне значительно хуже более низких частот</a:t>
-            </a:r>
-          </a:p>
-          <a:p>
-            <a:pPr>
-              <a:lnSpc>
-                <a:spcPct val="100000"/>
-              </a:lnSpc>
-              <a:spcBef>
-                <a:spcPts val="600"/>
-              </a:spcBef>
-              <a:spcAft>
-                <a:spcPts val="0"/>
-              </a:spcAft>
-            </a:pPr>
-            <a:r>
-              <a:rPr lang="ru-RU" dirty="0">
-                <a:latin typeface="Segoe UI" panose="020B0502040204020203" pitchFamily="34" charset="0"/>
-                <a:cs typeface="Segoe UI" panose="020B0502040204020203" pitchFamily="34" charset="0"/>
-              </a:rPr>
-              <a:t>Передающие устройства – датчики, сенсоры должны быть </a:t>
-            </a:r>
-            <a:r>
-              <a:rPr lang="ru-RU" dirty="0" err="1">
-                <a:latin typeface="Segoe UI" panose="020B0502040204020203" pitchFamily="34" charset="0"/>
-                <a:cs typeface="Segoe UI" panose="020B0502040204020203" pitchFamily="34" charset="0"/>
-              </a:rPr>
-              <a:t>энергоэффективны</a:t>
-            </a:r>
-            <a:r>
-              <a:rPr lang="ru-RU" dirty="0">
-                <a:latin typeface="Segoe UI" panose="020B0502040204020203" pitchFamily="34" charset="0"/>
-                <a:cs typeface="Segoe UI" panose="020B0502040204020203" pitchFamily="34" charset="0"/>
-              </a:rPr>
-              <a:t>, необходимо уменьшить количество сигнальной обработки на них</a:t>
-            </a:r>
+              <a:t>, необходимо уменьшить количество сигнальной обработки на </a:t>
+            </a:r>
+            <a:r>
+              <a:rPr lang="ru-RU" dirty="0" smtClean="0">
+                <a:latin typeface="Segoe UI" panose="020B0502040204020203" pitchFamily="34" charset="0"/>
+                <a:cs typeface="Segoe UI" panose="020B0502040204020203" pitchFamily="34" charset="0"/>
+              </a:rPr>
+              <a:t>передатчиках – выполнять компенсацию на приемнике</a:t>
+            </a:r>
+            <a:endParaRPr lang="ru-RU" dirty="0">
+              <a:latin typeface="Segoe UI" panose="020B0502040204020203" pitchFamily="34" charset="0"/>
+              <a:cs typeface="Segoe UI" panose="020B0502040204020203" pitchFamily="34" charset="0"/>
+            </a:endParaRPr>
           </a:p>
         </p:txBody>
       </p:sp>
@@ -17540,6 +17664,30 @@
       </p:grpSpPr>
       <p:pic>
         <p:nvPicPr>
+          <p:cNvPr id="8" name="Рисунок 7"/>
+          <p:cNvPicPr>
+            <a:picLocks noChangeAspect="1"/>
+          </p:cNvPicPr>
+          <p:nvPr/>
+        </p:nvPicPr>
+        <p:blipFill>
+          <a:blip r:embed="rId2"/>
+          <a:stretch>
+            <a:fillRect/>
+          </a:stretch>
+        </p:blipFill>
+        <p:spPr>
+          <a:xfrm>
+            <a:off x="897519" y="3352698"/>
+            <a:ext cx="7107794" cy="2796428"/>
+          </a:xfrm>
+          <a:prstGeom prst="rect">
+            <a:avLst/>
+          </a:prstGeom>
+        </p:spPr>
+      </p:pic>
+      <p:pic>
+        <p:nvPicPr>
           <p:cNvPr id="3" name="Рисунок 2"/>
           <p:cNvPicPr>
             <a:picLocks noChangeAspect="1"/>
@@ -17547,7 +17695,7 @@
           <p:nvPr/>
         </p:nvPicPr>
         <p:blipFill>
-          <a:blip r:embed="rId2"/>
+          <a:blip r:embed="rId3"/>
           <a:stretch>
             <a:fillRect/>
           </a:stretch>
@@ -17614,35 +17762,6 @@
           </a:p>
         </p:txBody>
       </p:sp>
-      <p:pic>
-        <p:nvPicPr>
-          <p:cNvPr id="10" name="Рисунок 9">
-            <a:extLst>
-              <a:ext uri="{FF2B5EF4-FFF2-40B4-BE49-F238E27FC236}">
-                <a16:creationId xmlns:a16="http://schemas.microsoft.com/office/drawing/2014/main" id="{BF5F68B0-DE24-2B79-B0D8-2203180D1D15}"/>
-              </a:ext>
-            </a:extLst>
-          </p:cNvPr>
-          <p:cNvPicPr>
-            <a:picLocks noChangeAspect="1"/>
-          </p:cNvPicPr>
-          <p:nvPr/>
-        </p:nvPicPr>
-        <p:blipFill rotWithShape="1">
-          <a:blip r:embed="rId3"/>
-          <a:srcRect b="12118"/>
-          <a:stretch/>
-        </p:blipFill>
-        <p:spPr>
-          <a:xfrm>
-            <a:off x="677091" y="3182996"/>
-            <a:ext cx="7237212" cy="2823334"/>
-          </a:xfrm>
-          <a:prstGeom prst="rect">
-            <a:avLst/>
-          </a:prstGeom>
-        </p:spPr>
-      </p:pic>
       <p:sp>
         <p:nvSpPr>
           <p:cNvPr id="2" name="Заголовок 1">
@@ -17724,7 +17843,7 @@
         </p:nvSpPr>
         <p:spPr>
           <a:xfrm>
-            <a:off x="5459604" y="5961687"/>
+            <a:off x="5768077" y="5961687"/>
             <a:ext cx="1688123" cy="646331"/>
           </a:xfrm>
           <a:prstGeom prst="rect">
@@ -17856,6 +17975,30 @@
           <a:chExt cx="0" cy="0"/>
         </a:xfrm>
       </p:grpSpPr>
+      <p:pic>
+        <p:nvPicPr>
+          <p:cNvPr id="9" name="Рисунок 8"/>
+          <p:cNvPicPr>
+            <a:picLocks noChangeAspect="1"/>
+          </p:cNvPicPr>
+          <p:nvPr/>
+        </p:nvPicPr>
+        <p:blipFill>
+          <a:blip r:embed="rId2"/>
+          <a:stretch>
+            <a:fillRect/>
+          </a:stretch>
+        </p:blipFill>
+        <p:spPr>
+          <a:xfrm>
+            <a:off x="1948903" y="2535894"/>
+            <a:ext cx="6363225" cy="4046456"/>
+          </a:xfrm>
+          <a:prstGeom prst="rect">
+            <a:avLst/>
+          </a:prstGeom>
+        </p:spPr>
+      </p:pic>
       <p:sp>
         <p:nvSpPr>
           <p:cNvPr id="2" name="Заголовок 1">
@@ -17921,30 +18064,6 @@
           </a:p>
         </p:txBody>
       </p:sp>
-      <p:pic>
-        <p:nvPicPr>
-          <p:cNvPr id="6" name="Рисунок 5"/>
-          <p:cNvPicPr>
-            <a:picLocks noChangeAspect="1"/>
-          </p:cNvPicPr>
-          <p:nvPr/>
-        </p:nvPicPr>
-        <p:blipFill>
-          <a:blip r:embed="rId2"/>
-          <a:stretch>
-            <a:fillRect/>
-          </a:stretch>
-        </p:blipFill>
-        <p:spPr>
-          <a:xfrm>
-            <a:off x="2085976" y="2890851"/>
-            <a:ext cx="6226152" cy="3956396"/>
-          </a:xfrm>
-          <a:prstGeom prst="rect">
-            <a:avLst/>
-          </a:prstGeom>
-        </p:spPr>
-      </p:pic>
       <p:sp>
         <p:nvSpPr>
           <p:cNvPr id="5" name="TextBox 4">
@@ -17960,7 +18079,7 @@
         <p:spPr>
           <a:xfrm>
             <a:off x="230410" y="1458675"/>
-            <a:ext cx="5141690" cy="1569660"/>
+            <a:ext cx="8081718" cy="1077218"/>
           </a:xfrm>
           <a:prstGeom prst="rect">
             <a:avLst/>
@@ -18016,7 +18135,7 @@
         </p:nvSpPr>
         <p:spPr>
           <a:xfrm>
-            <a:off x="230410" y="4417875"/>
+            <a:off x="230410" y="4088777"/>
             <a:ext cx="2408015" cy="1569660"/>
           </a:xfrm>
           <a:prstGeom prst="rect">
@@ -18102,6 +18221,36 @@
           <a:chExt cx="0" cy="0"/>
         </a:xfrm>
       </p:grpSpPr>
+      <p:pic>
+        <p:nvPicPr>
+          <p:cNvPr id="3" name="Рисунок 2"/>
+          <p:cNvPicPr>
+            <a:picLocks noChangeAspect="1"/>
+          </p:cNvPicPr>
+          <p:nvPr/>
+        </p:nvPicPr>
+        <p:blipFill>
+          <a:blip r:embed="rId2">
+            <a:extLst>
+              <a:ext uri="{28A0092B-C50C-407E-A947-70E740481C1C}">
+                <a14:useLocalDpi xmlns:a14="http://schemas.microsoft.com/office/drawing/2010/main" val="0"/>
+              </a:ext>
+            </a:extLst>
+          </a:blip>
+          <a:stretch>
+            <a:fillRect/>
+          </a:stretch>
+        </p:blipFill>
+        <p:spPr>
+          <a:xfrm>
+            <a:off x="3429104" y="2236421"/>
+            <a:ext cx="4889198" cy="4236693"/>
+          </a:xfrm>
+          <a:prstGeom prst="rect">
+            <a:avLst/>
+          </a:prstGeom>
+        </p:spPr>
+      </p:pic>
       <p:sp>
         <p:nvSpPr>
           <p:cNvPr id="2" name="Заголовок 1">
@@ -18184,41 +18333,6 @@
           </a:p>
         </p:txBody>
       </p:sp>
-      <p:pic>
-        <p:nvPicPr>
-          <p:cNvPr id="10" name="Рисунок 9">
-            <a:extLst>
-              <a:ext uri="{FF2B5EF4-FFF2-40B4-BE49-F238E27FC236}">
-                <a16:creationId xmlns:a16="http://schemas.microsoft.com/office/drawing/2014/main" id="{0BD3D595-762F-5CA0-A5BB-BB6DBBFA2ADE}"/>
-              </a:ext>
-            </a:extLst>
-          </p:cNvPr>
-          <p:cNvPicPr>
-            <a:picLocks noChangeAspect="1"/>
-          </p:cNvPicPr>
-          <p:nvPr/>
-        </p:nvPicPr>
-        <p:blipFill rotWithShape="1">
-          <a:blip r:embed="rId2">
-            <a:extLst>
-              <a:ext uri="{28A0092B-C50C-407E-A947-70E740481C1C}">
-                <a14:useLocalDpi xmlns:a14="http://schemas.microsoft.com/office/drawing/2010/main" val="0"/>
-              </a:ext>
-            </a:extLst>
-          </a:blip>
-          <a:srcRect t="10797" r="4003"/>
-          <a:stretch/>
-        </p:blipFill>
-        <p:spPr>
-          <a:xfrm>
-            <a:off x="3372098" y="2440730"/>
-            <a:ext cx="4916557" cy="4138247"/>
-          </a:xfrm>
-          <a:prstGeom prst="rect">
-            <a:avLst/>
-          </a:prstGeom>
-        </p:spPr>
-      </p:pic>
       <p:pic>
         <p:nvPicPr>
           <p:cNvPr id="5" name="Рисунок 4">
@@ -19528,7 +19642,7 @@
         </p:blipFill>
         <p:spPr>
           <a:xfrm>
-            <a:off x="4876944" y="5629276"/>
+            <a:off x="4470544" y="5629276"/>
             <a:ext cx="2543175" cy="295275"/>
           </a:xfrm>
           <a:prstGeom prst="rect">
@@ -20052,295 +20166,432 @@
           </a:p>
         </p:txBody>
       </p:sp>
-      <p:sp>
-        <p:nvSpPr>
-          <p:cNvPr id="14" name="Объект 2">
-            <a:extLst>
-              <a:ext uri="{FF2B5EF4-FFF2-40B4-BE49-F238E27FC236}">
-                <a16:creationId xmlns:a16="http://schemas.microsoft.com/office/drawing/2014/main" id="{66F784C2-0F9A-5BE8-7FB9-E40BC00A75CB}"/>
-              </a:ext>
-            </a:extLst>
-          </p:cNvPr>
-          <p:cNvSpPr txBox="1">
-            <a:spLocks/>
-          </p:cNvSpPr>
-          <p:nvPr/>
-        </p:nvSpPr>
-        <p:spPr>
-          <a:xfrm>
-            <a:off x="4226179" y="5303125"/>
-            <a:ext cx="4214876" cy="373776"/>
-          </a:xfrm>
-          <a:prstGeom prst="rect">
-            <a:avLst/>
-          </a:prstGeom>
-        </p:spPr>
-        <p:txBody>
-          <a:bodyPr vert="horz" lIns="91440" tIns="45720" rIns="91440" bIns="45720" rtlCol="0">
-            <a:normAutofit/>
-          </a:bodyPr>
-          <a:lstStyle>
-            <a:lvl1pPr marL="182880" indent="-182880" algn="l" defTabSz="914400" rtl="0" eaLnBrk="1" latinLnBrk="0" hangingPunct="1">
-              <a:lnSpc>
-                <a:spcPct val="95000"/>
-              </a:lnSpc>
-              <a:spcBef>
-                <a:spcPts val="1400"/>
-              </a:spcBef>
-              <a:spcAft>
-                <a:spcPts val="200"/>
-              </a:spcAft>
-              <a:buClr>
-                <a:schemeClr val="accent1"/>
-              </a:buClr>
-              <a:buSzPct val="80000"/>
-              <a:buFont typeface="Arial" pitchFamily="34" charset="0"/>
-              <a:buChar char="•"/>
-              <a:defRPr sz="1800" kern="1200" spc="10" baseline="0">
-                <a:solidFill>
-                  <a:schemeClr val="tx1"/>
-                </a:solidFill>
-                <a:latin typeface="+mn-lt"/>
-                <a:ea typeface="+mn-ea"/>
-                <a:cs typeface="+mn-cs"/>
-              </a:defRPr>
-            </a:lvl1pPr>
-            <a:lvl2pPr marL="457200" indent="-182880" algn="l" defTabSz="914400" rtl="0" eaLnBrk="1" latinLnBrk="0" hangingPunct="1">
-              <a:lnSpc>
-                <a:spcPct val="90000"/>
-              </a:lnSpc>
-              <a:spcBef>
-                <a:spcPts val="300"/>
-              </a:spcBef>
-              <a:spcAft>
-                <a:spcPts val="300"/>
-              </a:spcAft>
-              <a:buClr>
-                <a:schemeClr val="accent1"/>
-              </a:buClr>
-              <a:buFont typeface="Wingdings 2" pitchFamily="18" charset="2"/>
-              <a:buChar char=""/>
-              <a:defRPr sz="1600" kern="1200">
-                <a:solidFill>
-                  <a:schemeClr val="tx1">
-                    <a:lumMod val="85000"/>
-                    <a:lumOff val="15000"/>
-                  </a:schemeClr>
-                </a:solidFill>
-                <a:latin typeface="+mn-lt"/>
-                <a:ea typeface="+mn-ea"/>
-                <a:cs typeface="+mn-cs"/>
-              </a:defRPr>
-            </a:lvl2pPr>
-            <a:lvl3pPr marL="731520" indent="-182880" algn="l" defTabSz="914400" rtl="0" eaLnBrk="1" latinLnBrk="0" hangingPunct="1">
-              <a:lnSpc>
-                <a:spcPct val="90000"/>
-              </a:lnSpc>
-              <a:spcBef>
-                <a:spcPts val="300"/>
-              </a:spcBef>
-              <a:spcAft>
-                <a:spcPts val="300"/>
-              </a:spcAft>
-              <a:buClr>
-                <a:schemeClr val="accent1"/>
-              </a:buClr>
-              <a:buFont typeface="Wingdings 2" pitchFamily="18" charset="2"/>
-              <a:buChar char=""/>
-              <a:defRPr sz="1400" kern="1200">
-                <a:solidFill>
-                  <a:schemeClr val="tx1">
-                    <a:lumMod val="85000"/>
-                    <a:lumOff val="15000"/>
-                  </a:schemeClr>
-                </a:solidFill>
-                <a:latin typeface="+mn-lt"/>
-                <a:ea typeface="+mn-ea"/>
-                <a:cs typeface="+mn-cs"/>
-              </a:defRPr>
-            </a:lvl3pPr>
-            <a:lvl4pPr marL="1005840" indent="-182880" algn="l" defTabSz="914400" rtl="0" eaLnBrk="1" latinLnBrk="0" hangingPunct="1">
-              <a:lnSpc>
-                <a:spcPct val="90000"/>
-              </a:lnSpc>
-              <a:spcBef>
-                <a:spcPts val="300"/>
-              </a:spcBef>
-              <a:spcAft>
-                <a:spcPts val="300"/>
-              </a:spcAft>
-              <a:buClr>
-                <a:schemeClr val="accent1"/>
-              </a:buClr>
-              <a:buFont typeface="Wingdings 2" pitchFamily="18" charset="2"/>
-              <a:buChar char=""/>
-              <a:defRPr sz="1400" kern="1200">
-                <a:solidFill>
-                  <a:schemeClr val="tx1">
-                    <a:lumMod val="85000"/>
-                    <a:lumOff val="15000"/>
-                  </a:schemeClr>
-                </a:solidFill>
-                <a:latin typeface="+mn-lt"/>
-                <a:ea typeface="+mn-ea"/>
-                <a:cs typeface="+mn-cs"/>
-              </a:defRPr>
-            </a:lvl4pPr>
-            <a:lvl5pPr marL="1280160" indent="-182880" algn="l" defTabSz="914400" rtl="0" eaLnBrk="1" latinLnBrk="0" hangingPunct="1">
-              <a:lnSpc>
-                <a:spcPct val="90000"/>
-              </a:lnSpc>
-              <a:spcBef>
-                <a:spcPts val="300"/>
-              </a:spcBef>
-              <a:spcAft>
-                <a:spcPts val="300"/>
-              </a:spcAft>
-              <a:buClr>
-                <a:schemeClr val="accent1"/>
-              </a:buClr>
-              <a:buFont typeface="Wingdings 2" pitchFamily="18" charset="2"/>
-              <a:buChar char=""/>
-              <a:defRPr sz="1400" kern="1200">
-                <a:solidFill>
-                  <a:schemeClr val="tx1">
-                    <a:lumMod val="85000"/>
-                    <a:lumOff val="15000"/>
-                  </a:schemeClr>
-                </a:solidFill>
-                <a:latin typeface="+mn-lt"/>
-                <a:ea typeface="+mn-ea"/>
-                <a:cs typeface="+mn-cs"/>
-              </a:defRPr>
-            </a:lvl5pPr>
-            <a:lvl6pPr marL="1600000" indent="-228600" algn="l" defTabSz="914400" rtl="0" eaLnBrk="1" latinLnBrk="0" hangingPunct="1">
-              <a:lnSpc>
-                <a:spcPct val="90000"/>
-              </a:lnSpc>
-              <a:spcBef>
-                <a:spcPts val="300"/>
-              </a:spcBef>
-              <a:spcAft>
-                <a:spcPts val="300"/>
-              </a:spcAft>
-              <a:buClr>
-                <a:schemeClr val="accent1"/>
-              </a:buClr>
-              <a:buFont typeface="Wingdings 2" pitchFamily="18" charset="2"/>
-              <a:buChar char=""/>
-              <a:defRPr sz="1400" kern="1200">
-                <a:solidFill>
-                  <a:schemeClr val="tx1">
-                    <a:lumMod val="85000"/>
-                    <a:lumOff val="15000"/>
-                  </a:schemeClr>
-                </a:solidFill>
-                <a:latin typeface="+mn-lt"/>
-                <a:ea typeface="+mn-ea"/>
-                <a:cs typeface="+mn-cs"/>
-              </a:defRPr>
-            </a:lvl6pPr>
-            <a:lvl7pPr marL="1900000" indent="-228600" algn="l" defTabSz="914400" rtl="0" eaLnBrk="1" latinLnBrk="0" hangingPunct="1">
-              <a:lnSpc>
-                <a:spcPct val="90000"/>
-              </a:lnSpc>
-              <a:spcBef>
-                <a:spcPts val="300"/>
-              </a:spcBef>
-              <a:spcAft>
-                <a:spcPts val="300"/>
-              </a:spcAft>
-              <a:buClr>
-                <a:schemeClr val="accent1"/>
-              </a:buClr>
-              <a:buFont typeface="Wingdings 2" pitchFamily="18" charset="2"/>
-              <a:buChar char=""/>
-              <a:defRPr sz="1400" kern="1200">
-                <a:solidFill>
-                  <a:schemeClr val="tx1">
-                    <a:lumMod val="85000"/>
-                    <a:lumOff val="15000"/>
-                  </a:schemeClr>
-                </a:solidFill>
-                <a:latin typeface="+mn-lt"/>
-                <a:ea typeface="+mn-ea"/>
-                <a:cs typeface="+mn-cs"/>
-              </a:defRPr>
-            </a:lvl7pPr>
-            <a:lvl8pPr marL="2200000" indent="-228600" algn="l" defTabSz="914400" rtl="0" eaLnBrk="1" latinLnBrk="0" hangingPunct="1">
-              <a:lnSpc>
-                <a:spcPct val="90000"/>
-              </a:lnSpc>
-              <a:spcBef>
-                <a:spcPts val="300"/>
-              </a:spcBef>
-              <a:spcAft>
-                <a:spcPts val="300"/>
-              </a:spcAft>
-              <a:buClr>
-                <a:schemeClr val="accent1"/>
-              </a:buClr>
-              <a:buFont typeface="Wingdings 2" pitchFamily="18" charset="2"/>
-              <a:buChar char=""/>
-              <a:defRPr sz="1400" kern="1200">
-                <a:solidFill>
-                  <a:schemeClr val="tx1">
-                    <a:lumMod val="85000"/>
-                    <a:lumOff val="15000"/>
-                  </a:schemeClr>
-                </a:solidFill>
-                <a:latin typeface="+mn-lt"/>
-                <a:ea typeface="+mn-ea"/>
-                <a:cs typeface="+mn-cs"/>
-              </a:defRPr>
-            </a:lvl8pPr>
-            <a:lvl9pPr marL="2500000" indent="-228600" algn="l" defTabSz="914400" rtl="0" eaLnBrk="1" latinLnBrk="0" hangingPunct="1">
-              <a:lnSpc>
-                <a:spcPct val="90000"/>
-              </a:lnSpc>
-              <a:spcBef>
-                <a:spcPts val="300"/>
-              </a:spcBef>
-              <a:spcAft>
-                <a:spcPts val="300"/>
-              </a:spcAft>
-              <a:buClr>
-                <a:schemeClr val="accent1"/>
-              </a:buClr>
-              <a:buFont typeface="Wingdings 2" pitchFamily="18" charset="2"/>
-              <a:buChar char=""/>
-              <a:defRPr sz="1400" kern="1200">
-                <a:solidFill>
-                  <a:schemeClr val="tx1">
-                    <a:lumMod val="85000"/>
-                    <a:lumOff val="15000"/>
-                  </a:schemeClr>
-                </a:solidFill>
-                <a:latin typeface="+mn-lt"/>
-                <a:ea typeface="+mn-ea"/>
-                <a:cs typeface="+mn-cs"/>
-              </a:defRPr>
-            </a:lvl9pPr>
-          </a:lstStyle>
-          <a:p>
-            <a:pPr marL="0" indent="0">
-              <a:buFont typeface="Arial" pitchFamily="34" charset="0"/>
-              <a:buNone/>
-            </a:pPr>
-            <a:r>
-              <a:rPr lang="ru-RU" sz="1600" dirty="0" smtClean="0">
-                <a:latin typeface="Segoe UI" panose="020B0502040204020203" pitchFamily="34" charset="0"/>
-                <a:cs typeface="Segoe UI" panose="020B0502040204020203" pitchFamily="34" charset="0"/>
-              </a:rPr>
-              <a:t>АМ-АМ искажение </a:t>
-            </a:r>
-            <a:endParaRPr lang="ru-RU" sz="1600" dirty="0">
-              <a:latin typeface="Segoe UI" panose="020B0502040204020203" pitchFamily="34" charset="0"/>
-              <a:cs typeface="Segoe UI" panose="020B0502040204020203" pitchFamily="34" charset="0"/>
-            </a:endParaRPr>
-          </a:p>
-        </p:txBody>
-      </p:sp>
+      <mc:AlternateContent xmlns:mc="http://schemas.openxmlformats.org/markup-compatibility/2006" xmlns:a14="http://schemas.microsoft.com/office/drawing/2010/main">
+        <mc:Choice Requires="a14">
+          <p:sp>
+            <p:nvSpPr>
+              <p:cNvPr id="14" name="Объект 2">
+                <a:extLst>
+                  <a:ext uri="{FF2B5EF4-FFF2-40B4-BE49-F238E27FC236}">
+                    <a16:creationId xmlns:a16="http://schemas.microsoft.com/office/drawing/2014/main" id="{66F784C2-0F9A-5BE8-7FB9-E40BC00A75CB}"/>
+                  </a:ext>
+                </a:extLst>
+              </p:cNvPr>
+              <p:cNvSpPr txBox="1">
+                <a:spLocks/>
+              </p:cNvSpPr>
+              <p:nvPr/>
+            </p:nvSpPr>
+            <p:spPr>
+              <a:xfrm>
+                <a:off x="4226179" y="5303125"/>
+                <a:ext cx="4214876" cy="373776"/>
+              </a:xfrm>
+              <a:prstGeom prst="rect">
+                <a:avLst/>
+              </a:prstGeom>
+            </p:spPr>
+            <p:txBody>
+              <a:bodyPr vert="horz" lIns="91440" tIns="45720" rIns="91440" bIns="45720" rtlCol="0">
+                <a:normAutofit/>
+              </a:bodyPr>
+              <a:lstStyle>
+                <a:lvl1pPr marL="182880" indent="-182880" algn="l" defTabSz="914400" rtl="0" eaLnBrk="1" latinLnBrk="0" hangingPunct="1">
+                  <a:lnSpc>
+                    <a:spcPct val="95000"/>
+                  </a:lnSpc>
+                  <a:spcBef>
+                    <a:spcPts val="1400"/>
+                  </a:spcBef>
+                  <a:spcAft>
+                    <a:spcPts val="200"/>
+                  </a:spcAft>
+                  <a:buClr>
+                    <a:schemeClr val="accent1"/>
+                  </a:buClr>
+                  <a:buSzPct val="80000"/>
+                  <a:buFont typeface="Arial" pitchFamily="34" charset="0"/>
+                  <a:buChar char="•"/>
+                  <a:defRPr sz="1800" kern="1200" spc="10" baseline="0">
+                    <a:solidFill>
+                      <a:schemeClr val="tx1"/>
+                    </a:solidFill>
+                    <a:latin typeface="+mn-lt"/>
+                    <a:ea typeface="+mn-ea"/>
+                    <a:cs typeface="+mn-cs"/>
+                  </a:defRPr>
+                </a:lvl1pPr>
+                <a:lvl2pPr marL="457200" indent="-182880" algn="l" defTabSz="914400" rtl="0" eaLnBrk="1" latinLnBrk="0" hangingPunct="1">
+                  <a:lnSpc>
+                    <a:spcPct val="90000"/>
+                  </a:lnSpc>
+                  <a:spcBef>
+                    <a:spcPts val="300"/>
+                  </a:spcBef>
+                  <a:spcAft>
+                    <a:spcPts val="300"/>
+                  </a:spcAft>
+                  <a:buClr>
+                    <a:schemeClr val="accent1"/>
+                  </a:buClr>
+                  <a:buFont typeface="Wingdings 2" pitchFamily="18" charset="2"/>
+                  <a:buChar char=""/>
+                  <a:defRPr sz="1600" kern="1200">
+                    <a:solidFill>
+                      <a:schemeClr val="tx1">
+                        <a:lumMod val="85000"/>
+                        <a:lumOff val="15000"/>
+                      </a:schemeClr>
+                    </a:solidFill>
+                    <a:latin typeface="+mn-lt"/>
+                    <a:ea typeface="+mn-ea"/>
+                    <a:cs typeface="+mn-cs"/>
+                  </a:defRPr>
+                </a:lvl2pPr>
+                <a:lvl3pPr marL="731520" indent="-182880" algn="l" defTabSz="914400" rtl="0" eaLnBrk="1" latinLnBrk="0" hangingPunct="1">
+                  <a:lnSpc>
+                    <a:spcPct val="90000"/>
+                  </a:lnSpc>
+                  <a:spcBef>
+                    <a:spcPts val="300"/>
+                  </a:spcBef>
+                  <a:spcAft>
+                    <a:spcPts val="300"/>
+                  </a:spcAft>
+                  <a:buClr>
+                    <a:schemeClr val="accent1"/>
+                  </a:buClr>
+                  <a:buFont typeface="Wingdings 2" pitchFamily="18" charset="2"/>
+                  <a:buChar char=""/>
+                  <a:defRPr sz="1400" kern="1200">
+                    <a:solidFill>
+                      <a:schemeClr val="tx1">
+                        <a:lumMod val="85000"/>
+                        <a:lumOff val="15000"/>
+                      </a:schemeClr>
+                    </a:solidFill>
+                    <a:latin typeface="+mn-lt"/>
+                    <a:ea typeface="+mn-ea"/>
+                    <a:cs typeface="+mn-cs"/>
+                  </a:defRPr>
+                </a:lvl3pPr>
+                <a:lvl4pPr marL="1005840" indent="-182880" algn="l" defTabSz="914400" rtl="0" eaLnBrk="1" latinLnBrk="0" hangingPunct="1">
+                  <a:lnSpc>
+                    <a:spcPct val="90000"/>
+                  </a:lnSpc>
+                  <a:spcBef>
+                    <a:spcPts val="300"/>
+                  </a:spcBef>
+                  <a:spcAft>
+                    <a:spcPts val="300"/>
+                  </a:spcAft>
+                  <a:buClr>
+                    <a:schemeClr val="accent1"/>
+                  </a:buClr>
+                  <a:buFont typeface="Wingdings 2" pitchFamily="18" charset="2"/>
+                  <a:buChar char=""/>
+                  <a:defRPr sz="1400" kern="1200">
+                    <a:solidFill>
+                      <a:schemeClr val="tx1">
+                        <a:lumMod val="85000"/>
+                        <a:lumOff val="15000"/>
+                      </a:schemeClr>
+                    </a:solidFill>
+                    <a:latin typeface="+mn-lt"/>
+                    <a:ea typeface="+mn-ea"/>
+                    <a:cs typeface="+mn-cs"/>
+                  </a:defRPr>
+                </a:lvl4pPr>
+                <a:lvl5pPr marL="1280160" indent="-182880" algn="l" defTabSz="914400" rtl="0" eaLnBrk="1" latinLnBrk="0" hangingPunct="1">
+                  <a:lnSpc>
+                    <a:spcPct val="90000"/>
+                  </a:lnSpc>
+                  <a:spcBef>
+                    <a:spcPts val="300"/>
+                  </a:spcBef>
+                  <a:spcAft>
+                    <a:spcPts val="300"/>
+                  </a:spcAft>
+                  <a:buClr>
+                    <a:schemeClr val="accent1"/>
+                  </a:buClr>
+                  <a:buFont typeface="Wingdings 2" pitchFamily="18" charset="2"/>
+                  <a:buChar char=""/>
+                  <a:defRPr sz="1400" kern="1200">
+                    <a:solidFill>
+                      <a:schemeClr val="tx1">
+                        <a:lumMod val="85000"/>
+                        <a:lumOff val="15000"/>
+                      </a:schemeClr>
+                    </a:solidFill>
+                    <a:latin typeface="+mn-lt"/>
+                    <a:ea typeface="+mn-ea"/>
+                    <a:cs typeface="+mn-cs"/>
+                  </a:defRPr>
+                </a:lvl5pPr>
+                <a:lvl6pPr marL="1600000" indent="-228600" algn="l" defTabSz="914400" rtl="0" eaLnBrk="1" latinLnBrk="0" hangingPunct="1">
+                  <a:lnSpc>
+                    <a:spcPct val="90000"/>
+                  </a:lnSpc>
+                  <a:spcBef>
+                    <a:spcPts val="300"/>
+                  </a:spcBef>
+                  <a:spcAft>
+                    <a:spcPts val="300"/>
+                  </a:spcAft>
+                  <a:buClr>
+                    <a:schemeClr val="accent1"/>
+                  </a:buClr>
+                  <a:buFont typeface="Wingdings 2" pitchFamily="18" charset="2"/>
+                  <a:buChar char=""/>
+                  <a:defRPr sz="1400" kern="1200">
+                    <a:solidFill>
+                      <a:schemeClr val="tx1">
+                        <a:lumMod val="85000"/>
+                        <a:lumOff val="15000"/>
+                      </a:schemeClr>
+                    </a:solidFill>
+                    <a:latin typeface="+mn-lt"/>
+                    <a:ea typeface="+mn-ea"/>
+                    <a:cs typeface="+mn-cs"/>
+                  </a:defRPr>
+                </a:lvl6pPr>
+                <a:lvl7pPr marL="1900000" indent="-228600" algn="l" defTabSz="914400" rtl="0" eaLnBrk="1" latinLnBrk="0" hangingPunct="1">
+                  <a:lnSpc>
+                    <a:spcPct val="90000"/>
+                  </a:lnSpc>
+                  <a:spcBef>
+                    <a:spcPts val="300"/>
+                  </a:spcBef>
+                  <a:spcAft>
+                    <a:spcPts val="300"/>
+                  </a:spcAft>
+                  <a:buClr>
+                    <a:schemeClr val="accent1"/>
+                  </a:buClr>
+                  <a:buFont typeface="Wingdings 2" pitchFamily="18" charset="2"/>
+                  <a:buChar char=""/>
+                  <a:defRPr sz="1400" kern="1200">
+                    <a:solidFill>
+                      <a:schemeClr val="tx1">
+                        <a:lumMod val="85000"/>
+                        <a:lumOff val="15000"/>
+                      </a:schemeClr>
+                    </a:solidFill>
+                    <a:latin typeface="+mn-lt"/>
+                    <a:ea typeface="+mn-ea"/>
+                    <a:cs typeface="+mn-cs"/>
+                  </a:defRPr>
+                </a:lvl7pPr>
+                <a:lvl8pPr marL="2200000" indent="-228600" algn="l" defTabSz="914400" rtl="0" eaLnBrk="1" latinLnBrk="0" hangingPunct="1">
+                  <a:lnSpc>
+                    <a:spcPct val="90000"/>
+                  </a:lnSpc>
+                  <a:spcBef>
+                    <a:spcPts val="300"/>
+                  </a:spcBef>
+                  <a:spcAft>
+                    <a:spcPts val="300"/>
+                  </a:spcAft>
+                  <a:buClr>
+                    <a:schemeClr val="accent1"/>
+                  </a:buClr>
+                  <a:buFont typeface="Wingdings 2" pitchFamily="18" charset="2"/>
+                  <a:buChar char=""/>
+                  <a:defRPr sz="1400" kern="1200">
+                    <a:solidFill>
+                      <a:schemeClr val="tx1">
+                        <a:lumMod val="85000"/>
+                        <a:lumOff val="15000"/>
+                      </a:schemeClr>
+                    </a:solidFill>
+                    <a:latin typeface="+mn-lt"/>
+                    <a:ea typeface="+mn-ea"/>
+                    <a:cs typeface="+mn-cs"/>
+                  </a:defRPr>
+                </a:lvl8pPr>
+                <a:lvl9pPr marL="2500000" indent="-228600" algn="l" defTabSz="914400" rtl="0" eaLnBrk="1" latinLnBrk="0" hangingPunct="1">
+                  <a:lnSpc>
+                    <a:spcPct val="90000"/>
+                  </a:lnSpc>
+                  <a:spcBef>
+                    <a:spcPts val="300"/>
+                  </a:spcBef>
+                  <a:spcAft>
+                    <a:spcPts val="300"/>
+                  </a:spcAft>
+                  <a:buClr>
+                    <a:schemeClr val="accent1"/>
+                  </a:buClr>
+                  <a:buFont typeface="Wingdings 2" pitchFamily="18" charset="2"/>
+                  <a:buChar char=""/>
+                  <a:defRPr sz="1400" kern="1200">
+                    <a:solidFill>
+                      <a:schemeClr val="tx1">
+                        <a:lumMod val="85000"/>
+                        <a:lumOff val="15000"/>
+                      </a:schemeClr>
+                    </a:solidFill>
+                    <a:latin typeface="+mn-lt"/>
+                    <a:ea typeface="+mn-ea"/>
+                    <a:cs typeface="+mn-cs"/>
+                  </a:defRPr>
+                </a:lvl9pPr>
+              </a:lstStyle>
+              <a:p>
+                <a:pPr marL="0" indent="0">
+                  <a:buNone/>
+                </a:pPr>
+                <a:r>
+                  <a:rPr lang="ru-RU" sz="1600" dirty="0" smtClean="0">
+                    <a:latin typeface="Segoe UI" panose="020B0502040204020203" pitchFamily="34" charset="0"/>
+                    <a:cs typeface="Segoe UI" panose="020B0502040204020203" pitchFamily="34" charset="0"/>
+                  </a:rPr>
+                  <a:t>АМ-АМ искажение</a:t>
+                </a:r>
+                <a:r>
+                  <a:rPr lang="en-US" sz="1600" dirty="0" smtClean="0">
+                    <a:latin typeface="Segoe UI" panose="020B0502040204020203" pitchFamily="34" charset="0"/>
+                    <a:cs typeface="Segoe UI" panose="020B0502040204020203" pitchFamily="34" charset="0"/>
+                  </a:rPr>
+                  <a:t> </a:t>
+                </a:r>
+                <a14:m>
+                  <m:oMath xmlns:m="http://schemas.openxmlformats.org/officeDocument/2006/math">
+                    <m:sSubSup>
+                      <m:sSubSupPr>
+                        <m:ctrlPr>
+                          <a:rPr lang="ru-RU" sz="1600" i="1">
+                            <a:latin typeface="Cambria Math" panose="02040503050406030204" pitchFamily="18" charset="0"/>
+                            <a:cs typeface="Segoe UI" panose="020B0502040204020203" pitchFamily="34" charset="0"/>
+                          </a:rPr>
+                        </m:ctrlPr>
+                      </m:sSubSupPr>
+                      <m:e>
+                        <m:r>
+                          <a:rPr lang="en-US" sz="1600" i="1">
+                            <a:latin typeface="Cambria Math" panose="02040503050406030204" pitchFamily="18" charset="0"/>
+                            <a:cs typeface="Segoe UI" panose="020B0502040204020203" pitchFamily="34" charset="0"/>
+                          </a:rPr>
+                          <m:t>𝑃</m:t>
+                        </m:r>
+                      </m:e>
+                      <m:sub>
+                        <m:r>
+                          <a:rPr lang="en-US" sz="1600" i="1">
+                            <a:latin typeface="Cambria Math" panose="02040503050406030204" pitchFamily="18" charset="0"/>
+                            <a:cs typeface="Segoe UI" panose="020B0502040204020203" pitchFamily="34" charset="0"/>
+                          </a:rPr>
+                          <m:t>1</m:t>
+                        </m:r>
+                        <m:r>
+                          <a:rPr lang="en-US" sz="1600" i="1">
+                            <a:latin typeface="Cambria Math" panose="02040503050406030204" pitchFamily="18" charset="0"/>
+                            <a:cs typeface="Segoe UI" panose="020B0502040204020203" pitchFamily="34" charset="0"/>
+                          </a:rPr>
+                          <m:t>𝑑𝐵</m:t>
+                        </m:r>
+                      </m:sub>
+                      <m:sup>
+                        <m:r>
+                          <a:rPr lang="en-US" sz="1600" i="1">
+                            <a:latin typeface="Cambria Math" panose="02040503050406030204" pitchFamily="18" charset="0"/>
+                            <a:cs typeface="Segoe UI" panose="020B0502040204020203" pitchFamily="34" charset="0"/>
+                          </a:rPr>
+                          <m:t>𝑂𝑈𝑇</m:t>
+                        </m:r>
+                      </m:sup>
+                    </m:sSubSup>
+                    <m:r>
+                      <a:rPr lang="en-US" sz="1600" i="1">
+                        <a:latin typeface="Cambria Math" panose="02040503050406030204" pitchFamily="18" charset="0"/>
+                        <a:cs typeface="Segoe UI" panose="020B0502040204020203" pitchFamily="34" charset="0"/>
+                      </a:rPr>
+                      <m:t>=12</m:t>
+                    </m:r>
+                    <m:r>
+                      <a:rPr lang="en-US" sz="1600" b="0" i="1" smtClean="0">
+                        <a:latin typeface="Cambria Math" panose="02040503050406030204" pitchFamily="18" charset="0"/>
+                        <a:cs typeface="Segoe UI" panose="020B0502040204020203" pitchFamily="34" charset="0"/>
+                      </a:rPr>
+                      <m:t>.</m:t>
+                    </m:r>
+                    <m:r>
+                      <a:rPr lang="en-US" sz="1600" i="1">
+                        <a:latin typeface="Cambria Math" panose="02040503050406030204" pitchFamily="18" charset="0"/>
+                        <a:cs typeface="Segoe UI" panose="020B0502040204020203" pitchFamily="34" charset="0"/>
+                      </a:rPr>
+                      <m:t>6 </m:t>
+                    </m:r>
+                    <m:r>
+                      <a:rPr lang="en-US" sz="1600" i="1">
+                        <a:latin typeface="Cambria Math" panose="02040503050406030204" pitchFamily="18" charset="0"/>
+                        <a:cs typeface="Segoe UI" panose="020B0502040204020203" pitchFamily="34" charset="0"/>
+                      </a:rPr>
+                      <m:t>𝑑𝐵𝑚</m:t>
+                    </m:r>
+                  </m:oMath>
+                </a14:m>
+                <a:r>
+                  <a:rPr lang="ru-RU" sz="1600" dirty="0" smtClean="0">
+                    <a:latin typeface="Segoe UI" panose="020B0502040204020203" pitchFamily="34" charset="0"/>
+                    <a:cs typeface="Segoe UI" panose="020B0502040204020203" pitchFamily="34" charset="0"/>
+                  </a:rPr>
+                  <a:t> </a:t>
+                </a:r>
+                <a:endParaRPr lang="ru-RU" sz="1600" dirty="0">
+                  <a:latin typeface="Segoe UI" panose="020B0502040204020203" pitchFamily="34" charset="0"/>
+                  <a:cs typeface="Segoe UI" panose="020B0502040204020203" pitchFamily="34" charset="0"/>
+                </a:endParaRPr>
+              </a:p>
+            </p:txBody>
+          </p:sp>
+        </mc:Choice>
+        <mc:Fallback xmlns="">
+          <p:sp>
+            <p:nvSpPr>
+              <p:cNvPr id="14" name="Объект 2">
+                <a:extLst>
+                  <a:ext uri="{FF2B5EF4-FFF2-40B4-BE49-F238E27FC236}">
+                    <a16:creationId xmlns:a16="http://schemas.microsoft.com/office/drawing/2014/main" id="{66F784C2-0F9A-5BE8-7FB9-E40BC00A75CB}"/>
+                  </a:ext>
+                </a:extLst>
+              </p:cNvPr>
+              <p:cNvSpPr txBox="1">
+                <a:spLocks noRot="1" noChangeAspect="1" noMove="1" noResize="1" noEditPoints="1" noAdjustHandles="1" noChangeArrowheads="1" noChangeShapeType="1" noTextEdit="1"/>
+              </p:cNvSpPr>
+              <p:nvPr/>
+            </p:nvSpPr>
+            <p:spPr>
+              <a:xfrm>
+                <a:off x="4226179" y="5303125"/>
+                <a:ext cx="4214876" cy="373776"/>
+              </a:xfrm>
+              <a:prstGeom prst="rect">
+                <a:avLst/>
+              </a:prstGeom>
+              <a:blipFill>
+                <a:blip r:embed="rId7"/>
+                <a:stretch>
+                  <a:fillRect l="-723" t="-6557" b="-9836"/>
+                </a:stretch>
+              </a:blipFill>
+            </p:spPr>
+            <p:txBody>
+              <a:bodyPr/>
+              <a:lstStyle/>
+              <a:p>
+                <a:r>
+                  <a:rPr lang="ru-RU">
+                    <a:noFill/>
+                  </a:rPr>
+                  <a:t> </a:t>
+                </a:r>
+              </a:p>
+            </p:txBody>
+          </p:sp>
+        </mc:Fallback>
+      </mc:AlternateContent>
       <p:pic>
         <p:nvPicPr>
           <p:cNvPr id="15" name="Рисунок 14">
@@ -20362,7 +20613,7 @@
         </p:blipFill>
         <p:spPr>
           <a:xfrm>
-            <a:off x="4976956" y="6334664"/>
+            <a:off x="4470544" y="6334664"/>
             <a:ext cx="2343150" cy="266700"/>
           </a:xfrm>
           <a:prstGeom prst="rect">
@@ -20659,6 +20910,30 @@
           </a:p>
         </p:txBody>
       </p:sp>
+      <p:pic>
+        <p:nvPicPr>
+          <p:cNvPr id="9" name="Рисунок 8"/>
+          <p:cNvPicPr>
+            <a:picLocks noChangeAspect="1"/>
+          </p:cNvPicPr>
+          <p:nvPr/>
+        </p:nvPicPr>
+        <p:blipFill>
+          <a:blip r:embed="rId8"/>
+          <a:stretch>
+            <a:fillRect/>
+          </a:stretch>
+        </p:blipFill>
+        <p:spPr>
+          <a:xfrm>
+            <a:off x="6748641" y="3357849"/>
+            <a:ext cx="1262011" cy="878782"/>
+          </a:xfrm>
+          <a:prstGeom prst="rect">
+            <a:avLst/>
+          </a:prstGeom>
+        </p:spPr>
+      </p:pic>
     </p:spTree>
     <p:extLst>
       <p:ext uri="{BB962C8B-B14F-4D97-AF65-F5344CB8AC3E}">
@@ -20808,8 +21083,8 @@
         </p:nvSpPr>
         <p:spPr>
           <a:xfrm>
-            <a:off x="214882" y="1656134"/>
-            <a:ext cx="3596468" cy="4815003"/>
+            <a:off x="214882" y="1656135"/>
+            <a:ext cx="3596468" cy="3639766"/>
           </a:xfrm>
           <a:prstGeom prst="rect">
             <a:avLst/>
@@ -21493,6 +21768,158 @@
           </a:prstGeom>
         </p:spPr>
       </p:pic>
+      <mc:AlternateContent xmlns:mc="http://schemas.openxmlformats.org/markup-compatibility/2006" xmlns:a14="http://schemas.microsoft.com/office/drawing/2010/main">
+        <mc:Choice Requires="a14">
+          <p:sp>
+            <p:nvSpPr>
+              <p:cNvPr id="3" name="Прямоугольник 2"/>
+              <p:cNvSpPr/>
+              <p:nvPr/>
+            </p:nvSpPr>
+            <p:spPr>
+              <a:xfrm>
+                <a:off x="1018980" y="5675531"/>
+                <a:ext cx="1814278" cy="351443"/>
+              </a:xfrm>
+              <a:prstGeom prst="rect">
+                <a:avLst/>
+              </a:prstGeom>
+            </p:spPr>
+            <p:txBody>
+              <a:bodyPr wrap="none">
+                <a:spAutoFit/>
+              </a:bodyPr>
+              <a:lstStyle/>
+              <a:p>
+                <a:pPr/>
+                <a14:m>
+                  <m:oMathPara xmlns:m="http://schemas.openxmlformats.org/officeDocument/2006/math">
+                    <m:oMathParaPr>
+                      <m:jc m:val="centerGroup"/>
+                    </m:oMathParaPr>
+                    <m:oMath xmlns:m="http://schemas.openxmlformats.org/officeDocument/2006/math">
+                      <m:sSubSup>
+                        <m:sSubSupPr>
+                          <m:ctrlPr>
+                            <a:rPr lang="ru-RU" sz="1600" i="1" smtClean="0">
+                              <a:latin typeface="Cambria Math" panose="02040503050406030204" pitchFamily="18" charset="0"/>
+                              <a:cs typeface="Segoe UI" panose="020B0502040204020203" pitchFamily="34" charset="0"/>
+                            </a:rPr>
+                          </m:ctrlPr>
+                        </m:sSubSupPr>
+                        <m:e>
+                          <m:r>
+                            <a:rPr lang="en-US" sz="1600" i="1">
+                              <a:latin typeface="Cambria Math" panose="02040503050406030204" pitchFamily="18" charset="0"/>
+                              <a:cs typeface="Segoe UI" panose="020B0502040204020203" pitchFamily="34" charset="0"/>
+                            </a:rPr>
+                            <m:t>𝑃</m:t>
+                          </m:r>
+                        </m:e>
+                        <m:sub>
+                          <m:r>
+                            <a:rPr lang="en-US" sz="1600" i="1">
+                              <a:latin typeface="Cambria Math" panose="02040503050406030204" pitchFamily="18" charset="0"/>
+                              <a:cs typeface="Segoe UI" panose="020B0502040204020203" pitchFamily="34" charset="0"/>
+                            </a:rPr>
+                            <m:t>1</m:t>
+                          </m:r>
+                          <m:r>
+                            <a:rPr lang="en-US" sz="1600" i="1">
+                              <a:latin typeface="Cambria Math" panose="02040503050406030204" pitchFamily="18" charset="0"/>
+                              <a:cs typeface="Segoe UI" panose="020B0502040204020203" pitchFamily="34" charset="0"/>
+                            </a:rPr>
+                            <m:t>𝑑𝐵</m:t>
+                          </m:r>
+                        </m:sub>
+                        <m:sup>
+                          <m:r>
+                            <a:rPr lang="en-US" sz="1600" i="1">
+                              <a:latin typeface="Cambria Math" panose="02040503050406030204" pitchFamily="18" charset="0"/>
+                              <a:cs typeface="Segoe UI" panose="020B0502040204020203" pitchFamily="34" charset="0"/>
+                            </a:rPr>
+                            <m:t>𝑂𝑈𝑇</m:t>
+                          </m:r>
+                        </m:sup>
+                      </m:sSubSup>
+                      <m:r>
+                        <a:rPr lang="en-US" sz="1600" i="1">
+                          <a:latin typeface="Cambria Math" panose="02040503050406030204" pitchFamily="18" charset="0"/>
+                          <a:cs typeface="Segoe UI" panose="020B0502040204020203" pitchFamily="34" charset="0"/>
+                        </a:rPr>
+                        <m:t>=1</m:t>
+                      </m:r>
+                      <m:r>
+                        <a:rPr lang="en-US" sz="1600" b="0" i="1" smtClean="0">
+                          <a:latin typeface="Cambria Math" panose="02040503050406030204" pitchFamily="18" charset="0"/>
+                          <a:cs typeface="Segoe UI" panose="020B0502040204020203" pitchFamily="34" charset="0"/>
+                        </a:rPr>
+                        <m:t>1.</m:t>
+                      </m:r>
+                      <m:r>
+                        <a:rPr lang="en-US" sz="1600" i="1">
+                          <a:latin typeface="Cambria Math" panose="02040503050406030204" pitchFamily="18" charset="0"/>
+                          <a:cs typeface="Segoe UI" panose="020B0502040204020203" pitchFamily="34" charset="0"/>
+                        </a:rPr>
+                        <m:t>6 </m:t>
+                      </m:r>
+                      <m:r>
+                        <a:rPr lang="en-US" sz="1600" i="1">
+                          <a:latin typeface="Cambria Math" panose="02040503050406030204" pitchFamily="18" charset="0"/>
+                          <a:cs typeface="Segoe UI" panose="020B0502040204020203" pitchFamily="34" charset="0"/>
+                        </a:rPr>
+                        <m:t>𝑑𝐵𝑚</m:t>
+                      </m:r>
+                    </m:oMath>
+                  </m:oMathPara>
+                </a14:m>
+                <a:endParaRPr lang="ru-RU" dirty="0">
+                  <a:latin typeface="Segoe UI" panose="020B0502040204020203" pitchFamily="34" charset="0"/>
+                  <a:cs typeface="Segoe UI" panose="020B0502040204020203" pitchFamily="34" charset="0"/>
+                </a:endParaRPr>
+              </a:p>
+            </p:txBody>
+          </p:sp>
+        </mc:Choice>
+        <mc:Fallback xmlns="">
+          <p:sp>
+            <p:nvSpPr>
+              <p:cNvPr id="3" name="Прямоугольник 2"/>
+              <p:cNvSpPr>
+                <a:spLocks noRot="1" noChangeAspect="1" noMove="1" noResize="1" noEditPoints="1" noAdjustHandles="1" noChangeArrowheads="1" noChangeShapeType="1" noTextEdit="1"/>
+              </p:cNvSpPr>
+              <p:nvPr/>
+            </p:nvSpPr>
+            <p:spPr>
+              <a:xfrm>
+                <a:off x="1018980" y="5675531"/>
+                <a:ext cx="1814278" cy="351443"/>
+              </a:xfrm>
+              <a:prstGeom prst="rect">
+                <a:avLst/>
+              </a:prstGeom>
+              <a:blipFill>
+                <a:blip r:embed="rId4"/>
+                <a:stretch>
+                  <a:fillRect/>
+                </a:stretch>
+              </a:blipFill>
+            </p:spPr>
+            <p:txBody>
+              <a:bodyPr/>
+              <a:lstStyle/>
+              <a:p>
+                <a:r>
+                  <a:rPr lang="ru-RU">
+                    <a:noFill/>
+                  </a:rPr>
+                  <a:t> </a:t>
+                </a:r>
+              </a:p>
+            </p:txBody>
+          </p:sp>
+        </mc:Fallback>
+      </mc:AlternateContent>
     </p:spTree>
     <p:extLst>
       <p:ext uri="{BB962C8B-B14F-4D97-AF65-F5344CB8AC3E}">
@@ -21503,6 +21930,13 @@
   <p:clrMapOvr>
     <a:masterClrMapping/>
   </p:clrMapOvr>
+  <p:timing>
+    <p:tnLst>
+      <p:par>
+        <p:cTn id="1" dur="indefinite" restart="never" nodeType="tmRoot"/>
+      </p:par>
+    </p:tnLst>
+  </p:timing>
 </p:sld>
 </file>
 
@@ -22290,6 +22724,55 @@
           </a:p>
         </p:txBody>
       </p:sp>
+      <p:sp>
+        <p:nvSpPr>
+          <p:cNvPr id="9" name="Прямоугольник 8"/>
+          <p:cNvSpPr/>
+          <p:nvPr/>
+        </p:nvSpPr>
+        <p:spPr>
+          <a:xfrm>
+            <a:off x="401662" y="6494305"/>
+            <a:ext cx="4360837" cy="276999"/>
+          </a:xfrm>
+          <a:prstGeom prst="rect">
+            <a:avLst/>
+          </a:prstGeom>
+        </p:spPr>
+        <p:txBody>
+          <a:bodyPr wrap="square">
+            <a:spAutoFit/>
+          </a:bodyPr>
+          <a:lstStyle/>
+          <a:p>
+            <a:r>
+              <a:rPr lang="en-US" sz="1200" i="1" dirty="0" smtClean="0">
+                <a:latin typeface="Segoe UI" panose="020B0502040204020203" pitchFamily="34" charset="0"/>
+                <a:cs typeface="Segoe UI" panose="020B0502040204020203" pitchFamily="34" charset="0"/>
+              </a:rPr>
+              <a:t>LLS </a:t>
+            </a:r>
+            <a:r>
+              <a:rPr lang="ru-RU" sz="1200" i="1" dirty="0" smtClean="0">
+                <a:latin typeface="Segoe UI" panose="020B0502040204020203" pitchFamily="34" charset="0"/>
+                <a:cs typeface="Segoe UI" panose="020B0502040204020203" pitchFamily="34" charset="0"/>
+              </a:rPr>
+              <a:t>разработан Пудеевым А.В., </a:t>
+            </a:r>
+            <a:r>
+              <a:rPr lang="en-US" sz="1200" i="1" dirty="0" smtClean="0">
+                <a:latin typeface="Segoe UI" panose="020B0502040204020203" pitchFamily="34" charset="0"/>
+                <a:cs typeface="Segoe UI" panose="020B0502040204020203" pitchFamily="34" charset="0"/>
+              </a:rPr>
+              <a:t>LG Electronics</a:t>
+            </a:r>
+            <a:endParaRPr lang="en-US" sz="1200" i="1" dirty="0">
+              <a:latin typeface="Segoe UI" panose="020B0502040204020203" pitchFamily="34" charset="0"/>
+              <a:cs typeface="Segoe UI" panose="020B0502040204020203" pitchFamily="34" charset="0"/>
+            </a:endParaRPr>
+          </a:p>
+        </p:txBody>
+      </p:sp>
     </p:spTree>
     <p:extLst>
       <p:ext uri="{BB962C8B-B14F-4D97-AF65-F5344CB8AC3E}">
@@ -22300,6 +22783,13 @@
   <p:clrMapOvr>
     <a:masterClrMapping/>
   </p:clrMapOvr>
+  <p:timing>
+    <p:tnLst>
+      <p:par>
+        <p:cTn id="1" dur="indefinite" restart="never" nodeType="tmRoot"/>
+      </p:par>
+    </p:tnLst>
+  </p:timing>
 </p:sld>
 </file>
 

--- a/Presentation.pptx
+++ b/Presentation.pptx
@@ -5,7 +5,7 @@
     <p:sldMasterId id="2147483708" r:id="rId1"/>
   </p:sldMasterIdLst>
   <p:notesMasterIdLst>
-    <p:notesMasterId r:id="rId30"/>
+    <p:notesMasterId r:id="rId32"/>
   </p:notesMasterIdLst>
   <p:sldIdLst>
     <p:sldId id="256" r:id="rId2"/>
@@ -13,7 +13,7 @@
     <p:sldId id="365" r:id="rId4"/>
     <p:sldId id="362" r:id="rId5"/>
     <p:sldId id="366" r:id="rId6"/>
-    <p:sldId id="375" r:id="rId7"/>
+    <p:sldId id="393" r:id="rId7"/>
     <p:sldId id="363" r:id="rId8"/>
     <p:sldId id="368" r:id="rId9"/>
     <p:sldId id="367" r:id="rId10"/>
@@ -31,11 +31,13 @@
     <p:sldId id="388" r:id="rId22"/>
     <p:sldId id="389" r:id="rId23"/>
     <p:sldId id="392" r:id="rId24"/>
-    <p:sldId id="390" r:id="rId25"/>
-    <p:sldId id="382" r:id="rId26"/>
-    <p:sldId id="383" r:id="rId27"/>
-    <p:sldId id="386" r:id="rId28"/>
-    <p:sldId id="387" r:id="rId29"/>
+    <p:sldId id="375" r:id="rId25"/>
+    <p:sldId id="394" r:id="rId26"/>
+    <p:sldId id="390" r:id="rId27"/>
+    <p:sldId id="382" r:id="rId28"/>
+    <p:sldId id="383" r:id="rId29"/>
+    <p:sldId id="386" r:id="rId30"/>
+    <p:sldId id="387" r:id="rId31"/>
   </p:sldIdLst>
   <p:sldSz cx="9144000" cy="6858000" type="screen4x3"/>
   <p:notesSz cx="6858000" cy="9144000"/>
@@ -235,7 +237,7 @@
           <a:p>
             <a:fld id="{44520D1A-6BF5-4F95-B58D-D836C203D0C1}" type="datetimeFigureOut">
               <a:rPr lang="ru-RU" smtClean="0"/>
-              <a:t>07.06.2022</a:t>
+              <a:t>14.06.2022</a:t>
             </a:fld>
             <a:endParaRPr lang="ru-RU"/>
           </a:p>
@@ -798,7 +800,7 @@
           <a:p>
             <a:fld id="{CE7AEB54-EFC9-4CAF-82CC-75A466E3AA9C}" type="datetime1">
               <a:rPr lang="ru-RU" smtClean="0"/>
-              <a:t>07.06.2022</a:t>
+              <a:t>14.06.2022</a:t>
             </a:fld>
             <a:endParaRPr lang="ru-RU"/>
           </a:p>
@@ -990,7 +992,7 @@
           <a:p>
             <a:fld id="{CC02C0E8-6B6D-448A-B9C4-BD0730654AD4}" type="datetime1">
               <a:rPr lang="ru-RU" smtClean="0"/>
-              <a:t>07.06.2022</a:t>
+              <a:t>14.06.2022</a:t>
             </a:fld>
             <a:endParaRPr lang="ru-RU"/>
           </a:p>
@@ -1170,7 +1172,7 @@
           <a:p>
             <a:fld id="{B856AD82-8A9E-4AA3-AA9E-7B9FB6E8F8A7}" type="datetime1">
               <a:rPr lang="ru-RU" smtClean="0"/>
-              <a:t>07.06.2022</a:t>
+              <a:t>14.06.2022</a:t>
             </a:fld>
             <a:endParaRPr lang="ru-RU"/>
           </a:p>
@@ -1340,7 +1342,7 @@
           <a:p>
             <a:fld id="{15EE9521-0049-4678-B379-C0731D5890A9}" type="datetime1">
               <a:rPr lang="ru-RU" smtClean="0"/>
-              <a:t>07.06.2022</a:t>
+              <a:t>14.06.2022</a:t>
             </a:fld>
             <a:endParaRPr lang="ru-RU"/>
           </a:p>
@@ -1594,7 +1596,7 @@
           <a:p>
             <a:fld id="{F9F43CBE-9BC2-4C9A-888B-CAC535D90BAF}" type="datetime1">
               <a:rPr lang="ru-RU" smtClean="0"/>
-              <a:t>07.06.2022</a:t>
+              <a:t>14.06.2022</a:t>
             </a:fld>
             <a:endParaRPr lang="ru-RU"/>
           </a:p>
@@ -1920,7 +1922,7 @@
           <a:p>
             <a:fld id="{37C0947A-0537-42D2-808C-A08A4CDF5D76}" type="datetime1">
               <a:rPr lang="ru-RU" smtClean="0"/>
-              <a:t>07.06.2022</a:t>
+              <a:t>14.06.2022</a:t>
             </a:fld>
             <a:endParaRPr lang="ru-RU"/>
           </a:p>
@@ -2340,7 +2342,7 @@
           <a:p>
             <a:fld id="{A8929EE6-C820-4D6F-9ADA-BB179A7A8A83}" type="datetime1">
               <a:rPr lang="ru-RU" smtClean="0"/>
-              <a:t>07.06.2022</a:t>
+              <a:t>14.06.2022</a:t>
             </a:fld>
             <a:endParaRPr lang="ru-RU"/>
           </a:p>
@@ -2459,7 +2461,7 @@
           <a:p>
             <a:fld id="{5C82630B-9DAE-4409-AFF0-79F5C7161C4E}" type="datetime1">
               <a:rPr lang="ru-RU" smtClean="0"/>
-              <a:t>07.06.2022</a:t>
+              <a:t>14.06.2022</a:t>
             </a:fld>
             <a:endParaRPr lang="ru-RU"/>
           </a:p>
@@ -2554,7 +2556,7 @@
           <a:p>
             <a:fld id="{A431ED0E-67BA-4AE3-8FC6-97723DF455A8}" type="datetime1">
               <a:rPr lang="ru-RU" smtClean="0"/>
-              <a:t>07.06.2022</a:t>
+              <a:t>14.06.2022</a:t>
             </a:fld>
             <a:endParaRPr lang="ru-RU"/>
           </a:p>
@@ -2841,7 +2843,7 @@
           <a:p>
             <a:fld id="{00278453-7134-48F9-BF64-ED8A41C38433}" type="datetime1">
               <a:rPr lang="ru-RU" smtClean="0"/>
-              <a:t>07.06.2022</a:t>
+              <a:t>14.06.2022</a:t>
             </a:fld>
             <a:endParaRPr lang="ru-RU"/>
           </a:p>
@@ -3163,7 +3165,7 @@
           <a:p>
             <a:fld id="{AFD10698-F4D3-4419-A9E9-6D61E20A3139}" type="datetime1">
               <a:rPr lang="ru-RU" smtClean="0"/>
-              <a:t>07.06.2022</a:t>
+              <a:t>14.06.2022</a:t>
             </a:fld>
             <a:endParaRPr lang="ru-RU"/>
           </a:p>
@@ -3417,7 +3419,7 @@
           <a:p>
             <a:fld id="{A8929EE6-C820-4D6F-9ADA-BB179A7A8A83}" type="datetime1">
               <a:rPr lang="ru-RU" smtClean="0"/>
-              <a:t>07.06.2022</a:t>
+              <a:t>14.06.2022</a:t>
             </a:fld>
             <a:endParaRPr lang="ru-RU"/>
           </a:p>
@@ -4269,6 +4271,13 @@
   <p:clrMapOvr>
     <a:masterClrMapping/>
   </p:clrMapOvr>
+  <p:timing>
+    <p:tnLst>
+      <p:par>
+        <p:cTn id="1" dur="indefinite" restart="never" nodeType="tmRoot"/>
+      </p:par>
+    </p:tnLst>
+  </p:timing>
 </p:sld>
 </file>
 
@@ -4370,13 +4379,13 @@
         </p:nvPicPr>
         <p:blipFill rotWithShape="1">
           <a:blip r:embed="rId2"/>
-          <a:srcRect r="6939" b="16156"/>
+          <a:srcRect l="9405" t="6356" r="8342" b="16156"/>
           <a:stretch/>
         </p:blipFill>
         <p:spPr>
           <a:xfrm>
-            <a:off x="961293" y="1993511"/>
-            <a:ext cx="7401114" cy="4229950"/>
+            <a:off x="1855176" y="1373196"/>
+            <a:ext cx="6541477" cy="3909301"/>
           </a:xfrm>
           <a:prstGeom prst="rect">
             <a:avLst/>
@@ -4400,7 +4409,7 @@
         <p:spPr>
           <a:xfrm>
             <a:off x="207608" y="1090249"/>
-            <a:ext cx="3869055" cy="2227382"/>
+            <a:ext cx="3546707" cy="2404848"/>
           </a:xfrm>
           <a:prstGeom prst="rect">
             <a:avLst/>
@@ -4683,11 +4692,11 @@
               <a:t>использующиеся для </a:t>
             </a:r>
             <a:r>
-              <a:rPr lang="en-US" dirty="0">
-                <a:latin typeface="Segoe UI" panose="020B0502040204020203" pitchFamily="34" charset="0"/>
-                <a:cs typeface="Segoe UI" panose="020B0502040204020203" pitchFamily="34" charset="0"/>
-              </a:rPr>
-              <a:t>Uplink</a:t>
+              <a:rPr lang="ru-RU" dirty="0" smtClean="0">
+                <a:latin typeface="Segoe UI" panose="020B0502040204020203" pitchFamily="34" charset="0"/>
+                <a:cs typeface="Segoe UI" panose="020B0502040204020203" pitchFamily="34" charset="0"/>
+              </a:rPr>
+              <a:t>восходящей линии:</a:t>
             </a:r>
             <a:endParaRPr lang="ru-RU" dirty="0">
               <a:latin typeface="Segoe UI" panose="020B0502040204020203" pitchFamily="34" charset="0"/>
@@ -4695,13 +4704,14 @@
             </a:endParaRPr>
           </a:p>
           <a:p>
-            <a:pPr>
+            <a:pPr marL="0" indent="0">
               <a:lnSpc>
                 <a:spcPct val="100000"/>
               </a:lnSpc>
+              <a:buNone/>
             </a:pPr>
             <a:r>
-              <a:rPr lang="en-US" sz="2400" dirty="0">
+              <a:rPr lang="en-US" sz="2000" dirty="0" smtClean="0">
                 <a:latin typeface="Segoe UI" panose="020B0502040204020203" pitchFamily="34" charset="0"/>
                 <a:cs typeface="Segoe UI" panose="020B0502040204020203" pitchFamily="34" charset="0"/>
               </a:rPr>
@@ -4709,19 +4719,20 @@
             </a:r>
           </a:p>
           <a:p>
-            <a:pPr>
+            <a:pPr marL="0" indent="0">
               <a:lnSpc>
                 <a:spcPct val="100000"/>
               </a:lnSpc>
+              <a:buNone/>
             </a:pPr>
             <a:r>
-              <a:rPr lang="en-US" sz="2400" dirty="0">
+              <a:rPr lang="en-US" sz="2000" dirty="0" smtClean="0">
                 <a:latin typeface="Segoe UI" panose="020B0502040204020203" pitchFamily="34" charset="0"/>
                 <a:cs typeface="Segoe UI" panose="020B0502040204020203" pitchFamily="34" charset="0"/>
               </a:rPr>
               <a:t>DFT-s-OFDM</a:t>
             </a:r>
-            <a:endParaRPr lang="ru-RU" sz="2400" dirty="0">
+            <a:endParaRPr lang="ru-RU" sz="2000" dirty="0">
               <a:latin typeface="Segoe UI" panose="020B0502040204020203" pitchFamily="34" charset="0"/>
               <a:cs typeface="Segoe UI" panose="020B0502040204020203" pitchFamily="34" charset="0"/>
             </a:endParaRPr>
@@ -4744,7 +4755,7 @@
         </p:nvSpPr>
         <p:spPr>
           <a:xfrm>
-            <a:off x="3094892" y="6164845"/>
+            <a:off x="3396761" y="5272087"/>
             <a:ext cx="4736123" cy="781606"/>
           </a:xfrm>
           <a:prstGeom prst="rect">
@@ -5070,8 +5081,8 @@
         </p:nvSpPr>
         <p:spPr>
           <a:xfrm>
-            <a:off x="312452" y="5641578"/>
-            <a:ext cx="3141784" cy="1345904"/>
+            <a:off x="5299271" y="956311"/>
+            <a:ext cx="3141784" cy="842995"/>
           </a:xfrm>
           <a:prstGeom prst="rect">
             <a:avLst/>
@@ -5325,7 +5336,7 @@
             </a:lvl9pPr>
           </a:lstStyle>
           <a:p>
-            <a:pPr marL="0" indent="0">
+            <a:pPr marL="0" indent="0" algn="r">
               <a:lnSpc>
                 <a:spcPct val="30000"/>
               </a:lnSpc>
@@ -5333,28 +5344,28 @@
               <a:buNone/>
             </a:pPr>
             <a:r>
-              <a:rPr lang="en-US" dirty="0">
+              <a:rPr lang="en-US" sz="1600" dirty="0">
                 <a:latin typeface="Segoe UI" panose="020B0502040204020203" pitchFamily="34" charset="0"/>
                 <a:cs typeface="Segoe UI" panose="020B0502040204020203" pitchFamily="34" charset="0"/>
               </a:rPr>
               <a:t>K-DFT: DFT </a:t>
             </a:r>
             <a:r>
-              <a:rPr lang="ru-RU" dirty="0">
+              <a:rPr lang="ru-RU" sz="1600" dirty="0">
                 <a:latin typeface="Segoe UI" panose="020B0502040204020203" pitchFamily="34" charset="0"/>
                 <a:cs typeface="Segoe UI" panose="020B0502040204020203" pitchFamily="34" charset="0"/>
               </a:rPr>
               <a:t>по </a:t>
             </a:r>
             <a:r>
-              <a:rPr lang="en-US" dirty="0">
+              <a:rPr lang="en-US" sz="1600" dirty="0">
                 <a:latin typeface="Segoe UI" panose="020B0502040204020203" pitchFamily="34" charset="0"/>
                 <a:cs typeface="Segoe UI" panose="020B0502040204020203" pitchFamily="34" charset="0"/>
               </a:rPr>
               <a:t>K </a:t>
             </a:r>
             <a:r>
-              <a:rPr lang="ru-RU" dirty="0">
+              <a:rPr lang="ru-RU" sz="1600" dirty="0">
                 <a:latin typeface="Segoe UI" panose="020B0502040204020203" pitchFamily="34" charset="0"/>
                 <a:cs typeface="Segoe UI" panose="020B0502040204020203" pitchFamily="34" charset="0"/>
               </a:rPr>
@@ -5362,73 +5373,73 @@
             </a:r>
           </a:p>
           <a:p>
-            <a:pPr marL="0" indent="0">
+            <a:pPr marL="0" indent="0" algn="r">
               <a:lnSpc>
                 <a:spcPct val="30000"/>
               </a:lnSpc>
               <a:buNone/>
             </a:pPr>
             <a:r>
-              <a:rPr lang="en-US" dirty="0">
+              <a:rPr lang="en-US" sz="1600" dirty="0">
                 <a:latin typeface="Segoe UI" panose="020B0502040204020203" pitchFamily="34" charset="0"/>
                 <a:cs typeface="Segoe UI" panose="020B0502040204020203" pitchFamily="34" charset="0"/>
               </a:rPr>
               <a:t>M-IFFT: IDFT </a:t>
             </a:r>
             <a:r>
-              <a:rPr lang="ru-RU" dirty="0">
+              <a:rPr lang="ru-RU" sz="1600" dirty="0">
                 <a:latin typeface="Segoe UI" panose="020B0502040204020203" pitchFamily="34" charset="0"/>
                 <a:cs typeface="Segoe UI" panose="020B0502040204020203" pitchFamily="34" charset="0"/>
               </a:rPr>
               <a:t>по </a:t>
             </a:r>
             <a:r>
-              <a:rPr lang="en-US" dirty="0">
+              <a:rPr lang="en-US" sz="1600" dirty="0">
                 <a:latin typeface="Segoe UI" panose="020B0502040204020203" pitchFamily="34" charset="0"/>
                 <a:cs typeface="Segoe UI" panose="020B0502040204020203" pitchFamily="34" charset="0"/>
               </a:rPr>
               <a:t>M </a:t>
             </a:r>
             <a:r>
-              <a:rPr lang="ru-RU" dirty="0">
+              <a:rPr lang="ru-RU" sz="1600" dirty="0">
                 <a:latin typeface="Segoe UI" panose="020B0502040204020203" pitchFamily="34" charset="0"/>
                 <a:cs typeface="Segoe UI" panose="020B0502040204020203" pitchFamily="34" charset="0"/>
               </a:rPr>
               <a:t>точкам</a:t>
             </a:r>
-            <a:endParaRPr lang="en-US" dirty="0">
+            <a:endParaRPr lang="en-US" sz="1600" dirty="0">
               <a:latin typeface="Segoe UI" panose="020B0502040204020203" pitchFamily="34" charset="0"/>
               <a:cs typeface="Segoe UI" panose="020B0502040204020203" pitchFamily="34" charset="0"/>
             </a:endParaRPr>
           </a:p>
           <a:p>
-            <a:pPr marL="0" indent="0">
+            <a:pPr marL="0" indent="0" algn="r">
               <a:lnSpc>
                 <a:spcPct val="30000"/>
               </a:lnSpc>
               <a:buNone/>
             </a:pPr>
             <a:r>
-              <a:rPr lang="en-US" dirty="0">
+              <a:rPr lang="en-US" sz="1600" dirty="0">
                 <a:latin typeface="Segoe UI" panose="020B0502040204020203" pitchFamily="34" charset="0"/>
                 <a:cs typeface="Segoe UI" panose="020B0502040204020203" pitchFamily="34" charset="0"/>
               </a:rPr>
               <a:t>M&gt;K</a:t>
             </a:r>
-            <a:endParaRPr lang="ru-RU" dirty="0">
+            <a:endParaRPr lang="ru-RU" sz="1600" dirty="0">
               <a:latin typeface="Segoe UI" panose="020B0502040204020203" pitchFamily="34" charset="0"/>
               <a:cs typeface="Segoe UI" panose="020B0502040204020203" pitchFamily="34" charset="0"/>
             </a:endParaRPr>
           </a:p>
           <a:p>
-            <a:pPr marL="0" indent="0">
+            <a:pPr marL="0" indent="0" algn="r">
               <a:lnSpc>
                 <a:spcPct val="30000"/>
               </a:lnSpc>
               <a:buFont typeface="Arial" pitchFamily="34" charset="0"/>
               <a:buNone/>
             </a:pPr>
-            <a:endParaRPr lang="ru-RU" dirty="0">
+            <a:endParaRPr lang="ru-RU" sz="1600" dirty="0">
               <a:latin typeface="Segoe UI" panose="020B0502040204020203" pitchFamily="34" charset="0"/>
               <a:cs typeface="Segoe UI" panose="020B0502040204020203" pitchFamily="34" charset="0"/>
             </a:endParaRPr>
@@ -5451,8 +5462,8 @@
         </p:nvSpPr>
         <p:spPr>
           <a:xfrm>
-            <a:off x="4076663" y="1089216"/>
-            <a:ext cx="4012260" cy="1577651"/>
+            <a:off x="71639" y="4316541"/>
+            <a:ext cx="3533207" cy="1550377"/>
           </a:xfrm>
           <a:prstGeom prst="rect">
             <a:avLst/>
@@ -5755,6 +5766,62 @@
               </a:rPr>
               <a:t>поэтому он более эффективен при использовании нелинейного УМ</a:t>
             </a:r>
+          </a:p>
+        </p:txBody>
+      </p:sp>
+      <p:sp>
+        <p:nvSpPr>
+          <p:cNvPr id="3" name="Прямоугольник 2"/>
+          <p:cNvSpPr/>
+          <p:nvPr/>
+        </p:nvSpPr>
+        <p:spPr>
+          <a:xfrm>
+            <a:off x="77335" y="6103941"/>
+            <a:ext cx="8681360" cy="923330"/>
+          </a:xfrm>
+          <a:prstGeom prst="rect">
+            <a:avLst/>
+          </a:prstGeom>
+        </p:spPr>
+        <p:txBody>
+          <a:bodyPr wrap="square">
+            <a:spAutoFit/>
+          </a:bodyPr>
+          <a:lstStyle/>
+          <a:p>
+            <a:pPr>
+              <a:lnSpc>
+                <a:spcPct val="100000"/>
+              </a:lnSpc>
+            </a:pPr>
+            <a:r>
+              <a:rPr lang="en-US" i="1" dirty="0" smtClean="0">
+                <a:latin typeface="Segoe UI" panose="020B0502040204020203" pitchFamily="34" charset="0"/>
+                <a:cs typeface="Segoe UI" panose="020B0502040204020203" pitchFamily="34" charset="0"/>
+              </a:rPr>
+              <a:t>CP-OFDM – Cyclic Prefix - Orthogonal Frequency-Division Multiplexing</a:t>
+            </a:r>
+          </a:p>
+          <a:p>
+            <a:r>
+              <a:rPr lang="en-US" i="1" dirty="0">
+                <a:latin typeface="Segoe UI" panose="020B0502040204020203" pitchFamily="34" charset="0"/>
+                <a:cs typeface="Segoe UI" panose="020B0502040204020203" pitchFamily="34" charset="0"/>
+              </a:rPr>
+              <a:t>DFT-s-OFDM – Discrete Fourier Transform-spread-OFDM </a:t>
+            </a:r>
+          </a:p>
+          <a:p>
+            <a:pPr>
+              <a:lnSpc>
+                <a:spcPct val="100000"/>
+              </a:lnSpc>
+            </a:pPr>
+            <a:endParaRPr lang="en-US" i="1" dirty="0">
+              <a:latin typeface="Segoe UI" panose="020B0502040204020203" pitchFamily="34" charset="0"/>
+              <a:cs typeface="Segoe UI" panose="020B0502040204020203" pitchFamily="34" charset="0"/>
+            </a:endParaRPr>
           </a:p>
         </p:txBody>
       </p:sp>
@@ -7027,6 +7094,298 @@
           </a:p>
         </p:txBody>
       </p:sp>
+      <p:sp>
+        <p:nvSpPr>
+          <p:cNvPr id="11" name="Объект 2">
+            <a:extLst>
+              <a:ext uri="{FF2B5EF4-FFF2-40B4-BE49-F238E27FC236}">
+                <a16:creationId xmlns:a16="http://schemas.microsoft.com/office/drawing/2014/main" id="{422779E5-A1E4-2080-31BD-D75834EC5552}"/>
+              </a:ext>
+            </a:extLst>
+          </p:cNvPr>
+          <p:cNvSpPr txBox="1">
+            <a:spLocks/>
+          </p:cNvSpPr>
+          <p:nvPr/>
+        </p:nvSpPr>
+        <p:spPr>
+          <a:xfrm>
+            <a:off x="117232" y="1555677"/>
+            <a:ext cx="3048313" cy="596223"/>
+          </a:xfrm>
+          <a:prstGeom prst="rect">
+            <a:avLst/>
+          </a:prstGeom>
+        </p:spPr>
+        <p:txBody>
+          <a:bodyPr vert="horz" lIns="91440" tIns="45720" rIns="91440" bIns="45720" rtlCol="0">
+            <a:normAutofit/>
+          </a:bodyPr>
+          <a:lstStyle>
+            <a:lvl1pPr marL="182880" indent="-182880" algn="l" defTabSz="914400" rtl="0" eaLnBrk="1" latinLnBrk="0" hangingPunct="1">
+              <a:lnSpc>
+                <a:spcPct val="95000"/>
+              </a:lnSpc>
+              <a:spcBef>
+                <a:spcPts val="1400"/>
+              </a:spcBef>
+              <a:spcAft>
+                <a:spcPts val="200"/>
+              </a:spcAft>
+              <a:buClr>
+                <a:schemeClr val="accent1"/>
+              </a:buClr>
+              <a:buSzPct val="80000"/>
+              <a:buFont typeface="Arial" pitchFamily="34" charset="0"/>
+              <a:buChar char="•"/>
+              <a:defRPr sz="1800" kern="1200" spc="10" baseline="0">
+                <a:solidFill>
+                  <a:schemeClr val="tx1"/>
+                </a:solidFill>
+                <a:latin typeface="+mn-lt"/>
+                <a:ea typeface="+mn-ea"/>
+                <a:cs typeface="+mn-cs"/>
+              </a:defRPr>
+            </a:lvl1pPr>
+            <a:lvl2pPr marL="457200" indent="-182880" algn="l" defTabSz="914400" rtl="0" eaLnBrk="1" latinLnBrk="0" hangingPunct="1">
+              <a:lnSpc>
+                <a:spcPct val="90000"/>
+              </a:lnSpc>
+              <a:spcBef>
+                <a:spcPts val="300"/>
+              </a:spcBef>
+              <a:spcAft>
+                <a:spcPts val="300"/>
+              </a:spcAft>
+              <a:buClr>
+                <a:schemeClr val="accent1"/>
+              </a:buClr>
+              <a:buFont typeface="Wingdings 2" pitchFamily="18" charset="2"/>
+              <a:buChar char=""/>
+              <a:defRPr sz="1600" kern="1200">
+                <a:solidFill>
+                  <a:schemeClr val="tx1">
+                    <a:lumMod val="85000"/>
+                    <a:lumOff val="15000"/>
+                  </a:schemeClr>
+                </a:solidFill>
+                <a:latin typeface="+mn-lt"/>
+                <a:ea typeface="+mn-ea"/>
+                <a:cs typeface="+mn-cs"/>
+              </a:defRPr>
+            </a:lvl2pPr>
+            <a:lvl3pPr marL="731520" indent="-182880" algn="l" defTabSz="914400" rtl="0" eaLnBrk="1" latinLnBrk="0" hangingPunct="1">
+              <a:lnSpc>
+                <a:spcPct val="90000"/>
+              </a:lnSpc>
+              <a:spcBef>
+                <a:spcPts val="300"/>
+              </a:spcBef>
+              <a:spcAft>
+                <a:spcPts val="300"/>
+              </a:spcAft>
+              <a:buClr>
+                <a:schemeClr val="accent1"/>
+              </a:buClr>
+              <a:buFont typeface="Wingdings 2" pitchFamily="18" charset="2"/>
+              <a:buChar char=""/>
+              <a:defRPr sz="1400" kern="1200">
+                <a:solidFill>
+                  <a:schemeClr val="tx1">
+                    <a:lumMod val="85000"/>
+                    <a:lumOff val="15000"/>
+                  </a:schemeClr>
+                </a:solidFill>
+                <a:latin typeface="+mn-lt"/>
+                <a:ea typeface="+mn-ea"/>
+                <a:cs typeface="+mn-cs"/>
+              </a:defRPr>
+            </a:lvl3pPr>
+            <a:lvl4pPr marL="1005840" indent="-182880" algn="l" defTabSz="914400" rtl="0" eaLnBrk="1" latinLnBrk="0" hangingPunct="1">
+              <a:lnSpc>
+                <a:spcPct val="90000"/>
+              </a:lnSpc>
+              <a:spcBef>
+                <a:spcPts val="300"/>
+              </a:spcBef>
+              <a:spcAft>
+                <a:spcPts val="300"/>
+              </a:spcAft>
+              <a:buClr>
+                <a:schemeClr val="accent1"/>
+              </a:buClr>
+              <a:buFont typeface="Wingdings 2" pitchFamily="18" charset="2"/>
+              <a:buChar char=""/>
+              <a:defRPr sz="1400" kern="1200">
+                <a:solidFill>
+                  <a:schemeClr val="tx1">
+                    <a:lumMod val="85000"/>
+                    <a:lumOff val="15000"/>
+                  </a:schemeClr>
+                </a:solidFill>
+                <a:latin typeface="+mn-lt"/>
+                <a:ea typeface="+mn-ea"/>
+                <a:cs typeface="+mn-cs"/>
+              </a:defRPr>
+            </a:lvl4pPr>
+            <a:lvl5pPr marL="1280160" indent="-182880" algn="l" defTabSz="914400" rtl="0" eaLnBrk="1" latinLnBrk="0" hangingPunct="1">
+              <a:lnSpc>
+                <a:spcPct val="90000"/>
+              </a:lnSpc>
+              <a:spcBef>
+                <a:spcPts val="300"/>
+              </a:spcBef>
+              <a:spcAft>
+                <a:spcPts val="300"/>
+              </a:spcAft>
+              <a:buClr>
+                <a:schemeClr val="accent1"/>
+              </a:buClr>
+              <a:buFont typeface="Wingdings 2" pitchFamily="18" charset="2"/>
+              <a:buChar char=""/>
+              <a:defRPr sz="1400" kern="1200">
+                <a:solidFill>
+                  <a:schemeClr val="tx1">
+                    <a:lumMod val="85000"/>
+                    <a:lumOff val="15000"/>
+                  </a:schemeClr>
+                </a:solidFill>
+                <a:latin typeface="+mn-lt"/>
+                <a:ea typeface="+mn-ea"/>
+                <a:cs typeface="+mn-cs"/>
+              </a:defRPr>
+            </a:lvl5pPr>
+            <a:lvl6pPr marL="1600000" indent="-228600" algn="l" defTabSz="914400" rtl="0" eaLnBrk="1" latinLnBrk="0" hangingPunct="1">
+              <a:lnSpc>
+                <a:spcPct val="90000"/>
+              </a:lnSpc>
+              <a:spcBef>
+                <a:spcPts val="300"/>
+              </a:spcBef>
+              <a:spcAft>
+                <a:spcPts val="300"/>
+              </a:spcAft>
+              <a:buClr>
+                <a:schemeClr val="accent1"/>
+              </a:buClr>
+              <a:buFont typeface="Wingdings 2" pitchFamily="18" charset="2"/>
+              <a:buChar char=""/>
+              <a:defRPr sz="1400" kern="1200">
+                <a:solidFill>
+                  <a:schemeClr val="tx1">
+                    <a:lumMod val="85000"/>
+                    <a:lumOff val="15000"/>
+                  </a:schemeClr>
+                </a:solidFill>
+                <a:latin typeface="+mn-lt"/>
+                <a:ea typeface="+mn-ea"/>
+                <a:cs typeface="+mn-cs"/>
+              </a:defRPr>
+            </a:lvl6pPr>
+            <a:lvl7pPr marL="1900000" indent="-228600" algn="l" defTabSz="914400" rtl="0" eaLnBrk="1" latinLnBrk="0" hangingPunct="1">
+              <a:lnSpc>
+                <a:spcPct val="90000"/>
+              </a:lnSpc>
+              <a:spcBef>
+                <a:spcPts val="300"/>
+              </a:spcBef>
+              <a:spcAft>
+                <a:spcPts val="300"/>
+              </a:spcAft>
+              <a:buClr>
+                <a:schemeClr val="accent1"/>
+              </a:buClr>
+              <a:buFont typeface="Wingdings 2" pitchFamily="18" charset="2"/>
+              <a:buChar char=""/>
+              <a:defRPr sz="1400" kern="1200">
+                <a:solidFill>
+                  <a:schemeClr val="tx1">
+                    <a:lumMod val="85000"/>
+                    <a:lumOff val="15000"/>
+                  </a:schemeClr>
+                </a:solidFill>
+                <a:latin typeface="+mn-lt"/>
+                <a:ea typeface="+mn-ea"/>
+                <a:cs typeface="+mn-cs"/>
+              </a:defRPr>
+            </a:lvl7pPr>
+            <a:lvl8pPr marL="2200000" indent="-228600" algn="l" defTabSz="914400" rtl="0" eaLnBrk="1" latinLnBrk="0" hangingPunct="1">
+              <a:lnSpc>
+                <a:spcPct val="90000"/>
+              </a:lnSpc>
+              <a:spcBef>
+                <a:spcPts val="300"/>
+              </a:spcBef>
+              <a:spcAft>
+                <a:spcPts val="300"/>
+              </a:spcAft>
+              <a:buClr>
+                <a:schemeClr val="accent1"/>
+              </a:buClr>
+              <a:buFont typeface="Wingdings 2" pitchFamily="18" charset="2"/>
+              <a:buChar char=""/>
+              <a:defRPr sz="1400" kern="1200">
+                <a:solidFill>
+                  <a:schemeClr val="tx1">
+                    <a:lumMod val="85000"/>
+                    <a:lumOff val="15000"/>
+                  </a:schemeClr>
+                </a:solidFill>
+                <a:latin typeface="+mn-lt"/>
+                <a:ea typeface="+mn-ea"/>
+                <a:cs typeface="+mn-cs"/>
+              </a:defRPr>
+            </a:lvl8pPr>
+            <a:lvl9pPr marL="2500000" indent="-228600" algn="l" defTabSz="914400" rtl="0" eaLnBrk="1" latinLnBrk="0" hangingPunct="1">
+              <a:lnSpc>
+                <a:spcPct val="90000"/>
+              </a:lnSpc>
+              <a:spcBef>
+                <a:spcPts val="300"/>
+              </a:spcBef>
+              <a:spcAft>
+                <a:spcPts val="300"/>
+              </a:spcAft>
+              <a:buClr>
+                <a:schemeClr val="accent1"/>
+              </a:buClr>
+              <a:buFont typeface="Wingdings 2" pitchFamily="18" charset="2"/>
+              <a:buChar char=""/>
+              <a:defRPr sz="1400" kern="1200">
+                <a:solidFill>
+                  <a:schemeClr val="tx1">
+                    <a:lumMod val="85000"/>
+                    <a:lumOff val="15000"/>
+                  </a:schemeClr>
+                </a:solidFill>
+                <a:latin typeface="+mn-lt"/>
+                <a:ea typeface="+mn-ea"/>
+                <a:cs typeface="+mn-cs"/>
+              </a:defRPr>
+            </a:lvl9pPr>
+          </a:lstStyle>
+          <a:p>
+            <a:pPr marL="0" indent="0" algn="ctr">
+              <a:lnSpc>
+                <a:spcPct val="100000"/>
+              </a:lnSpc>
+              <a:buFont typeface="Arial" pitchFamily="34" charset="0"/>
+              <a:buNone/>
+            </a:pPr>
+            <a:r>
+              <a:rPr lang="ru-RU" sz="1200" dirty="0" smtClean="0">
+                <a:latin typeface="Segoe UI" panose="020B0502040204020203" pitchFamily="34" charset="0"/>
+                <a:cs typeface="Segoe UI" panose="020B0502040204020203" pitchFamily="34" charset="0"/>
+              </a:rPr>
+              <a:t>Сигнал с одной несущей</a:t>
+            </a:r>
+            <a:endParaRPr lang="ru-RU" sz="1200" dirty="0">
+              <a:latin typeface="Segoe UI" panose="020B0502040204020203" pitchFamily="34" charset="0"/>
+              <a:cs typeface="Segoe UI" panose="020B0502040204020203" pitchFamily="34" charset="0"/>
+            </a:endParaRPr>
+          </a:p>
+        </p:txBody>
+      </p:sp>
     </p:spTree>
     <p:extLst>
       <p:ext uri="{BB962C8B-B14F-4D97-AF65-F5344CB8AC3E}">
@@ -7037,6 +7396,13 @@
   <p:clrMapOvr>
     <a:masterClrMapping/>
   </p:clrMapOvr>
+  <p:timing>
+    <p:tnLst>
+      <p:par>
+        <p:cTn id="1" dur="indefinite" restart="never" nodeType="tmRoot"/>
+      </p:par>
+    </p:tnLst>
+  </p:timing>
 </p:sld>
 </file>
 
@@ -7448,6 +7814,13 @@
   <p:clrMapOvr>
     <a:masterClrMapping/>
   </p:clrMapOvr>
+  <p:timing>
+    <p:tnLst>
+      <p:par>
+        <p:cTn id="1" dur="indefinite" restart="never" nodeType="tmRoot"/>
+      </p:par>
+    </p:tnLst>
+  </p:timing>
 </p:sld>
 </file>
 
@@ -7707,6 +8080,13 @@
   <p:clrMapOvr>
     <a:masterClrMapping/>
   </p:clrMapOvr>
+  <p:timing>
+    <p:tnLst>
+      <p:par>
+        <p:cTn id="1" dur="indefinite" restart="never" nodeType="tmRoot"/>
+      </p:par>
+    </p:tnLst>
+  </p:timing>
 </p:sld>
 </file>
 
@@ -8477,8 +8857,8 @@
         </p:blipFill>
         <p:spPr>
           <a:xfrm>
-            <a:off x="5144800" y="2681151"/>
-            <a:ext cx="3084799" cy="4119699"/>
+            <a:off x="4804914" y="2681151"/>
+            <a:ext cx="3424686" cy="4119699"/>
           </a:xfrm>
           <a:prstGeom prst="rect">
             <a:avLst/>
@@ -8495,6 +8875,13 @@
   <p:clrMapOvr>
     <a:masterClrMapping/>
   </p:clrMapOvr>
+  <p:timing>
+    <p:tnLst>
+      <p:par>
+        <p:cTn id="1" dur="indefinite" restart="never" nodeType="tmRoot"/>
+      </p:par>
+    </p:tnLst>
+  </p:timing>
 </p:sld>
 </file>
 
@@ -8650,6 +9037,13 @@
   <p:clrMapOvr>
     <a:masterClrMapping/>
   </p:clrMapOvr>
+  <p:timing>
+    <p:tnLst>
+      <p:par>
+        <p:cTn id="1" dur="indefinite" restart="never" nodeType="tmRoot"/>
+      </p:par>
+    </p:tnLst>
+  </p:timing>
 </p:sld>
 </file>
 
@@ -11029,6 +11423,13 @@
   <p:clrMapOvr>
     <a:masterClrMapping/>
   </p:clrMapOvr>
+  <p:timing>
+    <p:tnLst>
+      <p:par>
+        <p:cTn id="1" dur="indefinite" restart="never" nodeType="tmRoot"/>
+      </p:par>
+    </p:tnLst>
+  </p:timing>
 </p:sld>
 </file>
 
@@ -11839,6 +12240,13 @@
   <p:clrMapOvr>
     <a:masterClrMapping/>
   </p:clrMapOvr>
+  <p:timing>
+    <p:tnLst>
+      <p:par>
+        <p:cTn id="1" dur="indefinite" restart="never" nodeType="tmRoot"/>
+      </p:par>
+    </p:tnLst>
+  </p:timing>
 </p:sld>
 </file>
 
@@ -12694,6 +13102,13 @@
   <p:clrMapOvr>
     <a:masterClrMapping/>
   </p:clrMapOvr>
+  <p:timing>
+    <p:tnLst>
+      <p:par>
+        <p:cTn id="1" dur="indefinite" restart="never" nodeType="tmRoot"/>
+      </p:par>
+    </p:tnLst>
+  </p:timing>
 </p:sld>
 </file>
 
@@ -13473,6 +13888,13 @@
   <p:clrMapOvr>
     <a:masterClrMapping/>
   </p:clrMapOvr>
+  <p:timing>
+    <p:tnLst>
+      <p:par>
+        <p:cTn id="1" dur="indefinite" restart="never" nodeType="tmRoot"/>
+      </p:par>
+    </p:tnLst>
+  </p:timing>
 </p:sld>
 </file>
 
@@ -13540,7 +13962,12 @@
             <p:ph idx="1"/>
           </p:nvPr>
         </p:nvSpPr>
-        <p:spPr/>
+        <p:spPr>
+          <a:xfrm>
+            <a:off x="946404" y="1828801"/>
+            <a:ext cx="6774238" cy="4351337"/>
+          </a:xfrm>
+        </p:spPr>
         <p:txBody>
           <a:bodyPr>
             <a:normAutofit/>
@@ -13568,7 +13995,21 @@
                 <a:latin typeface="Segoe UI" panose="020B0502040204020203" pitchFamily="34" charset="0"/>
                 <a:cs typeface="Segoe UI" panose="020B0502040204020203" pitchFamily="34" charset="0"/>
               </a:rPr>
-              <a:t>Разработка модели усилителя для миллиметрового диапазона 100-200 ГГц</a:t>
+              <a:t>Разработка модели </a:t>
+            </a:r>
+            <a:r>
+              <a:rPr lang="ru-RU" sz="2400" dirty="0" smtClean="0">
+                <a:latin typeface="Segoe UI" panose="020B0502040204020203" pitchFamily="34" charset="0"/>
+                <a:cs typeface="Segoe UI" panose="020B0502040204020203" pitchFamily="34" charset="0"/>
+              </a:rPr>
+              <a:t>усилителя мощности </a:t>
+            </a:r>
+            <a:r>
+              <a:rPr lang="ru-RU" sz="2400" dirty="0">
+                <a:latin typeface="Segoe UI" panose="020B0502040204020203" pitchFamily="34" charset="0"/>
+                <a:cs typeface="Segoe UI" panose="020B0502040204020203" pitchFamily="34" charset="0"/>
+              </a:rPr>
+              <a:t>для миллиметрового диапазона 100-200 ГГц</a:t>
             </a:r>
           </a:p>
           <a:p>
@@ -13621,6 +14062,13 @@
   <p:clrMapOvr>
     <a:masterClrMapping/>
   </p:clrMapOvr>
+  <p:timing>
+    <p:tnLst>
+      <p:par>
+        <p:cTn id="1" dur="indefinite" restart="never" nodeType="tmRoot"/>
+      </p:par>
+    </p:tnLst>
+  </p:timing>
 </p:sld>
 </file>
 
@@ -14441,6 +14889,13 @@
   <p:clrMapOvr>
     <a:masterClrMapping/>
   </p:clrMapOvr>
+  <p:timing>
+    <p:tnLst>
+      <p:par>
+        <p:cTn id="1" dur="indefinite" restart="never" nodeType="tmRoot"/>
+      </p:par>
+    </p:tnLst>
+  </p:timing>
 </p:sld>
 </file>
 
@@ -14678,14 +15133,7 @@
                 <a:latin typeface="Segoe UI" panose="020B0502040204020203" pitchFamily="34" charset="0"/>
                 <a:cs typeface="Segoe UI" panose="020B0502040204020203" pitchFamily="34" charset="0"/>
               </a:rPr>
-              <a:t>что критически важно для простых, дешевых устройств, поскольк</a:t>
-            </a:r>
-            <a:r>
-              <a:rPr lang="ru-RU" sz="1800" dirty="0" smtClean="0">
-                <a:latin typeface="Segoe UI" panose="020B0502040204020203" pitchFamily="34" charset="0"/>
-                <a:cs typeface="Segoe UI" panose="020B0502040204020203" pitchFamily="34" charset="0"/>
-              </a:rPr>
-              <a:t>у из-за малой стоимости качество передающих цепей низкое и нелинейные искажения значительны. Необходимая компенсация  производится на приемнике, </a:t>
+              <a:t>что критически важно для простых, дешевых устройств, поскольку из-за малой стоимости качество передающих цепей низкое и нелинейные искажения значительны. Необходимая компенсация  производится на приемнике, </a:t>
             </a:r>
             <a:r>
               <a:rPr lang="ru-RU" sz="1800" dirty="0" err="1" smtClean="0">
@@ -14728,6 +15176,13 @@
   <p:clrMapOvr>
     <a:masterClrMapping/>
   </p:clrMapOvr>
+  <p:timing>
+    <p:tnLst>
+      <p:par>
+        <p:cTn id="1" dur="indefinite" restart="never" nodeType="tmRoot"/>
+      </p:par>
+    </p:tnLst>
+  </p:timing>
 </p:sld>
 </file>
 
@@ -14826,6 +15281,13 @@
   <p:clrMapOvr>
     <a:masterClrMapping/>
   </p:clrMapOvr>
+  <p:timing>
+    <p:tnLst>
+      <p:par>
+        <p:cTn id="1" dur="indefinite" restart="never" nodeType="tmRoot"/>
+      </p:par>
+    </p:tnLst>
+  </p:timing>
 </p:sld>
 </file>
 
@@ -14885,10 +15347,1740 @@
   <p:clrMapOvr>
     <a:masterClrMapping/>
   </p:clrMapOvr>
+  <p:timing>
+    <p:tnLst>
+      <p:par>
+        <p:cTn id="1" dur="indefinite" restart="never" nodeType="tmRoot"/>
+      </p:par>
+    </p:tnLst>
+  </p:timing>
 </p:sld>
 </file>
 
 <file path=ppt/slides/slide24.xml><?xml version="1.0" encoding="utf-8"?>
+<p:sld xmlns:a="http://schemas.openxmlformats.org/drawingml/2006/main" xmlns:r="http://schemas.openxmlformats.org/officeDocument/2006/relationships" xmlns:p="http://schemas.openxmlformats.org/presentationml/2006/main">
+  <p:cSld>
+    <p:spTree>
+      <p:nvGrpSpPr>
+        <p:cNvPr id="1" name=""/>
+        <p:cNvGrpSpPr/>
+        <p:nvPr/>
+      </p:nvGrpSpPr>
+      <p:grpSpPr>
+        <a:xfrm>
+          <a:off x="0" y="0"/>
+          <a:ext cx="0" cy="0"/>
+          <a:chOff x="0" y="0"/>
+          <a:chExt cx="0" cy="0"/>
+        </a:xfrm>
+      </p:grpSpPr>
+      <p:pic>
+        <p:nvPicPr>
+          <p:cNvPr id="3" name="Рисунок 2"/>
+          <p:cNvPicPr>
+            <a:picLocks noChangeAspect="1"/>
+          </p:cNvPicPr>
+          <p:nvPr/>
+        </p:nvPicPr>
+        <p:blipFill>
+          <a:blip r:embed="rId2">
+            <a:extLst>
+              <a:ext uri="{28A0092B-C50C-407E-A947-70E740481C1C}">
+                <a14:useLocalDpi xmlns:a14="http://schemas.microsoft.com/office/drawing/2010/main" val="0"/>
+              </a:ext>
+            </a:extLst>
+          </a:blip>
+          <a:stretch>
+            <a:fillRect/>
+          </a:stretch>
+        </p:blipFill>
+        <p:spPr>
+          <a:xfrm>
+            <a:off x="3429104" y="2236421"/>
+            <a:ext cx="4889198" cy="4236693"/>
+          </a:xfrm>
+          <a:prstGeom prst="rect">
+            <a:avLst/>
+          </a:prstGeom>
+        </p:spPr>
+      </p:pic>
+      <p:sp>
+        <p:nvSpPr>
+          <p:cNvPr id="2" name="Заголовок 1">
+            <a:extLst>
+              <a:ext uri="{FF2B5EF4-FFF2-40B4-BE49-F238E27FC236}">
+                <a16:creationId xmlns:a16="http://schemas.microsoft.com/office/drawing/2014/main" id="{8BE826D0-5549-D29A-4886-74267A5EE61A}"/>
+              </a:ext>
+            </a:extLst>
+          </p:cNvPr>
+          <p:cNvSpPr>
+            <a:spLocks noGrp="1"/>
+          </p:cNvSpPr>
+          <p:nvPr>
+            <p:ph type="title"/>
+          </p:nvPr>
+        </p:nvSpPr>
+        <p:spPr>
+          <a:xfrm>
+            <a:off x="230410" y="220431"/>
+            <a:ext cx="6351545" cy="1325562"/>
+          </a:xfrm>
+        </p:spPr>
+        <p:txBody>
+          <a:bodyPr anchor="t"/>
+          <a:lstStyle/>
+          <a:p>
+            <a:r>
+              <a:rPr lang="ru-RU" dirty="0">
+                <a:latin typeface="Segoe UI Semibold" panose="020B0702040204020203" pitchFamily="34" charset="0"/>
+                <a:cs typeface="Segoe UI Semibold" panose="020B0702040204020203" pitchFamily="34" charset="0"/>
+              </a:rPr>
+              <a:t>Отступы по мощности</a:t>
+            </a:r>
+            <a:br>
+              <a:rPr lang="ru-RU" dirty="0">
+                <a:latin typeface="Segoe UI Semibold" panose="020B0702040204020203" pitchFamily="34" charset="0"/>
+                <a:cs typeface="Segoe UI Semibold" panose="020B0702040204020203" pitchFamily="34" charset="0"/>
+              </a:rPr>
+            </a:br>
+            <a:r>
+              <a:rPr lang="en-US" dirty="0">
+                <a:latin typeface="Segoe UI Semibold" panose="020B0702040204020203" pitchFamily="34" charset="0"/>
+                <a:cs typeface="Segoe UI Semibold" panose="020B0702040204020203" pitchFamily="34" charset="0"/>
+              </a:rPr>
+              <a:t>IBO, OBO</a:t>
+            </a:r>
+            <a:endParaRPr lang="ru-RU" dirty="0">
+              <a:latin typeface="Segoe UI Semibold" panose="020B0702040204020203" pitchFamily="34" charset="0"/>
+              <a:cs typeface="Segoe UI Semibold" panose="020B0702040204020203" pitchFamily="34" charset="0"/>
+            </a:endParaRPr>
+          </a:p>
+        </p:txBody>
+      </p:sp>
+      <p:sp>
+        <p:nvSpPr>
+          <p:cNvPr id="4" name="Номер слайда 3">
+            <a:extLst>
+              <a:ext uri="{FF2B5EF4-FFF2-40B4-BE49-F238E27FC236}">
+                <a16:creationId xmlns:a16="http://schemas.microsoft.com/office/drawing/2014/main" id="{8B490247-C3DE-4E64-3994-77CF364D4A23}"/>
+              </a:ext>
+            </a:extLst>
+          </p:cNvPr>
+          <p:cNvSpPr>
+            <a:spLocks noGrp="1"/>
+          </p:cNvSpPr>
+          <p:nvPr>
+            <p:ph type="sldNum" sz="quarter" idx="12"/>
+          </p:nvPr>
+        </p:nvSpPr>
+        <p:spPr/>
+        <p:txBody>
+          <a:bodyPr/>
+          <a:lstStyle/>
+          <a:p>
+            <a:fld id="{12AFF886-F040-4FA5-8BD0-0A595B4BDA00}" type="slidenum">
+              <a:rPr lang="ru-RU" smtClean="0"/>
+              <a:t>24</a:t>
+            </a:fld>
+            <a:endParaRPr lang="ru-RU"/>
+          </a:p>
+        </p:txBody>
+      </p:sp>
+      <p:pic>
+        <p:nvPicPr>
+          <p:cNvPr id="5" name="Рисунок 4">
+            <a:extLst>
+              <a:ext uri="{FF2B5EF4-FFF2-40B4-BE49-F238E27FC236}">
+                <a16:creationId xmlns:a16="http://schemas.microsoft.com/office/drawing/2014/main" id="{50C809D5-E65F-EE46-2103-621F3ADCAAC1}"/>
+              </a:ext>
+            </a:extLst>
+          </p:cNvPr>
+          <p:cNvPicPr>
+            <a:picLocks noChangeAspect="1"/>
+          </p:cNvPicPr>
+          <p:nvPr/>
+        </p:nvPicPr>
+        <p:blipFill>
+          <a:blip r:embed="rId3"/>
+          <a:stretch>
+            <a:fillRect/>
+          </a:stretch>
+        </p:blipFill>
+        <p:spPr>
+          <a:xfrm>
+            <a:off x="566966" y="2593130"/>
+            <a:ext cx="2875764" cy="2255095"/>
+          </a:xfrm>
+          <a:prstGeom prst="rect">
+            <a:avLst/>
+          </a:prstGeom>
+        </p:spPr>
+      </p:pic>
+      <p:sp>
+        <p:nvSpPr>
+          <p:cNvPr id="6" name="Объект 2">
+            <a:extLst>
+              <a:ext uri="{FF2B5EF4-FFF2-40B4-BE49-F238E27FC236}">
+                <a16:creationId xmlns:a16="http://schemas.microsoft.com/office/drawing/2014/main" id="{8CDFC422-4199-8C58-632B-0CF9DB308CCD}"/>
+              </a:ext>
+            </a:extLst>
+          </p:cNvPr>
+          <p:cNvSpPr txBox="1">
+            <a:spLocks/>
+          </p:cNvSpPr>
+          <p:nvPr/>
+        </p:nvSpPr>
+        <p:spPr>
+          <a:xfrm>
+            <a:off x="519340" y="1469858"/>
+            <a:ext cx="6995885" cy="1941744"/>
+          </a:xfrm>
+          <a:prstGeom prst="rect">
+            <a:avLst/>
+          </a:prstGeom>
+        </p:spPr>
+        <p:txBody>
+          <a:bodyPr vert="horz" lIns="91440" tIns="45720" rIns="91440" bIns="45720" rtlCol="0">
+            <a:normAutofit/>
+          </a:bodyPr>
+          <a:lstStyle>
+            <a:lvl1pPr marL="182880" indent="-182880" algn="l" defTabSz="914400" rtl="0" eaLnBrk="1" latinLnBrk="0" hangingPunct="1">
+              <a:lnSpc>
+                <a:spcPct val="95000"/>
+              </a:lnSpc>
+              <a:spcBef>
+                <a:spcPts val="1400"/>
+              </a:spcBef>
+              <a:spcAft>
+                <a:spcPts val="200"/>
+              </a:spcAft>
+              <a:buClr>
+                <a:schemeClr val="accent1"/>
+              </a:buClr>
+              <a:buSzPct val="80000"/>
+              <a:buFont typeface="Arial" pitchFamily="34" charset="0"/>
+              <a:buChar char="•"/>
+              <a:defRPr sz="1800" kern="1200" spc="10" baseline="0">
+                <a:solidFill>
+                  <a:schemeClr val="tx1"/>
+                </a:solidFill>
+                <a:latin typeface="+mn-lt"/>
+                <a:ea typeface="+mn-ea"/>
+                <a:cs typeface="+mn-cs"/>
+              </a:defRPr>
+            </a:lvl1pPr>
+            <a:lvl2pPr marL="457200" indent="-182880" algn="l" defTabSz="914400" rtl="0" eaLnBrk="1" latinLnBrk="0" hangingPunct="1">
+              <a:lnSpc>
+                <a:spcPct val="90000"/>
+              </a:lnSpc>
+              <a:spcBef>
+                <a:spcPts val="300"/>
+              </a:spcBef>
+              <a:spcAft>
+                <a:spcPts val="300"/>
+              </a:spcAft>
+              <a:buClr>
+                <a:schemeClr val="accent1"/>
+              </a:buClr>
+              <a:buFont typeface="Wingdings 2" pitchFamily="18" charset="2"/>
+              <a:buChar char=""/>
+              <a:defRPr sz="1600" kern="1200">
+                <a:solidFill>
+                  <a:schemeClr val="tx1">
+                    <a:lumMod val="85000"/>
+                    <a:lumOff val="15000"/>
+                  </a:schemeClr>
+                </a:solidFill>
+                <a:latin typeface="+mn-lt"/>
+                <a:ea typeface="+mn-ea"/>
+                <a:cs typeface="+mn-cs"/>
+              </a:defRPr>
+            </a:lvl2pPr>
+            <a:lvl3pPr marL="731520" indent="-182880" algn="l" defTabSz="914400" rtl="0" eaLnBrk="1" latinLnBrk="0" hangingPunct="1">
+              <a:lnSpc>
+                <a:spcPct val="90000"/>
+              </a:lnSpc>
+              <a:spcBef>
+                <a:spcPts val="300"/>
+              </a:spcBef>
+              <a:spcAft>
+                <a:spcPts val="300"/>
+              </a:spcAft>
+              <a:buClr>
+                <a:schemeClr val="accent1"/>
+              </a:buClr>
+              <a:buFont typeface="Wingdings 2" pitchFamily="18" charset="2"/>
+              <a:buChar char=""/>
+              <a:defRPr sz="1400" kern="1200">
+                <a:solidFill>
+                  <a:schemeClr val="tx1">
+                    <a:lumMod val="85000"/>
+                    <a:lumOff val="15000"/>
+                  </a:schemeClr>
+                </a:solidFill>
+                <a:latin typeface="+mn-lt"/>
+                <a:ea typeface="+mn-ea"/>
+                <a:cs typeface="+mn-cs"/>
+              </a:defRPr>
+            </a:lvl3pPr>
+            <a:lvl4pPr marL="1005840" indent="-182880" algn="l" defTabSz="914400" rtl="0" eaLnBrk="1" latinLnBrk="0" hangingPunct="1">
+              <a:lnSpc>
+                <a:spcPct val="90000"/>
+              </a:lnSpc>
+              <a:spcBef>
+                <a:spcPts val="300"/>
+              </a:spcBef>
+              <a:spcAft>
+                <a:spcPts val="300"/>
+              </a:spcAft>
+              <a:buClr>
+                <a:schemeClr val="accent1"/>
+              </a:buClr>
+              <a:buFont typeface="Wingdings 2" pitchFamily="18" charset="2"/>
+              <a:buChar char=""/>
+              <a:defRPr sz="1400" kern="1200">
+                <a:solidFill>
+                  <a:schemeClr val="tx1">
+                    <a:lumMod val="85000"/>
+                    <a:lumOff val="15000"/>
+                  </a:schemeClr>
+                </a:solidFill>
+                <a:latin typeface="+mn-lt"/>
+                <a:ea typeface="+mn-ea"/>
+                <a:cs typeface="+mn-cs"/>
+              </a:defRPr>
+            </a:lvl4pPr>
+            <a:lvl5pPr marL="1280160" indent="-182880" algn="l" defTabSz="914400" rtl="0" eaLnBrk="1" latinLnBrk="0" hangingPunct="1">
+              <a:lnSpc>
+                <a:spcPct val="90000"/>
+              </a:lnSpc>
+              <a:spcBef>
+                <a:spcPts val="300"/>
+              </a:spcBef>
+              <a:spcAft>
+                <a:spcPts val="300"/>
+              </a:spcAft>
+              <a:buClr>
+                <a:schemeClr val="accent1"/>
+              </a:buClr>
+              <a:buFont typeface="Wingdings 2" pitchFamily="18" charset="2"/>
+              <a:buChar char=""/>
+              <a:defRPr sz="1400" kern="1200">
+                <a:solidFill>
+                  <a:schemeClr val="tx1">
+                    <a:lumMod val="85000"/>
+                    <a:lumOff val="15000"/>
+                  </a:schemeClr>
+                </a:solidFill>
+                <a:latin typeface="+mn-lt"/>
+                <a:ea typeface="+mn-ea"/>
+                <a:cs typeface="+mn-cs"/>
+              </a:defRPr>
+            </a:lvl5pPr>
+            <a:lvl6pPr marL="1600000" indent="-228600" algn="l" defTabSz="914400" rtl="0" eaLnBrk="1" latinLnBrk="0" hangingPunct="1">
+              <a:lnSpc>
+                <a:spcPct val="90000"/>
+              </a:lnSpc>
+              <a:spcBef>
+                <a:spcPts val="300"/>
+              </a:spcBef>
+              <a:spcAft>
+                <a:spcPts val="300"/>
+              </a:spcAft>
+              <a:buClr>
+                <a:schemeClr val="accent1"/>
+              </a:buClr>
+              <a:buFont typeface="Wingdings 2" pitchFamily="18" charset="2"/>
+              <a:buChar char=""/>
+              <a:defRPr sz="1400" kern="1200">
+                <a:solidFill>
+                  <a:schemeClr val="tx1">
+                    <a:lumMod val="85000"/>
+                    <a:lumOff val="15000"/>
+                  </a:schemeClr>
+                </a:solidFill>
+                <a:latin typeface="+mn-lt"/>
+                <a:ea typeface="+mn-ea"/>
+                <a:cs typeface="+mn-cs"/>
+              </a:defRPr>
+            </a:lvl6pPr>
+            <a:lvl7pPr marL="1900000" indent="-228600" algn="l" defTabSz="914400" rtl="0" eaLnBrk="1" latinLnBrk="0" hangingPunct="1">
+              <a:lnSpc>
+                <a:spcPct val="90000"/>
+              </a:lnSpc>
+              <a:spcBef>
+                <a:spcPts val="300"/>
+              </a:spcBef>
+              <a:spcAft>
+                <a:spcPts val="300"/>
+              </a:spcAft>
+              <a:buClr>
+                <a:schemeClr val="accent1"/>
+              </a:buClr>
+              <a:buFont typeface="Wingdings 2" pitchFamily="18" charset="2"/>
+              <a:buChar char=""/>
+              <a:defRPr sz="1400" kern="1200">
+                <a:solidFill>
+                  <a:schemeClr val="tx1">
+                    <a:lumMod val="85000"/>
+                    <a:lumOff val="15000"/>
+                  </a:schemeClr>
+                </a:solidFill>
+                <a:latin typeface="+mn-lt"/>
+                <a:ea typeface="+mn-ea"/>
+                <a:cs typeface="+mn-cs"/>
+              </a:defRPr>
+            </a:lvl7pPr>
+            <a:lvl8pPr marL="2200000" indent="-228600" algn="l" defTabSz="914400" rtl="0" eaLnBrk="1" latinLnBrk="0" hangingPunct="1">
+              <a:lnSpc>
+                <a:spcPct val="90000"/>
+              </a:lnSpc>
+              <a:spcBef>
+                <a:spcPts val="300"/>
+              </a:spcBef>
+              <a:spcAft>
+                <a:spcPts val="300"/>
+              </a:spcAft>
+              <a:buClr>
+                <a:schemeClr val="accent1"/>
+              </a:buClr>
+              <a:buFont typeface="Wingdings 2" pitchFamily="18" charset="2"/>
+              <a:buChar char=""/>
+              <a:defRPr sz="1400" kern="1200">
+                <a:solidFill>
+                  <a:schemeClr val="tx1">
+                    <a:lumMod val="85000"/>
+                    <a:lumOff val="15000"/>
+                  </a:schemeClr>
+                </a:solidFill>
+                <a:latin typeface="+mn-lt"/>
+                <a:ea typeface="+mn-ea"/>
+                <a:cs typeface="+mn-cs"/>
+              </a:defRPr>
+            </a:lvl8pPr>
+            <a:lvl9pPr marL="2500000" indent="-228600" algn="l" defTabSz="914400" rtl="0" eaLnBrk="1" latinLnBrk="0" hangingPunct="1">
+              <a:lnSpc>
+                <a:spcPct val="90000"/>
+              </a:lnSpc>
+              <a:spcBef>
+                <a:spcPts val="300"/>
+              </a:spcBef>
+              <a:spcAft>
+                <a:spcPts val="300"/>
+              </a:spcAft>
+              <a:buClr>
+                <a:schemeClr val="accent1"/>
+              </a:buClr>
+              <a:buFont typeface="Wingdings 2" pitchFamily="18" charset="2"/>
+              <a:buChar char=""/>
+              <a:defRPr sz="1400" kern="1200">
+                <a:solidFill>
+                  <a:schemeClr val="tx1">
+                    <a:lumMod val="85000"/>
+                    <a:lumOff val="15000"/>
+                  </a:schemeClr>
+                </a:solidFill>
+                <a:latin typeface="+mn-lt"/>
+                <a:ea typeface="+mn-ea"/>
+                <a:cs typeface="+mn-cs"/>
+              </a:defRPr>
+            </a:lvl9pPr>
+          </a:lstStyle>
+          <a:p>
+            <a:pPr marL="0" indent="0">
+              <a:lnSpc>
+                <a:spcPct val="100000"/>
+              </a:lnSpc>
+              <a:buFont typeface="Arial" pitchFamily="34" charset="0"/>
+              <a:buNone/>
+            </a:pPr>
+            <a:r>
+              <a:rPr lang="ru-RU" dirty="0" smtClean="0">
+                <a:latin typeface="Segoe UI" panose="020B0502040204020203" pitchFamily="34" charset="0"/>
+                <a:cs typeface="Segoe UI" panose="020B0502040204020203" pitchFamily="34" charset="0"/>
+              </a:rPr>
+              <a:t>Чтобы минимизировать искажения, рабочую точку усилителя сдвигают ближе к линейному участку – делается отступ по средней мощности</a:t>
+            </a:r>
+            <a:endParaRPr lang="ru-RU" dirty="0">
+              <a:latin typeface="Segoe UI" panose="020B0502040204020203" pitchFamily="34" charset="0"/>
+              <a:cs typeface="Segoe UI" panose="020B0502040204020203" pitchFamily="34" charset="0"/>
+            </a:endParaRPr>
+          </a:p>
+        </p:txBody>
+      </p:sp>
+      <p:sp>
+        <p:nvSpPr>
+          <p:cNvPr id="7" name="Объект 2">
+            <a:extLst>
+              <a:ext uri="{FF2B5EF4-FFF2-40B4-BE49-F238E27FC236}">
+                <a16:creationId xmlns:a16="http://schemas.microsoft.com/office/drawing/2014/main" id="{8CDFC422-4199-8C58-632B-0CF9DB308CCD}"/>
+              </a:ext>
+            </a:extLst>
+          </p:cNvPr>
+          <p:cNvSpPr txBox="1">
+            <a:spLocks/>
+          </p:cNvSpPr>
+          <p:nvPr/>
+        </p:nvSpPr>
+        <p:spPr>
+          <a:xfrm>
+            <a:off x="519341" y="4848225"/>
+            <a:ext cx="3228710" cy="1941744"/>
+          </a:xfrm>
+          <a:prstGeom prst="rect">
+            <a:avLst/>
+          </a:prstGeom>
+        </p:spPr>
+        <p:txBody>
+          <a:bodyPr vert="horz" lIns="91440" tIns="45720" rIns="91440" bIns="45720" rtlCol="0">
+            <a:normAutofit/>
+          </a:bodyPr>
+          <a:lstStyle>
+            <a:lvl1pPr marL="182880" indent="-182880" algn="l" defTabSz="914400" rtl="0" eaLnBrk="1" latinLnBrk="0" hangingPunct="1">
+              <a:lnSpc>
+                <a:spcPct val="95000"/>
+              </a:lnSpc>
+              <a:spcBef>
+                <a:spcPts val="1400"/>
+              </a:spcBef>
+              <a:spcAft>
+                <a:spcPts val="200"/>
+              </a:spcAft>
+              <a:buClr>
+                <a:schemeClr val="accent1"/>
+              </a:buClr>
+              <a:buSzPct val="80000"/>
+              <a:buFont typeface="Arial" pitchFamily="34" charset="0"/>
+              <a:buChar char="•"/>
+              <a:defRPr sz="1800" kern="1200" spc="10" baseline="0">
+                <a:solidFill>
+                  <a:schemeClr val="tx1"/>
+                </a:solidFill>
+                <a:latin typeface="+mn-lt"/>
+                <a:ea typeface="+mn-ea"/>
+                <a:cs typeface="+mn-cs"/>
+              </a:defRPr>
+            </a:lvl1pPr>
+            <a:lvl2pPr marL="457200" indent="-182880" algn="l" defTabSz="914400" rtl="0" eaLnBrk="1" latinLnBrk="0" hangingPunct="1">
+              <a:lnSpc>
+                <a:spcPct val="90000"/>
+              </a:lnSpc>
+              <a:spcBef>
+                <a:spcPts val="300"/>
+              </a:spcBef>
+              <a:spcAft>
+                <a:spcPts val="300"/>
+              </a:spcAft>
+              <a:buClr>
+                <a:schemeClr val="accent1"/>
+              </a:buClr>
+              <a:buFont typeface="Wingdings 2" pitchFamily="18" charset="2"/>
+              <a:buChar char=""/>
+              <a:defRPr sz="1600" kern="1200">
+                <a:solidFill>
+                  <a:schemeClr val="tx1">
+                    <a:lumMod val="85000"/>
+                    <a:lumOff val="15000"/>
+                  </a:schemeClr>
+                </a:solidFill>
+                <a:latin typeface="+mn-lt"/>
+                <a:ea typeface="+mn-ea"/>
+                <a:cs typeface="+mn-cs"/>
+              </a:defRPr>
+            </a:lvl2pPr>
+            <a:lvl3pPr marL="731520" indent="-182880" algn="l" defTabSz="914400" rtl="0" eaLnBrk="1" latinLnBrk="0" hangingPunct="1">
+              <a:lnSpc>
+                <a:spcPct val="90000"/>
+              </a:lnSpc>
+              <a:spcBef>
+                <a:spcPts val="300"/>
+              </a:spcBef>
+              <a:spcAft>
+                <a:spcPts val="300"/>
+              </a:spcAft>
+              <a:buClr>
+                <a:schemeClr val="accent1"/>
+              </a:buClr>
+              <a:buFont typeface="Wingdings 2" pitchFamily="18" charset="2"/>
+              <a:buChar char=""/>
+              <a:defRPr sz="1400" kern="1200">
+                <a:solidFill>
+                  <a:schemeClr val="tx1">
+                    <a:lumMod val="85000"/>
+                    <a:lumOff val="15000"/>
+                  </a:schemeClr>
+                </a:solidFill>
+                <a:latin typeface="+mn-lt"/>
+                <a:ea typeface="+mn-ea"/>
+                <a:cs typeface="+mn-cs"/>
+              </a:defRPr>
+            </a:lvl3pPr>
+            <a:lvl4pPr marL="1005840" indent="-182880" algn="l" defTabSz="914400" rtl="0" eaLnBrk="1" latinLnBrk="0" hangingPunct="1">
+              <a:lnSpc>
+                <a:spcPct val="90000"/>
+              </a:lnSpc>
+              <a:spcBef>
+                <a:spcPts val="300"/>
+              </a:spcBef>
+              <a:spcAft>
+                <a:spcPts val="300"/>
+              </a:spcAft>
+              <a:buClr>
+                <a:schemeClr val="accent1"/>
+              </a:buClr>
+              <a:buFont typeface="Wingdings 2" pitchFamily="18" charset="2"/>
+              <a:buChar char=""/>
+              <a:defRPr sz="1400" kern="1200">
+                <a:solidFill>
+                  <a:schemeClr val="tx1">
+                    <a:lumMod val="85000"/>
+                    <a:lumOff val="15000"/>
+                  </a:schemeClr>
+                </a:solidFill>
+                <a:latin typeface="+mn-lt"/>
+                <a:ea typeface="+mn-ea"/>
+                <a:cs typeface="+mn-cs"/>
+              </a:defRPr>
+            </a:lvl4pPr>
+            <a:lvl5pPr marL="1280160" indent="-182880" algn="l" defTabSz="914400" rtl="0" eaLnBrk="1" latinLnBrk="0" hangingPunct="1">
+              <a:lnSpc>
+                <a:spcPct val="90000"/>
+              </a:lnSpc>
+              <a:spcBef>
+                <a:spcPts val="300"/>
+              </a:spcBef>
+              <a:spcAft>
+                <a:spcPts val="300"/>
+              </a:spcAft>
+              <a:buClr>
+                <a:schemeClr val="accent1"/>
+              </a:buClr>
+              <a:buFont typeface="Wingdings 2" pitchFamily="18" charset="2"/>
+              <a:buChar char=""/>
+              <a:defRPr sz="1400" kern="1200">
+                <a:solidFill>
+                  <a:schemeClr val="tx1">
+                    <a:lumMod val="85000"/>
+                    <a:lumOff val="15000"/>
+                  </a:schemeClr>
+                </a:solidFill>
+                <a:latin typeface="+mn-lt"/>
+                <a:ea typeface="+mn-ea"/>
+                <a:cs typeface="+mn-cs"/>
+              </a:defRPr>
+            </a:lvl5pPr>
+            <a:lvl6pPr marL="1600000" indent="-228600" algn="l" defTabSz="914400" rtl="0" eaLnBrk="1" latinLnBrk="0" hangingPunct="1">
+              <a:lnSpc>
+                <a:spcPct val="90000"/>
+              </a:lnSpc>
+              <a:spcBef>
+                <a:spcPts val="300"/>
+              </a:spcBef>
+              <a:spcAft>
+                <a:spcPts val="300"/>
+              </a:spcAft>
+              <a:buClr>
+                <a:schemeClr val="accent1"/>
+              </a:buClr>
+              <a:buFont typeface="Wingdings 2" pitchFamily="18" charset="2"/>
+              <a:buChar char=""/>
+              <a:defRPr sz="1400" kern="1200">
+                <a:solidFill>
+                  <a:schemeClr val="tx1">
+                    <a:lumMod val="85000"/>
+                    <a:lumOff val="15000"/>
+                  </a:schemeClr>
+                </a:solidFill>
+                <a:latin typeface="+mn-lt"/>
+                <a:ea typeface="+mn-ea"/>
+                <a:cs typeface="+mn-cs"/>
+              </a:defRPr>
+            </a:lvl6pPr>
+            <a:lvl7pPr marL="1900000" indent="-228600" algn="l" defTabSz="914400" rtl="0" eaLnBrk="1" latinLnBrk="0" hangingPunct="1">
+              <a:lnSpc>
+                <a:spcPct val="90000"/>
+              </a:lnSpc>
+              <a:spcBef>
+                <a:spcPts val="300"/>
+              </a:spcBef>
+              <a:spcAft>
+                <a:spcPts val="300"/>
+              </a:spcAft>
+              <a:buClr>
+                <a:schemeClr val="accent1"/>
+              </a:buClr>
+              <a:buFont typeface="Wingdings 2" pitchFamily="18" charset="2"/>
+              <a:buChar char=""/>
+              <a:defRPr sz="1400" kern="1200">
+                <a:solidFill>
+                  <a:schemeClr val="tx1">
+                    <a:lumMod val="85000"/>
+                    <a:lumOff val="15000"/>
+                  </a:schemeClr>
+                </a:solidFill>
+                <a:latin typeface="+mn-lt"/>
+                <a:ea typeface="+mn-ea"/>
+                <a:cs typeface="+mn-cs"/>
+              </a:defRPr>
+            </a:lvl7pPr>
+            <a:lvl8pPr marL="2200000" indent="-228600" algn="l" defTabSz="914400" rtl="0" eaLnBrk="1" latinLnBrk="0" hangingPunct="1">
+              <a:lnSpc>
+                <a:spcPct val="90000"/>
+              </a:lnSpc>
+              <a:spcBef>
+                <a:spcPts val="300"/>
+              </a:spcBef>
+              <a:spcAft>
+                <a:spcPts val="300"/>
+              </a:spcAft>
+              <a:buClr>
+                <a:schemeClr val="accent1"/>
+              </a:buClr>
+              <a:buFont typeface="Wingdings 2" pitchFamily="18" charset="2"/>
+              <a:buChar char=""/>
+              <a:defRPr sz="1400" kern="1200">
+                <a:solidFill>
+                  <a:schemeClr val="tx1">
+                    <a:lumMod val="85000"/>
+                    <a:lumOff val="15000"/>
+                  </a:schemeClr>
+                </a:solidFill>
+                <a:latin typeface="+mn-lt"/>
+                <a:ea typeface="+mn-ea"/>
+                <a:cs typeface="+mn-cs"/>
+              </a:defRPr>
+            </a:lvl8pPr>
+            <a:lvl9pPr marL="2500000" indent="-228600" algn="l" defTabSz="914400" rtl="0" eaLnBrk="1" latinLnBrk="0" hangingPunct="1">
+              <a:lnSpc>
+                <a:spcPct val="90000"/>
+              </a:lnSpc>
+              <a:spcBef>
+                <a:spcPts val="300"/>
+              </a:spcBef>
+              <a:spcAft>
+                <a:spcPts val="300"/>
+              </a:spcAft>
+              <a:buClr>
+                <a:schemeClr val="accent1"/>
+              </a:buClr>
+              <a:buFont typeface="Wingdings 2" pitchFamily="18" charset="2"/>
+              <a:buChar char=""/>
+              <a:defRPr sz="1400" kern="1200">
+                <a:solidFill>
+                  <a:schemeClr val="tx1">
+                    <a:lumMod val="85000"/>
+                    <a:lumOff val="15000"/>
+                  </a:schemeClr>
+                </a:solidFill>
+                <a:latin typeface="+mn-lt"/>
+                <a:ea typeface="+mn-ea"/>
+                <a:cs typeface="+mn-cs"/>
+              </a:defRPr>
+            </a:lvl9pPr>
+          </a:lstStyle>
+          <a:p>
+            <a:pPr marL="0" indent="0">
+              <a:lnSpc>
+                <a:spcPct val="100000"/>
+              </a:lnSpc>
+              <a:buFont typeface="Arial" pitchFamily="34" charset="0"/>
+              <a:buNone/>
+            </a:pPr>
+            <a:r>
+              <a:rPr lang="ru-RU" dirty="0">
+                <a:latin typeface="Segoe UI" panose="020B0502040204020203" pitchFamily="34" charset="0"/>
+                <a:cs typeface="Segoe UI" panose="020B0502040204020203" pitchFamily="34" charset="0"/>
+              </a:rPr>
+              <a:t>Чем больше отступ </a:t>
+            </a:r>
+            <a:r>
+              <a:rPr lang="en-US" dirty="0">
+                <a:latin typeface="Segoe UI" panose="020B0502040204020203" pitchFamily="34" charset="0"/>
+                <a:cs typeface="Segoe UI" panose="020B0502040204020203" pitchFamily="34" charset="0"/>
+              </a:rPr>
+              <a:t>OBO </a:t>
+            </a:r>
+            <a:r>
+              <a:rPr lang="ru-RU" dirty="0">
+                <a:latin typeface="Segoe UI" panose="020B0502040204020203" pitchFamily="34" charset="0"/>
+                <a:cs typeface="Segoe UI" panose="020B0502040204020203" pitchFamily="34" charset="0"/>
+              </a:rPr>
+              <a:t>или </a:t>
+            </a:r>
+            <a:r>
+              <a:rPr lang="en-US" dirty="0">
+                <a:latin typeface="Segoe UI" panose="020B0502040204020203" pitchFamily="34" charset="0"/>
+                <a:cs typeface="Segoe UI" panose="020B0502040204020203" pitchFamily="34" charset="0"/>
+              </a:rPr>
+              <a:t>IBO</a:t>
+            </a:r>
+            <a:r>
+              <a:rPr lang="ru-RU" dirty="0">
+                <a:latin typeface="Segoe UI" panose="020B0502040204020203" pitchFamily="34" charset="0"/>
+                <a:cs typeface="Segoe UI" panose="020B0502040204020203" pitchFamily="34" charset="0"/>
+              </a:rPr>
+              <a:t>, тем более линейный участок характеристики используется, но тем меньше средняя выходная мощность</a:t>
+            </a:r>
+          </a:p>
+        </p:txBody>
+      </p:sp>
+      <p:sp>
+        <p:nvSpPr>
+          <p:cNvPr id="8" name="Объект 2">
+            <a:extLst>
+              <a:ext uri="{FF2B5EF4-FFF2-40B4-BE49-F238E27FC236}">
+                <a16:creationId xmlns:a16="http://schemas.microsoft.com/office/drawing/2014/main" id="{8CDFC422-4199-8C58-632B-0CF9DB308CCD}"/>
+              </a:ext>
+            </a:extLst>
+          </p:cNvPr>
+          <p:cNvSpPr txBox="1">
+            <a:spLocks/>
+          </p:cNvSpPr>
+          <p:nvPr/>
+        </p:nvSpPr>
+        <p:spPr>
+          <a:xfrm>
+            <a:off x="6115235" y="368600"/>
+            <a:ext cx="1970229" cy="953089"/>
+          </a:xfrm>
+          <a:prstGeom prst="rect">
+            <a:avLst/>
+          </a:prstGeom>
+        </p:spPr>
+        <p:txBody>
+          <a:bodyPr vert="horz" lIns="91440" tIns="45720" rIns="91440" bIns="45720" rtlCol="0" anchor="ctr">
+            <a:normAutofit/>
+          </a:bodyPr>
+          <a:lstStyle>
+            <a:lvl1pPr marL="182880" indent="-182880" algn="l" defTabSz="914400" rtl="0" eaLnBrk="1" latinLnBrk="0" hangingPunct="1">
+              <a:lnSpc>
+                <a:spcPct val="95000"/>
+              </a:lnSpc>
+              <a:spcBef>
+                <a:spcPts val="1400"/>
+              </a:spcBef>
+              <a:spcAft>
+                <a:spcPts val="200"/>
+              </a:spcAft>
+              <a:buClr>
+                <a:schemeClr val="accent1"/>
+              </a:buClr>
+              <a:buSzPct val="80000"/>
+              <a:buFont typeface="Arial" pitchFamily="34" charset="0"/>
+              <a:buChar char="•"/>
+              <a:defRPr sz="1800" kern="1200" spc="10" baseline="0">
+                <a:solidFill>
+                  <a:schemeClr val="tx1"/>
+                </a:solidFill>
+                <a:latin typeface="+mn-lt"/>
+                <a:ea typeface="+mn-ea"/>
+                <a:cs typeface="+mn-cs"/>
+              </a:defRPr>
+            </a:lvl1pPr>
+            <a:lvl2pPr marL="457200" indent="-182880" algn="l" defTabSz="914400" rtl="0" eaLnBrk="1" latinLnBrk="0" hangingPunct="1">
+              <a:lnSpc>
+                <a:spcPct val="90000"/>
+              </a:lnSpc>
+              <a:spcBef>
+                <a:spcPts val="300"/>
+              </a:spcBef>
+              <a:spcAft>
+                <a:spcPts val="300"/>
+              </a:spcAft>
+              <a:buClr>
+                <a:schemeClr val="accent1"/>
+              </a:buClr>
+              <a:buFont typeface="Wingdings 2" pitchFamily="18" charset="2"/>
+              <a:buChar char=""/>
+              <a:defRPr sz="1600" kern="1200">
+                <a:solidFill>
+                  <a:schemeClr val="tx1">
+                    <a:lumMod val="85000"/>
+                    <a:lumOff val="15000"/>
+                  </a:schemeClr>
+                </a:solidFill>
+                <a:latin typeface="+mn-lt"/>
+                <a:ea typeface="+mn-ea"/>
+                <a:cs typeface="+mn-cs"/>
+              </a:defRPr>
+            </a:lvl2pPr>
+            <a:lvl3pPr marL="731520" indent="-182880" algn="l" defTabSz="914400" rtl="0" eaLnBrk="1" latinLnBrk="0" hangingPunct="1">
+              <a:lnSpc>
+                <a:spcPct val="90000"/>
+              </a:lnSpc>
+              <a:spcBef>
+                <a:spcPts val="300"/>
+              </a:spcBef>
+              <a:spcAft>
+                <a:spcPts val="300"/>
+              </a:spcAft>
+              <a:buClr>
+                <a:schemeClr val="accent1"/>
+              </a:buClr>
+              <a:buFont typeface="Wingdings 2" pitchFamily="18" charset="2"/>
+              <a:buChar char=""/>
+              <a:defRPr sz="1400" kern="1200">
+                <a:solidFill>
+                  <a:schemeClr val="tx1">
+                    <a:lumMod val="85000"/>
+                    <a:lumOff val="15000"/>
+                  </a:schemeClr>
+                </a:solidFill>
+                <a:latin typeface="+mn-lt"/>
+                <a:ea typeface="+mn-ea"/>
+                <a:cs typeface="+mn-cs"/>
+              </a:defRPr>
+            </a:lvl3pPr>
+            <a:lvl4pPr marL="1005840" indent="-182880" algn="l" defTabSz="914400" rtl="0" eaLnBrk="1" latinLnBrk="0" hangingPunct="1">
+              <a:lnSpc>
+                <a:spcPct val="90000"/>
+              </a:lnSpc>
+              <a:spcBef>
+                <a:spcPts val="300"/>
+              </a:spcBef>
+              <a:spcAft>
+                <a:spcPts val="300"/>
+              </a:spcAft>
+              <a:buClr>
+                <a:schemeClr val="accent1"/>
+              </a:buClr>
+              <a:buFont typeface="Wingdings 2" pitchFamily="18" charset="2"/>
+              <a:buChar char=""/>
+              <a:defRPr sz="1400" kern="1200">
+                <a:solidFill>
+                  <a:schemeClr val="tx1">
+                    <a:lumMod val="85000"/>
+                    <a:lumOff val="15000"/>
+                  </a:schemeClr>
+                </a:solidFill>
+                <a:latin typeface="+mn-lt"/>
+                <a:ea typeface="+mn-ea"/>
+                <a:cs typeface="+mn-cs"/>
+              </a:defRPr>
+            </a:lvl4pPr>
+            <a:lvl5pPr marL="1280160" indent="-182880" algn="l" defTabSz="914400" rtl="0" eaLnBrk="1" latinLnBrk="0" hangingPunct="1">
+              <a:lnSpc>
+                <a:spcPct val="90000"/>
+              </a:lnSpc>
+              <a:spcBef>
+                <a:spcPts val="300"/>
+              </a:spcBef>
+              <a:spcAft>
+                <a:spcPts val="300"/>
+              </a:spcAft>
+              <a:buClr>
+                <a:schemeClr val="accent1"/>
+              </a:buClr>
+              <a:buFont typeface="Wingdings 2" pitchFamily="18" charset="2"/>
+              <a:buChar char=""/>
+              <a:defRPr sz="1400" kern="1200">
+                <a:solidFill>
+                  <a:schemeClr val="tx1">
+                    <a:lumMod val="85000"/>
+                    <a:lumOff val="15000"/>
+                  </a:schemeClr>
+                </a:solidFill>
+                <a:latin typeface="+mn-lt"/>
+                <a:ea typeface="+mn-ea"/>
+                <a:cs typeface="+mn-cs"/>
+              </a:defRPr>
+            </a:lvl5pPr>
+            <a:lvl6pPr marL="1600000" indent="-228600" algn="l" defTabSz="914400" rtl="0" eaLnBrk="1" latinLnBrk="0" hangingPunct="1">
+              <a:lnSpc>
+                <a:spcPct val="90000"/>
+              </a:lnSpc>
+              <a:spcBef>
+                <a:spcPts val="300"/>
+              </a:spcBef>
+              <a:spcAft>
+                <a:spcPts val="300"/>
+              </a:spcAft>
+              <a:buClr>
+                <a:schemeClr val="accent1"/>
+              </a:buClr>
+              <a:buFont typeface="Wingdings 2" pitchFamily="18" charset="2"/>
+              <a:buChar char=""/>
+              <a:defRPr sz="1400" kern="1200">
+                <a:solidFill>
+                  <a:schemeClr val="tx1">
+                    <a:lumMod val="85000"/>
+                    <a:lumOff val="15000"/>
+                  </a:schemeClr>
+                </a:solidFill>
+                <a:latin typeface="+mn-lt"/>
+                <a:ea typeface="+mn-ea"/>
+                <a:cs typeface="+mn-cs"/>
+              </a:defRPr>
+            </a:lvl6pPr>
+            <a:lvl7pPr marL="1900000" indent="-228600" algn="l" defTabSz="914400" rtl="0" eaLnBrk="1" latinLnBrk="0" hangingPunct="1">
+              <a:lnSpc>
+                <a:spcPct val="90000"/>
+              </a:lnSpc>
+              <a:spcBef>
+                <a:spcPts val="300"/>
+              </a:spcBef>
+              <a:spcAft>
+                <a:spcPts val="300"/>
+              </a:spcAft>
+              <a:buClr>
+                <a:schemeClr val="accent1"/>
+              </a:buClr>
+              <a:buFont typeface="Wingdings 2" pitchFamily="18" charset="2"/>
+              <a:buChar char=""/>
+              <a:defRPr sz="1400" kern="1200">
+                <a:solidFill>
+                  <a:schemeClr val="tx1">
+                    <a:lumMod val="85000"/>
+                    <a:lumOff val="15000"/>
+                  </a:schemeClr>
+                </a:solidFill>
+                <a:latin typeface="+mn-lt"/>
+                <a:ea typeface="+mn-ea"/>
+                <a:cs typeface="+mn-cs"/>
+              </a:defRPr>
+            </a:lvl7pPr>
+            <a:lvl8pPr marL="2200000" indent="-228600" algn="l" defTabSz="914400" rtl="0" eaLnBrk="1" latinLnBrk="0" hangingPunct="1">
+              <a:lnSpc>
+                <a:spcPct val="90000"/>
+              </a:lnSpc>
+              <a:spcBef>
+                <a:spcPts val="300"/>
+              </a:spcBef>
+              <a:spcAft>
+                <a:spcPts val="300"/>
+              </a:spcAft>
+              <a:buClr>
+                <a:schemeClr val="accent1"/>
+              </a:buClr>
+              <a:buFont typeface="Wingdings 2" pitchFamily="18" charset="2"/>
+              <a:buChar char=""/>
+              <a:defRPr sz="1400" kern="1200">
+                <a:solidFill>
+                  <a:schemeClr val="tx1">
+                    <a:lumMod val="85000"/>
+                    <a:lumOff val="15000"/>
+                  </a:schemeClr>
+                </a:solidFill>
+                <a:latin typeface="+mn-lt"/>
+                <a:ea typeface="+mn-ea"/>
+                <a:cs typeface="+mn-cs"/>
+              </a:defRPr>
+            </a:lvl8pPr>
+            <a:lvl9pPr marL="2500000" indent="-228600" algn="l" defTabSz="914400" rtl="0" eaLnBrk="1" latinLnBrk="0" hangingPunct="1">
+              <a:lnSpc>
+                <a:spcPct val="90000"/>
+              </a:lnSpc>
+              <a:spcBef>
+                <a:spcPts val="300"/>
+              </a:spcBef>
+              <a:spcAft>
+                <a:spcPts val="300"/>
+              </a:spcAft>
+              <a:buClr>
+                <a:schemeClr val="accent1"/>
+              </a:buClr>
+              <a:buFont typeface="Wingdings 2" pitchFamily="18" charset="2"/>
+              <a:buChar char=""/>
+              <a:defRPr sz="1400" kern="1200">
+                <a:solidFill>
+                  <a:schemeClr val="tx1">
+                    <a:lumMod val="85000"/>
+                    <a:lumOff val="15000"/>
+                  </a:schemeClr>
+                </a:solidFill>
+                <a:latin typeface="+mn-lt"/>
+                <a:ea typeface="+mn-ea"/>
+                <a:cs typeface="+mn-cs"/>
+              </a:defRPr>
+            </a:lvl9pPr>
+          </a:lstStyle>
+          <a:p>
+            <a:pPr marL="0" indent="0" algn="ctr">
+              <a:lnSpc>
+                <a:spcPct val="100000"/>
+              </a:lnSpc>
+              <a:buFont typeface="Arial" pitchFamily="34" charset="0"/>
+              <a:buNone/>
+            </a:pPr>
+            <a:r>
+              <a:rPr lang="en-US" sz="4800" b="1" dirty="0" smtClean="0">
+                <a:solidFill>
+                  <a:srgbClr val="FF0000"/>
+                </a:solidFill>
+                <a:latin typeface="Segoe UI" panose="020B0502040204020203" pitchFamily="34" charset="0"/>
+                <a:cs typeface="Segoe UI" panose="020B0502040204020203" pitchFamily="34" charset="0"/>
+              </a:rPr>
+              <a:t>SKIP</a:t>
+            </a:r>
+            <a:endParaRPr lang="ru-RU" sz="4800" b="1" dirty="0">
+              <a:solidFill>
+                <a:srgbClr val="FF0000"/>
+              </a:solidFill>
+              <a:latin typeface="Segoe UI" panose="020B0502040204020203" pitchFamily="34" charset="0"/>
+              <a:cs typeface="Segoe UI" panose="020B0502040204020203" pitchFamily="34" charset="0"/>
+            </a:endParaRPr>
+          </a:p>
+        </p:txBody>
+      </p:sp>
+    </p:spTree>
+    <p:extLst>
+      <p:ext uri="{BB962C8B-B14F-4D97-AF65-F5344CB8AC3E}">
+        <p14:creationId xmlns:p14="http://schemas.microsoft.com/office/powerpoint/2010/main" val="2441353867"/>
+      </p:ext>
+    </p:extLst>
+  </p:cSld>
+  <p:clrMapOvr>
+    <a:masterClrMapping/>
+  </p:clrMapOvr>
+  <p:timing>
+    <p:tnLst>
+      <p:par>
+        <p:cTn id="1" dur="indefinite" restart="never" nodeType="tmRoot"/>
+      </p:par>
+    </p:tnLst>
+  </p:timing>
+</p:sld>
+</file>
+
+<file path=ppt/slides/slide25.xml><?xml version="1.0" encoding="utf-8"?>
+<p:sld xmlns:a="http://schemas.openxmlformats.org/drawingml/2006/main" xmlns:r="http://schemas.openxmlformats.org/officeDocument/2006/relationships" xmlns:p="http://schemas.openxmlformats.org/presentationml/2006/main">
+  <p:cSld>
+    <p:spTree>
+      <p:nvGrpSpPr>
+        <p:cNvPr id="1" name=""/>
+        <p:cNvGrpSpPr/>
+        <p:nvPr/>
+      </p:nvGrpSpPr>
+      <p:grpSpPr>
+        <a:xfrm>
+          <a:off x="0" y="0"/>
+          <a:ext cx="0" cy="0"/>
+          <a:chOff x="0" y="0"/>
+          <a:chExt cx="0" cy="0"/>
+        </a:xfrm>
+      </p:grpSpPr>
+      <p:sp>
+        <p:nvSpPr>
+          <p:cNvPr id="2" name="Заголовок 1">
+            <a:extLst>
+              <a:ext uri="{FF2B5EF4-FFF2-40B4-BE49-F238E27FC236}">
+                <a16:creationId xmlns:a16="http://schemas.microsoft.com/office/drawing/2014/main" id="{8BE826D0-5549-D29A-4886-74267A5EE61A}"/>
+              </a:ext>
+            </a:extLst>
+          </p:cNvPr>
+          <p:cNvSpPr>
+            <a:spLocks noGrp="1"/>
+          </p:cNvSpPr>
+          <p:nvPr>
+            <p:ph type="title"/>
+          </p:nvPr>
+        </p:nvSpPr>
+        <p:spPr>
+          <a:xfrm>
+            <a:off x="238760" y="236806"/>
+            <a:ext cx="8042598" cy="668968"/>
+          </a:xfrm>
+        </p:spPr>
+        <p:txBody>
+          <a:bodyPr anchor="t">
+            <a:normAutofit/>
+          </a:bodyPr>
+          <a:lstStyle/>
+          <a:p>
+            <a:r>
+              <a:rPr lang="ru-RU" sz="2800" dirty="0">
+                <a:latin typeface="Segoe UI Semibold" panose="020B0702040204020203" pitchFamily="34" charset="0"/>
+                <a:cs typeface="Segoe UI Semibold" panose="020B0702040204020203" pitchFamily="34" charset="0"/>
+              </a:rPr>
+              <a:t>Метод компенсации искажений на приемнике</a:t>
+            </a:r>
+          </a:p>
+        </p:txBody>
+      </p:sp>
+      <p:sp>
+        <p:nvSpPr>
+          <p:cNvPr id="4" name="Номер слайда 3">
+            <a:extLst>
+              <a:ext uri="{FF2B5EF4-FFF2-40B4-BE49-F238E27FC236}">
+                <a16:creationId xmlns:a16="http://schemas.microsoft.com/office/drawing/2014/main" id="{8B490247-C3DE-4E64-3994-77CF364D4A23}"/>
+              </a:ext>
+            </a:extLst>
+          </p:cNvPr>
+          <p:cNvSpPr>
+            <a:spLocks noGrp="1"/>
+          </p:cNvSpPr>
+          <p:nvPr>
+            <p:ph type="sldNum" sz="quarter" idx="12"/>
+          </p:nvPr>
+        </p:nvSpPr>
+        <p:spPr/>
+        <p:txBody>
+          <a:bodyPr/>
+          <a:lstStyle/>
+          <a:p>
+            <a:fld id="{12AFF886-F040-4FA5-8BD0-0A595B4BDA00}" type="slidenum">
+              <a:rPr lang="ru-RU" smtClean="0"/>
+              <a:t>25</a:t>
+            </a:fld>
+            <a:endParaRPr lang="ru-RU"/>
+          </a:p>
+        </p:txBody>
+      </p:sp>
+      <p:pic>
+        <p:nvPicPr>
+          <p:cNvPr id="8" name="Рисунок 7">
+            <a:extLst>
+              <a:ext uri="{FF2B5EF4-FFF2-40B4-BE49-F238E27FC236}">
+                <a16:creationId xmlns:a16="http://schemas.microsoft.com/office/drawing/2014/main" id="{E3CA7AC0-56C9-8EA1-107F-2CE0BE8172D1}"/>
+              </a:ext>
+            </a:extLst>
+          </p:cNvPr>
+          <p:cNvPicPr>
+            <a:picLocks noChangeAspect="1"/>
+          </p:cNvPicPr>
+          <p:nvPr/>
+        </p:nvPicPr>
+        <p:blipFill>
+          <a:blip r:embed="rId2"/>
+          <a:stretch>
+            <a:fillRect/>
+          </a:stretch>
+        </p:blipFill>
+        <p:spPr>
+          <a:xfrm>
+            <a:off x="1167231" y="2135704"/>
+            <a:ext cx="6478681" cy="2361148"/>
+          </a:xfrm>
+          <a:prstGeom prst="rect">
+            <a:avLst/>
+          </a:prstGeom>
+        </p:spPr>
+      </p:pic>
+      <p:pic>
+        <p:nvPicPr>
+          <p:cNvPr id="10" name="Рисунок 9">
+            <a:extLst>
+              <a:ext uri="{FF2B5EF4-FFF2-40B4-BE49-F238E27FC236}">
+                <a16:creationId xmlns:a16="http://schemas.microsoft.com/office/drawing/2014/main" id="{CA52DD36-3650-4E8E-5170-475DA5584D4A}"/>
+              </a:ext>
+            </a:extLst>
+          </p:cNvPr>
+          <p:cNvPicPr>
+            <a:picLocks noChangeAspect="1"/>
+          </p:cNvPicPr>
+          <p:nvPr/>
+        </p:nvPicPr>
+        <p:blipFill>
+          <a:blip r:embed="rId3"/>
+          <a:stretch>
+            <a:fillRect/>
+          </a:stretch>
+        </p:blipFill>
+        <p:spPr>
+          <a:xfrm>
+            <a:off x="238760" y="4404778"/>
+            <a:ext cx="8163288" cy="2361148"/>
+          </a:xfrm>
+          <a:prstGeom prst="rect">
+            <a:avLst/>
+          </a:prstGeom>
+        </p:spPr>
+      </p:pic>
+      <mc:AlternateContent xmlns:mc="http://schemas.openxmlformats.org/markup-compatibility/2006">
+        <mc:Choice xmlns:a14="http://schemas.microsoft.com/office/drawing/2010/main" Requires="a14">
+          <p:sp>
+            <p:nvSpPr>
+              <p:cNvPr id="6" name="Объект 2">
+                <a:extLst>
+                  <a:ext uri="{FF2B5EF4-FFF2-40B4-BE49-F238E27FC236}">
+                    <a16:creationId xmlns:a16="http://schemas.microsoft.com/office/drawing/2014/main" id="{383723EF-70DE-B2BC-FF5B-7D1D85CE50AE}"/>
+                  </a:ext>
+                </a:extLst>
+              </p:cNvPr>
+              <p:cNvSpPr txBox="1">
+                <a:spLocks/>
+              </p:cNvSpPr>
+              <p:nvPr/>
+            </p:nvSpPr>
+            <p:spPr>
+              <a:xfrm>
+                <a:off x="294135" y="779204"/>
+                <a:ext cx="7869153" cy="1577651"/>
+              </a:xfrm>
+              <a:prstGeom prst="rect">
+                <a:avLst/>
+              </a:prstGeom>
+            </p:spPr>
+            <p:txBody>
+              <a:bodyPr vert="horz" lIns="91440" tIns="45720" rIns="91440" bIns="45720" rtlCol="0">
+                <a:normAutofit/>
+              </a:bodyPr>
+              <a:lstStyle>
+                <a:lvl1pPr marL="182880" indent="-182880" algn="l" defTabSz="914400" rtl="0" eaLnBrk="1" latinLnBrk="0" hangingPunct="1">
+                  <a:lnSpc>
+                    <a:spcPct val="95000"/>
+                  </a:lnSpc>
+                  <a:spcBef>
+                    <a:spcPts val="1400"/>
+                  </a:spcBef>
+                  <a:spcAft>
+                    <a:spcPts val="200"/>
+                  </a:spcAft>
+                  <a:buClr>
+                    <a:schemeClr val="accent1"/>
+                  </a:buClr>
+                  <a:buSzPct val="80000"/>
+                  <a:buFont typeface="Arial" pitchFamily="34" charset="0"/>
+                  <a:buChar char="•"/>
+                  <a:defRPr sz="1800" kern="1200" spc="10" baseline="0">
+                    <a:solidFill>
+                      <a:schemeClr val="tx1"/>
+                    </a:solidFill>
+                    <a:latin typeface="+mn-lt"/>
+                    <a:ea typeface="+mn-ea"/>
+                    <a:cs typeface="+mn-cs"/>
+                  </a:defRPr>
+                </a:lvl1pPr>
+                <a:lvl2pPr marL="457200" indent="-182880" algn="l" defTabSz="914400" rtl="0" eaLnBrk="1" latinLnBrk="0" hangingPunct="1">
+                  <a:lnSpc>
+                    <a:spcPct val="90000"/>
+                  </a:lnSpc>
+                  <a:spcBef>
+                    <a:spcPts val="300"/>
+                  </a:spcBef>
+                  <a:spcAft>
+                    <a:spcPts val="300"/>
+                  </a:spcAft>
+                  <a:buClr>
+                    <a:schemeClr val="accent1"/>
+                  </a:buClr>
+                  <a:buFont typeface="Wingdings 2" pitchFamily="18" charset="2"/>
+                  <a:buChar char=""/>
+                  <a:defRPr sz="1600" kern="1200">
+                    <a:solidFill>
+                      <a:schemeClr val="tx1">
+                        <a:lumMod val="85000"/>
+                        <a:lumOff val="15000"/>
+                      </a:schemeClr>
+                    </a:solidFill>
+                    <a:latin typeface="+mn-lt"/>
+                    <a:ea typeface="+mn-ea"/>
+                    <a:cs typeface="+mn-cs"/>
+                  </a:defRPr>
+                </a:lvl2pPr>
+                <a:lvl3pPr marL="731520" indent="-182880" algn="l" defTabSz="914400" rtl="0" eaLnBrk="1" latinLnBrk="0" hangingPunct="1">
+                  <a:lnSpc>
+                    <a:spcPct val="90000"/>
+                  </a:lnSpc>
+                  <a:spcBef>
+                    <a:spcPts val="300"/>
+                  </a:spcBef>
+                  <a:spcAft>
+                    <a:spcPts val="300"/>
+                  </a:spcAft>
+                  <a:buClr>
+                    <a:schemeClr val="accent1"/>
+                  </a:buClr>
+                  <a:buFont typeface="Wingdings 2" pitchFamily="18" charset="2"/>
+                  <a:buChar char=""/>
+                  <a:defRPr sz="1400" kern="1200">
+                    <a:solidFill>
+                      <a:schemeClr val="tx1">
+                        <a:lumMod val="85000"/>
+                        <a:lumOff val="15000"/>
+                      </a:schemeClr>
+                    </a:solidFill>
+                    <a:latin typeface="+mn-lt"/>
+                    <a:ea typeface="+mn-ea"/>
+                    <a:cs typeface="+mn-cs"/>
+                  </a:defRPr>
+                </a:lvl3pPr>
+                <a:lvl4pPr marL="1005840" indent="-182880" algn="l" defTabSz="914400" rtl="0" eaLnBrk="1" latinLnBrk="0" hangingPunct="1">
+                  <a:lnSpc>
+                    <a:spcPct val="90000"/>
+                  </a:lnSpc>
+                  <a:spcBef>
+                    <a:spcPts val="300"/>
+                  </a:spcBef>
+                  <a:spcAft>
+                    <a:spcPts val="300"/>
+                  </a:spcAft>
+                  <a:buClr>
+                    <a:schemeClr val="accent1"/>
+                  </a:buClr>
+                  <a:buFont typeface="Wingdings 2" pitchFamily="18" charset="2"/>
+                  <a:buChar char=""/>
+                  <a:defRPr sz="1400" kern="1200">
+                    <a:solidFill>
+                      <a:schemeClr val="tx1">
+                        <a:lumMod val="85000"/>
+                        <a:lumOff val="15000"/>
+                      </a:schemeClr>
+                    </a:solidFill>
+                    <a:latin typeface="+mn-lt"/>
+                    <a:ea typeface="+mn-ea"/>
+                    <a:cs typeface="+mn-cs"/>
+                  </a:defRPr>
+                </a:lvl4pPr>
+                <a:lvl5pPr marL="1280160" indent="-182880" algn="l" defTabSz="914400" rtl="0" eaLnBrk="1" latinLnBrk="0" hangingPunct="1">
+                  <a:lnSpc>
+                    <a:spcPct val="90000"/>
+                  </a:lnSpc>
+                  <a:spcBef>
+                    <a:spcPts val="300"/>
+                  </a:spcBef>
+                  <a:spcAft>
+                    <a:spcPts val="300"/>
+                  </a:spcAft>
+                  <a:buClr>
+                    <a:schemeClr val="accent1"/>
+                  </a:buClr>
+                  <a:buFont typeface="Wingdings 2" pitchFamily="18" charset="2"/>
+                  <a:buChar char=""/>
+                  <a:defRPr sz="1400" kern="1200">
+                    <a:solidFill>
+                      <a:schemeClr val="tx1">
+                        <a:lumMod val="85000"/>
+                        <a:lumOff val="15000"/>
+                      </a:schemeClr>
+                    </a:solidFill>
+                    <a:latin typeface="+mn-lt"/>
+                    <a:ea typeface="+mn-ea"/>
+                    <a:cs typeface="+mn-cs"/>
+                  </a:defRPr>
+                </a:lvl5pPr>
+                <a:lvl6pPr marL="1600000" indent="-228600" algn="l" defTabSz="914400" rtl="0" eaLnBrk="1" latinLnBrk="0" hangingPunct="1">
+                  <a:lnSpc>
+                    <a:spcPct val="90000"/>
+                  </a:lnSpc>
+                  <a:spcBef>
+                    <a:spcPts val="300"/>
+                  </a:spcBef>
+                  <a:spcAft>
+                    <a:spcPts val="300"/>
+                  </a:spcAft>
+                  <a:buClr>
+                    <a:schemeClr val="accent1"/>
+                  </a:buClr>
+                  <a:buFont typeface="Wingdings 2" pitchFamily="18" charset="2"/>
+                  <a:buChar char=""/>
+                  <a:defRPr sz="1400" kern="1200">
+                    <a:solidFill>
+                      <a:schemeClr val="tx1">
+                        <a:lumMod val="85000"/>
+                        <a:lumOff val="15000"/>
+                      </a:schemeClr>
+                    </a:solidFill>
+                    <a:latin typeface="+mn-lt"/>
+                    <a:ea typeface="+mn-ea"/>
+                    <a:cs typeface="+mn-cs"/>
+                  </a:defRPr>
+                </a:lvl6pPr>
+                <a:lvl7pPr marL="1900000" indent="-228600" algn="l" defTabSz="914400" rtl="0" eaLnBrk="1" latinLnBrk="0" hangingPunct="1">
+                  <a:lnSpc>
+                    <a:spcPct val="90000"/>
+                  </a:lnSpc>
+                  <a:spcBef>
+                    <a:spcPts val="300"/>
+                  </a:spcBef>
+                  <a:spcAft>
+                    <a:spcPts val="300"/>
+                  </a:spcAft>
+                  <a:buClr>
+                    <a:schemeClr val="accent1"/>
+                  </a:buClr>
+                  <a:buFont typeface="Wingdings 2" pitchFamily="18" charset="2"/>
+                  <a:buChar char=""/>
+                  <a:defRPr sz="1400" kern="1200">
+                    <a:solidFill>
+                      <a:schemeClr val="tx1">
+                        <a:lumMod val="85000"/>
+                        <a:lumOff val="15000"/>
+                      </a:schemeClr>
+                    </a:solidFill>
+                    <a:latin typeface="+mn-lt"/>
+                    <a:ea typeface="+mn-ea"/>
+                    <a:cs typeface="+mn-cs"/>
+                  </a:defRPr>
+                </a:lvl7pPr>
+                <a:lvl8pPr marL="2200000" indent="-228600" algn="l" defTabSz="914400" rtl="0" eaLnBrk="1" latinLnBrk="0" hangingPunct="1">
+                  <a:lnSpc>
+                    <a:spcPct val="90000"/>
+                  </a:lnSpc>
+                  <a:spcBef>
+                    <a:spcPts val="300"/>
+                  </a:spcBef>
+                  <a:spcAft>
+                    <a:spcPts val="300"/>
+                  </a:spcAft>
+                  <a:buClr>
+                    <a:schemeClr val="accent1"/>
+                  </a:buClr>
+                  <a:buFont typeface="Wingdings 2" pitchFamily="18" charset="2"/>
+                  <a:buChar char=""/>
+                  <a:defRPr sz="1400" kern="1200">
+                    <a:solidFill>
+                      <a:schemeClr val="tx1">
+                        <a:lumMod val="85000"/>
+                        <a:lumOff val="15000"/>
+                      </a:schemeClr>
+                    </a:solidFill>
+                    <a:latin typeface="+mn-lt"/>
+                    <a:ea typeface="+mn-ea"/>
+                    <a:cs typeface="+mn-cs"/>
+                  </a:defRPr>
+                </a:lvl8pPr>
+                <a:lvl9pPr marL="2500000" indent="-228600" algn="l" defTabSz="914400" rtl="0" eaLnBrk="1" latinLnBrk="0" hangingPunct="1">
+                  <a:lnSpc>
+                    <a:spcPct val="90000"/>
+                  </a:lnSpc>
+                  <a:spcBef>
+                    <a:spcPts val="300"/>
+                  </a:spcBef>
+                  <a:spcAft>
+                    <a:spcPts val="300"/>
+                  </a:spcAft>
+                  <a:buClr>
+                    <a:schemeClr val="accent1"/>
+                  </a:buClr>
+                  <a:buFont typeface="Wingdings 2" pitchFamily="18" charset="2"/>
+                  <a:buChar char=""/>
+                  <a:defRPr sz="1400" kern="1200">
+                    <a:solidFill>
+                      <a:schemeClr val="tx1">
+                        <a:lumMod val="85000"/>
+                        <a:lumOff val="15000"/>
+                      </a:schemeClr>
+                    </a:solidFill>
+                    <a:latin typeface="+mn-lt"/>
+                    <a:ea typeface="+mn-ea"/>
+                    <a:cs typeface="+mn-cs"/>
+                  </a:defRPr>
+                </a:lvl9pPr>
+              </a:lstStyle>
+              <a:p>
+                <a:pPr marL="0" indent="0">
+                  <a:lnSpc>
+                    <a:spcPct val="100000"/>
+                  </a:lnSpc>
+                  <a:buFont typeface="Arial" pitchFamily="34" charset="0"/>
+                  <a:buNone/>
+                </a:pPr>
+                <a14:m>
+                  <m:oMath xmlns:m="http://schemas.openxmlformats.org/officeDocument/2006/math">
+                    <m:sSub>
+                      <m:sSubPr>
+                        <m:ctrlPr>
+                          <a:rPr lang="ru-RU" i="1" smtClean="0">
+                            <a:latin typeface="Cambria Math" panose="02040503050406030204" pitchFamily="18" charset="0"/>
+                            <a:cs typeface="Segoe UI" panose="020B0502040204020203" pitchFamily="34" charset="0"/>
+                          </a:rPr>
+                        </m:ctrlPr>
+                      </m:sSubPr>
+                      <m:e>
+                        <m:r>
+                          <a:rPr lang="en-US" b="0" i="1" smtClean="0">
+                            <a:latin typeface="Cambria Math" panose="02040503050406030204" pitchFamily="18" charset="0"/>
+                            <a:cs typeface="Segoe UI" panose="020B0502040204020203" pitchFamily="34" charset="0"/>
+                          </a:rPr>
+                          <m:t>𝐾</m:t>
+                        </m:r>
+                      </m:e>
+                      <m:sub>
+                        <m:r>
+                          <a:rPr lang="en-US" b="0" i="1" smtClean="0">
+                            <a:latin typeface="Cambria Math" panose="02040503050406030204" pitchFamily="18" charset="0"/>
+                            <a:cs typeface="Segoe UI" panose="020B0502040204020203" pitchFamily="34" charset="0"/>
+                          </a:rPr>
+                          <m:t>𝑇𝑋</m:t>
+                        </m:r>
+                      </m:sub>
+                    </m:sSub>
+                    <m:r>
+                      <a:rPr lang="en-US" b="0" i="1" smtClean="0">
+                        <a:latin typeface="Cambria Math" panose="02040503050406030204" pitchFamily="18" charset="0"/>
+                        <a:cs typeface="Segoe UI" panose="020B0502040204020203" pitchFamily="34" charset="0"/>
+                      </a:rPr>
+                      <m:t>−</m:t>
+                    </m:r>
+                  </m:oMath>
+                </a14:m>
+                <a:r>
+                  <a:rPr lang="en-US" dirty="0" smtClean="0">
+                    <a:latin typeface="Segoe UI" panose="020B0502040204020203" pitchFamily="34" charset="0"/>
+                    <a:cs typeface="Segoe UI" panose="020B0502040204020203" pitchFamily="34" charset="0"/>
+                  </a:rPr>
+                  <a:t> </a:t>
+                </a:r>
+                <a:r>
+                  <a:rPr lang="ru-RU" dirty="0" smtClean="0">
+                    <a:latin typeface="Segoe UI" panose="020B0502040204020203" pitchFamily="34" charset="0"/>
+                    <a:cs typeface="Segoe UI" panose="020B0502040204020203" pitchFamily="34" charset="0"/>
+                  </a:rPr>
+                  <a:t>коэффициент нормировки для приведения мощности сигнала к выходной мощности на усилителе</a:t>
+                </a:r>
+              </a:p>
+              <a:p>
+                <a:pPr marL="0" indent="0">
+                  <a:lnSpc>
+                    <a:spcPct val="100000"/>
+                  </a:lnSpc>
+                  <a:buNone/>
+                </a:pPr>
+                <a14:m>
+                  <m:oMath xmlns:m="http://schemas.openxmlformats.org/officeDocument/2006/math">
+                    <m:sSub>
+                      <m:sSubPr>
+                        <m:ctrlPr>
+                          <a:rPr lang="ru-RU" i="1">
+                            <a:latin typeface="Cambria Math" panose="02040503050406030204" pitchFamily="18" charset="0"/>
+                            <a:cs typeface="Segoe UI" panose="020B0502040204020203" pitchFamily="34" charset="0"/>
+                          </a:rPr>
+                        </m:ctrlPr>
+                      </m:sSubPr>
+                      <m:e>
+                        <m:r>
+                          <a:rPr lang="en-US" i="1">
+                            <a:latin typeface="Cambria Math" panose="02040503050406030204" pitchFamily="18" charset="0"/>
+                            <a:cs typeface="Segoe UI" panose="020B0502040204020203" pitchFamily="34" charset="0"/>
+                          </a:rPr>
+                          <m:t>𝐾</m:t>
+                        </m:r>
+                      </m:e>
+                      <m:sub>
+                        <m:r>
+                          <a:rPr lang="ru-RU" b="0" i="1" smtClean="0">
+                            <a:latin typeface="Cambria Math" panose="02040503050406030204" pitchFamily="18" charset="0"/>
+                            <a:cs typeface="Segoe UI" panose="020B0502040204020203" pitchFamily="34" charset="0"/>
+                          </a:rPr>
+                          <m:t>0</m:t>
+                        </m:r>
+                      </m:sub>
+                    </m:sSub>
+                    <m:r>
+                      <a:rPr lang="en-US" i="1">
+                        <a:latin typeface="Cambria Math" panose="02040503050406030204" pitchFamily="18" charset="0"/>
+                        <a:cs typeface="Segoe UI" panose="020B0502040204020203" pitchFamily="34" charset="0"/>
+                      </a:rPr>
+                      <m:t>−</m:t>
+                    </m:r>
+                  </m:oMath>
+                </a14:m>
+                <a:r>
+                  <a:rPr lang="en-US" dirty="0">
+                    <a:latin typeface="Segoe UI" panose="020B0502040204020203" pitchFamily="34" charset="0"/>
+                    <a:cs typeface="Segoe UI" panose="020B0502040204020203" pitchFamily="34" charset="0"/>
+                  </a:rPr>
+                  <a:t> </a:t>
+                </a:r>
+                <a:r>
+                  <a:rPr lang="ru-RU" dirty="0">
+                    <a:latin typeface="Segoe UI" panose="020B0502040204020203" pitchFamily="34" charset="0"/>
+                    <a:cs typeface="Segoe UI" panose="020B0502040204020203" pitchFamily="34" charset="0"/>
+                  </a:rPr>
+                  <a:t>коэффициент нормировки для приведения мощности сигнала к </a:t>
+                </a:r>
+                <a:r>
+                  <a:rPr lang="ru-RU" dirty="0" smtClean="0">
+                    <a:latin typeface="Segoe UI" panose="020B0502040204020203" pitchFamily="34" charset="0"/>
+                    <a:cs typeface="Segoe UI" panose="020B0502040204020203" pitchFamily="34" charset="0"/>
+                  </a:rPr>
+                  <a:t>входной </a:t>
+                </a:r>
+                <a:r>
+                  <a:rPr lang="ru-RU" dirty="0">
+                    <a:latin typeface="Segoe UI" panose="020B0502040204020203" pitchFamily="34" charset="0"/>
+                    <a:cs typeface="Segoe UI" panose="020B0502040204020203" pitchFamily="34" charset="0"/>
+                  </a:rPr>
+                  <a:t>мощности </a:t>
+                </a:r>
+                <a:r>
+                  <a:rPr lang="ru-RU" dirty="0" smtClean="0">
+                    <a:latin typeface="Segoe UI" panose="020B0502040204020203" pitchFamily="34" charset="0"/>
+                    <a:cs typeface="Segoe UI" panose="020B0502040204020203" pitchFamily="34" charset="0"/>
+                  </a:rPr>
+                  <a:t>до усилителя</a:t>
+                </a:r>
+                <a:endParaRPr lang="ru-RU" dirty="0">
+                  <a:latin typeface="Segoe UI" panose="020B0502040204020203" pitchFamily="34" charset="0"/>
+                  <a:cs typeface="Segoe UI" panose="020B0502040204020203" pitchFamily="34" charset="0"/>
+                </a:endParaRPr>
+              </a:p>
+              <a:p>
+                <a:pPr marL="0" indent="0">
+                  <a:lnSpc>
+                    <a:spcPct val="100000"/>
+                  </a:lnSpc>
+                  <a:buFont typeface="Arial" pitchFamily="34" charset="0"/>
+                  <a:buNone/>
+                </a:pPr>
+                <a:endParaRPr lang="ru-RU" dirty="0">
+                  <a:latin typeface="Segoe UI" panose="020B0502040204020203" pitchFamily="34" charset="0"/>
+                  <a:cs typeface="Segoe UI" panose="020B0502040204020203" pitchFamily="34" charset="0"/>
+                </a:endParaRPr>
+              </a:p>
+            </p:txBody>
+          </p:sp>
+        </mc:Choice>
+        <mc:Fallback>
+          <p:sp>
+            <p:nvSpPr>
+              <p:cNvPr id="6" name="Объект 2">
+                <a:extLst>
+                  <a:ext uri="{FF2B5EF4-FFF2-40B4-BE49-F238E27FC236}">
+                    <a16:creationId xmlns:a16="http://schemas.microsoft.com/office/drawing/2014/main" id="{383723EF-70DE-B2BC-FF5B-7D1D85CE50AE}"/>
+                  </a:ext>
+                </a:extLst>
+              </p:cNvPr>
+              <p:cNvSpPr txBox="1">
+                <a:spLocks noRot="1" noChangeAspect="1" noMove="1" noResize="1" noEditPoints="1" noAdjustHandles="1" noChangeArrowheads="1" noChangeShapeType="1" noTextEdit="1"/>
+              </p:cNvSpPr>
+              <p:nvPr/>
+            </p:nvSpPr>
+            <p:spPr>
+              <a:xfrm>
+                <a:off x="294135" y="779204"/>
+                <a:ext cx="7869153" cy="1577651"/>
+              </a:xfrm>
+              <a:prstGeom prst="rect">
+                <a:avLst/>
+              </a:prstGeom>
+              <a:blipFill>
+                <a:blip r:embed="rId4"/>
+                <a:stretch>
+                  <a:fillRect l="-620" t="-1931"/>
+                </a:stretch>
+              </a:blipFill>
+            </p:spPr>
+            <p:txBody>
+              <a:bodyPr/>
+              <a:lstStyle/>
+              <a:p>
+                <a:r>
+                  <a:rPr lang="ru-RU">
+                    <a:noFill/>
+                  </a:rPr>
+                  <a:t> </a:t>
+                </a:r>
+              </a:p>
+            </p:txBody>
+          </p:sp>
+        </mc:Fallback>
+      </mc:AlternateContent>
+    </p:spTree>
+    <p:extLst>
+      <p:ext uri="{BB962C8B-B14F-4D97-AF65-F5344CB8AC3E}">
+        <p14:creationId xmlns:p14="http://schemas.microsoft.com/office/powerpoint/2010/main" val="3306142232"/>
+      </p:ext>
+    </p:extLst>
+  </p:cSld>
+  <p:clrMapOvr>
+    <a:masterClrMapping/>
+  </p:clrMapOvr>
+</p:sld>
+</file>
+
+<file path=ppt/slides/slide26.xml><?xml version="1.0" encoding="utf-8"?>
 <p:sld xmlns:a="http://schemas.openxmlformats.org/drawingml/2006/main" xmlns:r="http://schemas.openxmlformats.org/officeDocument/2006/relationships" xmlns:p="http://schemas.openxmlformats.org/presentationml/2006/main">
   <p:cSld>
     <p:spTree>
@@ -14928,33 +17120,8 @@
           <a:p>
             <a:fld id="{12AFF886-F040-4FA5-8BD0-0A595B4BDA00}" type="slidenum">
               <a:rPr lang="ru-RU" smtClean="0"/>
-              <a:t>24</a:t>
+              <a:t>26</a:t>
             </a:fld>
-            <a:endParaRPr lang="ru-RU"/>
-          </a:p>
-        </p:txBody>
-      </p:sp>
-      <p:sp>
-        <p:nvSpPr>
-          <p:cNvPr id="5" name="Заголовок 4">
-            <a:extLst>
-              <a:ext uri="{FF2B5EF4-FFF2-40B4-BE49-F238E27FC236}">
-                <a16:creationId xmlns:a16="http://schemas.microsoft.com/office/drawing/2014/main" id="{4ABA3548-CC30-7727-FC9F-720C9C840EF9}"/>
-              </a:ext>
-            </a:extLst>
-          </p:cNvPr>
-          <p:cNvSpPr>
-            <a:spLocks noGrp="1"/>
-          </p:cNvSpPr>
-          <p:nvPr>
-            <p:ph type="title"/>
-          </p:nvPr>
-        </p:nvSpPr>
-        <p:spPr/>
-        <p:txBody>
-          <a:bodyPr/>
-          <a:lstStyle/>
-          <a:p>
             <a:endParaRPr lang="ru-RU"/>
           </a:p>
         </p:txBody>
@@ -14981,14 +17148,75 @@
         </p:blipFill>
         <p:spPr>
           <a:xfrm>
-            <a:off x="1883862" y="1332604"/>
-            <a:ext cx="5064057" cy="4651717"/>
+            <a:off x="1527661" y="1057182"/>
+            <a:ext cx="5865263" cy="5387685"/>
           </a:xfrm>
           <a:prstGeom prst="rect">
             <a:avLst/>
           </a:prstGeom>
         </p:spPr>
       </p:pic>
+      <p:sp>
+        <p:nvSpPr>
+          <p:cNvPr id="7" name="Заголовок 1">
+            <a:extLst>
+              <a:ext uri="{FF2B5EF4-FFF2-40B4-BE49-F238E27FC236}">
+                <a16:creationId xmlns:a16="http://schemas.microsoft.com/office/drawing/2014/main" id="{8BE826D0-5549-D29A-4886-74267A5EE61A}"/>
+              </a:ext>
+            </a:extLst>
+          </p:cNvPr>
+          <p:cNvSpPr txBox="1">
+            <a:spLocks/>
+          </p:cNvSpPr>
+          <p:nvPr/>
+        </p:nvSpPr>
+        <p:spPr>
+          <a:xfrm>
+            <a:off x="123444" y="213360"/>
+            <a:ext cx="7269480" cy="1325562"/>
+          </a:xfrm>
+          <a:prstGeom prst="rect">
+            <a:avLst/>
+          </a:prstGeom>
+        </p:spPr>
+        <p:txBody>
+          <a:bodyPr vert="horz" lIns="91440" tIns="45720" rIns="91440" bIns="45720" rtlCol="0" anchor="t">
+            <a:normAutofit/>
+          </a:bodyPr>
+          <a:lstStyle>
+            <a:lvl1pPr algn="l" defTabSz="914400" rtl="0" eaLnBrk="1" latinLnBrk="0" hangingPunct="1">
+              <a:lnSpc>
+                <a:spcPct val="90000"/>
+              </a:lnSpc>
+              <a:spcBef>
+                <a:spcPct val="0"/>
+              </a:spcBef>
+              <a:buNone/>
+              <a:defRPr sz="4000" kern="1200" spc="-50" baseline="0">
+                <a:solidFill>
+                  <a:schemeClr val="tx1"/>
+                </a:solidFill>
+                <a:latin typeface="+mj-lt"/>
+                <a:ea typeface="+mj-ea"/>
+                <a:cs typeface="+mj-cs"/>
+              </a:defRPr>
+            </a:lvl1pPr>
+          </a:lstStyle>
+          <a:p>
+            <a:r>
+              <a:rPr lang="ru-RU" dirty="0" smtClean="0">
+                <a:latin typeface="Segoe UI Semibold" panose="020B0702040204020203" pitchFamily="34" charset="0"/>
+                <a:cs typeface="Segoe UI Semibold" panose="020B0702040204020203" pitchFamily="34" charset="0"/>
+              </a:rPr>
+              <a:t>Параметры симуляций</a:t>
+            </a:r>
+            <a:endParaRPr lang="ru-RU" dirty="0">
+              <a:latin typeface="Segoe UI Semibold" panose="020B0702040204020203" pitchFamily="34" charset="0"/>
+              <a:cs typeface="Segoe UI Semibold" panose="020B0702040204020203" pitchFamily="34" charset="0"/>
+            </a:endParaRPr>
+          </a:p>
+        </p:txBody>
+      </p:sp>
     </p:spTree>
     <p:extLst>
       <p:ext uri="{BB962C8B-B14F-4D97-AF65-F5344CB8AC3E}">
@@ -15002,7 +17230,7 @@
 </p:sld>
 </file>
 
-<file path=ppt/slides/slide25.xml><?xml version="1.0" encoding="utf-8"?>
+<file path=ppt/slides/slide27.xml><?xml version="1.0" encoding="utf-8"?>
 <p:sld xmlns:a="http://schemas.openxmlformats.org/drawingml/2006/main" xmlns:r="http://schemas.openxmlformats.org/officeDocument/2006/relationships" xmlns:p="http://schemas.openxmlformats.org/presentationml/2006/main">
   <p:cSld>
     <p:spTree>
@@ -15078,7 +17306,7 @@
           <a:p>
             <a:fld id="{12AFF886-F040-4FA5-8BD0-0A595B4BDA00}" type="slidenum">
               <a:rPr lang="ru-RU" smtClean="0"/>
-              <a:t>25</a:t>
+              <a:t>27</a:t>
             </a:fld>
             <a:endParaRPr lang="ru-RU"/>
           </a:p>
@@ -15492,7 +17720,7 @@
 </p:sld>
 </file>
 
-<file path=ppt/slides/slide26.xml><?xml version="1.0" encoding="utf-8"?>
+<file path=ppt/slides/slide28.xml><?xml version="1.0" encoding="utf-8"?>
 <p:sld xmlns:a="http://schemas.openxmlformats.org/drawingml/2006/main" xmlns:r="http://schemas.openxmlformats.org/officeDocument/2006/relationships" xmlns:p="http://schemas.openxmlformats.org/presentationml/2006/main">
   <p:cSld>
     <p:spTree>
@@ -15568,7 +17796,7 @@
           <a:p>
             <a:fld id="{12AFF886-F040-4FA5-8BD0-0A595B4BDA00}" type="slidenum">
               <a:rPr lang="ru-RU" smtClean="0"/>
-              <a:t>26</a:t>
+              <a:t>28</a:t>
             </a:fld>
             <a:endParaRPr lang="ru-RU"/>
           </a:p>
@@ -15982,7 +18210,7 @@
 </p:sld>
 </file>
 
-<file path=ppt/slides/slide27.xml><?xml version="1.0" encoding="utf-8"?>
+<file path=ppt/slides/slide29.xml><?xml version="1.0" encoding="utf-8"?>
 <p:sld xmlns:a="http://schemas.openxmlformats.org/drawingml/2006/main" xmlns:r="http://schemas.openxmlformats.org/officeDocument/2006/relationships" xmlns:p="http://schemas.openxmlformats.org/presentationml/2006/main">
   <p:cSld>
     <p:spTree>
@@ -16058,7 +18286,7 @@
           <a:p>
             <a:fld id="{12AFF886-F040-4FA5-8BD0-0A595B4BDA00}" type="slidenum">
               <a:rPr lang="ru-RU" smtClean="0"/>
-              <a:t>27</a:t>
+              <a:t>29</a:t>
             </a:fld>
             <a:endParaRPr lang="ru-RU"/>
           </a:p>
@@ -16493,7 +18721,693 @@
 </p:sld>
 </file>
 
-<file path=ppt/slides/slide28.xml><?xml version="1.0" encoding="utf-8"?>
+<file path=ppt/slides/slide3.xml><?xml version="1.0" encoding="utf-8"?>
+<p:sld xmlns:a="http://schemas.openxmlformats.org/drawingml/2006/main" xmlns:r="http://schemas.openxmlformats.org/officeDocument/2006/relationships" xmlns:p="http://schemas.openxmlformats.org/presentationml/2006/main">
+  <p:cSld>
+    <p:spTree>
+      <p:nvGrpSpPr>
+        <p:cNvPr id="1" name=""/>
+        <p:cNvGrpSpPr/>
+        <p:nvPr/>
+      </p:nvGrpSpPr>
+      <p:grpSpPr>
+        <a:xfrm>
+          <a:off x="0" y="0"/>
+          <a:ext cx="0" cy="0"/>
+          <a:chOff x="0" y="0"/>
+          <a:chExt cx="0" cy="0"/>
+        </a:xfrm>
+      </p:grpSpPr>
+      <p:sp>
+        <p:nvSpPr>
+          <p:cNvPr id="2" name="Заголовок 1">
+            <a:extLst>
+              <a:ext uri="{FF2B5EF4-FFF2-40B4-BE49-F238E27FC236}">
+                <a16:creationId xmlns:a16="http://schemas.microsoft.com/office/drawing/2014/main" id="{8BE826D0-5549-D29A-4886-74267A5EE61A}"/>
+              </a:ext>
+            </a:extLst>
+          </p:cNvPr>
+          <p:cNvSpPr>
+            <a:spLocks noGrp="1"/>
+          </p:cNvSpPr>
+          <p:nvPr>
+            <p:ph type="title"/>
+          </p:nvPr>
+        </p:nvSpPr>
+        <p:spPr>
+          <a:xfrm>
+            <a:off x="155829" y="156210"/>
+            <a:ext cx="7269480" cy="1325562"/>
+          </a:xfrm>
+        </p:spPr>
+        <p:txBody>
+          <a:bodyPr anchor="t"/>
+          <a:lstStyle/>
+          <a:p>
+            <a:r>
+              <a:rPr lang="ru-RU" dirty="0">
+                <a:latin typeface="Segoe UI Semibold" panose="020B0702040204020203" pitchFamily="34" charset="0"/>
+                <a:cs typeface="Segoe UI Semibold" panose="020B0702040204020203" pitchFamily="34" charset="0"/>
+              </a:rPr>
+              <a:t>Актуальность работы</a:t>
+            </a:r>
+          </a:p>
+        </p:txBody>
+      </p:sp>
+      <p:sp>
+        <p:nvSpPr>
+          <p:cNvPr id="4" name="Номер слайда 3">
+            <a:extLst>
+              <a:ext uri="{FF2B5EF4-FFF2-40B4-BE49-F238E27FC236}">
+                <a16:creationId xmlns:a16="http://schemas.microsoft.com/office/drawing/2014/main" id="{8B490247-C3DE-4E64-3994-77CF364D4A23}"/>
+              </a:ext>
+            </a:extLst>
+          </p:cNvPr>
+          <p:cNvSpPr>
+            <a:spLocks noGrp="1"/>
+          </p:cNvSpPr>
+          <p:nvPr>
+            <p:ph type="sldNum" sz="quarter" idx="12"/>
+          </p:nvPr>
+        </p:nvSpPr>
+        <p:spPr/>
+        <p:txBody>
+          <a:bodyPr/>
+          <a:lstStyle/>
+          <a:p>
+            <a:fld id="{12AFF886-F040-4FA5-8BD0-0A595B4BDA00}" type="slidenum">
+              <a:rPr lang="ru-RU" smtClean="0"/>
+              <a:t>3</a:t>
+            </a:fld>
+            <a:endParaRPr lang="ru-RU"/>
+          </a:p>
+        </p:txBody>
+      </p:sp>
+      <p:sp>
+        <p:nvSpPr>
+          <p:cNvPr id="5" name="Объект 2">
+            <a:extLst>
+              <a:ext uri="{FF2B5EF4-FFF2-40B4-BE49-F238E27FC236}">
+                <a16:creationId xmlns:a16="http://schemas.microsoft.com/office/drawing/2014/main" id="{1078F957-4924-CBB4-3C1B-F8E7F971A207}"/>
+              </a:ext>
+            </a:extLst>
+          </p:cNvPr>
+          <p:cNvSpPr txBox="1">
+            <a:spLocks/>
+          </p:cNvSpPr>
+          <p:nvPr/>
+        </p:nvSpPr>
+        <p:spPr>
+          <a:xfrm>
+            <a:off x="333375" y="1009650"/>
+            <a:ext cx="6969125" cy="5692139"/>
+          </a:xfrm>
+          <a:prstGeom prst="rect">
+            <a:avLst/>
+          </a:prstGeom>
+        </p:spPr>
+        <p:txBody>
+          <a:bodyPr vert="horz" lIns="91440" tIns="45720" rIns="91440" bIns="45720" rtlCol="0">
+            <a:normAutofit/>
+          </a:bodyPr>
+          <a:lstStyle>
+            <a:lvl1pPr marL="182880" indent="-182880" algn="l" defTabSz="914400" rtl="0" eaLnBrk="1" latinLnBrk="0" hangingPunct="1">
+              <a:lnSpc>
+                <a:spcPct val="95000"/>
+              </a:lnSpc>
+              <a:spcBef>
+                <a:spcPts val="1400"/>
+              </a:spcBef>
+              <a:spcAft>
+                <a:spcPts val="200"/>
+              </a:spcAft>
+              <a:buClr>
+                <a:schemeClr val="accent1"/>
+              </a:buClr>
+              <a:buSzPct val="80000"/>
+              <a:buFont typeface="Arial" pitchFamily="34" charset="0"/>
+              <a:buChar char="•"/>
+              <a:defRPr sz="1800" kern="1200" spc="10" baseline="0">
+                <a:solidFill>
+                  <a:schemeClr val="tx1"/>
+                </a:solidFill>
+                <a:latin typeface="+mn-lt"/>
+                <a:ea typeface="+mn-ea"/>
+                <a:cs typeface="+mn-cs"/>
+              </a:defRPr>
+            </a:lvl1pPr>
+            <a:lvl2pPr marL="457200" indent="-182880" algn="l" defTabSz="914400" rtl="0" eaLnBrk="1" latinLnBrk="0" hangingPunct="1">
+              <a:lnSpc>
+                <a:spcPct val="90000"/>
+              </a:lnSpc>
+              <a:spcBef>
+                <a:spcPts val="300"/>
+              </a:spcBef>
+              <a:spcAft>
+                <a:spcPts val="300"/>
+              </a:spcAft>
+              <a:buClr>
+                <a:schemeClr val="accent1"/>
+              </a:buClr>
+              <a:buFont typeface="Wingdings 2" pitchFamily="18" charset="2"/>
+              <a:buChar char=""/>
+              <a:defRPr sz="1600" kern="1200">
+                <a:solidFill>
+                  <a:schemeClr val="tx1">
+                    <a:lumMod val="85000"/>
+                    <a:lumOff val="15000"/>
+                  </a:schemeClr>
+                </a:solidFill>
+                <a:latin typeface="+mn-lt"/>
+                <a:ea typeface="+mn-ea"/>
+                <a:cs typeface="+mn-cs"/>
+              </a:defRPr>
+            </a:lvl2pPr>
+            <a:lvl3pPr marL="731520" indent="-182880" algn="l" defTabSz="914400" rtl="0" eaLnBrk="1" latinLnBrk="0" hangingPunct="1">
+              <a:lnSpc>
+                <a:spcPct val="90000"/>
+              </a:lnSpc>
+              <a:spcBef>
+                <a:spcPts val="300"/>
+              </a:spcBef>
+              <a:spcAft>
+                <a:spcPts val="300"/>
+              </a:spcAft>
+              <a:buClr>
+                <a:schemeClr val="accent1"/>
+              </a:buClr>
+              <a:buFont typeface="Wingdings 2" pitchFamily="18" charset="2"/>
+              <a:buChar char=""/>
+              <a:defRPr sz="1400" kern="1200">
+                <a:solidFill>
+                  <a:schemeClr val="tx1">
+                    <a:lumMod val="85000"/>
+                    <a:lumOff val="15000"/>
+                  </a:schemeClr>
+                </a:solidFill>
+                <a:latin typeface="+mn-lt"/>
+                <a:ea typeface="+mn-ea"/>
+                <a:cs typeface="+mn-cs"/>
+              </a:defRPr>
+            </a:lvl3pPr>
+            <a:lvl4pPr marL="1005840" indent="-182880" algn="l" defTabSz="914400" rtl="0" eaLnBrk="1" latinLnBrk="0" hangingPunct="1">
+              <a:lnSpc>
+                <a:spcPct val="90000"/>
+              </a:lnSpc>
+              <a:spcBef>
+                <a:spcPts val="300"/>
+              </a:spcBef>
+              <a:spcAft>
+                <a:spcPts val="300"/>
+              </a:spcAft>
+              <a:buClr>
+                <a:schemeClr val="accent1"/>
+              </a:buClr>
+              <a:buFont typeface="Wingdings 2" pitchFamily="18" charset="2"/>
+              <a:buChar char=""/>
+              <a:defRPr sz="1400" kern="1200">
+                <a:solidFill>
+                  <a:schemeClr val="tx1">
+                    <a:lumMod val="85000"/>
+                    <a:lumOff val="15000"/>
+                  </a:schemeClr>
+                </a:solidFill>
+                <a:latin typeface="+mn-lt"/>
+                <a:ea typeface="+mn-ea"/>
+                <a:cs typeface="+mn-cs"/>
+              </a:defRPr>
+            </a:lvl4pPr>
+            <a:lvl5pPr marL="1280160" indent="-182880" algn="l" defTabSz="914400" rtl="0" eaLnBrk="1" latinLnBrk="0" hangingPunct="1">
+              <a:lnSpc>
+                <a:spcPct val="90000"/>
+              </a:lnSpc>
+              <a:spcBef>
+                <a:spcPts val="300"/>
+              </a:spcBef>
+              <a:spcAft>
+                <a:spcPts val="300"/>
+              </a:spcAft>
+              <a:buClr>
+                <a:schemeClr val="accent1"/>
+              </a:buClr>
+              <a:buFont typeface="Wingdings 2" pitchFamily="18" charset="2"/>
+              <a:buChar char=""/>
+              <a:defRPr sz="1400" kern="1200">
+                <a:solidFill>
+                  <a:schemeClr val="tx1">
+                    <a:lumMod val="85000"/>
+                    <a:lumOff val="15000"/>
+                  </a:schemeClr>
+                </a:solidFill>
+                <a:latin typeface="+mn-lt"/>
+                <a:ea typeface="+mn-ea"/>
+                <a:cs typeface="+mn-cs"/>
+              </a:defRPr>
+            </a:lvl5pPr>
+            <a:lvl6pPr marL="1600000" indent="-228600" algn="l" defTabSz="914400" rtl="0" eaLnBrk="1" latinLnBrk="0" hangingPunct="1">
+              <a:lnSpc>
+                <a:spcPct val="90000"/>
+              </a:lnSpc>
+              <a:spcBef>
+                <a:spcPts val="300"/>
+              </a:spcBef>
+              <a:spcAft>
+                <a:spcPts val="300"/>
+              </a:spcAft>
+              <a:buClr>
+                <a:schemeClr val="accent1"/>
+              </a:buClr>
+              <a:buFont typeface="Wingdings 2" pitchFamily="18" charset="2"/>
+              <a:buChar char=""/>
+              <a:defRPr sz="1400" kern="1200">
+                <a:solidFill>
+                  <a:schemeClr val="tx1">
+                    <a:lumMod val="85000"/>
+                    <a:lumOff val="15000"/>
+                  </a:schemeClr>
+                </a:solidFill>
+                <a:latin typeface="+mn-lt"/>
+                <a:ea typeface="+mn-ea"/>
+                <a:cs typeface="+mn-cs"/>
+              </a:defRPr>
+            </a:lvl6pPr>
+            <a:lvl7pPr marL="1900000" indent="-228600" algn="l" defTabSz="914400" rtl="0" eaLnBrk="1" latinLnBrk="0" hangingPunct="1">
+              <a:lnSpc>
+                <a:spcPct val="90000"/>
+              </a:lnSpc>
+              <a:spcBef>
+                <a:spcPts val="300"/>
+              </a:spcBef>
+              <a:spcAft>
+                <a:spcPts val="300"/>
+              </a:spcAft>
+              <a:buClr>
+                <a:schemeClr val="accent1"/>
+              </a:buClr>
+              <a:buFont typeface="Wingdings 2" pitchFamily="18" charset="2"/>
+              <a:buChar char=""/>
+              <a:defRPr sz="1400" kern="1200">
+                <a:solidFill>
+                  <a:schemeClr val="tx1">
+                    <a:lumMod val="85000"/>
+                    <a:lumOff val="15000"/>
+                  </a:schemeClr>
+                </a:solidFill>
+                <a:latin typeface="+mn-lt"/>
+                <a:ea typeface="+mn-ea"/>
+                <a:cs typeface="+mn-cs"/>
+              </a:defRPr>
+            </a:lvl7pPr>
+            <a:lvl8pPr marL="2200000" indent="-228600" algn="l" defTabSz="914400" rtl="0" eaLnBrk="1" latinLnBrk="0" hangingPunct="1">
+              <a:lnSpc>
+                <a:spcPct val="90000"/>
+              </a:lnSpc>
+              <a:spcBef>
+                <a:spcPts val="300"/>
+              </a:spcBef>
+              <a:spcAft>
+                <a:spcPts val="300"/>
+              </a:spcAft>
+              <a:buClr>
+                <a:schemeClr val="accent1"/>
+              </a:buClr>
+              <a:buFont typeface="Wingdings 2" pitchFamily="18" charset="2"/>
+              <a:buChar char=""/>
+              <a:defRPr sz="1400" kern="1200">
+                <a:solidFill>
+                  <a:schemeClr val="tx1">
+                    <a:lumMod val="85000"/>
+                    <a:lumOff val="15000"/>
+                  </a:schemeClr>
+                </a:solidFill>
+                <a:latin typeface="+mn-lt"/>
+                <a:ea typeface="+mn-ea"/>
+                <a:cs typeface="+mn-cs"/>
+              </a:defRPr>
+            </a:lvl8pPr>
+            <a:lvl9pPr marL="2500000" indent="-228600" algn="l" defTabSz="914400" rtl="0" eaLnBrk="1" latinLnBrk="0" hangingPunct="1">
+              <a:lnSpc>
+                <a:spcPct val="90000"/>
+              </a:lnSpc>
+              <a:spcBef>
+                <a:spcPts val="300"/>
+              </a:spcBef>
+              <a:spcAft>
+                <a:spcPts val="300"/>
+              </a:spcAft>
+              <a:buClr>
+                <a:schemeClr val="accent1"/>
+              </a:buClr>
+              <a:buFont typeface="Wingdings 2" pitchFamily="18" charset="2"/>
+              <a:buChar char=""/>
+              <a:defRPr sz="1400" kern="1200">
+                <a:solidFill>
+                  <a:schemeClr val="tx1">
+                    <a:lumMod val="85000"/>
+                    <a:lumOff val="15000"/>
+                  </a:schemeClr>
+                </a:solidFill>
+                <a:latin typeface="+mn-lt"/>
+                <a:ea typeface="+mn-ea"/>
+                <a:cs typeface="+mn-cs"/>
+              </a:defRPr>
+            </a:lvl9pPr>
+          </a:lstStyle>
+          <a:p>
+            <a:pPr marL="0" indent="0">
+              <a:lnSpc>
+                <a:spcPct val="100000"/>
+              </a:lnSpc>
+              <a:spcBef>
+                <a:spcPts val="600"/>
+              </a:spcBef>
+              <a:spcAft>
+                <a:spcPts val="0"/>
+              </a:spcAft>
+              <a:buNone/>
+            </a:pPr>
+            <a:r>
+              <a:rPr lang="ru-RU" dirty="0">
+                <a:latin typeface="Segoe UI" panose="020B0502040204020203" pitchFamily="34" charset="0"/>
+                <a:cs typeface="Segoe UI" panose="020B0502040204020203" pitchFamily="34" charset="0"/>
+              </a:rPr>
+              <a:t>Интернет вещей</a:t>
+            </a:r>
+            <a:r>
+              <a:rPr lang="en-GB" dirty="0">
+                <a:latin typeface="Segoe UI" panose="020B0502040204020203" pitchFamily="34" charset="0"/>
+                <a:cs typeface="Segoe UI" panose="020B0502040204020203" pitchFamily="34" charset="0"/>
+              </a:rPr>
+              <a:t> (IoT)</a:t>
+            </a:r>
+            <a:r>
+              <a:rPr lang="ru-RU" dirty="0">
+                <a:latin typeface="Segoe UI" panose="020B0502040204020203" pitchFamily="34" charset="0"/>
+                <a:cs typeface="Segoe UI" panose="020B0502040204020203" pitchFamily="34" charset="0"/>
+              </a:rPr>
+              <a:t> и </a:t>
+            </a:r>
+            <a:r>
+              <a:rPr lang="en-GB" dirty="0">
+                <a:latin typeface="Segoe UI" panose="020B0502040204020203" pitchFamily="34" charset="0"/>
+                <a:cs typeface="Segoe UI" panose="020B0502040204020203" pitchFamily="34" charset="0"/>
+              </a:rPr>
+              <a:t>5G NR</a:t>
+            </a:r>
+          </a:p>
+          <a:p>
+            <a:pPr>
+              <a:lnSpc>
+                <a:spcPct val="100000"/>
+              </a:lnSpc>
+              <a:spcBef>
+                <a:spcPts val="600"/>
+              </a:spcBef>
+              <a:spcAft>
+                <a:spcPts val="0"/>
+              </a:spcAft>
+            </a:pPr>
+            <a:r>
+              <a:rPr lang="ru-RU" dirty="0">
+                <a:latin typeface="Segoe UI" panose="020B0502040204020203" pitchFamily="34" charset="0"/>
+                <a:cs typeface="Segoe UI" panose="020B0502040204020203" pitchFamily="34" charset="0"/>
+              </a:rPr>
+              <a:t>Высокая скорость, надежность, возможность массового подключения устройств</a:t>
+            </a:r>
+          </a:p>
+          <a:p>
+            <a:pPr>
+              <a:lnSpc>
+                <a:spcPct val="100000"/>
+              </a:lnSpc>
+              <a:spcBef>
+                <a:spcPts val="600"/>
+              </a:spcBef>
+              <a:spcAft>
+                <a:spcPts val="0"/>
+              </a:spcAft>
+            </a:pPr>
+            <a:r>
+              <a:rPr lang="ru-RU" dirty="0">
+                <a:latin typeface="Segoe UI" panose="020B0502040204020203" pitchFamily="34" charset="0"/>
+                <a:cs typeface="Segoe UI" panose="020B0502040204020203" pitchFamily="34" charset="0"/>
+              </a:rPr>
+              <a:t>Количество подключенных «умных» устройств в 2018 году – 8 млрд, в 2021 – 12 млрд.</a:t>
+            </a:r>
+          </a:p>
+          <a:p>
+            <a:pPr>
+              <a:lnSpc>
+                <a:spcPct val="100000"/>
+              </a:lnSpc>
+              <a:spcBef>
+                <a:spcPts val="600"/>
+              </a:spcBef>
+              <a:spcAft>
+                <a:spcPts val="0"/>
+              </a:spcAft>
+            </a:pPr>
+            <a:r>
+              <a:rPr lang="ru-RU" dirty="0">
+                <a:latin typeface="Segoe UI" panose="020B0502040204020203" pitchFamily="34" charset="0"/>
+                <a:cs typeface="Segoe UI" panose="020B0502040204020203" pitchFamily="34" charset="0"/>
+              </a:rPr>
+              <a:t>Поддержка несущих частот до 52.6 ГГц в релизах 15, 16 стандарта </a:t>
+            </a:r>
+            <a:r>
+              <a:rPr lang="en-GB" dirty="0" smtClean="0">
+                <a:latin typeface="Segoe UI" panose="020B0502040204020203" pitchFamily="34" charset="0"/>
+                <a:cs typeface="Segoe UI" panose="020B0502040204020203" pitchFamily="34" charset="0"/>
+              </a:rPr>
+              <a:t>5G</a:t>
+            </a:r>
+            <a:r>
+              <a:rPr lang="ru-RU" dirty="0" smtClean="0">
+                <a:latin typeface="Segoe UI" panose="020B0502040204020203" pitchFamily="34" charset="0"/>
+                <a:cs typeface="Segoe UI" panose="020B0502040204020203" pitchFamily="34" charset="0"/>
+              </a:rPr>
+              <a:t>, расширение </a:t>
+            </a:r>
+            <a:r>
+              <a:rPr lang="ru-RU" dirty="0">
+                <a:latin typeface="Segoe UI" panose="020B0502040204020203" pitchFamily="34" charset="0"/>
+                <a:cs typeface="Segoe UI" panose="020B0502040204020203" pitchFamily="34" charset="0"/>
+              </a:rPr>
+              <a:t>диапазона </a:t>
+            </a:r>
+            <a:r>
+              <a:rPr lang="en-GB" dirty="0">
+                <a:latin typeface="Segoe UI" panose="020B0502040204020203" pitchFamily="34" charset="0"/>
+                <a:cs typeface="Segoe UI" panose="020B0502040204020203" pitchFamily="34" charset="0"/>
+              </a:rPr>
+              <a:t>FR2 </a:t>
+            </a:r>
+            <a:r>
+              <a:rPr lang="ru-RU" dirty="0">
+                <a:latin typeface="Segoe UI" panose="020B0502040204020203" pitchFamily="34" charset="0"/>
+                <a:cs typeface="Segoe UI" panose="020B0502040204020203" pitchFamily="34" charset="0"/>
+              </a:rPr>
+              <a:t>до</a:t>
+            </a:r>
+            <a:r>
+              <a:rPr lang="en-US" dirty="0">
+                <a:latin typeface="Segoe UI" panose="020B0502040204020203" pitchFamily="34" charset="0"/>
+                <a:cs typeface="Segoe UI" panose="020B0502040204020203" pitchFamily="34" charset="0"/>
+              </a:rPr>
+              <a:t> 114</a:t>
+            </a:r>
+            <a:r>
+              <a:rPr lang="ru-RU" dirty="0">
+                <a:latin typeface="Segoe UI" panose="020B0502040204020203" pitchFamily="34" charset="0"/>
+                <a:cs typeface="Segoe UI" panose="020B0502040204020203" pitchFamily="34" charset="0"/>
+              </a:rPr>
+              <a:t> ГГц</a:t>
+            </a:r>
+          </a:p>
+          <a:p>
+            <a:pPr>
+              <a:lnSpc>
+                <a:spcPct val="100000"/>
+              </a:lnSpc>
+              <a:spcBef>
+                <a:spcPts val="600"/>
+              </a:spcBef>
+              <a:spcAft>
+                <a:spcPts val="0"/>
+              </a:spcAft>
+            </a:pPr>
+            <a:r>
+              <a:rPr lang="ru-RU" dirty="0" smtClean="0">
+                <a:latin typeface="Segoe UI" panose="020B0502040204020203" pitchFamily="34" charset="0"/>
+                <a:cs typeface="Segoe UI" panose="020B0502040204020203" pitchFamily="34" charset="0"/>
+              </a:rPr>
+              <a:t>Не смотря на развитие </a:t>
+            </a:r>
+            <a:r>
+              <a:rPr lang="ru-RU" dirty="0" smtClean="0">
+                <a:latin typeface="Segoe UI" panose="020B0502040204020203" pitchFamily="34" charset="0"/>
+                <a:cs typeface="Segoe UI" panose="020B0502040204020203" pitchFamily="34" charset="0"/>
+              </a:rPr>
+              <a:t>технологий, х</a:t>
+            </a:r>
+            <a:r>
+              <a:rPr lang="ru-RU" dirty="0" smtClean="0">
+                <a:latin typeface="Segoe UI" panose="020B0502040204020203" pitchFamily="34" charset="0"/>
+                <a:cs typeface="Segoe UI" panose="020B0502040204020203" pitchFamily="34" charset="0"/>
+              </a:rPr>
+              <a:t>арактеристики </a:t>
+            </a:r>
+            <a:r>
+              <a:rPr lang="ru-RU" dirty="0">
+                <a:latin typeface="Segoe UI" panose="020B0502040204020203" pitchFamily="34" charset="0"/>
+                <a:cs typeface="Segoe UI" panose="020B0502040204020203" pitchFamily="34" charset="0"/>
+              </a:rPr>
+              <a:t>усилителей в миллиметровом диапазоне значительно хуже </a:t>
+            </a:r>
+            <a:r>
+              <a:rPr lang="ru-RU" dirty="0" smtClean="0">
+                <a:latin typeface="Segoe UI" panose="020B0502040204020203" pitchFamily="34" charset="0"/>
+                <a:cs typeface="Segoe UI" panose="020B0502040204020203" pitchFamily="34" charset="0"/>
+              </a:rPr>
+              <a:t>более низкочастотных усилителей.</a:t>
+            </a:r>
+          </a:p>
+          <a:p>
+            <a:pPr>
+              <a:lnSpc>
+                <a:spcPct val="100000"/>
+              </a:lnSpc>
+              <a:spcBef>
+                <a:spcPts val="600"/>
+              </a:spcBef>
+              <a:spcAft>
+                <a:spcPts val="0"/>
+              </a:spcAft>
+            </a:pPr>
+            <a:r>
+              <a:rPr lang="ru-RU" dirty="0" smtClean="0">
+                <a:latin typeface="Segoe UI" panose="020B0502040204020203" pitchFamily="34" charset="0"/>
+                <a:cs typeface="Segoe UI" panose="020B0502040204020203" pitchFamily="34" charset="0"/>
+              </a:rPr>
+              <a:t>Передающие </a:t>
+            </a:r>
+            <a:r>
+              <a:rPr lang="ru-RU" dirty="0">
+                <a:latin typeface="Segoe UI" panose="020B0502040204020203" pitchFamily="34" charset="0"/>
+                <a:cs typeface="Segoe UI" panose="020B0502040204020203" pitchFamily="34" charset="0"/>
+              </a:rPr>
+              <a:t>устройства – датчики, сенсоры должны быть </a:t>
+            </a:r>
+            <a:r>
+              <a:rPr lang="ru-RU" dirty="0" smtClean="0">
+                <a:latin typeface="Segoe UI" panose="020B0502040204020203" pitchFamily="34" charset="0"/>
+                <a:cs typeface="Segoe UI" panose="020B0502040204020203" pitchFamily="34" charset="0"/>
+              </a:rPr>
+              <a:t>эффективны</a:t>
+            </a:r>
+            <a:r>
+              <a:rPr lang="ru-RU" dirty="0">
+                <a:latin typeface="Segoe UI" panose="020B0502040204020203" pitchFamily="34" charset="0"/>
+                <a:cs typeface="Segoe UI" panose="020B0502040204020203" pitchFamily="34" charset="0"/>
+              </a:rPr>
+              <a:t>, необходимо уменьшить количество сигнальной обработки на </a:t>
+            </a:r>
+            <a:r>
+              <a:rPr lang="ru-RU" dirty="0" smtClean="0">
+                <a:latin typeface="Segoe UI" panose="020B0502040204020203" pitchFamily="34" charset="0"/>
+                <a:cs typeface="Segoe UI" panose="020B0502040204020203" pitchFamily="34" charset="0"/>
+              </a:rPr>
+              <a:t>передатчиках </a:t>
+            </a:r>
+            <a:r>
+              <a:rPr lang="ru-RU" dirty="0" smtClean="0">
+                <a:latin typeface="Segoe UI" panose="020B0502040204020203" pitchFamily="34" charset="0"/>
+                <a:cs typeface="Segoe UI" panose="020B0502040204020203" pitchFamily="34" charset="0"/>
+              </a:rPr>
+              <a:t>и </a:t>
+            </a:r>
+            <a:r>
+              <a:rPr lang="ru-RU" dirty="0" smtClean="0">
+                <a:latin typeface="Segoe UI" panose="020B0502040204020203" pitchFamily="34" charset="0"/>
+                <a:cs typeface="Segoe UI" panose="020B0502040204020203" pitchFamily="34" charset="0"/>
+              </a:rPr>
+              <a:t>выполнять компенсацию на приемнике</a:t>
+            </a:r>
+            <a:endParaRPr lang="ru-RU" dirty="0">
+              <a:latin typeface="Segoe UI" panose="020B0502040204020203" pitchFamily="34" charset="0"/>
+              <a:cs typeface="Segoe UI" panose="020B0502040204020203" pitchFamily="34" charset="0"/>
+            </a:endParaRPr>
+          </a:p>
+        </p:txBody>
+      </p:sp>
+      <p:pic>
+        <p:nvPicPr>
+          <p:cNvPr id="1026" name="Picture 2" descr="3GPP – 5G-Xcast">
+            <a:extLst>
+              <a:ext uri="{FF2B5EF4-FFF2-40B4-BE49-F238E27FC236}">
+                <a16:creationId xmlns:a16="http://schemas.microsoft.com/office/drawing/2014/main" id="{D9628AE1-9B16-9CD6-7C5B-9910A86504C2}"/>
+              </a:ext>
+            </a:extLst>
+          </p:cNvPr>
+          <p:cNvPicPr>
+            <a:picLocks noChangeAspect="1" noChangeArrowheads="1"/>
+          </p:cNvPicPr>
+          <p:nvPr/>
+        </p:nvPicPr>
+        <p:blipFill>
+          <a:blip r:embed="rId2" cstate="print">
+            <a:extLst>
+              <a:ext uri="{28A0092B-C50C-407E-A947-70E740481C1C}">
+                <a14:useLocalDpi xmlns:a14="http://schemas.microsoft.com/office/drawing/2010/main" val="0"/>
+              </a:ext>
+            </a:extLst>
+          </a:blip>
+          <a:srcRect/>
+          <a:stretch>
+            <a:fillRect/>
+          </a:stretch>
+        </p:blipFill>
+        <p:spPr bwMode="auto">
+          <a:xfrm>
+            <a:off x="2943405" y="5300026"/>
+            <a:ext cx="3294228" cy="1401763"/>
+          </a:xfrm>
+          <a:prstGeom prst="rect">
+            <a:avLst/>
+          </a:prstGeom>
+          <a:noFill/>
+          <a:extLst>
+            <a:ext uri="{909E8E84-426E-40DD-AFC4-6F175D3DCCD1}">
+              <a14:hiddenFill xmlns:a14="http://schemas.microsoft.com/office/drawing/2010/main">
+                <a:solidFill>
+                  <a:srgbClr val="FFFFFF"/>
+                </a:solidFill>
+              </a14:hiddenFill>
+            </a:ext>
+          </a:extLst>
+        </p:spPr>
+      </p:pic>
+    </p:spTree>
+    <p:extLst>
+      <p:ext uri="{BB962C8B-B14F-4D97-AF65-F5344CB8AC3E}">
+        <p14:creationId xmlns:p14="http://schemas.microsoft.com/office/powerpoint/2010/main" val="1248343726"/>
+      </p:ext>
+    </p:extLst>
+  </p:cSld>
+  <p:clrMapOvr>
+    <a:masterClrMapping/>
+  </p:clrMapOvr>
+  <p:timing>
+    <p:tnLst>
+      <p:par>
+        <p:cTn id="1" dur="indefinite" restart="never" nodeType="tmRoot"/>
+      </p:par>
+    </p:tnLst>
+  </p:timing>
+</p:sld>
+</file>
+
+<file path=ppt/slides/slide30.xml><?xml version="1.0" encoding="utf-8"?>
 <p:sld xmlns:a="http://schemas.openxmlformats.org/drawingml/2006/main" xmlns:r="http://schemas.openxmlformats.org/officeDocument/2006/relationships" xmlns:p="http://schemas.openxmlformats.org/presentationml/2006/main">
   <p:cSld>
     <p:spTree>
@@ -16605,7 +19519,7 @@
           <a:p>
             <a:fld id="{12AFF886-F040-4FA5-8BD0-0A595B4BDA00}" type="slidenum">
               <a:rPr lang="ru-RU" smtClean="0"/>
-              <a:t>28</a:t>
+              <a:t>30</a:t>
             </a:fld>
             <a:endParaRPr lang="ru-RU"/>
           </a:p>
@@ -16995,647 +19909,6 @@
     <p:extLst>
       <p:ext uri="{BB962C8B-B14F-4D97-AF65-F5344CB8AC3E}">
         <p14:creationId xmlns:p14="http://schemas.microsoft.com/office/powerpoint/2010/main" val="777160229"/>
-      </p:ext>
-    </p:extLst>
-  </p:cSld>
-  <p:clrMapOvr>
-    <a:masterClrMapping/>
-  </p:clrMapOvr>
-</p:sld>
-</file>
-
-<file path=ppt/slides/slide3.xml><?xml version="1.0" encoding="utf-8"?>
-<p:sld xmlns:a="http://schemas.openxmlformats.org/drawingml/2006/main" xmlns:r="http://schemas.openxmlformats.org/officeDocument/2006/relationships" xmlns:p="http://schemas.openxmlformats.org/presentationml/2006/main">
-  <p:cSld>
-    <p:spTree>
-      <p:nvGrpSpPr>
-        <p:cNvPr id="1" name=""/>
-        <p:cNvGrpSpPr/>
-        <p:nvPr/>
-      </p:nvGrpSpPr>
-      <p:grpSpPr>
-        <a:xfrm>
-          <a:off x="0" y="0"/>
-          <a:ext cx="0" cy="0"/>
-          <a:chOff x="0" y="0"/>
-          <a:chExt cx="0" cy="0"/>
-        </a:xfrm>
-      </p:grpSpPr>
-      <p:sp>
-        <p:nvSpPr>
-          <p:cNvPr id="2" name="Заголовок 1">
-            <a:extLst>
-              <a:ext uri="{FF2B5EF4-FFF2-40B4-BE49-F238E27FC236}">
-                <a16:creationId xmlns:a16="http://schemas.microsoft.com/office/drawing/2014/main" id="{8BE826D0-5549-D29A-4886-74267A5EE61A}"/>
-              </a:ext>
-            </a:extLst>
-          </p:cNvPr>
-          <p:cNvSpPr>
-            <a:spLocks noGrp="1"/>
-          </p:cNvSpPr>
-          <p:nvPr>
-            <p:ph type="title"/>
-          </p:nvPr>
-        </p:nvSpPr>
-        <p:spPr>
-          <a:xfrm>
-            <a:off x="155829" y="156210"/>
-            <a:ext cx="7269480" cy="1325562"/>
-          </a:xfrm>
-        </p:spPr>
-        <p:txBody>
-          <a:bodyPr anchor="t"/>
-          <a:lstStyle/>
-          <a:p>
-            <a:r>
-              <a:rPr lang="ru-RU" dirty="0">
-                <a:latin typeface="Segoe UI Semibold" panose="020B0702040204020203" pitchFamily="34" charset="0"/>
-                <a:cs typeface="Segoe UI Semibold" panose="020B0702040204020203" pitchFamily="34" charset="0"/>
-              </a:rPr>
-              <a:t>Актуальность работы</a:t>
-            </a:r>
-          </a:p>
-        </p:txBody>
-      </p:sp>
-      <p:sp>
-        <p:nvSpPr>
-          <p:cNvPr id="4" name="Номер слайда 3">
-            <a:extLst>
-              <a:ext uri="{FF2B5EF4-FFF2-40B4-BE49-F238E27FC236}">
-                <a16:creationId xmlns:a16="http://schemas.microsoft.com/office/drawing/2014/main" id="{8B490247-C3DE-4E64-3994-77CF364D4A23}"/>
-              </a:ext>
-            </a:extLst>
-          </p:cNvPr>
-          <p:cNvSpPr>
-            <a:spLocks noGrp="1"/>
-          </p:cNvSpPr>
-          <p:nvPr>
-            <p:ph type="sldNum" sz="quarter" idx="12"/>
-          </p:nvPr>
-        </p:nvSpPr>
-        <p:spPr/>
-        <p:txBody>
-          <a:bodyPr/>
-          <a:lstStyle/>
-          <a:p>
-            <a:fld id="{12AFF886-F040-4FA5-8BD0-0A595B4BDA00}" type="slidenum">
-              <a:rPr lang="ru-RU" smtClean="0"/>
-              <a:t>3</a:t>
-            </a:fld>
-            <a:endParaRPr lang="ru-RU"/>
-          </a:p>
-        </p:txBody>
-      </p:sp>
-      <p:sp>
-        <p:nvSpPr>
-          <p:cNvPr id="5" name="Объект 2">
-            <a:extLst>
-              <a:ext uri="{FF2B5EF4-FFF2-40B4-BE49-F238E27FC236}">
-                <a16:creationId xmlns:a16="http://schemas.microsoft.com/office/drawing/2014/main" id="{1078F957-4924-CBB4-3C1B-F8E7F971A207}"/>
-              </a:ext>
-            </a:extLst>
-          </p:cNvPr>
-          <p:cNvSpPr txBox="1">
-            <a:spLocks/>
-          </p:cNvSpPr>
-          <p:nvPr/>
-        </p:nvSpPr>
-        <p:spPr>
-          <a:xfrm>
-            <a:off x="333375" y="1009650"/>
-            <a:ext cx="6969125" cy="5692139"/>
-          </a:xfrm>
-          <a:prstGeom prst="rect">
-            <a:avLst/>
-          </a:prstGeom>
-        </p:spPr>
-        <p:txBody>
-          <a:bodyPr vert="horz" lIns="91440" tIns="45720" rIns="91440" bIns="45720" rtlCol="0">
-            <a:normAutofit/>
-          </a:bodyPr>
-          <a:lstStyle>
-            <a:lvl1pPr marL="182880" indent="-182880" algn="l" defTabSz="914400" rtl="0" eaLnBrk="1" latinLnBrk="0" hangingPunct="1">
-              <a:lnSpc>
-                <a:spcPct val="95000"/>
-              </a:lnSpc>
-              <a:spcBef>
-                <a:spcPts val="1400"/>
-              </a:spcBef>
-              <a:spcAft>
-                <a:spcPts val="200"/>
-              </a:spcAft>
-              <a:buClr>
-                <a:schemeClr val="accent1"/>
-              </a:buClr>
-              <a:buSzPct val="80000"/>
-              <a:buFont typeface="Arial" pitchFamily="34" charset="0"/>
-              <a:buChar char="•"/>
-              <a:defRPr sz="1800" kern="1200" spc="10" baseline="0">
-                <a:solidFill>
-                  <a:schemeClr val="tx1"/>
-                </a:solidFill>
-                <a:latin typeface="+mn-lt"/>
-                <a:ea typeface="+mn-ea"/>
-                <a:cs typeface="+mn-cs"/>
-              </a:defRPr>
-            </a:lvl1pPr>
-            <a:lvl2pPr marL="457200" indent="-182880" algn="l" defTabSz="914400" rtl="0" eaLnBrk="1" latinLnBrk="0" hangingPunct="1">
-              <a:lnSpc>
-                <a:spcPct val="90000"/>
-              </a:lnSpc>
-              <a:spcBef>
-                <a:spcPts val="300"/>
-              </a:spcBef>
-              <a:spcAft>
-                <a:spcPts val="300"/>
-              </a:spcAft>
-              <a:buClr>
-                <a:schemeClr val="accent1"/>
-              </a:buClr>
-              <a:buFont typeface="Wingdings 2" pitchFamily="18" charset="2"/>
-              <a:buChar char=""/>
-              <a:defRPr sz="1600" kern="1200">
-                <a:solidFill>
-                  <a:schemeClr val="tx1">
-                    <a:lumMod val="85000"/>
-                    <a:lumOff val="15000"/>
-                  </a:schemeClr>
-                </a:solidFill>
-                <a:latin typeface="+mn-lt"/>
-                <a:ea typeface="+mn-ea"/>
-                <a:cs typeface="+mn-cs"/>
-              </a:defRPr>
-            </a:lvl2pPr>
-            <a:lvl3pPr marL="731520" indent="-182880" algn="l" defTabSz="914400" rtl="0" eaLnBrk="1" latinLnBrk="0" hangingPunct="1">
-              <a:lnSpc>
-                <a:spcPct val="90000"/>
-              </a:lnSpc>
-              <a:spcBef>
-                <a:spcPts val="300"/>
-              </a:spcBef>
-              <a:spcAft>
-                <a:spcPts val="300"/>
-              </a:spcAft>
-              <a:buClr>
-                <a:schemeClr val="accent1"/>
-              </a:buClr>
-              <a:buFont typeface="Wingdings 2" pitchFamily="18" charset="2"/>
-              <a:buChar char=""/>
-              <a:defRPr sz="1400" kern="1200">
-                <a:solidFill>
-                  <a:schemeClr val="tx1">
-                    <a:lumMod val="85000"/>
-                    <a:lumOff val="15000"/>
-                  </a:schemeClr>
-                </a:solidFill>
-                <a:latin typeface="+mn-lt"/>
-                <a:ea typeface="+mn-ea"/>
-                <a:cs typeface="+mn-cs"/>
-              </a:defRPr>
-            </a:lvl3pPr>
-            <a:lvl4pPr marL="1005840" indent="-182880" algn="l" defTabSz="914400" rtl="0" eaLnBrk="1" latinLnBrk="0" hangingPunct="1">
-              <a:lnSpc>
-                <a:spcPct val="90000"/>
-              </a:lnSpc>
-              <a:spcBef>
-                <a:spcPts val="300"/>
-              </a:spcBef>
-              <a:spcAft>
-                <a:spcPts val="300"/>
-              </a:spcAft>
-              <a:buClr>
-                <a:schemeClr val="accent1"/>
-              </a:buClr>
-              <a:buFont typeface="Wingdings 2" pitchFamily="18" charset="2"/>
-              <a:buChar char=""/>
-              <a:defRPr sz="1400" kern="1200">
-                <a:solidFill>
-                  <a:schemeClr val="tx1">
-                    <a:lumMod val="85000"/>
-                    <a:lumOff val="15000"/>
-                  </a:schemeClr>
-                </a:solidFill>
-                <a:latin typeface="+mn-lt"/>
-                <a:ea typeface="+mn-ea"/>
-                <a:cs typeface="+mn-cs"/>
-              </a:defRPr>
-            </a:lvl4pPr>
-            <a:lvl5pPr marL="1280160" indent="-182880" algn="l" defTabSz="914400" rtl="0" eaLnBrk="1" latinLnBrk="0" hangingPunct="1">
-              <a:lnSpc>
-                <a:spcPct val="90000"/>
-              </a:lnSpc>
-              <a:spcBef>
-                <a:spcPts val="300"/>
-              </a:spcBef>
-              <a:spcAft>
-                <a:spcPts val="300"/>
-              </a:spcAft>
-              <a:buClr>
-                <a:schemeClr val="accent1"/>
-              </a:buClr>
-              <a:buFont typeface="Wingdings 2" pitchFamily="18" charset="2"/>
-              <a:buChar char=""/>
-              <a:defRPr sz="1400" kern="1200">
-                <a:solidFill>
-                  <a:schemeClr val="tx1">
-                    <a:lumMod val="85000"/>
-                    <a:lumOff val="15000"/>
-                  </a:schemeClr>
-                </a:solidFill>
-                <a:latin typeface="+mn-lt"/>
-                <a:ea typeface="+mn-ea"/>
-                <a:cs typeface="+mn-cs"/>
-              </a:defRPr>
-            </a:lvl5pPr>
-            <a:lvl6pPr marL="1600000" indent="-228600" algn="l" defTabSz="914400" rtl="0" eaLnBrk="1" latinLnBrk="0" hangingPunct="1">
-              <a:lnSpc>
-                <a:spcPct val="90000"/>
-              </a:lnSpc>
-              <a:spcBef>
-                <a:spcPts val="300"/>
-              </a:spcBef>
-              <a:spcAft>
-                <a:spcPts val="300"/>
-              </a:spcAft>
-              <a:buClr>
-                <a:schemeClr val="accent1"/>
-              </a:buClr>
-              <a:buFont typeface="Wingdings 2" pitchFamily="18" charset="2"/>
-              <a:buChar char=""/>
-              <a:defRPr sz="1400" kern="1200">
-                <a:solidFill>
-                  <a:schemeClr val="tx1">
-                    <a:lumMod val="85000"/>
-                    <a:lumOff val="15000"/>
-                  </a:schemeClr>
-                </a:solidFill>
-                <a:latin typeface="+mn-lt"/>
-                <a:ea typeface="+mn-ea"/>
-                <a:cs typeface="+mn-cs"/>
-              </a:defRPr>
-            </a:lvl6pPr>
-            <a:lvl7pPr marL="1900000" indent="-228600" algn="l" defTabSz="914400" rtl="0" eaLnBrk="1" latinLnBrk="0" hangingPunct="1">
-              <a:lnSpc>
-                <a:spcPct val="90000"/>
-              </a:lnSpc>
-              <a:spcBef>
-                <a:spcPts val="300"/>
-              </a:spcBef>
-              <a:spcAft>
-                <a:spcPts val="300"/>
-              </a:spcAft>
-              <a:buClr>
-                <a:schemeClr val="accent1"/>
-              </a:buClr>
-              <a:buFont typeface="Wingdings 2" pitchFamily="18" charset="2"/>
-              <a:buChar char=""/>
-              <a:defRPr sz="1400" kern="1200">
-                <a:solidFill>
-                  <a:schemeClr val="tx1">
-                    <a:lumMod val="85000"/>
-                    <a:lumOff val="15000"/>
-                  </a:schemeClr>
-                </a:solidFill>
-                <a:latin typeface="+mn-lt"/>
-                <a:ea typeface="+mn-ea"/>
-                <a:cs typeface="+mn-cs"/>
-              </a:defRPr>
-            </a:lvl7pPr>
-            <a:lvl8pPr marL="2200000" indent="-228600" algn="l" defTabSz="914400" rtl="0" eaLnBrk="1" latinLnBrk="0" hangingPunct="1">
-              <a:lnSpc>
-                <a:spcPct val="90000"/>
-              </a:lnSpc>
-              <a:spcBef>
-                <a:spcPts val="300"/>
-              </a:spcBef>
-              <a:spcAft>
-                <a:spcPts val="300"/>
-              </a:spcAft>
-              <a:buClr>
-                <a:schemeClr val="accent1"/>
-              </a:buClr>
-              <a:buFont typeface="Wingdings 2" pitchFamily="18" charset="2"/>
-              <a:buChar char=""/>
-              <a:defRPr sz="1400" kern="1200">
-                <a:solidFill>
-                  <a:schemeClr val="tx1">
-                    <a:lumMod val="85000"/>
-                    <a:lumOff val="15000"/>
-                  </a:schemeClr>
-                </a:solidFill>
-                <a:latin typeface="+mn-lt"/>
-                <a:ea typeface="+mn-ea"/>
-                <a:cs typeface="+mn-cs"/>
-              </a:defRPr>
-            </a:lvl8pPr>
-            <a:lvl9pPr marL="2500000" indent="-228600" algn="l" defTabSz="914400" rtl="0" eaLnBrk="1" latinLnBrk="0" hangingPunct="1">
-              <a:lnSpc>
-                <a:spcPct val="90000"/>
-              </a:lnSpc>
-              <a:spcBef>
-                <a:spcPts val="300"/>
-              </a:spcBef>
-              <a:spcAft>
-                <a:spcPts val="300"/>
-              </a:spcAft>
-              <a:buClr>
-                <a:schemeClr val="accent1"/>
-              </a:buClr>
-              <a:buFont typeface="Wingdings 2" pitchFamily="18" charset="2"/>
-              <a:buChar char=""/>
-              <a:defRPr sz="1400" kern="1200">
-                <a:solidFill>
-                  <a:schemeClr val="tx1">
-                    <a:lumMod val="85000"/>
-                    <a:lumOff val="15000"/>
-                  </a:schemeClr>
-                </a:solidFill>
-                <a:latin typeface="+mn-lt"/>
-                <a:ea typeface="+mn-ea"/>
-                <a:cs typeface="+mn-cs"/>
-              </a:defRPr>
-            </a:lvl9pPr>
-          </a:lstStyle>
-          <a:p>
-            <a:pPr marL="0" indent="0">
-              <a:lnSpc>
-                <a:spcPct val="100000"/>
-              </a:lnSpc>
-              <a:spcBef>
-                <a:spcPts val="600"/>
-              </a:spcBef>
-              <a:spcAft>
-                <a:spcPts val="0"/>
-              </a:spcAft>
-              <a:buNone/>
-            </a:pPr>
-            <a:r>
-              <a:rPr lang="ru-RU" dirty="0">
-                <a:latin typeface="Segoe UI" panose="020B0502040204020203" pitchFamily="34" charset="0"/>
-                <a:cs typeface="Segoe UI" panose="020B0502040204020203" pitchFamily="34" charset="0"/>
-              </a:rPr>
-              <a:t>Интернет вещей</a:t>
-            </a:r>
-            <a:r>
-              <a:rPr lang="en-GB" dirty="0">
-                <a:latin typeface="Segoe UI" panose="020B0502040204020203" pitchFamily="34" charset="0"/>
-                <a:cs typeface="Segoe UI" panose="020B0502040204020203" pitchFamily="34" charset="0"/>
-              </a:rPr>
-              <a:t> (IoT)</a:t>
-            </a:r>
-            <a:r>
-              <a:rPr lang="ru-RU" dirty="0">
-                <a:latin typeface="Segoe UI" panose="020B0502040204020203" pitchFamily="34" charset="0"/>
-                <a:cs typeface="Segoe UI" panose="020B0502040204020203" pitchFamily="34" charset="0"/>
-              </a:rPr>
-              <a:t> и </a:t>
-            </a:r>
-            <a:r>
-              <a:rPr lang="en-GB" dirty="0">
-                <a:latin typeface="Segoe UI" panose="020B0502040204020203" pitchFamily="34" charset="0"/>
-                <a:cs typeface="Segoe UI" panose="020B0502040204020203" pitchFamily="34" charset="0"/>
-              </a:rPr>
-              <a:t>5G NR</a:t>
-            </a:r>
-          </a:p>
-          <a:p>
-            <a:pPr>
-              <a:lnSpc>
-                <a:spcPct val="100000"/>
-              </a:lnSpc>
-              <a:spcBef>
-                <a:spcPts val="600"/>
-              </a:spcBef>
-              <a:spcAft>
-                <a:spcPts val="0"/>
-              </a:spcAft>
-            </a:pPr>
-            <a:r>
-              <a:rPr lang="ru-RU" dirty="0">
-                <a:latin typeface="Segoe UI" panose="020B0502040204020203" pitchFamily="34" charset="0"/>
-                <a:cs typeface="Segoe UI" panose="020B0502040204020203" pitchFamily="34" charset="0"/>
-              </a:rPr>
-              <a:t>Высокая скорость, надежность, возможность массового подключения устройств</a:t>
-            </a:r>
-          </a:p>
-          <a:p>
-            <a:pPr>
-              <a:lnSpc>
-                <a:spcPct val="100000"/>
-              </a:lnSpc>
-              <a:spcBef>
-                <a:spcPts val="600"/>
-              </a:spcBef>
-              <a:spcAft>
-                <a:spcPts val="0"/>
-              </a:spcAft>
-            </a:pPr>
-            <a:r>
-              <a:rPr lang="ru-RU" dirty="0">
-                <a:latin typeface="Segoe UI" panose="020B0502040204020203" pitchFamily="34" charset="0"/>
-                <a:cs typeface="Segoe UI" panose="020B0502040204020203" pitchFamily="34" charset="0"/>
-              </a:rPr>
-              <a:t>Количество подключенных «умных» устройств в 2018 году – 8 млрд, в 2021 – 12 млрд.</a:t>
-            </a:r>
-          </a:p>
-          <a:p>
-            <a:pPr>
-              <a:lnSpc>
-                <a:spcPct val="100000"/>
-              </a:lnSpc>
-              <a:spcBef>
-                <a:spcPts val="600"/>
-              </a:spcBef>
-              <a:spcAft>
-                <a:spcPts val="0"/>
-              </a:spcAft>
-            </a:pPr>
-            <a:r>
-              <a:rPr lang="ru-RU" dirty="0">
-                <a:latin typeface="Segoe UI" panose="020B0502040204020203" pitchFamily="34" charset="0"/>
-                <a:cs typeface="Segoe UI" panose="020B0502040204020203" pitchFamily="34" charset="0"/>
-              </a:rPr>
-              <a:t>Поддержка несущих частот до 52.6 ГГц в релизах 15, 16 стандарта </a:t>
-            </a:r>
-            <a:r>
-              <a:rPr lang="en-GB" dirty="0" smtClean="0">
-                <a:latin typeface="Segoe UI" panose="020B0502040204020203" pitchFamily="34" charset="0"/>
-                <a:cs typeface="Segoe UI" panose="020B0502040204020203" pitchFamily="34" charset="0"/>
-              </a:rPr>
-              <a:t>5G</a:t>
-            </a:r>
-            <a:r>
-              <a:rPr lang="ru-RU" dirty="0" smtClean="0">
-                <a:latin typeface="Segoe UI" panose="020B0502040204020203" pitchFamily="34" charset="0"/>
-                <a:cs typeface="Segoe UI" panose="020B0502040204020203" pitchFamily="34" charset="0"/>
-              </a:rPr>
-              <a:t>, расширение </a:t>
-            </a:r>
-            <a:r>
-              <a:rPr lang="ru-RU" dirty="0">
-                <a:latin typeface="Segoe UI" panose="020B0502040204020203" pitchFamily="34" charset="0"/>
-                <a:cs typeface="Segoe UI" panose="020B0502040204020203" pitchFamily="34" charset="0"/>
-              </a:rPr>
-              <a:t>диапазона </a:t>
-            </a:r>
-            <a:r>
-              <a:rPr lang="en-GB" dirty="0">
-                <a:latin typeface="Segoe UI" panose="020B0502040204020203" pitchFamily="34" charset="0"/>
-                <a:cs typeface="Segoe UI" panose="020B0502040204020203" pitchFamily="34" charset="0"/>
-              </a:rPr>
-              <a:t>FR2 </a:t>
-            </a:r>
-            <a:r>
-              <a:rPr lang="ru-RU" dirty="0">
-                <a:latin typeface="Segoe UI" panose="020B0502040204020203" pitchFamily="34" charset="0"/>
-                <a:cs typeface="Segoe UI" panose="020B0502040204020203" pitchFamily="34" charset="0"/>
-              </a:rPr>
-              <a:t>до</a:t>
-            </a:r>
-            <a:r>
-              <a:rPr lang="en-US" dirty="0">
-                <a:latin typeface="Segoe UI" panose="020B0502040204020203" pitchFamily="34" charset="0"/>
-                <a:cs typeface="Segoe UI" panose="020B0502040204020203" pitchFamily="34" charset="0"/>
-              </a:rPr>
-              <a:t> 114</a:t>
-            </a:r>
-            <a:r>
-              <a:rPr lang="ru-RU" dirty="0">
-                <a:latin typeface="Segoe UI" panose="020B0502040204020203" pitchFamily="34" charset="0"/>
-                <a:cs typeface="Segoe UI" panose="020B0502040204020203" pitchFamily="34" charset="0"/>
-              </a:rPr>
-              <a:t> ГГц</a:t>
-            </a:r>
-          </a:p>
-          <a:p>
-            <a:pPr>
-              <a:lnSpc>
-                <a:spcPct val="100000"/>
-              </a:lnSpc>
-              <a:spcBef>
-                <a:spcPts val="600"/>
-              </a:spcBef>
-              <a:spcAft>
-                <a:spcPts val="0"/>
-              </a:spcAft>
-            </a:pPr>
-            <a:r>
-              <a:rPr lang="ru-RU" dirty="0">
-                <a:latin typeface="Segoe UI" panose="020B0502040204020203" pitchFamily="34" charset="0"/>
-                <a:cs typeface="Segoe UI" panose="020B0502040204020203" pitchFamily="34" charset="0"/>
-              </a:rPr>
-              <a:t>Характеристики усилителей в миллиметровом диапазоне значительно хуже </a:t>
-            </a:r>
-            <a:r>
-              <a:rPr lang="ru-RU" dirty="0" smtClean="0">
-                <a:latin typeface="Segoe UI" panose="020B0502040204020203" pitchFamily="34" charset="0"/>
-                <a:cs typeface="Segoe UI" panose="020B0502040204020203" pitchFamily="34" charset="0"/>
-              </a:rPr>
-              <a:t>из-за сложности процесса производства</a:t>
-            </a:r>
-            <a:endParaRPr lang="ru-RU" dirty="0">
-              <a:latin typeface="Segoe UI" panose="020B0502040204020203" pitchFamily="34" charset="0"/>
-              <a:cs typeface="Segoe UI" panose="020B0502040204020203" pitchFamily="34" charset="0"/>
-            </a:endParaRPr>
-          </a:p>
-          <a:p>
-            <a:pPr>
-              <a:lnSpc>
-                <a:spcPct val="100000"/>
-              </a:lnSpc>
-              <a:spcBef>
-                <a:spcPts val="600"/>
-              </a:spcBef>
-              <a:spcAft>
-                <a:spcPts val="0"/>
-              </a:spcAft>
-            </a:pPr>
-            <a:r>
-              <a:rPr lang="ru-RU" dirty="0">
-                <a:latin typeface="Segoe UI" panose="020B0502040204020203" pitchFamily="34" charset="0"/>
-                <a:cs typeface="Segoe UI" panose="020B0502040204020203" pitchFamily="34" charset="0"/>
-              </a:rPr>
-              <a:t>Передающие устройства – датчики, сенсоры должны быть </a:t>
-            </a:r>
-            <a:r>
-              <a:rPr lang="ru-RU" dirty="0" smtClean="0">
-                <a:latin typeface="Segoe UI" panose="020B0502040204020203" pitchFamily="34" charset="0"/>
-                <a:cs typeface="Segoe UI" panose="020B0502040204020203" pitchFamily="34" charset="0"/>
-              </a:rPr>
-              <a:t>эффективны</a:t>
-            </a:r>
-            <a:r>
-              <a:rPr lang="ru-RU" dirty="0">
-                <a:latin typeface="Segoe UI" panose="020B0502040204020203" pitchFamily="34" charset="0"/>
-                <a:cs typeface="Segoe UI" panose="020B0502040204020203" pitchFamily="34" charset="0"/>
-              </a:rPr>
-              <a:t>, необходимо уменьшить количество сигнальной обработки на </a:t>
-            </a:r>
-            <a:r>
-              <a:rPr lang="ru-RU" dirty="0" smtClean="0">
-                <a:latin typeface="Segoe UI" panose="020B0502040204020203" pitchFamily="34" charset="0"/>
-                <a:cs typeface="Segoe UI" panose="020B0502040204020203" pitchFamily="34" charset="0"/>
-              </a:rPr>
-              <a:t>передатчиках – выполнять компенсацию на приемнике</a:t>
-            </a:r>
-            <a:endParaRPr lang="ru-RU" dirty="0">
-              <a:latin typeface="Segoe UI" panose="020B0502040204020203" pitchFamily="34" charset="0"/>
-              <a:cs typeface="Segoe UI" panose="020B0502040204020203" pitchFamily="34" charset="0"/>
-            </a:endParaRPr>
-          </a:p>
-        </p:txBody>
-      </p:sp>
-      <p:pic>
-        <p:nvPicPr>
-          <p:cNvPr id="1026" name="Picture 2" descr="3GPP – 5G-Xcast">
-            <a:extLst>
-              <a:ext uri="{FF2B5EF4-FFF2-40B4-BE49-F238E27FC236}">
-                <a16:creationId xmlns:a16="http://schemas.microsoft.com/office/drawing/2014/main" id="{D9628AE1-9B16-9CD6-7C5B-9910A86504C2}"/>
-              </a:ext>
-            </a:extLst>
-          </p:cNvPr>
-          <p:cNvPicPr>
-            <a:picLocks noChangeAspect="1" noChangeArrowheads="1"/>
-          </p:cNvPicPr>
-          <p:nvPr/>
-        </p:nvPicPr>
-        <p:blipFill>
-          <a:blip r:embed="rId2" cstate="print">
-            <a:extLst>
-              <a:ext uri="{28A0092B-C50C-407E-A947-70E740481C1C}">
-                <a14:useLocalDpi xmlns:a14="http://schemas.microsoft.com/office/drawing/2010/main" val="0"/>
-              </a:ext>
-            </a:extLst>
-          </a:blip>
-          <a:srcRect/>
-          <a:stretch>
-            <a:fillRect/>
-          </a:stretch>
-        </p:blipFill>
-        <p:spPr bwMode="auto">
-          <a:xfrm>
-            <a:off x="2943405" y="5300026"/>
-            <a:ext cx="3294228" cy="1401763"/>
-          </a:xfrm>
-          <a:prstGeom prst="rect">
-            <a:avLst/>
-          </a:prstGeom>
-          <a:noFill/>
-          <a:extLst>
-            <a:ext uri="{909E8E84-426E-40DD-AFC4-6F175D3DCCD1}">
-              <a14:hiddenFill xmlns:a14="http://schemas.microsoft.com/office/drawing/2010/main">
-                <a:solidFill>
-                  <a:srgbClr val="FFFFFF"/>
-                </a:solidFill>
-              </a14:hiddenFill>
-            </a:ext>
-          </a:extLst>
-        </p:spPr>
-      </p:pic>
-    </p:spTree>
-    <p:extLst>
-      <p:ext uri="{BB962C8B-B14F-4D97-AF65-F5344CB8AC3E}">
-        <p14:creationId xmlns:p14="http://schemas.microsoft.com/office/powerpoint/2010/main" val="1248343726"/>
       </p:ext>
     </p:extLst>
   </p:cSld>
@@ -17724,7 +19997,7 @@
         </p:nvSpPr>
         <p:spPr>
           <a:xfrm>
-            <a:off x="6505575" y="1704975"/>
+            <a:off x="6496949" y="1704975"/>
             <a:ext cx="704850" cy="661988"/>
           </a:xfrm>
           <a:prstGeom prst="rect">
@@ -17955,6 +20228,13 @@
   <p:clrMapOvr>
     <a:masterClrMapping/>
   </p:clrMapOvr>
+  <p:timing>
+    <p:tnLst>
+      <p:par>
+        <p:cTn id="1" dur="indefinite" restart="never" nodeType="tmRoot"/>
+      </p:par>
+    </p:tnLst>
+  </p:timing>
 </p:sld>
 </file>
 
@@ -17983,16 +20263,15 @@
           </p:cNvPicPr>
           <p:nvPr/>
         </p:nvPicPr>
-        <p:blipFill>
+        <p:blipFill rotWithShape="1">
           <a:blip r:embed="rId2"/>
-          <a:stretch>
-            <a:fillRect/>
-          </a:stretch>
+          <a:srcRect l="3583"/>
+          <a:stretch/>
         </p:blipFill>
         <p:spPr>
           <a:xfrm>
-            <a:off x="1948903" y="2535894"/>
-            <a:ext cx="6363225" cy="4046456"/>
+            <a:off x="1774539" y="2289672"/>
+            <a:ext cx="6547211" cy="4318187"/>
           </a:xfrm>
           <a:prstGeom prst="rect">
             <a:avLst/>
@@ -18079,7 +20358,7 @@
         <p:spPr>
           <a:xfrm>
             <a:off x="230410" y="1458675"/>
-            <a:ext cx="8081718" cy="1077218"/>
+            <a:ext cx="8081718" cy="830997"/>
           </a:xfrm>
           <a:prstGeom prst="rect">
             <a:avLst/>
@@ -18097,10 +20376,15 @@
                 <a:latin typeface="Segoe UI" panose="020B0502040204020203" pitchFamily="34" charset="0"/>
                 <a:cs typeface="Segoe UI" panose="020B0502040204020203" pitchFamily="34" charset="0"/>
               </a:rPr>
-              <a:t>При подаче сигнала на нелинейный участок усилителя возникают искажения</a:t>
-            </a:r>
-          </a:p>
-          <a:p>
+              <a:t>При подаче сигнала на нелинейный участок усилителя возникают </a:t>
+            </a:r>
+            <a:r>
+              <a:rPr lang="ru-RU" sz="1600" dirty="0" smtClean="0">
+                <a:latin typeface="Segoe UI" panose="020B0502040204020203" pitchFamily="34" charset="0"/>
+                <a:cs typeface="Segoe UI" panose="020B0502040204020203" pitchFamily="34" charset="0"/>
+              </a:rPr>
+              <a:t>искажения</a:t>
+            </a:r>
             <a:endParaRPr lang="ru-RU" sz="1600" dirty="0" smtClean="0">
               <a:latin typeface="Segoe UI" panose="020B0502040204020203" pitchFamily="34" charset="0"/>
               <a:cs typeface="Segoe UI" panose="020B0502040204020203" pitchFamily="34" charset="0"/>
@@ -18135,8 +20419,8 @@
         </p:nvSpPr>
         <p:spPr>
           <a:xfrm>
-            <a:off x="230410" y="4088777"/>
-            <a:ext cx="2408015" cy="1569660"/>
+            <a:off x="230410" y="4008321"/>
+            <a:ext cx="2159107" cy="1569660"/>
           </a:xfrm>
           <a:prstGeom prst="rect">
             <a:avLst/>
@@ -18201,6 +20485,13 @@
   <p:clrMapOvr>
     <a:masterClrMapping/>
   </p:clrMapOvr>
+  <p:timing>
+    <p:tnLst>
+      <p:par>
+        <p:cTn id="1" dur="indefinite" restart="never" nodeType="tmRoot"/>
+      </p:par>
+    </p:tnLst>
+  </p:timing>
 </p:sld>
 </file>
 
@@ -18223,28 +20514,22 @@
       </p:grpSpPr>
       <p:pic>
         <p:nvPicPr>
-          <p:cNvPr id="3" name="Рисунок 2"/>
+          <p:cNvPr id="6" name="Рисунок 5"/>
           <p:cNvPicPr>
             <a:picLocks noChangeAspect="1"/>
           </p:cNvPicPr>
           <p:nvPr/>
         </p:nvPicPr>
         <p:blipFill>
-          <a:blip r:embed="rId2">
-            <a:extLst>
-              <a:ext uri="{28A0092B-C50C-407E-A947-70E740481C1C}">
-                <a14:useLocalDpi xmlns:a14="http://schemas.microsoft.com/office/drawing/2010/main" val="0"/>
-              </a:ext>
-            </a:extLst>
-          </a:blip>
+          <a:blip r:embed="rId2"/>
           <a:stretch>
             <a:fillRect/>
           </a:stretch>
         </p:blipFill>
         <p:spPr>
           <a:xfrm>
-            <a:off x="3429104" y="2236421"/>
-            <a:ext cx="4889198" cy="4236693"/>
+            <a:off x="2544789" y="2663245"/>
+            <a:ext cx="5555412" cy="4129733"/>
           </a:xfrm>
           <a:prstGeom prst="rect">
             <a:avLst/>
@@ -18270,7 +20555,7 @@
         <p:spPr>
           <a:xfrm>
             <a:off x="230410" y="220431"/>
-            <a:ext cx="6351545" cy="1325562"/>
+            <a:ext cx="6765613" cy="1325562"/>
           </a:xfrm>
         </p:spPr>
         <p:txBody>
@@ -18278,24 +20563,11 @@
           <a:lstStyle/>
           <a:p>
             <a:r>
-              <a:rPr lang="ru-RU" dirty="0">
+              <a:rPr lang="ru-RU" dirty="0" smtClean="0">
                 <a:latin typeface="Segoe UI Semibold" panose="020B0702040204020203" pitchFamily="34" charset="0"/>
                 <a:cs typeface="Segoe UI Semibold" panose="020B0702040204020203" pitchFamily="34" charset="0"/>
               </a:rPr>
-              <a:t>Отступы по мощности</a:t>
-            </a:r>
-            <a:br>
-              <a:rPr lang="ru-RU" dirty="0">
-                <a:latin typeface="Segoe UI Semibold" panose="020B0702040204020203" pitchFamily="34" charset="0"/>
-                <a:cs typeface="Segoe UI Semibold" panose="020B0702040204020203" pitchFamily="34" charset="0"/>
-              </a:rPr>
-            </a:br>
-            <a:r>
-              <a:rPr lang="en-US" dirty="0">
-                <a:latin typeface="Segoe UI Semibold" panose="020B0702040204020203" pitchFamily="34" charset="0"/>
-                <a:cs typeface="Segoe UI Semibold" panose="020B0702040204020203" pitchFamily="34" charset="0"/>
-              </a:rPr>
-              <a:t>IBO, OBO</a:t>
+              <a:t>Характеристика нелинейности УМ</a:t>
             </a:r>
             <a:endParaRPr lang="ru-RU" dirty="0">
               <a:latin typeface="Segoe UI Semibold" panose="020B0702040204020203" pitchFamily="34" charset="0"/>
@@ -18333,654 +20605,431 @@
           </a:p>
         </p:txBody>
       </p:sp>
-      <p:pic>
-        <p:nvPicPr>
-          <p:cNvPr id="5" name="Рисунок 4">
-            <a:extLst>
-              <a:ext uri="{FF2B5EF4-FFF2-40B4-BE49-F238E27FC236}">
-                <a16:creationId xmlns:a16="http://schemas.microsoft.com/office/drawing/2014/main" id="{50C809D5-E65F-EE46-2103-621F3ADCAAC1}"/>
-              </a:ext>
-            </a:extLst>
-          </p:cNvPr>
-          <p:cNvPicPr>
-            <a:picLocks noChangeAspect="1"/>
-          </p:cNvPicPr>
-          <p:nvPr/>
-        </p:nvPicPr>
-        <p:blipFill>
-          <a:blip r:embed="rId3"/>
-          <a:stretch>
-            <a:fillRect/>
-          </a:stretch>
-        </p:blipFill>
-        <p:spPr>
-          <a:xfrm>
-            <a:off x="566966" y="2593130"/>
-            <a:ext cx="2875764" cy="2255095"/>
-          </a:xfrm>
-          <a:prstGeom prst="rect">
-            <a:avLst/>
-          </a:prstGeom>
-        </p:spPr>
-      </p:pic>
-      <p:sp>
-        <p:nvSpPr>
-          <p:cNvPr id="6" name="Объект 2">
-            <a:extLst>
-              <a:ext uri="{FF2B5EF4-FFF2-40B4-BE49-F238E27FC236}">
-                <a16:creationId xmlns:a16="http://schemas.microsoft.com/office/drawing/2014/main" id="{8CDFC422-4199-8C58-632B-0CF9DB308CCD}"/>
-              </a:ext>
-            </a:extLst>
-          </p:cNvPr>
-          <p:cNvSpPr txBox="1">
-            <a:spLocks/>
-          </p:cNvSpPr>
-          <p:nvPr/>
-        </p:nvSpPr>
-        <p:spPr>
-          <a:xfrm>
-            <a:off x="519340" y="1469858"/>
-            <a:ext cx="6995885" cy="1941744"/>
-          </a:xfrm>
-          <a:prstGeom prst="rect">
-            <a:avLst/>
-          </a:prstGeom>
-        </p:spPr>
-        <p:txBody>
-          <a:bodyPr vert="horz" lIns="91440" tIns="45720" rIns="91440" bIns="45720" rtlCol="0">
-            <a:normAutofit/>
-          </a:bodyPr>
-          <a:lstStyle>
-            <a:lvl1pPr marL="182880" indent="-182880" algn="l" defTabSz="914400" rtl="0" eaLnBrk="1" latinLnBrk="0" hangingPunct="1">
-              <a:lnSpc>
-                <a:spcPct val="95000"/>
-              </a:lnSpc>
-              <a:spcBef>
-                <a:spcPts val="1400"/>
-              </a:spcBef>
-              <a:spcAft>
-                <a:spcPts val="200"/>
-              </a:spcAft>
-              <a:buClr>
-                <a:schemeClr val="accent1"/>
-              </a:buClr>
-              <a:buSzPct val="80000"/>
-              <a:buFont typeface="Arial" pitchFamily="34" charset="0"/>
-              <a:buChar char="•"/>
-              <a:defRPr sz="1800" kern="1200" spc="10" baseline="0">
-                <a:solidFill>
-                  <a:schemeClr val="tx1"/>
-                </a:solidFill>
-                <a:latin typeface="+mn-lt"/>
-                <a:ea typeface="+mn-ea"/>
-                <a:cs typeface="+mn-cs"/>
-              </a:defRPr>
-            </a:lvl1pPr>
-            <a:lvl2pPr marL="457200" indent="-182880" algn="l" defTabSz="914400" rtl="0" eaLnBrk="1" latinLnBrk="0" hangingPunct="1">
-              <a:lnSpc>
-                <a:spcPct val="90000"/>
-              </a:lnSpc>
-              <a:spcBef>
-                <a:spcPts val="300"/>
-              </a:spcBef>
-              <a:spcAft>
-                <a:spcPts val="300"/>
-              </a:spcAft>
-              <a:buClr>
-                <a:schemeClr val="accent1"/>
-              </a:buClr>
-              <a:buFont typeface="Wingdings 2" pitchFamily="18" charset="2"/>
-              <a:buChar char=""/>
-              <a:defRPr sz="1600" kern="1200">
-                <a:solidFill>
-                  <a:schemeClr val="tx1">
-                    <a:lumMod val="85000"/>
-                    <a:lumOff val="15000"/>
-                  </a:schemeClr>
-                </a:solidFill>
-                <a:latin typeface="+mn-lt"/>
-                <a:ea typeface="+mn-ea"/>
-                <a:cs typeface="+mn-cs"/>
-              </a:defRPr>
-            </a:lvl2pPr>
-            <a:lvl3pPr marL="731520" indent="-182880" algn="l" defTabSz="914400" rtl="0" eaLnBrk="1" latinLnBrk="0" hangingPunct="1">
-              <a:lnSpc>
-                <a:spcPct val="90000"/>
-              </a:lnSpc>
-              <a:spcBef>
-                <a:spcPts val="300"/>
-              </a:spcBef>
-              <a:spcAft>
-                <a:spcPts val="300"/>
-              </a:spcAft>
-              <a:buClr>
-                <a:schemeClr val="accent1"/>
-              </a:buClr>
-              <a:buFont typeface="Wingdings 2" pitchFamily="18" charset="2"/>
-              <a:buChar char=""/>
-              <a:defRPr sz="1400" kern="1200">
-                <a:solidFill>
-                  <a:schemeClr val="tx1">
-                    <a:lumMod val="85000"/>
-                    <a:lumOff val="15000"/>
-                  </a:schemeClr>
-                </a:solidFill>
-                <a:latin typeface="+mn-lt"/>
-                <a:ea typeface="+mn-ea"/>
-                <a:cs typeface="+mn-cs"/>
-              </a:defRPr>
-            </a:lvl3pPr>
-            <a:lvl4pPr marL="1005840" indent="-182880" algn="l" defTabSz="914400" rtl="0" eaLnBrk="1" latinLnBrk="0" hangingPunct="1">
-              <a:lnSpc>
-                <a:spcPct val="90000"/>
-              </a:lnSpc>
-              <a:spcBef>
-                <a:spcPts val="300"/>
-              </a:spcBef>
-              <a:spcAft>
-                <a:spcPts val="300"/>
-              </a:spcAft>
-              <a:buClr>
-                <a:schemeClr val="accent1"/>
-              </a:buClr>
-              <a:buFont typeface="Wingdings 2" pitchFamily="18" charset="2"/>
-              <a:buChar char=""/>
-              <a:defRPr sz="1400" kern="1200">
-                <a:solidFill>
-                  <a:schemeClr val="tx1">
-                    <a:lumMod val="85000"/>
-                    <a:lumOff val="15000"/>
-                  </a:schemeClr>
-                </a:solidFill>
-                <a:latin typeface="+mn-lt"/>
-                <a:ea typeface="+mn-ea"/>
-                <a:cs typeface="+mn-cs"/>
-              </a:defRPr>
-            </a:lvl4pPr>
-            <a:lvl5pPr marL="1280160" indent="-182880" algn="l" defTabSz="914400" rtl="0" eaLnBrk="1" latinLnBrk="0" hangingPunct="1">
-              <a:lnSpc>
-                <a:spcPct val="90000"/>
-              </a:lnSpc>
-              <a:spcBef>
-                <a:spcPts val="300"/>
-              </a:spcBef>
-              <a:spcAft>
-                <a:spcPts val="300"/>
-              </a:spcAft>
-              <a:buClr>
-                <a:schemeClr val="accent1"/>
-              </a:buClr>
-              <a:buFont typeface="Wingdings 2" pitchFamily="18" charset="2"/>
-              <a:buChar char=""/>
-              <a:defRPr sz="1400" kern="1200">
-                <a:solidFill>
-                  <a:schemeClr val="tx1">
-                    <a:lumMod val="85000"/>
-                    <a:lumOff val="15000"/>
-                  </a:schemeClr>
-                </a:solidFill>
-                <a:latin typeface="+mn-lt"/>
-                <a:ea typeface="+mn-ea"/>
-                <a:cs typeface="+mn-cs"/>
-              </a:defRPr>
-            </a:lvl5pPr>
-            <a:lvl6pPr marL="1600000" indent="-228600" algn="l" defTabSz="914400" rtl="0" eaLnBrk="1" latinLnBrk="0" hangingPunct="1">
-              <a:lnSpc>
-                <a:spcPct val="90000"/>
-              </a:lnSpc>
-              <a:spcBef>
-                <a:spcPts val="300"/>
-              </a:spcBef>
-              <a:spcAft>
-                <a:spcPts val="300"/>
-              </a:spcAft>
-              <a:buClr>
-                <a:schemeClr val="accent1"/>
-              </a:buClr>
-              <a:buFont typeface="Wingdings 2" pitchFamily="18" charset="2"/>
-              <a:buChar char=""/>
-              <a:defRPr sz="1400" kern="1200">
-                <a:solidFill>
-                  <a:schemeClr val="tx1">
-                    <a:lumMod val="85000"/>
-                    <a:lumOff val="15000"/>
-                  </a:schemeClr>
-                </a:solidFill>
-                <a:latin typeface="+mn-lt"/>
-                <a:ea typeface="+mn-ea"/>
-                <a:cs typeface="+mn-cs"/>
-              </a:defRPr>
-            </a:lvl6pPr>
-            <a:lvl7pPr marL="1900000" indent="-228600" algn="l" defTabSz="914400" rtl="0" eaLnBrk="1" latinLnBrk="0" hangingPunct="1">
-              <a:lnSpc>
-                <a:spcPct val="90000"/>
-              </a:lnSpc>
-              <a:spcBef>
-                <a:spcPts val="300"/>
-              </a:spcBef>
-              <a:spcAft>
-                <a:spcPts val="300"/>
-              </a:spcAft>
-              <a:buClr>
-                <a:schemeClr val="accent1"/>
-              </a:buClr>
-              <a:buFont typeface="Wingdings 2" pitchFamily="18" charset="2"/>
-              <a:buChar char=""/>
-              <a:defRPr sz="1400" kern="1200">
-                <a:solidFill>
-                  <a:schemeClr val="tx1">
-                    <a:lumMod val="85000"/>
-                    <a:lumOff val="15000"/>
-                  </a:schemeClr>
-                </a:solidFill>
-                <a:latin typeface="+mn-lt"/>
-                <a:ea typeface="+mn-ea"/>
-                <a:cs typeface="+mn-cs"/>
-              </a:defRPr>
-            </a:lvl7pPr>
-            <a:lvl8pPr marL="2200000" indent="-228600" algn="l" defTabSz="914400" rtl="0" eaLnBrk="1" latinLnBrk="0" hangingPunct="1">
-              <a:lnSpc>
-                <a:spcPct val="90000"/>
-              </a:lnSpc>
-              <a:spcBef>
-                <a:spcPts val="300"/>
-              </a:spcBef>
-              <a:spcAft>
-                <a:spcPts val="300"/>
-              </a:spcAft>
-              <a:buClr>
-                <a:schemeClr val="accent1"/>
-              </a:buClr>
-              <a:buFont typeface="Wingdings 2" pitchFamily="18" charset="2"/>
-              <a:buChar char=""/>
-              <a:defRPr sz="1400" kern="1200">
-                <a:solidFill>
-                  <a:schemeClr val="tx1">
-                    <a:lumMod val="85000"/>
-                    <a:lumOff val="15000"/>
-                  </a:schemeClr>
-                </a:solidFill>
-                <a:latin typeface="+mn-lt"/>
-                <a:ea typeface="+mn-ea"/>
-                <a:cs typeface="+mn-cs"/>
-              </a:defRPr>
-            </a:lvl8pPr>
-            <a:lvl9pPr marL="2500000" indent="-228600" algn="l" defTabSz="914400" rtl="0" eaLnBrk="1" latinLnBrk="0" hangingPunct="1">
-              <a:lnSpc>
-                <a:spcPct val="90000"/>
-              </a:lnSpc>
-              <a:spcBef>
-                <a:spcPts val="300"/>
-              </a:spcBef>
-              <a:spcAft>
-                <a:spcPts val="300"/>
-              </a:spcAft>
-              <a:buClr>
-                <a:schemeClr val="accent1"/>
-              </a:buClr>
-              <a:buFont typeface="Wingdings 2" pitchFamily="18" charset="2"/>
-              <a:buChar char=""/>
-              <a:defRPr sz="1400" kern="1200">
-                <a:solidFill>
-                  <a:schemeClr val="tx1">
-                    <a:lumMod val="85000"/>
-                    <a:lumOff val="15000"/>
-                  </a:schemeClr>
-                </a:solidFill>
-                <a:latin typeface="+mn-lt"/>
-                <a:ea typeface="+mn-ea"/>
-                <a:cs typeface="+mn-cs"/>
-              </a:defRPr>
-            </a:lvl9pPr>
-          </a:lstStyle>
-          <a:p>
-            <a:pPr marL="0" indent="0">
-              <a:lnSpc>
-                <a:spcPct val="100000"/>
-              </a:lnSpc>
-              <a:buFont typeface="Arial" pitchFamily="34" charset="0"/>
-              <a:buNone/>
-            </a:pPr>
-            <a:r>
-              <a:rPr lang="ru-RU" dirty="0" smtClean="0">
-                <a:latin typeface="Segoe UI" panose="020B0502040204020203" pitchFamily="34" charset="0"/>
-                <a:cs typeface="Segoe UI" panose="020B0502040204020203" pitchFamily="34" charset="0"/>
-              </a:rPr>
-              <a:t>Чтобы минимизировать искажения, рабочую точку усилителя сдвигают ближе к линейному участку – делается отступ по средней мощности</a:t>
-            </a:r>
-            <a:endParaRPr lang="ru-RU" dirty="0">
-              <a:latin typeface="Segoe UI" panose="020B0502040204020203" pitchFamily="34" charset="0"/>
-              <a:cs typeface="Segoe UI" panose="020B0502040204020203" pitchFamily="34" charset="0"/>
-            </a:endParaRPr>
-          </a:p>
-        </p:txBody>
-      </p:sp>
-      <p:sp>
-        <p:nvSpPr>
-          <p:cNvPr id="7" name="Объект 2">
-            <a:extLst>
-              <a:ext uri="{FF2B5EF4-FFF2-40B4-BE49-F238E27FC236}">
-                <a16:creationId xmlns:a16="http://schemas.microsoft.com/office/drawing/2014/main" id="{8CDFC422-4199-8C58-632B-0CF9DB308CCD}"/>
-              </a:ext>
-            </a:extLst>
-          </p:cNvPr>
-          <p:cNvSpPr txBox="1">
-            <a:spLocks/>
-          </p:cNvSpPr>
-          <p:nvPr/>
-        </p:nvSpPr>
-        <p:spPr>
-          <a:xfrm>
-            <a:off x="519341" y="4848225"/>
-            <a:ext cx="3228710" cy="1941744"/>
-          </a:xfrm>
-          <a:prstGeom prst="rect">
-            <a:avLst/>
-          </a:prstGeom>
-        </p:spPr>
-        <p:txBody>
-          <a:bodyPr vert="horz" lIns="91440" tIns="45720" rIns="91440" bIns="45720" rtlCol="0">
-            <a:normAutofit/>
-          </a:bodyPr>
-          <a:lstStyle>
-            <a:lvl1pPr marL="182880" indent="-182880" algn="l" defTabSz="914400" rtl="0" eaLnBrk="1" latinLnBrk="0" hangingPunct="1">
-              <a:lnSpc>
-                <a:spcPct val="95000"/>
-              </a:lnSpc>
-              <a:spcBef>
-                <a:spcPts val="1400"/>
-              </a:spcBef>
-              <a:spcAft>
-                <a:spcPts val="200"/>
-              </a:spcAft>
-              <a:buClr>
-                <a:schemeClr val="accent1"/>
-              </a:buClr>
-              <a:buSzPct val="80000"/>
-              <a:buFont typeface="Arial" pitchFamily="34" charset="0"/>
-              <a:buChar char="•"/>
-              <a:defRPr sz="1800" kern="1200" spc="10" baseline="0">
-                <a:solidFill>
-                  <a:schemeClr val="tx1"/>
-                </a:solidFill>
-                <a:latin typeface="+mn-lt"/>
-                <a:ea typeface="+mn-ea"/>
-                <a:cs typeface="+mn-cs"/>
-              </a:defRPr>
-            </a:lvl1pPr>
-            <a:lvl2pPr marL="457200" indent="-182880" algn="l" defTabSz="914400" rtl="0" eaLnBrk="1" latinLnBrk="0" hangingPunct="1">
-              <a:lnSpc>
-                <a:spcPct val="90000"/>
-              </a:lnSpc>
-              <a:spcBef>
-                <a:spcPts val="300"/>
-              </a:spcBef>
-              <a:spcAft>
-                <a:spcPts val="300"/>
-              </a:spcAft>
-              <a:buClr>
-                <a:schemeClr val="accent1"/>
-              </a:buClr>
-              <a:buFont typeface="Wingdings 2" pitchFamily="18" charset="2"/>
-              <a:buChar char=""/>
-              <a:defRPr sz="1600" kern="1200">
-                <a:solidFill>
-                  <a:schemeClr val="tx1">
-                    <a:lumMod val="85000"/>
-                    <a:lumOff val="15000"/>
-                  </a:schemeClr>
-                </a:solidFill>
-                <a:latin typeface="+mn-lt"/>
-                <a:ea typeface="+mn-ea"/>
-                <a:cs typeface="+mn-cs"/>
-              </a:defRPr>
-            </a:lvl2pPr>
-            <a:lvl3pPr marL="731520" indent="-182880" algn="l" defTabSz="914400" rtl="0" eaLnBrk="1" latinLnBrk="0" hangingPunct="1">
-              <a:lnSpc>
-                <a:spcPct val="90000"/>
-              </a:lnSpc>
-              <a:spcBef>
-                <a:spcPts val="300"/>
-              </a:spcBef>
-              <a:spcAft>
-                <a:spcPts val="300"/>
-              </a:spcAft>
-              <a:buClr>
-                <a:schemeClr val="accent1"/>
-              </a:buClr>
-              <a:buFont typeface="Wingdings 2" pitchFamily="18" charset="2"/>
-              <a:buChar char=""/>
-              <a:defRPr sz="1400" kern="1200">
-                <a:solidFill>
-                  <a:schemeClr val="tx1">
-                    <a:lumMod val="85000"/>
-                    <a:lumOff val="15000"/>
-                  </a:schemeClr>
-                </a:solidFill>
-                <a:latin typeface="+mn-lt"/>
-                <a:ea typeface="+mn-ea"/>
-                <a:cs typeface="+mn-cs"/>
-              </a:defRPr>
-            </a:lvl3pPr>
-            <a:lvl4pPr marL="1005840" indent="-182880" algn="l" defTabSz="914400" rtl="0" eaLnBrk="1" latinLnBrk="0" hangingPunct="1">
-              <a:lnSpc>
-                <a:spcPct val="90000"/>
-              </a:lnSpc>
-              <a:spcBef>
-                <a:spcPts val="300"/>
-              </a:spcBef>
-              <a:spcAft>
-                <a:spcPts val="300"/>
-              </a:spcAft>
-              <a:buClr>
-                <a:schemeClr val="accent1"/>
-              </a:buClr>
-              <a:buFont typeface="Wingdings 2" pitchFamily="18" charset="2"/>
-              <a:buChar char=""/>
-              <a:defRPr sz="1400" kern="1200">
-                <a:solidFill>
-                  <a:schemeClr val="tx1">
-                    <a:lumMod val="85000"/>
-                    <a:lumOff val="15000"/>
-                  </a:schemeClr>
-                </a:solidFill>
-                <a:latin typeface="+mn-lt"/>
-                <a:ea typeface="+mn-ea"/>
-                <a:cs typeface="+mn-cs"/>
-              </a:defRPr>
-            </a:lvl4pPr>
-            <a:lvl5pPr marL="1280160" indent="-182880" algn="l" defTabSz="914400" rtl="0" eaLnBrk="1" latinLnBrk="0" hangingPunct="1">
-              <a:lnSpc>
-                <a:spcPct val="90000"/>
-              </a:lnSpc>
-              <a:spcBef>
-                <a:spcPts val="300"/>
-              </a:spcBef>
-              <a:spcAft>
-                <a:spcPts val="300"/>
-              </a:spcAft>
-              <a:buClr>
-                <a:schemeClr val="accent1"/>
-              </a:buClr>
-              <a:buFont typeface="Wingdings 2" pitchFamily="18" charset="2"/>
-              <a:buChar char=""/>
-              <a:defRPr sz="1400" kern="1200">
-                <a:solidFill>
-                  <a:schemeClr val="tx1">
-                    <a:lumMod val="85000"/>
-                    <a:lumOff val="15000"/>
-                  </a:schemeClr>
-                </a:solidFill>
-                <a:latin typeface="+mn-lt"/>
-                <a:ea typeface="+mn-ea"/>
-                <a:cs typeface="+mn-cs"/>
-              </a:defRPr>
-            </a:lvl5pPr>
-            <a:lvl6pPr marL="1600000" indent="-228600" algn="l" defTabSz="914400" rtl="0" eaLnBrk="1" latinLnBrk="0" hangingPunct="1">
-              <a:lnSpc>
-                <a:spcPct val="90000"/>
-              </a:lnSpc>
-              <a:spcBef>
-                <a:spcPts val="300"/>
-              </a:spcBef>
-              <a:spcAft>
-                <a:spcPts val="300"/>
-              </a:spcAft>
-              <a:buClr>
-                <a:schemeClr val="accent1"/>
-              </a:buClr>
-              <a:buFont typeface="Wingdings 2" pitchFamily="18" charset="2"/>
-              <a:buChar char=""/>
-              <a:defRPr sz="1400" kern="1200">
-                <a:solidFill>
-                  <a:schemeClr val="tx1">
-                    <a:lumMod val="85000"/>
-                    <a:lumOff val="15000"/>
-                  </a:schemeClr>
-                </a:solidFill>
-                <a:latin typeface="+mn-lt"/>
-                <a:ea typeface="+mn-ea"/>
-                <a:cs typeface="+mn-cs"/>
-              </a:defRPr>
-            </a:lvl6pPr>
-            <a:lvl7pPr marL="1900000" indent="-228600" algn="l" defTabSz="914400" rtl="0" eaLnBrk="1" latinLnBrk="0" hangingPunct="1">
-              <a:lnSpc>
-                <a:spcPct val="90000"/>
-              </a:lnSpc>
-              <a:spcBef>
-                <a:spcPts val="300"/>
-              </a:spcBef>
-              <a:spcAft>
-                <a:spcPts val="300"/>
-              </a:spcAft>
-              <a:buClr>
-                <a:schemeClr val="accent1"/>
-              </a:buClr>
-              <a:buFont typeface="Wingdings 2" pitchFamily="18" charset="2"/>
-              <a:buChar char=""/>
-              <a:defRPr sz="1400" kern="1200">
-                <a:solidFill>
-                  <a:schemeClr val="tx1">
-                    <a:lumMod val="85000"/>
-                    <a:lumOff val="15000"/>
-                  </a:schemeClr>
-                </a:solidFill>
-                <a:latin typeface="+mn-lt"/>
-                <a:ea typeface="+mn-ea"/>
-                <a:cs typeface="+mn-cs"/>
-              </a:defRPr>
-            </a:lvl7pPr>
-            <a:lvl8pPr marL="2200000" indent="-228600" algn="l" defTabSz="914400" rtl="0" eaLnBrk="1" latinLnBrk="0" hangingPunct="1">
-              <a:lnSpc>
-                <a:spcPct val="90000"/>
-              </a:lnSpc>
-              <a:spcBef>
-                <a:spcPts val="300"/>
-              </a:spcBef>
-              <a:spcAft>
-                <a:spcPts val="300"/>
-              </a:spcAft>
-              <a:buClr>
-                <a:schemeClr val="accent1"/>
-              </a:buClr>
-              <a:buFont typeface="Wingdings 2" pitchFamily="18" charset="2"/>
-              <a:buChar char=""/>
-              <a:defRPr sz="1400" kern="1200">
-                <a:solidFill>
-                  <a:schemeClr val="tx1">
-                    <a:lumMod val="85000"/>
-                    <a:lumOff val="15000"/>
-                  </a:schemeClr>
-                </a:solidFill>
-                <a:latin typeface="+mn-lt"/>
-                <a:ea typeface="+mn-ea"/>
-                <a:cs typeface="+mn-cs"/>
-              </a:defRPr>
-            </a:lvl8pPr>
-            <a:lvl9pPr marL="2500000" indent="-228600" algn="l" defTabSz="914400" rtl="0" eaLnBrk="1" latinLnBrk="0" hangingPunct="1">
-              <a:lnSpc>
-                <a:spcPct val="90000"/>
-              </a:lnSpc>
-              <a:spcBef>
-                <a:spcPts val="300"/>
-              </a:spcBef>
-              <a:spcAft>
-                <a:spcPts val="300"/>
-              </a:spcAft>
-              <a:buClr>
-                <a:schemeClr val="accent1"/>
-              </a:buClr>
-              <a:buFont typeface="Wingdings 2" pitchFamily="18" charset="2"/>
-              <a:buChar char=""/>
-              <a:defRPr sz="1400" kern="1200">
-                <a:solidFill>
-                  <a:schemeClr val="tx1">
-                    <a:lumMod val="85000"/>
-                    <a:lumOff val="15000"/>
-                  </a:schemeClr>
-                </a:solidFill>
-                <a:latin typeface="+mn-lt"/>
-                <a:ea typeface="+mn-ea"/>
-                <a:cs typeface="+mn-cs"/>
-              </a:defRPr>
-            </a:lvl9pPr>
-          </a:lstStyle>
-          <a:p>
-            <a:pPr marL="0" indent="0">
-              <a:lnSpc>
-                <a:spcPct val="100000"/>
-              </a:lnSpc>
-              <a:buFont typeface="Arial" pitchFamily="34" charset="0"/>
-              <a:buNone/>
-            </a:pPr>
-            <a:r>
-              <a:rPr lang="ru-RU" dirty="0">
-                <a:latin typeface="Segoe UI" panose="020B0502040204020203" pitchFamily="34" charset="0"/>
-                <a:cs typeface="Segoe UI" panose="020B0502040204020203" pitchFamily="34" charset="0"/>
-              </a:rPr>
-              <a:t>Чем больше отступ </a:t>
-            </a:r>
-            <a:r>
-              <a:rPr lang="en-US" dirty="0">
-                <a:latin typeface="Segoe UI" panose="020B0502040204020203" pitchFamily="34" charset="0"/>
-                <a:cs typeface="Segoe UI" panose="020B0502040204020203" pitchFamily="34" charset="0"/>
-              </a:rPr>
-              <a:t>OBO </a:t>
-            </a:r>
-            <a:r>
-              <a:rPr lang="ru-RU" dirty="0">
-                <a:latin typeface="Segoe UI" panose="020B0502040204020203" pitchFamily="34" charset="0"/>
-                <a:cs typeface="Segoe UI" panose="020B0502040204020203" pitchFamily="34" charset="0"/>
-              </a:rPr>
-              <a:t>или </a:t>
-            </a:r>
-            <a:r>
-              <a:rPr lang="en-US" dirty="0">
-                <a:latin typeface="Segoe UI" panose="020B0502040204020203" pitchFamily="34" charset="0"/>
-                <a:cs typeface="Segoe UI" panose="020B0502040204020203" pitchFamily="34" charset="0"/>
-              </a:rPr>
-              <a:t>IBO</a:t>
-            </a:r>
-            <a:r>
-              <a:rPr lang="ru-RU" dirty="0">
-                <a:latin typeface="Segoe UI" panose="020B0502040204020203" pitchFamily="34" charset="0"/>
-                <a:cs typeface="Segoe UI" panose="020B0502040204020203" pitchFamily="34" charset="0"/>
-              </a:rPr>
-              <a:t>, тем более линейный участок характеристики используется, но тем меньше средняя выходная мощность</a:t>
-            </a:r>
-          </a:p>
-        </p:txBody>
-      </p:sp>
+      <mc:AlternateContent xmlns:mc="http://schemas.openxmlformats.org/markup-compatibility/2006">
+        <mc:Choice xmlns:a14="http://schemas.microsoft.com/office/drawing/2010/main" Requires="a14">
+          <p:sp>
+            <p:nvSpPr>
+              <p:cNvPr id="5" name="TextBox 4">
+                <a:extLst>
+                  <a:ext uri="{FF2B5EF4-FFF2-40B4-BE49-F238E27FC236}">
+                    <a16:creationId xmlns:a16="http://schemas.microsoft.com/office/drawing/2014/main" id="{96996E8B-B2DC-8B61-C739-5CB2F7E8757E}"/>
+                  </a:ext>
+                </a:extLst>
+              </p:cNvPr>
+              <p:cNvSpPr txBox="1"/>
+              <p:nvPr/>
+            </p:nvSpPr>
+            <p:spPr>
+              <a:xfrm>
+                <a:off x="230410" y="1424171"/>
+                <a:ext cx="8081718" cy="2286203"/>
+              </a:xfrm>
+              <a:prstGeom prst="rect">
+                <a:avLst/>
+              </a:prstGeom>
+              <a:noFill/>
+            </p:spPr>
+            <p:txBody>
+              <a:bodyPr wrap="square" rtlCol="0">
+                <a:spAutoFit/>
+              </a:bodyPr>
+              <a:lstStyle/>
+              <a:p>
+                <a:r>
+                  <a:rPr lang="ru-RU" sz="2000" dirty="0" smtClean="0">
+                    <a:cs typeface="Segoe UI" panose="020B0502040204020203" pitchFamily="34" charset="0"/>
+                  </a:rPr>
+                  <a:t>Точка компрессии </a:t>
+                </a:r>
+                <a14:m>
+                  <m:oMath xmlns:m="http://schemas.openxmlformats.org/officeDocument/2006/math">
+                    <m:sSubSup>
+                      <m:sSubSupPr>
+                        <m:ctrlPr>
+                          <a:rPr lang="ru-RU" sz="2000" i="1">
+                            <a:latin typeface="Cambria Math" panose="02040503050406030204" pitchFamily="18" charset="0"/>
+                            <a:cs typeface="Segoe UI" panose="020B0502040204020203" pitchFamily="34" charset="0"/>
+                          </a:rPr>
+                        </m:ctrlPr>
+                      </m:sSubSupPr>
+                      <m:e>
+                        <m:r>
+                          <a:rPr lang="en-US" sz="2000" i="1">
+                            <a:latin typeface="Cambria Math" panose="02040503050406030204" pitchFamily="18" charset="0"/>
+                            <a:cs typeface="Segoe UI" panose="020B0502040204020203" pitchFamily="34" charset="0"/>
+                          </a:rPr>
+                          <m:t>𝑃</m:t>
+                        </m:r>
+                      </m:e>
+                      <m:sub>
+                        <m:r>
+                          <a:rPr lang="en-US" sz="2000" i="1">
+                            <a:latin typeface="Cambria Math" panose="02040503050406030204" pitchFamily="18" charset="0"/>
+                            <a:cs typeface="Segoe UI" panose="020B0502040204020203" pitchFamily="34" charset="0"/>
+                          </a:rPr>
+                          <m:t>1</m:t>
+                        </m:r>
+                        <m:r>
+                          <a:rPr lang="en-US" sz="2000" i="1">
+                            <a:latin typeface="Cambria Math" panose="02040503050406030204" pitchFamily="18" charset="0"/>
+                            <a:cs typeface="Segoe UI" panose="020B0502040204020203" pitchFamily="34" charset="0"/>
+                          </a:rPr>
+                          <m:t>𝑑𝐵</m:t>
+                        </m:r>
+                      </m:sub>
+                      <m:sup/>
+                    </m:sSubSup>
+                    <m:r>
+                      <a:rPr lang="ru-RU" sz="2000">
+                        <a:latin typeface="Cambria Math" panose="02040503050406030204" pitchFamily="18" charset="0"/>
+                        <a:cs typeface="Segoe UI" panose="020B0502040204020203" pitchFamily="34" charset="0"/>
+                      </a:rPr>
+                      <m:t> − </m:t>
+                    </m:r>
+                  </m:oMath>
+                </a14:m>
+                <a:r>
+                  <a:rPr lang="ru-RU" sz="2000" dirty="0" smtClean="0">
+                    <a:latin typeface="Segoe UI" panose="020B0502040204020203" pitchFamily="34" charset="0"/>
+                    <a:cs typeface="Segoe UI" panose="020B0502040204020203" pitchFamily="34" charset="0"/>
+                  </a:rPr>
+                  <a:t>точка, </a:t>
+                </a:r>
+                <a:r>
+                  <a:rPr lang="ru-RU" sz="2000" dirty="0">
+                    <a:latin typeface="Segoe UI" panose="020B0502040204020203" pitchFamily="34" charset="0"/>
+                    <a:cs typeface="Segoe UI" panose="020B0502040204020203" pitchFamily="34" charset="0"/>
+                  </a:rPr>
+                  <a:t>в которой усиление становится </a:t>
+                </a:r>
+                <a:r>
+                  <a:rPr lang="ru-RU" sz="2000" dirty="0" smtClean="0">
+                    <a:latin typeface="Segoe UI" panose="020B0502040204020203" pitchFamily="34" charset="0"/>
+                    <a:cs typeface="Segoe UI" panose="020B0502040204020203" pitchFamily="34" charset="0"/>
+                  </a:rPr>
+                  <a:t>на 1 </a:t>
+                </a:r>
+                <a:r>
+                  <a:rPr lang="ru-RU" sz="2000" dirty="0">
+                    <a:latin typeface="Segoe UI" panose="020B0502040204020203" pitchFamily="34" charset="0"/>
+                    <a:cs typeface="Segoe UI" panose="020B0502040204020203" pitchFamily="34" charset="0"/>
+                  </a:rPr>
+                  <a:t>дБ меньше чем у идеальной </a:t>
+                </a:r>
+                <a:r>
+                  <a:rPr lang="ru-RU" sz="2000" dirty="0" smtClean="0">
+                    <a:latin typeface="Segoe UI" panose="020B0502040204020203" pitchFamily="34" charset="0"/>
+                    <a:cs typeface="Segoe UI" panose="020B0502040204020203" pitchFamily="34" charset="0"/>
+                  </a:rPr>
+                  <a:t>характеристики.</a:t>
+                </a:r>
+              </a:p>
+              <a:p>
+                <a:endParaRPr lang="ru-RU" sz="2000" dirty="0" smtClean="0">
+                  <a:latin typeface="Segoe UI" panose="020B0502040204020203" pitchFamily="34" charset="0"/>
+                  <a:cs typeface="Segoe UI" panose="020B0502040204020203" pitchFamily="34" charset="0"/>
+                </a:endParaRPr>
+              </a:p>
+              <a:p>
+                <a:r>
+                  <a:rPr lang="ru-RU" sz="2000" dirty="0" smtClean="0">
+                    <a:latin typeface="Segoe UI" panose="020B0502040204020203" pitchFamily="34" charset="0"/>
+                    <a:cs typeface="Segoe UI" panose="020B0502040204020203" pitchFamily="34" charset="0"/>
+                  </a:rPr>
+                  <a:t>Усилитель часто считается линейным до достижения точки компрессии.</a:t>
+                </a:r>
+              </a:p>
+              <a:p>
+                <a:pPr/>
+                <a:endParaRPr lang="ru-RU" sz="2000" i="1" dirty="0" smtClean="0">
+                  <a:latin typeface="Cambria Math" panose="02040503050406030204" pitchFamily="18" charset="0"/>
+                  <a:cs typeface="Segoe UI" panose="020B0502040204020203" pitchFamily="34" charset="0"/>
+                </a:endParaRPr>
+              </a:p>
+              <a:p>
+                <a:pPr/>
+                <a:endParaRPr lang="ru-RU" sz="2000" dirty="0">
+                  <a:latin typeface="Segoe UI" panose="020B0502040204020203" pitchFamily="34" charset="0"/>
+                  <a:cs typeface="Segoe UI" panose="020B0502040204020203" pitchFamily="34" charset="0"/>
+                </a:endParaRPr>
+              </a:p>
+            </p:txBody>
+          </p:sp>
+        </mc:Choice>
+        <mc:Fallback>
+          <p:sp>
+            <p:nvSpPr>
+              <p:cNvPr id="5" name="TextBox 4">
+                <a:extLst>
+                  <a:ext uri="{FF2B5EF4-FFF2-40B4-BE49-F238E27FC236}">
+                    <a16:creationId xmlns:a16="http://schemas.microsoft.com/office/drawing/2014/main" id="{96996E8B-B2DC-8B61-C739-5CB2F7E8757E}"/>
+                  </a:ext>
+                </a:extLst>
+              </p:cNvPr>
+              <p:cNvSpPr txBox="1">
+                <a:spLocks noRot="1" noChangeAspect="1" noMove="1" noResize="1" noEditPoints="1" noAdjustHandles="1" noChangeArrowheads="1" noChangeShapeType="1" noTextEdit="1"/>
+              </p:cNvSpPr>
+              <p:nvPr/>
+            </p:nvSpPr>
+            <p:spPr>
+              <a:xfrm>
+                <a:off x="230410" y="1424171"/>
+                <a:ext cx="8081718" cy="2286203"/>
+              </a:xfrm>
+              <a:prstGeom prst="rect">
+                <a:avLst/>
+              </a:prstGeom>
+              <a:blipFill>
+                <a:blip r:embed="rId3"/>
+                <a:stretch>
+                  <a:fillRect l="-830" t="-267"/>
+                </a:stretch>
+              </a:blipFill>
+            </p:spPr>
+            <p:txBody>
+              <a:bodyPr/>
+              <a:lstStyle/>
+              <a:p>
+                <a:r>
+                  <a:rPr lang="ru-RU">
+                    <a:noFill/>
+                  </a:rPr>
+                  <a:t> </a:t>
+                </a:r>
+              </a:p>
+            </p:txBody>
+          </p:sp>
+        </mc:Fallback>
+      </mc:AlternateContent>
+      <mc:AlternateContent xmlns:mc="http://schemas.openxmlformats.org/markup-compatibility/2006">
+        <mc:Choice xmlns:a14="http://schemas.microsoft.com/office/drawing/2010/main" Requires="a14">
+          <p:sp>
+            <p:nvSpPr>
+              <p:cNvPr id="7" name="Прямоугольник 6"/>
+              <p:cNvSpPr/>
+              <p:nvPr/>
+            </p:nvSpPr>
+            <p:spPr>
+              <a:xfrm>
+                <a:off x="293190" y="4900640"/>
+                <a:ext cx="3062377" cy="1502976"/>
+              </a:xfrm>
+              <a:prstGeom prst="rect">
+                <a:avLst/>
+              </a:prstGeom>
+            </p:spPr>
+            <p:txBody>
+              <a:bodyPr wrap="square">
+                <a:spAutoFit/>
+              </a:bodyPr>
+              <a:lstStyle/>
+              <a:p>
+                <a14:m>
+                  <m:oMath xmlns:m="http://schemas.openxmlformats.org/officeDocument/2006/math">
+                    <m:sSubSup>
+                      <m:sSubSupPr>
+                        <m:ctrlPr>
+                          <a:rPr lang="ru-RU" i="1">
+                            <a:latin typeface="Cambria Math" panose="02040503050406030204" pitchFamily="18" charset="0"/>
+                            <a:cs typeface="Segoe UI" panose="020B0502040204020203" pitchFamily="34" charset="0"/>
+                          </a:rPr>
+                        </m:ctrlPr>
+                      </m:sSubSupPr>
+                      <m:e>
+                        <m:r>
+                          <a:rPr lang="en-US" i="1">
+                            <a:latin typeface="Cambria Math" panose="02040503050406030204" pitchFamily="18" charset="0"/>
+                            <a:cs typeface="Segoe UI" panose="020B0502040204020203" pitchFamily="34" charset="0"/>
+                          </a:rPr>
+                          <m:t>𝑃</m:t>
+                        </m:r>
+                      </m:e>
+                      <m:sub>
+                        <m:r>
+                          <a:rPr lang="en-US" i="1">
+                            <a:latin typeface="Cambria Math" panose="02040503050406030204" pitchFamily="18" charset="0"/>
+                            <a:cs typeface="Segoe UI" panose="020B0502040204020203" pitchFamily="34" charset="0"/>
+                          </a:rPr>
+                          <m:t>1</m:t>
+                        </m:r>
+                        <m:r>
+                          <a:rPr lang="en-US" i="1">
+                            <a:latin typeface="Cambria Math" panose="02040503050406030204" pitchFamily="18" charset="0"/>
+                            <a:cs typeface="Segoe UI" panose="020B0502040204020203" pitchFamily="34" charset="0"/>
+                          </a:rPr>
+                          <m:t>𝑑𝐵</m:t>
+                        </m:r>
+                      </m:sub>
+                      <m:sup>
+                        <m:r>
+                          <a:rPr lang="en-US" i="1">
+                            <a:latin typeface="Cambria Math" panose="02040503050406030204" pitchFamily="18" charset="0"/>
+                            <a:cs typeface="Segoe UI" panose="020B0502040204020203" pitchFamily="34" charset="0"/>
+                          </a:rPr>
+                          <m:t>𝐼𝑁</m:t>
+                        </m:r>
+                      </m:sup>
+                    </m:sSubSup>
+                  </m:oMath>
+                </a14:m>
+                <a:r>
+                  <a:rPr lang="en-US" dirty="0">
+                    <a:latin typeface="Segoe UI" panose="020B0502040204020203" pitchFamily="34" charset="0"/>
+                    <a:cs typeface="Segoe UI" panose="020B0502040204020203" pitchFamily="34" charset="0"/>
+                  </a:rPr>
+                  <a:t> - </a:t>
+                </a:r>
+                <a:r>
+                  <a:rPr lang="ru-RU" dirty="0">
+                    <a:latin typeface="Segoe UI" panose="020B0502040204020203" pitchFamily="34" charset="0"/>
+                    <a:cs typeface="Segoe UI" panose="020B0502040204020203" pitchFamily="34" charset="0"/>
+                  </a:rPr>
+                  <a:t>входная мощность точки компрессии</a:t>
+                </a:r>
+              </a:p>
+              <a:p>
+                <a:endParaRPr lang="ru-RU" i="1" dirty="0" smtClean="0">
+                  <a:latin typeface="Cambria Math" panose="02040503050406030204" pitchFamily="18" charset="0"/>
+                  <a:cs typeface="Segoe UI" panose="020B0502040204020203" pitchFamily="34" charset="0"/>
+                </a:endParaRPr>
+              </a:p>
+              <a:p>
+                <a14:m>
+                  <m:oMath xmlns:m="http://schemas.openxmlformats.org/officeDocument/2006/math">
+                    <m:sSubSup>
+                      <m:sSubSupPr>
+                        <m:ctrlPr>
+                          <a:rPr lang="ru-RU" i="1">
+                            <a:latin typeface="Cambria Math" panose="02040503050406030204" pitchFamily="18" charset="0"/>
+                            <a:cs typeface="Segoe UI" panose="020B0502040204020203" pitchFamily="34" charset="0"/>
+                          </a:rPr>
+                        </m:ctrlPr>
+                      </m:sSubSupPr>
+                      <m:e>
+                        <m:r>
+                          <a:rPr lang="en-US" i="1">
+                            <a:latin typeface="Cambria Math" panose="02040503050406030204" pitchFamily="18" charset="0"/>
+                            <a:cs typeface="Segoe UI" panose="020B0502040204020203" pitchFamily="34" charset="0"/>
+                          </a:rPr>
+                          <m:t>𝑃</m:t>
+                        </m:r>
+                      </m:e>
+                      <m:sub>
+                        <m:r>
+                          <a:rPr lang="en-US" i="1">
+                            <a:latin typeface="Cambria Math" panose="02040503050406030204" pitchFamily="18" charset="0"/>
+                            <a:cs typeface="Segoe UI" panose="020B0502040204020203" pitchFamily="34" charset="0"/>
+                          </a:rPr>
+                          <m:t>1</m:t>
+                        </m:r>
+                        <m:r>
+                          <a:rPr lang="en-US" i="1">
+                            <a:latin typeface="Cambria Math" panose="02040503050406030204" pitchFamily="18" charset="0"/>
+                            <a:cs typeface="Segoe UI" panose="020B0502040204020203" pitchFamily="34" charset="0"/>
+                          </a:rPr>
+                          <m:t>𝑑𝐵</m:t>
+                        </m:r>
+                      </m:sub>
+                      <m:sup>
+                        <m:r>
+                          <a:rPr lang="en-US" i="1">
+                            <a:latin typeface="Cambria Math" panose="02040503050406030204" pitchFamily="18" charset="0"/>
+                            <a:cs typeface="Segoe UI" panose="020B0502040204020203" pitchFamily="34" charset="0"/>
+                          </a:rPr>
+                          <m:t>𝑂𝑈𝑇</m:t>
+                        </m:r>
+                      </m:sup>
+                    </m:sSubSup>
+                  </m:oMath>
+                </a14:m>
+                <a:r>
+                  <a:rPr lang="en-US" dirty="0">
+                    <a:latin typeface="Segoe UI" panose="020B0502040204020203" pitchFamily="34" charset="0"/>
+                    <a:cs typeface="Segoe UI" panose="020B0502040204020203" pitchFamily="34" charset="0"/>
+                  </a:rPr>
+                  <a:t> - </a:t>
+                </a:r>
+                <a:r>
+                  <a:rPr lang="ru-RU" dirty="0">
+                    <a:latin typeface="Segoe UI" panose="020B0502040204020203" pitchFamily="34" charset="0"/>
+                    <a:cs typeface="Segoe UI" panose="020B0502040204020203" pitchFamily="34" charset="0"/>
+                  </a:rPr>
+                  <a:t>выходная мощность</a:t>
+                </a:r>
+                <a:r>
+                  <a:rPr lang="en-US" dirty="0">
+                    <a:latin typeface="Segoe UI" panose="020B0502040204020203" pitchFamily="34" charset="0"/>
+                    <a:cs typeface="Segoe UI" panose="020B0502040204020203" pitchFamily="34" charset="0"/>
+                  </a:rPr>
+                  <a:t> </a:t>
+                </a:r>
+                <a:r>
+                  <a:rPr lang="ru-RU" dirty="0">
+                    <a:latin typeface="Segoe UI" panose="020B0502040204020203" pitchFamily="34" charset="0"/>
+                    <a:cs typeface="Segoe UI" panose="020B0502040204020203" pitchFamily="34" charset="0"/>
+                  </a:rPr>
+                  <a:t>точки компрессии </a:t>
+                </a:r>
+              </a:p>
+            </p:txBody>
+          </p:sp>
+        </mc:Choice>
+        <mc:Fallback>
+          <p:sp>
+            <p:nvSpPr>
+              <p:cNvPr id="7" name="Прямоугольник 6"/>
+              <p:cNvSpPr>
+                <a:spLocks noRot="1" noChangeAspect="1" noMove="1" noResize="1" noEditPoints="1" noAdjustHandles="1" noChangeArrowheads="1" noChangeShapeType="1" noTextEdit="1"/>
+              </p:cNvSpPr>
+              <p:nvPr/>
+            </p:nvSpPr>
+            <p:spPr>
+              <a:xfrm>
+                <a:off x="293190" y="4900640"/>
+                <a:ext cx="3062377" cy="1502976"/>
+              </a:xfrm>
+              <a:prstGeom prst="rect">
+                <a:avLst/>
+              </a:prstGeom>
+              <a:blipFill>
+                <a:blip r:embed="rId4"/>
+                <a:stretch>
+                  <a:fillRect l="-1594" t="-1626" r="-1195" b="-6098"/>
+                </a:stretch>
+              </a:blipFill>
+            </p:spPr>
+            <p:txBody>
+              <a:bodyPr/>
+              <a:lstStyle/>
+              <a:p>
+                <a:r>
+                  <a:rPr lang="ru-RU">
+                    <a:noFill/>
+                  </a:rPr>
+                  <a:t> </a:t>
+                </a:r>
+              </a:p>
+            </p:txBody>
+          </p:sp>
+        </mc:Fallback>
+      </mc:AlternateContent>
     </p:spTree>
     <p:extLst>
       <p:ext uri="{BB962C8B-B14F-4D97-AF65-F5344CB8AC3E}">
-        <p14:creationId xmlns:p14="http://schemas.microsoft.com/office/powerpoint/2010/main" val="2441353867"/>
+        <p14:creationId xmlns:p14="http://schemas.microsoft.com/office/powerpoint/2010/main" val="245472894"/>
       </p:ext>
     </p:extLst>
   </p:cSld>
   <p:clrMapOvr>
     <a:masterClrMapping/>
   </p:clrMapOvr>
+  <p:timing>
+    <p:tnLst>
+      <p:par>
+        <p:cTn id="1" dur="indefinite" restart="never" nodeType="tmRoot"/>
+      </p:par>
+    </p:tnLst>
+  </p:timing>
 </p:sld>
 </file>
 
@@ -19001,6 +21050,789 @@
           <a:chExt cx="0" cy="0"/>
         </a:xfrm>
       </p:grpSpPr>
+      <p:grpSp>
+        <p:nvGrpSpPr>
+          <p:cNvPr id="21" name="Группа 20"/>
+          <p:cNvGrpSpPr/>
+          <p:nvPr/>
+        </p:nvGrpSpPr>
+        <p:grpSpPr>
+          <a:xfrm>
+            <a:off x="3597215" y="1010288"/>
+            <a:ext cx="4604808" cy="3842669"/>
+            <a:chOff x="3597215" y="1010288"/>
+            <a:chExt cx="4604808" cy="3842669"/>
+          </a:xfrm>
+        </p:grpSpPr>
+        <p:pic>
+          <p:nvPicPr>
+            <p:cNvPr id="7" name="Picture 5">
+              <a:extLst>
+                <a:ext uri="{FF2B5EF4-FFF2-40B4-BE49-F238E27FC236}">
+                  <a16:creationId xmlns:a16="http://schemas.microsoft.com/office/drawing/2014/main" id="{876CADC7-FB63-0AC9-3ACD-1EBD68C47039}"/>
+                </a:ext>
+              </a:extLst>
+            </p:cNvPr>
+            <p:cNvPicPr>
+              <a:picLocks noChangeAspect="1" noChangeArrowheads="1"/>
+            </p:cNvPicPr>
+            <p:nvPr/>
+          </p:nvPicPr>
+          <p:blipFill rotWithShape="1">
+            <a:blip r:embed="rId2">
+              <a:extLst>
+                <a:ext uri="{28A0092B-C50C-407E-A947-70E740481C1C}">
+                  <a14:useLocalDpi xmlns:a14="http://schemas.microsoft.com/office/drawing/2010/main" val="0"/>
+                </a:ext>
+              </a:extLst>
+            </a:blip>
+            <a:srcRect r="6968"/>
+            <a:stretch/>
+          </p:blipFill>
+          <p:spPr bwMode="auto">
+            <a:xfrm>
+              <a:off x="3597215" y="1010288"/>
+              <a:ext cx="4604808" cy="3712276"/>
+            </a:xfrm>
+            <a:prstGeom prst="rect">
+              <a:avLst/>
+            </a:prstGeom>
+            <a:noFill/>
+            <a:ln>
+              <a:noFill/>
+            </a:ln>
+            <a:effectLst/>
+            <a:extLst>
+              <a:ext uri="{909E8E84-426E-40DD-AFC4-6F175D3DCCD1}">
+                <a14:hiddenFill xmlns:a14="http://schemas.microsoft.com/office/drawing/2010/main">
+                  <a:solidFill>
+                    <a:schemeClr val="accent1"/>
+                  </a:solidFill>
+                </a14:hiddenFill>
+              </a:ext>
+              <a:ext uri="{91240B29-F687-4F45-9708-019B960494DF}">
+                <a14:hiddenLine xmlns:a14="http://schemas.microsoft.com/office/drawing/2010/main" w="9525">
+                  <a:solidFill>
+                    <a:schemeClr val="tx1"/>
+                  </a:solidFill>
+                  <a:miter lim="800000"/>
+                  <a:headEnd/>
+                  <a:tailEnd/>
+                </a14:hiddenLine>
+              </a:ext>
+              <a:ext uri="{AF507438-7753-43E0-B8FC-AC1667EBCBE1}">
+                <a14:hiddenEffects xmlns:a14="http://schemas.microsoft.com/office/drawing/2010/main">
+                  <a:effectLst>
+                    <a:outerShdw dist="35921" dir="2700000" algn="ctr" rotWithShape="0">
+                      <a:schemeClr val="bg2"/>
+                    </a:outerShdw>
+                  </a:effectLst>
+                </a14:hiddenEffects>
+              </a:ext>
+            </a:extLst>
+          </p:spPr>
+        </p:pic>
+        <p:pic>
+          <p:nvPicPr>
+            <p:cNvPr id="9" name="Рисунок 8"/>
+            <p:cNvPicPr>
+              <a:picLocks noChangeAspect="1"/>
+            </p:cNvPicPr>
+            <p:nvPr/>
+          </p:nvPicPr>
+          <p:blipFill>
+            <a:blip r:embed="rId3"/>
+            <a:stretch>
+              <a:fillRect/>
+            </a:stretch>
+          </p:blipFill>
+          <p:spPr>
+            <a:xfrm>
+              <a:off x="6748641" y="3357849"/>
+              <a:ext cx="1262011" cy="878782"/>
+            </a:xfrm>
+            <a:prstGeom prst="rect">
+              <a:avLst/>
+            </a:prstGeom>
+          </p:spPr>
+        </p:pic>
+        <p:sp>
+          <p:nvSpPr>
+            <p:cNvPr id="17" name="Прямоугольник 16"/>
+            <p:cNvSpPr/>
+            <p:nvPr/>
+          </p:nvSpPr>
+          <p:spPr>
+            <a:xfrm>
+              <a:off x="3752491" y="2182483"/>
+              <a:ext cx="250166" cy="1449238"/>
+            </a:xfrm>
+            <a:prstGeom prst="rect">
+              <a:avLst/>
+            </a:prstGeom>
+            <a:solidFill>
+              <a:schemeClr val="bg1"/>
+            </a:solidFill>
+            <a:ln>
+              <a:noFill/>
+            </a:ln>
+          </p:spPr>
+          <p:style>
+            <a:lnRef idx="2">
+              <a:schemeClr val="accent1">
+                <a:shade val="50000"/>
+              </a:schemeClr>
+            </a:lnRef>
+            <a:fillRef idx="1">
+              <a:schemeClr val="accent1"/>
+            </a:fillRef>
+            <a:effectRef idx="0">
+              <a:schemeClr val="accent1"/>
+            </a:effectRef>
+            <a:fontRef idx="minor">
+              <a:schemeClr val="lt1"/>
+            </a:fontRef>
+          </p:style>
+          <p:txBody>
+            <a:bodyPr rtlCol="0" anchor="ctr"/>
+            <a:lstStyle/>
+            <a:p>
+              <a:pPr algn="ctr"/>
+              <a:endParaRPr lang="ru-RU"/>
+            </a:p>
+          </p:txBody>
+        </p:sp>
+        <p:sp>
+          <p:nvSpPr>
+            <p:cNvPr id="18" name="Объект 2">
+              <a:extLst>
+                <a:ext uri="{FF2B5EF4-FFF2-40B4-BE49-F238E27FC236}">
+                  <a16:creationId xmlns:a16="http://schemas.microsoft.com/office/drawing/2014/main" id="{349C600C-0F04-1563-63A6-3AB005D5EFA3}"/>
+                </a:ext>
+              </a:extLst>
+            </p:cNvPr>
+            <p:cNvSpPr txBox="1">
+              <a:spLocks/>
+            </p:cNvSpPr>
+            <p:nvPr/>
+          </p:nvSpPr>
+          <p:spPr>
+            <a:xfrm rot="16200000">
+              <a:off x="2479467" y="2712540"/>
+              <a:ext cx="2877590" cy="406375"/>
+            </a:xfrm>
+            <a:prstGeom prst="rect">
+              <a:avLst/>
+            </a:prstGeom>
+          </p:spPr>
+          <p:txBody>
+            <a:bodyPr vert="horz" lIns="91440" tIns="45720" rIns="91440" bIns="45720" rtlCol="0">
+              <a:normAutofit/>
+            </a:bodyPr>
+            <a:lstStyle>
+              <a:lvl1pPr marL="182880" indent="-182880" algn="l" defTabSz="914400" rtl="0" eaLnBrk="1" latinLnBrk="0" hangingPunct="1">
+                <a:lnSpc>
+                  <a:spcPct val="95000"/>
+                </a:lnSpc>
+                <a:spcBef>
+                  <a:spcPts val="1400"/>
+                </a:spcBef>
+                <a:spcAft>
+                  <a:spcPts val="200"/>
+                </a:spcAft>
+                <a:buClr>
+                  <a:schemeClr val="accent1"/>
+                </a:buClr>
+                <a:buSzPct val="80000"/>
+                <a:buFont typeface="Arial" pitchFamily="34" charset="0"/>
+                <a:buChar char="•"/>
+                <a:defRPr sz="1800" kern="1200" spc="10" baseline="0">
+                  <a:solidFill>
+                    <a:schemeClr val="tx1"/>
+                  </a:solidFill>
+                  <a:latin typeface="+mn-lt"/>
+                  <a:ea typeface="+mn-ea"/>
+                  <a:cs typeface="+mn-cs"/>
+                </a:defRPr>
+              </a:lvl1pPr>
+              <a:lvl2pPr marL="457200" indent="-182880" algn="l" defTabSz="914400" rtl="0" eaLnBrk="1" latinLnBrk="0" hangingPunct="1">
+                <a:lnSpc>
+                  <a:spcPct val="90000"/>
+                </a:lnSpc>
+                <a:spcBef>
+                  <a:spcPts val="300"/>
+                </a:spcBef>
+                <a:spcAft>
+                  <a:spcPts val="300"/>
+                </a:spcAft>
+                <a:buClr>
+                  <a:schemeClr val="accent1"/>
+                </a:buClr>
+                <a:buFont typeface="Wingdings 2" pitchFamily="18" charset="2"/>
+                <a:buChar char=""/>
+                <a:defRPr sz="1600" kern="1200">
+                  <a:solidFill>
+                    <a:schemeClr val="tx1">
+                      <a:lumMod val="85000"/>
+                      <a:lumOff val="15000"/>
+                    </a:schemeClr>
+                  </a:solidFill>
+                  <a:latin typeface="+mn-lt"/>
+                  <a:ea typeface="+mn-ea"/>
+                  <a:cs typeface="+mn-cs"/>
+                </a:defRPr>
+              </a:lvl2pPr>
+              <a:lvl3pPr marL="731520" indent="-182880" algn="l" defTabSz="914400" rtl="0" eaLnBrk="1" latinLnBrk="0" hangingPunct="1">
+                <a:lnSpc>
+                  <a:spcPct val="90000"/>
+                </a:lnSpc>
+                <a:spcBef>
+                  <a:spcPts val="300"/>
+                </a:spcBef>
+                <a:spcAft>
+                  <a:spcPts val="300"/>
+                </a:spcAft>
+                <a:buClr>
+                  <a:schemeClr val="accent1"/>
+                </a:buClr>
+                <a:buFont typeface="Wingdings 2" pitchFamily="18" charset="2"/>
+                <a:buChar char=""/>
+                <a:defRPr sz="1400" kern="1200">
+                  <a:solidFill>
+                    <a:schemeClr val="tx1">
+                      <a:lumMod val="85000"/>
+                      <a:lumOff val="15000"/>
+                    </a:schemeClr>
+                  </a:solidFill>
+                  <a:latin typeface="+mn-lt"/>
+                  <a:ea typeface="+mn-ea"/>
+                  <a:cs typeface="+mn-cs"/>
+                </a:defRPr>
+              </a:lvl3pPr>
+              <a:lvl4pPr marL="1005840" indent="-182880" algn="l" defTabSz="914400" rtl="0" eaLnBrk="1" latinLnBrk="0" hangingPunct="1">
+                <a:lnSpc>
+                  <a:spcPct val="90000"/>
+                </a:lnSpc>
+                <a:spcBef>
+                  <a:spcPts val="300"/>
+                </a:spcBef>
+                <a:spcAft>
+                  <a:spcPts val="300"/>
+                </a:spcAft>
+                <a:buClr>
+                  <a:schemeClr val="accent1"/>
+                </a:buClr>
+                <a:buFont typeface="Wingdings 2" pitchFamily="18" charset="2"/>
+                <a:buChar char=""/>
+                <a:defRPr sz="1400" kern="1200">
+                  <a:solidFill>
+                    <a:schemeClr val="tx1">
+                      <a:lumMod val="85000"/>
+                      <a:lumOff val="15000"/>
+                    </a:schemeClr>
+                  </a:solidFill>
+                  <a:latin typeface="+mn-lt"/>
+                  <a:ea typeface="+mn-ea"/>
+                  <a:cs typeface="+mn-cs"/>
+                </a:defRPr>
+              </a:lvl4pPr>
+              <a:lvl5pPr marL="1280160" indent="-182880" algn="l" defTabSz="914400" rtl="0" eaLnBrk="1" latinLnBrk="0" hangingPunct="1">
+                <a:lnSpc>
+                  <a:spcPct val="90000"/>
+                </a:lnSpc>
+                <a:spcBef>
+                  <a:spcPts val="300"/>
+                </a:spcBef>
+                <a:spcAft>
+                  <a:spcPts val="300"/>
+                </a:spcAft>
+                <a:buClr>
+                  <a:schemeClr val="accent1"/>
+                </a:buClr>
+                <a:buFont typeface="Wingdings 2" pitchFamily="18" charset="2"/>
+                <a:buChar char=""/>
+                <a:defRPr sz="1400" kern="1200">
+                  <a:solidFill>
+                    <a:schemeClr val="tx1">
+                      <a:lumMod val="85000"/>
+                      <a:lumOff val="15000"/>
+                    </a:schemeClr>
+                  </a:solidFill>
+                  <a:latin typeface="+mn-lt"/>
+                  <a:ea typeface="+mn-ea"/>
+                  <a:cs typeface="+mn-cs"/>
+                </a:defRPr>
+              </a:lvl5pPr>
+              <a:lvl6pPr marL="1600000" indent="-228600" algn="l" defTabSz="914400" rtl="0" eaLnBrk="1" latinLnBrk="0" hangingPunct="1">
+                <a:lnSpc>
+                  <a:spcPct val="90000"/>
+                </a:lnSpc>
+                <a:spcBef>
+                  <a:spcPts val="300"/>
+                </a:spcBef>
+                <a:spcAft>
+                  <a:spcPts val="300"/>
+                </a:spcAft>
+                <a:buClr>
+                  <a:schemeClr val="accent1"/>
+                </a:buClr>
+                <a:buFont typeface="Wingdings 2" pitchFamily="18" charset="2"/>
+                <a:buChar char=""/>
+                <a:defRPr sz="1400" kern="1200">
+                  <a:solidFill>
+                    <a:schemeClr val="tx1">
+                      <a:lumMod val="85000"/>
+                      <a:lumOff val="15000"/>
+                    </a:schemeClr>
+                  </a:solidFill>
+                  <a:latin typeface="+mn-lt"/>
+                  <a:ea typeface="+mn-ea"/>
+                  <a:cs typeface="+mn-cs"/>
+                </a:defRPr>
+              </a:lvl6pPr>
+              <a:lvl7pPr marL="1900000" indent="-228600" algn="l" defTabSz="914400" rtl="0" eaLnBrk="1" latinLnBrk="0" hangingPunct="1">
+                <a:lnSpc>
+                  <a:spcPct val="90000"/>
+                </a:lnSpc>
+                <a:spcBef>
+                  <a:spcPts val="300"/>
+                </a:spcBef>
+                <a:spcAft>
+                  <a:spcPts val="300"/>
+                </a:spcAft>
+                <a:buClr>
+                  <a:schemeClr val="accent1"/>
+                </a:buClr>
+                <a:buFont typeface="Wingdings 2" pitchFamily="18" charset="2"/>
+                <a:buChar char=""/>
+                <a:defRPr sz="1400" kern="1200">
+                  <a:solidFill>
+                    <a:schemeClr val="tx1">
+                      <a:lumMod val="85000"/>
+                      <a:lumOff val="15000"/>
+                    </a:schemeClr>
+                  </a:solidFill>
+                  <a:latin typeface="+mn-lt"/>
+                  <a:ea typeface="+mn-ea"/>
+                  <a:cs typeface="+mn-cs"/>
+                </a:defRPr>
+              </a:lvl7pPr>
+              <a:lvl8pPr marL="2200000" indent="-228600" algn="l" defTabSz="914400" rtl="0" eaLnBrk="1" latinLnBrk="0" hangingPunct="1">
+                <a:lnSpc>
+                  <a:spcPct val="90000"/>
+                </a:lnSpc>
+                <a:spcBef>
+                  <a:spcPts val="300"/>
+                </a:spcBef>
+                <a:spcAft>
+                  <a:spcPts val="300"/>
+                </a:spcAft>
+                <a:buClr>
+                  <a:schemeClr val="accent1"/>
+                </a:buClr>
+                <a:buFont typeface="Wingdings 2" pitchFamily="18" charset="2"/>
+                <a:buChar char=""/>
+                <a:defRPr sz="1400" kern="1200">
+                  <a:solidFill>
+                    <a:schemeClr val="tx1">
+                      <a:lumMod val="85000"/>
+                      <a:lumOff val="15000"/>
+                    </a:schemeClr>
+                  </a:solidFill>
+                  <a:latin typeface="+mn-lt"/>
+                  <a:ea typeface="+mn-ea"/>
+                  <a:cs typeface="+mn-cs"/>
+                </a:defRPr>
+              </a:lvl8pPr>
+              <a:lvl9pPr marL="2500000" indent="-228600" algn="l" defTabSz="914400" rtl="0" eaLnBrk="1" latinLnBrk="0" hangingPunct="1">
+                <a:lnSpc>
+                  <a:spcPct val="90000"/>
+                </a:lnSpc>
+                <a:spcBef>
+                  <a:spcPts val="300"/>
+                </a:spcBef>
+                <a:spcAft>
+                  <a:spcPts val="300"/>
+                </a:spcAft>
+                <a:buClr>
+                  <a:schemeClr val="accent1"/>
+                </a:buClr>
+                <a:buFont typeface="Wingdings 2" pitchFamily="18" charset="2"/>
+                <a:buChar char=""/>
+                <a:defRPr sz="1400" kern="1200">
+                  <a:solidFill>
+                    <a:schemeClr val="tx1">
+                      <a:lumMod val="85000"/>
+                      <a:lumOff val="15000"/>
+                    </a:schemeClr>
+                  </a:solidFill>
+                  <a:latin typeface="+mn-lt"/>
+                  <a:ea typeface="+mn-ea"/>
+                  <a:cs typeface="+mn-cs"/>
+                </a:defRPr>
+              </a:lvl9pPr>
+            </a:lstStyle>
+            <a:p>
+              <a:pPr marL="0" indent="0" algn="ctr">
+                <a:lnSpc>
+                  <a:spcPct val="100000"/>
+                </a:lnSpc>
+                <a:buFont typeface="Arial" pitchFamily="34" charset="0"/>
+                <a:buNone/>
+              </a:pPr>
+              <a:r>
+                <a:rPr lang="ru-RU" sz="1400" dirty="0" smtClean="0">
+                  <a:latin typeface="Segoe UI" panose="020B0502040204020203" pitchFamily="34" charset="0"/>
+                  <a:cs typeface="Segoe UI" panose="020B0502040204020203" pitchFamily="34" charset="0"/>
+                </a:rPr>
+                <a:t>Выходная амплитуда, В</a:t>
+              </a:r>
+              <a:endParaRPr lang="ru-RU" sz="1400" dirty="0">
+                <a:latin typeface="Segoe UI" panose="020B0502040204020203" pitchFamily="34" charset="0"/>
+                <a:cs typeface="Segoe UI" panose="020B0502040204020203" pitchFamily="34" charset="0"/>
+              </a:endParaRPr>
+            </a:p>
+          </p:txBody>
+        </p:sp>
+        <p:sp>
+          <p:nvSpPr>
+            <p:cNvPr id="20" name="Прямоугольник 19"/>
+            <p:cNvSpPr/>
+            <p:nvPr/>
+          </p:nvSpPr>
+          <p:spPr>
+            <a:xfrm rot="5400000">
+              <a:off x="5898939" y="3922740"/>
+              <a:ext cx="250166" cy="1449238"/>
+            </a:xfrm>
+            <a:prstGeom prst="rect">
+              <a:avLst/>
+            </a:prstGeom>
+            <a:solidFill>
+              <a:schemeClr val="bg1"/>
+            </a:solidFill>
+            <a:ln>
+              <a:noFill/>
+            </a:ln>
+          </p:spPr>
+          <p:style>
+            <a:lnRef idx="2">
+              <a:schemeClr val="accent1">
+                <a:shade val="50000"/>
+              </a:schemeClr>
+            </a:lnRef>
+            <a:fillRef idx="1">
+              <a:schemeClr val="accent1"/>
+            </a:fillRef>
+            <a:effectRef idx="0">
+              <a:schemeClr val="accent1"/>
+            </a:effectRef>
+            <a:fontRef idx="minor">
+              <a:schemeClr val="lt1"/>
+            </a:fontRef>
+          </p:style>
+          <p:txBody>
+            <a:bodyPr rtlCol="0" anchor="ctr"/>
+            <a:lstStyle/>
+            <a:p>
+              <a:pPr algn="ctr"/>
+              <a:endParaRPr lang="ru-RU"/>
+            </a:p>
+          </p:txBody>
+        </p:sp>
+        <p:sp>
+          <p:nvSpPr>
+            <p:cNvPr id="19" name="Объект 2">
+              <a:extLst>
+                <a:ext uri="{FF2B5EF4-FFF2-40B4-BE49-F238E27FC236}">
+                  <a16:creationId xmlns:a16="http://schemas.microsoft.com/office/drawing/2014/main" id="{349C600C-0F04-1563-63A6-3AB005D5EFA3}"/>
+                </a:ext>
+              </a:extLst>
+            </p:cNvPr>
+            <p:cNvSpPr txBox="1">
+              <a:spLocks/>
+            </p:cNvSpPr>
+            <p:nvPr/>
+          </p:nvSpPr>
+          <p:spPr>
+            <a:xfrm>
+              <a:off x="4585227" y="4446582"/>
+              <a:ext cx="2877590" cy="406375"/>
+            </a:xfrm>
+            <a:prstGeom prst="rect">
+              <a:avLst/>
+            </a:prstGeom>
+          </p:spPr>
+          <p:txBody>
+            <a:bodyPr vert="horz" lIns="91440" tIns="45720" rIns="91440" bIns="45720" rtlCol="0">
+              <a:normAutofit/>
+            </a:bodyPr>
+            <a:lstStyle>
+              <a:lvl1pPr marL="182880" indent="-182880" algn="l" defTabSz="914400" rtl="0" eaLnBrk="1" latinLnBrk="0" hangingPunct="1">
+                <a:lnSpc>
+                  <a:spcPct val="95000"/>
+                </a:lnSpc>
+                <a:spcBef>
+                  <a:spcPts val="1400"/>
+                </a:spcBef>
+                <a:spcAft>
+                  <a:spcPts val="200"/>
+                </a:spcAft>
+                <a:buClr>
+                  <a:schemeClr val="accent1"/>
+                </a:buClr>
+                <a:buSzPct val="80000"/>
+                <a:buFont typeface="Arial" pitchFamily="34" charset="0"/>
+                <a:buChar char="•"/>
+                <a:defRPr sz="1800" kern="1200" spc="10" baseline="0">
+                  <a:solidFill>
+                    <a:schemeClr val="tx1"/>
+                  </a:solidFill>
+                  <a:latin typeface="+mn-lt"/>
+                  <a:ea typeface="+mn-ea"/>
+                  <a:cs typeface="+mn-cs"/>
+                </a:defRPr>
+              </a:lvl1pPr>
+              <a:lvl2pPr marL="457200" indent="-182880" algn="l" defTabSz="914400" rtl="0" eaLnBrk="1" latinLnBrk="0" hangingPunct="1">
+                <a:lnSpc>
+                  <a:spcPct val="90000"/>
+                </a:lnSpc>
+                <a:spcBef>
+                  <a:spcPts val="300"/>
+                </a:spcBef>
+                <a:spcAft>
+                  <a:spcPts val="300"/>
+                </a:spcAft>
+                <a:buClr>
+                  <a:schemeClr val="accent1"/>
+                </a:buClr>
+                <a:buFont typeface="Wingdings 2" pitchFamily="18" charset="2"/>
+                <a:buChar char=""/>
+                <a:defRPr sz="1600" kern="1200">
+                  <a:solidFill>
+                    <a:schemeClr val="tx1">
+                      <a:lumMod val="85000"/>
+                      <a:lumOff val="15000"/>
+                    </a:schemeClr>
+                  </a:solidFill>
+                  <a:latin typeface="+mn-lt"/>
+                  <a:ea typeface="+mn-ea"/>
+                  <a:cs typeface="+mn-cs"/>
+                </a:defRPr>
+              </a:lvl2pPr>
+              <a:lvl3pPr marL="731520" indent="-182880" algn="l" defTabSz="914400" rtl="0" eaLnBrk="1" latinLnBrk="0" hangingPunct="1">
+                <a:lnSpc>
+                  <a:spcPct val="90000"/>
+                </a:lnSpc>
+                <a:spcBef>
+                  <a:spcPts val="300"/>
+                </a:spcBef>
+                <a:spcAft>
+                  <a:spcPts val="300"/>
+                </a:spcAft>
+                <a:buClr>
+                  <a:schemeClr val="accent1"/>
+                </a:buClr>
+                <a:buFont typeface="Wingdings 2" pitchFamily="18" charset="2"/>
+                <a:buChar char=""/>
+                <a:defRPr sz="1400" kern="1200">
+                  <a:solidFill>
+                    <a:schemeClr val="tx1">
+                      <a:lumMod val="85000"/>
+                      <a:lumOff val="15000"/>
+                    </a:schemeClr>
+                  </a:solidFill>
+                  <a:latin typeface="+mn-lt"/>
+                  <a:ea typeface="+mn-ea"/>
+                  <a:cs typeface="+mn-cs"/>
+                </a:defRPr>
+              </a:lvl3pPr>
+              <a:lvl4pPr marL="1005840" indent="-182880" algn="l" defTabSz="914400" rtl="0" eaLnBrk="1" latinLnBrk="0" hangingPunct="1">
+                <a:lnSpc>
+                  <a:spcPct val="90000"/>
+                </a:lnSpc>
+                <a:spcBef>
+                  <a:spcPts val="300"/>
+                </a:spcBef>
+                <a:spcAft>
+                  <a:spcPts val="300"/>
+                </a:spcAft>
+                <a:buClr>
+                  <a:schemeClr val="accent1"/>
+                </a:buClr>
+                <a:buFont typeface="Wingdings 2" pitchFamily="18" charset="2"/>
+                <a:buChar char=""/>
+                <a:defRPr sz="1400" kern="1200">
+                  <a:solidFill>
+                    <a:schemeClr val="tx1">
+                      <a:lumMod val="85000"/>
+                      <a:lumOff val="15000"/>
+                    </a:schemeClr>
+                  </a:solidFill>
+                  <a:latin typeface="+mn-lt"/>
+                  <a:ea typeface="+mn-ea"/>
+                  <a:cs typeface="+mn-cs"/>
+                </a:defRPr>
+              </a:lvl4pPr>
+              <a:lvl5pPr marL="1280160" indent="-182880" algn="l" defTabSz="914400" rtl="0" eaLnBrk="1" latinLnBrk="0" hangingPunct="1">
+                <a:lnSpc>
+                  <a:spcPct val="90000"/>
+                </a:lnSpc>
+                <a:spcBef>
+                  <a:spcPts val="300"/>
+                </a:spcBef>
+                <a:spcAft>
+                  <a:spcPts val="300"/>
+                </a:spcAft>
+                <a:buClr>
+                  <a:schemeClr val="accent1"/>
+                </a:buClr>
+                <a:buFont typeface="Wingdings 2" pitchFamily="18" charset="2"/>
+                <a:buChar char=""/>
+                <a:defRPr sz="1400" kern="1200">
+                  <a:solidFill>
+                    <a:schemeClr val="tx1">
+                      <a:lumMod val="85000"/>
+                      <a:lumOff val="15000"/>
+                    </a:schemeClr>
+                  </a:solidFill>
+                  <a:latin typeface="+mn-lt"/>
+                  <a:ea typeface="+mn-ea"/>
+                  <a:cs typeface="+mn-cs"/>
+                </a:defRPr>
+              </a:lvl5pPr>
+              <a:lvl6pPr marL="1600000" indent="-228600" algn="l" defTabSz="914400" rtl="0" eaLnBrk="1" latinLnBrk="0" hangingPunct="1">
+                <a:lnSpc>
+                  <a:spcPct val="90000"/>
+                </a:lnSpc>
+                <a:spcBef>
+                  <a:spcPts val="300"/>
+                </a:spcBef>
+                <a:spcAft>
+                  <a:spcPts val="300"/>
+                </a:spcAft>
+                <a:buClr>
+                  <a:schemeClr val="accent1"/>
+                </a:buClr>
+                <a:buFont typeface="Wingdings 2" pitchFamily="18" charset="2"/>
+                <a:buChar char=""/>
+                <a:defRPr sz="1400" kern="1200">
+                  <a:solidFill>
+                    <a:schemeClr val="tx1">
+                      <a:lumMod val="85000"/>
+                      <a:lumOff val="15000"/>
+                    </a:schemeClr>
+                  </a:solidFill>
+                  <a:latin typeface="+mn-lt"/>
+                  <a:ea typeface="+mn-ea"/>
+                  <a:cs typeface="+mn-cs"/>
+                </a:defRPr>
+              </a:lvl6pPr>
+              <a:lvl7pPr marL="1900000" indent="-228600" algn="l" defTabSz="914400" rtl="0" eaLnBrk="1" latinLnBrk="0" hangingPunct="1">
+                <a:lnSpc>
+                  <a:spcPct val="90000"/>
+                </a:lnSpc>
+                <a:spcBef>
+                  <a:spcPts val="300"/>
+                </a:spcBef>
+                <a:spcAft>
+                  <a:spcPts val="300"/>
+                </a:spcAft>
+                <a:buClr>
+                  <a:schemeClr val="accent1"/>
+                </a:buClr>
+                <a:buFont typeface="Wingdings 2" pitchFamily="18" charset="2"/>
+                <a:buChar char=""/>
+                <a:defRPr sz="1400" kern="1200">
+                  <a:solidFill>
+                    <a:schemeClr val="tx1">
+                      <a:lumMod val="85000"/>
+                      <a:lumOff val="15000"/>
+                    </a:schemeClr>
+                  </a:solidFill>
+                  <a:latin typeface="+mn-lt"/>
+                  <a:ea typeface="+mn-ea"/>
+                  <a:cs typeface="+mn-cs"/>
+                </a:defRPr>
+              </a:lvl7pPr>
+              <a:lvl8pPr marL="2200000" indent="-228600" algn="l" defTabSz="914400" rtl="0" eaLnBrk="1" latinLnBrk="0" hangingPunct="1">
+                <a:lnSpc>
+                  <a:spcPct val="90000"/>
+                </a:lnSpc>
+                <a:spcBef>
+                  <a:spcPts val="300"/>
+                </a:spcBef>
+                <a:spcAft>
+                  <a:spcPts val="300"/>
+                </a:spcAft>
+                <a:buClr>
+                  <a:schemeClr val="accent1"/>
+                </a:buClr>
+                <a:buFont typeface="Wingdings 2" pitchFamily="18" charset="2"/>
+                <a:buChar char=""/>
+                <a:defRPr sz="1400" kern="1200">
+                  <a:solidFill>
+                    <a:schemeClr val="tx1">
+                      <a:lumMod val="85000"/>
+                      <a:lumOff val="15000"/>
+                    </a:schemeClr>
+                  </a:solidFill>
+                  <a:latin typeface="+mn-lt"/>
+                  <a:ea typeface="+mn-ea"/>
+                  <a:cs typeface="+mn-cs"/>
+                </a:defRPr>
+              </a:lvl8pPr>
+              <a:lvl9pPr marL="2500000" indent="-228600" algn="l" defTabSz="914400" rtl="0" eaLnBrk="1" latinLnBrk="0" hangingPunct="1">
+                <a:lnSpc>
+                  <a:spcPct val="90000"/>
+                </a:lnSpc>
+                <a:spcBef>
+                  <a:spcPts val="300"/>
+                </a:spcBef>
+                <a:spcAft>
+                  <a:spcPts val="300"/>
+                </a:spcAft>
+                <a:buClr>
+                  <a:schemeClr val="accent1"/>
+                </a:buClr>
+                <a:buFont typeface="Wingdings 2" pitchFamily="18" charset="2"/>
+                <a:buChar char=""/>
+                <a:defRPr sz="1400" kern="1200">
+                  <a:solidFill>
+                    <a:schemeClr val="tx1">
+                      <a:lumMod val="85000"/>
+                      <a:lumOff val="15000"/>
+                    </a:schemeClr>
+                  </a:solidFill>
+                  <a:latin typeface="+mn-lt"/>
+                  <a:ea typeface="+mn-ea"/>
+                  <a:cs typeface="+mn-cs"/>
+                </a:defRPr>
+              </a:lvl9pPr>
+            </a:lstStyle>
+            <a:p>
+              <a:pPr marL="0" indent="0" algn="ctr">
+                <a:lnSpc>
+                  <a:spcPct val="100000"/>
+                </a:lnSpc>
+                <a:buFont typeface="Arial" pitchFamily="34" charset="0"/>
+                <a:buNone/>
+              </a:pPr>
+              <a:r>
+                <a:rPr lang="ru-RU" sz="1400" dirty="0" smtClean="0">
+                  <a:latin typeface="Segoe UI" panose="020B0502040204020203" pitchFamily="34" charset="0"/>
+                  <a:cs typeface="Segoe UI" panose="020B0502040204020203" pitchFamily="34" charset="0"/>
+                </a:rPr>
+                <a:t>Входная амплитуда, В</a:t>
+              </a:r>
+              <a:endParaRPr lang="ru-RU" sz="1400" dirty="0">
+                <a:latin typeface="Segoe UI" panose="020B0502040204020203" pitchFamily="34" charset="0"/>
+                <a:cs typeface="Segoe UI" panose="020B0502040204020203" pitchFamily="34" charset="0"/>
+              </a:endParaRPr>
+            </a:p>
+          </p:txBody>
+        </p:sp>
+      </p:grpSp>
       <p:sp>
         <p:nvSpPr>
           <p:cNvPr id="2" name="Заголовок 1">
@@ -19136,7 +21968,7 @@
           <p:nvPr/>
         </p:nvPicPr>
         <p:blipFill rotWithShape="1">
-          <a:blip r:embed="rId2">
+          <a:blip r:embed="rId4">
             <a:extLst>
               <a:ext uri="{28A0092B-C50C-407E-A947-70E740481C1C}">
                 <a14:useLocalDpi xmlns:a14="http://schemas.microsoft.com/office/drawing/2010/main" val="0"/>
@@ -19204,7 +22036,7 @@
           <p:nvPr/>
         </p:nvPicPr>
         <p:blipFill rotWithShape="1">
-          <a:blip r:embed="rId2">
+          <a:blip r:embed="rId4">
             <a:extLst>
               <a:ext uri="{28A0092B-C50C-407E-A947-70E740481C1C}">
                 <a14:useLocalDpi xmlns:a14="http://schemas.microsoft.com/office/drawing/2010/main" val="0"/>
@@ -19218,74 +22050,6 @@
           <a:xfrm>
             <a:off x="903874" y="3526221"/>
             <a:ext cx="2416556" cy="1156131"/>
-          </a:xfrm>
-          <a:prstGeom prst="rect">
-            <a:avLst/>
-          </a:prstGeom>
-          <a:noFill/>
-          <a:ln>
-            <a:noFill/>
-          </a:ln>
-          <a:effectLst/>
-          <a:extLst>
-            <a:ext uri="{909E8E84-426E-40DD-AFC4-6F175D3DCCD1}">
-              <a14:hiddenFill xmlns:a14="http://schemas.microsoft.com/office/drawing/2010/main">
-                <a:solidFill>
-                  <a:schemeClr val="accent1"/>
-                </a:solidFill>
-              </a14:hiddenFill>
-            </a:ext>
-            <a:ext uri="{91240B29-F687-4F45-9708-019B960494DF}">
-              <a14:hiddenLine xmlns:a14="http://schemas.microsoft.com/office/drawing/2010/main" w="9525">
-                <a:solidFill>
-                  <a:schemeClr val="tx1"/>
-                </a:solidFill>
-                <a:miter lim="800000"/>
-                <a:headEnd/>
-                <a:tailEnd/>
-              </a14:hiddenLine>
-            </a:ext>
-            <a:ext uri="{AF507438-7753-43E0-B8FC-AC1667EBCBE1}">
-              <a14:hiddenEffects xmlns:a14="http://schemas.microsoft.com/office/drawing/2010/main">
-                <a:effectLst>
-                  <a:outerShdw dist="35921" dir="2700000" algn="ctr" rotWithShape="0">
-                    <a:schemeClr val="bg2"/>
-                  </a:outerShdw>
-                </a:effectLst>
-              </a14:hiddenEffects>
-            </a:ext>
-          </a:extLst>
-        </p:spPr>
-      </p:pic>
-      <p:pic>
-        <p:nvPicPr>
-          <p:cNvPr id="7" name="Picture 5">
-            <a:extLst>
-              <a:ext uri="{FF2B5EF4-FFF2-40B4-BE49-F238E27FC236}">
-                <a16:creationId xmlns:a16="http://schemas.microsoft.com/office/drawing/2014/main" id="{876CADC7-FB63-0AC9-3ACD-1EBD68C47039}"/>
-              </a:ext>
-            </a:extLst>
-          </p:cNvPr>
-          <p:cNvPicPr>
-            <a:picLocks noChangeAspect="1" noChangeArrowheads="1"/>
-          </p:cNvPicPr>
-          <p:nvPr/>
-        </p:nvPicPr>
-        <p:blipFill rotWithShape="1">
-          <a:blip r:embed="rId3">
-            <a:extLst>
-              <a:ext uri="{28A0092B-C50C-407E-A947-70E740481C1C}">
-                <a14:useLocalDpi xmlns:a14="http://schemas.microsoft.com/office/drawing/2010/main" val="0"/>
-              </a:ext>
-            </a:extLst>
-          </a:blip>
-          <a:srcRect r="6968"/>
-          <a:stretch/>
-        </p:blipFill>
-        <p:spPr bwMode="auto">
-          <a:xfrm>
-            <a:off x="3597215" y="1010288"/>
-            <a:ext cx="4604808" cy="3712276"/>
           </a:xfrm>
           <a:prstGeom prst="rect">
             <a:avLst/>
@@ -19636,7 +22400,7 @@
           <p:nvPr/>
         </p:nvPicPr>
         <p:blipFill rotWithShape="1">
-          <a:blip r:embed="rId4"/>
+          <a:blip r:embed="rId5"/>
           <a:srcRect l="21937" t="24693" r="532" b="53908"/>
           <a:stretch/>
         </p:blipFill>
@@ -20166,8 +22930,8 @@
           </a:p>
         </p:txBody>
       </p:sp>
-      <mc:AlternateContent xmlns:mc="http://schemas.openxmlformats.org/markup-compatibility/2006" xmlns:a14="http://schemas.microsoft.com/office/drawing/2010/main">
-        <mc:Choice Requires="a14">
+      <mc:AlternateContent xmlns:mc="http://schemas.openxmlformats.org/markup-compatibility/2006">
+        <mc:Choice xmlns:a14="http://schemas.microsoft.com/office/drawing/2010/main" Requires="a14">
           <p:sp>
             <p:nvSpPr>
               <p:cNvPr id="14" name="Объект 2">
@@ -20447,7 +23211,14 @@
                     <a:latin typeface="Segoe UI" panose="020B0502040204020203" pitchFamily="34" charset="0"/>
                     <a:cs typeface="Segoe UI" panose="020B0502040204020203" pitchFamily="34" charset="0"/>
                   </a:rPr>
-                  <a:t>АМ-АМ искажение</a:t>
+                  <a:t>АМ-АМ </a:t>
+                </a:r>
+                <a:r>
+                  <a:rPr lang="ru-RU" sz="1600" dirty="0" smtClean="0">
+                    <a:latin typeface="Segoe UI" panose="020B0502040204020203" pitchFamily="34" charset="0"/>
+                    <a:cs typeface="Segoe UI" panose="020B0502040204020203" pitchFamily="34" charset="0"/>
+                  </a:rPr>
+                  <a:t>искажение  </a:t>
                 </a:r>
                 <a:r>
                   <a:rPr lang="en-US" sz="1600" dirty="0" smtClean="0">
@@ -20547,7 +23318,7 @@
             </p:txBody>
           </p:sp>
         </mc:Choice>
-        <mc:Fallback xmlns="">
+        <mc:Fallback>
           <p:sp>
             <p:nvSpPr>
               <p:cNvPr id="14" name="Объект 2">
@@ -20607,7 +23378,7 @@
           <p:nvPr/>
         </p:nvPicPr>
         <p:blipFill rotWithShape="1">
-          <a:blip r:embed="rId4"/>
+          <a:blip r:embed="rId5"/>
           <a:srcRect l="24859" t="69559" r="3706" b="11112"/>
           <a:stretch/>
         </p:blipFill>
@@ -20910,30 +23681,6 @@
           </a:p>
         </p:txBody>
       </p:sp>
-      <p:pic>
-        <p:nvPicPr>
-          <p:cNvPr id="9" name="Рисунок 8"/>
-          <p:cNvPicPr>
-            <a:picLocks noChangeAspect="1"/>
-          </p:cNvPicPr>
-          <p:nvPr/>
-        </p:nvPicPr>
-        <p:blipFill>
-          <a:blip r:embed="rId8"/>
-          <a:stretch>
-            <a:fillRect/>
-          </a:stretch>
-        </p:blipFill>
-        <p:spPr>
-          <a:xfrm>
-            <a:off x="6748641" y="3357849"/>
-            <a:ext cx="1262011" cy="878782"/>
-          </a:xfrm>
-          <a:prstGeom prst="rect">
-            <a:avLst/>
-          </a:prstGeom>
-        </p:spPr>
-      </p:pic>
     </p:spTree>
     <p:extLst>
       <p:ext uri="{BB962C8B-B14F-4D97-AF65-F5344CB8AC3E}">
@@ -20944,6 +23691,13 @@
   <p:clrMapOvr>
     <a:masterClrMapping/>
   </p:clrMapOvr>
+  <p:timing>
+    <p:tnLst>
+      <p:par>
+        <p:cTn id="1" dur="indefinite" restart="never" nodeType="tmRoot"/>
+      </p:par>
+    </p:tnLst>
+  </p:timing>
 </p:sld>
 </file>
 
@@ -22383,14 +25137,14 @@
                 <a:latin typeface="Segoe UI" panose="020B0502040204020203" pitchFamily="34" charset="0"/>
                 <a:cs typeface="Segoe UI" panose="020B0502040204020203" pitchFamily="34" charset="0"/>
               </a:rPr>
-              <a:t> и соответствующий стандарту </a:t>
-            </a:r>
-            <a:r>
-              <a:rPr lang="en-US" dirty="0">
-                <a:latin typeface="Segoe UI" panose="020B0502040204020203" pitchFamily="34" charset="0"/>
-                <a:cs typeface="Segoe UI" panose="020B0502040204020203" pitchFamily="34" charset="0"/>
-              </a:rPr>
-              <a:t>5G</a:t>
+              <a:t> и </a:t>
+            </a:r>
+            <a:r>
+              <a:rPr lang="ru-RU" dirty="0" smtClean="0">
+                <a:latin typeface="Segoe UI" panose="020B0502040204020203" pitchFamily="34" charset="0"/>
+                <a:cs typeface="Segoe UI" panose="020B0502040204020203" pitchFamily="34" charset="0"/>
+              </a:rPr>
+              <a:t>откалиброван</a:t>
             </a:r>
           </a:p>
           <a:p>
@@ -22402,7 +25156,7 @@
               <a:buNone/>
             </a:pPr>
             <a:r>
-              <a:rPr lang="ru-RU" dirty="0">
+              <a:rPr lang="ru-RU" dirty="0" smtClean="0">
                 <a:latin typeface="Segoe UI" panose="020B0502040204020203" pitchFamily="34" charset="0"/>
                 <a:cs typeface="Segoe UI" panose="020B0502040204020203" pitchFamily="34" charset="0"/>
               </a:rPr>
@@ -22441,7 +25195,7 @@
         </p:nvSpPr>
         <p:spPr>
           <a:xfrm>
-            <a:off x="544761" y="6026997"/>
+            <a:off x="610552" y="5895996"/>
             <a:ext cx="7269480" cy="606935"/>
           </a:xfrm>
           <a:prstGeom prst="rect">
@@ -22732,8 +25486,8 @@
         </p:nvSpPr>
         <p:spPr>
           <a:xfrm>
-            <a:off x="401662" y="6494305"/>
-            <a:ext cx="4360837" cy="276999"/>
+            <a:off x="401662" y="6502931"/>
+            <a:ext cx="6421832" cy="276999"/>
           </a:xfrm>
           <a:prstGeom prst="rect">
             <a:avLst/>
@@ -22757,7 +25511,42 @@
                 <a:latin typeface="Segoe UI" panose="020B0502040204020203" pitchFamily="34" charset="0"/>
                 <a:cs typeface="Segoe UI" panose="020B0502040204020203" pitchFamily="34" charset="0"/>
               </a:rPr>
-              <a:t>разработан Пудеевым А.В., </a:t>
+              <a:t>разработан </a:t>
+            </a:r>
+            <a:r>
+              <a:rPr lang="ru-RU" sz="1200" i="1" dirty="0" smtClean="0">
+                <a:latin typeface="Segoe UI" panose="020B0502040204020203" pitchFamily="34" charset="0"/>
+                <a:cs typeface="Segoe UI" panose="020B0502040204020203" pitchFamily="34" charset="0"/>
+              </a:rPr>
+              <a:t>на языке </a:t>
+            </a:r>
+            <a:r>
+              <a:rPr lang="en-US" sz="1200" i="1" dirty="0" err="1" smtClean="0">
+                <a:latin typeface="Segoe UI" panose="020B0502040204020203" pitchFamily="34" charset="0"/>
+                <a:cs typeface="Segoe UI" panose="020B0502040204020203" pitchFamily="34" charset="0"/>
+              </a:rPr>
+              <a:t>Matlab</a:t>
+            </a:r>
+            <a:r>
+              <a:rPr lang="en-US" sz="1200" i="1" dirty="0" smtClean="0">
+                <a:latin typeface="Segoe UI" panose="020B0502040204020203" pitchFamily="34" charset="0"/>
+                <a:cs typeface="Segoe UI" panose="020B0502040204020203" pitchFamily="34" charset="0"/>
+              </a:rPr>
+              <a:t> </a:t>
+            </a:r>
+            <a:r>
+              <a:rPr lang="ru-RU" sz="1200" i="1" dirty="0" smtClean="0">
+                <a:latin typeface="Segoe UI" panose="020B0502040204020203" pitchFamily="34" charset="0"/>
+                <a:cs typeface="Segoe UI" panose="020B0502040204020203" pitchFamily="34" charset="0"/>
+              </a:rPr>
+              <a:t>Пудеевым </a:t>
+            </a:r>
+            <a:r>
+              <a:rPr lang="ru-RU" sz="1200" i="1" dirty="0" smtClean="0">
+                <a:latin typeface="Segoe UI" panose="020B0502040204020203" pitchFamily="34" charset="0"/>
+                <a:cs typeface="Segoe UI" panose="020B0502040204020203" pitchFamily="34" charset="0"/>
+              </a:rPr>
+              <a:t>А.В., </a:t>
             </a:r>
             <a:r>
               <a:rPr lang="en-US" sz="1200" i="1" dirty="0" smtClean="0">

--- a/Presentation.pptx
+++ b/Presentation.pptx
@@ -5,7 +5,7 @@
     <p:sldMasterId id="2147483708" r:id="rId1"/>
   </p:sldMasterIdLst>
   <p:notesMasterIdLst>
-    <p:notesMasterId r:id="rId32"/>
+    <p:notesMasterId r:id="rId33"/>
   </p:notesMasterIdLst>
   <p:sldIdLst>
     <p:sldId id="256" r:id="rId2"/>
@@ -38,6 +38,7 @@
     <p:sldId id="383" r:id="rId29"/>
     <p:sldId id="386" r:id="rId30"/>
     <p:sldId id="387" r:id="rId31"/>
+    <p:sldId id="395" r:id="rId32"/>
   </p:sldIdLst>
   <p:sldSz cx="9144000" cy="6858000" type="screen4x3"/>
   <p:notesSz cx="6858000" cy="9144000"/>
@@ -3941,17 +3942,6 @@
               </a:rPr>
               <a:t>Метод компенсации нелинейных искажений усилителя мощности для стандарта мобильной связи</a:t>
             </a:r>
-            <a:r>
-              <a:rPr lang="en-GB" sz="4000" dirty="0">
-                <a:solidFill>
-                  <a:srgbClr val="F8F8F2"/>
-                </a:solidFill>
-                <a:effectLst/>
-                <a:latin typeface="Segoe UI Semibold" panose="020B0702040204020203" pitchFamily="34" charset="0"/>
-                <a:cs typeface="Segoe UI Semibold" panose="020B0702040204020203" pitchFamily="34" charset="0"/>
-              </a:rPr>
-              <a:t/>
-            </a:r>
             <a:br>
               <a:rPr lang="en-GB" sz="4000" dirty="0">
                 <a:solidFill>
@@ -4271,13 +4261,6 @@
   <p:clrMapOvr>
     <a:masterClrMapping/>
   </p:clrMapOvr>
-  <p:timing>
-    <p:tnLst>
-      <p:par>
-        <p:cTn id="1" dur="indefinite" restart="never" nodeType="tmRoot"/>
-      </p:par>
-    </p:tnLst>
-  </p:timing>
 </p:sld>
 </file>
 
@@ -4329,7 +4312,7 @@
                 <a:latin typeface="Segoe UI Semibold" panose="020B0702040204020203" pitchFamily="34" charset="0"/>
                 <a:cs typeface="Segoe UI Semibold" panose="020B0702040204020203" pitchFamily="34" charset="0"/>
               </a:rPr>
-              <a:t>Используемые типы сигналов</a:t>
+              <a:t>Исследуемые сигналы</a:t>
             </a:r>
           </a:p>
         </p:txBody>
@@ -4352,14 +4335,20 @@
         </p:nvSpPr>
         <p:spPr/>
         <p:txBody>
-          <a:bodyPr/>
+          <a:bodyPr>
+            <a:normAutofit/>
+          </a:bodyPr>
           <a:lstStyle/>
           <a:p>
             <a:fld id="{12AFF886-F040-4FA5-8BD0-0A595B4BDA00}" type="slidenum">
-              <a:rPr lang="ru-RU" smtClean="0"/>
+              <a:rPr lang="ru-RU" sz="1600" smtClean="0"/>
               <a:t>10</a:t>
             </a:fld>
-            <a:endParaRPr lang="ru-RU"/>
+            <a:r>
+              <a:rPr lang="en-US" sz="1600" dirty="0"/>
+              <a:t> /22</a:t>
+            </a:r>
+            <a:endParaRPr lang="ru-RU" sz="1600" dirty="0"/>
           </a:p>
         </p:txBody>
       </p:sp>
@@ -4675,7 +4664,7 @@
                 <a:latin typeface="Segoe UI" panose="020B0502040204020203" pitchFamily="34" charset="0"/>
                 <a:cs typeface="Segoe UI" panose="020B0502040204020203" pitchFamily="34" charset="0"/>
               </a:rPr>
-              <a:t>В работе рассматриваются следующие сигналы</a:t>
+              <a:t>В работе исследуются следующие сигналы</a:t>
             </a:r>
             <a:r>
               <a:rPr lang="en-US" dirty="0">
@@ -4692,16 +4681,19 @@
               <a:t>использующиеся для </a:t>
             </a:r>
             <a:r>
-              <a:rPr lang="ru-RU" dirty="0" smtClean="0">
-                <a:latin typeface="Segoe UI" panose="020B0502040204020203" pitchFamily="34" charset="0"/>
-                <a:cs typeface="Segoe UI" panose="020B0502040204020203" pitchFamily="34" charset="0"/>
-              </a:rPr>
-              <a:t>восходящей линии:</a:t>
-            </a:r>
-            <a:endParaRPr lang="ru-RU" dirty="0">
-              <a:latin typeface="Segoe UI" panose="020B0502040204020203" pitchFamily="34" charset="0"/>
-              <a:cs typeface="Segoe UI" panose="020B0502040204020203" pitchFamily="34" charset="0"/>
-            </a:endParaRPr>
+              <a:rPr lang="en-US" dirty="0">
+                <a:latin typeface="Segoe UI" panose="020B0502040204020203" pitchFamily="34" charset="0"/>
+                <a:cs typeface="Segoe UI" panose="020B0502040204020203" pitchFamily="34" charset="0"/>
+              </a:rPr>
+              <a:t>uplink</a:t>
+            </a:r>
+            <a:r>
+              <a:rPr lang="ru-RU" dirty="0">
+                <a:latin typeface="Segoe UI" panose="020B0502040204020203" pitchFamily="34" charset="0"/>
+                <a:cs typeface="Segoe UI" panose="020B0502040204020203" pitchFamily="34" charset="0"/>
+              </a:rPr>
+              <a:t>:</a:t>
+            </a:r>
           </a:p>
           <a:p>
             <a:pPr marL="0" indent="0">
@@ -4711,7 +4703,7 @@
               <a:buNone/>
             </a:pPr>
             <a:r>
-              <a:rPr lang="en-US" sz="2000" dirty="0" smtClean="0">
+              <a:rPr lang="en-US" sz="2000" dirty="0">
                 <a:latin typeface="Segoe UI" panose="020B0502040204020203" pitchFamily="34" charset="0"/>
                 <a:cs typeface="Segoe UI" panose="020B0502040204020203" pitchFamily="34" charset="0"/>
               </a:rPr>
@@ -4726,7 +4718,7 @@
               <a:buNone/>
             </a:pPr>
             <a:r>
-              <a:rPr lang="en-US" sz="2000" dirty="0" smtClean="0">
+              <a:rPr lang="en-US" sz="2000" dirty="0">
                 <a:latin typeface="Segoe UI" panose="020B0502040204020203" pitchFamily="34" charset="0"/>
                 <a:cs typeface="Segoe UI" panose="020B0502040204020203" pitchFamily="34" charset="0"/>
               </a:rPr>
@@ -5736,21 +5728,7 @@
                 <a:latin typeface="Segoe UI" panose="020B0502040204020203" pitchFamily="34" charset="0"/>
                 <a:cs typeface="Segoe UI" panose="020B0502040204020203" pitchFamily="34" charset="0"/>
               </a:rPr>
-              <a:t>имеет меньший пик-фактор (</a:t>
-            </a:r>
-            <a:r>
-              <a:rPr lang="en-US" dirty="0">
-                <a:latin typeface="Segoe UI" panose="020B0502040204020203" pitchFamily="34" charset="0"/>
-                <a:cs typeface="Segoe UI" panose="020B0502040204020203" pitchFamily="34" charset="0"/>
-              </a:rPr>
-              <a:t>PAPR)</a:t>
-            </a:r>
-            <a:r>
-              <a:rPr lang="ru-RU" dirty="0">
-                <a:latin typeface="Segoe UI" panose="020B0502040204020203" pitchFamily="34" charset="0"/>
-                <a:cs typeface="Segoe UI" panose="020B0502040204020203" pitchFamily="34" charset="0"/>
-              </a:rPr>
-              <a:t>, чем </a:t>
+              <a:t>имеет меньший пик-фактор, чем </a:t>
             </a:r>
             <a:r>
               <a:rPr lang="en-US" dirty="0">
@@ -5796,7 +5774,7 @@
               </a:lnSpc>
             </a:pPr>
             <a:r>
-              <a:rPr lang="en-US" i="1" dirty="0" smtClean="0">
+              <a:rPr lang="en-US" i="1" dirty="0">
                 <a:latin typeface="Segoe UI" panose="020B0502040204020203" pitchFamily="34" charset="0"/>
                 <a:cs typeface="Segoe UI" panose="020B0502040204020203" pitchFamily="34" charset="0"/>
               </a:rPr>
@@ -5835,13 +5813,6 @@
   <p:clrMapOvr>
     <a:masterClrMapping/>
   </p:clrMapOvr>
-  <p:timing>
-    <p:tnLst>
-      <p:par>
-        <p:cTn id="1" dur="indefinite" restart="never" nodeType="tmRoot"/>
-      </p:par>
-    </p:tnLst>
-  </p:timing>
 </p:sld>
 </file>
 
@@ -5916,14 +5887,20 @@
         </p:nvSpPr>
         <p:spPr/>
         <p:txBody>
-          <a:bodyPr/>
+          <a:bodyPr>
+            <a:normAutofit/>
+          </a:bodyPr>
           <a:lstStyle/>
           <a:p>
             <a:fld id="{12AFF886-F040-4FA5-8BD0-0A595B4BDA00}" type="slidenum">
-              <a:rPr lang="ru-RU" smtClean="0"/>
+              <a:rPr lang="ru-RU" sz="1600" smtClean="0"/>
               <a:t>11</a:t>
             </a:fld>
-            <a:endParaRPr lang="ru-RU"/>
+            <a:r>
+              <a:rPr lang="en-US" sz="1600" dirty="0"/>
+              <a:t> /22</a:t>
+            </a:r>
+            <a:endParaRPr lang="ru-RU" sz="1600" dirty="0"/>
           </a:p>
         </p:txBody>
       </p:sp>
@@ -7373,16 +7350,12 @@
               <a:buNone/>
             </a:pPr>
             <a:r>
-              <a:rPr lang="ru-RU" sz="1200" dirty="0" smtClean="0">
+              <a:rPr lang="ru-RU" sz="1200" dirty="0">
                 <a:latin typeface="Segoe UI" panose="020B0502040204020203" pitchFamily="34" charset="0"/>
                 <a:cs typeface="Segoe UI" panose="020B0502040204020203" pitchFamily="34" charset="0"/>
               </a:rPr>
               <a:t>Сигнал с одной несущей</a:t>
             </a:r>
-            <a:endParaRPr lang="ru-RU" sz="1200" dirty="0">
-              <a:latin typeface="Segoe UI" panose="020B0502040204020203" pitchFamily="34" charset="0"/>
-              <a:cs typeface="Segoe UI" panose="020B0502040204020203" pitchFamily="34" charset="0"/>
-            </a:endParaRPr>
           </a:p>
         </p:txBody>
       </p:sp>
@@ -7396,13 +7369,6 @@
   <p:clrMapOvr>
     <a:masterClrMapping/>
   </p:clrMapOvr>
-  <p:timing>
-    <p:tnLst>
-      <p:par>
-        <p:cTn id="1" dur="indefinite" restart="never" nodeType="tmRoot"/>
-      </p:par>
-    </p:tnLst>
-  </p:timing>
 </p:sld>
 </file>
 
@@ -7553,7 +7519,7 @@
               <a:buNone/>
             </a:pPr>
             <a:r>
-              <a:rPr lang="ru-RU" sz="1600" dirty="0" smtClean="0">
+              <a:rPr lang="ru-RU" sz="1600" dirty="0">
                 <a:latin typeface="Segoe UI" panose="020B0502040204020203" pitchFamily="34" charset="0"/>
                 <a:cs typeface="Segoe UI" panose="020B0502040204020203" pitchFamily="34" charset="0"/>
               </a:rPr>
@@ -7565,57 +7531,57 @@
               <a:buNone/>
             </a:pPr>
             <a:r>
-              <a:rPr lang="ru-RU" sz="1600" b="1" dirty="0" smtClean="0">
-                <a:latin typeface="Segoe UI" panose="020B0502040204020203" pitchFamily="34" charset="0"/>
-                <a:cs typeface="Segoe UI" panose="020B0502040204020203" pitchFamily="34" charset="0"/>
-              </a:rPr>
-              <a:t>Подготовка сигнала ни передатчике перед усилителем</a:t>
-            </a:r>
-          </a:p>
-          <a:p>
-            <a:r>
-              <a:rPr lang="ru-RU" sz="1600" dirty="0" smtClean="0">
+              <a:rPr lang="ru-RU" sz="1600" b="1" dirty="0">
+                <a:latin typeface="Segoe UI" panose="020B0502040204020203" pitchFamily="34" charset="0"/>
+                <a:cs typeface="Segoe UI" panose="020B0502040204020203" pitchFamily="34" charset="0"/>
+              </a:rPr>
+              <a:t>Подготовка сигнала на передатчике перед усилителем</a:t>
+            </a:r>
+          </a:p>
+          <a:p>
+            <a:r>
+              <a:rPr lang="ru-RU" sz="1600" dirty="0">
                 <a:latin typeface="Segoe UI" panose="020B0502040204020203" pitchFamily="34" charset="0"/>
                 <a:cs typeface="Segoe UI" panose="020B0502040204020203" pitchFamily="34" charset="0"/>
               </a:rPr>
               <a:t>Сигналу придаются свойства, которые минимизируют влияние нелинейности УМ, эффективно «выпрямляя» амплитудную характеристику</a:t>
             </a:r>
             <a:r>
-              <a:rPr lang="en-US" sz="1600" dirty="0" smtClean="0">
+              <a:rPr lang="en-US" sz="1600" dirty="0">
                 <a:latin typeface="Segoe UI" panose="020B0502040204020203" pitchFamily="34" charset="0"/>
                 <a:cs typeface="Segoe UI" panose="020B0502040204020203" pitchFamily="34" charset="0"/>
               </a:rPr>
               <a:t> (pre-distortion – </a:t>
             </a:r>
             <a:r>
-              <a:rPr lang="ru-RU" sz="1600" dirty="0" smtClean="0">
+              <a:rPr lang="ru-RU" sz="1600" dirty="0">
                 <a:latin typeface="Segoe UI" panose="020B0502040204020203" pitchFamily="34" charset="0"/>
                 <a:cs typeface="Segoe UI" panose="020B0502040204020203" pitchFamily="34" charset="0"/>
               </a:rPr>
               <a:t>предварительное искажение</a:t>
             </a:r>
             <a:r>
-              <a:rPr lang="en-US" sz="1600" dirty="0" smtClean="0">
+              <a:rPr lang="en-US" sz="1600" dirty="0">
                 <a:latin typeface="Segoe UI" panose="020B0502040204020203" pitchFamily="34" charset="0"/>
                 <a:cs typeface="Segoe UI" panose="020B0502040204020203" pitchFamily="34" charset="0"/>
               </a:rPr>
               <a:t>)</a:t>
             </a:r>
-            <a:endParaRPr lang="ru-RU" sz="1600" dirty="0" smtClean="0">
+            <a:endParaRPr lang="ru-RU" sz="1600" dirty="0">
               <a:latin typeface="Segoe UI" panose="020B0502040204020203" pitchFamily="34" charset="0"/>
               <a:cs typeface="Segoe UI" panose="020B0502040204020203" pitchFamily="34" charset="0"/>
             </a:endParaRPr>
           </a:p>
           <a:p>
             <a:r>
-              <a:rPr lang="ru-RU" sz="1600" dirty="0" smtClean="0">
+              <a:rPr lang="ru-RU" sz="1600" dirty="0">
                 <a:latin typeface="Segoe UI" panose="020B0502040204020203" pitchFamily="34" charset="0"/>
                 <a:cs typeface="Segoe UI" panose="020B0502040204020203" pitchFamily="34" charset="0"/>
               </a:rPr>
               <a:t>Имеет малую эффективность при низких </a:t>
             </a:r>
             <a:r>
-              <a:rPr lang="en-US" sz="1600" dirty="0" smtClean="0">
+              <a:rPr lang="en-US" sz="1600" dirty="0">
                 <a:latin typeface="Segoe UI" panose="020B0502040204020203" pitchFamily="34" charset="0"/>
                 <a:cs typeface="Segoe UI" panose="020B0502040204020203" pitchFamily="34" charset="0"/>
               </a:rPr>
@@ -7624,7 +7590,7 @@
           </a:p>
           <a:p>
             <a:r>
-              <a:rPr lang="ru-RU" sz="1600" dirty="0" smtClean="0">
+              <a:rPr lang="ru-RU" sz="1600" dirty="0">
                 <a:latin typeface="Segoe UI" panose="020B0502040204020203" pitchFamily="34" charset="0"/>
                 <a:cs typeface="Segoe UI" panose="020B0502040204020203" pitchFamily="34" charset="0"/>
               </a:rPr>
@@ -7660,14 +7626,20 @@
         </p:nvSpPr>
         <p:spPr/>
         <p:txBody>
-          <a:bodyPr/>
+          <a:bodyPr>
+            <a:normAutofit/>
+          </a:bodyPr>
           <a:lstStyle/>
           <a:p>
             <a:fld id="{12AFF886-F040-4FA5-8BD0-0A595B4BDA00}" type="slidenum">
-              <a:rPr lang="ru-RU" smtClean="0"/>
+              <a:rPr lang="ru-RU" sz="1600" smtClean="0"/>
               <a:t>12</a:t>
             </a:fld>
-            <a:endParaRPr lang="ru-RU"/>
+            <a:r>
+              <a:rPr lang="en-US" sz="1600" dirty="0"/>
+              <a:t> /22</a:t>
+            </a:r>
+            <a:endParaRPr lang="ru-RU" sz="1600" dirty="0"/>
           </a:p>
         </p:txBody>
       </p:sp>
@@ -7814,13 +7786,6 @@
   <p:clrMapOvr>
     <a:masterClrMapping/>
   </p:clrMapOvr>
-  <p:timing>
-    <p:tnLst>
-      <p:par>
-        <p:cTn id="1" dur="indefinite" restart="never" nodeType="tmRoot"/>
-      </p:par>
-    </p:tnLst>
-  </p:timing>
 </p:sld>
 </file>
 
@@ -7933,7 +7898,7 @@
               <a:buNone/>
             </a:pPr>
             <a:r>
-              <a:rPr lang="ru-RU" b="1" dirty="0" smtClean="0">
+              <a:rPr lang="ru-RU" b="1" dirty="0">
                 <a:latin typeface="Segoe UI" panose="020B0502040204020203" pitchFamily="34" charset="0"/>
                 <a:cs typeface="Segoe UI" panose="020B0502040204020203" pitchFamily="34" charset="0"/>
               </a:rPr>
@@ -7942,7 +7907,7 @@
           </a:p>
           <a:p>
             <a:r>
-              <a:rPr lang="ru-RU" dirty="0" smtClean="0">
+              <a:rPr lang="ru-RU" dirty="0">
                 <a:latin typeface="Segoe UI" panose="020B0502040204020203" pitchFamily="34" charset="0"/>
                 <a:cs typeface="Segoe UI" panose="020B0502040204020203" pitchFamily="34" charset="0"/>
               </a:rPr>
@@ -7951,7 +7916,7 @@
           </a:p>
           <a:p>
             <a:r>
-              <a:rPr lang="ru-RU" dirty="0" smtClean="0">
+              <a:rPr lang="ru-RU" dirty="0">
                 <a:latin typeface="Segoe UI" panose="020B0502040204020203" pitchFamily="34" charset="0"/>
                 <a:cs typeface="Segoe UI" panose="020B0502040204020203" pitchFamily="34" charset="0"/>
               </a:rPr>
@@ -7960,30 +7925,26 @@
           </a:p>
           <a:p>
             <a:r>
-              <a:rPr lang="ru-RU" dirty="0" smtClean="0">
+              <a:rPr lang="ru-RU" dirty="0">
                 <a:latin typeface="Segoe UI" panose="020B0502040204020203" pitchFamily="34" charset="0"/>
                 <a:cs typeface="Segoe UI" panose="020B0502040204020203" pitchFamily="34" charset="0"/>
               </a:rPr>
               <a:t>Не удалось найти пример использования компенсации для </a:t>
             </a:r>
             <a:r>
-              <a:rPr lang="en-US" dirty="0" smtClean="0">
+              <a:rPr lang="en-US" dirty="0">
                 <a:latin typeface="Segoe UI" panose="020B0502040204020203" pitchFamily="34" charset="0"/>
                 <a:cs typeface="Segoe UI" panose="020B0502040204020203" pitchFamily="34" charset="0"/>
               </a:rPr>
               <a:t>DFT-s-OFDM </a:t>
             </a:r>
             <a:r>
-              <a:rPr lang="ru-RU" dirty="0" smtClean="0">
+              <a:rPr lang="ru-RU" dirty="0">
                 <a:latin typeface="Segoe UI" panose="020B0502040204020203" pitchFamily="34" charset="0"/>
                 <a:cs typeface="Segoe UI" panose="020B0502040204020203" pitchFamily="34" charset="0"/>
               </a:rPr>
               <a:t>сигнала</a:t>
             </a:r>
-            <a:endParaRPr lang="ru-RU" dirty="0">
-              <a:latin typeface="Segoe UI" panose="020B0502040204020203" pitchFamily="34" charset="0"/>
-              <a:cs typeface="Segoe UI" panose="020B0502040204020203" pitchFamily="34" charset="0"/>
-            </a:endParaRPr>
           </a:p>
           <a:p>
             <a:pPr marL="0" indent="0">
@@ -8014,14 +7975,20 @@
         </p:nvSpPr>
         <p:spPr/>
         <p:txBody>
-          <a:bodyPr/>
+          <a:bodyPr>
+            <a:normAutofit/>
+          </a:bodyPr>
           <a:lstStyle/>
           <a:p>
             <a:fld id="{12AFF886-F040-4FA5-8BD0-0A595B4BDA00}" type="slidenum">
-              <a:rPr lang="ru-RU" smtClean="0"/>
+              <a:rPr lang="ru-RU" sz="1600" smtClean="0"/>
               <a:t>13</a:t>
             </a:fld>
-            <a:endParaRPr lang="ru-RU"/>
+            <a:r>
+              <a:rPr lang="en-US" sz="1600" dirty="0"/>
+              <a:t> /22</a:t>
+            </a:r>
+            <a:endParaRPr lang="ru-RU" sz="1600" dirty="0"/>
           </a:p>
         </p:txBody>
       </p:sp>
@@ -8080,13 +8047,6 @@
   <p:clrMapOvr>
     <a:masterClrMapping/>
   </p:clrMapOvr>
-  <p:timing>
-    <p:tnLst>
-      <p:par>
-        <p:cTn id="1" dur="indefinite" restart="never" nodeType="tmRoot"/>
-      </p:par>
-    </p:tnLst>
-  </p:timing>
 </p:sld>
 </file>
 
@@ -8125,14 +8085,20 @@
         </p:nvSpPr>
         <p:spPr/>
         <p:txBody>
-          <a:bodyPr/>
+          <a:bodyPr>
+            <a:normAutofit/>
+          </a:bodyPr>
           <a:lstStyle/>
           <a:p>
             <a:fld id="{12AFF886-F040-4FA5-8BD0-0A595B4BDA00}" type="slidenum">
-              <a:rPr lang="ru-RU" smtClean="0"/>
+              <a:rPr lang="ru-RU" sz="1600" smtClean="0"/>
               <a:t>14</a:t>
             </a:fld>
-            <a:endParaRPr lang="ru-RU"/>
+            <a:r>
+              <a:rPr lang="en-US" sz="1600" dirty="0"/>
+              <a:t> /22</a:t>
+            </a:r>
+            <a:endParaRPr lang="ru-RU" sz="1600" dirty="0"/>
           </a:p>
         </p:txBody>
       </p:sp>
@@ -8857,8 +8823,8 @@
         </p:blipFill>
         <p:spPr>
           <a:xfrm>
-            <a:off x="4804914" y="2681151"/>
-            <a:ext cx="3424686" cy="4119699"/>
+            <a:off x="4876800" y="2681151"/>
+            <a:ext cx="3352800" cy="4119699"/>
           </a:xfrm>
           <a:prstGeom prst="rect">
             <a:avLst/>
@@ -8875,13 +8841,6 @@
   <p:clrMapOvr>
     <a:masterClrMapping/>
   </p:clrMapOvr>
-  <p:timing>
-    <p:tnLst>
-      <p:par>
-        <p:cTn id="1" dur="indefinite" restart="never" nodeType="tmRoot"/>
-      </p:par>
-    </p:tnLst>
-  </p:timing>
 </p:sld>
 </file>
 
@@ -8956,14 +8915,20 @@
         </p:nvSpPr>
         <p:spPr/>
         <p:txBody>
-          <a:bodyPr/>
+          <a:bodyPr>
+            <a:normAutofit/>
+          </a:bodyPr>
           <a:lstStyle/>
           <a:p>
             <a:fld id="{12AFF886-F040-4FA5-8BD0-0A595B4BDA00}" type="slidenum">
-              <a:rPr lang="ru-RU" smtClean="0"/>
+              <a:rPr lang="ru-RU" sz="1600" smtClean="0"/>
               <a:t>15</a:t>
             </a:fld>
-            <a:endParaRPr lang="ru-RU"/>
+            <a:r>
+              <a:rPr lang="en-US" sz="1600" dirty="0"/>
+              <a:t> /22</a:t>
+            </a:r>
+            <a:endParaRPr lang="ru-RU" sz="1600" dirty="0"/>
           </a:p>
         </p:txBody>
       </p:sp>
@@ -9037,13 +9002,6 @@
   <p:clrMapOvr>
     <a:masterClrMapping/>
   </p:clrMapOvr>
-  <p:timing>
-    <p:tnLst>
-      <p:par>
-        <p:cTn id="1" dur="indefinite" restart="never" nodeType="tmRoot"/>
-      </p:par>
-    </p:tnLst>
-  </p:timing>
 </p:sld>
 </file>
 
@@ -9123,7 +9081,9 @@
           </a:xfrm>
         </p:spPr>
         <p:txBody>
-          <a:bodyPr/>
+          <a:bodyPr>
+            <a:normAutofit lnSpcReduction="10000"/>
+          </a:bodyPr>
           <a:lstStyle/>
           <a:p>
             <a:pPr marL="0" indent="0">
@@ -9148,7 +9108,7 @@
                 <a:latin typeface="Segoe UI" panose="020B0502040204020203" pitchFamily="34" charset="0"/>
                 <a:cs typeface="Segoe UI" panose="020B0502040204020203" pitchFamily="34" charset="0"/>
               </a:rPr>
-              <a:t>. Ниже приведен перечень параметров, использованных при моделировании</a:t>
+              <a:t>. Ниже приведен перечень типичных для системы параметров, использованных при моделировании</a:t>
             </a:r>
           </a:p>
         </p:txBody>
@@ -9171,14 +9131,20 @@
         </p:nvSpPr>
         <p:spPr/>
         <p:txBody>
-          <a:bodyPr/>
+          <a:bodyPr>
+            <a:normAutofit/>
+          </a:bodyPr>
           <a:lstStyle/>
           <a:p>
             <a:fld id="{12AFF886-F040-4FA5-8BD0-0A595B4BDA00}" type="slidenum">
-              <a:rPr lang="ru-RU" smtClean="0"/>
+              <a:rPr lang="ru-RU" sz="1600" smtClean="0"/>
               <a:t>16</a:t>
             </a:fld>
-            <a:endParaRPr lang="ru-RU"/>
+            <a:r>
+              <a:rPr lang="en-US" sz="1600" dirty="0"/>
+              <a:t> /22</a:t>
+            </a:r>
+            <a:endParaRPr lang="ru-RU" sz="1600" dirty="0"/>
           </a:p>
         </p:txBody>
       </p:sp>
@@ -9544,7 +9510,7 @@
         </p:nvGraphicFramePr>
         <p:xfrm>
           <a:off x="3252955" y="1733554"/>
-          <a:ext cx="5040923" cy="4930901"/>
+          <a:ext cx="5040923" cy="4924421"/>
         </p:xfrm>
         <a:graphic>
           <a:graphicData uri="http://schemas.openxmlformats.org/drawingml/2006/table">
@@ -9583,7 +9549,7 @@
                         </a:spcAft>
                       </a:pPr>
                       <a:r>
-                        <a:rPr lang="ru-RU" sz="1400" b="1" dirty="0" smtClean="0">
+                        <a:rPr lang="ru-RU" sz="1400" b="1" dirty="0">
                           <a:effectLst/>
                           <a:latin typeface="Segoe UI" panose="020B0502040204020203" pitchFamily="34" charset="0"/>
                           <a:cs typeface="Segoe UI" panose="020B0502040204020203" pitchFamily="34" charset="0"/>
@@ -9651,7 +9617,7 @@
                         </a:spcAft>
                       </a:pPr>
                       <a:r>
-                        <a:rPr lang="ru-RU" sz="1400" b="1" dirty="0" smtClean="0">
+                        <a:rPr lang="ru-RU" sz="1400" b="1" dirty="0">
                           <a:effectLst/>
                           <a:latin typeface="Segoe UI" panose="020B0502040204020203" pitchFamily="34" charset="0"/>
                           <a:cs typeface="Segoe UI" panose="020B0502040204020203" pitchFamily="34" charset="0"/>
@@ -9722,7 +9688,7 @@
                         </a:spcAft>
                       </a:pPr>
                       <a:r>
-                        <a:rPr lang="ru-RU" sz="1400" dirty="0" smtClean="0">
+                        <a:rPr lang="ru-RU" sz="1400" dirty="0">
                           <a:effectLst/>
                           <a:latin typeface="Segoe UI" panose="020B0502040204020203" pitchFamily="34" charset="0"/>
                           <a:cs typeface="Segoe UI" panose="020B0502040204020203" pitchFamily="34" charset="0"/>
@@ -9730,7 +9696,7 @@
                         <a:t>Несущая частота,</a:t>
                       </a:r>
                       <a:r>
-                        <a:rPr lang="ru-RU" sz="1400" baseline="0" dirty="0" smtClean="0">
+                        <a:rPr lang="ru-RU" sz="1400" baseline="0" dirty="0">
                           <a:effectLst/>
                           <a:latin typeface="Segoe UI" panose="020B0502040204020203" pitchFamily="34" charset="0"/>
                           <a:cs typeface="Segoe UI" panose="020B0502040204020203" pitchFamily="34" charset="0"/>
@@ -9738,7 +9704,7 @@
                         <a:t> </a:t>
                       </a:r>
                       <a:r>
-                        <a:rPr lang="en-US" sz="1400" baseline="0" dirty="0" smtClean="0">
+                        <a:rPr lang="en-US" sz="1400" baseline="0" dirty="0">
                           <a:effectLst/>
                           <a:latin typeface="Segoe UI" panose="020B0502040204020203" pitchFamily="34" charset="0"/>
                           <a:cs typeface="Segoe UI" panose="020B0502040204020203" pitchFamily="34" charset="0"/>
@@ -9746,7 +9712,7 @@
                         <a:t>f</a:t>
                       </a:r>
                       <a:r>
-                        <a:rPr lang="en-US" sz="1400" baseline="-25000" dirty="0" smtClean="0">
+                        <a:rPr lang="en-US" sz="1400" baseline="-25000" dirty="0">
                           <a:effectLst/>
                           <a:latin typeface="Segoe UI" panose="020B0502040204020203" pitchFamily="34" charset="0"/>
                           <a:cs typeface="Segoe UI" panose="020B0502040204020203" pitchFamily="34" charset="0"/>
@@ -9897,7 +9863,7 @@
                         </a:spcAft>
                       </a:pPr>
                       <a:r>
-                        <a:rPr lang="ru-RU" sz="1400" dirty="0" smtClean="0">
+                        <a:rPr lang="ru-RU" sz="1400" dirty="0">
                           <a:effectLst/>
                           <a:latin typeface="Segoe UI" panose="020B0502040204020203" pitchFamily="34" charset="0"/>
                           <a:cs typeface="Segoe UI" panose="020B0502040204020203" pitchFamily="34" charset="0"/>
@@ -9976,15 +9942,7 @@
                           <a:latin typeface="Segoe UI" panose="020B0502040204020203" pitchFamily="34" charset="0"/>
                           <a:cs typeface="Segoe UI" panose="020B0502040204020203" pitchFamily="34" charset="0"/>
                         </a:rPr>
-                        <a:t>400 </a:t>
-                      </a:r>
-                      <a:r>
-                        <a:rPr lang="en-US" sz="1400" dirty="0" smtClean="0">
-                          <a:effectLst/>
-                          <a:latin typeface="Segoe UI" panose="020B0502040204020203" pitchFamily="34" charset="0"/>
-                          <a:cs typeface="Segoe UI" panose="020B0502040204020203" pitchFamily="34" charset="0"/>
-                        </a:rPr>
-                        <a:t>MHz</a:t>
+                        <a:t>400 MHz</a:t>
                       </a:r>
                       <a:endParaRPr lang="ru-RU" sz="1400" dirty="0">
                         <a:effectLst/>
@@ -10055,7 +10013,7 @@
                         </a:spcAft>
                       </a:pPr>
                       <a:r>
-                        <a:rPr lang="ru-RU" sz="1400" dirty="0" smtClean="0">
+                        <a:rPr lang="ru-RU" sz="1400" dirty="0">
                           <a:effectLst/>
                           <a:latin typeface="Segoe UI" panose="020B0502040204020203" pitchFamily="34" charset="0"/>
                           <a:cs typeface="Segoe UI" panose="020B0502040204020203" pitchFamily="34" charset="0"/>
@@ -10129,14 +10087,14 @@
                         </a:spcAft>
                       </a:pPr>
                       <a:r>
-                        <a:rPr lang="en-US" sz="1400" dirty="0" smtClean="0">
+                        <a:rPr lang="en-US" sz="1400" dirty="0">
                           <a:effectLst/>
                           <a:latin typeface="Segoe UI" panose="020B0502040204020203" pitchFamily="34" charset="0"/>
                           <a:cs typeface="Segoe UI" panose="020B0502040204020203" pitchFamily="34" charset="0"/>
                         </a:rPr>
                         <a:t>CP-OFDM,</a:t>
                       </a:r>
-                      <a:endParaRPr lang="ru-RU" sz="1400" dirty="0" smtClean="0">
+                      <a:endParaRPr lang="ru-RU" sz="1400" dirty="0">
                         <a:effectLst/>
                         <a:latin typeface="Segoe UI" panose="020B0502040204020203" pitchFamily="34" charset="0"/>
                         <a:cs typeface="Segoe UI" panose="020B0502040204020203" pitchFamily="34" charset="0"/>
@@ -10152,7 +10110,7 @@
                         </a:spcAft>
                       </a:pPr>
                       <a:r>
-                        <a:rPr lang="en-US" sz="1400" dirty="0" smtClean="0">
+                        <a:rPr lang="en-US" sz="1400" dirty="0">
                           <a:effectLst/>
                           <a:latin typeface="Segoe UI" panose="020B0502040204020203" pitchFamily="34" charset="0"/>
                           <a:cs typeface="Segoe UI" panose="020B0502040204020203" pitchFamily="34" charset="0"/>
@@ -10229,7 +10187,7 @@
                         </a:spcAft>
                       </a:pPr>
                       <a:r>
-                        <a:rPr lang="ru-RU" sz="1400" dirty="0" smtClean="0">
+                        <a:rPr lang="ru-RU" sz="1400" dirty="0">
                           <a:effectLst/>
                           <a:latin typeface="Segoe UI" panose="020B0502040204020203" pitchFamily="34" charset="0"/>
                           <a:cs typeface="Segoe UI" panose="020B0502040204020203" pitchFamily="34" charset="0"/>
@@ -10303,7 +10261,7 @@
                         </a:spcAft>
                       </a:pPr>
                       <a:r>
-                        <a:rPr lang="en-US" sz="1400" dirty="0" smtClean="0">
+                        <a:rPr lang="en-US" sz="1400" dirty="0">
                           <a:effectLst/>
                           <a:latin typeface="Segoe UI" panose="020B0502040204020203" pitchFamily="34" charset="0"/>
                           <a:cs typeface="Segoe UI" panose="020B0502040204020203" pitchFamily="34" charset="0"/>
@@ -10311,7 +10269,7 @@
                         <a:t>30-70</a:t>
                       </a:r>
                       <a:r>
-                        <a:rPr lang="ru-RU" sz="1400" dirty="0" smtClean="0">
+                        <a:rPr lang="ru-RU" sz="1400" dirty="0">
                           <a:effectLst/>
                           <a:latin typeface="Segoe UI" panose="020B0502040204020203" pitchFamily="34" charset="0"/>
                           <a:cs typeface="Segoe UI" panose="020B0502040204020203" pitchFamily="34" charset="0"/>
@@ -10319,20 +10277,12 @@
                         <a:t> </a:t>
                       </a:r>
                       <a:r>
-                        <a:rPr lang="en-US" sz="1400" dirty="0" smtClean="0">
+                        <a:rPr lang="en-US" sz="1400" dirty="0">
                           <a:effectLst/>
                           <a:latin typeface="Segoe UI" panose="020B0502040204020203" pitchFamily="34" charset="0"/>
                           <a:cs typeface="Segoe UI" panose="020B0502040204020203" pitchFamily="34" charset="0"/>
                         </a:rPr>
                         <a:t>GHz, </a:t>
-                      </a:r>
-                      <a:r>
-                        <a:rPr lang="en-US" sz="1400" dirty="0">
-                          <a:effectLst/>
-                          <a:latin typeface="Segoe UI" panose="020B0502040204020203" pitchFamily="34" charset="0"/>
-                          <a:cs typeface="Segoe UI" panose="020B0502040204020203" pitchFamily="34" charset="0"/>
-                        </a:rPr>
-                        <a:t/>
                       </a:r>
                       <a:br>
                         <a:rPr lang="en-US" sz="1400" dirty="0">
@@ -10342,7 +10292,7 @@
                         </a:rPr>
                       </a:br>
                       <a:r>
-                        <a:rPr lang="en-US" sz="1400" dirty="0" smtClean="0">
+                        <a:rPr lang="en-US" sz="1400" dirty="0">
                           <a:effectLst/>
                           <a:latin typeface="Segoe UI" panose="020B0502040204020203" pitchFamily="34" charset="0"/>
                           <a:cs typeface="Segoe UI" panose="020B0502040204020203" pitchFamily="34" charset="0"/>
@@ -10350,7 +10300,7 @@
                         <a:t>100-200</a:t>
                       </a:r>
                       <a:r>
-                        <a:rPr lang="ru-RU" sz="1400" dirty="0" smtClean="0">
+                        <a:rPr lang="ru-RU" sz="1400" dirty="0">
                           <a:effectLst/>
                           <a:latin typeface="Segoe UI" panose="020B0502040204020203" pitchFamily="34" charset="0"/>
                           <a:cs typeface="Segoe UI" panose="020B0502040204020203" pitchFamily="34" charset="0"/>
@@ -10358,7 +10308,7 @@
                         <a:t> </a:t>
                       </a:r>
                       <a:r>
-                        <a:rPr lang="en-US" sz="1400" dirty="0" smtClean="0">
+                        <a:rPr lang="en-US" sz="1400" dirty="0">
                           <a:effectLst/>
                           <a:latin typeface="Segoe UI" panose="020B0502040204020203" pitchFamily="34" charset="0"/>
                           <a:cs typeface="Segoe UI" panose="020B0502040204020203" pitchFamily="34" charset="0"/>
@@ -10435,7 +10385,7 @@
                         </a:spcAft>
                       </a:pPr>
                       <a:r>
-                        <a:rPr lang="ru-RU" sz="1400" dirty="0" smtClean="0">
+                        <a:rPr lang="ru-RU" sz="1400" dirty="0">
                           <a:effectLst/>
                           <a:latin typeface="Segoe UI" panose="020B0502040204020203" pitchFamily="34" charset="0"/>
                           <a:cs typeface="Segoe UI" panose="020B0502040204020203" pitchFamily="34" charset="0"/>
@@ -10517,7 +10467,7 @@
                         <a:t>10 </a:t>
                       </a:r>
                       <a:r>
-                        <a:rPr lang="en-US" sz="1400" dirty="0" err="1" smtClean="0">
+                        <a:rPr lang="en-US" sz="1400" dirty="0" err="1">
                           <a:effectLst/>
                           <a:latin typeface="Segoe UI" panose="020B0502040204020203" pitchFamily="34" charset="0"/>
                           <a:cs typeface="Segoe UI" panose="020B0502040204020203" pitchFamily="34" charset="0"/>
@@ -10673,39 +10623,7 @@
                           <a:latin typeface="Segoe UI" panose="020B0502040204020203" pitchFamily="34" charset="0"/>
                           <a:cs typeface="Segoe UI" panose="020B0502040204020203" pitchFamily="34" charset="0"/>
                         </a:rPr>
-                        <a:t>120 </a:t>
-                      </a:r>
-                      <a:r>
-                        <a:rPr lang="en-US" sz="1400" dirty="0" smtClean="0">
-                          <a:effectLst/>
-                          <a:latin typeface="Segoe UI" panose="020B0502040204020203" pitchFamily="34" charset="0"/>
-                          <a:cs typeface="Segoe UI" panose="020B0502040204020203" pitchFamily="34" charset="0"/>
-                        </a:rPr>
-                        <a:t>kHz, </a:t>
-                      </a:r>
-                      <a:r>
-                        <a:rPr lang="en-US" sz="1400" dirty="0">
-                          <a:effectLst/>
-                          <a:latin typeface="Segoe UI" panose="020B0502040204020203" pitchFamily="34" charset="0"/>
-                          <a:cs typeface="Segoe UI" panose="020B0502040204020203" pitchFamily="34" charset="0"/>
-                        </a:rPr>
-                        <a:t>480 </a:t>
-                      </a:r>
-                      <a:r>
-                        <a:rPr lang="en-US" sz="1400" dirty="0" smtClean="0">
-                          <a:effectLst/>
-                          <a:latin typeface="Segoe UI" panose="020B0502040204020203" pitchFamily="34" charset="0"/>
-                          <a:cs typeface="Segoe UI" panose="020B0502040204020203" pitchFamily="34" charset="0"/>
-                        </a:rPr>
-                        <a:t>kHz, </a:t>
-                      </a:r>
-                      <a:r>
-                        <a:rPr lang="en-US" sz="1400" dirty="0">
-                          <a:effectLst/>
-                          <a:latin typeface="Segoe UI" panose="020B0502040204020203" pitchFamily="34" charset="0"/>
-                          <a:cs typeface="Segoe UI" panose="020B0502040204020203" pitchFamily="34" charset="0"/>
-                        </a:rPr>
-                        <a:t>960 kHz</a:t>
+                        <a:t>120 kHz, 480 kHz, 960 kHz</a:t>
                       </a:r>
                       <a:endParaRPr lang="ru-RU" sz="1400" dirty="0">
                         <a:effectLst/>
@@ -10777,7 +10695,7 @@
                         </a:spcAft>
                       </a:pPr>
                       <a:r>
-                        <a:rPr lang="ru-RU" sz="1400" dirty="0" smtClean="0">
+                        <a:rPr lang="ru-RU" sz="1400" dirty="0">
                           <a:effectLst/>
                           <a:latin typeface="Segoe UI" panose="020B0502040204020203" pitchFamily="34" charset="0"/>
                           <a:cs typeface="Segoe UI" panose="020B0502040204020203" pitchFamily="34" charset="0"/>
@@ -10851,7 +10769,7 @@
                         </a:spcAft>
                       </a:pPr>
                       <a:r>
-                        <a:rPr lang="en-US" sz="1400" dirty="0" smtClean="0">
+                        <a:rPr lang="en-US" sz="1400" dirty="0">
                           <a:effectLst/>
                           <a:latin typeface="Segoe UI" panose="020B0502040204020203" pitchFamily="34" charset="0"/>
                           <a:cs typeface="Segoe UI" panose="020B0502040204020203" pitchFamily="34" charset="0"/>
@@ -10859,7 +10777,7 @@
                         <a:t>256,</a:t>
                       </a:r>
                       <a:r>
-                        <a:rPr lang="en-US" sz="1400" baseline="0" dirty="0" smtClean="0">
+                        <a:rPr lang="en-US" sz="1400" baseline="0" dirty="0">
                           <a:effectLst/>
                           <a:latin typeface="Segoe UI" panose="020B0502040204020203" pitchFamily="34" charset="0"/>
                           <a:cs typeface="Segoe UI" panose="020B0502040204020203" pitchFamily="34" charset="0"/>
@@ -10867,20 +10785,12 @@
                         <a:t> </a:t>
                       </a:r>
                       <a:r>
-                        <a:rPr lang="en-US" sz="1400" dirty="0" smtClean="0">
-                          <a:effectLst/>
-                          <a:latin typeface="Segoe UI" panose="020B0502040204020203" pitchFamily="34" charset="0"/>
-                          <a:cs typeface="Segoe UI" panose="020B0502040204020203" pitchFamily="34" charset="0"/>
-                        </a:rPr>
-                        <a:t>64, </a:t>
-                      </a:r>
-                      <a:r>
                         <a:rPr lang="en-US" sz="1400" dirty="0">
                           <a:effectLst/>
                           <a:latin typeface="Segoe UI" panose="020B0502040204020203" pitchFamily="34" charset="0"/>
                           <a:cs typeface="Segoe UI" panose="020B0502040204020203" pitchFamily="34" charset="0"/>
                         </a:rPr>
-                        <a:t>32 RBs</a:t>
+                        <a:t>64, 32 RBs</a:t>
                       </a:r>
                       <a:endParaRPr lang="ru-RU" sz="1400" dirty="0">
                         <a:effectLst/>
@@ -10952,7 +10862,7 @@
                         </a:spcAft>
                       </a:pPr>
                       <a:r>
-                        <a:rPr lang="ru-RU" sz="1400" dirty="0" smtClean="0">
+                        <a:rPr lang="ru-RU" sz="1400" dirty="0">
                           <a:effectLst/>
                           <a:latin typeface="Segoe UI" panose="020B0502040204020203" pitchFamily="34" charset="0"/>
                           <a:cs typeface="Segoe UI" panose="020B0502040204020203" pitchFamily="34" charset="0"/>
@@ -11103,7 +11013,7 @@
                         </a:spcAft>
                       </a:pPr>
                       <a:r>
-                        <a:rPr lang="ru-RU" sz="1400" dirty="0" smtClean="0">
+                        <a:rPr lang="ru-RU" sz="1400" dirty="0">
                           <a:effectLst/>
                           <a:latin typeface="Segoe UI" panose="020B0502040204020203" pitchFamily="34" charset="0"/>
                           <a:cs typeface="Segoe UI" panose="020B0502040204020203" pitchFamily="34" charset="0"/>
@@ -11177,20 +11087,12 @@
                         </a:spcAft>
                       </a:pPr>
                       <a:r>
-                        <a:rPr lang="en-US" sz="1400" dirty="0" smtClean="0">
-                          <a:effectLst/>
-                          <a:latin typeface="Segoe UI" panose="020B0502040204020203" pitchFamily="34" charset="0"/>
-                          <a:cs typeface="Segoe UI" panose="020B0502040204020203" pitchFamily="34" charset="0"/>
-                        </a:rPr>
-                        <a:t>1 TX, 2 RX </a:t>
-                      </a:r>
-                      <a:r>
                         <a:rPr lang="en-US" sz="1400" dirty="0">
                           <a:effectLst/>
                           <a:latin typeface="Segoe UI" panose="020B0502040204020203" pitchFamily="34" charset="0"/>
                           <a:cs typeface="Segoe UI" panose="020B0502040204020203" pitchFamily="34" charset="0"/>
                         </a:rPr>
-                        <a:t>MRC</a:t>
+                        <a:t>1 TX, 2 RX MRC</a:t>
                       </a:r>
                       <a:endParaRPr lang="ru-RU" sz="1400" dirty="0">
                         <a:effectLst/>
@@ -11262,7 +11164,7 @@
                         </a:spcAft>
                       </a:pPr>
                       <a:r>
-                        <a:rPr lang="ru-RU" sz="1400" dirty="0" smtClean="0">
+                        <a:rPr lang="ru-RU" sz="1400" dirty="0">
                           <a:effectLst/>
                           <a:latin typeface="Segoe UI" panose="020B0502040204020203" pitchFamily="34" charset="0"/>
                           <a:cs typeface="Segoe UI" panose="020B0502040204020203" pitchFamily="34" charset="0"/>
@@ -11423,13 +11325,6 @@
   <p:clrMapOvr>
     <a:masterClrMapping/>
   </p:clrMapOvr>
-  <p:timing>
-    <p:tnLst>
-      <p:par>
-        <p:cTn id="1" dur="indefinite" restart="never" nodeType="tmRoot"/>
-      </p:par>
-    </p:tnLst>
-  </p:timing>
 </p:sld>
 </file>
 
@@ -11450,6 +11345,41 @@
           <a:chExt cx="0" cy="0"/>
         </a:xfrm>
       </p:grpSpPr>
+      <p:pic>
+        <p:nvPicPr>
+          <p:cNvPr id="9" name="Рисунок 8">
+            <a:extLst>
+              <a:ext uri="{FF2B5EF4-FFF2-40B4-BE49-F238E27FC236}">
+                <a16:creationId xmlns:a16="http://schemas.microsoft.com/office/drawing/2014/main" id="{8D0D5AD3-089B-E599-FC70-7A5B1095D615}"/>
+              </a:ext>
+            </a:extLst>
+          </p:cNvPr>
+          <p:cNvPicPr>
+            <a:picLocks noChangeAspect="1"/>
+          </p:cNvPicPr>
+          <p:nvPr/>
+        </p:nvPicPr>
+        <p:blipFill rotWithShape="1">
+          <a:blip r:embed="rId2">
+            <a:extLst>
+              <a:ext uri="{28A0092B-C50C-407E-A947-70E740481C1C}">
+                <a14:useLocalDpi xmlns:a14="http://schemas.microsoft.com/office/drawing/2010/main" val="0"/>
+              </a:ext>
+            </a:extLst>
+          </a:blip>
+          <a:srcRect r="4482"/>
+          <a:stretch/>
+        </p:blipFill>
+        <p:spPr>
+          <a:xfrm>
+            <a:off x="2315209" y="1540945"/>
+            <a:ext cx="5999736" cy="4709161"/>
+          </a:xfrm>
+          <a:prstGeom prst="rect">
+            <a:avLst/>
+          </a:prstGeom>
+        </p:spPr>
+      </p:pic>
       <p:sp>
         <p:nvSpPr>
           <p:cNvPr id="2" name="Заголовок 1">
@@ -11504,52 +11434,23 @@
         </p:nvSpPr>
         <p:spPr/>
         <p:txBody>
-          <a:bodyPr/>
+          <a:bodyPr>
+            <a:normAutofit/>
+          </a:bodyPr>
           <a:lstStyle/>
           <a:p>
             <a:fld id="{12AFF886-F040-4FA5-8BD0-0A595B4BDA00}" type="slidenum">
-              <a:rPr lang="ru-RU" smtClean="0"/>
+              <a:rPr lang="ru-RU" sz="1600" smtClean="0"/>
               <a:t>17</a:t>
             </a:fld>
-            <a:endParaRPr lang="ru-RU"/>
+            <a:r>
+              <a:rPr lang="en-US" sz="1600" dirty="0"/>
+              <a:t> /22</a:t>
+            </a:r>
+            <a:endParaRPr lang="ru-RU" sz="1600" dirty="0"/>
           </a:p>
         </p:txBody>
       </p:sp>
-      <p:pic>
-        <p:nvPicPr>
-          <p:cNvPr id="12" name="Рисунок 11">
-            <a:extLst>
-              <a:ext uri="{FF2B5EF4-FFF2-40B4-BE49-F238E27FC236}">
-                <a16:creationId xmlns:a16="http://schemas.microsoft.com/office/drawing/2014/main" id="{2DC8B690-A37A-7ED4-EE73-BA34D3907521}"/>
-              </a:ext>
-            </a:extLst>
-          </p:cNvPr>
-          <p:cNvPicPr>
-            <a:picLocks noChangeAspect="1"/>
-          </p:cNvPicPr>
-          <p:nvPr/>
-        </p:nvPicPr>
-        <p:blipFill rotWithShape="1">
-          <a:blip r:embed="rId2">
-            <a:extLst>
-              <a:ext uri="{28A0092B-C50C-407E-A947-70E740481C1C}">
-                <a14:useLocalDpi xmlns:a14="http://schemas.microsoft.com/office/drawing/2010/main" val="0"/>
-              </a:ext>
-            </a:extLst>
-          </a:blip>
-          <a:srcRect r="5000"/>
-          <a:stretch/>
-        </p:blipFill>
-        <p:spPr>
-          <a:xfrm>
-            <a:off x="2754120" y="1848827"/>
-            <a:ext cx="5618356" cy="4433863"/>
-          </a:xfrm>
-          <a:prstGeom prst="rect">
-            <a:avLst/>
-          </a:prstGeom>
-        </p:spPr>
-      </p:pic>
       <p:sp>
         <p:nvSpPr>
           <p:cNvPr id="13" name="Объект 2">
@@ -11847,7 +11748,21 @@
                 <a:latin typeface="Segoe UI" panose="020B0502040204020203" pitchFamily="34" charset="0"/>
                 <a:cs typeface="Segoe UI" panose="020B0502040204020203" pitchFamily="34" charset="0"/>
               </a:rPr>
-              <a:t>SCS 120 </a:t>
+              <a:t>SCS </a:t>
+            </a:r>
+            <a:r>
+              <a:rPr lang="ru-RU" sz="2400" dirty="0">
+                <a:latin typeface="Segoe UI" panose="020B0502040204020203" pitchFamily="34" charset="0"/>
+                <a:cs typeface="Segoe UI" panose="020B0502040204020203" pitchFamily="34" charset="0"/>
+              </a:rPr>
+              <a:t>96</a:t>
+            </a:r>
+            <a:r>
+              <a:rPr lang="en-US" sz="2400" dirty="0">
+                <a:latin typeface="Segoe UI" panose="020B0502040204020203" pitchFamily="34" charset="0"/>
+                <a:cs typeface="Segoe UI" panose="020B0502040204020203" pitchFamily="34" charset="0"/>
+              </a:rPr>
+              <a:t>0 </a:t>
             </a:r>
             <a:r>
               <a:rPr lang="ru-RU" sz="2400" dirty="0">
@@ -12240,13 +12155,6 @@
   <p:clrMapOvr>
     <a:masterClrMapping/>
   </p:clrMapOvr>
-  <p:timing>
-    <p:tnLst>
-      <p:par>
-        <p:cTn id="1" dur="indefinite" restart="never" nodeType="tmRoot"/>
-      </p:par>
-    </p:tnLst>
-  </p:timing>
 </p:sld>
 </file>
 
@@ -12267,6 +12175,42 @@
           <a:chExt cx="0" cy="0"/>
         </a:xfrm>
       </p:grpSpPr>
+      <p:pic>
+        <p:nvPicPr>
+          <p:cNvPr id="7" name="Рисунок 6">
+            <a:extLst>
+              <a:ext uri="{FF2B5EF4-FFF2-40B4-BE49-F238E27FC236}">
+                <a16:creationId xmlns:a16="http://schemas.microsoft.com/office/drawing/2014/main" id="{C0A87DBA-F9F1-23CE-113F-1B40F8E17ABC}"/>
+              </a:ext>
+            </a:extLst>
+          </p:cNvPr>
+          <p:cNvPicPr>
+            <a:picLocks noChangeAspect="1"/>
+          </p:cNvPicPr>
+          <p:nvPr/>
+        </p:nvPicPr>
+        <p:blipFill>
+          <a:blip r:embed="rId2">
+            <a:extLst>
+              <a:ext uri="{28A0092B-C50C-407E-A947-70E740481C1C}">
+                <a14:useLocalDpi xmlns:a14="http://schemas.microsoft.com/office/drawing/2010/main" val="0"/>
+              </a:ext>
+            </a:extLst>
+          </a:blip>
+          <a:stretch>
+            <a:fillRect/>
+          </a:stretch>
+        </p:blipFill>
+        <p:spPr>
+          <a:xfrm>
+            <a:off x="2658555" y="1781240"/>
+            <a:ext cx="5681154" cy="4259242"/>
+          </a:xfrm>
+          <a:prstGeom prst="rect">
+            <a:avLst/>
+          </a:prstGeom>
+        </p:spPr>
+      </p:pic>
       <p:sp>
         <p:nvSpPr>
           <p:cNvPr id="2" name="Заголовок 1">
@@ -12321,52 +12265,23 @@
         </p:nvSpPr>
         <p:spPr/>
         <p:txBody>
-          <a:bodyPr/>
+          <a:bodyPr>
+            <a:normAutofit/>
+          </a:bodyPr>
           <a:lstStyle/>
           <a:p>
             <a:fld id="{12AFF886-F040-4FA5-8BD0-0A595B4BDA00}" type="slidenum">
-              <a:rPr lang="ru-RU" smtClean="0"/>
+              <a:rPr lang="ru-RU" sz="1600" smtClean="0"/>
               <a:t>18</a:t>
             </a:fld>
-            <a:endParaRPr lang="ru-RU"/>
+            <a:r>
+              <a:rPr lang="en-US" sz="1600" dirty="0"/>
+              <a:t> /22</a:t>
+            </a:r>
+            <a:endParaRPr lang="ru-RU" sz="1600" dirty="0"/>
           </a:p>
         </p:txBody>
       </p:sp>
-      <p:pic>
-        <p:nvPicPr>
-          <p:cNvPr id="5" name="Рисунок 4">
-            <a:extLst>
-              <a:ext uri="{FF2B5EF4-FFF2-40B4-BE49-F238E27FC236}">
-                <a16:creationId xmlns:a16="http://schemas.microsoft.com/office/drawing/2014/main" id="{40B83660-10C8-5B06-D3B9-AEBDC7317CE6}"/>
-              </a:ext>
-            </a:extLst>
-          </p:cNvPr>
-          <p:cNvPicPr>
-            <a:picLocks noChangeAspect="1"/>
-          </p:cNvPicPr>
-          <p:nvPr/>
-        </p:nvPicPr>
-        <p:blipFill rotWithShape="1">
-          <a:blip r:embed="rId2">
-            <a:extLst>
-              <a:ext uri="{28A0092B-C50C-407E-A947-70E740481C1C}">
-                <a14:useLocalDpi xmlns:a14="http://schemas.microsoft.com/office/drawing/2010/main" val="0"/>
-              </a:ext>
-            </a:extLst>
-          </a:blip>
-          <a:srcRect r="5787"/>
-          <a:stretch/>
-        </p:blipFill>
-        <p:spPr>
-          <a:xfrm>
-            <a:off x="2698594" y="1677133"/>
-            <a:ext cx="5673881" cy="4515095"/>
-          </a:xfrm>
-          <a:prstGeom prst="rect">
-            <a:avLst/>
-          </a:prstGeom>
-        </p:spPr>
-      </p:pic>
       <p:sp>
         <p:nvSpPr>
           <p:cNvPr id="9" name="Объект 2">
@@ -12664,7 +12579,21 @@
                 <a:latin typeface="Segoe UI" panose="020B0502040204020203" pitchFamily="34" charset="0"/>
                 <a:cs typeface="Segoe UI" panose="020B0502040204020203" pitchFamily="34" charset="0"/>
               </a:rPr>
-              <a:t>SCS 120 </a:t>
+              <a:t>SCS </a:t>
+            </a:r>
+            <a:r>
+              <a:rPr lang="ru-RU" sz="2400" dirty="0">
+                <a:latin typeface="Segoe UI" panose="020B0502040204020203" pitchFamily="34" charset="0"/>
+                <a:cs typeface="Segoe UI" panose="020B0502040204020203" pitchFamily="34" charset="0"/>
+              </a:rPr>
+              <a:t>96</a:t>
+            </a:r>
+            <a:r>
+              <a:rPr lang="en-US" sz="2400" dirty="0">
+                <a:latin typeface="Segoe UI" panose="020B0502040204020203" pitchFamily="34" charset="0"/>
+                <a:cs typeface="Segoe UI" panose="020B0502040204020203" pitchFamily="34" charset="0"/>
+              </a:rPr>
+              <a:t>0 </a:t>
             </a:r>
             <a:r>
               <a:rPr lang="ru-RU" sz="2400" dirty="0">
@@ -13102,13 +13031,6 @@
   <p:clrMapOvr>
     <a:masterClrMapping/>
   </p:clrMapOvr>
-  <p:timing>
-    <p:tnLst>
-      <p:par>
-        <p:cTn id="1" dur="indefinite" restart="never" nodeType="tmRoot"/>
-      </p:par>
-    </p:tnLst>
-  </p:timing>
 </p:sld>
 </file>
 
@@ -13129,6 +13051,42 @@
           <a:chExt cx="0" cy="0"/>
         </a:xfrm>
       </p:grpSpPr>
+      <p:pic>
+        <p:nvPicPr>
+          <p:cNvPr id="7" name="Рисунок 6">
+            <a:extLst>
+              <a:ext uri="{FF2B5EF4-FFF2-40B4-BE49-F238E27FC236}">
+                <a16:creationId xmlns:a16="http://schemas.microsoft.com/office/drawing/2014/main" id="{7420F0DF-23BB-F9B4-92F6-427304D90BD5}"/>
+              </a:ext>
+            </a:extLst>
+          </p:cNvPr>
+          <p:cNvPicPr>
+            <a:picLocks noChangeAspect="1"/>
+          </p:cNvPicPr>
+          <p:nvPr/>
+        </p:nvPicPr>
+        <p:blipFill>
+          <a:blip r:embed="rId2">
+            <a:extLst>
+              <a:ext uri="{28A0092B-C50C-407E-A947-70E740481C1C}">
+                <a14:useLocalDpi xmlns:a14="http://schemas.microsoft.com/office/drawing/2010/main" val="0"/>
+              </a:ext>
+            </a:extLst>
+          </a:blip>
+          <a:stretch>
+            <a:fillRect/>
+          </a:stretch>
+        </p:blipFill>
+        <p:spPr>
+          <a:xfrm>
+            <a:off x="2275343" y="1664208"/>
+            <a:ext cx="6082166" cy="4559886"/>
+          </a:xfrm>
+          <a:prstGeom prst="rect">
+            <a:avLst/>
+          </a:prstGeom>
+        </p:spPr>
+      </p:pic>
       <p:sp>
         <p:nvSpPr>
           <p:cNvPr id="2" name="Заголовок 1">
@@ -13183,14 +13141,20 @@
         </p:nvSpPr>
         <p:spPr/>
         <p:txBody>
-          <a:bodyPr/>
+          <a:bodyPr>
+            <a:normAutofit/>
+          </a:bodyPr>
           <a:lstStyle/>
           <a:p>
             <a:fld id="{12AFF886-F040-4FA5-8BD0-0A595B4BDA00}" type="slidenum">
-              <a:rPr lang="ru-RU" smtClean="0"/>
+              <a:rPr lang="ru-RU" sz="1600" smtClean="0"/>
               <a:t>19</a:t>
             </a:fld>
-            <a:endParaRPr lang="ru-RU"/>
+            <a:r>
+              <a:rPr lang="en-US" sz="1600" dirty="0"/>
+              <a:t> /22</a:t>
+            </a:r>
+            <a:endParaRPr lang="ru-RU" sz="1600" dirty="0"/>
           </a:p>
         </p:txBody>
       </p:sp>
@@ -13519,7 +13483,21 @@
                 <a:latin typeface="Segoe UI" panose="020B0502040204020203" pitchFamily="34" charset="0"/>
                 <a:cs typeface="Segoe UI" panose="020B0502040204020203" pitchFamily="34" charset="0"/>
               </a:rPr>
-              <a:t>SCS 120 </a:t>
+              <a:t>SCS </a:t>
+            </a:r>
+            <a:r>
+              <a:rPr lang="ru-RU" sz="2400" dirty="0">
+                <a:latin typeface="Segoe UI" panose="020B0502040204020203" pitchFamily="34" charset="0"/>
+                <a:cs typeface="Segoe UI" panose="020B0502040204020203" pitchFamily="34" charset="0"/>
+              </a:rPr>
+              <a:t>48</a:t>
+            </a:r>
+            <a:r>
+              <a:rPr lang="en-US" sz="2400" dirty="0">
+                <a:latin typeface="Segoe UI" panose="020B0502040204020203" pitchFamily="34" charset="0"/>
+                <a:cs typeface="Segoe UI" panose="020B0502040204020203" pitchFamily="34" charset="0"/>
+              </a:rPr>
+              <a:t>0 </a:t>
             </a:r>
             <a:r>
               <a:rPr lang="ru-RU" sz="2400" dirty="0">
@@ -13531,41 +13509,6 @@
           </a:p>
         </p:txBody>
       </p:sp>
-      <p:pic>
-        <p:nvPicPr>
-          <p:cNvPr id="5" name="Рисунок 4">
-            <a:extLst>
-              <a:ext uri="{FF2B5EF4-FFF2-40B4-BE49-F238E27FC236}">
-                <a16:creationId xmlns:a16="http://schemas.microsoft.com/office/drawing/2014/main" id="{E4843CD5-A468-B8DF-7F80-87BC9E36B4AA}"/>
-              </a:ext>
-            </a:extLst>
-          </p:cNvPr>
-          <p:cNvPicPr>
-            <a:picLocks noChangeAspect="1"/>
-          </p:cNvPicPr>
-          <p:nvPr/>
-        </p:nvPicPr>
-        <p:blipFill rotWithShape="1">
-          <a:blip r:embed="rId2">
-            <a:extLst>
-              <a:ext uri="{28A0092B-C50C-407E-A947-70E740481C1C}">
-                <a14:useLocalDpi xmlns:a14="http://schemas.microsoft.com/office/drawing/2010/main" val="0"/>
-              </a:ext>
-            </a:extLst>
-          </a:blip>
-          <a:srcRect r="3681"/>
-          <a:stretch/>
-        </p:blipFill>
-        <p:spPr>
-          <a:xfrm>
-            <a:off x="2541327" y="1731912"/>
-            <a:ext cx="5840673" cy="4546209"/>
-          </a:xfrm>
-          <a:prstGeom prst="rect">
-            <a:avLst/>
-          </a:prstGeom>
-        </p:spPr>
-      </p:pic>
       <p:sp>
         <p:nvSpPr>
           <p:cNvPr id="6" name="Объект 2">
@@ -13888,13 +13831,6 @@
   <p:clrMapOvr>
     <a:masterClrMapping/>
   </p:clrMapOvr>
-  <p:timing>
-    <p:tnLst>
-      <p:par>
-        <p:cTn id="1" dur="indefinite" restart="never" nodeType="tmRoot"/>
-      </p:par>
-    </p:tnLst>
-  </p:timing>
 </p:sld>
 </file>
 
@@ -13979,7 +13915,7 @@
                 <a:latin typeface="Segoe UI" panose="020B0502040204020203" pitchFamily="34" charset="0"/>
                 <a:cs typeface="Segoe UI" panose="020B0502040204020203" pitchFamily="34" charset="0"/>
               </a:rPr>
-              <a:t>Исследование влияния нелинейности усилителя мощности на различные типы сигнала, используемые в стандарте </a:t>
+              <a:t>Исследование влияния нелинейности усилителя мощности на различные типы сигнала, используемые в стандарте мобильных сотовых сетей связи </a:t>
             </a:r>
             <a:r>
               <a:rPr lang="en-GB" sz="2400" dirty="0">
@@ -13995,21 +13931,7 @@
                 <a:latin typeface="Segoe UI" panose="020B0502040204020203" pitchFamily="34" charset="0"/>
                 <a:cs typeface="Segoe UI" panose="020B0502040204020203" pitchFamily="34" charset="0"/>
               </a:rPr>
-              <a:t>Разработка модели </a:t>
-            </a:r>
-            <a:r>
-              <a:rPr lang="ru-RU" sz="2400" dirty="0" smtClean="0">
-                <a:latin typeface="Segoe UI" panose="020B0502040204020203" pitchFamily="34" charset="0"/>
-                <a:cs typeface="Segoe UI" panose="020B0502040204020203" pitchFamily="34" charset="0"/>
-              </a:rPr>
-              <a:t>усилителя мощности </a:t>
-            </a:r>
-            <a:r>
-              <a:rPr lang="ru-RU" sz="2400" dirty="0">
-                <a:latin typeface="Segoe UI" panose="020B0502040204020203" pitchFamily="34" charset="0"/>
-                <a:cs typeface="Segoe UI" panose="020B0502040204020203" pitchFamily="34" charset="0"/>
-              </a:rPr>
-              <a:t>для миллиметрового диапазона 100-200 ГГц</a:t>
+              <a:t>Разработка модели усилителя мощности для миллиметрового диапазона 100-200 ГГц</a:t>
             </a:r>
           </a:p>
           <a:p>
@@ -14041,14 +13963,20 @@
         </p:nvSpPr>
         <p:spPr/>
         <p:txBody>
-          <a:bodyPr/>
+          <a:bodyPr>
+            <a:normAutofit fontScale="77500" lnSpcReduction="20000"/>
+          </a:bodyPr>
           <a:lstStyle/>
           <a:p>
             <a:fld id="{12AFF886-F040-4FA5-8BD0-0A595B4BDA00}" type="slidenum">
               <a:rPr lang="ru-RU" smtClean="0"/>
               <a:t>2</a:t>
             </a:fld>
-            <a:endParaRPr lang="ru-RU"/>
+            <a:r>
+              <a:rPr lang="en-US" dirty="0"/>
+              <a:t>/22</a:t>
+            </a:r>
+            <a:endParaRPr lang="ru-RU" dirty="0"/>
           </a:p>
         </p:txBody>
       </p:sp>
@@ -14062,13 +13990,6 @@
   <p:clrMapOvr>
     <a:masterClrMapping/>
   </p:clrMapOvr>
-  <p:timing>
-    <p:tnLst>
-      <p:par>
-        <p:cTn id="1" dur="indefinite" restart="never" nodeType="tmRoot"/>
-      </p:par>
-    </p:tnLst>
-  </p:timing>
 </p:sld>
 </file>
 
@@ -14089,6 +14010,42 @@
           <a:chExt cx="0" cy="0"/>
         </a:xfrm>
       </p:grpSpPr>
+      <p:pic>
+        <p:nvPicPr>
+          <p:cNvPr id="7" name="Рисунок 6">
+            <a:extLst>
+              <a:ext uri="{FF2B5EF4-FFF2-40B4-BE49-F238E27FC236}">
+                <a16:creationId xmlns:a16="http://schemas.microsoft.com/office/drawing/2014/main" id="{1EC37E94-A96A-8783-5E57-EEFDA4C90D51}"/>
+              </a:ext>
+            </a:extLst>
+          </p:cNvPr>
+          <p:cNvPicPr>
+            <a:picLocks noChangeAspect="1"/>
+          </p:cNvPicPr>
+          <p:nvPr/>
+        </p:nvPicPr>
+        <p:blipFill>
+          <a:blip r:embed="rId2">
+            <a:extLst>
+              <a:ext uri="{28A0092B-C50C-407E-A947-70E740481C1C}">
+                <a14:useLocalDpi xmlns:a14="http://schemas.microsoft.com/office/drawing/2010/main" val="0"/>
+              </a:ext>
+            </a:extLst>
+          </a:blip>
+          <a:stretch>
+            <a:fillRect/>
+          </a:stretch>
+        </p:blipFill>
+        <p:spPr>
+          <a:xfrm>
+            <a:off x="2231136" y="1723635"/>
+            <a:ext cx="6103725" cy="4576049"/>
+          </a:xfrm>
+          <a:prstGeom prst="rect">
+            <a:avLst/>
+          </a:prstGeom>
+        </p:spPr>
+      </p:pic>
       <p:sp>
         <p:nvSpPr>
           <p:cNvPr id="2" name="Заголовок 1">
@@ -14143,14 +14100,20 @@
         </p:nvSpPr>
         <p:spPr/>
         <p:txBody>
-          <a:bodyPr/>
+          <a:bodyPr>
+            <a:normAutofit/>
+          </a:bodyPr>
           <a:lstStyle/>
           <a:p>
             <a:fld id="{12AFF886-F040-4FA5-8BD0-0A595B4BDA00}" type="slidenum">
-              <a:rPr lang="ru-RU" smtClean="0"/>
+              <a:rPr lang="ru-RU" sz="1600" smtClean="0"/>
               <a:t>20</a:t>
             </a:fld>
-            <a:endParaRPr lang="ru-RU"/>
+            <a:r>
+              <a:rPr lang="en-US" sz="1600" dirty="0"/>
+              <a:t> /22</a:t>
+            </a:r>
+            <a:endParaRPr lang="ru-RU" sz="1600" dirty="0"/>
           </a:p>
         </p:txBody>
       </p:sp>
@@ -14479,7 +14442,21 @@
                 <a:latin typeface="Segoe UI" panose="020B0502040204020203" pitchFamily="34" charset="0"/>
                 <a:cs typeface="Segoe UI" panose="020B0502040204020203" pitchFamily="34" charset="0"/>
               </a:rPr>
-              <a:t>SCS 120 </a:t>
+              <a:t>SCS </a:t>
+            </a:r>
+            <a:r>
+              <a:rPr lang="ru-RU" sz="2400" dirty="0">
+                <a:latin typeface="Segoe UI" panose="020B0502040204020203" pitchFamily="34" charset="0"/>
+                <a:cs typeface="Segoe UI" panose="020B0502040204020203" pitchFamily="34" charset="0"/>
+              </a:rPr>
+              <a:t>48</a:t>
+            </a:r>
+            <a:r>
+              <a:rPr lang="en-US" sz="2400" dirty="0">
+                <a:latin typeface="Segoe UI" panose="020B0502040204020203" pitchFamily="34" charset="0"/>
+                <a:cs typeface="Segoe UI" panose="020B0502040204020203" pitchFamily="34" charset="0"/>
+              </a:rPr>
+              <a:t>0 </a:t>
             </a:r>
             <a:r>
               <a:rPr lang="ru-RU" sz="2400" dirty="0">
@@ -14491,41 +14468,6 @@
           </a:p>
         </p:txBody>
       </p:sp>
-      <p:pic>
-        <p:nvPicPr>
-          <p:cNvPr id="5" name="Рисунок 4">
-            <a:extLst>
-              <a:ext uri="{FF2B5EF4-FFF2-40B4-BE49-F238E27FC236}">
-                <a16:creationId xmlns:a16="http://schemas.microsoft.com/office/drawing/2014/main" id="{1340A1AB-CCFB-0BEE-4350-73BCAC426DF8}"/>
-              </a:ext>
-            </a:extLst>
-          </p:cNvPr>
-          <p:cNvPicPr>
-            <a:picLocks noChangeAspect="1"/>
-          </p:cNvPicPr>
-          <p:nvPr/>
-        </p:nvPicPr>
-        <p:blipFill rotWithShape="1">
-          <a:blip r:embed="rId2">
-            <a:extLst>
-              <a:ext uri="{28A0092B-C50C-407E-A947-70E740481C1C}">
-                <a14:useLocalDpi xmlns:a14="http://schemas.microsoft.com/office/drawing/2010/main" val="0"/>
-              </a:ext>
-            </a:extLst>
-          </a:blip>
-          <a:srcRect r="7443"/>
-          <a:stretch/>
-        </p:blipFill>
-        <p:spPr>
-          <a:xfrm>
-            <a:off x="2455726" y="1731638"/>
-            <a:ext cx="5764350" cy="4669162"/>
-          </a:xfrm>
-          <a:prstGeom prst="rect">
-            <a:avLst/>
-          </a:prstGeom>
-        </p:spPr>
-      </p:pic>
       <p:sp>
         <p:nvSpPr>
           <p:cNvPr id="6" name="Объект 2">
@@ -14889,13 +14831,6 @@
   <p:clrMapOvr>
     <a:masterClrMapping/>
   </p:clrMapOvr>
-  <p:timing>
-    <p:tnLst>
-      <p:par>
-        <p:cTn id="1" dur="indefinite" restart="never" nodeType="tmRoot"/>
-      </p:par>
-    </p:tnLst>
-  </p:timing>
 </p:sld>
 </file>
 
@@ -14970,14 +14905,20 @@
         </p:nvSpPr>
         <p:spPr/>
         <p:txBody>
-          <a:bodyPr/>
+          <a:bodyPr>
+            <a:normAutofit/>
+          </a:bodyPr>
           <a:lstStyle/>
           <a:p>
             <a:fld id="{12AFF886-F040-4FA5-8BD0-0A595B4BDA00}" type="slidenum">
-              <a:rPr lang="ru-RU" smtClean="0"/>
+              <a:rPr lang="ru-RU" sz="1600" smtClean="0"/>
               <a:t>21</a:t>
             </a:fld>
-            <a:endParaRPr lang="ru-RU"/>
+            <a:r>
+              <a:rPr lang="en-US" sz="1600" dirty="0"/>
+              <a:t> /22</a:t>
+            </a:r>
+            <a:endParaRPr lang="ru-RU" sz="1600" dirty="0"/>
           </a:p>
         </p:txBody>
       </p:sp>
@@ -15014,33 +14955,27 @@
                 <a:latin typeface="Segoe UI" panose="020B0502040204020203" pitchFamily="34" charset="0"/>
                 <a:cs typeface="Segoe UI" panose="020B0502040204020203" pitchFamily="34" charset="0"/>
               </a:rPr>
-              <a:t>Исследовано влияние нелинейности усилителя мощности на сигналы </a:t>
-            </a:r>
-            <a:r>
-              <a:rPr lang="en-US" sz="2000" dirty="0">
-                <a:latin typeface="Segoe UI" panose="020B0502040204020203" pitchFamily="34" charset="0"/>
-                <a:cs typeface="Segoe UI" panose="020B0502040204020203" pitchFamily="34" charset="0"/>
-              </a:rPr>
-              <a:t>CP-OFDM</a:t>
-            </a:r>
+              <a:t>Исследовано влияние нелинейности усилителя мощности на различные сигналы, используемые в стандарте 5го поколения.</a:t>
+            </a:r>
+          </a:p>
+          <a:p>
             <a:r>
               <a:rPr lang="ru-RU" sz="2000" dirty="0">
                 <a:latin typeface="Segoe UI" panose="020B0502040204020203" pitchFamily="34" charset="0"/>
                 <a:cs typeface="Segoe UI" panose="020B0502040204020203" pitchFamily="34" charset="0"/>
               </a:rPr>
-              <a:t>,</a:t>
-            </a:r>
-            <a:r>
-              <a:rPr lang="en-US" sz="2000" dirty="0">
-                <a:latin typeface="Segoe UI" panose="020B0502040204020203" pitchFamily="34" charset="0"/>
-                <a:cs typeface="Segoe UI" panose="020B0502040204020203" pitchFamily="34" charset="0"/>
-              </a:rPr>
-              <a:t> DFT-s-OFDM</a:t>
-            </a:r>
-            <a:endParaRPr lang="en-GB" sz="2000" dirty="0">
-              <a:latin typeface="Segoe UI" panose="020B0502040204020203" pitchFamily="34" charset="0"/>
-              <a:cs typeface="Segoe UI" panose="020B0502040204020203" pitchFamily="34" charset="0"/>
-            </a:endParaRPr>
+              <a:t>Создана модель усилителя мощности для диапазона 100-200 ГГц</a:t>
+            </a:r>
+          </a:p>
+          <a:p>
+            <a:pPr lvl="1"/>
+            <a:r>
+              <a:rPr lang="ru-RU" sz="1800" dirty="0">
+                <a:latin typeface="Segoe UI" panose="020B0502040204020203" pitchFamily="34" charset="0"/>
+                <a:cs typeface="Segoe UI" panose="020B0502040204020203" pitchFamily="34" charset="0"/>
+              </a:rPr>
+              <a:t>Усилитель значительно менее линеен по сравнению с 30-70 ГГц. Искажения значительны, в некоторых случаях информацию сложно восстановить</a:t>
+            </a:r>
           </a:p>
           <a:p>
             <a:r>
@@ -15048,21 +14983,7 @@
                 <a:latin typeface="Segoe UI" panose="020B0502040204020203" pitchFamily="34" charset="0"/>
                 <a:cs typeface="Segoe UI" panose="020B0502040204020203" pitchFamily="34" charset="0"/>
               </a:rPr>
-              <a:t>Подобраны параметры для модели </a:t>
-            </a:r>
-            <a:r>
-              <a:rPr lang="ru-RU" sz="2000" dirty="0" err="1">
-                <a:latin typeface="Segoe UI" panose="020B0502040204020203" pitchFamily="34" charset="0"/>
-                <a:cs typeface="Segoe UI" panose="020B0502040204020203" pitchFamily="34" charset="0"/>
-              </a:rPr>
-              <a:t>Раппа</a:t>
-            </a:r>
-            <a:r>
-              <a:rPr lang="ru-RU" sz="2000" dirty="0">
-                <a:latin typeface="Segoe UI" panose="020B0502040204020203" pitchFamily="34" charset="0"/>
-                <a:cs typeface="Segoe UI" panose="020B0502040204020203" pitchFamily="34" charset="0"/>
-              </a:rPr>
-              <a:t> в диапазоне 100-200 ГГц</a:t>
+              <a:t>Разработан метод компенсации нелинейных искажений усилителя на приемнике, проведены соответствующие исследования в симуляторе канального уровня.</a:t>
             </a:r>
           </a:p>
           <a:p>
@@ -15072,87 +14993,22 @@
                 <a:latin typeface="Segoe UI" panose="020B0502040204020203" pitchFamily="34" charset="0"/>
                 <a:cs typeface="Segoe UI" panose="020B0502040204020203" pitchFamily="34" charset="0"/>
               </a:rPr>
-              <a:t>В данном диапазоне </a:t>
-            </a:r>
-            <a:r>
-              <a:rPr lang="ru-RU" sz="1800" dirty="0" smtClean="0">
-                <a:latin typeface="Segoe UI" panose="020B0502040204020203" pitchFamily="34" charset="0"/>
-                <a:cs typeface="Segoe UI" panose="020B0502040204020203" pitchFamily="34" charset="0"/>
-              </a:rPr>
-              <a:t>усилитель </a:t>
+              <a:t>Компенсация выполняется на приемнике, что критически важно для простых, дешевых устройств, поскольку из-за малой стоимости качество передающих цепей низкое и нелинейные искажения значительны. Необходимая компенсация  производится на приемнике, </a:t>
+            </a:r>
+            <a:r>
+              <a:rPr lang="ru-RU" sz="1800" dirty="0" err="1">
+                <a:latin typeface="Segoe UI" panose="020B0502040204020203" pitchFamily="34" charset="0"/>
+                <a:cs typeface="Segoe UI" panose="020B0502040204020203" pitchFamily="34" charset="0"/>
+              </a:rPr>
+              <a:t>минимизируя</a:t>
             </a:r>
             <a:r>
               <a:rPr lang="ru-RU" sz="1800" dirty="0">
                 <a:latin typeface="Segoe UI" panose="020B0502040204020203" pitchFamily="34" charset="0"/>
                 <a:cs typeface="Segoe UI" panose="020B0502040204020203" pitchFamily="34" charset="0"/>
               </a:rPr>
-              <a:t>значительно хуже по сравнению с диапазоном 30-70 ГГц. Искажения более значительны, в некоторых случаях информацию практически невозможно восстановить</a:t>
-            </a:r>
-          </a:p>
-          <a:p>
-            <a:r>
-              <a:rPr lang="ru-RU" sz="2000" dirty="0">
-                <a:latin typeface="Segoe UI" panose="020B0502040204020203" pitchFamily="34" charset="0"/>
-                <a:cs typeface="Segoe UI" panose="020B0502040204020203" pitchFamily="34" charset="0"/>
-              </a:rPr>
-              <a:t>Разработан и реализован в </a:t>
-            </a:r>
-            <a:r>
-              <a:rPr lang="ru-RU" sz="2000" dirty="0" smtClean="0">
-                <a:latin typeface="Segoe UI" panose="020B0502040204020203" pitchFamily="34" charset="0"/>
-                <a:cs typeface="Segoe UI" panose="020B0502040204020203" pitchFamily="34" charset="0"/>
-              </a:rPr>
-              <a:t>симуляторе канального уровня</a:t>
-            </a:r>
-            <a:r>
-              <a:rPr lang="en-US" sz="2000" dirty="0" smtClean="0">
-                <a:latin typeface="Segoe UI" panose="020B0502040204020203" pitchFamily="34" charset="0"/>
-                <a:cs typeface="Segoe UI" panose="020B0502040204020203" pitchFamily="34" charset="0"/>
-              </a:rPr>
-              <a:t> </a:t>
-            </a:r>
-            <a:r>
-              <a:rPr lang="ru-RU" sz="2000" dirty="0">
-                <a:latin typeface="Segoe UI" panose="020B0502040204020203" pitchFamily="34" charset="0"/>
-                <a:cs typeface="Segoe UI" panose="020B0502040204020203" pitchFamily="34" charset="0"/>
-              </a:rPr>
-              <a:t>метод компенсации нелинейных искажений усилителя на приемнике</a:t>
-            </a:r>
-          </a:p>
-          <a:p>
-            <a:pPr lvl="1"/>
-            <a:r>
-              <a:rPr lang="ru-RU" sz="1800" dirty="0">
-                <a:latin typeface="Segoe UI" panose="020B0502040204020203" pitchFamily="34" charset="0"/>
-                <a:cs typeface="Segoe UI" panose="020B0502040204020203" pitchFamily="34" charset="0"/>
-              </a:rPr>
-              <a:t>Компенсация выполняется на приемнике, </a:t>
-            </a:r>
-            <a:r>
-              <a:rPr lang="ru-RU" sz="1800" dirty="0" smtClean="0">
-                <a:latin typeface="Segoe UI" panose="020B0502040204020203" pitchFamily="34" charset="0"/>
-                <a:cs typeface="Segoe UI" panose="020B0502040204020203" pitchFamily="34" charset="0"/>
-              </a:rPr>
-              <a:t>что критически важно для простых, дешевых устройств, поскольку из-за малой стоимости качество передающих цепей низкое и нелинейные искажения значительны. Необходимая компенсация  производится на приемнике, </a:t>
-            </a:r>
-            <a:r>
-              <a:rPr lang="ru-RU" sz="1800" dirty="0" err="1" smtClean="0">
-                <a:latin typeface="Segoe UI" panose="020B0502040204020203" pitchFamily="34" charset="0"/>
-                <a:cs typeface="Segoe UI" panose="020B0502040204020203" pitchFamily="34" charset="0"/>
-              </a:rPr>
-              <a:t>минимизируя</a:t>
-            </a:r>
-            <a:r>
-              <a:rPr lang="ru-RU" sz="1800" dirty="0" smtClean="0">
-                <a:latin typeface="Segoe UI" panose="020B0502040204020203" pitchFamily="34" charset="0"/>
-                <a:cs typeface="Segoe UI" panose="020B0502040204020203" pitchFamily="34" charset="0"/>
-              </a:rPr>
               <a:t> сигнальную обработку на передатчике.</a:t>
             </a:r>
-            <a:endParaRPr lang="ru-RU" sz="1800" dirty="0">
-              <a:latin typeface="Segoe UI" panose="020B0502040204020203" pitchFamily="34" charset="0"/>
-              <a:cs typeface="Segoe UI" panose="020B0502040204020203" pitchFamily="34" charset="0"/>
-            </a:endParaRPr>
           </a:p>
           <a:p>
             <a:pPr lvl="1"/>
@@ -15176,13 +15032,6 @@
   <p:clrMapOvr>
     <a:masterClrMapping/>
   </p:clrMapOvr>
-  <p:timing>
-    <p:tnLst>
-      <p:par>
-        <p:cTn id="1" dur="indefinite" restart="never" nodeType="tmRoot"/>
-      </p:par>
-    </p:tnLst>
-  </p:timing>
 </p:sld>
 </file>
 
@@ -15260,14 +15109,20 @@
         </p:nvSpPr>
         <p:spPr/>
         <p:txBody>
-          <a:bodyPr/>
+          <a:bodyPr>
+            <a:normAutofit/>
+          </a:bodyPr>
           <a:lstStyle/>
           <a:p>
             <a:fld id="{12AFF886-F040-4FA5-8BD0-0A595B4BDA00}" type="slidenum">
-              <a:rPr lang="ru-RU" smtClean="0"/>
+              <a:rPr lang="ru-RU" sz="1600" smtClean="0"/>
               <a:t>22</a:t>
             </a:fld>
-            <a:endParaRPr lang="ru-RU"/>
+            <a:r>
+              <a:rPr lang="en-US" sz="1600" dirty="0"/>
+              <a:t> /22</a:t>
+            </a:r>
+            <a:endParaRPr lang="ru-RU" sz="1600" dirty="0"/>
           </a:p>
         </p:txBody>
       </p:sp>
@@ -15281,13 +15136,6 @@
   <p:clrMapOvr>
     <a:masterClrMapping/>
   </p:clrMapOvr>
-  <p:timing>
-    <p:tnLst>
-      <p:par>
-        <p:cTn id="1" dur="indefinite" restart="never" nodeType="tmRoot"/>
-      </p:par>
-    </p:tnLst>
-  </p:timing>
 </p:sld>
 </file>
 
@@ -15347,13 +15195,6 @@
   <p:clrMapOvr>
     <a:masterClrMapping/>
   </p:clrMapOvr>
-  <p:timing>
-    <p:tnLst>
-      <p:par>
-        <p:cTn id="1" dur="indefinite" restart="never" nodeType="tmRoot"/>
-      </p:par>
-    </p:tnLst>
-  </p:timing>
 </p:sld>
 </file>
 
@@ -15795,16 +15636,12 @@
               <a:buNone/>
             </a:pPr>
             <a:r>
-              <a:rPr lang="ru-RU" dirty="0" smtClean="0">
+              <a:rPr lang="ru-RU" dirty="0">
                 <a:latin typeface="Segoe UI" panose="020B0502040204020203" pitchFamily="34" charset="0"/>
                 <a:cs typeface="Segoe UI" panose="020B0502040204020203" pitchFamily="34" charset="0"/>
               </a:rPr>
               <a:t>Чтобы минимизировать искажения, рабочую точку усилителя сдвигают ближе к линейному участку – делается отступ по средней мощности</a:t>
             </a:r>
-            <a:endParaRPr lang="ru-RU" dirty="0">
-              <a:latin typeface="Segoe UI" panose="020B0502040204020203" pitchFamily="34" charset="0"/>
-              <a:cs typeface="Segoe UI" panose="020B0502040204020203" pitchFamily="34" charset="0"/>
-            </a:endParaRPr>
           </a:p>
         </p:txBody>
       </p:sp>
@@ -16403,7 +16240,7 @@
               <a:buNone/>
             </a:pPr>
             <a:r>
-              <a:rPr lang="en-US" sz="4800" b="1" dirty="0" smtClean="0">
+              <a:rPr lang="en-US" sz="4800" b="1" dirty="0">
                 <a:solidFill>
                   <a:srgbClr val="FF0000"/>
                 </a:solidFill>
@@ -16432,13 +16269,6 @@
   <p:clrMapOvr>
     <a:masterClrMapping/>
   </p:clrMapOvr>
-  <p:timing>
-    <p:tnLst>
-      <p:par>
-        <p:cTn id="1" dur="indefinite" restart="never" nodeType="tmRoot"/>
-      </p:par>
-    </p:tnLst>
-  </p:timing>
 </p:sld>
 </file>
 
@@ -16586,8 +16416,8 @@
           </a:prstGeom>
         </p:spPr>
       </p:pic>
-      <mc:AlternateContent xmlns:mc="http://schemas.openxmlformats.org/markup-compatibility/2006">
-        <mc:Choice xmlns:a14="http://schemas.microsoft.com/office/drawing/2010/main" Requires="a14">
+      <mc:AlternateContent xmlns:mc="http://schemas.openxmlformats.org/markup-compatibility/2006" xmlns:a14="http://schemas.microsoft.com/office/drawing/2010/main">
+        <mc:Choice Requires="a14">
           <p:sp>
             <p:nvSpPr>
               <p:cNvPr id="6" name="Объект 2">
@@ -16906,14 +16736,14 @@
                   </m:oMath>
                 </a14:m>
                 <a:r>
-                  <a:rPr lang="en-US" dirty="0" smtClean="0">
+                  <a:rPr lang="en-US" dirty="0">
                     <a:latin typeface="Segoe UI" panose="020B0502040204020203" pitchFamily="34" charset="0"/>
                     <a:cs typeface="Segoe UI" panose="020B0502040204020203" pitchFamily="34" charset="0"/>
                   </a:rPr>
                   <a:t> </a:t>
                 </a:r>
                 <a:r>
-                  <a:rPr lang="ru-RU" dirty="0" smtClean="0">
+                  <a:rPr lang="ru-RU" dirty="0">
                     <a:latin typeface="Segoe UI" panose="020B0502040204020203" pitchFamily="34" charset="0"/>
                     <a:cs typeface="Segoe UI" panose="020B0502040204020203" pitchFamily="34" charset="0"/>
                   </a:rPr>
@@ -16978,33 +16808,8 @@
                     <a:latin typeface="Segoe UI" panose="020B0502040204020203" pitchFamily="34" charset="0"/>
                     <a:cs typeface="Segoe UI" panose="020B0502040204020203" pitchFamily="34" charset="0"/>
                   </a:rPr>
-                  <a:t>коэффициент нормировки для приведения мощности сигнала к </a:t>
+                  <a:t>коэффициент нормировки для приведения мощности сигнала к входной мощности до усилителя</a:t>
                 </a:r>
-                <a:r>
-                  <a:rPr lang="ru-RU" dirty="0" smtClean="0">
-                    <a:latin typeface="Segoe UI" panose="020B0502040204020203" pitchFamily="34" charset="0"/>
-                    <a:cs typeface="Segoe UI" panose="020B0502040204020203" pitchFamily="34" charset="0"/>
-                  </a:rPr>
-                  <a:t>входной </a:t>
-                </a:r>
-                <a:r>
-                  <a:rPr lang="ru-RU" dirty="0">
-                    <a:latin typeface="Segoe UI" panose="020B0502040204020203" pitchFamily="34" charset="0"/>
-                    <a:cs typeface="Segoe UI" panose="020B0502040204020203" pitchFamily="34" charset="0"/>
-                  </a:rPr>
-                  <a:t>мощности </a:t>
-                </a:r>
-                <a:r>
-                  <a:rPr lang="ru-RU" dirty="0" smtClean="0">
-                    <a:latin typeface="Segoe UI" panose="020B0502040204020203" pitchFamily="34" charset="0"/>
-                    <a:cs typeface="Segoe UI" panose="020B0502040204020203" pitchFamily="34" charset="0"/>
-                  </a:rPr>
-                  <a:t>до усилителя</a:t>
-                </a:r>
-                <a:endParaRPr lang="ru-RU" dirty="0">
-                  <a:latin typeface="Segoe UI" panose="020B0502040204020203" pitchFamily="34" charset="0"/>
-                  <a:cs typeface="Segoe UI" panose="020B0502040204020203" pitchFamily="34" charset="0"/>
-                </a:endParaRPr>
               </a:p>
               <a:p>
                 <a:pPr marL="0" indent="0">
@@ -17022,7 +16827,7 @@
             </p:txBody>
           </p:sp>
         </mc:Choice>
-        <mc:Fallback>
+        <mc:Fallback xmlns="">
           <p:sp>
             <p:nvSpPr>
               <p:cNvPr id="6" name="Объект 2">
@@ -17204,16 +17009,12 @@
           </a:lstStyle>
           <a:p>
             <a:r>
-              <a:rPr lang="ru-RU" dirty="0" smtClean="0">
+              <a:rPr lang="ru-RU" dirty="0">
                 <a:latin typeface="Segoe UI Semibold" panose="020B0702040204020203" pitchFamily="34" charset="0"/>
                 <a:cs typeface="Segoe UI Semibold" panose="020B0702040204020203" pitchFamily="34" charset="0"/>
               </a:rPr>
               <a:t>Параметры симуляций</a:t>
             </a:r>
-            <a:endParaRPr lang="ru-RU" dirty="0">
-              <a:latin typeface="Segoe UI Semibold" panose="020B0702040204020203" pitchFamily="34" charset="0"/>
-              <a:cs typeface="Segoe UI Semibold" panose="020B0702040204020203" pitchFamily="34" charset="0"/>
-            </a:endParaRPr>
           </a:p>
         </p:txBody>
       </p:sp>
@@ -18792,14 +18593,20 @@
         </p:nvSpPr>
         <p:spPr/>
         <p:txBody>
-          <a:bodyPr/>
+          <a:bodyPr>
+            <a:normAutofit fontScale="70000" lnSpcReduction="20000"/>
+          </a:bodyPr>
           <a:lstStyle/>
           <a:p>
             <a:fld id="{12AFF886-F040-4FA5-8BD0-0A595B4BDA00}" type="slidenum">
               <a:rPr lang="ru-RU" smtClean="0"/>
               <a:t>3</a:t>
             </a:fld>
-            <a:endParaRPr lang="ru-RU"/>
+            <a:r>
+              <a:rPr lang="en-US" dirty="0"/>
+              <a:t> /22</a:t>
+            </a:r>
+            <a:endParaRPr lang="ru-RU" dirty="0"/>
           </a:p>
         </p:txBody>
       </p:sp>
@@ -19175,25 +18982,18 @@
               <a:t>Поддержка несущих частот до 52.6 ГГц в релизах 15, 16 стандарта </a:t>
             </a:r>
             <a:r>
-              <a:rPr lang="en-GB" dirty="0" smtClean="0">
+              <a:rPr lang="en-GB" dirty="0">
                 <a:latin typeface="Segoe UI" panose="020B0502040204020203" pitchFamily="34" charset="0"/>
                 <a:cs typeface="Segoe UI" panose="020B0502040204020203" pitchFamily="34" charset="0"/>
               </a:rPr>
               <a:t>5G</a:t>
             </a:r>
             <a:r>
-              <a:rPr lang="ru-RU" dirty="0" smtClean="0">
-                <a:latin typeface="Segoe UI" panose="020B0502040204020203" pitchFamily="34" charset="0"/>
-                <a:cs typeface="Segoe UI" panose="020B0502040204020203" pitchFamily="34" charset="0"/>
-              </a:rPr>
-              <a:t>, расширение </a:t>
-            </a:r>
-            <a:r>
               <a:rPr lang="ru-RU" dirty="0">
                 <a:latin typeface="Segoe UI" panose="020B0502040204020203" pitchFamily="34" charset="0"/>
                 <a:cs typeface="Segoe UI" panose="020B0502040204020203" pitchFamily="34" charset="0"/>
               </a:rPr>
-              <a:t>диапазона </a:t>
+              <a:t>, расширение диапазона </a:t>
             </a:r>
             <a:r>
               <a:rPr lang="en-GB" dirty="0">
@@ -19237,39 +19037,11 @@
               </a:spcAft>
             </a:pPr>
             <a:r>
-              <a:rPr lang="ru-RU" dirty="0" smtClean="0">
-                <a:latin typeface="Segoe UI" panose="020B0502040204020203" pitchFamily="34" charset="0"/>
-                <a:cs typeface="Segoe UI" panose="020B0502040204020203" pitchFamily="34" charset="0"/>
-              </a:rPr>
-              <a:t>Не смотря на развитие </a:t>
-            </a:r>
-            <a:r>
-              <a:rPr lang="ru-RU" dirty="0" smtClean="0">
-                <a:latin typeface="Segoe UI" panose="020B0502040204020203" pitchFamily="34" charset="0"/>
-                <a:cs typeface="Segoe UI" panose="020B0502040204020203" pitchFamily="34" charset="0"/>
-              </a:rPr>
-              <a:t>технологий, х</a:t>
-            </a:r>
-            <a:r>
-              <a:rPr lang="ru-RU" dirty="0" smtClean="0">
-                <a:latin typeface="Segoe UI" panose="020B0502040204020203" pitchFamily="34" charset="0"/>
-                <a:cs typeface="Segoe UI" panose="020B0502040204020203" pitchFamily="34" charset="0"/>
-              </a:rPr>
-              <a:t>арактеристики </a:t>
-            </a:r>
-            <a:r>
               <a:rPr lang="ru-RU" dirty="0">
                 <a:latin typeface="Segoe UI" panose="020B0502040204020203" pitchFamily="34" charset="0"/>
                 <a:cs typeface="Segoe UI" panose="020B0502040204020203" pitchFamily="34" charset="0"/>
               </a:rPr>
-              <a:t>усилителей в миллиметровом диапазоне значительно хуже </a:t>
-            </a:r>
-            <a:r>
-              <a:rPr lang="ru-RU" dirty="0" smtClean="0">
-                <a:latin typeface="Segoe UI" panose="020B0502040204020203" pitchFamily="34" charset="0"/>
-                <a:cs typeface="Segoe UI" panose="020B0502040204020203" pitchFamily="34" charset="0"/>
-              </a:rPr>
-              <a:t>более низкочастотных усилителей.</a:t>
+              <a:t>Не смотря на развитие технологий, характеристики усилителей в миллиметровом диапазоне значительно хуже более низкочастотных усилителей.</a:t>
             </a:r>
           </a:p>
           <a:p>
@@ -19285,58 +19057,12 @@
               </a:spcAft>
             </a:pPr>
             <a:r>
-              <a:rPr lang="ru-RU" dirty="0" smtClean="0">
-                <a:latin typeface="Segoe UI" panose="020B0502040204020203" pitchFamily="34" charset="0"/>
-                <a:cs typeface="Segoe UI" panose="020B0502040204020203" pitchFamily="34" charset="0"/>
-              </a:rPr>
-              <a:t>Передающие </a:t>
-            </a:r>
-            <a:r>
               <a:rPr lang="ru-RU" dirty="0">
                 <a:latin typeface="Segoe UI" panose="020B0502040204020203" pitchFamily="34" charset="0"/>
                 <a:cs typeface="Segoe UI" panose="020B0502040204020203" pitchFamily="34" charset="0"/>
               </a:rPr>
-              <a:t>устройства – датчики, сенсоры должны быть </a:t>
-            </a:r>
-            <a:r>
-              <a:rPr lang="ru-RU" dirty="0" smtClean="0">
-                <a:latin typeface="Segoe UI" panose="020B0502040204020203" pitchFamily="34" charset="0"/>
-                <a:cs typeface="Segoe UI" panose="020B0502040204020203" pitchFamily="34" charset="0"/>
-              </a:rPr>
-              <a:t>эффективны</a:t>
-            </a:r>
-            <a:r>
-              <a:rPr lang="ru-RU" dirty="0">
-                <a:latin typeface="Segoe UI" panose="020B0502040204020203" pitchFamily="34" charset="0"/>
-                <a:cs typeface="Segoe UI" panose="020B0502040204020203" pitchFamily="34" charset="0"/>
-              </a:rPr>
-              <a:t>, необходимо уменьшить количество сигнальной обработки на </a:t>
-            </a:r>
-            <a:r>
-              <a:rPr lang="ru-RU" dirty="0" smtClean="0">
-                <a:latin typeface="Segoe UI" panose="020B0502040204020203" pitchFamily="34" charset="0"/>
-                <a:cs typeface="Segoe UI" panose="020B0502040204020203" pitchFamily="34" charset="0"/>
-              </a:rPr>
-              <a:t>передатчиках </a:t>
-            </a:r>
-            <a:r>
-              <a:rPr lang="ru-RU" dirty="0" smtClean="0">
-                <a:latin typeface="Segoe UI" panose="020B0502040204020203" pitchFamily="34" charset="0"/>
-                <a:cs typeface="Segoe UI" panose="020B0502040204020203" pitchFamily="34" charset="0"/>
-              </a:rPr>
-              <a:t>и </a:t>
-            </a:r>
-            <a:r>
-              <a:rPr lang="ru-RU" dirty="0" smtClean="0">
-                <a:latin typeface="Segoe UI" panose="020B0502040204020203" pitchFamily="34" charset="0"/>
-                <a:cs typeface="Segoe UI" panose="020B0502040204020203" pitchFamily="34" charset="0"/>
-              </a:rPr>
-              <a:t>выполнять компенсацию на приемнике</a:t>
-            </a:r>
-            <a:endParaRPr lang="ru-RU" dirty="0">
-              <a:latin typeface="Segoe UI" panose="020B0502040204020203" pitchFamily="34" charset="0"/>
-              <a:cs typeface="Segoe UI" panose="020B0502040204020203" pitchFamily="34" charset="0"/>
-            </a:endParaRPr>
+              <a:t>Передающие устройства – датчики, сенсоры должны быть эффективны, необходимо уменьшить количество сигнальной обработки на передатчиках и выполнять компенсацию на приемнике</a:t>
+            </a:r>
           </a:p>
         </p:txBody>
       </p:sp>
@@ -19397,13 +19123,6 @@
   <p:clrMapOvr>
     <a:masterClrMapping/>
   </p:clrMapOvr>
-  <p:timing>
-    <p:tnLst>
-      <p:par>
-        <p:cTn id="1" dur="indefinite" restart="never" nodeType="tmRoot"/>
-      </p:par>
-    </p:tnLst>
-  </p:timing>
 </p:sld>
 </file>
 
@@ -19909,6 +19628,255 @@
     <p:extLst>
       <p:ext uri="{BB962C8B-B14F-4D97-AF65-F5344CB8AC3E}">
         <p14:creationId xmlns:p14="http://schemas.microsoft.com/office/powerpoint/2010/main" val="777160229"/>
+      </p:ext>
+    </p:extLst>
+  </p:cSld>
+  <p:clrMapOvr>
+    <a:masterClrMapping/>
+  </p:clrMapOvr>
+</p:sld>
+</file>
+
+<file path=ppt/slides/slide31.xml><?xml version="1.0" encoding="utf-8"?>
+<p:sld xmlns:a="http://schemas.openxmlformats.org/drawingml/2006/main" xmlns:r="http://schemas.openxmlformats.org/officeDocument/2006/relationships" xmlns:p="http://schemas.openxmlformats.org/presentationml/2006/main">
+  <p:cSld>
+    <p:spTree>
+      <p:nvGrpSpPr>
+        <p:cNvPr id="1" name=""/>
+        <p:cNvGrpSpPr/>
+        <p:nvPr/>
+      </p:nvGrpSpPr>
+      <p:grpSpPr>
+        <a:xfrm>
+          <a:off x="0" y="0"/>
+          <a:ext cx="0" cy="0"/>
+          <a:chOff x="0" y="0"/>
+          <a:chExt cx="0" cy="0"/>
+        </a:xfrm>
+      </p:grpSpPr>
+      <p:sp>
+        <p:nvSpPr>
+          <p:cNvPr id="2" name="Заголовок 1">
+            <a:extLst>
+              <a:ext uri="{FF2B5EF4-FFF2-40B4-BE49-F238E27FC236}">
+                <a16:creationId xmlns:a16="http://schemas.microsoft.com/office/drawing/2014/main" id="{BF78ED00-E185-6F91-3990-73AC167C6F11}"/>
+              </a:ext>
+            </a:extLst>
+          </p:cNvPr>
+          <p:cNvSpPr>
+            <a:spLocks noGrp="1"/>
+          </p:cNvSpPr>
+          <p:nvPr>
+            <p:ph type="title"/>
+          </p:nvPr>
+        </p:nvSpPr>
+        <p:spPr/>
+        <p:txBody>
+          <a:bodyPr/>
+          <a:lstStyle/>
+          <a:p>
+            <a:endParaRPr lang="ru-RU"/>
+          </a:p>
+        </p:txBody>
+      </p:sp>
+      <p:sp>
+        <p:nvSpPr>
+          <p:cNvPr id="3" name="Объект 2">
+            <a:extLst>
+              <a:ext uri="{FF2B5EF4-FFF2-40B4-BE49-F238E27FC236}">
+                <a16:creationId xmlns:a16="http://schemas.microsoft.com/office/drawing/2014/main" id="{AF99B3C4-70B6-0998-D67E-34F6D0395F4A}"/>
+              </a:ext>
+            </a:extLst>
+          </p:cNvPr>
+          <p:cNvSpPr>
+            <a:spLocks noGrp="1"/>
+          </p:cNvSpPr>
+          <p:nvPr>
+            <p:ph idx="1"/>
+          </p:nvPr>
+        </p:nvSpPr>
+        <p:spPr/>
+        <p:txBody>
+          <a:bodyPr/>
+          <a:lstStyle/>
+          <a:p>
+            <a:endParaRPr lang="ru-RU"/>
+          </a:p>
+        </p:txBody>
+      </p:sp>
+      <p:sp>
+        <p:nvSpPr>
+          <p:cNvPr id="4" name="Номер слайда 3">
+            <a:extLst>
+              <a:ext uri="{FF2B5EF4-FFF2-40B4-BE49-F238E27FC236}">
+                <a16:creationId xmlns:a16="http://schemas.microsoft.com/office/drawing/2014/main" id="{FA346F7D-6C75-5237-4787-CA5E97CF3EB0}"/>
+              </a:ext>
+            </a:extLst>
+          </p:cNvPr>
+          <p:cNvSpPr>
+            <a:spLocks noGrp="1"/>
+          </p:cNvSpPr>
+          <p:nvPr>
+            <p:ph type="sldNum" sz="quarter" idx="12"/>
+          </p:nvPr>
+        </p:nvSpPr>
+        <p:spPr/>
+        <p:txBody>
+          <a:bodyPr/>
+          <a:lstStyle/>
+          <a:p>
+            <a:fld id="{12AFF886-F040-4FA5-8BD0-0A595B4BDA00}" type="slidenum">
+              <a:rPr lang="ru-RU" smtClean="0"/>
+              <a:t>31</a:t>
+            </a:fld>
+            <a:endParaRPr lang="ru-RU"/>
+          </a:p>
+        </p:txBody>
+      </p:sp>
+      <p:pic>
+        <p:nvPicPr>
+          <p:cNvPr id="5" name="Рисунок 4">
+            <a:extLst>
+              <a:ext uri="{FF2B5EF4-FFF2-40B4-BE49-F238E27FC236}">
+                <a16:creationId xmlns:a16="http://schemas.microsoft.com/office/drawing/2014/main" id="{C4A0BAC3-14C6-92D8-DC0B-6C43E94CCC50}"/>
+              </a:ext>
+            </a:extLst>
+          </p:cNvPr>
+          <p:cNvPicPr>
+            <a:picLocks noChangeAspect="1"/>
+          </p:cNvPicPr>
+          <p:nvPr/>
+        </p:nvPicPr>
+        <p:blipFill rotWithShape="1">
+          <a:blip r:embed="rId2">
+            <a:extLst>
+              <a:ext uri="{28A0092B-C50C-407E-A947-70E740481C1C}">
+                <a14:useLocalDpi xmlns:a14="http://schemas.microsoft.com/office/drawing/2010/main" val="0"/>
+              </a:ext>
+            </a:extLst>
+          </a:blip>
+          <a:srcRect r="7443"/>
+          <a:stretch/>
+        </p:blipFill>
+        <p:spPr>
+          <a:xfrm>
+            <a:off x="143413" y="3728407"/>
+            <a:ext cx="3507053" cy="2840736"/>
+          </a:xfrm>
+          <a:prstGeom prst="rect">
+            <a:avLst/>
+          </a:prstGeom>
+        </p:spPr>
+      </p:pic>
+      <p:pic>
+        <p:nvPicPr>
+          <p:cNvPr id="6" name="Рисунок 5">
+            <a:extLst>
+              <a:ext uri="{FF2B5EF4-FFF2-40B4-BE49-F238E27FC236}">
+                <a16:creationId xmlns:a16="http://schemas.microsoft.com/office/drawing/2014/main" id="{A4BE71B1-BF0E-38CA-1945-0076AB868AA0}"/>
+              </a:ext>
+            </a:extLst>
+          </p:cNvPr>
+          <p:cNvPicPr>
+            <a:picLocks noChangeAspect="1"/>
+          </p:cNvPicPr>
+          <p:nvPr/>
+        </p:nvPicPr>
+        <p:blipFill rotWithShape="1">
+          <a:blip r:embed="rId3" cstate="print">
+            <a:extLst>
+              <a:ext uri="{28A0092B-C50C-407E-A947-70E740481C1C}">
+                <a14:useLocalDpi xmlns:a14="http://schemas.microsoft.com/office/drawing/2010/main" val="0"/>
+              </a:ext>
+            </a:extLst>
+          </a:blip>
+          <a:srcRect r="3681"/>
+          <a:stretch/>
+        </p:blipFill>
+        <p:spPr>
+          <a:xfrm>
+            <a:off x="4572000" y="3864417"/>
+            <a:ext cx="2975087" cy="2315721"/>
+          </a:xfrm>
+          <a:prstGeom prst="rect">
+            <a:avLst/>
+          </a:prstGeom>
+        </p:spPr>
+      </p:pic>
+      <p:pic>
+        <p:nvPicPr>
+          <p:cNvPr id="7" name="Рисунок 6">
+            <a:extLst>
+              <a:ext uri="{FF2B5EF4-FFF2-40B4-BE49-F238E27FC236}">
+                <a16:creationId xmlns:a16="http://schemas.microsoft.com/office/drawing/2014/main" id="{FA653F95-772D-1270-D573-40DFCE2FDA3D}"/>
+              </a:ext>
+            </a:extLst>
+          </p:cNvPr>
+          <p:cNvPicPr>
+            <a:picLocks noChangeAspect="1"/>
+          </p:cNvPicPr>
+          <p:nvPr/>
+        </p:nvPicPr>
+        <p:blipFill rotWithShape="1">
+          <a:blip r:embed="rId4" cstate="print">
+            <a:extLst>
+              <a:ext uri="{28A0092B-C50C-407E-A947-70E740481C1C}">
+                <a14:useLocalDpi xmlns:a14="http://schemas.microsoft.com/office/drawing/2010/main" val="0"/>
+              </a:ext>
+            </a:extLst>
+          </a:blip>
+          <a:srcRect r="5787"/>
+          <a:stretch/>
+        </p:blipFill>
+        <p:spPr>
+          <a:xfrm>
+            <a:off x="422418" y="677862"/>
+            <a:ext cx="3139170" cy="2498052"/>
+          </a:xfrm>
+          <a:prstGeom prst="rect">
+            <a:avLst/>
+          </a:prstGeom>
+        </p:spPr>
+      </p:pic>
+      <p:pic>
+        <p:nvPicPr>
+          <p:cNvPr id="8" name="Рисунок 7">
+            <a:extLst>
+              <a:ext uri="{FF2B5EF4-FFF2-40B4-BE49-F238E27FC236}">
+                <a16:creationId xmlns:a16="http://schemas.microsoft.com/office/drawing/2014/main" id="{679E62D6-82EF-F409-A319-80340CFFE7DA}"/>
+              </a:ext>
+            </a:extLst>
+          </p:cNvPr>
+          <p:cNvPicPr>
+            <a:picLocks noChangeAspect="1"/>
+          </p:cNvPicPr>
+          <p:nvPr/>
+        </p:nvPicPr>
+        <p:blipFill rotWithShape="1">
+          <a:blip r:embed="rId5">
+            <a:extLst>
+              <a:ext uri="{28A0092B-C50C-407E-A947-70E740481C1C}">
+                <a14:useLocalDpi xmlns:a14="http://schemas.microsoft.com/office/drawing/2010/main" val="0"/>
+              </a:ext>
+            </a:extLst>
+          </a:blip>
+          <a:srcRect r="5000"/>
+          <a:stretch/>
+        </p:blipFill>
+        <p:spPr>
+          <a:xfrm>
+            <a:off x="3782343" y="336677"/>
+            <a:ext cx="4030062" cy="3180422"/>
+          </a:xfrm>
+          <a:prstGeom prst="rect">
+            <a:avLst/>
+          </a:prstGeom>
+        </p:spPr>
+      </p:pic>
+    </p:spTree>
+    <p:extLst>
+      <p:ext uri="{BB962C8B-B14F-4D97-AF65-F5344CB8AC3E}">
+        <p14:creationId xmlns:p14="http://schemas.microsoft.com/office/powerpoint/2010/main" val="4145662859"/>
       </p:ext>
     </p:extLst>
   </p:cSld>
@@ -20091,14 +20059,20 @@
         </p:nvSpPr>
         <p:spPr/>
         <p:txBody>
-          <a:bodyPr/>
+          <a:bodyPr>
+            <a:normAutofit fontScale="70000" lnSpcReduction="20000"/>
+          </a:bodyPr>
           <a:lstStyle/>
           <a:p>
             <a:fld id="{12AFF886-F040-4FA5-8BD0-0A595B4BDA00}" type="slidenum">
               <a:rPr lang="ru-RU" smtClean="0"/>
               <a:t>4</a:t>
             </a:fld>
-            <a:endParaRPr lang="ru-RU"/>
+            <a:r>
+              <a:rPr lang="en-US" dirty="0"/>
+              <a:t> /22</a:t>
+            </a:r>
+            <a:endParaRPr lang="ru-RU" dirty="0"/>
           </a:p>
         </p:txBody>
       </p:sp>
@@ -20228,13 +20202,6 @@
   <p:clrMapOvr>
     <a:masterClrMapping/>
   </p:clrMapOvr>
-  <p:timing>
-    <p:tnLst>
-      <p:par>
-        <p:cTn id="1" dur="indefinite" restart="never" nodeType="tmRoot"/>
-      </p:par>
-    </p:tnLst>
-  </p:timing>
 </p:sld>
 </file>
 
@@ -20332,14 +20299,20 @@
         </p:nvSpPr>
         <p:spPr/>
         <p:txBody>
-          <a:bodyPr/>
+          <a:bodyPr>
+            <a:normAutofit fontScale="70000" lnSpcReduction="20000"/>
+          </a:bodyPr>
           <a:lstStyle/>
           <a:p>
             <a:fld id="{12AFF886-F040-4FA5-8BD0-0A595B4BDA00}" type="slidenum">
               <a:rPr lang="ru-RU" smtClean="0"/>
               <a:t>5</a:t>
             </a:fld>
-            <a:endParaRPr lang="ru-RU"/>
+            <a:r>
+              <a:rPr lang="en-US" dirty="0"/>
+              <a:t> /22</a:t>
+            </a:r>
+            <a:endParaRPr lang="ru-RU" dirty="0"/>
           </a:p>
         </p:txBody>
       </p:sp>
@@ -20372,36 +20345,21 @@
           <a:lstStyle/>
           <a:p>
             <a:r>
-              <a:rPr lang="ru-RU" sz="1600" dirty="0" smtClean="0">
-                <a:latin typeface="Segoe UI" panose="020B0502040204020203" pitchFamily="34" charset="0"/>
-                <a:cs typeface="Segoe UI" panose="020B0502040204020203" pitchFamily="34" charset="0"/>
-              </a:rPr>
-              <a:t>При подаче сигнала на нелинейный участок усилителя возникают </a:t>
-            </a:r>
-            <a:r>
-              <a:rPr lang="ru-RU" sz="1600" dirty="0" smtClean="0">
-                <a:latin typeface="Segoe UI" panose="020B0502040204020203" pitchFamily="34" charset="0"/>
-                <a:cs typeface="Segoe UI" panose="020B0502040204020203" pitchFamily="34" charset="0"/>
-              </a:rPr>
-              <a:t>искажения</a:t>
-            </a:r>
-            <a:endParaRPr lang="ru-RU" sz="1600" dirty="0" smtClean="0">
-              <a:latin typeface="Segoe UI" panose="020B0502040204020203" pitchFamily="34" charset="0"/>
-              <a:cs typeface="Segoe UI" panose="020B0502040204020203" pitchFamily="34" charset="0"/>
-            </a:endParaRPr>
-          </a:p>
-          <a:p>
-            <a:r>
-              <a:rPr lang="ru-RU" sz="1600" dirty="0" smtClean="0">
+              <a:rPr lang="ru-RU" sz="1600" dirty="0">
+                <a:latin typeface="Segoe UI" panose="020B0502040204020203" pitchFamily="34" charset="0"/>
+                <a:cs typeface="Segoe UI" panose="020B0502040204020203" pitchFamily="34" charset="0"/>
+              </a:rPr>
+              <a:t>При подаче сигнала на нелинейный участок усилителя возникают искажения</a:t>
+            </a:r>
+          </a:p>
+          <a:p>
+            <a:r>
+              <a:rPr lang="ru-RU" sz="1600" dirty="0">
                 <a:latin typeface="Segoe UI" panose="020B0502040204020203" pitchFamily="34" charset="0"/>
                 <a:cs typeface="Segoe UI" panose="020B0502040204020203" pitchFamily="34" charset="0"/>
               </a:rPr>
               <a:t>Чем больше амплитуда на входе, тем больше искажение на выходе – эффект насыщения усилителя</a:t>
             </a:r>
-            <a:endParaRPr lang="ru-RU" sz="1600" dirty="0">
-              <a:latin typeface="Segoe UI" panose="020B0502040204020203" pitchFamily="34" charset="0"/>
-              <a:cs typeface="Segoe UI" panose="020B0502040204020203" pitchFamily="34" charset="0"/>
-            </a:endParaRPr>
           </a:p>
         </p:txBody>
       </p:sp>
@@ -20434,44 +20392,26 @@
           <a:lstStyle/>
           <a:p>
             <a:r>
-              <a:rPr lang="ru-RU" sz="1600" dirty="0" smtClean="0">
-                <a:latin typeface="Segoe UI" panose="020B0502040204020203" pitchFamily="34" charset="0"/>
-                <a:cs typeface="Segoe UI" panose="020B0502040204020203" pitchFamily="34" charset="0"/>
-              </a:rPr>
-              <a:t>Высокий пик-фактор (</a:t>
-            </a:r>
-            <a:r>
-              <a:rPr lang="en-US" sz="1600" dirty="0" smtClean="0">
-                <a:latin typeface="Segoe UI" panose="020B0502040204020203" pitchFamily="34" charset="0"/>
-                <a:cs typeface="Segoe UI" panose="020B0502040204020203" pitchFamily="34" charset="0"/>
-              </a:rPr>
-              <a:t>PARP)</a:t>
-            </a:r>
-            <a:r>
-              <a:rPr lang="ru-RU" sz="1600" dirty="0" smtClean="0">
-                <a:latin typeface="Segoe UI" panose="020B0502040204020203" pitchFamily="34" charset="0"/>
-                <a:cs typeface="Segoe UI" panose="020B0502040204020203" pitchFamily="34" charset="0"/>
-              </a:rPr>
-              <a:t> (например, у </a:t>
-            </a:r>
-            <a:r>
-              <a:rPr lang="en-US" sz="1600" dirty="0" smtClean="0">
+              <a:rPr lang="ru-RU" sz="1600" dirty="0">
+                <a:latin typeface="Segoe UI" panose="020B0502040204020203" pitchFamily="34" charset="0"/>
+                <a:cs typeface="Segoe UI" panose="020B0502040204020203" pitchFamily="34" charset="0"/>
+              </a:rPr>
+              <a:t>Высокий пик-фактор (например, у </a:t>
+            </a:r>
+            <a:r>
+              <a:rPr lang="en-US" sz="1600" dirty="0">
                 <a:latin typeface="Segoe UI" panose="020B0502040204020203" pitchFamily="34" charset="0"/>
                 <a:cs typeface="Segoe UI" panose="020B0502040204020203" pitchFamily="34" charset="0"/>
               </a:rPr>
               <a:t>OFDM </a:t>
             </a:r>
             <a:r>
-              <a:rPr lang="ru-RU" sz="1600" dirty="0" smtClean="0">
+              <a:rPr lang="ru-RU" sz="1600" dirty="0">
                 <a:latin typeface="Segoe UI" panose="020B0502040204020203" pitchFamily="34" charset="0"/>
                 <a:cs typeface="Segoe UI" panose="020B0502040204020203" pitchFamily="34" charset="0"/>
               </a:rPr>
               <a:t>сигнала) может привести к значительным искажениям</a:t>
             </a:r>
-            <a:endParaRPr lang="ru-RU" sz="1600" dirty="0">
-              <a:latin typeface="Segoe UI" panose="020B0502040204020203" pitchFamily="34" charset="0"/>
-              <a:cs typeface="Segoe UI" panose="020B0502040204020203" pitchFamily="34" charset="0"/>
-            </a:endParaRPr>
           </a:p>
         </p:txBody>
       </p:sp>
@@ -20485,13 +20425,6 @@
   <p:clrMapOvr>
     <a:masterClrMapping/>
   </p:clrMapOvr>
-  <p:timing>
-    <p:tnLst>
-      <p:par>
-        <p:cTn id="1" dur="indefinite" restart="never" nodeType="tmRoot"/>
-      </p:par>
-    </p:tnLst>
-  </p:timing>
 </p:sld>
 </file>
 
@@ -20563,16 +20496,12 @@
           <a:lstStyle/>
           <a:p>
             <a:r>
-              <a:rPr lang="ru-RU" dirty="0" smtClean="0">
+              <a:rPr lang="ru-RU" dirty="0">
                 <a:latin typeface="Segoe UI Semibold" panose="020B0702040204020203" pitchFamily="34" charset="0"/>
                 <a:cs typeface="Segoe UI Semibold" panose="020B0702040204020203" pitchFamily="34" charset="0"/>
               </a:rPr>
               <a:t>Характеристика нелинейности УМ</a:t>
             </a:r>
-            <a:endParaRPr lang="ru-RU" dirty="0">
-              <a:latin typeface="Segoe UI Semibold" panose="020B0702040204020203" pitchFamily="34" charset="0"/>
-              <a:cs typeface="Segoe UI Semibold" panose="020B0702040204020203" pitchFamily="34" charset="0"/>
-            </a:endParaRPr>
           </a:p>
         </p:txBody>
       </p:sp>
@@ -20594,19 +20523,25 @@
         </p:nvSpPr>
         <p:spPr/>
         <p:txBody>
-          <a:bodyPr/>
+          <a:bodyPr>
+            <a:normAutofit fontScale="70000" lnSpcReduction="20000"/>
+          </a:bodyPr>
           <a:lstStyle/>
           <a:p>
             <a:fld id="{12AFF886-F040-4FA5-8BD0-0A595B4BDA00}" type="slidenum">
               <a:rPr lang="ru-RU" smtClean="0"/>
               <a:t>6</a:t>
             </a:fld>
-            <a:endParaRPr lang="ru-RU"/>
+            <a:r>
+              <a:rPr lang="en-US" dirty="0"/>
+              <a:t> /22</a:t>
+            </a:r>
+            <a:endParaRPr lang="ru-RU" dirty="0"/>
           </a:p>
         </p:txBody>
       </p:sp>
-      <mc:AlternateContent xmlns:mc="http://schemas.openxmlformats.org/markup-compatibility/2006">
-        <mc:Choice xmlns:a14="http://schemas.microsoft.com/office/drawing/2010/main" Requires="a14">
+      <mc:AlternateContent xmlns:mc="http://schemas.openxmlformats.org/markup-compatibility/2006" xmlns:a14="http://schemas.microsoft.com/office/drawing/2010/main">
+        <mc:Choice Requires="a14">
           <p:sp>
             <p:nvSpPr>
               <p:cNvPr id="5" name="TextBox 4">
@@ -20636,7 +20571,7 @@
               <a:lstStyle/>
               <a:p>
                 <a:r>
-                  <a:rPr lang="ru-RU" sz="2000" dirty="0" smtClean="0">
+                  <a:rPr lang="ru-RU" sz="2000" dirty="0">
                     <a:cs typeface="Segoe UI" panose="020B0502040204020203" pitchFamily="34" charset="0"/>
                   </a:rPr>
                   <a:t>Точка компрессии </a:t>
@@ -20689,50 +20624,22 @@
                   </m:oMath>
                 </a14:m>
                 <a:r>
-                  <a:rPr lang="ru-RU" sz="2000" dirty="0" smtClean="0">
-                    <a:latin typeface="Segoe UI" panose="020B0502040204020203" pitchFamily="34" charset="0"/>
-                    <a:cs typeface="Segoe UI" panose="020B0502040204020203" pitchFamily="34" charset="0"/>
-                  </a:rPr>
-                  <a:t>точка, </a:t>
-                </a:r>
-                <a:r>
                   <a:rPr lang="ru-RU" sz="2000" dirty="0">
                     <a:latin typeface="Segoe UI" panose="020B0502040204020203" pitchFamily="34" charset="0"/>
                     <a:cs typeface="Segoe UI" panose="020B0502040204020203" pitchFamily="34" charset="0"/>
                   </a:rPr>
-                  <a:t>в которой усиление становится </a:t>
-                </a:r>
-                <a:r>
-                  <a:rPr lang="ru-RU" sz="2000" dirty="0" smtClean="0">
-                    <a:latin typeface="Segoe UI" panose="020B0502040204020203" pitchFamily="34" charset="0"/>
-                    <a:cs typeface="Segoe UI" panose="020B0502040204020203" pitchFamily="34" charset="0"/>
-                  </a:rPr>
-                  <a:t>на 1 </a:t>
-                </a:r>
-                <a:r>
-                  <a:rPr lang="ru-RU" sz="2000" dirty="0">
-                    <a:latin typeface="Segoe UI" panose="020B0502040204020203" pitchFamily="34" charset="0"/>
-                    <a:cs typeface="Segoe UI" panose="020B0502040204020203" pitchFamily="34" charset="0"/>
-                  </a:rPr>
-                  <a:t>дБ меньше чем у идеальной </a:t>
-                </a:r>
-                <a:r>
-                  <a:rPr lang="ru-RU" sz="2000" dirty="0" smtClean="0">
-                    <a:latin typeface="Segoe UI" panose="020B0502040204020203" pitchFamily="34" charset="0"/>
-                    <a:cs typeface="Segoe UI" panose="020B0502040204020203" pitchFamily="34" charset="0"/>
-                  </a:rPr>
-                  <a:t>характеристики.</a:t>
+                  <a:t>точка, в которой усиление становится на 1 дБ меньше чем у идеальной характеристики.</a:t>
                 </a:r>
               </a:p>
               <a:p>
-                <a:endParaRPr lang="ru-RU" sz="2000" dirty="0" smtClean="0">
+                <a:endParaRPr lang="ru-RU" sz="2000" dirty="0">
                   <a:latin typeface="Segoe UI" panose="020B0502040204020203" pitchFamily="34" charset="0"/>
                   <a:cs typeface="Segoe UI" panose="020B0502040204020203" pitchFamily="34" charset="0"/>
                 </a:endParaRPr>
               </a:p>
               <a:p>
                 <a:r>
-                  <a:rPr lang="ru-RU" sz="2000" dirty="0" smtClean="0">
+                  <a:rPr lang="ru-RU" sz="2000" dirty="0">
                     <a:latin typeface="Segoe UI" panose="020B0502040204020203" pitchFamily="34" charset="0"/>
                     <a:cs typeface="Segoe UI" panose="020B0502040204020203" pitchFamily="34" charset="0"/>
                   </a:rPr>
@@ -20740,14 +20647,12 @@
                 </a:r>
               </a:p>
               <a:p>
-                <a:pPr/>
-                <a:endParaRPr lang="ru-RU" sz="2000" i="1" dirty="0" smtClean="0">
+                <a:endParaRPr lang="ru-RU" sz="2000" i="1" dirty="0">
                   <a:latin typeface="Cambria Math" panose="02040503050406030204" pitchFamily="18" charset="0"/>
                   <a:cs typeface="Segoe UI" panose="020B0502040204020203" pitchFamily="34" charset="0"/>
                 </a:endParaRPr>
               </a:p>
               <a:p>
-                <a:pPr/>
                 <a:endParaRPr lang="ru-RU" sz="2000" dirty="0">
                   <a:latin typeface="Segoe UI" panose="020B0502040204020203" pitchFamily="34" charset="0"/>
                   <a:cs typeface="Segoe UI" panose="020B0502040204020203" pitchFamily="34" charset="0"/>
@@ -20756,7 +20661,7 @@
             </p:txBody>
           </p:sp>
         </mc:Choice>
-        <mc:Fallback>
+        <mc:Fallback xmlns="">
           <p:sp>
             <p:nvSpPr>
               <p:cNvPr id="5" name="TextBox 4">
@@ -20801,8 +20706,8 @@
           </p:sp>
         </mc:Fallback>
       </mc:AlternateContent>
-      <mc:AlternateContent xmlns:mc="http://schemas.openxmlformats.org/markup-compatibility/2006">
-        <mc:Choice xmlns:a14="http://schemas.microsoft.com/office/drawing/2010/main" Requires="a14">
+      <mc:AlternateContent xmlns:mc="http://schemas.openxmlformats.org/markup-compatibility/2006" xmlns:a14="http://schemas.microsoft.com/office/drawing/2010/main">
+        <mc:Choice Requires="a14">
           <p:sp>
             <p:nvSpPr>
               <p:cNvPr id="7" name="Прямоугольник 6"/>
@@ -20888,7 +20793,7 @@
                 </a:r>
               </a:p>
               <a:p>
-                <a:endParaRPr lang="ru-RU" i="1" dirty="0" smtClean="0">
+                <a:endParaRPr lang="ru-RU" i="1" dirty="0">
                   <a:latin typeface="Cambria Math" panose="02040503050406030204" pitchFamily="18" charset="0"/>
                   <a:cs typeface="Segoe UI" panose="020B0502040204020203" pitchFamily="34" charset="0"/>
                 </a:endParaRPr>
@@ -20974,7 +20879,7 @@
             </p:txBody>
           </p:sp>
         </mc:Choice>
-        <mc:Fallback>
+        <mc:Fallback xmlns="">
           <p:sp>
             <p:nvSpPr>
               <p:cNvPr id="7" name="Прямоугольник 6"/>
@@ -21023,13 +20928,6 @@
   <p:clrMapOvr>
     <a:masterClrMapping/>
   </p:clrMapOvr>
-  <p:timing>
-    <p:tnLst>
-      <p:par>
-        <p:cTn id="1" dur="indefinite" restart="never" nodeType="tmRoot"/>
-      </p:par>
-    </p:tnLst>
-  </p:timing>
 </p:sld>
 </file>
 
@@ -21481,16 +21379,12 @@
                 <a:buNone/>
               </a:pPr>
               <a:r>
-                <a:rPr lang="ru-RU" sz="1400" dirty="0" smtClean="0">
+                <a:rPr lang="ru-RU" sz="1400" dirty="0">
                   <a:latin typeface="Segoe UI" panose="020B0502040204020203" pitchFamily="34" charset="0"/>
                   <a:cs typeface="Segoe UI" panose="020B0502040204020203" pitchFamily="34" charset="0"/>
                 </a:rPr>
                 <a:t>Выходная амплитуда, В</a:t>
               </a:r>
-              <a:endParaRPr lang="ru-RU" sz="1400" dirty="0">
-                <a:latin typeface="Segoe UI" panose="020B0502040204020203" pitchFamily="34" charset="0"/>
-                <a:cs typeface="Segoe UI" panose="020B0502040204020203" pitchFamily="34" charset="0"/>
-              </a:endParaRPr>
             </a:p>
           </p:txBody>
         </p:sp>
@@ -21819,16 +21713,12 @@
                 <a:buNone/>
               </a:pPr>
               <a:r>
-                <a:rPr lang="ru-RU" sz="1400" dirty="0" smtClean="0">
+                <a:rPr lang="ru-RU" sz="1400" dirty="0">
                   <a:latin typeface="Segoe UI" panose="020B0502040204020203" pitchFamily="34" charset="0"/>
                   <a:cs typeface="Segoe UI" panose="020B0502040204020203" pitchFamily="34" charset="0"/>
                 </a:rPr>
                 <a:t>Входная амплитуда, В</a:t>
               </a:r>
-              <a:endParaRPr lang="ru-RU" sz="1400" dirty="0">
-                <a:latin typeface="Segoe UI" panose="020B0502040204020203" pitchFamily="34" charset="0"/>
-                <a:cs typeface="Segoe UI" panose="020B0502040204020203" pitchFamily="34" charset="0"/>
-              </a:endParaRPr>
             </a:p>
           </p:txBody>
         </p:sp>
@@ -21942,14 +21832,20 @@
         </p:nvSpPr>
         <p:spPr/>
         <p:txBody>
-          <a:bodyPr/>
+          <a:bodyPr>
+            <a:normAutofit fontScale="70000" lnSpcReduction="20000"/>
+          </a:bodyPr>
           <a:lstStyle/>
           <a:p>
             <a:fld id="{12AFF886-F040-4FA5-8BD0-0A595B4BDA00}" type="slidenum">
               <a:rPr lang="ru-RU" smtClean="0"/>
               <a:t>7</a:t>
             </a:fld>
-            <a:endParaRPr lang="ru-RU"/>
+            <a:r>
+              <a:rPr lang="en-US" dirty="0"/>
+              <a:t> /22</a:t>
+            </a:r>
+            <a:endParaRPr lang="ru-RU" dirty="0"/>
           </a:p>
         </p:txBody>
       </p:sp>
@@ -22930,8 +22826,8 @@
           </a:p>
         </p:txBody>
       </p:sp>
-      <mc:AlternateContent xmlns:mc="http://schemas.openxmlformats.org/markup-compatibility/2006">
-        <mc:Choice xmlns:a14="http://schemas.microsoft.com/office/drawing/2010/main" Requires="a14">
+      <mc:AlternateContent xmlns:mc="http://schemas.openxmlformats.org/markup-compatibility/2006" xmlns:a14="http://schemas.microsoft.com/office/drawing/2010/main">
+        <mc:Choice Requires="a14">
           <p:sp>
             <p:nvSpPr>
               <p:cNvPr id="14" name="Объект 2">
@@ -23207,21 +23103,14 @@
                   <a:buNone/>
                 </a:pPr>
                 <a:r>
-                  <a:rPr lang="ru-RU" sz="1600" dirty="0" smtClean="0">
+                  <a:rPr lang="ru-RU" sz="1600" dirty="0">
                     <a:latin typeface="Segoe UI" panose="020B0502040204020203" pitchFamily="34" charset="0"/>
                     <a:cs typeface="Segoe UI" panose="020B0502040204020203" pitchFamily="34" charset="0"/>
                   </a:rPr>
-                  <a:t>АМ-АМ </a:t>
+                  <a:t>АМ-АМ искажение  </a:t>
                 </a:r>
                 <a:r>
-                  <a:rPr lang="ru-RU" sz="1600" dirty="0" smtClean="0">
-                    <a:latin typeface="Segoe UI" panose="020B0502040204020203" pitchFamily="34" charset="0"/>
-                    <a:cs typeface="Segoe UI" panose="020B0502040204020203" pitchFamily="34" charset="0"/>
-                  </a:rPr>
-                  <a:t>искажение  </a:t>
-                </a:r>
-                <a:r>
-                  <a:rPr lang="en-US" sz="1600" dirty="0" smtClean="0">
+                  <a:rPr lang="en-US" sz="1600" dirty="0">
                     <a:latin typeface="Segoe UI" panose="020B0502040204020203" pitchFamily="34" charset="0"/>
                     <a:cs typeface="Segoe UI" panose="020B0502040204020203" pitchFamily="34" charset="0"/>
                   </a:rPr>
@@ -23304,21 +23193,17 @@
                   </m:oMath>
                 </a14:m>
                 <a:r>
-                  <a:rPr lang="ru-RU" sz="1600" dirty="0" smtClean="0">
+                  <a:rPr lang="ru-RU" sz="1600" dirty="0">
                     <a:latin typeface="Segoe UI" panose="020B0502040204020203" pitchFamily="34" charset="0"/>
                     <a:cs typeface="Segoe UI" panose="020B0502040204020203" pitchFamily="34" charset="0"/>
                   </a:rPr>
                   <a:t> </a:t>
                 </a:r>
-                <a:endParaRPr lang="ru-RU" sz="1600" dirty="0">
-                  <a:latin typeface="Segoe UI" panose="020B0502040204020203" pitchFamily="34" charset="0"/>
-                  <a:cs typeface="Segoe UI" panose="020B0502040204020203" pitchFamily="34" charset="0"/>
-                </a:endParaRPr>
               </a:p>
             </p:txBody>
           </p:sp>
         </mc:Choice>
-        <mc:Fallback>
+        <mc:Fallback xmlns="">
           <p:sp>
             <p:nvSpPr>
               <p:cNvPr id="14" name="Объект 2">
@@ -23668,16 +23553,12 @@
               <a:buNone/>
             </a:pPr>
             <a:r>
-              <a:rPr lang="ru-RU" sz="1600" dirty="0" smtClean="0">
+              <a:rPr lang="ru-RU" sz="1600" dirty="0">
                 <a:latin typeface="Segoe UI" panose="020B0502040204020203" pitchFamily="34" charset="0"/>
                 <a:cs typeface="Segoe UI" panose="020B0502040204020203" pitchFamily="34" charset="0"/>
               </a:rPr>
               <a:t>АМ-РМ искажение </a:t>
             </a:r>
-            <a:endParaRPr lang="ru-RU" sz="1600" dirty="0">
-              <a:latin typeface="Segoe UI" panose="020B0502040204020203" pitchFamily="34" charset="0"/>
-              <a:cs typeface="Segoe UI" panose="020B0502040204020203" pitchFamily="34" charset="0"/>
-            </a:endParaRPr>
           </a:p>
         </p:txBody>
       </p:sp>
@@ -23691,13 +23572,6 @@
   <p:clrMapOvr>
     <a:masterClrMapping/>
   </p:clrMapOvr>
-  <p:timing>
-    <p:tnLst>
-      <p:par>
-        <p:cTn id="1" dur="indefinite" restart="never" nodeType="tmRoot"/>
-      </p:par>
-    </p:tnLst>
-  </p:timing>
 </p:sld>
 </file>
 
@@ -23774,14 +23648,20 @@
         </p:nvSpPr>
         <p:spPr/>
         <p:txBody>
-          <a:bodyPr/>
+          <a:bodyPr>
+            <a:normAutofit fontScale="70000" lnSpcReduction="20000"/>
+          </a:bodyPr>
           <a:lstStyle/>
           <a:p>
             <a:fld id="{12AFF886-F040-4FA5-8BD0-0A595B4BDA00}" type="slidenum">
               <a:rPr lang="ru-RU" smtClean="0"/>
               <a:t>8</a:t>
             </a:fld>
-            <a:endParaRPr lang="ru-RU"/>
+            <a:r>
+              <a:rPr lang="en-US" dirty="0"/>
+              <a:t> /22</a:t>
+            </a:r>
+            <a:endParaRPr lang="ru-RU" dirty="0"/>
           </a:p>
         </p:txBody>
       </p:sp>
@@ -24104,21 +23984,7 @@
                 <a:latin typeface="Segoe UI" panose="020B0502040204020203" pitchFamily="34" charset="0"/>
                 <a:cs typeface="Segoe UI" panose="020B0502040204020203" pitchFamily="34" charset="0"/>
               </a:rPr>
-              <a:t>Параметры для модели </a:t>
-            </a:r>
-            <a:r>
-              <a:rPr lang="ru-RU" sz="1600" dirty="0" smtClean="0">
-                <a:latin typeface="Segoe UI" panose="020B0502040204020203" pitchFamily="34" charset="0"/>
-                <a:cs typeface="Segoe UI" panose="020B0502040204020203" pitchFamily="34" charset="0"/>
-              </a:rPr>
-              <a:t>100-200 </a:t>
-            </a:r>
-            <a:r>
-              <a:rPr lang="ru-RU" sz="1600" dirty="0">
-                <a:latin typeface="Segoe UI" panose="020B0502040204020203" pitchFamily="34" charset="0"/>
-                <a:cs typeface="Segoe UI" panose="020B0502040204020203" pitchFamily="34" charset="0"/>
-              </a:rPr>
-              <a:t>ГГц были получены по данным из последних работ по созданию твердотельных усилителей в соответствующем диапазоне частот</a:t>
+              <a:t>Параметры для модели 100-200 ГГц были получены на основе анализа последних работ по созданию твердотельных усилителей в соответствующем диапазоне частот</a:t>
             </a:r>
           </a:p>
           <a:p>
@@ -24684,13 +24550,6 @@
   <p:clrMapOvr>
     <a:masterClrMapping/>
   </p:clrMapOvr>
-  <p:timing>
-    <p:tnLst>
-      <p:par>
-        <p:cTn id="1" dur="indefinite" restart="never" nodeType="tmRoot"/>
-      </p:par>
-    </p:tnLst>
-  </p:timing>
 </p:sld>
 </file>
 
@@ -24779,14 +24638,20 @@
         </p:nvSpPr>
         <p:spPr/>
         <p:txBody>
-          <a:bodyPr/>
+          <a:bodyPr>
+            <a:normAutofit fontScale="70000" lnSpcReduction="20000"/>
+          </a:bodyPr>
           <a:lstStyle/>
           <a:p>
             <a:fld id="{12AFF886-F040-4FA5-8BD0-0A595B4BDA00}" type="slidenum">
               <a:rPr lang="ru-RU" smtClean="0"/>
               <a:t>9</a:t>
             </a:fld>
-            <a:endParaRPr lang="ru-RU"/>
+            <a:r>
+              <a:rPr lang="en-US" dirty="0"/>
+              <a:t> /22</a:t>
+            </a:r>
+            <a:endParaRPr lang="ru-RU" dirty="0"/>
           </a:p>
         </p:txBody>
       </p:sp>
@@ -25137,14 +25002,7 @@
                 <a:latin typeface="Segoe UI" panose="020B0502040204020203" pitchFamily="34" charset="0"/>
                 <a:cs typeface="Segoe UI" panose="020B0502040204020203" pitchFamily="34" charset="0"/>
               </a:rPr>
-              <a:t> и </a:t>
-            </a:r>
-            <a:r>
-              <a:rPr lang="ru-RU" dirty="0" smtClean="0">
-                <a:latin typeface="Segoe UI" panose="020B0502040204020203" pitchFamily="34" charset="0"/>
-                <a:cs typeface="Segoe UI" panose="020B0502040204020203" pitchFamily="34" charset="0"/>
-              </a:rPr>
-              <a:t>откалиброван</a:t>
+              <a:t> и откалиброван</a:t>
             </a:r>
           </a:p>
           <a:p>
@@ -25156,7 +25014,7 @@
               <a:buNone/>
             </a:pPr>
             <a:r>
-              <a:rPr lang="ru-RU" dirty="0" smtClean="0">
+              <a:rPr lang="ru-RU" dirty="0">
                 <a:latin typeface="Segoe UI" panose="020B0502040204020203" pitchFamily="34" charset="0"/>
                 <a:cs typeface="Segoe UI" panose="020B0502040204020203" pitchFamily="34" charset="0"/>
               </a:rPr>
@@ -25500,65 +25358,47 @@
           <a:lstStyle/>
           <a:p>
             <a:r>
-              <a:rPr lang="en-US" sz="1200" i="1" dirty="0" smtClean="0">
+              <a:rPr lang="en-US" sz="1200" i="1" dirty="0">
                 <a:latin typeface="Segoe UI" panose="020B0502040204020203" pitchFamily="34" charset="0"/>
                 <a:cs typeface="Segoe UI" panose="020B0502040204020203" pitchFamily="34" charset="0"/>
               </a:rPr>
               <a:t>LLS </a:t>
             </a:r>
             <a:r>
-              <a:rPr lang="ru-RU" sz="1200" i="1" dirty="0" smtClean="0">
-                <a:latin typeface="Segoe UI" panose="020B0502040204020203" pitchFamily="34" charset="0"/>
-                <a:cs typeface="Segoe UI" panose="020B0502040204020203" pitchFamily="34" charset="0"/>
-              </a:rPr>
-              <a:t>разработан </a:t>
-            </a:r>
-            <a:r>
-              <a:rPr lang="ru-RU" sz="1200" i="1" dirty="0" smtClean="0">
-                <a:latin typeface="Segoe UI" panose="020B0502040204020203" pitchFamily="34" charset="0"/>
-                <a:cs typeface="Segoe UI" panose="020B0502040204020203" pitchFamily="34" charset="0"/>
-              </a:rPr>
-              <a:t>на языке </a:t>
-            </a:r>
-            <a:r>
-              <a:rPr lang="en-US" sz="1200" i="1" dirty="0" err="1" smtClean="0">
+              <a:rPr lang="ru-RU" sz="1200" i="1" dirty="0">
+                <a:latin typeface="Segoe UI" panose="020B0502040204020203" pitchFamily="34" charset="0"/>
+                <a:cs typeface="Segoe UI" panose="020B0502040204020203" pitchFamily="34" charset="0"/>
+              </a:rPr>
+              <a:t>разработан на языке </a:t>
+            </a:r>
+            <a:r>
+              <a:rPr lang="en-US" sz="1200" i="1" dirty="0" err="1">
                 <a:latin typeface="Segoe UI" panose="020B0502040204020203" pitchFamily="34" charset="0"/>
                 <a:cs typeface="Segoe UI" panose="020B0502040204020203" pitchFamily="34" charset="0"/>
               </a:rPr>
               <a:t>Matlab</a:t>
             </a:r>
             <a:r>
-              <a:rPr lang="en-US" sz="1200" i="1" dirty="0" smtClean="0">
+              <a:rPr lang="en-US" sz="1200" i="1" dirty="0">
                 <a:latin typeface="Segoe UI" panose="020B0502040204020203" pitchFamily="34" charset="0"/>
                 <a:cs typeface="Segoe UI" panose="020B0502040204020203" pitchFamily="34" charset="0"/>
               </a:rPr>
               <a:t> </a:t>
             </a:r>
             <a:r>
-              <a:rPr lang="ru-RU" sz="1200" i="1" dirty="0" smtClean="0">
-                <a:latin typeface="Segoe UI" panose="020B0502040204020203" pitchFamily="34" charset="0"/>
-                <a:cs typeface="Segoe UI" panose="020B0502040204020203" pitchFamily="34" charset="0"/>
-              </a:rPr>
-              <a:t>Пудеевым </a:t>
-            </a:r>
-            <a:r>
-              <a:rPr lang="ru-RU" sz="1200" i="1" dirty="0" smtClean="0">
-                <a:latin typeface="Segoe UI" panose="020B0502040204020203" pitchFamily="34" charset="0"/>
-                <a:cs typeface="Segoe UI" panose="020B0502040204020203" pitchFamily="34" charset="0"/>
-              </a:rPr>
-              <a:t>А.В., </a:t>
-            </a:r>
-            <a:r>
-              <a:rPr lang="en-US" sz="1200" i="1" dirty="0" smtClean="0">
+              <a:rPr lang="ru-RU" sz="1200" i="1" dirty="0">
+                <a:latin typeface="Segoe UI" panose="020B0502040204020203" pitchFamily="34" charset="0"/>
+                <a:cs typeface="Segoe UI" panose="020B0502040204020203" pitchFamily="34" charset="0"/>
+              </a:rPr>
+              <a:t>Пудеевым А.В., </a:t>
+            </a:r>
+            <a:r>
+              <a:rPr lang="en-US" sz="1200" i="1" dirty="0">
                 <a:latin typeface="Segoe UI" panose="020B0502040204020203" pitchFamily="34" charset="0"/>
                 <a:cs typeface="Segoe UI" panose="020B0502040204020203" pitchFamily="34" charset="0"/>
               </a:rPr>
               <a:t>LG Electronics</a:t>
             </a:r>
-            <a:endParaRPr lang="en-US" sz="1200" i="1" dirty="0">
-              <a:latin typeface="Segoe UI" panose="020B0502040204020203" pitchFamily="34" charset="0"/>
-              <a:cs typeface="Segoe UI" panose="020B0502040204020203" pitchFamily="34" charset="0"/>
-            </a:endParaRPr>
           </a:p>
         </p:txBody>
       </p:sp>
@@ -25572,13 +25412,6 @@
   <p:clrMapOvr>
     <a:masterClrMapping/>
   </p:clrMapOvr>
-  <p:timing>
-    <p:tnLst>
-      <p:par>
-        <p:cTn id="1" dur="indefinite" restart="never" nodeType="tmRoot"/>
-      </p:par>
-    </p:tnLst>
-  </p:timing>
 </p:sld>
 </file>
 

--- a/Presentation.pptx
+++ b/Presentation.pptx
@@ -5,7 +5,7 @@
     <p:sldMasterId id="2147483708" r:id="rId1"/>
   </p:sldMasterIdLst>
   <p:notesMasterIdLst>
-    <p:notesMasterId r:id="rId33"/>
+    <p:notesMasterId r:id="rId35"/>
   </p:notesMasterIdLst>
   <p:sldIdLst>
     <p:sldId id="256" r:id="rId2"/>
@@ -24,21 +24,23 @@
     <p:sldId id="378" r:id="rId15"/>
     <p:sldId id="372" r:id="rId16"/>
     <p:sldId id="374" r:id="rId17"/>
-    <p:sldId id="376" r:id="rId18"/>
-    <p:sldId id="379" r:id="rId19"/>
-    <p:sldId id="384" r:id="rId20"/>
-    <p:sldId id="385" r:id="rId21"/>
+    <p:sldId id="379" r:id="rId18"/>
+    <p:sldId id="376" r:id="rId19"/>
+    <p:sldId id="385" r:id="rId20"/>
+    <p:sldId id="384" r:id="rId21"/>
     <p:sldId id="388" r:id="rId22"/>
     <p:sldId id="389" r:id="rId23"/>
     <p:sldId id="392" r:id="rId24"/>
-    <p:sldId id="375" r:id="rId25"/>
-    <p:sldId id="394" r:id="rId26"/>
-    <p:sldId id="390" r:id="rId27"/>
-    <p:sldId id="382" r:id="rId28"/>
-    <p:sldId id="383" r:id="rId29"/>
-    <p:sldId id="386" r:id="rId30"/>
-    <p:sldId id="387" r:id="rId31"/>
-    <p:sldId id="395" r:id="rId32"/>
+    <p:sldId id="396" r:id="rId25"/>
+    <p:sldId id="397" r:id="rId26"/>
+    <p:sldId id="375" r:id="rId27"/>
+    <p:sldId id="394" r:id="rId28"/>
+    <p:sldId id="390" r:id="rId29"/>
+    <p:sldId id="382" r:id="rId30"/>
+    <p:sldId id="383" r:id="rId31"/>
+    <p:sldId id="386" r:id="rId32"/>
+    <p:sldId id="387" r:id="rId33"/>
+    <p:sldId id="395" r:id="rId34"/>
   </p:sldIdLst>
   <p:sldSz cx="9144000" cy="6858000" type="screen4x3"/>
   <p:notesSz cx="6858000" cy="9144000"/>
@@ -238,7 +240,7 @@
           <a:p>
             <a:fld id="{44520D1A-6BF5-4F95-B58D-D836C203D0C1}" type="datetimeFigureOut">
               <a:rPr lang="ru-RU" smtClean="0"/>
-              <a:t>14.06.2022</a:t>
+              <a:t>16.06.2022</a:t>
             </a:fld>
             <a:endParaRPr lang="ru-RU"/>
           </a:p>
@@ -801,7 +803,7 @@
           <a:p>
             <a:fld id="{CE7AEB54-EFC9-4CAF-82CC-75A466E3AA9C}" type="datetime1">
               <a:rPr lang="ru-RU" smtClean="0"/>
-              <a:t>14.06.2022</a:t>
+              <a:t>16.06.2022</a:t>
             </a:fld>
             <a:endParaRPr lang="ru-RU"/>
           </a:p>
@@ -993,7 +995,7 @@
           <a:p>
             <a:fld id="{CC02C0E8-6B6D-448A-B9C4-BD0730654AD4}" type="datetime1">
               <a:rPr lang="ru-RU" smtClean="0"/>
-              <a:t>14.06.2022</a:t>
+              <a:t>16.06.2022</a:t>
             </a:fld>
             <a:endParaRPr lang="ru-RU"/>
           </a:p>
@@ -1173,7 +1175,7 @@
           <a:p>
             <a:fld id="{B856AD82-8A9E-4AA3-AA9E-7B9FB6E8F8A7}" type="datetime1">
               <a:rPr lang="ru-RU" smtClean="0"/>
-              <a:t>14.06.2022</a:t>
+              <a:t>16.06.2022</a:t>
             </a:fld>
             <a:endParaRPr lang="ru-RU"/>
           </a:p>
@@ -1343,7 +1345,7 @@
           <a:p>
             <a:fld id="{15EE9521-0049-4678-B379-C0731D5890A9}" type="datetime1">
               <a:rPr lang="ru-RU" smtClean="0"/>
-              <a:t>14.06.2022</a:t>
+              <a:t>16.06.2022</a:t>
             </a:fld>
             <a:endParaRPr lang="ru-RU"/>
           </a:p>
@@ -1597,7 +1599,7 @@
           <a:p>
             <a:fld id="{F9F43CBE-9BC2-4C9A-888B-CAC535D90BAF}" type="datetime1">
               <a:rPr lang="ru-RU" smtClean="0"/>
-              <a:t>14.06.2022</a:t>
+              <a:t>16.06.2022</a:t>
             </a:fld>
             <a:endParaRPr lang="ru-RU"/>
           </a:p>
@@ -1923,7 +1925,7 @@
           <a:p>
             <a:fld id="{37C0947A-0537-42D2-808C-A08A4CDF5D76}" type="datetime1">
               <a:rPr lang="ru-RU" smtClean="0"/>
-              <a:t>14.06.2022</a:t>
+              <a:t>16.06.2022</a:t>
             </a:fld>
             <a:endParaRPr lang="ru-RU"/>
           </a:p>
@@ -2343,7 +2345,7 @@
           <a:p>
             <a:fld id="{A8929EE6-C820-4D6F-9ADA-BB179A7A8A83}" type="datetime1">
               <a:rPr lang="ru-RU" smtClean="0"/>
-              <a:t>14.06.2022</a:t>
+              <a:t>16.06.2022</a:t>
             </a:fld>
             <a:endParaRPr lang="ru-RU"/>
           </a:p>
@@ -2462,7 +2464,7 @@
           <a:p>
             <a:fld id="{5C82630B-9DAE-4409-AFF0-79F5C7161C4E}" type="datetime1">
               <a:rPr lang="ru-RU" smtClean="0"/>
-              <a:t>14.06.2022</a:t>
+              <a:t>16.06.2022</a:t>
             </a:fld>
             <a:endParaRPr lang="ru-RU"/>
           </a:p>
@@ -2557,7 +2559,7 @@
           <a:p>
             <a:fld id="{A431ED0E-67BA-4AE3-8FC6-97723DF455A8}" type="datetime1">
               <a:rPr lang="ru-RU" smtClean="0"/>
-              <a:t>14.06.2022</a:t>
+              <a:t>16.06.2022</a:t>
             </a:fld>
             <a:endParaRPr lang="ru-RU"/>
           </a:p>
@@ -2844,7 +2846,7 @@
           <a:p>
             <a:fld id="{00278453-7134-48F9-BF64-ED8A41C38433}" type="datetime1">
               <a:rPr lang="ru-RU" smtClean="0"/>
-              <a:t>14.06.2022</a:t>
+              <a:t>16.06.2022</a:t>
             </a:fld>
             <a:endParaRPr lang="ru-RU"/>
           </a:p>
@@ -3166,7 +3168,7 @@
           <a:p>
             <a:fld id="{AFD10698-F4D3-4419-A9E9-6D61E20A3139}" type="datetime1">
               <a:rPr lang="ru-RU" smtClean="0"/>
-              <a:t>14.06.2022</a:t>
+              <a:t>16.06.2022</a:t>
             </a:fld>
             <a:endParaRPr lang="ru-RU"/>
           </a:p>
@@ -3420,7 +3422,7 @@
           <a:p>
             <a:fld id="{A8929EE6-C820-4D6F-9ADA-BB179A7A8A83}" type="datetime1">
               <a:rPr lang="ru-RU" smtClean="0"/>
-              <a:t>14.06.2022</a:t>
+              <a:t>16.06.2022</a:t>
             </a:fld>
             <a:endParaRPr lang="ru-RU"/>
           </a:p>
@@ -3942,6 +3944,17 @@
               </a:rPr>
               <a:t>Метод компенсации нелинейных искажений усилителя мощности для стандарта мобильной связи</a:t>
             </a:r>
+            <a:r>
+              <a:rPr lang="en-GB" sz="4000" dirty="0">
+                <a:solidFill>
+                  <a:srgbClr val="F8F8F2"/>
+                </a:solidFill>
+                <a:effectLst/>
+                <a:latin typeface="Segoe UI Semibold" panose="020B0702040204020203" pitchFamily="34" charset="0"/>
+                <a:cs typeface="Segoe UI Semibold" panose="020B0702040204020203" pitchFamily="34" charset="0"/>
+              </a:rPr>
+              <a:t/>
+            </a:r>
             <a:br>
               <a:rPr lang="en-GB" sz="4000" dirty="0">
                 <a:solidFill>
@@ -3994,14 +4007,14 @@
               </a:lnSpc>
             </a:pPr>
             <a:r>
-              <a:rPr lang="ru-RU" sz="1600" dirty="0">
-                <a:latin typeface="Segoe UI" panose="020B0502040204020203" pitchFamily="34" charset="0"/>
-                <a:cs typeface="Segoe UI" panose="020B0502040204020203" pitchFamily="34" charset="0"/>
-              </a:rPr>
-              <a:t>06</a:t>
-            </a:r>
-            <a:r>
-              <a:rPr lang="en-US" sz="1600" dirty="0">
+              <a:rPr lang="ru-RU" sz="1600" dirty="0" smtClean="0">
+                <a:latin typeface="Segoe UI" panose="020B0502040204020203" pitchFamily="34" charset="0"/>
+                <a:cs typeface="Segoe UI" panose="020B0502040204020203" pitchFamily="34" charset="0"/>
+              </a:rPr>
+              <a:t>17</a:t>
+            </a:r>
+            <a:r>
+              <a:rPr lang="en-US" sz="1600" dirty="0" smtClean="0">
                 <a:latin typeface="Segoe UI" panose="020B0502040204020203" pitchFamily="34" charset="0"/>
                 <a:cs typeface="Segoe UI" panose="020B0502040204020203" pitchFamily="34" charset="0"/>
               </a:rPr>
@@ -4261,6 +4274,13 @@
   <p:clrMapOvr>
     <a:masterClrMapping/>
   </p:clrMapOvr>
+  <p:timing>
+    <p:tnLst>
+      <p:par>
+        <p:cTn id="1" dur="indefinite" restart="never" nodeType="tmRoot"/>
+      </p:par>
+    </p:tnLst>
+  </p:timing>
 </p:sld>
 </file>
 
@@ -4406,7 +4426,7 @@
         </p:spPr>
         <p:txBody>
           <a:bodyPr vert="horz" lIns="91440" tIns="45720" rIns="91440" bIns="45720" rtlCol="0">
-            <a:normAutofit/>
+            <a:normAutofit lnSpcReduction="10000"/>
           </a:bodyPr>
           <a:lstStyle>
             <a:lvl1pPr marL="182880" indent="-182880" algn="l" defTabSz="914400" rtl="0" eaLnBrk="1" latinLnBrk="0" hangingPunct="1">
@@ -4674,26 +4694,51 @@
               <a:t>, </a:t>
             </a:r>
             <a:r>
+              <a:rPr lang="ru-RU" dirty="0" smtClean="0">
+                <a:latin typeface="Segoe UI" panose="020B0502040204020203" pitchFamily="34" charset="0"/>
+                <a:cs typeface="Segoe UI" panose="020B0502040204020203" pitchFamily="34" charset="0"/>
+              </a:rPr>
+              <a:t>использующиеся в системе мобильной связи </a:t>
+            </a:r>
+            <a:r>
+              <a:rPr lang="en-US" dirty="0" smtClean="0">
+                <a:latin typeface="Segoe UI" panose="020B0502040204020203" pitchFamily="34" charset="0"/>
+                <a:cs typeface="Segoe UI" panose="020B0502040204020203" pitchFamily="34" charset="0"/>
+              </a:rPr>
+              <a:t>5G NR</a:t>
+            </a:r>
+            <a:r>
+              <a:rPr lang="ru-RU" dirty="0" smtClean="0">
+                <a:latin typeface="Segoe UI" panose="020B0502040204020203" pitchFamily="34" charset="0"/>
+                <a:cs typeface="Segoe UI" panose="020B0502040204020203" pitchFamily="34" charset="0"/>
+              </a:rPr>
+              <a:t> </a:t>
+            </a:r>
+            <a:r>
               <a:rPr lang="ru-RU" dirty="0">
                 <a:latin typeface="Segoe UI" panose="020B0502040204020203" pitchFamily="34" charset="0"/>
                 <a:cs typeface="Segoe UI" panose="020B0502040204020203" pitchFamily="34" charset="0"/>
               </a:rPr>
-              <a:t>использующиеся для </a:t>
-            </a:r>
-            <a:r>
-              <a:rPr lang="en-US" dirty="0">
-                <a:latin typeface="Segoe UI" panose="020B0502040204020203" pitchFamily="34" charset="0"/>
-                <a:cs typeface="Segoe UI" panose="020B0502040204020203" pitchFamily="34" charset="0"/>
-              </a:rPr>
-              <a:t>uplink</a:t>
-            </a:r>
-            <a:r>
-              <a:rPr lang="ru-RU" dirty="0">
-                <a:latin typeface="Segoe UI" panose="020B0502040204020203" pitchFamily="34" charset="0"/>
-                <a:cs typeface="Segoe UI" panose="020B0502040204020203" pitchFamily="34" charset="0"/>
-              </a:rPr>
-              <a:t>:</a:t>
-            </a:r>
+              <a:t>для </a:t>
+            </a:r>
+            <a:r>
+              <a:rPr lang="en-US" dirty="0" smtClean="0">
+                <a:latin typeface="Segoe UI" panose="020B0502040204020203" pitchFamily="34" charset="0"/>
+                <a:cs typeface="Segoe UI" panose="020B0502040204020203" pitchFamily="34" charset="0"/>
+              </a:rPr>
+              <a:t>Uplink-</a:t>
+            </a:r>
+            <a:r>
+              <a:rPr lang="ru-RU" dirty="0" smtClean="0">
+                <a:latin typeface="Segoe UI" panose="020B0502040204020203" pitchFamily="34" charset="0"/>
+                <a:cs typeface="Segoe UI" panose="020B0502040204020203" pitchFamily="34" charset="0"/>
+              </a:rPr>
+              <a:t>передачи:</a:t>
+            </a:r>
+            <a:endParaRPr lang="ru-RU" dirty="0">
+              <a:latin typeface="Segoe UI" panose="020B0502040204020203" pitchFamily="34" charset="0"/>
+              <a:cs typeface="Segoe UI" panose="020B0502040204020203" pitchFamily="34" charset="0"/>
+            </a:endParaRPr>
           </a:p>
           <a:p>
             <a:pPr marL="0" indent="0">
@@ -5813,6 +5858,13 @@
   <p:clrMapOvr>
     <a:masterClrMapping/>
   </p:clrMapOvr>
+  <p:timing>
+    <p:tnLst>
+      <p:par>
+        <p:cTn id="1" dur="indefinite" restart="never" nodeType="tmRoot"/>
+      </p:par>
+    </p:tnLst>
+  </p:timing>
 </p:sld>
 </file>
 
@@ -7071,294 +7123,6 @@
           </a:p>
         </p:txBody>
       </p:sp>
-      <p:sp>
-        <p:nvSpPr>
-          <p:cNvPr id="11" name="Объект 2">
-            <a:extLst>
-              <a:ext uri="{FF2B5EF4-FFF2-40B4-BE49-F238E27FC236}">
-                <a16:creationId xmlns:a16="http://schemas.microsoft.com/office/drawing/2014/main" id="{422779E5-A1E4-2080-31BD-D75834EC5552}"/>
-              </a:ext>
-            </a:extLst>
-          </p:cNvPr>
-          <p:cNvSpPr txBox="1">
-            <a:spLocks/>
-          </p:cNvSpPr>
-          <p:nvPr/>
-        </p:nvSpPr>
-        <p:spPr>
-          <a:xfrm>
-            <a:off x="117232" y="1555677"/>
-            <a:ext cx="3048313" cy="596223"/>
-          </a:xfrm>
-          <a:prstGeom prst="rect">
-            <a:avLst/>
-          </a:prstGeom>
-        </p:spPr>
-        <p:txBody>
-          <a:bodyPr vert="horz" lIns="91440" tIns="45720" rIns="91440" bIns="45720" rtlCol="0">
-            <a:normAutofit/>
-          </a:bodyPr>
-          <a:lstStyle>
-            <a:lvl1pPr marL="182880" indent="-182880" algn="l" defTabSz="914400" rtl="0" eaLnBrk="1" latinLnBrk="0" hangingPunct="1">
-              <a:lnSpc>
-                <a:spcPct val="95000"/>
-              </a:lnSpc>
-              <a:spcBef>
-                <a:spcPts val="1400"/>
-              </a:spcBef>
-              <a:spcAft>
-                <a:spcPts val="200"/>
-              </a:spcAft>
-              <a:buClr>
-                <a:schemeClr val="accent1"/>
-              </a:buClr>
-              <a:buSzPct val="80000"/>
-              <a:buFont typeface="Arial" pitchFamily="34" charset="0"/>
-              <a:buChar char="•"/>
-              <a:defRPr sz="1800" kern="1200" spc="10" baseline="0">
-                <a:solidFill>
-                  <a:schemeClr val="tx1"/>
-                </a:solidFill>
-                <a:latin typeface="+mn-lt"/>
-                <a:ea typeface="+mn-ea"/>
-                <a:cs typeface="+mn-cs"/>
-              </a:defRPr>
-            </a:lvl1pPr>
-            <a:lvl2pPr marL="457200" indent="-182880" algn="l" defTabSz="914400" rtl="0" eaLnBrk="1" latinLnBrk="0" hangingPunct="1">
-              <a:lnSpc>
-                <a:spcPct val="90000"/>
-              </a:lnSpc>
-              <a:spcBef>
-                <a:spcPts val="300"/>
-              </a:spcBef>
-              <a:spcAft>
-                <a:spcPts val="300"/>
-              </a:spcAft>
-              <a:buClr>
-                <a:schemeClr val="accent1"/>
-              </a:buClr>
-              <a:buFont typeface="Wingdings 2" pitchFamily="18" charset="2"/>
-              <a:buChar char=""/>
-              <a:defRPr sz="1600" kern="1200">
-                <a:solidFill>
-                  <a:schemeClr val="tx1">
-                    <a:lumMod val="85000"/>
-                    <a:lumOff val="15000"/>
-                  </a:schemeClr>
-                </a:solidFill>
-                <a:latin typeface="+mn-lt"/>
-                <a:ea typeface="+mn-ea"/>
-                <a:cs typeface="+mn-cs"/>
-              </a:defRPr>
-            </a:lvl2pPr>
-            <a:lvl3pPr marL="731520" indent="-182880" algn="l" defTabSz="914400" rtl="0" eaLnBrk="1" latinLnBrk="0" hangingPunct="1">
-              <a:lnSpc>
-                <a:spcPct val="90000"/>
-              </a:lnSpc>
-              <a:spcBef>
-                <a:spcPts val="300"/>
-              </a:spcBef>
-              <a:spcAft>
-                <a:spcPts val="300"/>
-              </a:spcAft>
-              <a:buClr>
-                <a:schemeClr val="accent1"/>
-              </a:buClr>
-              <a:buFont typeface="Wingdings 2" pitchFamily="18" charset="2"/>
-              <a:buChar char=""/>
-              <a:defRPr sz="1400" kern="1200">
-                <a:solidFill>
-                  <a:schemeClr val="tx1">
-                    <a:lumMod val="85000"/>
-                    <a:lumOff val="15000"/>
-                  </a:schemeClr>
-                </a:solidFill>
-                <a:latin typeface="+mn-lt"/>
-                <a:ea typeface="+mn-ea"/>
-                <a:cs typeface="+mn-cs"/>
-              </a:defRPr>
-            </a:lvl3pPr>
-            <a:lvl4pPr marL="1005840" indent="-182880" algn="l" defTabSz="914400" rtl="0" eaLnBrk="1" latinLnBrk="0" hangingPunct="1">
-              <a:lnSpc>
-                <a:spcPct val="90000"/>
-              </a:lnSpc>
-              <a:spcBef>
-                <a:spcPts val="300"/>
-              </a:spcBef>
-              <a:spcAft>
-                <a:spcPts val="300"/>
-              </a:spcAft>
-              <a:buClr>
-                <a:schemeClr val="accent1"/>
-              </a:buClr>
-              <a:buFont typeface="Wingdings 2" pitchFamily="18" charset="2"/>
-              <a:buChar char=""/>
-              <a:defRPr sz="1400" kern="1200">
-                <a:solidFill>
-                  <a:schemeClr val="tx1">
-                    <a:lumMod val="85000"/>
-                    <a:lumOff val="15000"/>
-                  </a:schemeClr>
-                </a:solidFill>
-                <a:latin typeface="+mn-lt"/>
-                <a:ea typeface="+mn-ea"/>
-                <a:cs typeface="+mn-cs"/>
-              </a:defRPr>
-            </a:lvl4pPr>
-            <a:lvl5pPr marL="1280160" indent="-182880" algn="l" defTabSz="914400" rtl="0" eaLnBrk="1" latinLnBrk="0" hangingPunct="1">
-              <a:lnSpc>
-                <a:spcPct val="90000"/>
-              </a:lnSpc>
-              <a:spcBef>
-                <a:spcPts val="300"/>
-              </a:spcBef>
-              <a:spcAft>
-                <a:spcPts val="300"/>
-              </a:spcAft>
-              <a:buClr>
-                <a:schemeClr val="accent1"/>
-              </a:buClr>
-              <a:buFont typeface="Wingdings 2" pitchFamily="18" charset="2"/>
-              <a:buChar char=""/>
-              <a:defRPr sz="1400" kern="1200">
-                <a:solidFill>
-                  <a:schemeClr val="tx1">
-                    <a:lumMod val="85000"/>
-                    <a:lumOff val="15000"/>
-                  </a:schemeClr>
-                </a:solidFill>
-                <a:latin typeface="+mn-lt"/>
-                <a:ea typeface="+mn-ea"/>
-                <a:cs typeface="+mn-cs"/>
-              </a:defRPr>
-            </a:lvl5pPr>
-            <a:lvl6pPr marL="1600000" indent="-228600" algn="l" defTabSz="914400" rtl="0" eaLnBrk="1" latinLnBrk="0" hangingPunct="1">
-              <a:lnSpc>
-                <a:spcPct val="90000"/>
-              </a:lnSpc>
-              <a:spcBef>
-                <a:spcPts val="300"/>
-              </a:spcBef>
-              <a:spcAft>
-                <a:spcPts val="300"/>
-              </a:spcAft>
-              <a:buClr>
-                <a:schemeClr val="accent1"/>
-              </a:buClr>
-              <a:buFont typeface="Wingdings 2" pitchFamily="18" charset="2"/>
-              <a:buChar char=""/>
-              <a:defRPr sz="1400" kern="1200">
-                <a:solidFill>
-                  <a:schemeClr val="tx1">
-                    <a:lumMod val="85000"/>
-                    <a:lumOff val="15000"/>
-                  </a:schemeClr>
-                </a:solidFill>
-                <a:latin typeface="+mn-lt"/>
-                <a:ea typeface="+mn-ea"/>
-                <a:cs typeface="+mn-cs"/>
-              </a:defRPr>
-            </a:lvl6pPr>
-            <a:lvl7pPr marL="1900000" indent="-228600" algn="l" defTabSz="914400" rtl="0" eaLnBrk="1" latinLnBrk="0" hangingPunct="1">
-              <a:lnSpc>
-                <a:spcPct val="90000"/>
-              </a:lnSpc>
-              <a:spcBef>
-                <a:spcPts val="300"/>
-              </a:spcBef>
-              <a:spcAft>
-                <a:spcPts val="300"/>
-              </a:spcAft>
-              <a:buClr>
-                <a:schemeClr val="accent1"/>
-              </a:buClr>
-              <a:buFont typeface="Wingdings 2" pitchFamily="18" charset="2"/>
-              <a:buChar char=""/>
-              <a:defRPr sz="1400" kern="1200">
-                <a:solidFill>
-                  <a:schemeClr val="tx1">
-                    <a:lumMod val="85000"/>
-                    <a:lumOff val="15000"/>
-                  </a:schemeClr>
-                </a:solidFill>
-                <a:latin typeface="+mn-lt"/>
-                <a:ea typeface="+mn-ea"/>
-                <a:cs typeface="+mn-cs"/>
-              </a:defRPr>
-            </a:lvl7pPr>
-            <a:lvl8pPr marL="2200000" indent="-228600" algn="l" defTabSz="914400" rtl="0" eaLnBrk="1" latinLnBrk="0" hangingPunct="1">
-              <a:lnSpc>
-                <a:spcPct val="90000"/>
-              </a:lnSpc>
-              <a:spcBef>
-                <a:spcPts val="300"/>
-              </a:spcBef>
-              <a:spcAft>
-                <a:spcPts val="300"/>
-              </a:spcAft>
-              <a:buClr>
-                <a:schemeClr val="accent1"/>
-              </a:buClr>
-              <a:buFont typeface="Wingdings 2" pitchFamily="18" charset="2"/>
-              <a:buChar char=""/>
-              <a:defRPr sz="1400" kern="1200">
-                <a:solidFill>
-                  <a:schemeClr val="tx1">
-                    <a:lumMod val="85000"/>
-                    <a:lumOff val="15000"/>
-                  </a:schemeClr>
-                </a:solidFill>
-                <a:latin typeface="+mn-lt"/>
-                <a:ea typeface="+mn-ea"/>
-                <a:cs typeface="+mn-cs"/>
-              </a:defRPr>
-            </a:lvl8pPr>
-            <a:lvl9pPr marL="2500000" indent="-228600" algn="l" defTabSz="914400" rtl="0" eaLnBrk="1" latinLnBrk="0" hangingPunct="1">
-              <a:lnSpc>
-                <a:spcPct val="90000"/>
-              </a:lnSpc>
-              <a:spcBef>
-                <a:spcPts val="300"/>
-              </a:spcBef>
-              <a:spcAft>
-                <a:spcPts val="300"/>
-              </a:spcAft>
-              <a:buClr>
-                <a:schemeClr val="accent1"/>
-              </a:buClr>
-              <a:buFont typeface="Wingdings 2" pitchFamily="18" charset="2"/>
-              <a:buChar char=""/>
-              <a:defRPr sz="1400" kern="1200">
-                <a:solidFill>
-                  <a:schemeClr val="tx1">
-                    <a:lumMod val="85000"/>
-                    <a:lumOff val="15000"/>
-                  </a:schemeClr>
-                </a:solidFill>
-                <a:latin typeface="+mn-lt"/>
-                <a:ea typeface="+mn-ea"/>
-                <a:cs typeface="+mn-cs"/>
-              </a:defRPr>
-            </a:lvl9pPr>
-          </a:lstStyle>
-          <a:p>
-            <a:pPr marL="0" indent="0" algn="ctr">
-              <a:lnSpc>
-                <a:spcPct val="100000"/>
-              </a:lnSpc>
-              <a:buFont typeface="Arial" pitchFamily="34" charset="0"/>
-              <a:buNone/>
-            </a:pPr>
-            <a:r>
-              <a:rPr lang="ru-RU" sz="1200" dirty="0">
-                <a:latin typeface="Segoe UI" panose="020B0502040204020203" pitchFamily="34" charset="0"/>
-                <a:cs typeface="Segoe UI" panose="020B0502040204020203" pitchFamily="34" charset="0"/>
-              </a:rPr>
-              <a:t>Сигнал с одной несущей</a:t>
-            </a:r>
-          </a:p>
-        </p:txBody>
-      </p:sp>
     </p:spTree>
     <p:extLst>
       <p:ext uri="{BB962C8B-B14F-4D97-AF65-F5344CB8AC3E}">
@@ -7369,6 +7133,13 @@
   <p:clrMapOvr>
     <a:masterClrMapping/>
   </p:clrMapOvr>
+  <p:timing>
+    <p:tnLst>
+      <p:par>
+        <p:cTn id="1" dur="indefinite" restart="never" nodeType="tmRoot"/>
+      </p:par>
+    </p:tnLst>
+  </p:timing>
 </p:sld>
 </file>
 
@@ -7786,6 +7557,13 @@
   <p:clrMapOvr>
     <a:masterClrMapping/>
   </p:clrMapOvr>
+  <p:timing>
+    <p:tnLst>
+      <p:par>
+        <p:cTn id="1" dur="indefinite" restart="never" nodeType="tmRoot"/>
+      </p:par>
+    </p:tnLst>
+  </p:timing>
 </p:sld>
 </file>
 
@@ -7911,7 +7689,21 @@
                 <a:latin typeface="Segoe UI" panose="020B0502040204020203" pitchFamily="34" charset="0"/>
                 <a:cs typeface="Segoe UI" panose="020B0502040204020203" pitchFamily="34" charset="0"/>
               </a:rPr>
-              <a:t>Компенсация производится посредством оценки параметров УМ с помощью пилотных сигналов, либо параметры считаются известными/переданы в сервисной информации. На основе полученных параметров применяется дополнительная обработка</a:t>
+              <a:t>Компенсация производится посредством оценки параметров УМ с помощью пилотных сигналов, либо параметры считаются </a:t>
+            </a:r>
+            <a:r>
+              <a:rPr lang="ru-RU" dirty="0" smtClean="0">
+                <a:latin typeface="Segoe UI" panose="020B0502040204020203" pitchFamily="34" charset="0"/>
+                <a:cs typeface="Segoe UI" panose="020B0502040204020203" pitchFamily="34" charset="0"/>
+              </a:rPr>
+              <a:t>известными/переданными </a:t>
+            </a:r>
+            <a:r>
+              <a:rPr lang="ru-RU" dirty="0">
+                <a:latin typeface="Segoe UI" panose="020B0502040204020203" pitchFamily="34" charset="0"/>
+                <a:cs typeface="Segoe UI" panose="020B0502040204020203" pitchFamily="34" charset="0"/>
+              </a:rPr>
+              <a:t>в сервисной информации. На основе полученных параметров применяется дополнительная обработка</a:t>
             </a:r>
           </a:p>
           <a:p>
@@ -8047,6 +7839,13 @@
   <p:clrMapOvr>
     <a:masterClrMapping/>
   </p:clrMapOvr>
+  <p:timing>
+    <p:tnLst>
+      <p:par>
+        <p:cTn id="1" dur="indefinite" restart="never" nodeType="tmRoot"/>
+      </p:par>
+    </p:tnLst>
+  </p:timing>
 </p:sld>
 </file>
 
@@ -8841,6 +8640,13 @@
   <p:clrMapOvr>
     <a:masterClrMapping/>
   </p:clrMapOvr>
+  <p:timing>
+    <p:tnLst>
+      <p:par>
+        <p:cTn id="1" dur="indefinite" restart="never" nodeType="tmRoot"/>
+      </p:par>
+    </p:tnLst>
+  </p:timing>
 </p:sld>
 </file>
 
@@ -8954,7 +8760,7 @@
         </p:blipFill>
         <p:spPr>
           <a:xfrm>
-            <a:off x="994702" y="1617410"/>
+            <a:off x="1089590" y="1548400"/>
             <a:ext cx="6478681" cy="2361148"/>
           </a:xfrm>
           <a:prstGeom prst="rect">
@@ -8984,7 +8790,7 @@
         </p:blipFill>
         <p:spPr>
           <a:xfrm>
-            <a:off x="0" y="4268060"/>
+            <a:off x="8626" y="4052402"/>
             <a:ext cx="8163288" cy="2361148"/>
           </a:xfrm>
           <a:prstGeom prst="rect">
@@ -9002,6 +8808,13 @@
   <p:clrMapOvr>
     <a:masterClrMapping/>
   </p:clrMapOvr>
+  <p:timing>
+    <p:tnLst>
+      <p:par>
+        <p:cTn id="1" dur="indefinite" restart="never" nodeType="tmRoot"/>
+      </p:par>
+    </p:tnLst>
+  </p:timing>
 </p:sld>
 </file>
 
@@ -9510,7 +9323,7 @@
         </p:nvGraphicFramePr>
         <p:xfrm>
           <a:off x="3252955" y="1733554"/>
-          <a:ext cx="5040923" cy="4924421"/>
+          <a:ext cx="5040923" cy="4930901"/>
         </p:xfrm>
         <a:graphic>
           <a:graphicData uri="http://schemas.openxmlformats.org/drawingml/2006/table">
@@ -11325,6 +11138,13 @@
   <p:clrMapOvr>
     <a:masterClrMapping/>
   </p:clrMapOvr>
+  <p:timing>
+    <p:tnLst>
+      <p:par>
+        <p:cTn id="1" dur="indefinite" restart="never" nodeType="tmRoot"/>
+      </p:par>
+    </p:tnLst>
+  </p:timing>
 </p:sld>
 </file>
 
@@ -11347,13 +11167,7 @@
       </p:grpSpPr>
       <p:pic>
         <p:nvPicPr>
-          <p:cNvPr id="9" name="Рисунок 8">
-            <a:extLst>
-              <a:ext uri="{FF2B5EF4-FFF2-40B4-BE49-F238E27FC236}">
-                <a16:creationId xmlns:a16="http://schemas.microsoft.com/office/drawing/2014/main" id="{8D0D5AD3-089B-E599-FC70-7A5B1095D615}"/>
-              </a:ext>
-            </a:extLst>
-          </p:cNvPr>
+          <p:cNvPr id="3" name="Рисунок 2"/>
           <p:cNvPicPr>
             <a:picLocks noChangeAspect="1"/>
           </p:cNvPicPr>
@@ -11367,13 +11181,990 @@
               </a:ext>
             </a:extLst>
           </a:blip>
-          <a:srcRect r="4482"/>
+          <a:srcRect r="8004"/>
           <a:stretch/>
         </p:blipFill>
         <p:spPr>
           <a:xfrm>
-            <a:off x="2315209" y="1540945"/>
-            <a:ext cx="5999736" cy="4709161"/>
+            <a:off x="2194011" y="1454434"/>
+            <a:ext cx="6130479" cy="4995977"/>
+          </a:xfrm>
+          <a:prstGeom prst="rect">
+            <a:avLst/>
+          </a:prstGeom>
+        </p:spPr>
+      </p:pic>
+      <p:sp>
+        <p:nvSpPr>
+          <p:cNvPr id="2" name="Заголовок 1">
+            <a:extLst>
+              <a:ext uri="{FF2B5EF4-FFF2-40B4-BE49-F238E27FC236}">
+                <a16:creationId xmlns:a16="http://schemas.microsoft.com/office/drawing/2014/main" id="{8BE826D0-5549-D29A-4886-74267A5EE61A}"/>
+              </a:ext>
+            </a:extLst>
+          </p:cNvPr>
+          <p:cNvSpPr>
+            <a:spLocks noGrp="1"/>
+          </p:cNvSpPr>
+          <p:nvPr>
+            <p:ph type="title"/>
+          </p:nvPr>
+        </p:nvSpPr>
+        <p:spPr>
+          <a:xfrm>
+            <a:off x="123444" y="213360"/>
+            <a:ext cx="7269480" cy="1325562"/>
+          </a:xfrm>
+        </p:spPr>
+        <p:txBody>
+          <a:bodyPr anchor="t"/>
+          <a:lstStyle/>
+          <a:p>
+            <a:r>
+              <a:rPr lang="ru-RU" dirty="0">
+                <a:latin typeface="Segoe UI Semibold" panose="020B0702040204020203" pitchFamily="34" charset="0"/>
+                <a:cs typeface="Segoe UI Semibold" panose="020B0702040204020203" pitchFamily="34" charset="0"/>
+              </a:rPr>
+              <a:t>Результаты симуляций</a:t>
+            </a:r>
+          </a:p>
+        </p:txBody>
+      </p:sp>
+      <p:sp>
+        <p:nvSpPr>
+          <p:cNvPr id="4" name="Номер слайда 3">
+            <a:extLst>
+              <a:ext uri="{FF2B5EF4-FFF2-40B4-BE49-F238E27FC236}">
+                <a16:creationId xmlns:a16="http://schemas.microsoft.com/office/drawing/2014/main" id="{8B490247-C3DE-4E64-3994-77CF364D4A23}"/>
+              </a:ext>
+            </a:extLst>
+          </p:cNvPr>
+          <p:cNvSpPr>
+            <a:spLocks noGrp="1"/>
+          </p:cNvSpPr>
+          <p:nvPr>
+            <p:ph type="sldNum" sz="quarter" idx="12"/>
+          </p:nvPr>
+        </p:nvSpPr>
+        <p:spPr/>
+        <p:txBody>
+          <a:bodyPr>
+            <a:normAutofit/>
+          </a:bodyPr>
+          <a:lstStyle/>
+          <a:p>
+            <a:fld id="{12AFF886-F040-4FA5-8BD0-0A595B4BDA00}" type="slidenum">
+              <a:rPr lang="ru-RU" sz="1600" smtClean="0"/>
+              <a:t>17</a:t>
+            </a:fld>
+            <a:r>
+              <a:rPr lang="en-US" sz="1600" dirty="0"/>
+              <a:t> /22</a:t>
+            </a:r>
+            <a:endParaRPr lang="ru-RU" sz="1600" dirty="0"/>
+          </a:p>
+        </p:txBody>
+      </p:sp>
+      <p:sp>
+        <p:nvSpPr>
+          <p:cNvPr id="9" name="Объект 2">
+            <a:extLst>
+              <a:ext uri="{FF2B5EF4-FFF2-40B4-BE49-F238E27FC236}">
+                <a16:creationId xmlns:a16="http://schemas.microsoft.com/office/drawing/2014/main" id="{AFD22DDD-4286-1C88-C480-8C9F4968079A}"/>
+              </a:ext>
+            </a:extLst>
+          </p:cNvPr>
+          <p:cNvSpPr txBox="1">
+            <a:spLocks/>
+          </p:cNvSpPr>
+          <p:nvPr/>
+        </p:nvSpPr>
+        <p:spPr>
+          <a:xfrm>
+            <a:off x="231492" y="1008185"/>
+            <a:ext cx="6227923" cy="668215"/>
+          </a:xfrm>
+          <a:prstGeom prst="rect">
+            <a:avLst/>
+          </a:prstGeom>
+        </p:spPr>
+        <p:txBody>
+          <a:bodyPr vert="horz" lIns="91440" tIns="45720" rIns="91440" bIns="45720" rtlCol="0">
+            <a:normAutofit/>
+          </a:bodyPr>
+          <a:lstStyle>
+            <a:lvl1pPr marL="182880" indent="-182880" algn="l" defTabSz="914400" rtl="0" eaLnBrk="1" latinLnBrk="0" hangingPunct="1">
+              <a:lnSpc>
+                <a:spcPct val="95000"/>
+              </a:lnSpc>
+              <a:spcBef>
+                <a:spcPts val="1400"/>
+              </a:spcBef>
+              <a:spcAft>
+                <a:spcPts val="200"/>
+              </a:spcAft>
+              <a:buClr>
+                <a:schemeClr val="accent1"/>
+              </a:buClr>
+              <a:buSzPct val="80000"/>
+              <a:buFont typeface="Arial" pitchFamily="34" charset="0"/>
+              <a:buChar char="•"/>
+              <a:defRPr sz="1800" kern="1200" spc="10" baseline="0">
+                <a:solidFill>
+                  <a:schemeClr val="tx1"/>
+                </a:solidFill>
+                <a:latin typeface="+mn-lt"/>
+                <a:ea typeface="+mn-ea"/>
+                <a:cs typeface="+mn-cs"/>
+              </a:defRPr>
+            </a:lvl1pPr>
+            <a:lvl2pPr marL="457200" indent="-182880" algn="l" defTabSz="914400" rtl="0" eaLnBrk="1" latinLnBrk="0" hangingPunct="1">
+              <a:lnSpc>
+                <a:spcPct val="90000"/>
+              </a:lnSpc>
+              <a:spcBef>
+                <a:spcPts val="300"/>
+              </a:spcBef>
+              <a:spcAft>
+                <a:spcPts val="300"/>
+              </a:spcAft>
+              <a:buClr>
+                <a:schemeClr val="accent1"/>
+              </a:buClr>
+              <a:buFont typeface="Wingdings 2" pitchFamily="18" charset="2"/>
+              <a:buChar char=""/>
+              <a:defRPr sz="1600" kern="1200">
+                <a:solidFill>
+                  <a:schemeClr val="tx1">
+                    <a:lumMod val="85000"/>
+                    <a:lumOff val="15000"/>
+                  </a:schemeClr>
+                </a:solidFill>
+                <a:latin typeface="+mn-lt"/>
+                <a:ea typeface="+mn-ea"/>
+                <a:cs typeface="+mn-cs"/>
+              </a:defRPr>
+            </a:lvl2pPr>
+            <a:lvl3pPr marL="731520" indent="-182880" algn="l" defTabSz="914400" rtl="0" eaLnBrk="1" latinLnBrk="0" hangingPunct="1">
+              <a:lnSpc>
+                <a:spcPct val="90000"/>
+              </a:lnSpc>
+              <a:spcBef>
+                <a:spcPts val="300"/>
+              </a:spcBef>
+              <a:spcAft>
+                <a:spcPts val="300"/>
+              </a:spcAft>
+              <a:buClr>
+                <a:schemeClr val="accent1"/>
+              </a:buClr>
+              <a:buFont typeface="Wingdings 2" pitchFamily="18" charset="2"/>
+              <a:buChar char=""/>
+              <a:defRPr sz="1400" kern="1200">
+                <a:solidFill>
+                  <a:schemeClr val="tx1">
+                    <a:lumMod val="85000"/>
+                    <a:lumOff val="15000"/>
+                  </a:schemeClr>
+                </a:solidFill>
+                <a:latin typeface="+mn-lt"/>
+                <a:ea typeface="+mn-ea"/>
+                <a:cs typeface="+mn-cs"/>
+              </a:defRPr>
+            </a:lvl3pPr>
+            <a:lvl4pPr marL="1005840" indent="-182880" algn="l" defTabSz="914400" rtl="0" eaLnBrk="1" latinLnBrk="0" hangingPunct="1">
+              <a:lnSpc>
+                <a:spcPct val="90000"/>
+              </a:lnSpc>
+              <a:spcBef>
+                <a:spcPts val="300"/>
+              </a:spcBef>
+              <a:spcAft>
+                <a:spcPts val="300"/>
+              </a:spcAft>
+              <a:buClr>
+                <a:schemeClr val="accent1"/>
+              </a:buClr>
+              <a:buFont typeface="Wingdings 2" pitchFamily="18" charset="2"/>
+              <a:buChar char=""/>
+              <a:defRPr sz="1400" kern="1200">
+                <a:solidFill>
+                  <a:schemeClr val="tx1">
+                    <a:lumMod val="85000"/>
+                    <a:lumOff val="15000"/>
+                  </a:schemeClr>
+                </a:solidFill>
+                <a:latin typeface="+mn-lt"/>
+                <a:ea typeface="+mn-ea"/>
+                <a:cs typeface="+mn-cs"/>
+              </a:defRPr>
+            </a:lvl4pPr>
+            <a:lvl5pPr marL="1280160" indent="-182880" algn="l" defTabSz="914400" rtl="0" eaLnBrk="1" latinLnBrk="0" hangingPunct="1">
+              <a:lnSpc>
+                <a:spcPct val="90000"/>
+              </a:lnSpc>
+              <a:spcBef>
+                <a:spcPts val="300"/>
+              </a:spcBef>
+              <a:spcAft>
+                <a:spcPts val="300"/>
+              </a:spcAft>
+              <a:buClr>
+                <a:schemeClr val="accent1"/>
+              </a:buClr>
+              <a:buFont typeface="Wingdings 2" pitchFamily="18" charset="2"/>
+              <a:buChar char=""/>
+              <a:defRPr sz="1400" kern="1200">
+                <a:solidFill>
+                  <a:schemeClr val="tx1">
+                    <a:lumMod val="85000"/>
+                    <a:lumOff val="15000"/>
+                  </a:schemeClr>
+                </a:solidFill>
+                <a:latin typeface="+mn-lt"/>
+                <a:ea typeface="+mn-ea"/>
+                <a:cs typeface="+mn-cs"/>
+              </a:defRPr>
+            </a:lvl5pPr>
+            <a:lvl6pPr marL="1600000" indent="-228600" algn="l" defTabSz="914400" rtl="0" eaLnBrk="1" latinLnBrk="0" hangingPunct="1">
+              <a:lnSpc>
+                <a:spcPct val="90000"/>
+              </a:lnSpc>
+              <a:spcBef>
+                <a:spcPts val="300"/>
+              </a:spcBef>
+              <a:spcAft>
+                <a:spcPts val="300"/>
+              </a:spcAft>
+              <a:buClr>
+                <a:schemeClr val="accent1"/>
+              </a:buClr>
+              <a:buFont typeface="Wingdings 2" pitchFamily="18" charset="2"/>
+              <a:buChar char=""/>
+              <a:defRPr sz="1400" kern="1200">
+                <a:solidFill>
+                  <a:schemeClr val="tx1">
+                    <a:lumMod val="85000"/>
+                    <a:lumOff val="15000"/>
+                  </a:schemeClr>
+                </a:solidFill>
+                <a:latin typeface="+mn-lt"/>
+                <a:ea typeface="+mn-ea"/>
+                <a:cs typeface="+mn-cs"/>
+              </a:defRPr>
+            </a:lvl6pPr>
+            <a:lvl7pPr marL="1900000" indent="-228600" algn="l" defTabSz="914400" rtl="0" eaLnBrk="1" latinLnBrk="0" hangingPunct="1">
+              <a:lnSpc>
+                <a:spcPct val="90000"/>
+              </a:lnSpc>
+              <a:spcBef>
+                <a:spcPts val="300"/>
+              </a:spcBef>
+              <a:spcAft>
+                <a:spcPts val="300"/>
+              </a:spcAft>
+              <a:buClr>
+                <a:schemeClr val="accent1"/>
+              </a:buClr>
+              <a:buFont typeface="Wingdings 2" pitchFamily="18" charset="2"/>
+              <a:buChar char=""/>
+              <a:defRPr sz="1400" kern="1200">
+                <a:solidFill>
+                  <a:schemeClr val="tx1">
+                    <a:lumMod val="85000"/>
+                    <a:lumOff val="15000"/>
+                  </a:schemeClr>
+                </a:solidFill>
+                <a:latin typeface="+mn-lt"/>
+                <a:ea typeface="+mn-ea"/>
+                <a:cs typeface="+mn-cs"/>
+              </a:defRPr>
+            </a:lvl7pPr>
+            <a:lvl8pPr marL="2200000" indent="-228600" algn="l" defTabSz="914400" rtl="0" eaLnBrk="1" latinLnBrk="0" hangingPunct="1">
+              <a:lnSpc>
+                <a:spcPct val="90000"/>
+              </a:lnSpc>
+              <a:spcBef>
+                <a:spcPts val="300"/>
+              </a:spcBef>
+              <a:spcAft>
+                <a:spcPts val="300"/>
+              </a:spcAft>
+              <a:buClr>
+                <a:schemeClr val="accent1"/>
+              </a:buClr>
+              <a:buFont typeface="Wingdings 2" pitchFamily="18" charset="2"/>
+              <a:buChar char=""/>
+              <a:defRPr sz="1400" kern="1200">
+                <a:solidFill>
+                  <a:schemeClr val="tx1">
+                    <a:lumMod val="85000"/>
+                    <a:lumOff val="15000"/>
+                  </a:schemeClr>
+                </a:solidFill>
+                <a:latin typeface="+mn-lt"/>
+                <a:ea typeface="+mn-ea"/>
+                <a:cs typeface="+mn-cs"/>
+              </a:defRPr>
+            </a:lvl8pPr>
+            <a:lvl9pPr marL="2500000" indent="-228600" algn="l" defTabSz="914400" rtl="0" eaLnBrk="1" latinLnBrk="0" hangingPunct="1">
+              <a:lnSpc>
+                <a:spcPct val="90000"/>
+              </a:lnSpc>
+              <a:spcBef>
+                <a:spcPts val="300"/>
+              </a:spcBef>
+              <a:spcAft>
+                <a:spcPts val="300"/>
+              </a:spcAft>
+              <a:buClr>
+                <a:schemeClr val="accent1"/>
+              </a:buClr>
+              <a:buFont typeface="Wingdings 2" pitchFamily="18" charset="2"/>
+              <a:buChar char=""/>
+              <a:defRPr sz="1400" kern="1200">
+                <a:solidFill>
+                  <a:schemeClr val="tx1">
+                    <a:lumMod val="85000"/>
+                    <a:lumOff val="15000"/>
+                  </a:schemeClr>
+                </a:solidFill>
+                <a:latin typeface="+mn-lt"/>
+                <a:ea typeface="+mn-ea"/>
+                <a:cs typeface="+mn-cs"/>
+              </a:defRPr>
+            </a:lvl9pPr>
+          </a:lstStyle>
+          <a:p>
+            <a:pPr marL="0" indent="0">
+              <a:lnSpc>
+                <a:spcPct val="100000"/>
+              </a:lnSpc>
+              <a:buFont typeface="Arial" pitchFamily="34" charset="0"/>
+              <a:buNone/>
+            </a:pPr>
+            <a:r>
+              <a:rPr lang="en-US" sz="2400" dirty="0">
+                <a:latin typeface="Segoe UI" panose="020B0502040204020203" pitchFamily="34" charset="0"/>
+                <a:cs typeface="Segoe UI" panose="020B0502040204020203" pitchFamily="34" charset="0"/>
+              </a:rPr>
+              <a:t>CP-OFDM / 30-70 </a:t>
+            </a:r>
+            <a:r>
+              <a:rPr lang="ru-RU" sz="2400" dirty="0">
+                <a:latin typeface="Segoe UI" panose="020B0502040204020203" pitchFamily="34" charset="0"/>
+                <a:cs typeface="Segoe UI" panose="020B0502040204020203" pitchFamily="34" charset="0"/>
+              </a:rPr>
+              <a:t>ГГц / </a:t>
+            </a:r>
+            <a:r>
+              <a:rPr lang="en-US" sz="2400" dirty="0">
+                <a:latin typeface="Segoe UI" panose="020B0502040204020203" pitchFamily="34" charset="0"/>
+                <a:cs typeface="Segoe UI" panose="020B0502040204020203" pitchFamily="34" charset="0"/>
+              </a:rPr>
+              <a:t>SCS </a:t>
+            </a:r>
+            <a:r>
+              <a:rPr lang="en-US" sz="2400" dirty="0" smtClean="0">
+                <a:latin typeface="Segoe UI" panose="020B0502040204020203" pitchFamily="34" charset="0"/>
+                <a:cs typeface="Segoe UI" panose="020B0502040204020203" pitchFamily="34" charset="0"/>
+              </a:rPr>
+              <a:t>480 </a:t>
+            </a:r>
+            <a:r>
+              <a:rPr lang="ru-RU" sz="2400" dirty="0">
+                <a:latin typeface="Segoe UI" panose="020B0502040204020203" pitchFamily="34" charset="0"/>
+                <a:cs typeface="Segoe UI" panose="020B0502040204020203" pitchFamily="34" charset="0"/>
+              </a:rPr>
+              <a:t>кГц</a:t>
+            </a:r>
+          </a:p>
+        </p:txBody>
+      </p:sp>
+      <p:sp>
+        <p:nvSpPr>
+          <p:cNvPr id="6" name="Объект 2">
+            <a:extLst>
+              <a:ext uri="{FF2B5EF4-FFF2-40B4-BE49-F238E27FC236}">
+                <a16:creationId xmlns:a16="http://schemas.microsoft.com/office/drawing/2014/main" id="{3B0F7A96-339D-E8A9-E2AB-8E1B611D8D15}"/>
+              </a:ext>
+            </a:extLst>
+          </p:cNvPr>
+          <p:cNvSpPr txBox="1">
+            <a:spLocks/>
+          </p:cNvSpPr>
+          <p:nvPr/>
+        </p:nvSpPr>
+        <p:spPr>
+          <a:xfrm>
+            <a:off x="231492" y="1709054"/>
+            <a:ext cx="2805006" cy="2768056"/>
+          </a:xfrm>
+          <a:prstGeom prst="rect">
+            <a:avLst/>
+          </a:prstGeom>
+        </p:spPr>
+        <p:txBody>
+          <a:bodyPr vert="horz" lIns="91440" tIns="45720" rIns="91440" bIns="45720" rtlCol="0">
+            <a:normAutofit/>
+          </a:bodyPr>
+          <a:lstStyle>
+            <a:lvl1pPr marL="182880" indent="-182880" algn="l" defTabSz="914400" rtl="0" eaLnBrk="1" latinLnBrk="0" hangingPunct="1">
+              <a:lnSpc>
+                <a:spcPct val="95000"/>
+              </a:lnSpc>
+              <a:spcBef>
+                <a:spcPts val="1400"/>
+              </a:spcBef>
+              <a:spcAft>
+                <a:spcPts val="200"/>
+              </a:spcAft>
+              <a:buClr>
+                <a:schemeClr val="accent1"/>
+              </a:buClr>
+              <a:buSzPct val="80000"/>
+              <a:buFont typeface="Arial" pitchFamily="34" charset="0"/>
+              <a:buChar char="•"/>
+              <a:defRPr sz="1800" kern="1200" spc="10" baseline="0">
+                <a:solidFill>
+                  <a:schemeClr val="tx1"/>
+                </a:solidFill>
+                <a:latin typeface="+mn-lt"/>
+                <a:ea typeface="+mn-ea"/>
+                <a:cs typeface="+mn-cs"/>
+              </a:defRPr>
+            </a:lvl1pPr>
+            <a:lvl2pPr marL="457200" indent="-182880" algn="l" defTabSz="914400" rtl="0" eaLnBrk="1" latinLnBrk="0" hangingPunct="1">
+              <a:lnSpc>
+                <a:spcPct val="90000"/>
+              </a:lnSpc>
+              <a:spcBef>
+                <a:spcPts val="300"/>
+              </a:spcBef>
+              <a:spcAft>
+                <a:spcPts val="300"/>
+              </a:spcAft>
+              <a:buClr>
+                <a:schemeClr val="accent1"/>
+              </a:buClr>
+              <a:buFont typeface="Wingdings 2" pitchFamily="18" charset="2"/>
+              <a:buChar char=""/>
+              <a:defRPr sz="1600" kern="1200">
+                <a:solidFill>
+                  <a:schemeClr val="tx1">
+                    <a:lumMod val="85000"/>
+                    <a:lumOff val="15000"/>
+                  </a:schemeClr>
+                </a:solidFill>
+                <a:latin typeface="+mn-lt"/>
+                <a:ea typeface="+mn-ea"/>
+                <a:cs typeface="+mn-cs"/>
+              </a:defRPr>
+            </a:lvl2pPr>
+            <a:lvl3pPr marL="731520" indent="-182880" algn="l" defTabSz="914400" rtl="0" eaLnBrk="1" latinLnBrk="0" hangingPunct="1">
+              <a:lnSpc>
+                <a:spcPct val="90000"/>
+              </a:lnSpc>
+              <a:spcBef>
+                <a:spcPts val="300"/>
+              </a:spcBef>
+              <a:spcAft>
+                <a:spcPts val="300"/>
+              </a:spcAft>
+              <a:buClr>
+                <a:schemeClr val="accent1"/>
+              </a:buClr>
+              <a:buFont typeface="Wingdings 2" pitchFamily="18" charset="2"/>
+              <a:buChar char=""/>
+              <a:defRPr sz="1400" kern="1200">
+                <a:solidFill>
+                  <a:schemeClr val="tx1">
+                    <a:lumMod val="85000"/>
+                    <a:lumOff val="15000"/>
+                  </a:schemeClr>
+                </a:solidFill>
+                <a:latin typeface="+mn-lt"/>
+                <a:ea typeface="+mn-ea"/>
+                <a:cs typeface="+mn-cs"/>
+              </a:defRPr>
+            </a:lvl3pPr>
+            <a:lvl4pPr marL="1005840" indent="-182880" algn="l" defTabSz="914400" rtl="0" eaLnBrk="1" latinLnBrk="0" hangingPunct="1">
+              <a:lnSpc>
+                <a:spcPct val="90000"/>
+              </a:lnSpc>
+              <a:spcBef>
+                <a:spcPts val="300"/>
+              </a:spcBef>
+              <a:spcAft>
+                <a:spcPts val="300"/>
+              </a:spcAft>
+              <a:buClr>
+                <a:schemeClr val="accent1"/>
+              </a:buClr>
+              <a:buFont typeface="Wingdings 2" pitchFamily="18" charset="2"/>
+              <a:buChar char=""/>
+              <a:defRPr sz="1400" kern="1200">
+                <a:solidFill>
+                  <a:schemeClr val="tx1">
+                    <a:lumMod val="85000"/>
+                    <a:lumOff val="15000"/>
+                  </a:schemeClr>
+                </a:solidFill>
+                <a:latin typeface="+mn-lt"/>
+                <a:ea typeface="+mn-ea"/>
+                <a:cs typeface="+mn-cs"/>
+              </a:defRPr>
+            </a:lvl4pPr>
+            <a:lvl5pPr marL="1280160" indent="-182880" algn="l" defTabSz="914400" rtl="0" eaLnBrk="1" latinLnBrk="0" hangingPunct="1">
+              <a:lnSpc>
+                <a:spcPct val="90000"/>
+              </a:lnSpc>
+              <a:spcBef>
+                <a:spcPts val="300"/>
+              </a:spcBef>
+              <a:spcAft>
+                <a:spcPts val="300"/>
+              </a:spcAft>
+              <a:buClr>
+                <a:schemeClr val="accent1"/>
+              </a:buClr>
+              <a:buFont typeface="Wingdings 2" pitchFamily="18" charset="2"/>
+              <a:buChar char=""/>
+              <a:defRPr sz="1400" kern="1200">
+                <a:solidFill>
+                  <a:schemeClr val="tx1">
+                    <a:lumMod val="85000"/>
+                    <a:lumOff val="15000"/>
+                  </a:schemeClr>
+                </a:solidFill>
+                <a:latin typeface="+mn-lt"/>
+                <a:ea typeface="+mn-ea"/>
+                <a:cs typeface="+mn-cs"/>
+              </a:defRPr>
+            </a:lvl5pPr>
+            <a:lvl6pPr marL="1600000" indent="-228600" algn="l" defTabSz="914400" rtl="0" eaLnBrk="1" latinLnBrk="0" hangingPunct="1">
+              <a:lnSpc>
+                <a:spcPct val="90000"/>
+              </a:lnSpc>
+              <a:spcBef>
+                <a:spcPts val="300"/>
+              </a:spcBef>
+              <a:spcAft>
+                <a:spcPts val="300"/>
+              </a:spcAft>
+              <a:buClr>
+                <a:schemeClr val="accent1"/>
+              </a:buClr>
+              <a:buFont typeface="Wingdings 2" pitchFamily="18" charset="2"/>
+              <a:buChar char=""/>
+              <a:defRPr sz="1400" kern="1200">
+                <a:solidFill>
+                  <a:schemeClr val="tx1">
+                    <a:lumMod val="85000"/>
+                    <a:lumOff val="15000"/>
+                  </a:schemeClr>
+                </a:solidFill>
+                <a:latin typeface="+mn-lt"/>
+                <a:ea typeface="+mn-ea"/>
+                <a:cs typeface="+mn-cs"/>
+              </a:defRPr>
+            </a:lvl6pPr>
+            <a:lvl7pPr marL="1900000" indent="-228600" algn="l" defTabSz="914400" rtl="0" eaLnBrk="1" latinLnBrk="0" hangingPunct="1">
+              <a:lnSpc>
+                <a:spcPct val="90000"/>
+              </a:lnSpc>
+              <a:spcBef>
+                <a:spcPts val="300"/>
+              </a:spcBef>
+              <a:spcAft>
+                <a:spcPts val="300"/>
+              </a:spcAft>
+              <a:buClr>
+                <a:schemeClr val="accent1"/>
+              </a:buClr>
+              <a:buFont typeface="Wingdings 2" pitchFamily="18" charset="2"/>
+              <a:buChar char=""/>
+              <a:defRPr sz="1400" kern="1200">
+                <a:solidFill>
+                  <a:schemeClr val="tx1">
+                    <a:lumMod val="85000"/>
+                    <a:lumOff val="15000"/>
+                  </a:schemeClr>
+                </a:solidFill>
+                <a:latin typeface="+mn-lt"/>
+                <a:ea typeface="+mn-ea"/>
+                <a:cs typeface="+mn-cs"/>
+              </a:defRPr>
+            </a:lvl7pPr>
+            <a:lvl8pPr marL="2200000" indent="-228600" algn="l" defTabSz="914400" rtl="0" eaLnBrk="1" latinLnBrk="0" hangingPunct="1">
+              <a:lnSpc>
+                <a:spcPct val="90000"/>
+              </a:lnSpc>
+              <a:spcBef>
+                <a:spcPts val="300"/>
+              </a:spcBef>
+              <a:spcAft>
+                <a:spcPts val="300"/>
+              </a:spcAft>
+              <a:buClr>
+                <a:schemeClr val="accent1"/>
+              </a:buClr>
+              <a:buFont typeface="Wingdings 2" pitchFamily="18" charset="2"/>
+              <a:buChar char=""/>
+              <a:defRPr sz="1400" kern="1200">
+                <a:solidFill>
+                  <a:schemeClr val="tx1">
+                    <a:lumMod val="85000"/>
+                    <a:lumOff val="15000"/>
+                  </a:schemeClr>
+                </a:solidFill>
+                <a:latin typeface="+mn-lt"/>
+                <a:ea typeface="+mn-ea"/>
+                <a:cs typeface="+mn-cs"/>
+              </a:defRPr>
+            </a:lvl8pPr>
+            <a:lvl9pPr marL="2500000" indent="-228600" algn="l" defTabSz="914400" rtl="0" eaLnBrk="1" latinLnBrk="0" hangingPunct="1">
+              <a:lnSpc>
+                <a:spcPct val="90000"/>
+              </a:lnSpc>
+              <a:spcBef>
+                <a:spcPts val="300"/>
+              </a:spcBef>
+              <a:spcAft>
+                <a:spcPts val="300"/>
+              </a:spcAft>
+              <a:buClr>
+                <a:schemeClr val="accent1"/>
+              </a:buClr>
+              <a:buFont typeface="Wingdings 2" pitchFamily="18" charset="2"/>
+              <a:buChar char=""/>
+              <a:defRPr sz="1400" kern="1200">
+                <a:solidFill>
+                  <a:schemeClr val="tx1">
+                    <a:lumMod val="85000"/>
+                    <a:lumOff val="15000"/>
+                  </a:schemeClr>
+                </a:solidFill>
+                <a:latin typeface="+mn-lt"/>
+                <a:ea typeface="+mn-ea"/>
+                <a:cs typeface="+mn-cs"/>
+              </a:defRPr>
+            </a:lvl9pPr>
+          </a:lstStyle>
+          <a:p>
+            <a:pPr marL="0" indent="0">
+              <a:buNone/>
+            </a:pPr>
+            <a:r>
+              <a:rPr lang="ru-RU" dirty="0">
+                <a:latin typeface="Segoe UI" panose="020B0502040204020203" pitchFamily="34" charset="0"/>
+                <a:cs typeface="Segoe UI" panose="020B0502040204020203" pitchFamily="34" charset="0"/>
+              </a:rPr>
+              <a:t>Использование компенсации уменьшает количество ошибок для выбранного ОСШ по сравнению с не компенсированным случаем (кривая сдвигается вниз) </a:t>
+            </a:r>
+          </a:p>
+          <a:p>
+            <a:pPr marL="0" indent="0">
+              <a:buFont typeface="Arial" pitchFamily="34" charset="0"/>
+              <a:buNone/>
+            </a:pPr>
+            <a:endParaRPr lang="ru-RU" dirty="0">
+              <a:latin typeface="Segoe UI" panose="020B0502040204020203" pitchFamily="34" charset="0"/>
+              <a:cs typeface="Segoe UI" panose="020B0502040204020203" pitchFamily="34" charset="0"/>
+            </a:endParaRPr>
+          </a:p>
+        </p:txBody>
+      </p:sp>
+      <p:sp>
+        <p:nvSpPr>
+          <p:cNvPr id="8" name="TextBox 7">
+            <a:extLst>
+              <a:ext uri="{FF2B5EF4-FFF2-40B4-BE49-F238E27FC236}">
+                <a16:creationId xmlns:a16="http://schemas.microsoft.com/office/drawing/2014/main" id="{F1BC1016-5E44-127A-E4F0-D0CB1D001880}"/>
+              </a:ext>
+            </a:extLst>
+          </p:cNvPr>
+          <p:cNvSpPr txBox="1"/>
+          <p:nvPr/>
+        </p:nvSpPr>
+        <p:spPr>
+          <a:xfrm>
+            <a:off x="562073" y="4309599"/>
+            <a:ext cx="2378358" cy="2308324"/>
+          </a:xfrm>
+          <a:prstGeom prst="rect">
+            <a:avLst/>
+          </a:prstGeom>
+          <a:noFill/>
+        </p:spPr>
+        <p:txBody>
+          <a:bodyPr wrap="square">
+            <a:spAutoFit/>
+          </a:bodyPr>
+          <a:lstStyle/>
+          <a:p>
+            <a:r>
+              <a:rPr lang="en-US" dirty="0">
+                <a:latin typeface="Segoe UI" panose="020B0502040204020203" pitchFamily="34" charset="0"/>
+                <a:cs typeface="Segoe UI" panose="020B0502040204020203" pitchFamily="34" charset="0"/>
+              </a:rPr>
+              <a:t>MCS 27: 64-QAM,</a:t>
+            </a:r>
+          </a:p>
+          <a:p>
+            <a:r>
+              <a:rPr lang="en-US" dirty="0">
+                <a:latin typeface="Segoe UI" panose="020B0502040204020203" pitchFamily="34" charset="0"/>
+                <a:cs typeface="Segoe UI" panose="020B0502040204020203" pitchFamily="34" charset="0"/>
+              </a:rPr>
+              <a:t>R = 0.89</a:t>
+            </a:r>
+          </a:p>
+          <a:p>
+            <a:endParaRPr lang="en-US" dirty="0">
+              <a:latin typeface="Segoe UI" panose="020B0502040204020203" pitchFamily="34" charset="0"/>
+              <a:cs typeface="Segoe UI" panose="020B0502040204020203" pitchFamily="34" charset="0"/>
+            </a:endParaRPr>
+          </a:p>
+          <a:p>
+            <a:r>
+              <a:rPr lang="en-US" dirty="0">
+                <a:latin typeface="Segoe UI" panose="020B0502040204020203" pitchFamily="34" charset="0"/>
+                <a:cs typeface="Segoe UI" panose="020B0502040204020203" pitchFamily="34" charset="0"/>
+              </a:rPr>
+              <a:t>MCS 22: 64-QAM,</a:t>
+            </a:r>
+          </a:p>
+          <a:p>
+            <a:r>
+              <a:rPr lang="en-US" dirty="0">
+                <a:latin typeface="Segoe UI" panose="020B0502040204020203" pitchFamily="34" charset="0"/>
+                <a:cs typeface="Segoe UI" panose="020B0502040204020203" pitchFamily="34" charset="0"/>
+              </a:rPr>
+              <a:t>R = 0.65</a:t>
+            </a:r>
+          </a:p>
+          <a:p>
+            <a:endParaRPr lang="en-US" dirty="0">
+              <a:latin typeface="Segoe UI" panose="020B0502040204020203" pitchFamily="34" charset="0"/>
+              <a:cs typeface="Segoe UI" panose="020B0502040204020203" pitchFamily="34" charset="0"/>
+            </a:endParaRPr>
+          </a:p>
+          <a:p>
+            <a:r>
+              <a:rPr lang="en-US" dirty="0">
+                <a:latin typeface="Segoe UI" panose="020B0502040204020203" pitchFamily="34" charset="0"/>
+                <a:cs typeface="Segoe UI" panose="020B0502040204020203" pitchFamily="34" charset="0"/>
+              </a:rPr>
+              <a:t>MCS 22t2: 256-QAM, R = 0.74</a:t>
+            </a:r>
+          </a:p>
+        </p:txBody>
+      </p:sp>
+      <p:sp>
+        <p:nvSpPr>
+          <p:cNvPr id="5" name="Овал 4"/>
+          <p:cNvSpPr/>
+          <p:nvPr/>
+        </p:nvSpPr>
+        <p:spPr>
+          <a:xfrm>
+            <a:off x="340925" y="5369804"/>
+            <a:ext cx="181154" cy="181154"/>
+          </a:xfrm>
+          <a:prstGeom prst="ellipse">
+            <a:avLst/>
+          </a:prstGeom>
+          <a:solidFill>
+            <a:srgbClr val="ED1E79"/>
+          </a:solidFill>
+          <a:ln w="19050">
+            <a:solidFill>
+              <a:srgbClr val="000000"/>
+            </a:solidFill>
+          </a:ln>
+        </p:spPr>
+        <p:style>
+          <a:lnRef idx="2">
+            <a:schemeClr val="accent1">
+              <a:shade val="50000"/>
+            </a:schemeClr>
+          </a:lnRef>
+          <a:fillRef idx="1">
+            <a:schemeClr val="accent1"/>
+          </a:fillRef>
+          <a:effectRef idx="0">
+            <a:schemeClr val="accent1"/>
+          </a:effectRef>
+          <a:fontRef idx="minor">
+            <a:schemeClr val="lt1"/>
+          </a:fontRef>
+        </p:style>
+        <p:txBody>
+          <a:bodyPr rtlCol="0" anchor="ctr"/>
+          <a:lstStyle/>
+          <a:p>
+            <a:pPr algn="ctr"/>
+            <a:endParaRPr lang="ru-RU"/>
+          </a:p>
+        </p:txBody>
+      </p:sp>
+      <p:sp>
+        <p:nvSpPr>
+          <p:cNvPr id="11" name="Овал 10"/>
+          <p:cNvSpPr/>
+          <p:nvPr/>
+        </p:nvSpPr>
+        <p:spPr>
+          <a:xfrm>
+            <a:off x="340925" y="4550591"/>
+            <a:ext cx="181154" cy="181154"/>
+          </a:xfrm>
+          <a:prstGeom prst="ellipse">
+            <a:avLst/>
+          </a:prstGeom>
+          <a:solidFill>
+            <a:srgbClr val="29C582"/>
+          </a:solidFill>
+          <a:ln w="19050">
+            <a:solidFill>
+              <a:schemeClr val="tx1"/>
+            </a:solidFill>
+          </a:ln>
+        </p:spPr>
+        <p:style>
+          <a:lnRef idx="2">
+            <a:schemeClr val="accent1">
+              <a:shade val="50000"/>
+            </a:schemeClr>
+          </a:lnRef>
+          <a:fillRef idx="1">
+            <a:schemeClr val="accent1"/>
+          </a:fillRef>
+          <a:effectRef idx="0">
+            <a:schemeClr val="accent1"/>
+          </a:effectRef>
+          <a:fontRef idx="minor">
+            <a:schemeClr val="lt1"/>
+          </a:fontRef>
+        </p:style>
+        <p:txBody>
+          <a:bodyPr rtlCol="0" anchor="ctr"/>
+          <a:lstStyle/>
+          <a:p>
+            <a:pPr algn="ctr"/>
+            <a:endParaRPr lang="ru-RU"/>
+          </a:p>
+        </p:txBody>
+      </p:sp>
+      <p:sp>
+        <p:nvSpPr>
+          <p:cNvPr id="12" name="Овал 11"/>
+          <p:cNvSpPr/>
+          <p:nvPr/>
+        </p:nvSpPr>
+        <p:spPr>
+          <a:xfrm>
+            <a:off x="334935" y="6195776"/>
+            <a:ext cx="181154" cy="181154"/>
+          </a:xfrm>
+          <a:prstGeom prst="ellipse">
+            <a:avLst/>
+          </a:prstGeom>
+          <a:solidFill>
+            <a:srgbClr val="F58C47"/>
+          </a:solidFill>
+          <a:ln w="19050">
+            <a:solidFill>
+              <a:srgbClr val="000000"/>
+            </a:solidFill>
+          </a:ln>
+        </p:spPr>
+        <p:style>
+          <a:lnRef idx="2">
+            <a:schemeClr val="accent1">
+              <a:shade val="50000"/>
+            </a:schemeClr>
+          </a:lnRef>
+          <a:fillRef idx="1">
+            <a:schemeClr val="accent1"/>
+          </a:fillRef>
+          <a:effectRef idx="0">
+            <a:schemeClr val="accent1"/>
+          </a:effectRef>
+          <a:fontRef idx="minor">
+            <a:schemeClr val="lt1"/>
+          </a:fontRef>
+        </p:style>
+        <p:txBody>
+          <a:bodyPr rtlCol="0" anchor="ctr"/>
+          <a:lstStyle/>
+          <a:p>
+            <a:pPr algn="ctr"/>
+            <a:endParaRPr lang="ru-RU"/>
+          </a:p>
+        </p:txBody>
+      </p:sp>
+    </p:spTree>
+    <p:extLst>
+      <p:ext uri="{BB962C8B-B14F-4D97-AF65-F5344CB8AC3E}">
+        <p14:creationId xmlns:p14="http://schemas.microsoft.com/office/powerpoint/2010/main" val="2903298178"/>
+      </p:ext>
+    </p:extLst>
+  </p:cSld>
+  <p:clrMapOvr>
+    <a:masterClrMapping/>
+  </p:clrMapOvr>
+  <p:timing>
+    <p:tnLst>
+      <p:par>
+        <p:cTn id="1" dur="indefinite" restart="never" nodeType="tmRoot"/>
+      </p:par>
+    </p:tnLst>
+  </p:timing>
+</p:sld>
+</file>
+
+<file path=ppt/slides/slide18.xml><?xml version="1.0" encoding="utf-8"?>
+<p:sld xmlns:a="http://schemas.openxmlformats.org/drawingml/2006/main" xmlns:r="http://schemas.openxmlformats.org/officeDocument/2006/relationships" xmlns:p="http://schemas.openxmlformats.org/presentationml/2006/main">
+  <p:cSld>
+    <p:spTree>
+      <p:nvGrpSpPr>
+        <p:cNvPr id="1" name=""/>
+        <p:cNvGrpSpPr/>
+        <p:nvPr/>
+      </p:nvGrpSpPr>
+      <p:grpSpPr>
+        <a:xfrm>
+          <a:off x="0" y="0"/>
+          <a:ext cx="0" cy="0"/>
+          <a:chOff x="0" y="0"/>
+          <a:chExt cx="0" cy="0"/>
+        </a:xfrm>
+      </p:grpSpPr>
+      <p:pic>
+        <p:nvPicPr>
+          <p:cNvPr id="3" name="Рисунок 2"/>
+          <p:cNvPicPr>
+            <a:picLocks noChangeAspect="1"/>
+          </p:cNvPicPr>
+          <p:nvPr/>
+        </p:nvPicPr>
+        <p:blipFill rotWithShape="1">
+          <a:blip r:embed="rId2">
+            <a:extLst>
+              <a:ext uri="{28A0092B-C50C-407E-A947-70E740481C1C}">
+                <a14:useLocalDpi xmlns:a14="http://schemas.microsoft.com/office/drawing/2010/main" val="0"/>
+              </a:ext>
+            </a:extLst>
+          </a:blip>
+          <a:srcRect r="6168"/>
+          <a:stretch/>
+        </p:blipFill>
+        <p:spPr>
+          <a:xfrm>
+            <a:off x="2380596" y="1440611"/>
+            <a:ext cx="6002835" cy="4796288"/>
           </a:xfrm>
           <a:prstGeom prst="rect">
             <a:avLst/>
@@ -11441,7 +12232,7 @@
           <a:p>
             <a:fld id="{12AFF886-F040-4FA5-8BD0-0A595B4BDA00}" type="slidenum">
               <a:rPr lang="ru-RU" sz="1600" smtClean="0"/>
-              <a:t>17</a:t>
+              <a:t>18</a:t>
             </a:fld>
             <a:r>
               <a:rPr lang="en-US" sz="1600" dirty="0"/>
@@ -11744,118 +12535,18 @@
               <a:t>ГГц / </a:t>
             </a:r>
             <a:r>
-              <a:rPr lang="en-US" sz="2400" dirty="0">
-                <a:latin typeface="Segoe UI" panose="020B0502040204020203" pitchFamily="34" charset="0"/>
-                <a:cs typeface="Segoe UI" panose="020B0502040204020203" pitchFamily="34" charset="0"/>
-              </a:rPr>
-              <a:t>SCS </a:t>
+              <a:rPr lang="en-US" sz="2400" dirty="0" smtClean="0">
+                <a:latin typeface="Segoe UI" panose="020B0502040204020203" pitchFamily="34" charset="0"/>
+                <a:cs typeface="Segoe UI" panose="020B0502040204020203" pitchFamily="34" charset="0"/>
+              </a:rPr>
+              <a:t>SCS 480 </a:t>
             </a:r>
             <a:r>
               <a:rPr lang="ru-RU" sz="2400" dirty="0">
                 <a:latin typeface="Segoe UI" panose="020B0502040204020203" pitchFamily="34" charset="0"/>
                 <a:cs typeface="Segoe UI" panose="020B0502040204020203" pitchFamily="34" charset="0"/>
               </a:rPr>
-              <a:t>96</a:t>
-            </a:r>
-            <a:r>
-              <a:rPr lang="en-US" sz="2400" dirty="0">
-                <a:latin typeface="Segoe UI" panose="020B0502040204020203" pitchFamily="34" charset="0"/>
-                <a:cs typeface="Segoe UI" panose="020B0502040204020203" pitchFamily="34" charset="0"/>
-              </a:rPr>
-              <a:t>0 </a:t>
-            </a:r>
-            <a:r>
-              <a:rPr lang="ru-RU" sz="2400" dirty="0">
-                <a:latin typeface="Segoe UI" panose="020B0502040204020203" pitchFamily="34" charset="0"/>
-                <a:cs typeface="Segoe UI" panose="020B0502040204020203" pitchFamily="34" charset="0"/>
-              </a:rPr>
               <a:t>кГц</a:t>
-            </a:r>
-          </a:p>
-        </p:txBody>
-      </p:sp>
-      <p:sp>
-        <p:nvSpPr>
-          <p:cNvPr id="7" name="TextBox 6">
-            <a:extLst>
-              <a:ext uri="{FF2B5EF4-FFF2-40B4-BE49-F238E27FC236}">
-                <a16:creationId xmlns:a16="http://schemas.microsoft.com/office/drawing/2014/main" id="{F1BC1016-5E44-127A-E4F0-D0CB1D001880}"/>
-              </a:ext>
-            </a:extLst>
-          </p:cNvPr>
-          <p:cNvSpPr txBox="1"/>
-          <p:nvPr/>
-        </p:nvSpPr>
-        <p:spPr>
-          <a:xfrm>
-            <a:off x="231492" y="4336316"/>
-            <a:ext cx="2378358" cy="2308324"/>
-          </a:xfrm>
-          <a:prstGeom prst="rect">
-            <a:avLst/>
-          </a:prstGeom>
-          <a:noFill/>
-        </p:spPr>
-        <p:txBody>
-          <a:bodyPr wrap="square">
-            <a:spAutoFit/>
-          </a:bodyPr>
-          <a:lstStyle/>
-          <a:p>
-            <a:r>
-              <a:rPr lang="en-US" dirty="0">
-                <a:latin typeface="Segoe UI" panose="020B0502040204020203" pitchFamily="34" charset="0"/>
-                <a:cs typeface="Segoe UI" panose="020B0502040204020203" pitchFamily="34" charset="0"/>
-              </a:rPr>
-              <a:t>MCS 27: 64-QAM,</a:t>
-            </a:r>
-          </a:p>
-          <a:p>
-            <a:r>
-              <a:rPr lang="en-US" dirty="0">
-                <a:latin typeface="Segoe UI" panose="020B0502040204020203" pitchFamily="34" charset="0"/>
-                <a:cs typeface="Segoe UI" panose="020B0502040204020203" pitchFamily="34" charset="0"/>
-              </a:rPr>
-              <a:t>R = 0.89</a:t>
-            </a:r>
-          </a:p>
-          <a:p>
-            <a:endParaRPr lang="en-US" dirty="0">
-              <a:latin typeface="Segoe UI" panose="020B0502040204020203" pitchFamily="34" charset="0"/>
-              <a:cs typeface="Segoe UI" panose="020B0502040204020203" pitchFamily="34" charset="0"/>
-            </a:endParaRPr>
-          </a:p>
-          <a:p>
-            <a:r>
-              <a:rPr lang="en-US" dirty="0">
-                <a:latin typeface="Segoe UI" panose="020B0502040204020203" pitchFamily="34" charset="0"/>
-                <a:cs typeface="Segoe UI" panose="020B0502040204020203" pitchFamily="34" charset="0"/>
-              </a:rPr>
-              <a:t>MCS 22: 64-QAM,</a:t>
-            </a:r>
-          </a:p>
-          <a:p>
-            <a:r>
-              <a:rPr lang="en-US" dirty="0">
-                <a:latin typeface="Segoe UI" panose="020B0502040204020203" pitchFamily="34" charset="0"/>
-                <a:cs typeface="Segoe UI" panose="020B0502040204020203" pitchFamily="34" charset="0"/>
-              </a:rPr>
-              <a:t>R = 0.65</a:t>
-            </a:r>
-          </a:p>
-          <a:p>
-            <a:endParaRPr lang="en-US" dirty="0">
-              <a:latin typeface="Segoe UI" panose="020B0502040204020203" pitchFamily="34" charset="0"/>
-              <a:cs typeface="Segoe UI" panose="020B0502040204020203" pitchFamily="34" charset="0"/>
-            </a:endParaRPr>
-          </a:p>
-          <a:p>
-            <a:r>
-              <a:rPr lang="en-US" dirty="0">
-                <a:latin typeface="Segoe UI" panose="020B0502040204020203" pitchFamily="34" charset="0"/>
-                <a:cs typeface="Segoe UI" panose="020B0502040204020203" pitchFamily="34" charset="0"/>
-              </a:rPr>
-              <a:t>MCS 22t2: 256-QAM, R = 0.74</a:t>
             </a:r>
           </a:p>
         </p:txBody>
@@ -11876,8 +12567,8 @@
         </p:nvSpPr>
         <p:spPr>
           <a:xfrm>
-            <a:off x="231492" y="1575703"/>
-            <a:ext cx="2635534" cy="2499359"/>
+            <a:off x="231492" y="1972518"/>
+            <a:ext cx="2635534" cy="3168826"/>
           </a:xfrm>
           <a:prstGeom prst="rect">
             <a:avLst/>
@@ -12132,7 +12823,6 @@
           </a:lstStyle>
           <a:p>
             <a:pPr marL="0" indent="0">
-              <a:buFont typeface="Arial" pitchFamily="34" charset="0"/>
               <a:buNone/>
             </a:pPr>
             <a:r>
@@ -12140,11 +12830,353 @@
                 <a:latin typeface="Segoe UI" panose="020B0502040204020203" pitchFamily="34" charset="0"/>
                 <a:cs typeface="Segoe UI" panose="020B0502040204020203" pitchFamily="34" charset="0"/>
               </a:rPr>
-              <a:t>Использование компенсации уменьшает количество ошибок для выбранного ОСШ по сравнению с не компенсированным случаем (кривая сдвигается вниз) </a:t>
-            </a:r>
+              <a:t>Пик-фактор </a:t>
+            </a:r>
+            <a:r>
+              <a:rPr lang="en-GB" dirty="0">
+                <a:latin typeface="Segoe UI" panose="020B0502040204020203" pitchFamily="34" charset="0"/>
+                <a:cs typeface="Segoe UI" panose="020B0502040204020203" pitchFamily="34" charset="0"/>
+              </a:rPr>
+              <a:t>DFT-s-OFDM</a:t>
+            </a:r>
+            <a:r>
+              <a:rPr lang="ru-RU" dirty="0" smtClean="0">
+                <a:latin typeface="Segoe UI" panose="020B0502040204020203" pitchFamily="34" charset="0"/>
+                <a:cs typeface="Segoe UI" panose="020B0502040204020203" pitchFamily="34" charset="0"/>
+              </a:rPr>
+              <a:t> </a:t>
+            </a:r>
+            <a:r>
+              <a:rPr lang="ru-RU" dirty="0">
+                <a:latin typeface="Segoe UI" panose="020B0502040204020203" pitchFamily="34" charset="0"/>
+                <a:cs typeface="Segoe UI" panose="020B0502040204020203" pitchFamily="34" charset="0"/>
+              </a:rPr>
+              <a:t>сигнала </a:t>
+            </a:r>
+            <a:r>
+              <a:rPr lang="ru-RU" dirty="0" smtClean="0">
+                <a:latin typeface="Segoe UI" panose="020B0502040204020203" pitchFamily="34" charset="0"/>
+                <a:cs typeface="Segoe UI" panose="020B0502040204020203" pitchFamily="34" charset="0"/>
+              </a:rPr>
+              <a:t>ниже </a:t>
+            </a:r>
+            <a:r>
+              <a:rPr lang="ru-RU" dirty="0">
+                <a:latin typeface="Segoe UI" panose="020B0502040204020203" pitchFamily="34" charset="0"/>
+                <a:cs typeface="Segoe UI" panose="020B0502040204020203" pitchFamily="34" charset="0"/>
+              </a:rPr>
+              <a:t>чем </a:t>
+            </a:r>
+            <a:r>
+              <a:rPr lang="ru-RU" dirty="0" smtClean="0">
+                <a:latin typeface="Segoe UI" panose="020B0502040204020203" pitchFamily="34" charset="0"/>
+                <a:cs typeface="Segoe UI" panose="020B0502040204020203" pitchFamily="34" charset="0"/>
+              </a:rPr>
+              <a:t>у </a:t>
+            </a:r>
+            <a:r>
+              <a:rPr lang="en-US" dirty="0" smtClean="0">
+                <a:latin typeface="Segoe UI" panose="020B0502040204020203" pitchFamily="34" charset="0"/>
+                <a:cs typeface="Segoe UI" panose="020B0502040204020203" pitchFamily="34" charset="0"/>
+              </a:rPr>
+              <a:t>OFDM</a:t>
+            </a:r>
+            <a:r>
+              <a:rPr lang="en-GB" dirty="0" smtClean="0">
+                <a:latin typeface="Segoe UI" panose="020B0502040204020203" pitchFamily="34" charset="0"/>
+                <a:cs typeface="Segoe UI" panose="020B0502040204020203" pitchFamily="34" charset="0"/>
+              </a:rPr>
+              <a:t>,</a:t>
+            </a:r>
+            <a:r>
+              <a:rPr lang="en-US" dirty="0" smtClean="0">
+                <a:latin typeface="Segoe UI" panose="020B0502040204020203" pitchFamily="34" charset="0"/>
+                <a:cs typeface="Segoe UI" panose="020B0502040204020203" pitchFamily="34" charset="0"/>
+              </a:rPr>
+              <a:t> </a:t>
+            </a:r>
+            <a:r>
+              <a:rPr lang="ru-RU" dirty="0">
+                <a:latin typeface="Segoe UI" panose="020B0502040204020203" pitchFamily="34" charset="0"/>
+                <a:cs typeface="Segoe UI" panose="020B0502040204020203" pitchFamily="34" charset="0"/>
+              </a:rPr>
+              <a:t>поэтому наблюдается </a:t>
+            </a:r>
+            <a:r>
+              <a:rPr lang="ru-RU" dirty="0" smtClean="0">
+                <a:latin typeface="Segoe UI" panose="020B0502040204020203" pitchFamily="34" charset="0"/>
+                <a:cs typeface="Segoe UI" panose="020B0502040204020203" pitchFamily="34" charset="0"/>
+              </a:rPr>
+              <a:t>меньшее </a:t>
+            </a:r>
+            <a:r>
+              <a:rPr lang="ru-RU" dirty="0">
+                <a:latin typeface="Segoe UI" panose="020B0502040204020203" pitchFamily="34" charset="0"/>
+                <a:cs typeface="Segoe UI" panose="020B0502040204020203" pitchFamily="34" charset="0"/>
+              </a:rPr>
+              <a:t>количество ошибок по сравнению с </a:t>
+            </a:r>
+            <a:r>
+              <a:rPr lang="en-GB" dirty="0" smtClean="0">
+                <a:latin typeface="Segoe UI" panose="020B0502040204020203" pitchFamily="34" charset="0"/>
+                <a:cs typeface="Segoe UI" panose="020B0502040204020203" pitchFamily="34" charset="0"/>
+              </a:rPr>
+              <a:t>OFDM.</a:t>
+            </a:r>
+            <a:endParaRPr lang="ru-RU" dirty="0" smtClean="0">
+              <a:latin typeface="Segoe UI" panose="020B0502040204020203" pitchFamily="34" charset="0"/>
+              <a:cs typeface="Segoe UI" panose="020B0502040204020203" pitchFamily="34" charset="0"/>
+            </a:endParaRPr>
+          </a:p>
+          <a:p>
+            <a:pPr marL="0" indent="0">
+              <a:buNone/>
+            </a:pPr>
+            <a:r>
+              <a:rPr lang="ru-RU" dirty="0">
+                <a:latin typeface="Segoe UI" panose="020B0502040204020203" pitchFamily="34" charset="0"/>
+                <a:cs typeface="Segoe UI" panose="020B0502040204020203" pitchFamily="34" charset="0"/>
+              </a:rPr>
+              <a:t>В случае модуляции 256-</a:t>
+            </a:r>
+            <a:r>
+              <a:rPr lang="en-GB" dirty="0">
+                <a:latin typeface="Segoe UI" panose="020B0502040204020203" pitchFamily="34" charset="0"/>
+                <a:cs typeface="Segoe UI" panose="020B0502040204020203" pitchFamily="34" charset="0"/>
+              </a:rPr>
+              <a:t>QAM </a:t>
+            </a:r>
+            <a:r>
+              <a:rPr lang="ru-RU" dirty="0">
+                <a:latin typeface="Segoe UI" panose="020B0502040204020203" pitchFamily="34" charset="0"/>
+                <a:cs typeface="Segoe UI" panose="020B0502040204020203" pitchFamily="34" charset="0"/>
+              </a:rPr>
+              <a:t>искажения сильнее чем для 64-</a:t>
+            </a:r>
+            <a:r>
+              <a:rPr lang="en-GB" dirty="0">
+                <a:latin typeface="Segoe UI" panose="020B0502040204020203" pitchFamily="34" charset="0"/>
+                <a:cs typeface="Segoe UI" panose="020B0502040204020203" pitchFamily="34" charset="0"/>
+              </a:rPr>
+              <a:t>QAM</a:t>
+            </a:r>
+          </a:p>
+          <a:p>
+            <a:pPr marL="0" indent="0">
+              <a:buNone/>
+            </a:pPr>
+            <a:endParaRPr lang="ru-RU" dirty="0">
+              <a:latin typeface="Segoe UI" panose="020B0502040204020203" pitchFamily="34" charset="0"/>
+              <a:cs typeface="Segoe UI" panose="020B0502040204020203" pitchFamily="34" charset="0"/>
+            </a:endParaRPr>
           </a:p>
         </p:txBody>
       </p:sp>
+      <p:grpSp>
+        <p:nvGrpSpPr>
+          <p:cNvPr id="6" name="Группа 5"/>
+          <p:cNvGrpSpPr/>
+          <p:nvPr/>
+        </p:nvGrpSpPr>
+        <p:grpSpPr>
+          <a:xfrm>
+            <a:off x="6057061" y="6119595"/>
+            <a:ext cx="2326370" cy="646331"/>
+            <a:chOff x="598280" y="5886685"/>
+            <a:chExt cx="2326370" cy="646331"/>
+          </a:xfrm>
+        </p:grpSpPr>
+        <p:sp>
+          <p:nvSpPr>
+            <p:cNvPr id="5" name="Прямоугольник 4"/>
+            <p:cNvSpPr/>
+            <p:nvPr/>
+          </p:nvSpPr>
+          <p:spPr>
+            <a:xfrm>
+              <a:off x="837058" y="5886685"/>
+              <a:ext cx="2087592" cy="646331"/>
+            </a:xfrm>
+            <a:prstGeom prst="rect">
+              <a:avLst/>
+            </a:prstGeom>
+          </p:spPr>
+          <p:txBody>
+            <a:bodyPr wrap="square">
+              <a:spAutoFit/>
+            </a:bodyPr>
+            <a:lstStyle/>
+            <a:p>
+              <a:r>
+                <a:rPr lang="en-US" dirty="0">
+                  <a:latin typeface="Segoe UI" panose="020B0502040204020203" pitchFamily="34" charset="0"/>
+                  <a:cs typeface="Segoe UI" panose="020B0502040204020203" pitchFamily="34" charset="0"/>
+                </a:rPr>
+                <a:t>MCS 27: 64-QAM,</a:t>
+              </a:r>
+            </a:p>
+            <a:p>
+              <a:r>
+                <a:rPr lang="en-US" dirty="0">
+                  <a:latin typeface="Segoe UI" panose="020B0502040204020203" pitchFamily="34" charset="0"/>
+                  <a:cs typeface="Segoe UI" panose="020B0502040204020203" pitchFamily="34" charset="0"/>
+                </a:rPr>
+                <a:t>R = 0.89</a:t>
+              </a:r>
+              <a:endParaRPr lang="en-US" dirty="0">
+                <a:latin typeface="Segoe UI" panose="020B0502040204020203" pitchFamily="34" charset="0"/>
+                <a:cs typeface="Segoe UI" panose="020B0502040204020203" pitchFamily="34" charset="0"/>
+              </a:endParaRPr>
+            </a:p>
+          </p:txBody>
+        </p:sp>
+        <p:sp>
+          <p:nvSpPr>
+            <p:cNvPr id="11" name="Овал 10"/>
+            <p:cNvSpPr/>
+            <p:nvPr/>
+          </p:nvSpPr>
+          <p:spPr>
+            <a:xfrm>
+              <a:off x="598280" y="6119273"/>
+              <a:ext cx="181154" cy="181154"/>
+            </a:xfrm>
+            <a:prstGeom prst="ellipse">
+              <a:avLst/>
+            </a:prstGeom>
+            <a:solidFill>
+              <a:srgbClr val="29C582"/>
+            </a:solidFill>
+            <a:ln w="19050">
+              <a:solidFill>
+                <a:schemeClr val="tx1"/>
+              </a:solidFill>
+            </a:ln>
+          </p:spPr>
+          <p:style>
+            <a:lnRef idx="2">
+              <a:schemeClr val="accent1">
+                <a:shade val="50000"/>
+              </a:schemeClr>
+            </a:lnRef>
+            <a:fillRef idx="1">
+              <a:schemeClr val="accent1"/>
+            </a:fillRef>
+            <a:effectRef idx="0">
+              <a:schemeClr val="accent1"/>
+            </a:effectRef>
+            <a:fontRef idx="minor">
+              <a:schemeClr val="lt1"/>
+            </a:fontRef>
+          </p:style>
+          <p:txBody>
+            <a:bodyPr rtlCol="0" anchor="ctr"/>
+            <a:lstStyle/>
+            <a:p>
+              <a:pPr algn="ctr"/>
+              <a:endParaRPr lang="ru-RU"/>
+            </a:p>
+          </p:txBody>
+        </p:sp>
+      </p:grpSp>
+      <p:grpSp>
+        <p:nvGrpSpPr>
+          <p:cNvPr id="16" name="Группа 15"/>
+          <p:cNvGrpSpPr/>
+          <p:nvPr/>
+        </p:nvGrpSpPr>
+        <p:grpSpPr>
+          <a:xfrm>
+            <a:off x="3148855" y="6172201"/>
+            <a:ext cx="2554733" cy="646331"/>
+            <a:chOff x="155489" y="5822732"/>
+            <a:chExt cx="2554733" cy="646331"/>
+          </a:xfrm>
+        </p:grpSpPr>
+        <p:sp>
+          <p:nvSpPr>
+            <p:cNvPr id="14" name="Прямоугольник 13"/>
+            <p:cNvSpPr/>
+            <p:nvPr/>
+          </p:nvSpPr>
+          <p:spPr>
+            <a:xfrm>
+              <a:off x="388295" y="5822732"/>
+              <a:ext cx="2321927" cy="646331"/>
+            </a:xfrm>
+            <a:prstGeom prst="rect">
+              <a:avLst/>
+            </a:prstGeom>
+          </p:spPr>
+          <p:txBody>
+            <a:bodyPr wrap="square">
+              <a:spAutoFit/>
+            </a:bodyPr>
+            <a:lstStyle/>
+            <a:p>
+              <a:r>
+                <a:rPr lang="en-US" dirty="0" smtClean="0">
+                  <a:latin typeface="Segoe UI" panose="020B0502040204020203" pitchFamily="34" charset="0"/>
+                  <a:cs typeface="Segoe UI" panose="020B0502040204020203" pitchFamily="34" charset="0"/>
+                </a:rPr>
+                <a:t>MCS 22t2: 256-QAM, R = 0.74</a:t>
+              </a:r>
+              <a:endParaRPr lang="en-US" dirty="0">
+                <a:latin typeface="Segoe UI" panose="020B0502040204020203" pitchFamily="34" charset="0"/>
+                <a:cs typeface="Segoe UI" panose="020B0502040204020203" pitchFamily="34" charset="0"/>
+              </a:endParaRPr>
+            </a:p>
+          </p:txBody>
+        </p:sp>
+        <p:sp>
+          <p:nvSpPr>
+            <p:cNvPr id="15" name="Овал 14"/>
+            <p:cNvSpPr/>
+            <p:nvPr/>
+          </p:nvSpPr>
+          <p:spPr>
+            <a:xfrm>
+              <a:off x="155489" y="6037644"/>
+              <a:ext cx="181154" cy="181154"/>
+            </a:xfrm>
+            <a:prstGeom prst="ellipse">
+              <a:avLst/>
+            </a:prstGeom>
+            <a:solidFill>
+              <a:srgbClr val="F58C47"/>
+            </a:solidFill>
+            <a:ln w="19050">
+              <a:solidFill>
+                <a:srgbClr val="000000"/>
+              </a:solidFill>
+            </a:ln>
+          </p:spPr>
+          <p:style>
+            <a:lnRef idx="2">
+              <a:schemeClr val="accent1">
+                <a:shade val="50000"/>
+              </a:schemeClr>
+            </a:lnRef>
+            <a:fillRef idx="1">
+              <a:schemeClr val="accent1"/>
+            </a:fillRef>
+            <a:effectRef idx="0">
+              <a:schemeClr val="accent1"/>
+            </a:effectRef>
+            <a:fontRef idx="minor">
+              <a:schemeClr val="lt1"/>
+            </a:fontRef>
+          </p:style>
+          <p:txBody>
+            <a:bodyPr rtlCol="0" anchor="ctr"/>
+            <a:lstStyle/>
+            <a:p>
+              <a:pPr algn="ctr"/>
+              <a:endParaRPr lang="ru-RU"/>
+            </a:p>
+          </p:txBody>
+        </p:sp>
+      </p:grpSp>
     </p:spTree>
     <p:extLst>
       <p:ext uri="{BB962C8B-B14F-4D97-AF65-F5344CB8AC3E}">
@@ -12155,882 +13187,13 @@
   <p:clrMapOvr>
     <a:masterClrMapping/>
   </p:clrMapOvr>
-</p:sld>
-</file>
-
-<file path=ppt/slides/slide18.xml><?xml version="1.0" encoding="utf-8"?>
-<p:sld xmlns:a="http://schemas.openxmlformats.org/drawingml/2006/main" xmlns:r="http://schemas.openxmlformats.org/officeDocument/2006/relationships" xmlns:p="http://schemas.openxmlformats.org/presentationml/2006/main">
-  <p:cSld>
-    <p:spTree>
-      <p:nvGrpSpPr>
-        <p:cNvPr id="1" name=""/>
-        <p:cNvGrpSpPr/>
-        <p:nvPr/>
-      </p:nvGrpSpPr>
-      <p:grpSpPr>
-        <a:xfrm>
-          <a:off x="0" y="0"/>
-          <a:ext cx="0" cy="0"/>
-          <a:chOff x="0" y="0"/>
-          <a:chExt cx="0" cy="0"/>
-        </a:xfrm>
-      </p:grpSpPr>
-      <p:pic>
-        <p:nvPicPr>
-          <p:cNvPr id="7" name="Рисунок 6">
-            <a:extLst>
-              <a:ext uri="{FF2B5EF4-FFF2-40B4-BE49-F238E27FC236}">
-                <a16:creationId xmlns:a16="http://schemas.microsoft.com/office/drawing/2014/main" id="{C0A87DBA-F9F1-23CE-113F-1B40F8E17ABC}"/>
-              </a:ext>
-            </a:extLst>
-          </p:cNvPr>
-          <p:cNvPicPr>
-            <a:picLocks noChangeAspect="1"/>
-          </p:cNvPicPr>
-          <p:nvPr/>
-        </p:nvPicPr>
-        <p:blipFill>
-          <a:blip r:embed="rId2">
-            <a:extLst>
-              <a:ext uri="{28A0092B-C50C-407E-A947-70E740481C1C}">
-                <a14:useLocalDpi xmlns:a14="http://schemas.microsoft.com/office/drawing/2010/main" val="0"/>
-              </a:ext>
-            </a:extLst>
-          </a:blip>
-          <a:stretch>
-            <a:fillRect/>
-          </a:stretch>
-        </p:blipFill>
-        <p:spPr>
-          <a:xfrm>
-            <a:off x="2658555" y="1781240"/>
-            <a:ext cx="5681154" cy="4259242"/>
-          </a:xfrm>
-          <a:prstGeom prst="rect">
-            <a:avLst/>
-          </a:prstGeom>
-        </p:spPr>
-      </p:pic>
-      <p:sp>
-        <p:nvSpPr>
-          <p:cNvPr id="2" name="Заголовок 1">
-            <a:extLst>
-              <a:ext uri="{FF2B5EF4-FFF2-40B4-BE49-F238E27FC236}">
-                <a16:creationId xmlns:a16="http://schemas.microsoft.com/office/drawing/2014/main" id="{8BE826D0-5549-D29A-4886-74267A5EE61A}"/>
-              </a:ext>
-            </a:extLst>
-          </p:cNvPr>
-          <p:cNvSpPr>
-            <a:spLocks noGrp="1"/>
-          </p:cNvSpPr>
-          <p:nvPr>
-            <p:ph type="title"/>
-          </p:nvPr>
-        </p:nvSpPr>
-        <p:spPr>
-          <a:xfrm>
-            <a:off x="123444" y="213360"/>
-            <a:ext cx="7269480" cy="1325562"/>
-          </a:xfrm>
-        </p:spPr>
-        <p:txBody>
-          <a:bodyPr anchor="t"/>
-          <a:lstStyle/>
-          <a:p>
-            <a:r>
-              <a:rPr lang="ru-RU" dirty="0">
-                <a:latin typeface="Segoe UI Semibold" panose="020B0702040204020203" pitchFamily="34" charset="0"/>
-                <a:cs typeface="Segoe UI Semibold" panose="020B0702040204020203" pitchFamily="34" charset="0"/>
-              </a:rPr>
-              <a:t>Результаты симуляций</a:t>
-            </a:r>
-          </a:p>
-        </p:txBody>
-      </p:sp>
-      <p:sp>
-        <p:nvSpPr>
-          <p:cNvPr id="4" name="Номер слайда 3">
-            <a:extLst>
-              <a:ext uri="{FF2B5EF4-FFF2-40B4-BE49-F238E27FC236}">
-                <a16:creationId xmlns:a16="http://schemas.microsoft.com/office/drawing/2014/main" id="{8B490247-C3DE-4E64-3994-77CF364D4A23}"/>
-              </a:ext>
-            </a:extLst>
-          </p:cNvPr>
-          <p:cNvSpPr>
-            <a:spLocks noGrp="1"/>
-          </p:cNvSpPr>
-          <p:nvPr>
-            <p:ph type="sldNum" sz="quarter" idx="12"/>
-          </p:nvPr>
-        </p:nvSpPr>
-        <p:spPr/>
-        <p:txBody>
-          <a:bodyPr>
-            <a:normAutofit/>
-          </a:bodyPr>
-          <a:lstStyle/>
-          <a:p>
-            <a:fld id="{12AFF886-F040-4FA5-8BD0-0A595B4BDA00}" type="slidenum">
-              <a:rPr lang="ru-RU" sz="1600" smtClean="0"/>
-              <a:t>18</a:t>
-            </a:fld>
-            <a:r>
-              <a:rPr lang="en-US" sz="1600" dirty="0"/>
-              <a:t> /22</a:t>
-            </a:r>
-            <a:endParaRPr lang="ru-RU" sz="1600" dirty="0"/>
-          </a:p>
-        </p:txBody>
-      </p:sp>
-      <p:sp>
-        <p:nvSpPr>
-          <p:cNvPr id="9" name="Объект 2">
-            <a:extLst>
-              <a:ext uri="{FF2B5EF4-FFF2-40B4-BE49-F238E27FC236}">
-                <a16:creationId xmlns:a16="http://schemas.microsoft.com/office/drawing/2014/main" id="{AFD22DDD-4286-1C88-C480-8C9F4968079A}"/>
-              </a:ext>
-            </a:extLst>
-          </p:cNvPr>
-          <p:cNvSpPr txBox="1">
-            <a:spLocks/>
-          </p:cNvSpPr>
-          <p:nvPr/>
-        </p:nvSpPr>
-        <p:spPr>
-          <a:xfrm>
-            <a:off x="231492" y="1008185"/>
-            <a:ext cx="6227923" cy="668215"/>
-          </a:xfrm>
-          <a:prstGeom prst="rect">
-            <a:avLst/>
-          </a:prstGeom>
-        </p:spPr>
-        <p:txBody>
-          <a:bodyPr vert="horz" lIns="91440" tIns="45720" rIns="91440" bIns="45720" rtlCol="0">
-            <a:normAutofit/>
-          </a:bodyPr>
-          <a:lstStyle>
-            <a:lvl1pPr marL="182880" indent="-182880" algn="l" defTabSz="914400" rtl="0" eaLnBrk="1" latinLnBrk="0" hangingPunct="1">
-              <a:lnSpc>
-                <a:spcPct val="95000"/>
-              </a:lnSpc>
-              <a:spcBef>
-                <a:spcPts val="1400"/>
-              </a:spcBef>
-              <a:spcAft>
-                <a:spcPts val="200"/>
-              </a:spcAft>
-              <a:buClr>
-                <a:schemeClr val="accent1"/>
-              </a:buClr>
-              <a:buSzPct val="80000"/>
-              <a:buFont typeface="Arial" pitchFamily="34" charset="0"/>
-              <a:buChar char="•"/>
-              <a:defRPr sz="1800" kern="1200" spc="10" baseline="0">
-                <a:solidFill>
-                  <a:schemeClr val="tx1"/>
-                </a:solidFill>
-                <a:latin typeface="+mn-lt"/>
-                <a:ea typeface="+mn-ea"/>
-                <a:cs typeface="+mn-cs"/>
-              </a:defRPr>
-            </a:lvl1pPr>
-            <a:lvl2pPr marL="457200" indent="-182880" algn="l" defTabSz="914400" rtl="0" eaLnBrk="1" latinLnBrk="0" hangingPunct="1">
-              <a:lnSpc>
-                <a:spcPct val="90000"/>
-              </a:lnSpc>
-              <a:spcBef>
-                <a:spcPts val="300"/>
-              </a:spcBef>
-              <a:spcAft>
-                <a:spcPts val="300"/>
-              </a:spcAft>
-              <a:buClr>
-                <a:schemeClr val="accent1"/>
-              </a:buClr>
-              <a:buFont typeface="Wingdings 2" pitchFamily="18" charset="2"/>
-              <a:buChar char=""/>
-              <a:defRPr sz="1600" kern="1200">
-                <a:solidFill>
-                  <a:schemeClr val="tx1">
-                    <a:lumMod val="85000"/>
-                    <a:lumOff val="15000"/>
-                  </a:schemeClr>
-                </a:solidFill>
-                <a:latin typeface="+mn-lt"/>
-                <a:ea typeface="+mn-ea"/>
-                <a:cs typeface="+mn-cs"/>
-              </a:defRPr>
-            </a:lvl2pPr>
-            <a:lvl3pPr marL="731520" indent="-182880" algn="l" defTabSz="914400" rtl="0" eaLnBrk="1" latinLnBrk="0" hangingPunct="1">
-              <a:lnSpc>
-                <a:spcPct val="90000"/>
-              </a:lnSpc>
-              <a:spcBef>
-                <a:spcPts val="300"/>
-              </a:spcBef>
-              <a:spcAft>
-                <a:spcPts val="300"/>
-              </a:spcAft>
-              <a:buClr>
-                <a:schemeClr val="accent1"/>
-              </a:buClr>
-              <a:buFont typeface="Wingdings 2" pitchFamily="18" charset="2"/>
-              <a:buChar char=""/>
-              <a:defRPr sz="1400" kern="1200">
-                <a:solidFill>
-                  <a:schemeClr val="tx1">
-                    <a:lumMod val="85000"/>
-                    <a:lumOff val="15000"/>
-                  </a:schemeClr>
-                </a:solidFill>
-                <a:latin typeface="+mn-lt"/>
-                <a:ea typeface="+mn-ea"/>
-                <a:cs typeface="+mn-cs"/>
-              </a:defRPr>
-            </a:lvl3pPr>
-            <a:lvl4pPr marL="1005840" indent="-182880" algn="l" defTabSz="914400" rtl="0" eaLnBrk="1" latinLnBrk="0" hangingPunct="1">
-              <a:lnSpc>
-                <a:spcPct val="90000"/>
-              </a:lnSpc>
-              <a:spcBef>
-                <a:spcPts val="300"/>
-              </a:spcBef>
-              <a:spcAft>
-                <a:spcPts val="300"/>
-              </a:spcAft>
-              <a:buClr>
-                <a:schemeClr val="accent1"/>
-              </a:buClr>
-              <a:buFont typeface="Wingdings 2" pitchFamily="18" charset="2"/>
-              <a:buChar char=""/>
-              <a:defRPr sz="1400" kern="1200">
-                <a:solidFill>
-                  <a:schemeClr val="tx1">
-                    <a:lumMod val="85000"/>
-                    <a:lumOff val="15000"/>
-                  </a:schemeClr>
-                </a:solidFill>
-                <a:latin typeface="+mn-lt"/>
-                <a:ea typeface="+mn-ea"/>
-                <a:cs typeface="+mn-cs"/>
-              </a:defRPr>
-            </a:lvl4pPr>
-            <a:lvl5pPr marL="1280160" indent="-182880" algn="l" defTabSz="914400" rtl="0" eaLnBrk="1" latinLnBrk="0" hangingPunct="1">
-              <a:lnSpc>
-                <a:spcPct val="90000"/>
-              </a:lnSpc>
-              <a:spcBef>
-                <a:spcPts val="300"/>
-              </a:spcBef>
-              <a:spcAft>
-                <a:spcPts val="300"/>
-              </a:spcAft>
-              <a:buClr>
-                <a:schemeClr val="accent1"/>
-              </a:buClr>
-              <a:buFont typeface="Wingdings 2" pitchFamily="18" charset="2"/>
-              <a:buChar char=""/>
-              <a:defRPr sz="1400" kern="1200">
-                <a:solidFill>
-                  <a:schemeClr val="tx1">
-                    <a:lumMod val="85000"/>
-                    <a:lumOff val="15000"/>
-                  </a:schemeClr>
-                </a:solidFill>
-                <a:latin typeface="+mn-lt"/>
-                <a:ea typeface="+mn-ea"/>
-                <a:cs typeface="+mn-cs"/>
-              </a:defRPr>
-            </a:lvl5pPr>
-            <a:lvl6pPr marL="1600000" indent="-228600" algn="l" defTabSz="914400" rtl="0" eaLnBrk="1" latinLnBrk="0" hangingPunct="1">
-              <a:lnSpc>
-                <a:spcPct val="90000"/>
-              </a:lnSpc>
-              <a:spcBef>
-                <a:spcPts val="300"/>
-              </a:spcBef>
-              <a:spcAft>
-                <a:spcPts val="300"/>
-              </a:spcAft>
-              <a:buClr>
-                <a:schemeClr val="accent1"/>
-              </a:buClr>
-              <a:buFont typeface="Wingdings 2" pitchFamily="18" charset="2"/>
-              <a:buChar char=""/>
-              <a:defRPr sz="1400" kern="1200">
-                <a:solidFill>
-                  <a:schemeClr val="tx1">
-                    <a:lumMod val="85000"/>
-                    <a:lumOff val="15000"/>
-                  </a:schemeClr>
-                </a:solidFill>
-                <a:latin typeface="+mn-lt"/>
-                <a:ea typeface="+mn-ea"/>
-                <a:cs typeface="+mn-cs"/>
-              </a:defRPr>
-            </a:lvl6pPr>
-            <a:lvl7pPr marL="1900000" indent="-228600" algn="l" defTabSz="914400" rtl="0" eaLnBrk="1" latinLnBrk="0" hangingPunct="1">
-              <a:lnSpc>
-                <a:spcPct val="90000"/>
-              </a:lnSpc>
-              <a:spcBef>
-                <a:spcPts val="300"/>
-              </a:spcBef>
-              <a:spcAft>
-                <a:spcPts val="300"/>
-              </a:spcAft>
-              <a:buClr>
-                <a:schemeClr val="accent1"/>
-              </a:buClr>
-              <a:buFont typeface="Wingdings 2" pitchFamily="18" charset="2"/>
-              <a:buChar char=""/>
-              <a:defRPr sz="1400" kern="1200">
-                <a:solidFill>
-                  <a:schemeClr val="tx1">
-                    <a:lumMod val="85000"/>
-                    <a:lumOff val="15000"/>
-                  </a:schemeClr>
-                </a:solidFill>
-                <a:latin typeface="+mn-lt"/>
-                <a:ea typeface="+mn-ea"/>
-                <a:cs typeface="+mn-cs"/>
-              </a:defRPr>
-            </a:lvl7pPr>
-            <a:lvl8pPr marL="2200000" indent="-228600" algn="l" defTabSz="914400" rtl="0" eaLnBrk="1" latinLnBrk="0" hangingPunct="1">
-              <a:lnSpc>
-                <a:spcPct val="90000"/>
-              </a:lnSpc>
-              <a:spcBef>
-                <a:spcPts val="300"/>
-              </a:spcBef>
-              <a:spcAft>
-                <a:spcPts val="300"/>
-              </a:spcAft>
-              <a:buClr>
-                <a:schemeClr val="accent1"/>
-              </a:buClr>
-              <a:buFont typeface="Wingdings 2" pitchFamily="18" charset="2"/>
-              <a:buChar char=""/>
-              <a:defRPr sz="1400" kern="1200">
-                <a:solidFill>
-                  <a:schemeClr val="tx1">
-                    <a:lumMod val="85000"/>
-                    <a:lumOff val="15000"/>
-                  </a:schemeClr>
-                </a:solidFill>
-                <a:latin typeface="+mn-lt"/>
-                <a:ea typeface="+mn-ea"/>
-                <a:cs typeface="+mn-cs"/>
-              </a:defRPr>
-            </a:lvl8pPr>
-            <a:lvl9pPr marL="2500000" indent="-228600" algn="l" defTabSz="914400" rtl="0" eaLnBrk="1" latinLnBrk="0" hangingPunct="1">
-              <a:lnSpc>
-                <a:spcPct val="90000"/>
-              </a:lnSpc>
-              <a:spcBef>
-                <a:spcPts val="300"/>
-              </a:spcBef>
-              <a:spcAft>
-                <a:spcPts val="300"/>
-              </a:spcAft>
-              <a:buClr>
-                <a:schemeClr val="accent1"/>
-              </a:buClr>
-              <a:buFont typeface="Wingdings 2" pitchFamily="18" charset="2"/>
-              <a:buChar char=""/>
-              <a:defRPr sz="1400" kern="1200">
-                <a:solidFill>
-                  <a:schemeClr val="tx1">
-                    <a:lumMod val="85000"/>
-                    <a:lumOff val="15000"/>
-                  </a:schemeClr>
-                </a:solidFill>
-                <a:latin typeface="+mn-lt"/>
-                <a:ea typeface="+mn-ea"/>
-                <a:cs typeface="+mn-cs"/>
-              </a:defRPr>
-            </a:lvl9pPr>
-          </a:lstStyle>
-          <a:p>
-            <a:pPr marL="0" indent="0">
-              <a:lnSpc>
-                <a:spcPct val="100000"/>
-              </a:lnSpc>
-              <a:buFont typeface="Arial" pitchFamily="34" charset="0"/>
-              <a:buNone/>
-            </a:pPr>
-            <a:r>
-              <a:rPr lang="en-US" sz="2400" dirty="0">
-                <a:latin typeface="Segoe UI" panose="020B0502040204020203" pitchFamily="34" charset="0"/>
-                <a:cs typeface="Segoe UI" panose="020B0502040204020203" pitchFamily="34" charset="0"/>
-              </a:rPr>
-              <a:t>CP-OFDM / 30-70 </a:t>
-            </a:r>
-            <a:r>
-              <a:rPr lang="ru-RU" sz="2400" dirty="0">
-                <a:latin typeface="Segoe UI" panose="020B0502040204020203" pitchFamily="34" charset="0"/>
-                <a:cs typeface="Segoe UI" panose="020B0502040204020203" pitchFamily="34" charset="0"/>
-              </a:rPr>
-              <a:t>ГГц / </a:t>
-            </a:r>
-            <a:r>
-              <a:rPr lang="en-US" sz="2400" dirty="0">
-                <a:latin typeface="Segoe UI" panose="020B0502040204020203" pitchFamily="34" charset="0"/>
-                <a:cs typeface="Segoe UI" panose="020B0502040204020203" pitchFamily="34" charset="0"/>
-              </a:rPr>
-              <a:t>SCS </a:t>
-            </a:r>
-            <a:r>
-              <a:rPr lang="ru-RU" sz="2400" dirty="0">
-                <a:latin typeface="Segoe UI" panose="020B0502040204020203" pitchFamily="34" charset="0"/>
-                <a:cs typeface="Segoe UI" panose="020B0502040204020203" pitchFamily="34" charset="0"/>
-              </a:rPr>
-              <a:t>96</a:t>
-            </a:r>
-            <a:r>
-              <a:rPr lang="en-US" sz="2400" dirty="0">
-                <a:latin typeface="Segoe UI" panose="020B0502040204020203" pitchFamily="34" charset="0"/>
-                <a:cs typeface="Segoe UI" panose="020B0502040204020203" pitchFamily="34" charset="0"/>
-              </a:rPr>
-              <a:t>0 </a:t>
-            </a:r>
-            <a:r>
-              <a:rPr lang="ru-RU" sz="2400" dirty="0">
-                <a:latin typeface="Segoe UI" panose="020B0502040204020203" pitchFamily="34" charset="0"/>
-                <a:cs typeface="Segoe UI" panose="020B0502040204020203" pitchFamily="34" charset="0"/>
-              </a:rPr>
-              <a:t>кГц</a:t>
-            </a:r>
-          </a:p>
-        </p:txBody>
-      </p:sp>
-      <p:sp>
-        <p:nvSpPr>
-          <p:cNvPr id="6" name="Объект 2">
-            <a:extLst>
-              <a:ext uri="{FF2B5EF4-FFF2-40B4-BE49-F238E27FC236}">
-                <a16:creationId xmlns:a16="http://schemas.microsoft.com/office/drawing/2014/main" id="{3B0F7A96-339D-E8A9-E2AB-8E1B611D8D15}"/>
-              </a:ext>
-            </a:extLst>
-          </p:cNvPr>
-          <p:cNvSpPr txBox="1">
-            <a:spLocks/>
-          </p:cNvSpPr>
-          <p:nvPr/>
-        </p:nvSpPr>
-        <p:spPr>
-          <a:xfrm>
-            <a:off x="231492" y="1709053"/>
-            <a:ext cx="2778409" cy="5068937"/>
-          </a:xfrm>
-          <a:prstGeom prst="rect">
-            <a:avLst/>
-          </a:prstGeom>
-        </p:spPr>
-        <p:txBody>
-          <a:bodyPr vert="horz" lIns="91440" tIns="45720" rIns="91440" bIns="45720" rtlCol="0">
-            <a:normAutofit/>
-          </a:bodyPr>
-          <a:lstStyle>
-            <a:lvl1pPr marL="182880" indent="-182880" algn="l" defTabSz="914400" rtl="0" eaLnBrk="1" latinLnBrk="0" hangingPunct="1">
-              <a:lnSpc>
-                <a:spcPct val="95000"/>
-              </a:lnSpc>
-              <a:spcBef>
-                <a:spcPts val="1400"/>
-              </a:spcBef>
-              <a:spcAft>
-                <a:spcPts val="200"/>
-              </a:spcAft>
-              <a:buClr>
-                <a:schemeClr val="accent1"/>
-              </a:buClr>
-              <a:buSzPct val="80000"/>
-              <a:buFont typeface="Arial" pitchFamily="34" charset="0"/>
-              <a:buChar char="•"/>
-              <a:defRPr sz="1800" kern="1200" spc="10" baseline="0">
-                <a:solidFill>
-                  <a:schemeClr val="tx1"/>
-                </a:solidFill>
-                <a:latin typeface="+mn-lt"/>
-                <a:ea typeface="+mn-ea"/>
-                <a:cs typeface="+mn-cs"/>
-              </a:defRPr>
-            </a:lvl1pPr>
-            <a:lvl2pPr marL="457200" indent="-182880" algn="l" defTabSz="914400" rtl="0" eaLnBrk="1" latinLnBrk="0" hangingPunct="1">
-              <a:lnSpc>
-                <a:spcPct val="90000"/>
-              </a:lnSpc>
-              <a:spcBef>
-                <a:spcPts val="300"/>
-              </a:spcBef>
-              <a:spcAft>
-                <a:spcPts val="300"/>
-              </a:spcAft>
-              <a:buClr>
-                <a:schemeClr val="accent1"/>
-              </a:buClr>
-              <a:buFont typeface="Wingdings 2" pitchFamily="18" charset="2"/>
-              <a:buChar char=""/>
-              <a:defRPr sz="1600" kern="1200">
-                <a:solidFill>
-                  <a:schemeClr val="tx1">
-                    <a:lumMod val="85000"/>
-                    <a:lumOff val="15000"/>
-                  </a:schemeClr>
-                </a:solidFill>
-                <a:latin typeface="+mn-lt"/>
-                <a:ea typeface="+mn-ea"/>
-                <a:cs typeface="+mn-cs"/>
-              </a:defRPr>
-            </a:lvl2pPr>
-            <a:lvl3pPr marL="731520" indent="-182880" algn="l" defTabSz="914400" rtl="0" eaLnBrk="1" latinLnBrk="0" hangingPunct="1">
-              <a:lnSpc>
-                <a:spcPct val="90000"/>
-              </a:lnSpc>
-              <a:spcBef>
-                <a:spcPts val="300"/>
-              </a:spcBef>
-              <a:spcAft>
-                <a:spcPts val="300"/>
-              </a:spcAft>
-              <a:buClr>
-                <a:schemeClr val="accent1"/>
-              </a:buClr>
-              <a:buFont typeface="Wingdings 2" pitchFamily="18" charset="2"/>
-              <a:buChar char=""/>
-              <a:defRPr sz="1400" kern="1200">
-                <a:solidFill>
-                  <a:schemeClr val="tx1">
-                    <a:lumMod val="85000"/>
-                    <a:lumOff val="15000"/>
-                  </a:schemeClr>
-                </a:solidFill>
-                <a:latin typeface="+mn-lt"/>
-                <a:ea typeface="+mn-ea"/>
-                <a:cs typeface="+mn-cs"/>
-              </a:defRPr>
-            </a:lvl3pPr>
-            <a:lvl4pPr marL="1005840" indent="-182880" algn="l" defTabSz="914400" rtl="0" eaLnBrk="1" latinLnBrk="0" hangingPunct="1">
-              <a:lnSpc>
-                <a:spcPct val="90000"/>
-              </a:lnSpc>
-              <a:spcBef>
-                <a:spcPts val="300"/>
-              </a:spcBef>
-              <a:spcAft>
-                <a:spcPts val="300"/>
-              </a:spcAft>
-              <a:buClr>
-                <a:schemeClr val="accent1"/>
-              </a:buClr>
-              <a:buFont typeface="Wingdings 2" pitchFamily="18" charset="2"/>
-              <a:buChar char=""/>
-              <a:defRPr sz="1400" kern="1200">
-                <a:solidFill>
-                  <a:schemeClr val="tx1">
-                    <a:lumMod val="85000"/>
-                    <a:lumOff val="15000"/>
-                  </a:schemeClr>
-                </a:solidFill>
-                <a:latin typeface="+mn-lt"/>
-                <a:ea typeface="+mn-ea"/>
-                <a:cs typeface="+mn-cs"/>
-              </a:defRPr>
-            </a:lvl4pPr>
-            <a:lvl5pPr marL="1280160" indent="-182880" algn="l" defTabSz="914400" rtl="0" eaLnBrk="1" latinLnBrk="0" hangingPunct="1">
-              <a:lnSpc>
-                <a:spcPct val="90000"/>
-              </a:lnSpc>
-              <a:spcBef>
-                <a:spcPts val="300"/>
-              </a:spcBef>
-              <a:spcAft>
-                <a:spcPts val="300"/>
-              </a:spcAft>
-              <a:buClr>
-                <a:schemeClr val="accent1"/>
-              </a:buClr>
-              <a:buFont typeface="Wingdings 2" pitchFamily="18" charset="2"/>
-              <a:buChar char=""/>
-              <a:defRPr sz="1400" kern="1200">
-                <a:solidFill>
-                  <a:schemeClr val="tx1">
-                    <a:lumMod val="85000"/>
-                    <a:lumOff val="15000"/>
-                  </a:schemeClr>
-                </a:solidFill>
-                <a:latin typeface="+mn-lt"/>
-                <a:ea typeface="+mn-ea"/>
-                <a:cs typeface="+mn-cs"/>
-              </a:defRPr>
-            </a:lvl5pPr>
-            <a:lvl6pPr marL="1600000" indent="-228600" algn="l" defTabSz="914400" rtl="0" eaLnBrk="1" latinLnBrk="0" hangingPunct="1">
-              <a:lnSpc>
-                <a:spcPct val="90000"/>
-              </a:lnSpc>
-              <a:spcBef>
-                <a:spcPts val="300"/>
-              </a:spcBef>
-              <a:spcAft>
-                <a:spcPts val="300"/>
-              </a:spcAft>
-              <a:buClr>
-                <a:schemeClr val="accent1"/>
-              </a:buClr>
-              <a:buFont typeface="Wingdings 2" pitchFamily="18" charset="2"/>
-              <a:buChar char=""/>
-              <a:defRPr sz="1400" kern="1200">
-                <a:solidFill>
-                  <a:schemeClr val="tx1">
-                    <a:lumMod val="85000"/>
-                    <a:lumOff val="15000"/>
-                  </a:schemeClr>
-                </a:solidFill>
-                <a:latin typeface="+mn-lt"/>
-                <a:ea typeface="+mn-ea"/>
-                <a:cs typeface="+mn-cs"/>
-              </a:defRPr>
-            </a:lvl6pPr>
-            <a:lvl7pPr marL="1900000" indent="-228600" algn="l" defTabSz="914400" rtl="0" eaLnBrk="1" latinLnBrk="0" hangingPunct="1">
-              <a:lnSpc>
-                <a:spcPct val="90000"/>
-              </a:lnSpc>
-              <a:spcBef>
-                <a:spcPts val="300"/>
-              </a:spcBef>
-              <a:spcAft>
-                <a:spcPts val="300"/>
-              </a:spcAft>
-              <a:buClr>
-                <a:schemeClr val="accent1"/>
-              </a:buClr>
-              <a:buFont typeface="Wingdings 2" pitchFamily="18" charset="2"/>
-              <a:buChar char=""/>
-              <a:defRPr sz="1400" kern="1200">
-                <a:solidFill>
-                  <a:schemeClr val="tx1">
-                    <a:lumMod val="85000"/>
-                    <a:lumOff val="15000"/>
-                  </a:schemeClr>
-                </a:solidFill>
-                <a:latin typeface="+mn-lt"/>
-                <a:ea typeface="+mn-ea"/>
-                <a:cs typeface="+mn-cs"/>
-              </a:defRPr>
-            </a:lvl7pPr>
-            <a:lvl8pPr marL="2200000" indent="-228600" algn="l" defTabSz="914400" rtl="0" eaLnBrk="1" latinLnBrk="0" hangingPunct="1">
-              <a:lnSpc>
-                <a:spcPct val="90000"/>
-              </a:lnSpc>
-              <a:spcBef>
-                <a:spcPts val="300"/>
-              </a:spcBef>
-              <a:spcAft>
-                <a:spcPts val="300"/>
-              </a:spcAft>
-              <a:buClr>
-                <a:schemeClr val="accent1"/>
-              </a:buClr>
-              <a:buFont typeface="Wingdings 2" pitchFamily="18" charset="2"/>
-              <a:buChar char=""/>
-              <a:defRPr sz="1400" kern="1200">
-                <a:solidFill>
-                  <a:schemeClr val="tx1">
-                    <a:lumMod val="85000"/>
-                    <a:lumOff val="15000"/>
-                  </a:schemeClr>
-                </a:solidFill>
-                <a:latin typeface="+mn-lt"/>
-                <a:ea typeface="+mn-ea"/>
-                <a:cs typeface="+mn-cs"/>
-              </a:defRPr>
-            </a:lvl8pPr>
-            <a:lvl9pPr marL="2500000" indent="-228600" algn="l" defTabSz="914400" rtl="0" eaLnBrk="1" latinLnBrk="0" hangingPunct="1">
-              <a:lnSpc>
-                <a:spcPct val="90000"/>
-              </a:lnSpc>
-              <a:spcBef>
-                <a:spcPts val="300"/>
-              </a:spcBef>
-              <a:spcAft>
-                <a:spcPts val="300"/>
-              </a:spcAft>
-              <a:buClr>
-                <a:schemeClr val="accent1"/>
-              </a:buClr>
-              <a:buFont typeface="Wingdings 2" pitchFamily="18" charset="2"/>
-              <a:buChar char=""/>
-              <a:defRPr sz="1400" kern="1200">
-                <a:solidFill>
-                  <a:schemeClr val="tx1">
-                    <a:lumMod val="85000"/>
-                    <a:lumOff val="15000"/>
-                  </a:schemeClr>
-                </a:solidFill>
-                <a:latin typeface="+mn-lt"/>
-                <a:ea typeface="+mn-ea"/>
-                <a:cs typeface="+mn-cs"/>
-              </a:defRPr>
-            </a:lvl9pPr>
-          </a:lstStyle>
-          <a:p>
-            <a:pPr marL="0" indent="0">
-              <a:buFont typeface="Arial" pitchFamily="34" charset="0"/>
-              <a:buNone/>
-            </a:pPr>
-            <a:r>
-              <a:rPr lang="ru-RU" dirty="0">
-                <a:latin typeface="Segoe UI" panose="020B0502040204020203" pitchFamily="34" charset="0"/>
-                <a:cs typeface="Segoe UI" panose="020B0502040204020203" pitchFamily="34" charset="0"/>
-              </a:rPr>
-              <a:t>Пик-фактор </a:t>
-            </a:r>
-            <a:r>
-              <a:rPr lang="en-GB" dirty="0">
-                <a:latin typeface="Segoe UI" panose="020B0502040204020203" pitchFamily="34" charset="0"/>
-                <a:cs typeface="Segoe UI" panose="020B0502040204020203" pitchFamily="34" charset="0"/>
-              </a:rPr>
-              <a:t>OFDM</a:t>
-            </a:r>
-            <a:r>
-              <a:rPr lang="ru-RU" dirty="0">
-                <a:latin typeface="Segoe UI" panose="020B0502040204020203" pitchFamily="34" charset="0"/>
-                <a:cs typeface="Segoe UI" panose="020B0502040204020203" pitchFamily="34" charset="0"/>
-              </a:rPr>
-              <a:t> сигнала выше чем у </a:t>
-            </a:r>
-            <a:r>
-              <a:rPr lang="en-GB" dirty="0">
-                <a:latin typeface="Segoe UI" panose="020B0502040204020203" pitchFamily="34" charset="0"/>
-                <a:cs typeface="Segoe UI" panose="020B0502040204020203" pitchFamily="34" charset="0"/>
-              </a:rPr>
-              <a:t>DFT-s-OFDM,</a:t>
-            </a:r>
-            <a:r>
-              <a:rPr lang="en-US" dirty="0">
-                <a:latin typeface="Segoe UI" panose="020B0502040204020203" pitchFamily="34" charset="0"/>
-                <a:cs typeface="Segoe UI" panose="020B0502040204020203" pitchFamily="34" charset="0"/>
-              </a:rPr>
-              <a:t> </a:t>
-            </a:r>
-            <a:r>
-              <a:rPr lang="ru-RU" dirty="0">
-                <a:latin typeface="Segoe UI" panose="020B0502040204020203" pitchFamily="34" charset="0"/>
-                <a:cs typeface="Segoe UI" panose="020B0502040204020203" pitchFamily="34" charset="0"/>
-              </a:rPr>
-              <a:t>поэтому наблюдается большее количество ошибок по сравнению с </a:t>
-            </a:r>
-            <a:r>
-              <a:rPr lang="en-GB" dirty="0">
-                <a:latin typeface="Segoe UI" panose="020B0502040204020203" pitchFamily="34" charset="0"/>
-                <a:cs typeface="Segoe UI" panose="020B0502040204020203" pitchFamily="34" charset="0"/>
-              </a:rPr>
-              <a:t>DFT-s-OFDM. </a:t>
-            </a:r>
-            <a:endParaRPr lang="ru-RU" dirty="0">
-              <a:latin typeface="Segoe UI" panose="020B0502040204020203" pitchFamily="34" charset="0"/>
-              <a:cs typeface="Segoe UI" panose="020B0502040204020203" pitchFamily="34" charset="0"/>
-            </a:endParaRPr>
-          </a:p>
-          <a:p>
-            <a:pPr marL="0" indent="0">
-              <a:buFont typeface="Arial" pitchFamily="34" charset="0"/>
-              <a:buNone/>
-            </a:pPr>
-            <a:r>
-              <a:rPr lang="ru-RU" dirty="0">
-                <a:latin typeface="Segoe UI" panose="020B0502040204020203" pitchFamily="34" charset="0"/>
-                <a:cs typeface="Segoe UI" panose="020B0502040204020203" pitchFamily="34" charset="0"/>
-              </a:rPr>
-              <a:t>В случае модуляции 256-</a:t>
-            </a:r>
-            <a:r>
-              <a:rPr lang="en-GB" dirty="0">
-                <a:latin typeface="Segoe UI" panose="020B0502040204020203" pitchFamily="34" charset="0"/>
-                <a:cs typeface="Segoe UI" panose="020B0502040204020203" pitchFamily="34" charset="0"/>
-              </a:rPr>
-              <a:t>QAM </a:t>
-            </a:r>
-            <a:r>
-              <a:rPr lang="ru-RU" dirty="0">
-                <a:latin typeface="Segoe UI" panose="020B0502040204020203" pitchFamily="34" charset="0"/>
-                <a:cs typeface="Segoe UI" panose="020B0502040204020203" pitchFamily="34" charset="0"/>
-              </a:rPr>
-              <a:t>искажения сильнее чем для 64-</a:t>
-            </a:r>
-            <a:r>
-              <a:rPr lang="en-GB" dirty="0">
-                <a:latin typeface="Segoe UI" panose="020B0502040204020203" pitchFamily="34" charset="0"/>
-                <a:cs typeface="Segoe UI" panose="020B0502040204020203" pitchFamily="34" charset="0"/>
-              </a:rPr>
-              <a:t>QAM</a:t>
-            </a:r>
-          </a:p>
-          <a:p>
-            <a:pPr marL="0" indent="0">
-              <a:buFont typeface="Arial" pitchFamily="34" charset="0"/>
-              <a:buNone/>
-            </a:pPr>
-            <a:r>
-              <a:rPr lang="ru-RU" dirty="0">
-                <a:latin typeface="Segoe UI" panose="020B0502040204020203" pitchFamily="34" charset="0"/>
-                <a:cs typeface="Segoe UI" panose="020B0502040204020203" pitchFamily="34" charset="0"/>
-              </a:rPr>
-              <a:t>Для сигнала </a:t>
-            </a:r>
-            <a:r>
-              <a:rPr lang="en-US" dirty="0">
-                <a:latin typeface="Segoe UI" panose="020B0502040204020203" pitchFamily="34" charset="0"/>
-                <a:cs typeface="Segoe UI" panose="020B0502040204020203" pitchFamily="34" charset="0"/>
-              </a:rPr>
-              <a:t>OFDM </a:t>
-            </a:r>
-            <a:r>
-              <a:rPr lang="ru-RU" dirty="0">
-                <a:latin typeface="Segoe UI" panose="020B0502040204020203" pitchFamily="34" charset="0"/>
-                <a:cs typeface="Segoe UI" panose="020B0502040204020203" pitchFamily="34" charset="0"/>
-              </a:rPr>
-              <a:t>применение компенсации также улучшает результат для </a:t>
-            </a:r>
-            <a:r>
-              <a:rPr lang="en-GB" dirty="0">
-                <a:latin typeface="Segoe UI" panose="020B0502040204020203" pitchFamily="34" charset="0"/>
-                <a:cs typeface="Segoe UI" panose="020B0502040204020203" pitchFamily="34" charset="0"/>
-              </a:rPr>
-              <a:t>MCS 27 </a:t>
-            </a:r>
-            <a:r>
-              <a:rPr lang="ru-RU" dirty="0">
-                <a:latin typeface="Segoe UI" panose="020B0502040204020203" pitchFamily="34" charset="0"/>
-                <a:cs typeface="Segoe UI" panose="020B0502040204020203" pitchFamily="34" charset="0"/>
-              </a:rPr>
-              <a:t>и 22т2</a:t>
-            </a:r>
-          </a:p>
-          <a:p>
-            <a:pPr marL="0" indent="0">
-              <a:buFont typeface="Arial" pitchFamily="34" charset="0"/>
-              <a:buNone/>
-            </a:pPr>
-            <a:endParaRPr lang="ru-RU" dirty="0">
-              <a:latin typeface="Segoe UI" panose="020B0502040204020203" pitchFamily="34" charset="0"/>
-              <a:cs typeface="Segoe UI" panose="020B0502040204020203" pitchFamily="34" charset="0"/>
-            </a:endParaRPr>
-          </a:p>
-        </p:txBody>
-      </p:sp>
-    </p:spTree>
-    <p:extLst>
-      <p:ext uri="{BB962C8B-B14F-4D97-AF65-F5344CB8AC3E}">
-        <p14:creationId xmlns:p14="http://schemas.microsoft.com/office/powerpoint/2010/main" val="2903298178"/>
-      </p:ext>
-    </p:extLst>
-  </p:cSld>
-  <p:clrMapOvr>
-    <a:masterClrMapping/>
-  </p:clrMapOvr>
+  <p:timing>
+    <p:tnLst>
+      <p:par>
+        <p:cTn id="1" dur="indefinite" restart="never" nodeType="tmRoot"/>
+      </p:par>
+    </p:tnLst>
+  </p:timing>
 </p:sld>
 </file>
 
@@ -13056,7 +13219,7 @@
           <p:cNvPr id="7" name="Рисунок 6">
             <a:extLst>
               <a:ext uri="{FF2B5EF4-FFF2-40B4-BE49-F238E27FC236}">
-                <a16:creationId xmlns:a16="http://schemas.microsoft.com/office/drawing/2014/main" id="{7420F0DF-23BB-F9B4-92F6-427304D90BD5}"/>
+                <a16:creationId xmlns:a16="http://schemas.microsoft.com/office/drawing/2014/main" id="{1EC37E94-A96A-8783-5E57-EEFDA4C90D51}"/>
               </a:ext>
             </a:extLst>
           </p:cNvPr>
@@ -13065,7 +13228,7 @@
           </p:cNvPicPr>
           <p:nvPr/>
         </p:nvPicPr>
-        <p:blipFill>
+        <p:blipFill rotWithShape="1">
           <a:blip r:embed="rId2">
             <a:extLst>
               <a:ext uri="{28A0092B-C50C-407E-A947-70E740481C1C}">
@@ -13073,14 +13236,13 @@
               </a:ext>
             </a:extLst>
           </a:blip>
-          <a:stretch>
-            <a:fillRect/>
-          </a:stretch>
+          <a:srcRect r="7095"/>
+          <a:stretch/>
         </p:blipFill>
         <p:spPr>
           <a:xfrm>
-            <a:off x="2275343" y="1664208"/>
-            <a:ext cx="6082166" cy="4559886"/>
+            <a:off x="2286000" y="1432863"/>
+            <a:ext cx="6064371" cy="4893762"/>
           </a:xfrm>
           <a:prstGeom prst="rect">
             <a:avLst/>
@@ -13441,7 +13603,7 @@
                 <a:latin typeface="Segoe UI" panose="020B0502040204020203" pitchFamily="34" charset="0"/>
                 <a:cs typeface="Segoe UI" panose="020B0502040204020203" pitchFamily="34" charset="0"/>
               </a:rPr>
-              <a:t>DFT-s-OFDM / </a:t>
+              <a:t>CP-OFDM / </a:t>
             </a:r>
             <a:r>
               <a:rPr lang="ru-RU" sz="2400" dirty="0">
@@ -13514,7 +13676,7 @@
           <p:cNvPr id="6" name="Объект 2">
             <a:extLst>
               <a:ext uri="{FF2B5EF4-FFF2-40B4-BE49-F238E27FC236}">
-                <a16:creationId xmlns:a16="http://schemas.microsoft.com/office/drawing/2014/main" id="{243C8A65-20B2-7197-1B8C-F0CC59B1B416}"/>
+                <a16:creationId xmlns:a16="http://schemas.microsoft.com/office/drawing/2014/main" id="{8747799B-6D3A-9D66-CF0E-5EA460FEAB23}"/>
               </a:ext>
             </a:extLst>
           </p:cNvPr>
@@ -13525,8 +13687,8 @@
         </p:nvSpPr>
         <p:spPr>
           <a:xfrm>
-            <a:off x="231492" y="1575703"/>
-            <a:ext cx="2635534" cy="3986897"/>
+            <a:off x="231491" y="1575703"/>
+            <a:ext cx="2339181" cy="5109769"/>
           </a:xfrm>
           <a:prstGeom prst="rect">
             <a:avLst/>
@@ -13789,21 +13951,21 @@
                 <a:latin typeface="Segoe UI" panose="020B0502040204020203" pitchFamily="34" charset="0"/>
                 <a:cs typeface="Segoe UI" panose="020B0502040204020203" pitchFamily="34" charset="0"/>
               </a:rPr>
-              <a:t>Характеристики УМ значительно хуже, даже в случае </a:t>
-            </a:r>
-            <a:r>
-              <a:rPr lang="en-GB" dirty="0">
-                <a:latin typeface="Segoe UI" panose="020B0502040204020203" pitchFamily="34" charset="0"/>
-                <a:cs typeface="Segoe UI" panose="020B0502040204020203" pitchFamily="34" charset="0"/>
-              </a:rPr>
-              <a:t>DFT-s-OFDM </a:t>
+              <a:t>В случае </a:t>
+            </a:r>
+            <a:r>
+              <a:rPr lang="en-US" dirty="0">
+                <a:latin typeface="Segoe UI" panose="020B0502040204020203" pitchFamily="34" charset="0"/>
+                <a:cs typeface="Segoe UI" panose="020B0502040204020203" pitchFamily="34" charset="0"/>
+              </a:rPr>
+              <a:t>OFDM </a:t>
             </a:r>
             <a:r>
               <a:rPr lang="ru-RU" dirty="0">
                 <a:latin typeface="Segoe UI" panose="020B0502040204020203" pitchFamily="34" charset="0"/>
                 <a:cs typeface="Segoe UI" panose="020B0502040204020203" pitchFamily="34" charset="0"/>
               </a:rPr>
-              <a:t>наблюдается сильное падение производительности.</a:t>
+              <a:t>сигнала искажения еще хуже.</a:t>
             </a:r>
           </a:p>
           <a:p>
@@ -13816,21 +13978,322 @@
                 <a:latin typeface="Segoe UI" panose="020B0502040204020203" pitchFamily="34" charset="0"/>
                 <a:cs typeface="Segoe UI" panose="020B0502040204020203" pitchFamily="34" charset="0"/>
               </a:rPr>
-              <a:t>При высокой модуляции часть информации может быть невозвратно искажена</a:t>
+              <a:t>Для </a:t>
+            </a:r>
+            <a:r>
+              <a:rPr lang="en-GB" dirty="0">
+                <a:latin typeface="Segoe UI" panose="020B0502040204020203" pitchFamily="34" charset="0"/>
+                <a:cs typeface="Segoe UI" panose="020B0502040204020203" pitchFamily="34" charset="0"/>
+              </a:rPr>
+              <a:t>MCS 27 </a:t>
+            </a:r>
+            <a:r>
+              <a:rPr lang="ru-RU" dirty="0">
+                <a:latin typeface="Segoe UI" panose="020B0502040204020203" pitchFamily="34" charset="0"/>
+                <a:cs typeface="Segoe UI" panose="020B0502040204020203" pitchFamily="34" charset="0"/>
+              </a:rPr>
+              <a:t>информация практически не </a:t>
+            </a:r>
+            <a:r>
+              <a:rPr lang="ru-RU" dirty="0" smtClean="0">
+                <a:latin typeface="Segoe UI" panose="020B0502040204020203" pitchFamily="34" charset="0"/>
+                <a:cs typeface="Segoe UI" panose="020B0502040204020203" pitchFamily="34" charset="0"/>
+              </a:rPr>
+              <a:t>восстановлена</a:t>
+            </a:r>
+            <a:r>
+              <a:rPr lang="ru-RU" dirty="0">
+                <a:latin typeface="Segoe UI" panose="020B0502040204020203" pitchFamily="34" charset="0"/>
+                <a:cs typeface="Segoe UI" panose="020B0502040204020203" pitchFamily="34" charset="0"/>
+              </a:rPr>
+              <a:t> </a:t>
+            </a:r>
+            <a:r>
+              <a:rPr lang="ru-RU" dirty="0" smtClean="0">
+                <a:latin typeface="Segoe UI" panose="020B0502040204020203" pitchFamily="34" charset="0"/>
+                <a:cs typeface="Segoe UI" panose="020B0502040204020203" pitchFamily="34" charset="0"/>
+              </a:rPr>
+              <a:t>(Ввиду высокого </a:t>
+            </a:r>
+            <a:r>
+              <a:rPr lang="ru-RU" dirty="0" err="1" smtClean="0">
+                <a:latin typeface="Segoe UI" panose="020B0502040204020203" pitchFamily="34" charset="0"/>
+                <a:cs typeface="Segoe UI" panose="020B0502040204020203" pitchFamily="34" charset="0"/>
+              </a:rPr>
+              <a:t>кодрейта</a:t>
+            </a:r>
+            <a:r>
+              <a:rPr lang="ru-RU" dirty="0" smtClean="0">
+                <a:latin typeface="Segoe UI" panose="020B0502040204020203" pitchFamily="34" charset="0"/>
+                <a:cs typeface="Segoe UI" panose="020B0502040204020203" pitchFamily="34" charset="0"/>
+              </a:rPr>
+              <a:t>)</a:t>
+            </a:r>
+            <a:endParaRPr lang="ru-RU" dirty="0">
+              <a:latin typeface="Segoe UI" panose="020B0502040204020203" pitchFamily="34" charset="0"/>
+              <a:cs typeface="Segoe UI" panose="020B0502040204020203" pitchFamily="34" charset="0"/>
+            </a:endParaRPr>
+          </a:p>
+          <a:p>
+            <a:pPr marL="0" indent="0">
+              <a:buFont typeface="Arial" pitchFamily="34" charset="0"/>
+              <a:buNone/>
+            </a:pPr>
+            <a:r>
+              <a:rPr lang="ru-RU" dirty="0">
+                <a:latin typeface="Segoe UI" panose="020B0502040204020203" pitchFamily="34" charset="0"/>
+                <a:cs typeface="Segoe UI" panose="020B0502040204020203" pitchFamily="34" charset="0"/>
+              </a:rPr>
+              <a:t>Для </a:t>
+            </a:r>
+            <a:r>
+              <a:rPr lang="en-GB" dirty="0">
+                <a:latin typeface="Segoe UI" panose="020B0502040204020203" pitchFamily="34" charset="0"/>
+                <a:cs typeface="Segoe UI" panose="020B0502040204020203" pitchFamily="34" charset="0"/>
+              </a:rPr>
+              <a:t>MCS 22 </a:t>
+            </a:r>
+            <a:r>
+              <a:rPr lang="ru-RU" dirty="0">
+                <a:latin typeface="Segoe UI" panose="020B0502040204020203" pitchFamily="34" charset="0"/>
+                <a:cs typeface="Segoe UI" panose="020B0502040204020203" pitchFamily="34" charset="0"/>
+              </a:rPr>
+              <a:t>наблюдается увеличение искажений, при этом компенсация улучшает результат сдвигая кривую на 3-5 дБ</a:t>
             </a:r>
           </a:p>
         </p:txBody>
       </p:sp>
+      <p:grpSp>
+        <p:nvGrpSpPr>
+          <p:cNvPr id="8" name="Группа 7"/>
+          <p:cNvGrpSpPr/>
+          <p:nvPr/>
+        </p:nvGrpSpPr>
+        <p:grpSpPr>
+          <a:xfrm>
+            <a:off x="6057061" y="6119595"/>
+            <a:ext cx="2326370" cy="646331"/>
+            <a:chOff x="598280" y="5886685"/>
+            <a:chExt cx="2326370" cy="646331"/>
+          </a:xfrm>
+        </p:grpSpPr>
+        <p:sp>
+          <p:nvSpPr>
+            <p:cNvPr id="9" name="Прямоугольник 8"/>
+            <p:cNvSpPr/>
+            <p:nvPr/>
+          </p:nvSpPr>
+          <p:spPr>
+            <a:xfrm>
+              <a:off x="837058" y="5886685"/>
+              <a:ext cx="2087592" cy="646331"/>
+            </a:xfrm>
+            <a:prstGeom prst="rect">
+              <a:avLst/>
+            </a:prstGeom>
+          </p:spPr>
+          <p:txBody>
+            <a:bodyPr wrap="square">
+              <a:spAutoFit/>
+            </a:bodyPr>
+            <a:lstStyle/>
+            <a:p>
+              <a:r>
+                <a:rPr lang="en-US" dirty="0">
+                  <a:latin typeface="Segoe UI" panose="020B0502040204020203" pitchFamily="34" charset="0"/>
+                  <a:cs typeface="Segoe UI" panose="020B0502040204020203" pitchFamily="34" charset="0"/>
+                </a:rPr>
+                <a:t>MCS 27: 64-QAM,</a:t>
+              </a:r>
+            </a:p>
+            <a:p>
+              <a:r>
+                <a:rPr lang="en-US" dirty="0">
+                  <a:latin typeface="Segoe UI" panose="020B0502040204020203" pitchFamily="34" charset="0"/>
+                  <a:cs typeface="Segoe UI" panose="020B0502040204020203" pitchFamily="34" charset="0"/>
+                </a:rPr>
+                <a:t>R = 0.89</a:t>
+              </a:r>
+              <a:endParaRPr lang="en-US" dirty="0">
+                <a:latin typeface="Segoe UI" panose="020B0502040204020203" pitchFamily="34" charset="0"/>
+                <a:cs typeface="Segoe UI" panose="020B0502040204020203" pitchFamily="34" charset="0"/>
+              </a:endParaRPr>
+            </a:p>
+          </p:txBody>
+        </p:sp>
+        <p:sp>
+          <p:nvSpPr>
+            <p:cNvPr id="10" name="Овал 9"/>
+            <p:cNvSpPr/>
+            <p:nvPr/>
+          </p:nvSpPr>
+          <p:spPr>
+            <a:xfrm>
+              <a:off x="598280" y="6119273"/>
+              <a:ext cx="181154" cy="181154"/>
+            </a:xfrm>
+            <a:prstGeom prst="ellipse">
+              <a:avLst/>
+            </a:prstGeom>
+            <a:solidFill>
+              <a:srgbClr val="29C582"/>
+            </a:solidFill>
+            <a:ln w="19050">
+              <a:solidFill>
+                <a:schemeClr val="tx1"/>
+              </a:solidFill>
+            </a:ln>
+          </p:spPr>
+          <p:style>
+            <a:lnRef idx="2">
+              <a:schemeClr val="accent1">
+                <a:shade val="50000"/>
+              </a:schemeClr>
+            </a:lnRef>
+            <a:fillRef idx="1">
+              <a:schemeClr val="accent1"/>
+            </a:fillRef>
+            <a:effectRef idx="0">
+              <a:schemeClr val="accent1"/>
+            </a:effectRef>
+            <a:fontRef idx="minor">
+              <a:schemeClr val="lt1"/>
+            </a:fontRef>
+          </p:style>
+          <p:txBody>
+            <a:bodyPr rtlCol="0" anchor="ctr"/>
+            <a:lstStyle/>
+            <a:p>
+              <a:pPr algn="ctr"/>
+              <a:endParaRPr lang="ru-RU"/>
+            </a:p>
+          </p:txBody>
+        </p:sp>
+      </p:grpSp>
+      <p:grpSp>
+        <p:nvGrpSpPr>
+          <p:cNvPr id="11" name="Группа 10"/>
+          <p:cNvGrpSpPr/>
+          <p:nvPr/>
+        </p:nvGrpSpPr>
+        <p:grpSpPr>
+          <a:xfrm>
+            <a:off x="3148855" y="6172201"/>
+            <a:ext cx="2554733" cy="646331"/>
+            <a:chOff x="155489" y="5822732"/>
+            <a:chExt cx="2554733" cy="646331"/>
+          </a:xfrm>
+        </p:grpSpPr>
+        <p:sp>
+          <p:nvSpPr>
+            <p:cNvPr id="12" name="Прямоугольник 11"/>
+            <p:cNvSpPr/>
+            <p:nvPr/>
+          </p:nvSpPr>
+          <p:spPr>
+            <a:xfrm>
+              <a:off x="388295" y="5822732"/>
+              <a:ext cx="2321927" cy="646331"/>
+            </a:xfrm>
+            <a:prstGeom prst="rect">
+              <a:avLst/>
+            </a:prstGeom>
+          </p:spPr>
+          <p:txBody>
+            <a:bodyPr wrap="square">
+              <a:spAutoFit/>
+            </a:bodyPr>
+            <a:lstStyle/>
+            <a:p>
+              <a:r>
+                <a:rPr lang="en-US" dirty="0">
+                  <a:latin typeface="Segoe UI" panose="020B0502040204020203" pitchFamily="34" charset="0"/>
+                  <a:cs typeface="Segoe UI" panose="020B0502040204020203" pitchFamily="34" charset="0"/>
+                </a:rPr>
+                <a:t>MCS 22: 64-QAM,</a:t>
+              </a:r>
+            </a:p>
+            <a:p>
+              <a:r>
+                <a:rPr lang="en-US" dirty="0">
+                  <a:latin typeface="Segoe UI" panose="020B0502040204020203" pitchFamily="34" charset="0"/>
+                  <a:cs typeface="Segoe UI" panose="020B0502040204020203" pitchFamily="34" charset="0"/>
+                </a:rPr>
+                <a:t>R = 0.65</a:t>
+              </a:r>
+              <a:endParaRPr lang="en-US" dirty="0">
+                <a:latin typeface="Segoe UI" panose="020B0502040204020203" pitchFamily="34" charset="0"/>
+                <a:cs typeface="Segoe UI" panose="020B0502040204020203" pitchFamily="34" charset="0"/>
+              </a:endParaRPr>
+            </a:p>
+          </p:txBody>
+        </p:sp>
+        <p:sp>
+          <p:nvSpPr>
+            <p:cNvPr id="14" name="Овал 13"/>
+            <p:cNvSpPr/>
+            <p:nvPr/>
+          </p:nvSpPr>
+          <p:spPr>
+            <a:xfrm>
+              <a:off x="155489" y="6037644"/>
+              <a:ext cx="181154" cy="181154"/>
+            </a:xfrm>
+            <a:prstGeom prst="ellipse">
+              <a:avLst/>
+            </a:prstGeom>
+            <a:solidFill>
+              <a:srgbClr val="ED1E79"/>
+            </a:solidFill>
+            <a:ln w="19050">
+              <a:solidFill>
+                <a:srgbClr val="000000"/>
+              </a:solidFill>
+            </a:ln>
+          </p:spPr>
+          <p:style>
+            <a:lnRef idx="2">
+              <a:schemeClr val="accent1">
+                <a:shade val="50000"/>
+              </a:schemeClr>
+            </a:lnRef>
+            <a:fillRef idx="1">
+              <a:schemeClr val="accent1"/>
+            </a:fillRef>
+            <a:effectRef idx="0">
+              <a:schemeClr val="accent1"/>
+            </a:effectRef>
+            <a:fontRef idx="minor">
+              <a:schemeClr val="lt1"/>
+            </a:fontRef>
+          </p:style>
+          <p:txBody>
+            <a:bodyPr rtlCol="0" anchor="ctr"/>
+            <a:lstStyle/>
+            <a:p>
+              <a:pPr algn="ctr"/>
+              <a:endParaRPr lang="ru-RU"/>
+            </a:p>
+          </p:txBody>
+        </p:sp>
+      </p:grpSp>
     </p:spTree>
     <p:extLst>
       <p:ext uri="{BB962C8B-B14F-4D97-AF65-F5344CB8AC3E}">
-        <p14:creationId xmlns:p14="http://schemas.microsoft.com/office/powerpoint/2010/main" val="3959395434"/>
+        <p14:creationId xmlns:p14="http://schemas.microsoft.com/office/powerpoint/2010/main" val="4233144835"/>
       </p:ext>
     </p:extLst>
   </p:cSld>
   <p:clrMapOvr>
     <a:masterClrMapping/>
   </p:clrMapOvr>
+  <p:timing>
+    <p:tnLst>
+      <p:par>
+        <p:cTn id="1" dur="indefinite" restart="never" nodeType="tmRoot"/>
+      </p:par>
+    </p:tnLst>
+  </p:timing>
 </p:sld>
 </file>
 
@@ -13915,7 +14378,21 @@
                 <a:latin typeface="Segoe UI" panose="020B0502040204020203" pitchFamily="34" charset="0"/>
                 <a:cs typeface="Segoe UI" panose="020B0502040204020203" pitchFamily="34" charset="0"/>
               </a:rPr>
-              <a:t>Исследование влияния нелинейности усилителя мощности на различные типы сигнала, используемые в стандарте мобильных сотовых сетей связи </a:t>
+              <a:t>Исследование влияния нелинейности усилителя мощности на различные типы сигнала, используемые в стандарте мобильных </a:t>
+            </a:r>
+            <a:r>
+              <a:rPr lang="ru-RU" sz="2400" dirty="0" smtClean="0">
+                <a:latin typeface="Segoe UI" panose="020B0502040204020203" pitchFamily="34" charset="0"/>
+                <a:cs typeface="Segoe UI" panose="020B0502040204020203" pitchFamily="34" charset="0"/>
+              </a:rPr>
+              <a:t>сетей </a:t>
+            </a:r>
+            <a:r>
+              <a:rPr lang="ru-RU" sz="2400" dirty="0">
+                <a:latin typeface="Segoe UI" panose="020B0502040204020203" pitchFamily="34" charset="0"/>
+                <a:cs typeface="Segoe UI" panose="020B0502040204020203" pitchFamily="34" charset="0"/>
+              </a:rPr>
+              <a:t>связи </a:t>
             </a:r>
             <a:r>
               <a:rPr lang="en-GB" sz="2400" dirty="0">
@@ -13931,7 +14408,21 @@
                 <a:latin typeface="Segoe UI" panose="020B0502040204020203" pitchFamily="34" charset="0"/>
                 <a:cs typeface="Segoe UI" panose="020B0502040204020203" pitchFamily="34" charset="0"/>
               </a:rPr>
-              <a:t>Разработка модели усилителя мощности для миллиметрового диапазона 100-200 ГГц</a:t>
+              <a:t>Разработка модели усилителя мощности для миллиметрового </a:t>
+            </a:r>
+            <a:r>
+              <a:rPr lang="ru-RU" sz="2400" dirty="0" smtClean="0">
+                <a:latin typeface="Segoe UI" panose="020B0502040204020203" pitchFamily="34" charset="0"/>
+                <a:cs typeface="Segoe UI" panose="020B0502040204020203" pitchFamily="34" charset="0"/>
+              </a:rPr>
+              <a:t>диапазона длин волн 100-200 </a:t>
+            </a:r>
+            <a:r>
+              <a:rPr lang="ru-RU" sz="2400" dirty="0">
+                <a:latin typeface="Segoe UI" panose="020B0502040204020203" pitchFamily="34" charset="0"/>
+                <a:cs typeface="Segoe UI" panose="020B0502040204020203" pitchFamily="34" charset="0"/>
+              </a:rPr>
+              <a:t>ГГц</a:t>
             </a:r>
           </a:p>
           <a:p>
@@ -13990,6 +14481,13 @@
   <p:clrMapOvr>
     <a:masterClrMapping/>
   </p:clrMapOvr>
+  <p:timing>
+    <p:tnLst>
+      <p:par>
+        <p:cTn id="1" dur="indefinite" restart="never" nodeType="tmRoot"/>
+      </p:par>
+    </p:tnLst>
+  </p:timing>
 </p:sld>
 </file>
 
@@ -14015,7 +14513,7 @@
           <p:cNvPr id="7" name="Рисунок 6">
             <a:extLst>
               <a:ext uri="{FF2B5EF4-FFF2-40B4-BE49-F238E27FC236}">
-                <a16:creationId xmlns:a16="http://schemas.microsoft.com/office/drawing/2014/main" id="{1EC37E94-A96A-8783-5E57-EEFDA4C90D51}"/>
+                <a16:creationId xmlns:a16="http://schemas.microsoft.com/office/drawing/2014/main" id="{7420F0DF-23BB-F9B4-92F6-427304D90BD5}"/>
               </a:ext>
             </a:extLst>
           </p:cNvPr>
@@ -14024,7 +14522,7 @@
           </p:cNvPicPr>
           <p:nvPr/>
         </p:nvPicPr>
-        <p:blipFill>
+        <p:blipFill rotWithShape="1">
           <a:blip r:embed="rId2">
             <a:extLst>
               <a:ext uri="{28A0092B-C50C-407E-A947-70E740481C1C}">
@@ -14032,14 +14530,13 @@
               </a:ext>
             </a:extLst>
           </a:blip>
-          <a:stretch>
-            <a:fillRect/>
-          </a:stretch>
+          <a:srcRect r="4798"/>
+          <a:stretch/>
         </p:blipFill>
         <p:spPr>
           <a:xfrm>
-            <a:off x="2231136" y="1723635"/>
-            <a:ext cx="6103725" cy="4576049"/>
+            <a:off x="2251494" y="1421150"/>
+            <a:ext cx="6099001" cy="4802944"/>
           </a:xfrm>
           <a:prstGeom prst="rect">
             <a:avLst/>
@@ -14400,7 +14897,7 @@
                 <a:latin typeface="Segoe UI" panose="020B0502040204020203" pitchFamily="34" charset="0"/>
                 <a:cs typeface="Segoe UI" panose="020B0502040204020203" pitchFamily="34" charset="0"/>
               </a:rPr>
-              <a:t>CP-OFDM / </a:t>
+              <a:t>DFT-s-OFDM / </a:t>
             </a:r>
             <a:r>
               <a:rPr lang="ru-RU" sz="2400" dirty="0">
@@ -14473,7 +14970,7 @@
           <p:cNvPr id="6" name="Объект 2">
             <a:extLst>
               <a:ext uri="{FF2B5EF4-FFF2-40B4-BE49-F238E27FC236}">
-                <a16:creationId xmlns:a16="http://schemas.microsoft.com/office/drawing/2014/main" id="{8747799B-6D3A-9D66-CF0E-5EA460FEAB23}"/>
+                <a16:creationId xmlns:a16="http://schemas.microsoft.com/office/drawing/2014/main" id="{243C8A65-20B2-7197-1B8C-F0CC59B1B416}"/>
               </a:ext>
             </a:extLst>
           </p:cNvPr>
@@ -14485,7 +14982,7 @@
         <p:spPr>
           <a:xfrm>
             <a:off x="231492" y="1575703"/>
-            <a:ext cx="2635534" cy="4825097"/>
+            <a:ext cx="2635534" cy="3986897"/>
           </a:xfrm>
           <a:prstGeom prst="rect">
             <a:avLst/>
@@ -14748,21 +15245,21 @@
                 <a:latin typeface="Segoe UI" panose="020B0502040204020203" pitchFamily="34" charset="0"/>
                 <a:cs typeface="Segoe UI" panose="020B0502040204020203" pitchFamily="34" charset="0"/>
               </a:rPr>
-              <a:t>В случае </a:t>
-            </a:r>
-            <a:r>
-              <a:rPr lang="en-US" dirty="0">
-                <a:latin typeface="Segoe UI" panose="020B0502040204020203" pitchFamily="34" charset="0"/>
-                <a:cs typeface="Segoe UI" panose="020B0502040204020203" pitchFamily="34" charset="0"/>
-              </a:rPr>
-              <a:t>OFDM </a:t>
+              <a:t>Характеристики УМ значительно хуже, даже в случае </a:t>
+            </a:r>
+            <a:r>
+              <a:rPr lang="en-GB" dirty="0">
+                <a:latin typeface="Segoe UI" panose="020B0502040204020203" pitchFamily="34" charset="0"/>
+                <a:cs typeface="Segoe UI" panose="020B0502040204020203" pitchFamily="34" charset="0"/>
+              </a:rPr>
+              <a:t>DFT-s-OFDM </a:t>
             </a:r>
             <a:r>
               <a:rPr lang="ru-RU" dirty="0">
                 <a:latin typeface="Segoe UI" panose="020B0502040204020203" pitchFamily="34" charset="0"/>
                 <a:cs typeface="Segoe UI" panose="020B0502040204020203" pitchFamily="34" charset="0"/>
               </a:rPr>
-              <a:t>сигнала искажения еще хуже.</a:t>
+              <a:t>наблюдается сильное падение производительности.</a:t>
             </a:r>
           </a:p>
           <a:p>
@@ -14775,62 +15272,233 @@
                 <a:latin typeface="Segoe UI" panose="020B0502040204020203" pitchFamily="34" charset="0"/>
                 <a:cs typeface="Segoe UI" panose="020B0502040204020203" pitchFamily="34" charset="0"/>
               </a:rPr>
-              <a:t>Для </a:t>
-            </a:r>
-            <a:r>
-              <a:rPr lang="en-GB" dirty="0">
-                <a:latin typeface="Segoe UI" panose="020B0502040204020203" pitchFamily="34" charset="0"/>
-                <a:cs typeface="Segoe UI" panose="020B0502040204020203" pitchFamily="34" charset="0"/>
-              </a:rPr>
-              <a:t>MCS 27 </a:t>
-            </a:r>
-            <a:r>
-              <a:rPr lang="ru-RU" dirty="0">
-                <a:latin typeface="Segoe UI" panose="020B0502040204020203" pitchFamily="34" charset="0"/>
-                <a:cs typeface="Segoe UI" panose="020B0502040204020203" pitchFamily="34" charset="0"/>
-              </a:rPr>
-              <a:t>информация практически не восстановлена.</a:t>
-            </a:r>
-          </a:p>
-          <a:p>
-            <a:pPr marL="0" indent="0">
-              <a:buFont typeface="Arial" pitchFamily="34" charset="0"/>
-              <a:buNone/>
-            </a:pPr>
-            <a:r>
-              <a:rPr lang="ru-RU" dirty="0">
-                <a:latin typeface="Segoe UI" panose="020B0502040204020203" pitchFamily="34" charset="0"/>
-                <a:cs typeface="Segoe UI" panose="020B0502040204020203" pitchFamily="34" charset="0"/>
-              </a:rPr>
-              <a:t>Для </a:t>
-            </a:r>
-            <a:r>
-              <a:rPr lang="en-GB" dirty="0">
-                <a:latin typeface="Segoe UI" panose="020B0502040204020203" pitchFamily="34" charset="0"/>
-                <a:cs typeface="Segoe UI" panose="020B0502040204020203" pitchFamily="34" charset="0"/>
-              </a:rPr>
-              <a:t>MCS 22 </a:t>
-            </a:r>
-            <a:r>
-              <a:rPr lang="ru-RU" dirty="0">
-                <a:latin typeface="Segoe UI" panose="020B0502040204020203" pitchFamily="34" charset="0"/>
-                <a:cs typeface="Segoe UI" panose="020B0502040204020203" pitchFamily="34" charset="0"/>
-              </a:rPr>
-              <a:t>наблюдается увеличение искажений, при этом компенсация улучшает результат сдвигая кривую на 3-5 дБ</a:t>
+              <a:t>При высокой модуляции часть информации может быть невозвратно искажена</a:t>
             </a:r>
           </a:p>
         </p:txBody>
       </p:sp>
+      <p:grpSp>
+        <p:nvGrpSpPr>
+          <p:cNvPr id="8" name="Группа 7"/>
+          <p:cNvGrpSpPr/>
+          <p:nvPr/>
+        </p:nvGrpSpPr>
+        <p:grpSpPr>
+          <a:xfrm>
+            <a:off x="6057061" y="6119595"/>
+            <a:ext cx="2326370" cy="646331"/>
+            <a:chOff x="598280" y="5886685"/>
+            <a:chExt cx="2326370" cy="646331"/>
+          </a:xfrm>
+        </p:grpSpPr>
+        <p:sp>
+          <p:nvSpPr>
+            <p:cNvPr id="9" name="Прямоугольник 8"/>
+            <p:cNvSpPr/>
+            <p:nvPr/>
+          </p:nvSpPr>
+          <p:spPr>
+            <a:xfrm>
+              <a:off x="837058" y="5886685"/>
+              <a:ext cx="2087592" cy="646331"/>
+            </a:xfrm>
+            <a:prstGeom prst="rect">
+              <a:avLst/>
+            </a:prstGeom>
+          </p:spPr>
+          <p:txBody>
+            <a:bodyPr wrap="square">
+              <a:spAutoFit/>
+            </a:bodyPr>
+            <a:lstStyle/>
+            <a:p>
+              <a:r>
+                <a:rPr lang="en-US" dirty="0">
+                  <a:latin typeface="Segoe UI" panose="020B0502040204020203" pitchFamily="34" charset="0"/>
+                  <a:cs typeface="Segoe UI" panose="020B0502040204020203" pitchFamily="34" charset="0"/>
+                </a:rPr>
+                <a:t>MCS 27: 64-QAM,</a:t>
+              </a:r>
+            </a:p>
+            <a:p>
+              <a:r>
+                <a:rPr lang="en-US" dirty="0">
+                  <a:latin typeface="Segoe UI" panose="020B0502040204020203" pitchFamily="34" charset="0"/>
+                  <a:cs typeface="Segoe UI" panose="020B0502040204020203" pitchFamily="34" charset="0"/>
+                </a:rPr>
+                <a:t>R = 0.89</a:t>
+              </a:r>
+              <a:endParaRPr lang="en-US" dirty="0">
+                <a:latin typeface="Segoe UI" panose="020B0502040204020203" pitchFamily="34" charset="0"/>
+                <a:cs typeface="Segoe UI" panose="020B0502040204020203" pitchFamily="34" charset="0"/>
+              </a:endParaRPr>
+            </a:p>
+          </p:txBody>
+        </p:sp>
+        <p:sp>
+          <p:nvSpPr>
+            <p:cNvPr id="10" name="Овал 9"/>
+            <p:cNvSpPr/>
+            <p:nvPr/>
+          </p:nvSpPr>
+          <p:spPr>
+            <a:xfrm>
+              <a:off x="598280" y="6119273"/>
+              <a:ext cx="181154" cy="181154"/>
+            </a:xfrm>
+            <a:prstGeom prst="ellipse">
+              <a:avLst/>
+            </a:prstGeom>
+            <a:solidFill>
+              <a:srgbClr val="29C582"/>
+            </a:solidFill>
+            <a:ln w="19050">
+              <a:solidFill>
+                <a:schemeClr val="tx1"/>
+              </a:solidFill>
+            </a:ln>
+          </p:spPr>
+          <p:style>
+            <a:lnRef idx="2">
+              <a:schemeClr val="accent1">
+                <a:shade val="50000"/>
+              </a:schemeClr>
+            </a:lnRef>
+            <a:fillRef idx="1">
+              <a:schemeClr val="accent1"/>
+            </a:fillRef>
+            <a:effectRef idx="0">
+              <a:schemeClr val="accent1"/>
+            </a:effectRef>
+            <a:fontRef idx="minor">
+              <a:schemeClr val="lt1"/>
+            </a:fontRef>
+          </p:style>
+          <p:txBody>
+            <a:bodyPr rtlCol="0" anchor="ctr"/>
+            <a:lstStyle/>
+            <a:p>
+              <a:pPr algn="ctr"/>
+              <a:endParaRPr lang="ru-RU"/>
+            </a:p>
+          </p:txBody>
+        </p:sp>
+      </p:grpSp>
+      <p:grpSp>
+        <p:nvGrpSpPr>
+          <p:cNvPr id="11" name="Группа 10"/>
+          <p:cNvGrpSpPr/>
+          <p:nvPr/>
+        </p:nvGrpSpPr>
+        <p:grpSpPr>
+          <a:xfrm>
+            <a:off x="3148855" y="6172201"/>
+            <a:ext cx="2554733" cy="646331"/>
+            <a:chOff x="155489" y="5822732"/>
+            <a:chExt cx="2554733" cy="646331"/>
+          </a:xfrm>
+        </p:grpSpPr>
+        <p:sp>
+          <p:nvSpPr>
+            <p:cNvPr id="12" name="Прямоугольник 11"/>
+            <p:cNvSpPr/>
+            <p:nvPr/>
+          </p:nvSpPr>
+          <p:spPr>
+            <a:xfrm>
+              <a:off x="388295" y="5822732"/>
+              <a:ext cx="2321927" cy="646331"/>
+            </a:xfrm>
+            <a:prstGeom prst="rect">
+              <a:avLst/>
+            </a:prstGeom>
+          </p:spPr>
+          <p:txBody>
+            <a:bodyPr wrap="square">
+              <a:spAutoFit/>
+            </a:bodyPr>
+            <a:lstStyle/>
+            <a:p>
+              <a:r>
+                <a:rPr lang="en-US" dirty="0" smtClean="0">
+                  <a:latin typeface="Segoe UI" panose="020B0502040204020203" pitchFamily="34" charset="0"/>
+                  <a:cs typeface="Segoe UI" panose="020B0502040204020203" pitchFamily="34" charset="0"/>
+                </a:rPr>
+                <a:t>MCS 22t2: 256-QAM, R = 0.74</a:t>
+              </a:r>
+              <a:endParaRPr lang="en-US" dirty="0">
+                <a:latin typeface="Segoe UI" panose="020B0502040204020203" pitchFamily="34" charset="0"/>
+                <a:cs typeface="Segoe UI" panose="020B0502040204020203" pitchFamily="34" charset="0"/>
+              </a:endParaRPr>
+            </a:p>
+          </p:txBody>
+        </p:sp>
+        <p:sp>
+          <p:nvSpPr>
+            <p:cNvPr id="14" name="Овал 13"/>
+            <p:cNvSpPr/>
+            <p:nvPr/>
+          </p:nvSpPr>
+          <p:spPr>
+            <a:xfrm>
+              <a:off x="155489" y="6037644"/>
+              <a:ext cx="181154" cy="181154"/>
+            </a:xfrm>
+            <a:prstGeom prst="ellipse">
+              <a:avLst/>
+            </a:prstGeom>
+            <a:solidFill>
+              <a:srgbClr val="F58C47"/>
+            </a:solidFill>
+            <a:ln w="19050">
+              <a:solidFill>
+                <a:srgbClr val="000000"/>
+              </a:solidFill>
+            </a:ln>
+          </p:spPr>
+          <p:style>
+            <a:lnRef idx="2">
+              <a:schemeClr val="accent1">
+                <a:shade val="50000"/>
+              </a:schemeClr>
+            </a:lnRef>
+            <a:fillRef idx="1">
+              <a:schemeClr val="accent1"/>
+            </a:fillRef>
+            <a:effectRef idx="0">
+              <a:schemeClr val="accent1"/>
+            </a:effectRef>
+            <a:fontRef idx="minor">
+              <a:schemeClr val="lt1"/>
+            </a:fontRef>
+          </p:style>
+          <p:txBody>
+            <a:bodyPr rtlCol="0" anchor="ctr"/>
+            <a:lstStyle/>
+            <a:p>
+              <a:pPr algn="ctr"/>
+              <a:endParaRPr lang="ru-RU"/>
+            </a:p>
+          </p:txBody>
+        </p:sp>
+      </p:grpSp>
     </p:spTree>
     <p:extLst>
       <p:ext uri="{BB962C8B-B14F-4D97-AF65-F5344CB8AC3E}">
-        <p14:creationId xmlns:p14="http://schemas.microsoft.com/office/powerpoint/2010/main" val="4233144835"/>
+        <p14:creationId xmlns:p14="http://schemas.microsoft.com/office/powerpoint/2010/main" val="3959395434"/>
       </p:ext>
     </p:extLst>
   </p:cSld>
   <p:clrMapOvr>
     <a:masterClrMapping/>
   </p:clrMapOvr>
+  <p:timing>
+    <p:tnLst>
+      <p:par>
+        <p:cTn id="1" dur="indefinite" restart="never" nodeType="tmRoot"/>
+      </p:par>
+    </p:tnLst>
+  </p:timing>
 </p:sld>
 </file>
 
@@ -14940,13 +15608,13 @@
         </p:nvSpPr>
         <p:spPr>
           <a:xfrm>
-            <a:off x="286439" y="1266093"/>
-            <a:ext cx="7933636" cy="5146430"/>
+            <a:off x="286439" y="905774"/>
+            <a:ext cx="7933636" cy="5727939"/>
           </a:xfrm>
         </p:spPr>
         <p:txBody>
           <a:bodyPr>
-            <a:normAutofit lnSpcReduction="10000"/>
+            <a:normAutofit/>
           </a:bodyPr>
           <a:lstStyle/>
           <a:p>
@@ -14955,15 +15623,54 @@
                 <a:latin typeface="Segoe UI" panose="020B0502040204020203" pitchFamily="34" charset="0"/>
                 <a:cs typeface="Segoe UI" panose="020B0502040204020203" pitchFamily="34" charset="0"/>
               </a:rPr>
-              <a:t>Исследовано влияние нелинейности усилителя мощности на различные сигналы, используемые в стандарте 5го поколения.</a:t>
-            </a:r>
-          </a:p>
-          <a:p>
+              <a:t>Исследовано влияние нелинейности усилителя мощности на различные сигналы, используемые в </a:t>
+            </a:r>
+            <a:r>
+              <a:rPr lang="ru-RU" sz="2000" dirty="0" smtClean="0">
+                <a:latin typeface="Segoe UI" panose="020B0502040204020203" pitchFamily="34" charset="0"/>
+                <a:cs typeface="Segoe UI" panose="020B0502040204020203" pitchFamily="34" charset="0"/>
+              </a:rPr>
+              <a:t>стандарте мобильной системы связи </a:t>
+            </a:r>
             <a:r>
               <a:rPr lang="ru-RU" sz="2000" dirty="0">
                 <a:latin typeface="Segoe UI" panose="020B0502040204020203" pitchFamily="34" charset="0"/>
                 <a:cs typeface="Segoe UI" panose="020B0502040204020203" pitchFamily="34" charset="0"/>
               </a:rPr>
+              <a:t>5го </a:t>
+            </a:r>
+            <a:r>
+              <a:rPr lang="ru-RU" sz="2000" dirty="0" smtClean="0">
+                <a:latin typeface="Segoe UI" panose="020B0502040204020203" pitchFamily="34" charset="0"/>
+                <a:cs typeface="Segoe UI" panose="020B0502040204020203" pitchFamily="34" charset="0"/>
+              </a:rPr>
+              <a:t>поколения </a:t>
+            </a:r>
+            <a:r>
+              <a:rPr lang="en-US" sz="2000" dirty="0" smtClean="0">
+                <a:latin typeface="Segoe UI" panose="020B0502040204020203" pitchFamily="34" charset="0"/>
+                <a:cs typeface="Segoe UI" panose="020B0502040204020203" pitchFamily="34" charset="0"/>
+              </a:rPr>
+              <a:t>5G NR</a:t>
+            </a:r>
+            <a:r>
+              <a:rPr lang="ru-RU" sz="2000" dirty="0" smtClean="0">
+                <a:latin typeface="Segoe UI" panose="020B0502040204020203" pitchFamily="34" charset="0"/>
+                <a:cs typeface="Segoe UI" panose="020B0502040204020203" pitchFamily="34" charset="0"/>
+              </a:rPr>
+              <a:t>.</a:t>
+            </a:r>
+            <a:endParaRPr lang="ru-RU" sz="2000" dirty="0">
+              <a:latin typeface="Segoe UI" panose="020B0502040204020203" pitchFamily="34" charset="0"/>
+              <a:cs typeface="Segoe UI" panose="020B0502040204020203" pitchFamily="34" charset="0"/>
+            </a:endParaRPr>
+          </a:p>
+          <a:p>
+            <a:r>
+              <a:rPr lang="ru-RU" sz="2000" dirty="0">
+                <a:latin typeface="Segoe UI" panose="020B0502040204020203" pitchFamily="34" charset="0"/>
+                <a:cs typeface="Segoe UI" panose="020B0502040204020203" pitchFamily="34" charset="0"/>
+              </a:rPr>
               <a:t>Создана модель усилителя мощности для диапазона 100-200 ГГц</a:t>
             </a:r>
           </a:p>
@@ -14974,16 +15681,27 @@
                 <a:latin typeface="Segoe UI" panose="020B0502040204020203" pitchFamily="34" charset="0"/>
                 <a:cs typeface="Segoe UI" panose="020B0502040204020203" pitchFamily="34" charset="0"/>
               </a:rPr>
-              <a:t>Усилитель значительно менее линеен по сравнению с 30-70 ГГц. Искажения значительны, в некоторых случаях информацию сложно восстановить</a:t>
-            </a:r>
-          </a:p>
-          <a:p>
-            <a:r>
-              <a:rPr lang="ru-RU" sz="2000" dirty="0">
-                <a:latin typeface="Segoe UI" panose="020B0502040204020203" pitchFamily="34" charset="0"/>
-                <a:cs typeface="Segoe UI" panose="020B0502040204020203" pitchFamily="34" charset="0"/>
-              </a:rPr>
-              <a:t>Разработан метод компенсации нелинейных искажений усилителя на приемнике, проведены соответствующие исследования в симуляторе канального уровня.</a:t>
+              <a:t>Усилитель значительно менее линеен по сравнению с 30-70 ГГц. </a:t>
+            </a:r>
+            <a:endParaRPr lang="en-US" sz="1800" dirty="0" smtClean="0">
+              <a:latin typeface="Segoe UI" panose="020B0502040204020203" pitchFamily="34" charset="0"/>
+              <a:cs typeface="Segoe UI" panose="020B0502040204020203" pitchFamily="34" charset="0"/>
+            </a:endParaRPr>
+          </a:p>
+          <a:p>
+            <a:r>
+              <a:rPr lang="ru-RU" sz="2200" dirty="0" smtClean="0">
+                <a:latin typeface="Segoe UI" panose="020B0502040204020203" pitchFamily="34" charset="0"/>
+                <a:cs typeface="Segoe UI" panose="020B0502040204020203" pitchFamily="34" charset="0"/>
+              </a:rPr>
+              <a:t>Разработан </a:t>
+            </a:r>
+            <a:r>
+              <a:rPr lang="ru-RU" sz="2200" dirty="0">
+                <a:latin typeface="Segoe UI" panose="020B0502040204020203" pitchFamily="34" charset="0"/>
+                <a:cs typeface="Segoe UI" panose="020B0502040204020203" pitchFamily="34" charset="0"/>
+              </a:rPr>
+              <a:t>метод компенсации нелинейных искажений усилителя на приемнике, проведены соответствующие исследования в симуляторе канального уровня.</a:t>
             </a:r>
           </a:p>
           <a:p>
@@ -14993,32 +15711,47 @@
                 <a:latin typeface="Segoe UI" panose="020B0502040204020203" pitchFamily="34" charset="0"/>
                 <a:cs typeface="Segoe UI" panose="020B0502040204020203" pitchFamily="34" charset="0"/>
               </a:rPr>
-              <a:t>Компенсация выполняется на приемнике, что критически важно для простых, дешевых устройств, поскольку из-за малой стоимости качество передающих цепей низкое и нелинейные искажения значительны. Необходимая компенсация  производится на приемнике, </a:t>
-            </a:r>
-            <a:r>
-              <a:rPr lang="ru-RU" sz="1800" dirty="0" err="1">
-                <a:latin typeface="Segoe UI" panose="020B0502040204020203" pitchFamily="34" charset="0"/>
-                <a:cs typeface="Segoe UI" panose="020B0502040204020203" pitchFamily="34" charset="0"/>
-              </a:rPr>
-              <a:t>минимизируя</a:t>
+              <a:t>Компенсация выполняется на приемнике, </a:t>
+            </a:r>
+            <a:r>
+              <a:rPr lang="ru-RU" sz="1800" dirty="0" smtClean="0">
+                <a:latin typeface="Segoe UI" panose="020B0502040204020203" pitchFamily="34" charset="0"/>
+                <a:cs typeface="Segoe UI" panose="020B0502040204020203" pitchFamily="34" charset="0"/>
+              </a:rPr>
+              <a:t>позволяя базовой станции обрабатывать данные с простых передающих устройств</a:t>
+            </a:r>
+            <a:endParaRPr lang="en-US" sz="1800" dirty="0" smtClean="0">
+              <a:latin typeface="Segoe UI" panose="020B0502040204020203" pitchFamily="34" charset="0"/>
+              <a:cs typeface="Segoe UI" panose="020B0502040204020203" pitchFamily="34" charset="0"/>
+            </a:endParaRPr>
+          </a:p>
+          <a:p>
+            <a:pPr lvl="1"/>
+            <a:r>
+              <a:rPr lang="ru-RU" sz="1800" dirty="0" smtClean="0">
+                <a:latin typeface="Segoe UI" panose="020B0502040204020203" pitchFamily="34" charset="0"/>
+                <a:cs typeface="Segoe UI" panose="020B0502040204020203" pitchFamily="34" charset="0"/>
+              </a:rPr>
+              <a:t>Метод </a:t>
             </a:r>
             <a:r>
               <a:rPr lang="ru-RU" sz="1800" dirty="0">
                 <a:latin typeface="Segoe UI" panose="020B0502040204020203" pitchFamily="34" charset="0"/>
                 <a:cs typeface="Segoe UI" panose="020B0502040204020203" pitchFamily="34" charset="0"/>
               </a:rPr>
-              <a:t> сигнальную обработку на передатчике.</a:t>
-            </a:r>
-          </a:p>
-          <a:p>
-            <a:pPr lvl="1"/>
-            <a:r>
-              <a:rPr lang="ru-RU" sz="1800" dirty="0">
-                <a:latin typeface="Segoe UI" panose="020B0502040204020203" pitchFamily="34" charset="0"/>
-                <a:cs typeface="Segoe UI" panose="020B0502040204020203" pitchFamily="34" charset="0"/>
-              </a:rPr>
-              <a:t>Метод способен улучшить производительность системы для обеих моделей усилителя по сравнению со случаем отсутствия компенсации для определенных наборов параметров</a:t>
-            </a:r>
+              <a:t>способен улучшить производительность системы для обеих моделей усилителя по сравнению со случаем отсутствия </a:t>
+            </a:r>
+            <a:r>
+              <a:rPr lang="ru-RU" sz="1800" dirty="0" smtClean="0">
+                <a:latin typeface="Segoe UI" panose="020B0502040204020203" pitchFamily="34" charset="0"/>
+                <a:cs typeface="Segoe UI" panose="020B0502040204020203" pitchFamily="34" charset="0"/>
+              </a:rPr>
+              <a:t>компенсации</a:t>
+            </a:r>
+            <a:endParaRPr lang="ru-RU" sz="1800" dirty="0">
+              <a:latin typeface="Segoe UI" panose="020B0502040204020203" pitchFamily="34" charset="0"/>
+              <a:cs typeface="Segoe UI" panose="020B0502040204020203" pitchFamily="34" charset="0"/>
+            </a:endParaRPr>
           </a:p>
         </p:txBody>
       </p:sp>
@@ -15032,6 +15765,13 @@
   <p:clrMapOvr>
     <a:masterClrMapping/>
   </p:clrMapOvr>
+  <p:timing>
+    <p:tnLst>
+      <p:par>
+        <p:cTn id="1" dur="indefinite" restart="never" nodeType="tmRoot"/>
+      </p:par>
+    </p:tnLst>
+  </p:timing>
 </p:sld>
 </file>
 
@@ -15136,6 +15876,13 @@
   <p:clrMapOvr>
     <a:masterClrMapping/>
   </p:clrMapOvr>
+  <p:timing>
+    <p:tnLst>
+      <p:par>
+        <p:cTn id="1" dur="indefinite" restart="never" nodeType="tmRoot"/>
+      </p:par>
+    </p:tnLst>
+  </p:timing>
 </p:sld>
 </file>
 
@@ -15195,10 +15942,1747 @@
   <p:clrMapOvr>
     <a:masterClrMapping/>
   </p:clrMapOvr>
+  <p:timing>
+    <p:tnLst>
+      <p:par>
+        <p:cTn id="1" dur="indefinite" restart="never" nodeType="tmRoot"/>
+      </p:par>
+    </p:tnLst>
+  </p:timing>
 </p:sld>
 </file>
 
 <file path=ppt/slides/slide24.xml><?xml version="1.0" encoding="utf-8"?>
+<p:sld xmlns:a="http://schemas.openxmlformats.org/drawingml/2006/main" xmlns:r="http://schemas.openxmlformats.org/officeDocument/2006/relationships" xmlns:p="http://schemas.openxmlformats.org/presentationml/2006/main">
+  <p:cSld>
+    <p:spTree>
+      <p:nvGrpSpPr>
+        <p:cNvPr id="1" name=""/>
+        <p:cNvGrpSpPr/>
+        <p:nvPr/>
+      </p:nvGrpSpPr>
+      <p:grpSpPr>
+        <a:xfrm>
+          <a:off x="0" y="0"/>
+          <a:ext cx="0" cy="0"/>
+          <a:chOff x="0" y="0"/>
+          <a:chExt cx="0" cy="0"/>
+        </a:xfrm>
+      </p:grpSpPr>
+      <p:sp>
+        <p:nvSpPr>
+          <p:cNvPr id="4" name="Номер слайда 3">
+            <a:extLst>
+              <a:ext uri="{FF2B5EF4-FFF2-40B4-BE49-F238E27FC236}">
+                <a16:creationId xmlns:a16="http://schemas.microsoft.com/office/drawing/2014/main" id="{8B490247-C3DE-4E64-3994-77CF364D4A23}"/>
+              </a:ext>
+            </a:extLst>
+          </p:cNvPr>
+          <p:cNvSpPr>
+            <a:spLocks noGrp="1"/>
+          </p:cNvSpPr>
+          <p:nvPr>
+            <p:ph type="sldNum" sz="quarter" idx="12"/>
+          </p:nvPr>
+        </p:nvSpPr>
+        <p:spPr/>
+        <p:txBody>
+          <a:bodyPr/>
+          <a:lstStyle/>
+          <a:p>
+            <a:fld id="{12AFF886-F040-4FA5-8BD0-0A595B4BDA00}" type="slidenum">
+              <a:rPr lang="ru-RU" smtClean="0"/>
+              <a:t>24</a:t>
+            </a:fld>
+            <a:endParaRPr lang="ru-RU"/>
+          </a:p>
+        </p:txBody>
+      </p:sp>
+      <p:pic>
+        <p:nvPicPr>
+          <p:cNvPr id="5" name="Объект 7"/>
+          <p:cNvPicPr>
+            <a:picLocks noGrp="1" noChangeAspect="1"/>
+          </p:cNvPicPr>
+          <p:nvPr>
+            <p:ph idx="1"/>
+          </p:nvPr>
+        </p:nvPicPr>
+        <p:blipFill>
+          <a:blip r:embed="rId2" cstate="print">
+            <a:extLst>
+              <a:ext uri="{28A0092B-C50C-407E-A947-70E740481C1C}">
+                <a14:useLocalDpi xmlns:a14="http://schemas.microsoft.com/office/drawing/2010/main" val="0"/>
+              </a:ext>
+            </a:extLst>
+          </a:blip>
+          <a:stretch>
+            <a:fillRect/>
+          </a:stretch>
+        </p:blipFill>
+        <p:spPr>
+          <a:xfrm>
+            <a:off x="506915" y="1922912"/>
+            <a:ext cx="7696806" cy="3239997"/>
+          </a:xfrm>
+        </p:spPr>
+      </p:pic>
+      <p:sp>
+        <p:nvSpPr>
+          <p:cNvPr id="6" name="Заголовок 1"/>
+          <p:cNvSpPr>
+            <a:spLocks noGrp="1"/>
+          </p:cNvSpPr>
+          <p:nvPr>
+            <p:ph type="title"/>
+          </p:nvPr>
+        </p:nvSpPr>
+        <p:spPr>
+          <a:xfrm>
+            <a:off x="425109" y="236365"/>
+            <a:ext cx="4975026" cy="1230126"/>
+          </a:xfrm>
+        </p:spPr>
+        <p:txBody>
+          <a:bodyPr/>
+          <a:lstStyle/>
+          <a:p>
+            <a:r>
+              <a:rPr lang="en-US" dirty="0" smtClean="0">
+                <a:latin typeface="Segoe UI" panose="020B0502040204020203" pitchFamily="34" charset="0"/>
+                <a:cs typeface="Segoe UI" panose="020B0502040204020203" pitchFamily="34" charset="0"/>
+              </a:rPr>
+              <a:t>OFDM Waveform</a:t>
+            </a:r>
+            <a:endParaRPr lang="ru-RU" dirty="0">
+              <a:latin typeface="Segoe UI" panose="020B0502040204020203" pitchFamily="34" charset="0"/>
+              <a:cs typeface="Segoe UI" panose="020B0502040204020203" pitchFamily="34" charset="0"/>
+            </a:endParaRPr>
+          </a:p>
+        </p:txBody>
+      </p:sp>
+    </p:spTree>
+    <p:extLst>
+      <p:ext uri="{BB962C8B-B14F-4D97-AF65-F5344CB8AC3E}">
+        <p14:creationId xmlns:p14="http://schemas.microsoft.com/office/powerpoint/2010/main" val="413602374"/>
+      </p:ext>
+    </p:extLst>
+  </p:cSld>
+  <p:clrMapOvr>
+    <a:masterClrMapping/>
+  </p:clrMapOvr>
+  <p:timing>
+    <p:tnLst>
+      <p:par>
+        <p:cTn id="1" dur="indefinite" restart="never" nodeType="tmRoot"/>
+      </p:par>
+    </p:tnLst>
+  </p:timing>
+</p:sld>
+</file>
+
+<file path=ppt/slides/slide25.xml><?xml version="1.0" encoding="utf-8"?>
+<p:sld xmlns:a="http://schemas.openxmlformats.org/drawingml/2006/main" xmlns:r="http://schemas.openxmlformats.org/officeDocument/2006/relationships" xmlns:p="http://schemas.openxmlformats.org/presentationml/2006/main">
+  <p:cSld>
+    <p:spTree>
+      <p:nvGrpSpPr>
+        <p:cNvPr id="1" name=""/>
+        <p:cNvGrpSpPr/>
+        <p:nvPr/>
+      </p:nvGrpSpPr>
+      <p:grpSpPr>
+        <a:xfrm>
+          <a:off x="0" y="0"/>
+          <a:ext cx="0" cy="0"/>
+          <a:chOff x="0" y="0"/>
+          <a:chExt cx="0" cy="0"/>
+        </a:xfrm>
+      </p:grpSpPr>
+      <p:sp>
+        <p:nvSpPr>
+          <p:cNvPr id="4" name="Номер слайда 3">
+            <a:extLst>
+              <a:ext uri="{FF2B5EF4-FFF2-40B4-BE49-F238E27FC236}">
+                <a16:creationId xmlns:a16="http://schemas.microsoft.com/office/drawing/2014/main" id="{8B490247-C3DE-4E64-3994-77CF364D4A23}"/>
+              </a:ext>
+            </a:extLst>
+          </p:cNvPr>
+          <p:cNvSpPr>
+            <a:spLocks noGrp="1"/>
+          </p:cNvSpPr>
+          <p:nvPr>
+            <p:ph type="sldNum" sz="quarter" idx="12"/>
+          </p:nvPr>
+        </p:nvSpPr>
+        <p:spPr/>
+        <p:txBody>
+          <a:bodyPr/>
+          <a:lstStyle/>
+          <a:p>
+            <a:fld id="{12AFF886-F040-4FA5-8BD0-0A595B4BDA00}" type="slidenum">
+              <a:rPr lang="ru-RU" smtClean="0"/>
+              <a:t>25</a:t>
+            </a:fld>
+            <a:endParaRPr lang="ru-RU"/>
+          </a:p>
+        </p:txBody>
+      </p:sp>
+      <p:pic>
+        <p:nvPicPr>
+          <p:cNvPr id="7" name="Рисунок 6"/>
+          <p:cNvPicPr>
+            <a:picLocks noChangeAspect="1"/>
+          </p:cNvPicPr>
+          <p:nvPr/>
+        </p:nvPicPr>
+        <p:blipFill>
+          <a:blip r:embed="rId2" cstate="print">
+            <a:extLst>
+              <a:ext uri="{28A0092B-C50C-407E-A947-70E740481C1C}">
+                <a14:useLocalDpi xmlns:a14="http://schemas.microsoft.com/office/drawing/2010/main" val="0"/>
+              </a:ext>
+            </a:extLst>
+          </a:blip>
+          <a:stretch>
+            <a:fillRect/>
+          </a:stretch>
+        </p:blipFill>
+        <p:spPr>
+          <a:xfrm>
+            <a:off x="306256" y="826829"/>
+            <a:ext cx="4084349" cy="1823607"/>
+          </a:xfrm>
+          <a:prstGeom prst="rect">
+            <a:avLst/>
+          </a:prstGeom>
+        </p:spPr>
+      </p:pic>
+      <mc:AlternateContent xmlns:mc="http://schemas.openxmlformats.org/markup-compatibility/2006">
+        <mc:Choice xmlns:a14="http://schemas.microsoft.com/office/drawing/2010/main" Requires="a14">
+          <p:graphicFrame>
+            <p:nvGraphicFramePr>
+              <p:cNvPr id="8" name="Таблица 7"/>
+              <p:cNvGraphicFramePr>
+                <a:graphicFrameLocks noGrp="1"/>
+              </p:cNvGraphicFramePr>
+              <p:nvPr>
+                <p:extLst>
+                  <p:ext uri="{D42A27DB-BD31-4B8C-83A1-F6EECF244321}">
+                    <p14:modId xmlns:p14="http://schemas.microsoft.com/office/powerpoint/2010/main" val="1279908543"/>
+                  </p:ext>
+                </p:extLst>
+              </p:nvPr>
+            </p:nvGraphicFramePr>
+            <p:xfrm>
+              <a:off x="121360" y="3364301"/>
+              <a:ext cx="3803658" cy="3359702"/>
+            </p:xfrm>
+            <a:graphic>
+              <a:graphicData uri="http://schemas.openxmlformats.org/drawingml/2006/table">
+                <a:tbl>
+                  <a:tblPr firstRow="1" bandRow="1">
+                    <a:tableStyleId>{5C22544A-7EE6-4342-B048-85BDC9FD1C3A}</a:tableStyleId>
+                  </a:tblPr>
+                  <a:tblGrid>
+                    <a:gridCol w="999033">
+                      <a:extLst>
+                        <a:ext uri="{9D8B030D-6E8A-4147-A177-3AD203B41FA5}">
+                          <a16:colId xmlns:a16="http://schemas.microsoft.com/office/drawing/2014/main" val="4118684348"/>
+                        </a:ext>
+                      </a:extLst>
+                    </a:gridCol>
+                    <a:gridCol w="1536739">
+                      <a:extLst>
+                        <a:ext uri="{9D8B030D-6E8A-4147-A177-3AD203B41FA5}">
+                          <a16:colId xmlns:a16="http://schemas.microsoft.com/office/drawing/2014/main" val="2271317678"/>
+                        </a:ext>
+                      </a:extLst>
+                    </a:gridCol>
+                    <a:gridCol w="1267886">
+                      <a:extLst>
+                        <a:ext uri="{9D8B030D-6E8A-4147-A177-3AD203B41FA5}">
+                          <a16:colId xmlns:a16="http://schemas.microsoft.com/office/drawing/2014/main" val="3639184596"/>
+                        </a:ext>
+                      </a:extLst>
+                    </a:gridCol>
+                  </a:tblGrid>
+                  <a:tr h="613792">
+                    <a:tc>
+                      <a:txBody>
+                        <a:bodyPr/>
+                        <a:lstStyle/>
+                        <a:p>
+                          <a:pPr algn="ctr"/>
+                          <a14:m>
+                            <m:oMathPara xmlns:m="http://schemas.openxmlformats.org/officeDocument/2006/math">
+                              <m:oMathParaPr>
+                                <m:jc m:val="centerGroup"/>
+                              </m:oMathParaPr>
+                              <m:oMath xmlns:m="http://schemas.openxmlformats.org/officeDocument/2006/math">
+                                <m:r>
+                                  <a:rPr lang="el-GR" sz="1800" b="1" i="0" dirty="0" smtClean="0">
+                                    <a:latin typeface="Cambria Math" panose="02040503050406030204" pitchFamily="18" charset="0"/>
+                                    <a:ea typeface="Cambria Math" panose="02040503050406030204" pitchFamily="18" charset="0"/>
+                                    <a:cs typeface="CMU Serif" panose="02000603000000000000" pitchFamily="50" charset="0"/>
+                                  </a:rPr>
+                                  <m:t>𝛍</m:t>
+                                </m:r>
+                              </m:oMath>
+                            </m:oMathPara>
+                          </a14:m>
+                          <a:endParaRPr lang="ru-RU" sz="1800" b="1" i="0" dirty="0">
+                            <a:latin typeface="Segoe UI" panose="020B0502040204020203" pitchFamily="34" charset="0"/>
+                            <a:cs typeface="Segoe UI" panose="020B0502040204020203" pitchFamily="34" charset="0"/>
+                          </a:endParaRPr>
+                        </a:p>
+                      </a:txBody>
+                      <a:tcPr anchor="ctr"/>
+                    </a:tc>
+                    <a:tc>
+                      <a:txBody>
+                        <a:bodyPr/>
+                        <a:lstStyle/>
+                        <a:p>
+                          <a:pPr algn="ctr"/>
+                          <a14:m>
+                            <m:oMath xmlns:m="http://schemas.openxmlformats.org/officeDocument/2006/math">
+                              <m:r>
+                                <a:rPr lang="ru-RU" sz="1600" b="1" i="0" smtClean="0">
+                                  <a:latin typeface="Cambria Math" panose="02040503050406030204" pitchFamily="18" charset="0"/>
+                                  <a:ea typeface="Cambria Math" panose="02040503050406030204" pitchFamily="18" charset="0"/>
+                                </a:rPr>
+                                <m:t>∆</m:t>
+                              </m:r>
+                              <m:r>
+                                <a:rPr lang="en-US" sz="1600" b="1" i="1" smtClean="0">
+                                  <a:latin typeface="Cambria Math" panose="02040503050406030204" pitchFamily="18" charset="0"/>
+                                  <a:ea typeface="Cambria Math" panose="02040503050406030204" pitchFamily="18" charset="0"/>
+                                </a:rPr>
+                                <m:t>𝒇</m:t>
+                              </m:r>
+                              <m:r>
+                                <a:rPr lang="en-US" sz="1600" b="1" i="0" smtClean="0">
+                                  <a:latin typeface="Cambria Math" panose="02040503050406030204" pitchFamily="18" charset="0"/>
+                                  <a:ea typeface="Cambria Math" panose="02040503050406030204" pitchFamily="18" charset="0"/>
+                                </a:rPr>
+                                <m:t>=</m:t>
+                              </m:r>
+                              <m:r>
+                                <a:rPr lang="en-US" sz="1600" b="1" i="0" smtClean="0">
+                                  <a:latin typeface="Cambria Math" panose="02040503050406030204" pitchFamily="18" charset="0"/>
+                                  <a:ea typeface="Cambria Math" panose="02040503050406030204" pitchFamily="18" charset="0"/>
+                                </a:rPr>
+                                <m:t>𝟐</m:t>
+                              </m:r>
+                              <m:r>
+                                <a:rPr lang="en-US" sz="1600" b="1" i="0" baseline="30000" smtClean="0">
+                                  <a:latin typeface="Cambria Math" panose="02040503050406030204" pitchFamily="18" charset="0"/>
+                                  <a:ea typeface="Cambria Math" panose="02040503050406030204" pitchFamily="18" charset="0"/>
+                                </a:rPr>
+                                <m:t>𝛍</m:t>
+                              </m:r>
+                              <m:r>
+                                <a:rPr lang="en-US" sz="1600" b="1" i="0" baseline="0" smtClean="0">
+                                  <a:latin typeface="Cambria Math" panose="02040503050406030204" pitchFamily="18" charset="0"/>
+                                  <a:ea typeface="Cambria Math" panose="02040503050406030204" pitchFamily="18" charset="0"/>
+                                </a:rPr>
+                                <m:t>×</m:t>
+                              </m:r>
+                              <m:r>
+                                <a:rPr lang="en-US" sz="1600" b="1" i="0" baseline="0" smtClean="0">
+                                  <a:latin typeface="Cambria Math" panose="02040503050406030204" pitchFamily="18" charset="0"/>
+                                  <a:ea typeface="Cambria Math" panose="02040503050406030204" pitchFamily="18" charset="0"/>
+                                </a:rPr>
+                                <m:t>𝟏𝟓</m:t>
+                              </m:r>
+                            </m:oMath>
+                          </a14:m>
+                          <a:r>
+                            <a:rPr lang="en-US" sz="1600" b="1" i="0" baseline="0" dirty="0" smtClean="0">
+                              <a:latin typeface="Segoe UI" panose="020B0502040204020203" pitchFamily="34" charset="0"/>
+                              <a:cs typeface="Segoe UI" panose="020B0502040204020203" pitchFamily="34" charset="0"/>
+                            </a:rPr>
+                            <a:t> kHz</a:t>
+                          </a:r>
+                          <a:endParaRPr lang="ru-RU" sz="1600" b="1" i="0" baseline="0" dirty="0">
+                            <a:latin typeface="Segoe UI" panose="020B0502040204020203" pitchFamily="34" charset="0"/>
+                            <a:cs typeface="Segoe UI" panose="020B0502040204020203" pitchFamily="34" charset="0"/>
+                          </a:endParaRPr>
+                        </a:p>
+                      </a:txBody>
+                      <a:tcPr anchor="ctr"/>
+                    </a:tc>
+                    <a:tc>
+                      <a:txBody>
+                        <a:bodyPr/>
+                        <a:lstStyle/>
+                        <a:p>
+                          <a:pPr algn="ctr"/>
+                          <a:r>
+                            <a:rPr lang="en-US" sz="1600" b="1" i="0" dirty="0" smtClean="0">
+                              <a:latin typeface="Segoe UI" panose="020B0502040204020203" pitchFamily="34" charset="0"/>
+                              <a:cs typeface="Segoe UI" panose="020B0502040204020203" pitchFamily="34" charset="0"/>
+                            </a:rPr>
+                            <a:t>Cyclic prefix</a:t>
+                          </a:r>
+                          <a:endParaRPr lang="ru-RU" sz="1600" b="1" i="0" dirty="0">
+                            <a:latin typeface="Segoe UI" panose="020B0502040204020203" pitchFamily="34" charset="0"/>
+                            <a:cs typeface="Segoe UI" panose="020B0502040204020203" pitchFamily="34" charset="0"/>
+                          </a:endParaRPr>
+                        </a:p>
+                      </a:txBody>
+                      <a:tcPr anchor="ctr"/>
+                    </a:tc>
+                    <a:extLst>
+                      <a:ext uri="{0D108BD9-81ED-4DB2-BD59-A6C34878D82A}">
+                        <a16:rowId xmlns:a16="http://schemas.microsoft.com/office/drawing/2014/main" val="504405816"/>
+                      </a:ext>
+                    </a:extLst>
+                  </a:tr>
+                  <a:tr h="355353">
+                    <a:tc>
+                      <a:txBody>
+                        <a:bodyPr/>
+                        <a:lstStyle/>
+                        <a:p>
+                          <a:pPr algn="ctr"/>
+                          <a:r>
+                            <a:rPr lang="en-US" sz="1600" dirty="0" smtClean="0">
+                              <a:latin typeface="Segoe UI" panose="020B0502040204020203" pitchFamily="34" charset="0"/>
+                              <a:cs typeface="Segoe UI" panose="020B0502040204020203" pitchFamily="34" charset="0"/>
+                            </a:rPr>
+                            <a:t>0</a:t>
+                          </a:r>
+                          <a:endParaRPr lang="ru-RU" sz="1600" dirty="0">
+                            <a:latin typeface="Segoe UI" panose="020B0502040204020203" pitchFamily="34" charset="0"/>
+                            <a:cs typeface="Segoe UI" panose="020B0502040204020203" pitchFamily="34" charset="0"/>
+                          </a:endParaRPr>
+                        </a:p>
+                      </a:txBody>
+                      <a:tcPr anchor="ctr"/>
+                    </a:tc>
+                    <a:tc>
+                      <a:txBody>
+                        <a:bodyPr/>
+                        <a:lstStyle/>
+                        <a:p>
+                          <a:pPr algn="ctr"/>
+                          <a:r>
+                            <a:rPr lang="en-US" sz="1600" dirty="0" smtClean="0">
+                              <a:latin typeface="Segoe UI" panose="020B0502040204020203" pitchFamily="34" charset="0"/>
+                              <a:cs typeface="Segoe UI" panose="020B0502040204020203" pitchFamily="34" charset="0"/>
+                            </a:rPr>
+                            <a:t>15</a:t>
+                          </a:r>
+                          <a:endParaRPr lang="ru-RU" sz="1600" dirty="0">
+                            <a:latin typeface="Segoe UI" panose="020B0502040204020203" pitchFamily="34" charset="0"/>
+                            <a:cs typeface="Segoe UI" panose="020B0502040204020203" pitchFamily="34" charset="0"/>
+                          </a:endParaRPr>
+                        </a:p>
+                      </a:txBody>
+                      <a:tcPr anchor="ctr"/>
+                    </a:tc>
+                    <a:tc>
+                      <a:txBody>
+                        <a:bodyPr/>
+                        <a:lstStyle/>
+                        <a:p>
+                          <a:pPr algn="ctr"/>
+                          <a:r>
+                            <a:rPr lang="en-US" sz="1600" dirty="0" smtClean="0">
+                              <a:latin typeface="Segoe UI" panose="020B0502040204020203" pitchFamily="34" charset="0"/>
+                              <a:cs typeface="Segoe UI" panose="020B0502040204020203" pitchFamily="34" charset="0"/>
+                            </a:rPr>
+                            <a:t>Normal</a:t>
+                          </a:r>
+                          <a:endParaRPr lang="ru-RU" sz="1600" dirty="0">
+                            <a:latin typeface="Segoe UI" panose="020B0502040204020203" pitchFamily="34" charset="0"/>
+                            <a:cs typeface="Segoe UI" panose="020B0502040204020203" pitchFamily="34" charset="0"/>
+                          </a:endParaRPr>
+                        </a:p>
+                      </a:txBody>
+                      <a:tcPr anchor="ctr"/>
+                    </a:tc>
+                    <a:extLst>
+                      <a:ext uri="{0D108BD9-81ED-4DB2-BD59-A6C34878D82A}">
+                        <a16:rowId xmlns:a16="http://schemas.microsoft.com/office/drawing/2014/main" val="2934321559"/>
+                      </a:ext>
+                    </a:extLst>
+                  </a:tr>
+                  <a:tr h="355353">
+                    <a:tc>
+                      <a:txBody>
+                        <a:bodyPr/>
+                        <a:lstStyle/>
+                        <a:p>
+                          <a:pPr algn="ctr"/>
+                          <a:r>
+                            <a:rPr lang="en-US" sz="1600" dirty="0" smtClean="0">
+                              <a:latin typeface="Segoe UI" panose="020B0502040204020203" pitchFamily="34" charset="0"/>
+                              <a:cs typeface="Segoe UI" panose="020B0502040204020203" pitchFamily="34" charset="0"/>
+                            </a:rPr>
+                            <a:t>1</a:t>
+                          </a:r>
+                          <a:endParaRPr lang="ru-RU" sz="1600" dirty="0">
+                            <a:latin typeface="Segoe UI" panose="020B0502040204020203" pitchFamily="34" charset="0"/>
+                            <a:cs typeface="Segoe UI" panose="020B0502040204020203" pitchFamily="34" charset="0"/>
+                          </a:endParaRPr>
+                        </a:p>
+                      </a:txBody>
+                      <a:tcPr anchor="ctr"/>
+                    </a:tc>
+                    <a:tc>
+                      <a:txBody>
+                        <a:bodyPr/>
+                        <a:lstStyle/>
+                        <a:p>
+                          <a:pPr algn="ctr"/>
+                          <a:r>
+                            <a:rPr lang="en-US" sz="1600" dirty="0" smtClean="0">
+                              <a:latin typeface="Segoe UI" panose="020B0502040204020203" pitchFamily="34" charset="0"/>
+                              <a:cs typeface="Segoe UI" panose="020B0502040204020203" pitchFamily="34" charset="0"/>
+                            </a:rPr>
+                            <a:t>30</a:t>
+                          </a:r>
+                          <a:endParaRPr lang="ru-RU" sz="1600" dirty="0">
+                            <a:latin typeface="Segoe UI" panose="020B0502040204020203" pitchFamily="34" charset="0"/>
+                            <a:cs typeface="Segoe UI" panose="020B0502040204020203" pitchFamily="34" charset="0"/>
+                          </a:endParaRPr>
+                        </a:p>
+                      </a:txBody>
+                      <a:tcPr anchor="ctr"/>
+                    </a:tc>
+                    <a:tc>
+                      <a:txBody>
+                        <a:bodyPr/>
+                        <a:lstStyle/>
+                        <a:p>
+                          <a:pPr marL="0" marR="0" lvl="0" indent="0" algn="ctr" defTabSz="914400" rtl="0" eaLnBrk="1" fontAlgn="auto" latinLnBrk="0" hangingPunct="1">
+                            <a:lnSpc>
+                              <a:spcPct val="100000"/>
+                            </a:lnSpc>
+                            <a:spcBef>
+                              <a:spcPts val="0"/>
+                            </a:spcBef>
+                            <a:spcAft>
+                              <a:spcPts val="0"/>
+                            </a:spcAft>
+                            <a:buClrTx/>
+                            <a:buSzTx/>
+                            <a:buFontTx/>
+                            <a:buNone/>
+                            <a:tabLst/>
+                            <a:defRPr/>
+                          </a:pPr>
+                          <a:r>
+                            <a:rPr lang="en-US" sz="1600" dirty="0" smtClean="0">
+                              <a:latin typeface="Segoe UI" panose="020B0502040204020203" pitchFamily="34" charset="0"/>
+                              <a:cs typeface="Segoe UI" panose="020B0502040204020203" pitchFamily="34" charset="0"/>
+                            </a:rPr>
+                            <a:t>Normal</a:t>
+                          </a:r>
+                          <a:endParaRPr lang="ru-RU" sz="1600" dirty="0" smtClean="0">
+                            <a:latin typeface="Segoe UI" panose="020B0502040204020203" pitchFamily="34" charset="0"/>
+                            <a:cs typeface="Segoe UI" panose="020B0502040204020203" pitchFamily="34" charset="0"/>
+                          </a:endParaRPr>
+                        </a:p>
+                      </a:txBody>
+                      <a:tcPr anchor="ctr"/>
+                    </a:tc>
+                    <a:extLst>
+                      <a:ext uri="{0D108BD9-81ED-4DB2-BD59-A6C34878D82A}">
+                        <a16:rowId xmlns:a16="http://schemas.microsoft.com/office/drawing/2014/main" val="2073802259"/>
+                      </a:ext>
+                    </a:extLst>
+                  </a:tr>
+                  <a:tr h="613792">
+                    <a:tc>
+                      <a:txBody>
+                        <a:bodyPr/>
+                        <a:lstStyle/>
+                        <a:p>
+                          <a:pPr algn="ctr"/>
+                          <a:r>
+                            <a:rPr lang="en-US" sz="1600" dirty="0" smtClean="0">
+                              <a:latin typeface="Segoe UI" panose="020B0502040204020203" pitchFamily="34" charset="0"/>
+                              <a:cs typeface="Segoe UI" panose="020B0502040204020203" pitchFamily="34" charset="0"/>
+                            </a:rPr>
+                            <a:t>2</a:t>
+                          </a:r>
+                          <a:endParaRPr lang="ru-RU" sz="1600" dirty="0">
+                            <a:latin typeface="Segoe UI" panose="020B0502040204020203" pitchFamily="34" charset="0"/>
+                            <a:cs typeface="Segoe UI" panose="020B0502040204020203" pitchFamily="34" charset="0"/>
+                          </a:endParaRPr>
+                        </a:p>
+                      </a:txBody>
+                      <a:tcPr anchor="ctr"/>
+                    </a:tc>
+                    <a:tc>
+                      <a:txBody>
+                        <a:bodyPr/>
+                        <a:lstStyle/>
+                        <a:p>
+                          <a:pPr algn="ctr"/>
+                          <a:r>
+                            <a:rPr lang="en-US" sz="1600" dirty="0" smtClean="0">
+                              <a:latin typeface="Segoe UI" panose="020B0502040204020203" pitchFamily="34" charset="0"/>
+                              <a:cs typeface="Segoe UI" panose="020B0502040204020203" pitchFamily="34" charset="0"/>
+                            </a:rPr>
+                            <a:t>60</a:t>
+                          </a:r>
+                          <a:endParaRPr lang="ru-RU" sz="1600" dirty="0">
+                            <a:latin typeface="Segoe UI" panose="020B0502040204020203" pitchFamily="34" charset="0"/>
+                            <a:cs typeface="Segoe UI" panose="020B0502040204020203" pitchFamily="34" charset="0"/>
+                          </a:endParaRPr>
+                        </a:p>
+                      </a:txBody>
+                      <a:tcPr anchor="ctr"/>
+                    </a:tc>
+                    <a:tc>
+                      <a:txBody>
+                        <a:bodyPr/>
+                        <a:lstStyle/>
+                        <a:p>
+                          <a:pPr marL="0" marR="0" lvl="0" indent="0" algn="ctr" defTabSz="914400" rtl="0" eaLnBrk="1" fontAlgn="auto" latinLnBrk="0" hangingPunct="1">
+                            <a:lnSpc>
+                              <a:spcPct val="100000"/>
+                            </a:lnSpc>
+                            <a:spcBef>
+                              <a:spcPts val="0"/>
+                            </a:spcBef>
+                            <a:spcAft>
+                              <a:spcPts val="0"/>
+                            </a:spcAft>
+                            <a:buClrTx/>
+                            <a:buSzTx/>
+                            <a:buFontTx/>
+                            <a:buNone/>
+                            <a:tabLst/>
+                            <a:defRPr/>
+                          </a:pPr>
+                          <a:r>
+                            <a:rPr lang="en-US" sz="1600" dirty="0" smtClean="0">
+                              <a:latin typeface="Segoe UI" panose="020B0502040204020203" pitchFamily="34" charset="0"/>
+                              <a:cs typeface="Segoe UI" panose="020B0502040204020203" pitchFamily="34" charset="0"/>
+                            </a:rPr>
+                            <a:t>Normal, Extended</a:t>
+                          </a:r>
+                          <a:endParaRPr lang="ru-RU" sz="1600" dirty="0" smtClean="0">
+                            <a:latin typeface="Segoe UI" panose="020B0502040204020203" pitchFamily="34" charset="0"/>
+                            <a:cs typeface="Segoe UI" panose="020B0502040204020203" pitchFamily="34" charset="0"/>
+                          </a:endParaRPr>
+                        </a:p>
+                      </a:txBody>
+                      <a:tcPr anchor="ctr"/>
+                    </a:tc>
+                    <a:extLst>
+                      <a:ext uri="{0D108BD9-81ED-4DB2-BD59-A6C34878D82A}">
+                        <a16:rowId xmlns:a16="http://schemas.microsoft.com/office/drawing/2014/main" val="1381845595"/>
+                      </a:ext>
+                    </a:extLst>
+                  </a:tr>
+                  <a:tr h="355353">
+                    <a:tc>
+                      <a:txBody>
+                        <a:bodyPr/>
+                        <a:lstStyle/>
+                        <a:p>
+                          <a:pPr algn="ctr"/>
+                          <a:r>
+                            <a:rPr lang="en-US" sz="1600" dirty="0" smtClean="0">
+                              <a:latin typeface="Segoe UI" panose="020B0502040204020203" pitchFamily="34" charset="0"/>
+                              <a:cs typeface="Segoe UI" panose="020B0502040204020203" pitchFamily="34" charset="0"/>
+                            </a:rPr>
+                            <a:t>3</a:t>
+                          </a:r>
+                          <a:endParaRPr lang="ru-RU" sz="1600" dirty="0">
+                            <a:latin typeface="Segoe UI" panose="020B0502040204020203" pitchFamily="34" charset="0"/>
+                            <a:cs typeface="Segoe UI" panose="020B0502040204020203" pitchFamily="34" charset="0"/>
+                          </a:endParaRPr>
+                        </a:p>
+                      </a:txBody>
+                      <a:tcPr anchor="ctr"/>
+                    </a:tc>
+                    <a:tc>
+                      <a:txBody>
+                        <a:bodyPr/>
+                        <a:lstStyle/>
+                        <a:p>
+                          <a:pPr algn="ctr"/>
+                          <a:r>
+                            <a:rPr lang="en-US" sz="1600" dirty="0" smtClean="0">
+                              <a:latin typeface="Segoe UI" panose="020B0502040204020203" pitchFamily="34" charset="0"/>
+                              <a:cs typeface="Segoe UI" panose="020B0502040204020203" pitchFamily="34" charset="0"/>
+                            </a:rPr>
+                            <a:t>120</a:t>
+                          </a:r>
+                          <a:endParaRPr lang="ru-RU" sz="1600" dirty="0">
+                            <a:latin typeface="Segoe UI" panose="020B0502040204020203" pitchFamily="34" charset="0"/>
+                            <a:cs typeface="Segoe UI" panose="020B0502040204020203" pitchFamily="34" charset="0"/>
+                          </a:endParaRPr>
+                        </a:p>
+                      </a:txBody>
+                      <a:tcPr anchor="ctr"/>
+                    </a:tc>
+                    <a:tc>
+                      <a:txBody>
+                        <a:bodyPr/>
+                        <a:lstStyle/>
+                        <a:p>
+                          <a:pPr marL="0" marR="0" lvl="0" indent="0" algn="ctr" defTabSz="914400" rtl="0" eaLnBrk="1" fontAlgn="auto" latinLnBrk="0" hangingPunct="1">
+                            <a:lnSpc>
+                              <a:spcPct val="100000"/>
+                            </a:lnSpc>
+                            <a:spcBef>
+                              <a:spcPts val="0"/>
+                            </a:spcBef>
+                            <a:spcAft>
+                              <a:spcPts val="0"/>
+                            </a:spcAft>
+                            <a:buClrTx/>
+                            <a:buSzTx/>
+                            <a:buFontTx/>
+                            <a:buNone/>
+                            <a:tabLst/>
+                            <a:defRPr/>
+                          </a:pPr>
+                          <a:r>
+                            <a:rPr lang="en-US" sz="1600" dirty="0" smtClean="0">
+                              <a:latin typeface="Segoe UI" panose="020B0502040204020203" pitchFamily="34" charset="0"/>
+                              <a:cs typeface="Segoe UI" panose="020B0502040204020203" pitchFamily="34" charset="0"/>
+                            </a:rPr>
+                            <a:t>Normal</a:t>
+                          </a:r>
+                          <a:endParaRPr lang="ru-RU" sz="1600" dirty="0" smtClean="0">
+                            <a:latin typeface="Segoe UI" panose="020B0502040204020203" pitchFamily="34" charset="0"/>
+                            <a:cs typeface="Segoe UI" panose="020B0502040204020203" pitchFamily="34" charset="0"/>
+                          </a:endParaRPr>
+                        </a:p>
+                      </a:txBody>
+                      <a:tcPr anchor="ctr"/>
+                    </a:tc>
+                    <a:extLst>
+                      <a:ext uri="{0D108BD9-81ED-4DB2-BD59-A6C34878D82A}">
+                        <a16:rowId xmlns:a16="http://schemas.microsoft.com/office/drawing/2014/main" val="2471020805"/>
+                      </a:ext>
+                    </a:extLst>
+                  </a:tr>
+                  <a:tr h="355353">
+                    <a:tc>
+                      <a:txBody>
+                        <a:bodyPr/>
+                        <a:lstStyle/>
+                        <a:p>
+                          <a:pPr algn="ctr"/>
+                          <a:r>
+                            <a:rPr lang="en-US" sz="1600" dirty="0" smtClean="0">
+                              <a:latin typeface="Segoe UI" panose="020B0502040204020203" pitchFamily="34" charset="0"/>
+                              <a:cs typeface="Segoe UI" panose="020B0502040204020203" pitchFamily="34" charset="0"/>
+                            </a:rPr>
+                            <a:t>4</a:t>
+                          </a:r>
+                          <a:endParaRPr lang="ru-RU" sz="1600" dirty="0">
+                            <a:latin typeface="Segoe UI" panose="020B0502040204020203" pitchFamily="34" charset="0"/>
+                            <a:cs typeface="Segoe UI" panose="020B0502040204020203" pitchFamily="34" charset="0"/>
+                          </a:endParaRPr>
+                        </a:p>
+                      </a:txBody>
+                      <a:tcPr anchor="ctr"/>
+                    </a:tc>
+                    <a:tc>
+                      <a:txBody>
+                        <a:bodyPr/>
+                        <a:lstStyle/>
+                        <a:p>
+                          <a:pPr algn="ctr"/>
+                          <a:r>
+                            <a:rPr lang="en-US" sz="1600" dirty="0" smtClean="0">
+                              <a:latin typeface="Segoe UI" panose="020B0502040204020203" pitchFamily="34" charset="0"/>
+                              <a:cs typeface="Segoe UI" panose="020B0502040204020203" pitchFamily="34" charset="0"/>
+                            </a:rPr>
+                            <a:t>240</a:t>
+                          </a:r>
+                          <a:endParaRPr lang="ru-RU" sz="1600" dirty="0">
+                            <a:latin typeface="Segoe UI" panose="020B0502040204020203" pitchFamily="34" charset="0"/>
+                            <a:cs typeface="Segoe UI" panose="020B0502040204020203" pitchFamily="34" charset="0"/>
+                          </a:endParaRPr>
+                        </a:p>
+                      </a:txBody>
+                      <a:tcPr anchor="ctr"/>
+                    </a:tc>
+                    <a:tc>
+                      <a:txBody>
+                        <a:bodyPr/>
+                        <a:lstStyle/>
+                        <a:p>
+                          <a:pPr marL="0" marR="0" lvl="0" indent="0" algn="ctr" defTabSz="914400" rtl="0" eaLnBrk="1" fontAlgn="auto" latinLnBrk="0" hangingPunct="1">
+                            <a:lnSpc>
+                              <a:spcPct val="100000"/>
+                            </a:lnSpc>
+                            <a:spcBef>
+                              <a:spcPts val="0"/>
+                            </a:spcBef>
+                            <a:spcAft>
+                              <a:spcPts val="0"/>
+                            </a:spcAft>
+                            <a:buClrTx/>
+                            <a:buSzTx/>
+                            <a:buFontTx/>
+                            <a:buNone/>
+                            <a:tabLst/>
+                            <a:defRPr/>
+                          </a:pPr>
+                          <a:r>
+                            <a:rPr lang="en-US" sz="1600" dirty="0" smtClean="0">
+                              <a:latin typeface="Segoe UI" panose="020B0502040204020203" pitchFamily="34" charset="0"/>
+                              <a:cs typeface="Segoe UI" panose="020B0502040204020203" pitchFamily="34" charset="0"/>
+                            </a:rPr>
+                            <a:t>Normal</a:t>
+                          </a:r>
+                          <a:endParaRPr lang="ru-RU" sz="1600" dirty="0" smtClean="0">
+                            <a:latin typeface="Segoe UI" panose="020B0502040204020203" pitchFamily="34" charset="0"/>
+                            <a:cs typeface="Segoe UI" panose="020B0502040204020203" pitchFamily="34" charset="0"/>
+                          </a:endParaRPr>
+                        </a:p>
+                      </a:txBody>
+                      <a:tcPr anchor="ctr"/>
+                    </a:tc>
+                    <a:extLst>
+                      <a:ext uri="{0D108BD9-81ED-4DB2-BD59-A6C34878D82A}">
+                        <a16:rowId xmlns:a16="http://schemas.microsoft.com/office/drawing/2014/main" val="3028719624"/>
+                      </a:ext>
+                    </a:extLst>
+                  </a:tr>
+                  <a:tr h="355353">
+                    <a:tc>
+                      <a:txBody>
+                        <a:bodyPr/>
+                        <a:lstStyle/>
+                        <a:p>
+                          <a:pPr algn="ctr"/>
+                          <a:r>
+                            <a:rPr lang="en-US" sz="1600" dirty="0" smtClean="0">
+                              <a:latin typeface="Segoe UI" panose="020B0502040204020203" pitchFamily="34" charset="0"/>
+                              <a:cs typeface="Segoe UI" panose="020B0502040204020203" pitchFamily="34" charset="0"/>
+                            </a:rPr>
+                            <a:t>5</a:t>
+                          </a:r>
+                          <a:endParaRPr lang="ru-RU" sz="1600" dirty="0">
+                            <a:latin typeface="Segoe UI" panose="020B0502040204020203" pitchFamily="34" charset="0"/>
+                            <a:cs typeface="Segoe UI" panose="020B0502040204020203" pitchFamily="34" charset="0"/>
+                          </a:endParaRPr>
+                        </a:p>
+                      </a:txBody>
+                      <a:tcPr anchor="ctr"/>
+                    </a:tc>
+                    <a:tc>
+                      <a:txBody>
+                        <a:bodyPr/>
+                        <a:lstStyle/>
+                        <a:p>
+                          <a:pPr algn="ctr"/>
+                          <a:r>
+                            <a:rPr lang="en-US" sz="1600" dirty="0" smtClean="0">
+                              <a:latin typeface="Segoe UI" panose="020B0502040204020203" pitchFamily="34" charset="0"/>
+                              <a:cs typeface="Segoe UI" panose="020B0502040204020203" pitchFamily="34" charset="0"/>
+                            </a:rPr>
+                            <a:t>480</a:t>
+                          </a:r>
+                          <a:endParaRPr lang="ru-RU" sz="1600" dirty="0">
+                            <a:latin typeface="Segoe UI" panose="020B0502040204020203" pitchFamily="34" charset="0"/>
+                            <a:cs typeface="Segoe UI" panose="020B0502040204020203" pitchFamily="34" charset="0"/>
+                          </a:endParaRPr>
+                        </a:p>
+                      </a:txBody>
+                      <a:tcPr anchor="ctr"/>
+                    </a:tc>
+                    <a:tc>
+                      <a:txBody>
+                        <a:bodyPr/>
+                        <a:lstStyle/>
+                        <a:p>
+                          <a:pPr marL="0" marR="0" lvl="0" indent="0" algn="ctr" defTabSz="914400" rtl="0" eaLnBrk="1" fontAlgn="auto" latinLnBrk="0" hangingPunct="1">
+                            <a:lnSpc>
+                              <a:spcPct val="100000"/>
+                            </a:lnSpc>
+                            <a:spcBef>
+                              <a:spcPts val="0"/>
+                            </a:spcBef>
+                            <a:spcAft>
+                              <a:spcPts val="0"/>
+                            </a:spcAft>
+                            <a:buClrTx/>
+                            <a:buSzTx/>
+                            <a:buFontTx/>
+                            <a:buNone/>
+                            <a:tabLst/>
+                            <a:defRPr/>
+                          </a:pPr>
+                          <a:r>
+                            <a:rPr lang="en-US" sz="1600" dirty="0" smtClean="0">
+                              <a:latin typeface="Segoe UI" panose="020B0502040204020203" pitchFamily="34" charset="0"/>
+                              <a:cs typeface="Segoe UI" panose="020B0502040204020203" pitchFamily="34" charset="0"/>
+                            </a:rPr>
+                            <a:t>Normal</a:t>
+                          </a:r>
+                          <a:endParaRPr lang="ru-RU" sz="1600" dirty="0" smtClean="0">
+                            <a:latin typeface="Segoe UI" panose="020B0502040204020203" pitchFamily="34" charset="0"/>
+                            <a:cs typeface="Segoe UI" panose="020B0502040204020203" pitchFamily="34" charset="0"/>
+                          </a:endParaRPr>
+                        </a:p>
+                      </a:txBody>
+                      <a:tcPr anchor="ctr"/>
+                    </a:tc>
+                    <a:extLst>
+                      <a:ext uri="{0D108BD9-81ED-4DB2-BD59-A6C34878D82A}">
+                        <a16:rowId xmlns:a16="http://schemas.microsoft.com/office/drawing/2014/main" val="39966801"/>
+                      </a:ext>
+                    </a:extLst>
+                  </a:tr>
+                  <a:tr h="355353">
+                    <a:tc>
+                      <a:txBody>
+                        <a:bodyPr/>
+                        <a:lstStyle/>
+                        <a:p>
+                          <a:pPr algn="ctr"/>
+                          <a:r>
+                            <a:rPr lang="en-US" sz="1600" dirty="0" smtClean="0">
+                              <a:latin typeface="Segoe UI" panose="020B0502040204020203" pitchFamily="34" charset="0"/>
+                              <a:cs typeface="Segoe UI" panose="020B0502040204020203" pitchFamily="34" charset="0"/>
+                            </a:rPr>
+                            <a:t>6</a:t>
+                          </a:r>
+                          <a:endParaRPr lang="ru-RU" sz="1600" dirty="0">
+                            <a:latin typeface="Segoe UI" panose="020B0502040204020203" pitchFamily="34" charset="0"/>
+                            <a:cs typeface="Segoe UI" panose="020B0502040204020203" pitchFamily="34" charset="0"/>
+                          </a:endParaRPr>
+                        </a:p>
+                      </a:txBody>
+                      <a:tcPr anchor="ctr"/>
+                    </a:tc>
+                    <a:tc>
+                      <a:txBody>
+                        <a:bodyPr/>
+                        <a:lstStyle/>
+                        <a:p>
+                          <a:pPr algn="ctr"/>
+                          <a:r>
+                            <a:rPr lang="en-US" sz="1600" dirty="0" smtClean="0">
+                              <a:latin typeface="Segoe UI" panose="020B0502040204020203" pitchFamily="34" charset="0"/>
+                              <a:cs typeface="Segoe UI" panose="020B0502040204020203" pitchFamily="34" charset="0"/>
+                            </a:rPr>
+                            <a:t>960</a:t>
+                          </a:r>
+                          <a:endParaRPr lang="ru-RU" sz="1600" dirty="0">
+                            <a:latin typeface="Segoe UI" panose="020B0502040204020203" pitchFamily="34" charset="0"/>
+                            <a:cs typeface="Segoe UI" panose="020B0502040204020203" pitchFamily="34" charset="0"/>
+                          </a:endParaRPr>
+                        </a:p>
+                      </a:txBody>
+                      <a:tcPr anchor="ctr"/>
+                    </a:tc>
+                    <a:tc>
+                      <a:txBody>
+                        <a:bodyPr/>
+                        <a:lstStyle/>
+                        <a:p>
+                          <a:pPr marL="0" marR="0" lvl="0" indent="0" algn="ctr" defTabSz="914400" rtl="0" eaLnBrk="1" fontAlgn="auto" latinLnBrk="0" hangingPunct="1">
+                            <a:lnSpc>
+                              <a:spcPct val="100000"/>
+                            </a:lnSpc>
+                            <a:spcBef>
+                              <a:spcPts val="0"/>
+                            </a:spcBef>
+                            <a:spcAft>
+                              <a:spcPts val="0"/>
+                            </a:spcAft>
+                            <a:buClrTx/>
+                            <a:buSzTx/>
+                            <a:buFontTx/>
+                            <a:buNone/>
+                            <a:tabLst/>
+                            <a:defRPr/>
+                          </a:pPr>
+                          <a:r>
+                            <a:rPr lang="en-US" sz="1600" dirty="0" smtClean="0">
+                              <a:latin typeface="Segoe UI" panose="020B0502040204020203" pitchFamily="34" charset="0"/>
+                              <a:cs typeface="Segoe UI" panose="020B0502040204020203" pitchFamily="34" charset="0"/>
+                            </a:rPr>
+                            <a:t>Normal</a:t>
+                          </a:r>
+                          <a:endParaRPr lang="ru-RU" sz="1600" dirty="0" smtClean="0">
+                            <a:latin typeface="Segoe UI" panose="020B0502040204020203" pitchFamily="34" charset="0"/>
+                            <a:cs typeface="Segoe UI" panose="020B0502040204020203" pitchFamily="34" charset="0"/>
+                          </a:endParaRPr>
+                        </a:p>
+                      </a:txBody>
+                      <a:tcPr anchor="ctr"/>
+                    </a:tc>
+                    <a:extLst>
+                      <a:ext uri="{0D108BD9-81ED-4DB2-BD59-A6C34878D82A}">
+                        <a16:rowId xmlns:a16="http://schemas.microsoft.com/office/drawing/2014/main" val="791031335"/>
+                      </a:ext>
+                    </a:extLst>
+                  </a:tr>
+                </a:tbl>
+              </a:graphicData>
+            </a:graphic>
+          </p:graphicFrame>
+        </mc:Choice>
+        <mc:Fallback>
+          <p:graphicFrame>
+            <p:nvGraphicFramePr>
+              <p:cNvPr id="8" name="Таблица 7"/>
+              <p:cNvGraphicFramePr>
+                <a:graphicFrameLocks noGrp="1"/>
+              </p:cNvGraphicFramePr>
+              <p:nvPr>
+                <p:extLst>
+                  <p:ext uri="{D42A27DB-BD31-4B8C-83A1-F6EECF244321}">
+                    <p14:modId xmlns:p14="http://schemas.microsoft.com/office/powerpoint/2010/main" val="1279908543"/>
+                  </p:ext>
+                </p:extLst>
+              </p:nvPr>
+            </p:nvGraphicFramePr>
+            <p:xfrm>
+              <a:off x="121360" y="3364301"/>
+              <a:ext cx="3803658" cy="3359702"/>
+            </p:xfrm>
+            <a:graphic>
+              <a:graphicData uri="http://schemas.openxmlformats.org/drawingml/2006/table">
+                <a:tbl>
+                  <a:tblPr firstRow="1" bandRow="1">
+                    <a:tableStyleId>{5C22544A-7EE6-4342-B048-85BDC9FD1C3A}</a:tableStyleId>
+                  </a:tblPr>
+                  <a:tblGrid>
+                    <a:gridCol w="999033">
+                      <a:extLst>
+                        <a:ext uri="{9D8B030D-6E8A-4147-A177-3AD203B41FA5}">
+                          <a16:colId xmlns:a16="http://schemas.microsoft.com/office/drawing/2014/main" val="4118684348"/>
+                        </a:ext>
+                      </a:extLst>
+                    </a:gridCol>
+                    <a:gridCol w="1536739">
+                      <a:extLst>
+                        <a:ext uri="{9D8B030D-6E8A-4147-A177-3AD203B41FA5}">
+                          <a16:colId xmlns:a16="http://schemas.microsoft.com/office/drawing/2014/main" val="2271317678"/>
+                        </a:ext>
+                      </a:extLst>
+                    </a:gridCol>
+                    <a:gridCol w="1267886">
+                      <a:extLst>
+                        <a:ext uri="{9D8B030D-6E8A-4147-A177-3AD203B41FA5}">
+                          <a16:colId xmlns:a16="http://schemas.microsoft.com/office/drawing/2014/main" val="3639184596"/>
+                        </a:ext>
+                      </a:extLst>
+                    </a:gridCol>
+                  </a:tblGrid>
+                  <a:tr h="613792">
+                    <a:tc>
+                      <a:txBody>
+                        <a:bodyPr/>
+                        <a:lstStyle/>
+                        <a:p>
+                          <a:endParaRPr lang="ru-RU"/>
+                        </a:p>
+                      </a:txBody>
+                      <a:tcPr anchor="ctr">
+                        <a:blipFill>
+                          <a:blip r:embed="rId3"/>
+                          <a:stretch>
+                            <a:fillRect l="-610" t="-990" r="-284146" b="-456436"/>
+                          </a:stretch>
+                        </a:blipFill>
+                      </a:tcPr>
+                    </a:tc>
+                    <a:tc>
+                      <a:txBody>
+                        <a:bodyPr/>
+                        <a:lstStyle/>
+                        <a:p>
+                          <a:endParaRPr lang="ru-RU"/>
+                        </a:p>
+                      </a:txBody>
+                      <a:tcPr anchor="ctr">
+                        <a:blipFill>
+                          <a:blip r:embed="rId3"/>
+                          <a:stretch>
+                            <a:fillRect l="-65217" t="-990" r="-84190" b="-456436"/>
+                          </a:stretch>
+                        </a:blipFill>
+                      </a:tcPr>
+                    </a:tc>
+                    <a:tc>
+                      <a:txBody>
+                        <a:bodyPr/>
+                        <a:lstStyle/>
+                        <a:p>
+                          <a:pPr algn="ctr"/>
+                          <a:r>
+                            <a:rPr lang="en-US" sz="1600" b="1" i="0" dirty="0" smtClean="0">
+                              <a:latin typeface="Segoe UI" panose="020B0502040204020203" pitchFamily="34" charset="0"/>
+                              <a:cs typeface="Segoe UI" panose="020B0502040204020203" pitchFamily="34" charset="0"/>
+                            </a:rPr>
+                            <a:t>Cyclic prefix</a:t>
+                          </a:r>
+                          <a:endParaRPr lang="ru-RU" sz="1600" b="1" i="0" dirty="0">
+                            <a:latin typeface="Segoe UI" panose="020B0502040204020203" pitchFamily="34" charset="0"/>
+                            <a:cs typeface="Segoe UI" panose="020B0502040204020203" pitchFamily="34" charset="0"/>
+                          </a:endParaRPr>
+                        </a:p>
+                      </a:txBody>
+                      <a:tcPr anchor="ctr"/>
+                    </a:tc>
+                    <a:extLst>
+                      <a:ext uri="{0D108BD9-81ED-4DB2-BD59-A6C34878D82A}">
+                        <a16:rowId xmlns:a16="http://schemas.microsoft.com/office/drawing/2014/main" val="504405816"/>
+                      </a:ext>
+                    </a:extLst>
+                  </a:tr>
+                  <a:tr h="355353">
+                    <a:tc>
+                      <a:txBody>
+                        <a:bodyPr/>
+                        <a:lstStyle/>
+                        <a:p>
+                          <a:pPr algn="ctr"/>
+                          <a:r>
+                            <a:rPr lang="en-US" sz="1600" dirty="0" smtClean="0">
+                              <a:latin typeface="Segoe UI" panose="020B0502040204020203" pitchFamily="34" charset="0"/>
+                              <a:cs typeface="Segoe UI" panose="020B0502040204020203" pitchFamily="34" charset="0"/>
+                            </a:rPr>
+                            <a:t>0</a:t>
+                          </a:r>
+                          <a:endParaRPr lang="ru-RU" sz="1600" dirty="0">
+                            <a:latin typeface="Segoe UI" panose="020B0502040204020203" pitchFamily="34" charset="0"/>
+                            <a:cs typeface="Segoe UI" panose="020B0502040204020203" pitchFamily="34" charset="0"/>
+                          </a:endParaRPr>
+                        </a:p>
+                      </a:txBody>
+                      <a:tcPr anchor="ctr"/>
+                    </a:tc>
+                    <a:tc>
+                      <a:txBody>
+                        <a:bodyPr/>
+                        <a:lstStyle/>
+                        <a:p>
+                          <a:pPr algn="ctr"/>
+                          <a:r>
+                            <a:rPr lang="en-US" sz="1600" dirty="0" smtClean="0">
+                              <a:latin typeface="Segoe UI" panose="020B0502040204020203" pitchFamily="34" charset="0"/>
+                              <a:cs typeface="Segoe UI" panose="020B0502040204020203" pitchFamily="34" charset="0"/>
+                            </a:rPr>
+                            <a:t>15</a:t>
+                          </a:r>
+                          <a:endParaRPr lang="ru-RU" sz="1600" dirty="0">
+                            <a:latin typeface="Segoe UI" panose="020B0502040204020203" pitchFamily="34" charset="0"/>
+                            <a:cs typeface="Segoe UI" panose="020B0502040204020203" pitchFamily="34" charset="0"/>
+                          </a:endParaRPr>
+                        </a:p>
+                      </a:txBody>
+                      <a:tcPr anchor="ctr"/>
+                    </a:tc>
+                    <a:tc>
+                      <a:txBody>
+                        <a:bodyPr/>
+                        <a:lstStyle/>
+                        <a:p>
+                          <a:pPr algn="ctr"/>
+                          <a:r>
+                            <a:rPr lang="en-US" sz="1600" dirty="0" smtClean="0">
+                              <a:latin typeface="Segoe UI" panose="020B0502040204020203" pitchFamily="34" charset="0"/>
+                              <a:cs typeface="Segoe UI" panose="020B0502040204020203" pitchFamily="34" charset="0"/>
+                            </a:rPr>
+                            <a:t>Normal</a:t>
+                          </a:r>
+                          <a:endParaRPr lang="ru-RU" sz="1600" dirty="0">
+                            <a:latin typeface="Segoe UI" panose="020B0502040204020203" pitchFamily="34" charset="0"/>
+                            <a:cs typeface="Segoe UI" panose="020B0502040204020203" pitchFamily="34" charset="0"/>
+                          </a:endParaRPr>
+                        </a:p>
+                      </a:txBody>
+                      <a:tcPr anchor="ctr"/>
+                    </a:tc>
+                    <a:extLst>
+                      <a:ext uri="{0D108BD9-81ED-4DB2-BD59-A6C34878D82A}">
+                        <a16:rowId xmlns:a16="http://schemas.microsoft.com/office/drawing/2014/main" val="2934321559"/>
+                      </a:ext>
+                    </a:extLst>
+                  </a:tr>
+                  <a:tr h="355353">
+                    <a:tc>
+                      <a:txBody>
+                        <a:bodyPr/>
+                        <a:lstStyle/>
+                        <a:p>
+                          <a:pPr algn="ctr"/>
+                          <a:r>
+                            <a:rPr lang="en-US" sz="1600" dirty="0" smtClean="0">
+                              <a:latin typeface="Segoe UI" panose="020B0502040204020203" pitchFamily="34" charset="0"/>
+                              <a:cs typeface="Segoe UI" panose="020B0502040204020203" pitchFamily="34" charset="0"/>
+                            </a:rPr>
+                            <a:t>1</a:t>
+                          </a:r>
+                          <a:endParaRPr lang="ru-RU" sz="1600" dirty="0">
+                            <a:latin typeface="Segoe UI" panose="020B0502040204020203" pitchFamily="34" charset="0"/>
+                            <a:cs typeface="Segoe UI" panose="020B0502040204020203" pitchFamily="34" charset="0"/>
+                          </a:endParaRPr>
+                        </a:p>
+                      </a:txBody>
+                      <a:tcPr anchor="ctr"/>
+                    </a:tc>
+                    <a:tc>
+                      <a:txBody>
+                        <a:bodyPr/>
+                        <a:lstStyle/>
+                        <a:p>
+                          <a:pPr algn="ctr"/>
+                          <a:r>
+                            <a:rPr lang="en-US" sz="1600" dirty="0" smtClean="0">
+                              <a:latin typeface="Segoe UI" panose="020B0502040204020203" pitchFamily="34" charset="0"/>
+                              <a:cs typeface="Segoe UI" panose="020B0502040204020203" pitchFamily="34" charset="0"/>
+                            </a:rPr>
+                            <a:t>30</a:t>
+                          </a:r>
+                          <a:endParaRPr lang="ru-RU" sz="1600" dirty="0">
+                            <a:latin typeface="Segoe UI" panose="020B0502040204020203" pitchFamily="34" charset="0"/>
+                            <a:cs typeface="Segoe UI" panose="020B0502040204020203" pitchFamily="34" charset="0"/>
+                          </a:endParaRPr>
+                        </a:p>
+                      </a:txBody>
+                      <a:tcPr anchor="ctr"/>
+                    </a:tc>
+                    <a:tc>
+                      <a:txBody>
+                        <a:bodyPr/>
+                        <a:lstStyle/>
+                        <a:p>
+                          <a:pPr marL="0" marR="0" lvl="0" indent="0" algn="ctr" defTabSz="914400" rtl="0" eaLnBrk="1" fontAlgn="auto" latinLnBrk="0" hangingPunct="1">
+                            <a:lnSpc>
+                              <a:spcPct val="100000"/>
+                            </a:lnSpc>
+                            <a:spcBef>
+                              <a:spcPts val="0"/>
+                            </a:spcBef>
+                            <a:spcAft>
+                              <a:spcPts val="0"/>
+                            </a:spcAft>
+                            <a:buClrTx/>
+                            <a:buSzTx/>
+                            <a:buFontTx/>
+                            <a:buNone/>
+                            <a:tabLst/>
+                            <a:defRPr/>
+                          </a:pPr>
+                          <a:r>
+                            <a:rPr lang="en-US" sz="1600" dirty="0" smtClean="0">
+                              <a:latin typeface="Segoe UI" panose="020B0502040204020203" pitchFamily="34" charset="0"/>
+                              <a:cs typeface="Segoe UI" panose="020B0502040204020203" pitchFamily="34" charset="0"/>
+                            </a:rPr>
+                            <a:t>Normal</a:t>
+                          </a:r>
+                          <a:endParaRPr lang="ru-RU" sz="1600" dirty="0" smtClean="0">
+                            <a:latin typeface="Segoe UI" panose="020B0502040204020203" pitchFamily="34" charset="0"/>
+                            <a:cs typeface="Segoe UI" panose="020B0502040204020203" pitchFamily="34" charset="0"/>
+                          </a:endParaRPr>
+                        </a:p>
+                      </a:txBody>
+                      <a:tcPr anchor="ctr"/>
+                    </a:tc>
+                    <a:extLst>
+                      <a:ext uri="{0D108BD9-81ED-4DB2-BD59-A6C34878D82A}">
+                        <a16:rowId xmlns:a16="http://schemas.microsoft.com/office/drawing/2014/main" val="2073802259"/>
+                      </a:ext>
+                    </a:extLst>
+                  </a:tr>
+                  <a:tr h="613792">
+                    <a:tc>
+                      <a:txBody>
+                        <a:bodyPr/>
+                        <a:lstStyle/>
+                        <a:p>
+                          <a:pPr algn="ctr"/>
+                          <a:r>
+                            <a:rPr lang="en-US" sz="1600" dirty="0" smtClean="0">
+                              <a:latin typeface="Segoe UI" panose="020B0502040204020203" pitchFamily="34" charset="0"/>
+                              <a:cs typeface="Segoe UI" panose="020B0502040204020203" pitchFamily="34" charset="0"/>
+                            </a:rPr>
+                            <a:t>2</a:t>
+                          </a:r>
+                          <a:endParaRPr lang="ru-RU" sz="1600" dirty="0">
+                            <a:latin typeface="Segoe UI" panose="020B0502040204020203" pitchFamily="34" charset="0"/>
+                            <a:cs typeface="Segoe UI" panose="020B0502040204020203" pitchFamily="34" charset="0"/>
+                          </a:endParaRPr>
+                        </a:p>
+                      </a:txBody>
+                      <a:tcPr anchor="ctr"/>
+                    </a:tc>
+                    <a:tc>
+                      <a:txBody>
+                        <a:bodyPr/>
+                        <a:lstStyle/>
+                        <a:p>
+                          <a:pPr algn="ctr"/>
+                          <a:r>
+                            <a:rPr lang="en-US" sz="1600" dirty="0" smtClean="0">
+                              <a:latin typeface="Segoe UI" panose="020B0502040204020203" pitchFamily="34" charset="0"/>
+                              <a:cs typeface="Segoe UI" panose="020B0502040204020203" pitchFamily="34" charset="0"/>
+                            </a:rPr>
+                            <a:t>60</a:t>
+                          </a:r>
+                          <a:endParaRPr lang="ru-RU" sz="1600" dirty="0">
+                            <a:latin typeface="Segoe UI" panose="020B0502040204020203" pitchFamily="34" charset="0"/>
+                            <a:cs typeface="Segoe UI" panose="020B0502040204020203" pitchFamily="34" charset="0"/>
+                          </a:endParaRPr>
+                        </a:p>
+                      </a:txBody>
+                      <a:tcPr anchor="ctr"/>
+                    </a:tc>
+                    <a:tc>
+                      <a:txBody>
+                        <a:bodyPr/>
+                        <a:lstStyle/>
+                        <a:p>
+                          <a:pPr marL="0" marR="0" lvl="0" indent="0" algn="ctr" defTabSz="914400" rtl="0" eaLnBrk="1" fontAlgn="auto" latinLnBrk="0" hangingPunct="1">
+                            <a:lnSpc>
+                              <a:spcPct val="100000"/>
+                            </a:lnSpc>
+                            <a:spcBef>
+                              <a:spcPts val="0"/>
+                            </a:spcBef>
+                            <a:spcAft>
+                              <a:spcPts val="0"/>
+                            </a:spcAft>
+                            <a:buClrTx/>
+                            <a:buSzTx/>
+                            <a:buFontTx/>
+                            <a:buNone/>
+                            <a:tabLst/>
+                            <a:defRPr/>
+                          </a:pPr>
+                          <a:r>
+                            <a:rPr lang="en-US" sz="1600" dirty="0" smtClean="0">
+                              <a:latin typeface="Segoe UI" panose="020B0502040204020203" pitchFamily="34" charset="0"/>
+                              <a:cs typeface="Segoe UI" panose="020B0502040204020203" pitchFamily="34" charset="0"/>
+                            </a:rPr>
+                            <a:t>Normal, Extended</a:t>
+                          </a:r>
+                          <a:endParaRPr lang="ru-RU" sz="1600" dirty="0" smtClean="0">
+                            <a:latin typeface="Segoe UI" panose="020B0502040204020203" pitchFamily="34" charset="0"/>
+                            <a:cs typeface="Segoe UI" panose="020B0502040204020203" pitchFamily="34" charset="0"/>
+                          </a:endParaRPr>
+                        </a:p>
+                      </a:txBody>
+                      <a:tcPr anchor="ctr"/>
+                    </a:tc>
+                    <a:extLst>
+                      <a:ext uri="{0D108BD9-81ED-4DB2-BD59-A6C34878D82A}">
+                        <a16:rowId xmlns:a16="http://schemas.microsoft.com/office/drawing/2014/main" val="1381845595"/>
+                      </a:ext>
+                    </a:extLst>
+                  </a:tr>
+                  <a:tr h="355353">
+                    <a:tc>
+                      <a:txBody>
+                        <a:bodyPr/>
+                        <a:lstStyle/>
+                        <a:p>
+                          <a:pPr algn="ctr"/>
+                          <a:r>
+                            <a:rPr lang="en-US" sz="1600" dirty="0" smtClean="0">
+                              <a:latin typeface="Segoe UI" panose="020B0502040204020203" pitchFamily="34" charset="0"/>
+                              <a:cs typeface="Segoe UI" panose="020B0502040204020203" pitchFamily="34" charset="0"/>
+                            </a:rPr>
+                            <a:t>3</a:t>
+                          </a:r>
+                          <a:endParaRPr lang="ru-RU" sz="1600" dirty="0">
+                            <a:latin typeface="Segoe UI" panose="020B0502040204020203" pitchFamily="34" charset="0"/>
+                            <a:cs typeface="Segoe UI" panose="020B0502040204020203" pitchFamily="34" charset="0"/>
+                          </a:endParaRPr>
+                        </a:p>
+                      </a:txBody>
+                      <a:tcPr anchor="ctr"/>
+                    </a:tc>
+                    <a:tc>
+                      <a:txBody>
+                        <a:bodyPr/>
+                        <a:lstStyle/>
+                        <a:p>
+                          <a:pPr algn="ctr"/>
+                          <a:r>
+                            <a:rPr lang="en-US" sz="1600" dirty="0" smtClean="0">
+                              <a:latin typeface="Segoe UI" panose="020B0502040204020203" pitchFamily="34" charset="0"/>
+                              <a:cs typeface="Segoe UI" panose="020B0502040204020203" pitchFamily="34" charset="0"/>
+                            </a:rPr>
+                            <a:t>120</a:t>
+                          </a:r>
+                          <a:endParaRPr lang="ru-RU" sz="1600" dirty="0">
+                            <a:latin typeface="Segoe UI" panose="020B0502040204020203" pitchFamily="34" charset="0"/>
+                            <a:cs typeface="Segoe UI" panose="020B0502040204020203" pitchFamily="34" charset="0"/>
+                          </a:endParaRPr>
+                        </a:p>
+                      </a:txBody>
+                      <a:tcPr anchor="ctr"/>
+                    </a:tc>
+                    <a:tc>
+                      <a:txBody>
+                        <a:bodyPr/>
+                        <a:lstStyle/>
+                        <a:p>
+                          <a:pPr marL="0" marR="0" lvl="0" indent="0" algn="ctr" defTabSz="914400" rtl="0" eaLnBrk="1" fontAlgn="auto" latinLnBrk="0" hangingPunct="1">
+                            <a:lnSpc>
+                              <a:spcPct val="100000"/>
+                            </a:lnSpc>
+                            <a:spcBef>
+                              <a:spcPts val="0"/>
+                            </a:spcBef>
+                            <a:spcAft>
+                              <a:spcPts val="0"/>
+                            </a:spcAft>
+                            <a:buClrTx/>
+                            <a:buSzTx/>
+                            <a:buFontTx/>
+                            <a:buNone/>
+                            <a:tabLst/>
+                            <a:defRPr/>
+                          </a:pPr>
+                          <a:r>
+                            <a:rPr lang="en-US" sz="1600" dirty="0" smtClean="0">
+                              <a:latin typeface="Segoe UI" panose="020B0502040204020203" pitchFamily="34" charset="0"/>
+                              <a:cs typeface="Segoe UI" panose="020B0502040204020203" pitchFamily="34" charset="0"/>
+                            </a:rPr>
+                            <a:t>Normal</a:t>
+                          </a:r>
+                          <a:endParaRPr lang="ru-RU" sz="1600" dirty="0" smtClean="0">
+                            <a:latin typeface="Segoe UI" panose="020B0502040204020203" pitchFamily="34" charset="0"/>
+                            <a:cs typeface="Segoe UI" panose="020B0502040204020203" pitchFamily="34" charset="0"/>
+                          </a:endParaRPr>
+                        </a:p>
+                      </a:txBody>
+                      <a:tcPr anchor="ctr"/>
+                    </a:tc>
+                    <a:extLst>
+                      <a:ext uri="{0D108BD9-81ED-4DB2-BD59-A6C34878D82A}">
+                        <a16:rowId xmlns:a16="http://schemas.microsoft.com/office/drawing/2014/main" val="2471020805"/>
+                      </a:ext>
+                    </a:extLst>
+                  </a:tr>
+                  <a:tr h="355353">
+                    <a:tc>
+                      <a:txBody>
+                        <a:bodyPr/>
+                        <a:lstStyle/>
+                        <a:p>
+                          <a:pPr algn="ctr"/>
+                          <a:r>
+                            <a:rPr lang="en-US" sz="1600" dirty="0" smtClean="0">
+                              <a:latin typeface="Segoe UI" panose="020B0502040204020203" pitchFamily="34" charset="0"/>
+                              <a:cs typeface="Segoe UI" panose="020B0502040204020203" pitchFamily="34" charset="0"/>
+                            </a:rPr>
+                            <a:t>4</a:t>
+                          </a:r>
+                          <a:endParaRPr lang="ru-RU" sz="1600" dirty="0">
+                            <a:latin typeface="Segoe UI" panose="020B0502040204020203" pitchFamily="34" charset="0"/>
+                            <a:cs typeface="Segoe UI" panose="020B0502040204020203" pitchFamily="34" charset="0"/>
+                          </a:endParaRPr>
+                        </a:p>
+                      </a:txBody>
+                      <a:tcPr anchor="ctr"/>
+                    </a:tc>
+                    <a:tc>
+                      <a:txBody>
+                        <a:bodyPr/>
+                        <a:lstStyle/>
+                        <a:p>
+                          <a:pPr algn="ctr"/>
+                          <a:r>
+                            <a:rPr lang="en-US" sz="1600" dirty="0" smtClean="0">
+                              <a:latin typeface="Segoe UI" panose="020B0502040204020203" pitchFamily="34" charset="0"/>
+                              <a:cs typeface="Segoe UI" panose="020B0502040204020203" pitchFamily="34" charset="0"/>
+                            </a:rPr>
+                            <a:t>240</a:t>
+                          </a:r>
+                          <a:endParaRPr lang="ru-RU" sz="1600" dirty="0">
+                            <a:latin typeface="Segoe UI" panose="020B0502040204020203" pitchFamily="34" charset="0"/>
+                            <a:cs typeface="Segoe UI" panose="020B0502040204020203" pitchFamily="34" charset="0"/>
+                          </a:endParaRPr>
+                        </a:p>
+                      </a:txBody>
+                      <a:tcPr anchor="ctr"/>
+                    </a:tc>
+                    <a:tc>
+                      <a:txBody>
+                        <a:bodyPr/>
+                        <a:lstStyle/>
+                        <a:p>
+                          <a:pPr marL="0" marR="0" lvl="0" indent="0" algn="ctr" defTabSz="914400" rtl="0" eaLnBrk="1" fontAlgn="auto" latinLnBrk="0" hangingPunct="1">
+                            <a:lnSpc>
+                              <a:spcPct val="100000"/>
+                            </a:lnSpc>
+                            <a:spcBef>
+                              <a:spcPts val="0"/>
+                            </a:spcBef>
+                            <a:spcAft>
+                              <a:spcPts val="0"/>
+                            </a:spcAft>
+                            <a:buClrTx/>
+                            <a:buSzTx/>
+                            <a:buFontTx/>
+                            <a:buNone/>
+                            <a:tabLst/>
+                            <a:defRPr/>
+                          </a:pPr>
+                          <a:r>
+                            <a:rPr lang="en-US" sz="1600" dirty="0" smtClean="0">
+                              <a:latin typeface="Segoe UI" panose="020B0502040204020203" pitchFamily="34" charset="0"/>
+                              <a:cs typeface="Segoe UI" panose="020B0502040204020203" pitchFamily="34" charset="0"/>
+                            </a:rPr>
+                            <a:t>Normal</a:t>
+                          </a:r>
+                          <a:endParaRPr lang="ru-RU" sz="1600" dirty="0" smtClean="0">
+                            <a:latin typeface="Segoe UI" panose="020B0502040204020203" pitchFamily="34" charset="0"/>
+                            <a:cs typeface="Segoe UI" panose="020B0502040204020203" pitchFamily="34" charset="0"/>
+                          </a:endParaRPr>
+                        </a:p>
+                      </a:txBody>
+                      <a:tcPr anchor="ctr"/>
+                    </a:tc>
+                    <a:extLst>
+                      <a:ext uri="{0D108BD9-81ED-4DB2-BD59-A6C34878D82A}">
+                        <a16:rowId xmlns:a16="http://schemas.microsoft.com/office/drawing/2014/main" val="3028719624"/>
+                      </a:ext>
+                    </a:extLst>
+                  </a:tr>
+                  <a:tr h="355353">
+                    <a:tc>
+                      <a:txBody>
+                        <a:bodyPr/>
+                        <a:lstStyle/>
+                        <a:p>
+                          <a:pPr algn="ctr"/>
+                          <a:r>
+                            <a:rPr lang="en-US" sz="1600" dirty="0" smtClean="0">
+                              <a:latin typeface="Segoe UI" panose="020B0502040204020203" pitchFamily="34" charset="0"/>
+                              <a:cs typeface="Segoe UI" panose="020B0502040204020203" pitchFamily="34" charset="0"/>
+                            </a:rPr>
+                            <a:t>5</a:t>
+                          </a:r>
+                          <a:endParaRPr lang="ru-RU" sz="1600" dirty="0">
+                            <a:latin typeface="Segoe UI" panose="020B0502040204020203" pitchFamily="34" charset="0"/>
+                            <a:cs typeface="Segoe UI" panose="020B0502040204020203" pitchFamily="34" charset="0"/>
+                          </a:endParaRPr>
+                        </a:p>
+                      </a:txBody>
+                      <a:tcPr anchor="ctr"/>
+                    </a:tc>
+                    <a:tc>
+                      <a:txBody>
+                        <a:bodyPr/>
+                        <a:lstStyle/>
+                        <a:p>
+                          <a:pPr algn="ctr"/>
+                          <a:r>
+                            <a:rPr lang="en-US" sz="1600" dirty="0" smtClean="0">
+                              <a:latin typeface="Segoe UI" panose="020B0502040204020203" pitchFamily="34" charset="0"/>
+                              <a:cs typeface="Segoe UI" panose="020B0502040204020203" pitchFamily="34" charset="0"/>
+                            </a:rPr>
+                            <a:t>480</a:t>
+                          </a:r>
+                          <a:endParaRPr lang="ru-RU" sz="1600" dirty="0">
+                            <a:latin typeface="Segoe UI" panose="020B0502040204020203" pitchFamily="34" charset="0"/>
+                            <a:cs typeface="Segoe UI" panose="020B0502040204020203" pitchFamily="34" charset="0"/>
+                          </a:endParaRPr>
+                        </a:p>
+                      </a:txBody>
+                      <a:tcPr anchor="ctr"/>
+                    </a:tc>
+                    <a:tc>
+                      <a:txBody>
+                        <a:bodyPr/>
+                        <a:lstStyle/>
+                        <a:p>
+                          <a:pPr marL="0" marR="0" lvl="0" indent="0" algn="ctr" defTabSz="914400" rtl="0" eaLnBrk="1" fontAlgn="auto" latinLnBrk="0" hangingPunct="1">
+                            <a:lnSpc>
+                              <a:spcPct val="100000"/>
+                            </a:lnSpc>
+                            <a:spcBef>
+                              <a:spcPts val="0"/>
+                            </a:spcBef>
+                            <a:spcAft>
+                              <a:spcPts val="0"/>
+                            </a:spcAft>
+                            <a:buClrTx/>
+                            <a:buSzTx/>
+                            <a:buFontTx/>
+                            <a:buNone/>
+                            <a:tabLst/>
+                            <a:defRPr/>
+                          </a:pPr>
+                          <a:r>
+                            <a:rPr lang="en-US" sz="1600" dirty="0" smtClean="0">
+                              <a:latin typeface="Segoe UI" panose="020B0502040204020203" pitchFamily="34" charset="0"/>
+                              <a:cs typeface="Segoe UI" panose="020B0502040204020203" pitchFamily="34" charset="0"/>
+                            </a:rPr>
+                            <a:t>Normal</a:t>
+                          </a:r>
+                          <a:endParaRPr lang="ru-RU" sz="1600" dirty="0" smtClean="0">
+                            <a:latin typeface="Segoe UI" panose="020B0502040204020203" pitchFamily="34" charset="0"/>
+                            <a:cs typeface="Segoe UI" panose="020B0502040204020203" pitchFamily="34" charset="0"/>
+                          </a:endParaRPr>
+                        </a:p>
+                      </a:txBody>
+                      <a:tcPr anchor="ctr"/>
+                    </a:tc>
+                    <a:extLst>
+                      <a:ext uri="{0D108BD9-81ED-4DB2-BD59-A6C34878D82A}">
+                        <a16:rowId xmlns:a16="http://schemas.microsoft.com/office/drawing/2014/main" val="39966801"/>
+                      </a:ext>
+                    </a:extLst>
+                  </a:tr>
+                  <a:tr h="355353">
+                    <a:tc>
+                      <a:txBody>
+                        <a:bodyPr/>
+                        <a:lstStyle/>
+                        <a:p>
+                          <a:pPr algn="ctr"/>
+                          <a:r>
+                            <a:rPr lang="en-US" sz="1600" dirty="0" smtClean="0">
+                              <a:latin typeface="Segoe UI" panose="020B0502040204020203" pitchFamily="34" charset="0"/>
+                              <a:cs typeface="Segoe UI" panose="020B0502040204020203" pitchFamily="34" charset="0"/>
+                            </a:rPr>
+                            <a:t>6</a:t>
+                          </a:r>
+                          <a:endParaRPr lang="ru-RU" sz="1600" dirty="0">
+                            <a:latin typeface="Segoe UI" panose="020B0502040204020203" pitchFamily="34" charset="0"/>
+                            <a:cs typeface="Segoe UI" panose="020B0502040204020203" pitchFamily="34" charset="0"/>
+                          </a:endParaRPr>
+                        </a:p>
+                      </a:txBody>
+                      <a:tcPr anchor="ctr"/>
+                    </a:tc>
+                    <a:tc>
+                      <a:txBody>
+                        <a:bodyPr/>
+                        <a:lstStyle/>
+                        <a:p>
+                          <a:pPr algn="ctr"/>
+                          <a:r>
+                            <a:rPr lang="en-US" sz="1600" dirty="0" smtClean="0">
+                              <a:latin typeface="Segoe UI" panose="020B0502040204020203" pitchFamily="34" charset="0"/>
+                              <a:cs typeface="Segoe UI" panose="020B0502040204020203" pitchFamily="34" charset="0"/>
+                            </a:rPr>
+                            <a:t>960</a:t>
+                          </a:r>
+                          <a:endParaRPr lang="ru-RU" sz="1600" dirty="0">
+                            <a:latin typeface="Segoe UI" panose="020B0502040204020203" pitchFamily="34" charset="0"/>
+                            <a:cs typeface="Segoe UI" panose="020B0502040204020203" pitchFamily="34" charset="0"/>
+                          </a:endParaRPr>
+                        </a:p>
+                      </a:txBody>
+                      <a:tcPr anchor="ctr"/>
+                    </a:tc>
+                    <a:tc>
+                      <a:txBody>
+                        <a:bodyPr/>
+                        <a:lstStyle/>
+                        <a:p>
+                          <a:pPr marL="0" marR="0" lvl="0" indent="0" algn="ctr" defTabSz="914400" rtl="0" eaLnBrk="1" fontAlgn="auto" latinLnBrk="0" hangingPunct="1">
+                            <a:lnSpc>
+                              <a:spcPct val="100000"/>
+                            </a:lnSpc>
+                            <a:spcBef>
+                              <a:spcPts val="0"/>
+                            </a:spcBef>
+                            <a:spcAft>
+                              <a:spcPts val="0"/>
+                            </a:spcAft>
+                            <a:buClrTx/>
+                            <a:buSzTx/>
+                            <a:buFontTx/>
+                            <a:buNone/>
+                            <a:tabLst/>
+                            <a:defRPr/>
+                          </a:pPr>
+                          <a:r>
+                            <a:rPr lang="en-US" sz="1600" dirty="0" smtClean="0">
+                              <a:latin typeface="Segoe UI" panose="020B0502040204020203" pitchFamily="34" charset="0"/>
+                              <a:cs typeface="Segoe UI" panose="020B0502040204020203" pitchFamily="34" charset="0"/>
+                            </a:rPr>
+                            <a:t>Normal</a:t>
+                          </a:r>
+                          <a:endParaRPr lang="ru-RU" sz="1600" dirty="0" smtClean="0">
+                            <a:latin typeface="Segoe UI" panose="020B0502040204020203" pitchFamily="34" charset="0"/>
+                            <a:cs typeface="Segoe UI" panose="020B0502040204020203" pitchFamily="34" charset="0"/>
+                          </a:endParaRPr>
+                        </a:p>
+                      </a:txBody>
+                      <a:tcPr anchor="ctr"/>
+                    </a:tc>
+                    <a:extLst>
+                      <a:ext uri="{0D108BD9-81ED-4DB2-BD59-A6C34878D82A}">
+                        <a16:rowId xmlns:a16="http://schemas.microsoft.com/office/drawing/2014/main" val="791031335"/>
+                      </a:ext>
+                    </a:extLst>
+                  </a:tr>
+                </a:tbl>
+              </a:graphicData>
+            </a:graphic>
+          </p:graphicFrame>
+        </mc:Fallback>
+      </mc:AlternateContent>
+      <p:pic>
+        <p:nvPicPr>
+          <p:cNvPr id="11" name="Рисунок 10"/>
+          <p:cNvPicPr>
+            <a:picLocks noChangeAspect="1"/>
+          </p:cNvPicPr>
+          <p:nvPr/>
+        </p:nvPicPr>
+        <p:blipFill>
+          <a:blip r:embed="rId4" cstate="print">
+            <a:extLst>
+              <a:ext uri="{28A0092B-C50C-407E-A947-70E740481C1C}">
+                <a14:useLocalDpi xmlns:a14="http://schemas.microsoft.com/office/drawing/2010/main" val="0"/>
+              </a:ext>
+            </a:extLst>
+          </a:blip>
+          <a:stretch>
+            <a:fillRect/>
+          </a:stretch>
+        </p:blipFill>
+        <p:spPr>
+          <a:xfrm>
+            <a:off x="4638247" y="1250830"/>
+            <a:ext cx="3674395" cy="4755971"/>
+          </a:xfrm>
+          <a:prstGeom prst="rect">
+            <a:avLst/>
+          </a:prstGeom>
+        </p:spPr>
+      </p:pic>
+    </p:spTree>
+    <p:extLst>
+      <p:ext uri="{BB962C8B-B14F-4D97-AF65-F5344CB8AC3E}">
+        <p14:creationId xmlns:p14="http://schemas.microsoft.com/office/powerpoint/2010/main" val="3963719400"/>
+      </p:ext>
+    </p:extLst>
+  </p:cSld>
+  <p:clrMapOvr>
+    <a:masterClrMapping/>
+  </p:clrMapOvr>
+  <p:timing>
+    <p:tnLst>
+      <p:par>
+        <p:cTn id="1" dur="indefinite" restart="never" nodeType="tmRoot"/>
+      </p:par>
+    </p:tnLst>
+  </p:timing>
+</p:sld>
+</file>
+
+<file path=ppt/slides/slide26.xml><?xml version="1.0" encoding="utf-8"?>
 <p:sld xmlns:a="http://schemas.openxmlformats.org/drawingml/2006/main" xmlns:r="http://schemas.openxmlformats.org/officeDocument/2006/relationships" xmlns:p="http://schemas.openxmlformats.org/presentationml/2006/main">
   <p:cSld>
     <p:spTree>
@@ -15321,7 +17805,7 @@
           <a:p>
             <a:fld id="{12AFF886-F040-4FA5-8BD0-0A595B4BDA00}" type="slidenum">
               <a:rPr lang="ru-RU" smtClean="0"/>
-              <a:t>24</a:t>
+              <a:t>26</a:t>
             </a:fld>
             <a:endParaRPr lang="ru-RU"/>
           </a:p>
@@ -15961,304 +18445,6 @@
           </a:p>
         </p:txBody>
       </p:sp>
-      <p:sp>
-        <p:nvSpPr>
-          <p:cNvPr id="8" name="Объект 2">
-            <a:extLst>
-              <a:ext uri="{FF2B5EF4-FFF2-40B4-BE49-F238E27FC236}">
-                <a16:creationId xmlns:a16="http://schemas.microsoft.com/office/drawing/2014/main" id="{8CDFC422-4199-8C58-632B-0CF9DB308CCD}"/>
-              </a:ext>
-            </a:extLst>
-          </p:cNvPr>
-          <p:cNvSpPr txBox="1">
-            <a:spLocks/>
-          </p:cNvSpPr>
-          <p:nvPr/>
-        </p:nvSpPr>
-        <p:spPr>
-          <a:xfrm>
-            <a:off x="6115235" y="368600"/>
-            <a:ext cx="1970229" cy="953089"/>
-          </a:xfrm>
-          <a:prstGeom prst="rect">
-            <a:avLst/>
-          </a:prstGeom>
-        </p:spPr>
-        <p:txBody>
-          <a:bodyPr vert="horz" lIns="91440" tIns="45720" rIns="91440" bIns="45720" rtlCol="0" anchor="ctr">
-            <a:normAutofit/>
-          </a:bodyPr>
-          <a:lstStyle>
-            <a:lvl1pPr marL="182880" indent="-182880" algn="l" defTabSz="914400" rtl="0" eaLnBrk="1" latinLnBrk="0" hangingPunct="1">
-              <a:lnSpc>
-                <a:spcPct val="95000"/>
-              </a:lnSpc>
-              <a:spcBef>
-                <a:spcPts val="1400"/>
-              </a:spcBef>
-              <a:spcAft>
-                <a:spcPts val="200"/>
-              </a:spcAft>
-              <a:buClr>
-                <a:schemeClr val="accent1"/>
-              </a:buClr>
-              <a:buSzPct val="80000"/>
-              <a:buFont typeface="Arial" pitchFamily="34" charset="0"/>
-              <a:buChar char="•"/>
-              <a:defRPr sz="1800" kern="1200" spc="10" baseline="0">
-                <a:solidFill>
-                  <a:schemeClr val="tx1"/>
-                </a:solidFill>
-                <a:latin typeface="+mn-lt"/>
-                <a:ea typeface="+mn-ea"/>
-                <a:cs typeface="+mn-cs"/>
-              </a:defRPr>
-            </a:lvl1pPr>
-            <a:lvl2pPr marL="457200" indent="-182880" algn="l" defTabSz="914400" rtl="0" eaLnBrk="1" latinLnBrk="0" hangingPunct="1">
-              <a:lnSpc>
-                <a:spcPct val="90000"/>
-              </a:lnSpc>
-              <a:spcBef>
-                <a:spcPts val="300"/>
-              </a:spcBef>
-              <a:spcAft>
-                <a:spcPts val="300"/>
-              </a:spcAft>
-              <a:buClr>
-                <a:schemeClr val="accent1"/>
-              </a:buClr>
-              <a:buFont typeface="Wingdings 2" pitchFamily="18" charset="2"/>
-              <a:buChar char=""/>
-              <a:defRPr sz="1600" kern="1200">
-                <a:solidFill>
-                  <a:schemeClr val="tx1">
-                    <a:lumMod val="85000"/>
-                    <a:lumOff val="15000"/>
-                  </a:schemeClr>
-                </a:solidFill>
-                <a:latin typeface="+mn-lt"/>
-                <a:ea typeface="+mn-ea"/>
-                <a:cs typeface="+mn-cs"/>
-              </a:defRPr>
-            </a:lvl2pPr>
-            <a:lvl3pPr marL="731520" indent="-182880" algn="l" defTabSz="914400" rtl="0" eaLnBrk="1" latinLnBrk="0" hangingPunct="1">
-              <a:lnSpc>
-                <a:spcPct val="90000"/>
-              </a:lnSpc>
-              <a:spcBef>
-                <a:spcPts val="300"/>
-              </a:spcBef>
-              <a:spcAft>
-                <a:spcPts val="300"/>
-              </a:spcAft>
-              <a:buClr>
-                <a:schemeClr val="accent1"/>
-              </a:buClr>
-              <a:buFont typeface="Wingdings 2" pitchFamily="18" charset="2"/>
-              <a:buChar char=""/>
-              <a:defRPr sz="1400" kern="1200">
-                <a:solidFill>
-                  <a:schemeClr val="tx1">
-                    <a:lumMod val="85000"/>
-                    <a:lumOff val="15000"/>
-                  </a:schemeClr>
-                </a:solidFill>
-                <a:latin typeface="+mn-lt"/>
-                <a:ea typeface="+mn-ea"/>
-                <a:cs typeface="+mn-cs"/>
-              </a:defRPr>
-            </a:lvl3pPr>
-            <a:lvl4pPr marL="1005840" indent="-182880" algn="l" defTabSz="914400" rtl="0" eaLnBrk="1" latinLnBrk="0" hangingPunct="1">
-              <a:lnSpc>
-                <a:spcPct val="90000"/>
-              </a:lnSpc>
-              <a:spcBef>
-                <a:spcPts val="300"/>
-              </a:spcBef>
-              <a:spcAft>
-                <a:spcPts val="300"/>
-              </a:spcAft>
-              <a:buClr>
-                <a:schemeClr val="accent1"/>
-              </a:buClr>
-              <a:buFont typeface="Wingdings 2" pitchFamily="18" charset="2"/>
-              <a:buChar char=""/>
-              <a:defRPr sz="1400" kern="1200">
-                <a:solidFill>
-                  <a:schemeClr val="tx1">
-                    <a:lumMod val="85000"/>
-                    <a:lumOff val="15000"/>
-                  </a:schemeClr>
-                </a:solidFill>
-                <a:latin typeface="+mn-lt"/>
-                <a:ea typeface="+mn-ea"/>
-                <a:cs typeface="+mn-cs"/>
-              </a:defRPr>
-            </a:lvl4pPr>
-            <a:lvl5pPr marL="1280160" indent="-182880" algn="l" defTabSz="914400" rtl="0" eaLnBrk="1" latinLnBrk="0" hangingPunct="1">
-              <a:lnSpc>
-                <a:spcPct val="90000"/>
-              </a:lnSpc>
-              <a:spcBef>
-                <a:spcPts val="300"/>
-              </a:spcBef>
-              <a:spcAft>
-                <a:spcPts val="300"/>
-              </a:spcAft>
-              <a:buClr>
-                <a:schemeClr val="accent1"/>
-              </a:buClr>
-              <a:buFont typeface="Wingdings 2" pitchFamily="18" charset="2"/>
-              <a:buChar char=""/>
-              <a:defRPr sz="1400" kern="1200">
-                <a:solidFill>
-                  <a:schemeClr val="tx1">
-                    <a:lumMod val="85000"/>
-                    <a:lumOff val="15000"/>
-                  </a:schemeClr>
-                </a:solidFill>
-                <a:latin typeface="+mn-lt"/>
-                <a:ea typeface="+mn-ea"/>
-                <a:cs typeface="+mn-cs"/>
-              </a:defRPr>
-            </a:lvl5pPr>
-            <a:lvl6pPr marL="1600000" indent="-228600" algn="l" defTabSz="914400" rtl="0" eaLnBrk="1" latinLnBrk="0" hangingPunct="1">
-              <a:lnSpc>
-                <a:spcPct val="90000"/>
-              </a:lnSpc>
-              <a:spcBef>
-                <a:spcPts val="300"/>
-              </a:spcBef>
-              <a:spcAft>
-                <a:spcPts val="300"/>
-              </a:spcAft>
-              <a:buClr>
-                <a:schemeClr val="accent1"/>
-              </a:buClr>
-              <a:buFont typeface="Wingdings 2" pitchFamily="18" charset="2"/>
-              <a:buChar char=""/>
-              <a:defRPr sz="1400" kern="1200">
-                <a:solidFill>
-                  <a:schemeClr val="tx1">
-                    <a:lumMod val="85000"/>
-                    <a:lumOff val="15000"/>
-                  </a:schemeClr>
-                </a:solidFill>
-                <a:latin typeface="+mn-lt"/>
-                <a:ea typeface="+mn-ea"/>
-                <a:cs typeface="+mn-cs"/>
-              </a:defRPr>
-            </a:lvl6pPr>
-            <a:lvl7pPr marL="1900000" indent="-228600" algn="l" defTabSz="914400" rtl="0" eaLnBrk="1" latinLnBrk="0" hangingPunct="1">
-              <a:lnSpc>
-                <a:spcPct val="90000"/>
-              </a:lnSpc>
-              <a:spcBef>
-                <a:spcPts val="300"/>
-              </a:spcBef>
-              <a:spcAft>
-                <a:spcPts val="300"/>
-              </a:spcAft>
-              <a:buClr>
-                <a:schemeClr val="accent1"/>
-              </a:buClr>
-              <a:buFont typeface="Wingdings 2" pitchFamily="18" charset="2"/>
-              <a:buChar char=""/>
-              <a:defRPr sz="1400" kern="1200">
-                <a:solidFill>
-                  <a:schemeClr val="tx1">
-                    <a:lumMod val="85000"/>
-                    <a:lumOff val="15000"/>
-                  </a:schemeClr>
-                </a:solidFill>
-                <a:latin typeface="+mn-lt"/>
-                <a:ea typeface="+mn-ea"/>
-                <a:cs typeface="+mn-cs"/>
-              </a:defRPr>
-            </a:lvl7pPr>
-            <a:lvl8pPr marL="2200000" indent="-228600" algn="l" defTabSz="914400" rtl="0" eaLnBrk="1" latinLnBrk="0" hangingPunct="1">
-              <a:lnSpc>
-                <a:spcPct val="90000"/>
-              </a:lnSpc>
-              <a:spcBef>
-                <a:spcPts val="300"/>
-              </a:spcBef>
-              <a:spcAft>
-                <a:spcPts val="300"/>
-              </a:spcAft>
-              <a:buClr>
-                <a:schemeClr val="accent1"/>
-              </a:buClr>
-              <a:buFont typeface="Wingdings 2" pitchFamily="18" charset="2"/>
-              <a:buChar char=""/>
-              <a:defRPr sz="1400" kern="1200">
-                <a:solidFill>
-                  <a:schemeClr val="tx1">
-                    <a:lumMod val="85000"/>
-                    <a:lumOff val="15000"/>
-                  </a:schemeClr>
-                </a:solidFill>
-                <a:latin typeface="+mn-lt"/>
-                <a:ea typeface="+mn-ea"/>
-                <a:cs typeface="+mn-cs"/>
-              </a:defRPr>
-            </a:lvl8pPr>
-            <a:lvl9pPr marL="2500000" indent="-228600" algn="l" defTabSz="914400" rtl="0" eaLnBrk="1" latinLnBrk="0" hangingPunct="1">
-              <a:lnSpc>
-                <a:spcPct val="90000"/>
-              </a:lnSpc>
-              <a:spcBef>
-                <a:spcPts val="300"/>
-              </a:spcBef>
-              <a:spcAft>
-                <a:spcPts val="300"/>
-              </a:spcAft>
-              <a:buClr>
-                <a:schemeClr val="accent1"/>
-              </a:buClr>
-              <a:buFont typeface="Wingdings 2" pitchFamily="18" charset="2"/>
-              <a:buChar char=""/>
-              <a:defRPr sz="1400" kern="1200">
-                <a:solidFill>
-                  <a:schemeClr val="tx1">
-                    <a:lumMod val="85000"/>
-                    <a:lumOff val="15000"/>
-                  </a:schemeClr>
-                </a:solidFill>
-                <a:latin typeface="+mn-lt"/>
-                <a:ea typeface="+mn-ea"/>
-                <a:cs typeface="+mn-cs"/>
-              </a:defRPr>
-            </a:lvl9pPr>
-          </a:lstStyle>
-          <a:p>
-            <a:pPr marL="0" indent="0" algn="ctr">
-              <a:lnSpc>
-                <a:spcPct val="100000"/>
-              </a:lnSpc>
-              <a:buFont typeface="Arial" pitchFamily="34" charset="0"/>
-              <a:buNone/>
-            </a:pPr>
-            <a:r>
-              <a:rPr lang="en-US" sz="4800" b="1" dirty="0">
-                <a:solidFill>
-                  <a:srgbClr val="FF0000"/>
-                </a:solidFill>
-                <a:latin typeface="Segoe UI" panose="020B0502040204020203" pitchFamily="34" charset="0"/>
-                <a:cs typeface="Segoe UI" panose="020B0502040204020203" pitchFamily="34" charset="0"/>
-              </a:rPr>
-              <a:t>SKIP</a:t>
-            </a:r>
-            <a:endParaRPr lang="ru-RU" sz="4800" b="1" dirty="0">
-              <a:solidFill>
-                <a:srgbClr val="FF0000"/>
-              </a:solidFill>
-              <a:latin typeface="Segoe UI" panose="020B0502040204020203" pitchFamily="34" charset="0"/>
-              <a:cs typeface="Segoe UI" panose="020B0502040204020203" pitchFamily="34" charset="0"/>
-            </a:endParaRPr>
-          </a:p>
-        </p:txBody>
-      </p:sp>
     </p:spTree>
     <p:extLst>
       <p:ext uri="{BB962C8B-B14F-4D97-AF65-F5344CB8AC3E}">
@@ -16269,10 +18455,17 @@
   <p:clrMapOvr>
     <a:masterClrMapping/>
   </p:clrMapOvr>
+  <p:timing>
+    <p:tnLst>
+      <p:par>
+        <p:cTn id="1" dur="indefinite" restart="never" nodeType="tmRoot"/>
+      </p:par>
+    </p:tnLst>
+  </p:timing>
 </p:sld>
 </file>
 
-<file path=ppt/slides/slide25.xml><?xml version="1.0" encoding="utf-8"?>
+<file path=ppt/slides/slide27.xml><?xml version="1.0" encoding="utf-8"?>
 <p:sld xmlns:a="http://schemas.openxmlformats.org/drawingml/2006/main" xmlns:r="http://schemas.openxmlformats.org/officeDocument/2006/relationships" xmlns:p="http://schemas.openxmlformats.org/presentationml/2006/main">
   <p:cSld>
     <p:spTree>
@@ -16350,7 +18543,7 @@
           <a:p>
             <a:fld id="{12AFF886-F040-4FA5-8BD0-0A595B4BDA00}" type="slidenum">
               <a:rPr lang="ru-RU" smtClean="0"/>
-              <a:t>25</a:t>
+              <a:t>27</a:t>
             </a:fld>
             <a:endParaRPr lang="ru-RU"/>
           </a:p>
@@ -16885,7 +19078,7 @@
 </p:sld>
 </file>
 
-<file path=ppt/slides/slide26.xml><?xml version="1.0" encoding="utf-8"?>
+<file path=ppt/slides/slide28.xml><?xml version="1.0" encoding="utf-8"?>
 <p:sld xmlns:a="http://schemas.openxmlformats.org/drawingml/2006/main" xmlns:r="http://schemas.openxmlformats.org/officeDocument/2006/relationships" xmlns:p="http://schemas.openxmlformats.org/presentationml/2006/main">
   <p:cSld>
     <p:spTree>
@@ -16925,7 +19118,7 @@
           <a:p>
             <a:fld id="{12AFF886-F040-4FA5-8BD0-0A595B4BDA00}" type="slidenum">
               <a:rPr lang="ru-RU" smtClean="0"/>
-              <a:t>26</a:t>
+              <a:t>28</a:t>
             </a:fld>
             <a:endParaRPr lang="ru-RU"/>
           </a:p>
@@ -17031,7 +19224,7 @@
 </p:sld>
 </file>
 
-<file path=ppt/slides/slide27.xml><?xml version="1.0" encoding="utf-8"?>
+<file path=ppt/slides/slide29.xml><?xml version="1.0" encoding="utf-8"?>
 <p:sld xmlns:a="http://schemas.openxmlformats.org/drawingml/2006/main" xmlns:r="http://schemas.openxmlformats.org/officeDocument/2006/relationships" xmlns:p="http://schemas.openxmlformats.org/presentationml/2006/main">
   <p:cSld>
     <p:spTree>
@@ -17107,7 +19300,7 @@
           <a:p>
             <a:fld id="{12AFF886-F040-4FA5-8BD0-0A595B4BDA00}" type="slidenum">
               <a:rPr lang="ru-RU" smtClean="0"/>
-              <a:t>27</a:t>
+              <a:t>29</a:t>
             </a:fld>
             <a:endParaRPr lang="ru-RU"/>
           </a:p>
@@ -17521,7 +19714,693 @@
 </p:sld>
 </file>
 
-<file path=ppt/slides/slide28.xml><?xml version="1.0" encoding="utf-8"?>
+<file path=ppt/slides/slide3.xml><?xml version="1.0" encoding="utf-8"?>
+<p:sld xmlns:a="http://schemas.openxmlformats.org/drawingml/2006/main" xmlns:r="http://schemas.openxmlformats.org/officeDocument/2006/relationships" xmlns:p="http://schemas.openxmlformats.org/presentationml/2006/main">
+  <p:cSld>
+    <p:spTree>
+      <p:nvGrpSpPr>
+        <p:cNvPr id="1" name=""/>
+        <p:cNvGrpSpPr/>
+        <p:nvPr/>
+      </p:nvGrpSpPr>
+      <p:grpSpPr>
+        <a:xfrm>
+          <a:off x="0" y="0"/>
+          <a:ext cx="0" cy="0"/>
+          <a:chOff x="0" y="0"/>
+          <a:chExt cx="0" cy="0"/>
+        </a:xfrm>
+      </p:grpSpPr>
+      <p:sp>
+        <p:nvSpPr>
+          <p:cNvPr id="2" name="Заголовок 1">
+            <a:extLst>
+              <a:ext uri="{FF2B5EF4-FFF2-40B4-BE49-F238E27FC236}">
+                <a16:creationId xmlns:a16="http://schemas.microsoft.com/office/drawing/2014/main" id="{8BE826D0-5549-D29A-4886-74267A5EE61A}"/>
+              </a:ext>
+            </a:extLst>
+          </p:cNvPr>
+          <p:cNvSpPr>
+            <a:spLocks noGrp="1"/>
+          </p:cNvSpPr>
+          <p:nvPr>
+            <p:ph type="title"/>
+          </p:nvPr>
+        </p:nvSpPr>
+        <p:spPr>
+          <a:xfrm>
+            <a:off x="155829" y="156210"/>
+            <a:ext cx="7269480" cy="1325562"/>
+          </a:xfrm>
+        </p:spPr>
+        <p:txBody>
+          <a:bodyPr anchor="t"/>
+          <a:lstStyle/>
+          <a:p>
+            <a:r>
+              <a:rPr lang="ru-RU" dirty="0">
+                <a:latin typeface="Segoe UI Semibold" panose="020B0702040204020203" pitchFamily="34" charset="0"/>
+                <a:cs typeface="Segoe UI Semibold" panose="020B0702040204020203" pitchFamily="34" charset="0"/>
+              </a:rPr>
+              <a:t>Актуальность работы</a:t>
+            </a:r>
+          </a:p>
+        </p:txBody>
+      </p:sp>
+      <p:sp>
+        <p:nvSpPr>
+          <p:cNvPr id="4" name="Номер слайда 3">
+            <a:extLst>
+              <a:ext uri="{FF2B5EF4-FFF2-40B4-BE49-F238E27FC236}">
+                <a16:creationId xmlns:a16="http://schemas.microsoft.com/office/drawing/2014/main" id="{8B490247-C3DE-4E64-3994-77CF364D4A23}"/>
+              </a:ext>
+            </a:extLst>
+          </p:cNvPr>
+          <p:cNvSpPr>
+            <a:spLocks noGrp="1"/>
+          </p:cNvSpPr>
+          <p:nvPr>
+            <p:ph type="sldNum" sz="quarter" idx="12"/>
+          </p:nvPr>
+        </p:nvSpPr>
+        <p:spPr/>
+        <p:txBody>
+          <a:bodyPr>
+            <a:normAutofit fontScale="70000" lnSpcReduction="20000"/>
+          </a:bodyPr>
+          <a:lstStyle/>
+          <a:p>
+            <a:fld id="{12AFF886-F040-4FA5-8BD0-0A595B4BDA00}" type="slidenum">
+              <a:rPr lang="ru-RU" smtClean="0"/>
+              <a:t>3</a:t>
+            </a:fld>
+            <a:r>
+              <a:rPr lang="en-US" dirty="0"/>
+              <a:t> /22</a:t>
+            </a:r>
+            <a:endParaRPr lang="ru-RU" dirty="0"/>
+          </a:p>
+        </p:txBody>
+      </p:sp>
+      <p:sp>
+        <p:nvSpPr>
+          <p:cNvPr id="5" name="Объект 2">
+            <a:extLst>
+              <a:ext uri="{FF2B5EF4-FFF2-40B4-BE49-F238E27FC236}">
+                <a16:creationId xmlns:a16="http://schemas.microsoft.com/office/drawing/2014/main" id="{1078F957-4924-CBB4-3C1B-F8E7F971A207}"/>
+              </a:ext>
+            </a:extLst>
+          </p:cNvPr>
+          <p:cNvSpPr txBox="1">
+            <a:spLocks/>
+          </p:cNvSpPr>
+          <p:nvPr/>
+        </p:nvSpPr>
+        <p:spPr>
+          <a:xfrm>
+            <a:off x="474452" y="1009650"/>
+            <a:ext cx="7297948" cy="5692139"/>
+          </a:xfrm>
+          <a:prstGeom prst="rect">
+            <a:avLst/>
+          </a:prstGeom>
+        </p:spPr>
+        <p:txBody>
+          <a:bodyPr vert="horz" lIns="91440" tIns="45720" rIns="91440" bIns="45720" rtlCol="0">
+            <a:normAutofit/>
+          </a:bodyPr>
+          <a:lstStyle>
+            <a:lvl1pPr marL="182880" indent="-182880" algn="l" defTabSz="914400" rtl="0" eaLnBrk="1" latinLnBrk="0" hangingPunct="1">
+              <a:lnSpc>
+                <a:spcPct val="95000"/>
+              </a:lnSpc>
+              <a:spcBef>
+                <a:spcPts val="1400"/>
+              </a:spcBef>
+              <a:spcAft>
+                <a:spcPts val="200"/>
+              </a:spcAft>
+              <a:buClr>
+                <a:schemeClr val="accent1"/>
+              </a:buClr>
+              <a:buSzPct val="80000"/>
+              <a:buFont typeface="Arial" pitchFamily="34" charset="0"/>
+              <a:buChar char="•"/>
+              <a:defRPr sz="1800" kern="1200" spc="10" baseline="0">
+                <a:solidFill>
+                  <a:schemeClr val="tx1"/>
+                </a:solidFill>
+                <a:latin typeface="+mn-lt"/>
+                <a:ea typeface="+mn-ea"/>
+                <a:cs typeface="+mn-cs"/>
+              </a:defRPr>
+            </a:lvl1pPr>
+            <a:lvl2pPr marL="457200" indent="-182880" algn="l" defTabSz="914400" rtl="0" eaLnBrk="1" latinLnBrk="0" hangingPunct="1">
+              <a:lnSpc>
+                <a:spcPct val="90000"/>
+              </a:lnSpc>
+              <a:spcBef>
+                <a:spcPts val="300"/>
+              </a:spcBef>
+              <a:spcAft>
+                <a:spcPts val="300"/>
+              </a:spcAft>
+              <a:buClr>
+                <a:schemeClr val="accent1"/>
+              </a:buClr>
+              <a:buFont typeface="Wingdings 2" pitchFamily="18" charset="2"/>
+              <a:buChar char=""/>
+              <a:defRPr sz="1600" kern="1200">
+                <a:solidFill>
+                  <a:schemeClr val="tx1">
+                    <a:lumMod val="85000"/>
+                    <a:lumOff val="15000"/>
+                  </a:schemeClr>
+                </a:solidFill>
+                <a:latin typeface="+mn-lt"/>
+                <a:ea typeface="+mn-ea"/>
+                <a:cs typeface="+mn-cs"/>
+              </a:defRPr>
+            </a:lvl2pPr>
+            <a:lvl3pPr marL="731520" indent="-182880" algn="l" defTabSz="914400" rtl="0" eaLnBrk="1" latinLnBrk="0" hangingPunct="1">
+              <a:lnSpc>
+                <a:spcPct val="90000"/>
+              </a:lnSpc>
+              <a:spcBef>
+                <a:spcPts val="300"/>
+              </a:spcBef>
+              <a:spcAft>
+                <a:spcPts val="300"/>
+              </a:spcAft>
+              <a:buClr>
+                <a:schemeClr val="accent1"/>
+              </a:buClr>
+              <a:buFont typeface="Wingdings 2" pitchFamily="18" charset="2"/>
+              <a:buChar char=""/>
+              <a:defRPr sz="1400" kern="1200">
+                <a:solidFill>
+                  <a:schemeClr val="tx1">
+                    <a:lumMod val="85000"/>
+                    <a:lumOff val="15000"/>
+                  </a:schemeClr>
+                </a:solidFill>
+                <a:latin typeface="+mn-lt"/>
+                <a:ea typeface="+mn-ea"/>
+                <a:cs typeface="+mn-cs"/>
+              </a:defRPr>
+            </a:lvl3pPr>
+            <a:lvl4pPr marL="1005840" indent="-182880" algn="l" defTabSz="914400" rtl="0" eaLnBrk="1" latinLnBrk="0" hangingPunct="1">
+              <a:lnSpc>
+                <a:spcPct val="90000"/>
+              </a:lnSpc>
+              <a:spcBef>
+                <a:spcPts val="300"/>
+              </a:spcBef>
+              <a:spcAft>
+                <a:spcPts val="300"/>
+              </a:spcAft>
+              <a:buClr>
+                <a:schemeClr val="accent1"/>
+              </a:buClr>
+              <a:buFont typeface="Wingdings 2" pitchFamily="18" charset="2"/>
+              <a:buChar char=""/>
+              <a:defRPr sz="1400" kern="1200">
+                <a:solidFill>
+                  <a:schemeClr val="tx1">
+                    <a:lumMod val="85000"/>
+                    <a:lumOff val="15000"/>
+                  </a:schemeClr>
+                </a:solidFill>
+                <a:latin typeface="+mn-lt"/>
+                <a:ea typeface="+mn-ea"/>
+                <a:cs typeface="+mn-cs"/>
+              </a:defRPr>
+            </a:lvl4pPr>
+            <a:lvl5pPr marL="1280160" indent="-182880" algn="l" defTabSz="914400" rtl="0" eaLnBrk="1" latinLnBrk="0" hangingPunct="1">
+              <a:lnSpc>
+                <a:spcPct val="90000"/>
+              </a:lnSpc>
+              <a:spcBef>
+                <a:spcPts val="300"/>
+              </a:spcBef>
+              <a:spcAft>
+                <a:spcPts val="300"/>
+              </a:spcAft>
+              <a:buClr>
+                <a:schemeClr val="accent1"/>
+              </a:buClr>
+              <a:buFont typeface="Wingdings 2" pitchFamily="18" charset="2"/>
+              <a:buChar char=""/>
+              <a:defRPr sz="1400" kern="1200">
+                <a:solidFill>
+                  <a:schemeClr val="tx1">
+                    <a:lumMod val="85000"/>
+                    <a:lumOff val="15000"/>
+                  </a:schemeClr>
+                </a:solidFill>
+                <a:latin typeface="+mn-lt"/>
+                <a:ea typeface="+mn-ea"/>
+                <a:cs typeface="+mn-cs"/>
+              </a:defRPr>
+            </a:lvl5pPr>
+            <a:lvl6pPr marL="1600000" indent="-228600" algn="l" defTabSz="914400" rtl="0" eaLnBrk="1" latinLnBrk="0" hangingPunct="1">
+              <a:lnSpc>
+                <a:spcPct val="90000"/>
+              </a:lnSpc>
+              <a:spcBef>
+                <a:spcPts val="300"/>
+              </a:spcBef>
+              <a:spcAft>
+                <a:spcPts val="300"/>
+              </a:spcAft>
+              <a:buClr>
+                <a:schemeClr val="accent1"/>
+              </a:buClr>
+              <a:buFont typeface="Wingdings 2" pitchFamily="18" charset="2"/>
+              <a:buChar char=""/>
+              <a:defRPr sz="1400" kern="1200">
+                <a:solidFill>
+                  <a:schemeClr val="tx1">
+                    <a:lumMod val="85000"/>
+                    <a:lumOff val="15000"/>
+                  </a:schemeClr>
+                </a:solidFill>
+                <a:latin typeface="+mn-lt"/>
+                <a:ea typeface="+mn-ea"/>
+                <a:cs typeface="+mn-cs"/>
+              </a:defRPr>
+            </a:lvl6pPr>
+            <a:lvl7pPr marL="1900000" indent="-228600" algn="l" defTabSz="914400" rtl="0" eaLnBrk="1" latinLnBrk="0" hangingPunct="1">
+              <a:lnSpc>
+                <a:spcPct val="90000"/>
+              </a:lnSpc>
+              <a:spcBef>
+                <a:spcPts val="300"/>
+              </a:spcBef>
+              <a:spcAft>
+                <a:spcPts val="300"/>
+              </a:spcAft>
+              <a:buClr>
+                <a:schemeClr val="accent1"/>
+              </a:buClr>
+              <a:buFont typeface="Wingdings 2" pitchFamily="18" charset="2"/>
+              <a:buChar char=""/>
+              <a:defRPr sz="1400" kern="1200">
+                <a:solidFill>
+                  <a:schemeClr val="tx1">
+                    <a:lumMod val="85000"/>
+                    <a:lumOff val="15000"/>
+                  </a:schemeClr>
+                </a:solidFill>
+                <a:latin typeface="+mn-lt"/>
+                <a:ea typeface="+mn-ea"/>
+                <a:cs typeface="+mn-cs"/>
+              </a:defRPr>
+            </a:lvl7pPr>
+            <a:lvl8pPr marL="2200000" indent="-228600" algn="l" defTabSz="914400" rtl="0" eaLnBrk="1" latinLnBrk="0" hangingPunct="1">
+              <a:lnSpc>
+                <a:spcPct val="90000"/>
+              </a:lnSpc>
+              <a:spcBef>
+                <a:spcPts val="300"/>
+              </a:spcBef>
+              <a:spcAft>
+                <a:spcPts val="300"/>
+              </a:spcAft>
+              <a:buClr>
+                <a:schemeClr val="accent1"/>
+              </a:buClr>
+              <a:buFont typeface="Wingdings 2" pitchFamily="18" charset="2"/>
+              <a:buChar char=""/>
+              <a:defRPr sz="1400" kern="1200">
+                <a:solidFill>
+                  <a:schemeClr val="tx1">
+                    <a:lumMod val="85000"/>
+                    <a:lumOff val="15000"/>
+                  </a:schemeClr>
+                </a:solidFill>
+                <a:latin typeface="+mn-lt"/>
+                <a:ea typeface="+mn-ea"/>
+                <a:cs typeface="+mn-cs"/>
+              </a:defRPr>
+            </a:lvl8pPr>
+            <a:lvl9pPr marL="2500000" indent="-228600" algn="l" defTabSz="914400" rtl="0" eaLnBrk="1" latinLnBrk="0" hangingPunct="1">
+              <a:lnSpc>
+                <a:spcPct val="90000"/>
+              </a:lnSpc>
+              <a:spcBef>
+                <a:spcPts val="300"/>
+              </a:spcBef>
+              <a:spcAft>
+                <a:spcPts val="300"/>
+              </a:spcAft>
+              <a:buClr>
+                <a:schemeClr val="accent1"/>
+              </a:buClr>
+              <a:buFont typeface="Wingdings 2" pitchFamily="18" charset="2"/>
+              <a:buChar char=""/>
+              <a:defRPr sz="1400" kern="1200">
+                <a:solidFill>
+                  <a:schemeClr val="tx1">
+                    <a:lumMod val="85000"/>
+                    <a:lumOff val="15000"/>
+                  </a:schemeClr>
+                </a:solidFill>
+                <a:latin typeface="+mn-lt"/>
+                <a:ea typeface="+mn-ea"/>
+                <a:cs typeface="+mn-cs"/>
+              </a:defRPr>
+            </a:lvl9pPr>
+          </a:lstStyle>
+          <a:p>
+            <a:pPr marL="0" indent="0">
+              <a:lnSpc>
+                <a:spcPct val="100000"/>
+              </a:lnSpc>
+              <a:spcBef>
+                <a:spcPts val="600"/>
+              </a:spcBef>
+              <a:spcAft>
+                <a:spcPts val="0"/>
+              </a:spcAft>
+              <a:buNone/>
+            </a:pPr>
+            <a:r>
+              <a:rPr lang="ru-RU" dirty="0" smtClean="0">
+                <a:latin typeface="Segoe UI" panose="020B0502040204020203" pitchFamily="34" charset="0"/>
+                <a:cs typeface="Segoe UI" panose="020B0502040204020203" pitchFamily="34" charset="0"/>
+              </a:rPr>
+              <a:t>Исследование и компенсация нелинейных искажений снова актуальны по ряду причин</a:t>
+            </a:r>
+          </a:p>
+          <a:p>
+            <a:pPr>
+              <a:lnSpc>
+                <a:spcPct val="100000"/>
+              </a:lnSpc>
+              <a:spcBef>
+                <a:spcPts val="600"/>
+              </a:spcBef>
+              <a:spcAft>
+                <a:spcPts val="0"/>
+              </a:spcAft>
+            </a:pPr>
+            <a:r>
+              <a:rPr lang="ru-RU" dirty="0" smtClean="0">
+                <a:latin typeface="Segoe UI" panose="020B0502040204020203" pitchFamily="34" charset="0"/>
+                <a:cs typeface="Segoe UI" panose="020B0502040204020203" pitchFamily="34" charset="0"/>
+              </a:rPr>
+              <a:t>Переход в миллиметровый диапазон длин волн, где технологии менее совершенные по сравнению с более низкими частотами</a:t>
+            </a:r>
+          </a:p>
+          <a:p>
+            <a:pPr lvl="1">
+              <a:lnSpc>
+                <a:spcPct val="100000"/>
+              </a:lnSpc>
+              <a:spcBef>
+                <a:spcPts val="600"/>
+              </a:spcBef>
+              <a:spcAft>
+                <a:spcPts val="0"/>
+              </a:spcAft>
+            </a:pPr>
+            <a:r>
+              <a:rPr lang="ru-RU" dirty="0">
+                <a:latin typeface="Segoe UI" panose="020B0502040204020203" pitchFamily="34" charset="0"/>
+                <a:cs typeface="Segoe UI" panose="020B0502040204020203" pitchFamily="34" charset="0"/>
+              </a:rPr>
+              <a:t>Поддержка несущих частот до 52.6 ГГц в релизах 15, 16 стандарта </a:t>
+            </a:r>
+            <a:r>
+              <a:rPr lang="en-GB" dirty="0">
+                <a:latin typeface="Segoe UI" panose="020B0502040204020203" pitchFamily="34" charset="0"/>
+                <a:cs typeface="Segoe UI" panose="020B0502040204020203" pitchFamily="34" charset="0"/>
+              </a:rPr>
+              <a:t>5G</a:t>
+            </a:r>
+            <a:r>
+              <a:rPr lang="ru-RU" dirty="0">
+                <a:latin typeface="Segoe UI" panose="020B0502040204020203" pitchFamily="34" charset="0"/>
+                <a:cs typeface="Segoe UI" panose="020B0502040204020203" pitchFamily="34" charset="0"/>
+              </a:rPr>
+              <a:t>, расширение диапазона </a:t>
+            </a:r>
+            <a:r>
+              <a:rPr lang="en-GB" dirty="0">
+                <a:latin typeface="Segoe UI" panose="020B0502040204020203" pitchFamily="34" charset="0"/>
+                <a:cs typeface="Segoe UI" panose="020B0502040204020203" pitchFamily="34" charset="0"/>
+              </a:rPr>
+              <a:t>FR2 </a:t>
+            </a:r>
+            <a:r>
+              <a:rPr lang="ru-RU" dirty="0">
+                <a:latin typeface="Segoe UI" panose="020B0502040204020203" pitchFamily="34" charset="0"/>
+                <a:cs typeface="Segoe UI" panose="020B0502040204020203" pitchFamily="34" charset="0"/>
+              </a:rPr>
+              <a:t>до</a:t>
+            </a:r>
+            <a:r>
+              <a:rPr lang="en-US" dirty="0">
+                <a:latin typeface="Segoe UI" panose="020B0502040204020203" pitchFamily="34" charset="0"/>
+                <a:cs typeface="Segoe UI" panose="020B0502040204020203" pitchFamily="34" charset="0"/>
+              </a:rPr>
+              <a:t> 114</a:t>
+            </a:r>
+            <a:r>
+              <a:rPr lang="ru-RU" dirty="0">
+                <a:latin typeface="Segoe UI" panose="020B0502040204020203" pitchFamily="34" charset="0"/>
+                <a:cs typeface="Segoe UI" panose="020B0502040204020203" pitchFamily="34" charset="0"/>
+              </a:rPr>
+              <a:t> </a:t>
+            </a:r>
+            <a:r>
+              <a:rPr lang="ru-RU" dirty="0" smtClean="0">
+                <a:latin typeface="Segoe UI" panose="020B0502040204020203" pitchFamily="34" charset="0"/>
+                <a:cs typeface="Segoe UI" panose="020B0502040204020203" pitchFamily="34" charset="0"/>
+              </a:rPr>
+              <a:t>ГГц</a:t>
+            </a:r>
+          </a:p>
+          <a:p>
+            <a:pPr marL="274320" lvl="1" indent="0">
+              <a:lnSpc>
+                <a:spcPct val="100000"/>
+              </a:lnSpc>
+              <a:spcBef>
+                <a:spcPts val="600"/>
+              </a:spcBef>
+              <a:spcAft>
+                <a:spcPts val="0"/>
+              </a:spcAft>
+              <a:buNone/>
+            </a:pPr>
+            <a:endParaRPr lang="ru-RU" dirty="0" smtClean="0">
+              <a:latin typeface="Segoe UI" panose="020B0502040204020203" pitchFamily="34" charset="0"/>
+              <a:cs typeface="Segoe UI" panose="020B0502040204020203" pitchFamily="34" charset="0"/>
+            </a:endParaRPr>
+          </a:p>
+          <a:p>
+            <a:pPr>
+              <a:lnSpc>
+                <a:spcPct val="100000"/>
+              </a:lnSpc>
+              <a:spcBef>
+                <a:spcPts val="600"/>
+              </a:spcBef>
+              <a:spcAft>
+                <a:spcPts val="0"/>
+              </a:spcAft>
+            </a:pPr>
+            <a:r>
+              <a:rPr lang="ru-RU" dirty="0" smtClean="0">
+                <a:latin typeface="Segoe UI" panose="020B0502040204020203" pitchFamily="34" charset="0"/>
+                <a:cs typeface="Segoe UI" panose="020B0502040204020203" pitchFamily="34" charset="0"/>
+              </a:rPr>
+              <a:t>Введение Интернета Вещей (</a:t>
+            </a:r>
+            <a:r>
+              <a:rPr lang="en-US" dirty="0" err="1" smtClean="0">
+                <a:latin typeface="Segoe UI" panose="020B0502040204020203" pitchFamily="34" charset="0"/>
+                <a:cs typeface="Segoe UI" panose="020B0502040204020203" pitchFamily="34" charset="0"/>
+              </a:rPr>
+              <a:t>IoT</a:t>
+            </a:r>
+            <a:r>
+              <a:rPr lang="ru-RU" dirty="0" smtClean="0">
+                <a:latin typeface="Segoe UI" panose="020B0502040204020203" pitchFamily="34" charset="0"/>
+                <a:cs typeface="Segoe UI" panose="020B0502040204020203" pitchFamily="34" charset="0"/>
+              </a:rPr>
+              <a:t>)</a:t>
+            </a:r>
+            <a:r>
+              <a:rPr lang="en-US" dirty="0" smtClean="0">
+                <a:latin typeface="Segoe UI" panose="020B0502040204020203" pitchFamily="34" charset="0"/>
+                <a:cs typeface="Segoe UI" panose="020B0502040204020203" pitchFamily="34" charset="0"/>
+              </a:rPr>
+              <a:t> </a:t>
+            </a:r>
+            <a:r>
+              <a:rPr lang="ru-RU" dirty="0" smtClean="0">
+                <a:latin typeface="Segoe UI" panose="020B0502040204020203" pitchFamily="34" charset="0"/>
+                <a:cs typeface="Segoe UI" panose="020B0502040204020203" pitchFamily="34" charset="0"/>
+              </a:rPr>
+              <a:t>в мобильной системе связи </a:t>
+            </a:r>
+            <a:r>
+              <a:rPr lang="en-US" dirty="0" smtClean="0">
+                <a:latin typeface="Segoe UI" panose="020B0502040204020203" pitchFamily="34" charset="0"/>
+                <a:cs typeface="Segoe UI" panose="020B0502040204020203" pitchFamily="34" charset="0"/>
+              </a:rPr>
+              <a:t>5G New Radio</a:t>
+            </a:r>
+            <a:endParaRPr lang="ru-RU" dirty="0" smtClean="0">
+              <a:latin typeface="Segoe UI" panose="020B0502040204020203" pitchFamily="34" charset="0"/>
+              <a:cs typeface="Segoe UI" panose="020B0502040204020203" pitchFamily="34" charset="0"/>
+            </a:endParaRPr>
+          </a:p>
+          <a:p>
+            <a:pPr lvl="1">
+              <a:lnSpc>
+                <a:spcPct val="100000"/>
+              </a:lnSpc>
+              <a:spcBef>
+                <a:spcPts val="600"/>
+              </a:spcBef>
+              <a:spcAft>
+                <a:spcPts val="0"/>
+              </a:spcAft>
+            </a:pPr>
+            <a:r>
+              <a:rPr lang="ru-RU" dirty="0">
+                <a:latin typeface="Segoe UI" panose="020B0502040204020203" pitchFamily="34" charset="0"/>
+                <a:cs typeface="Segoe UI" panose="020B0502040204020203" pitchFamily="34" charset="0"/>
+              </a:rPr>
+              <a:t>Количество подключенных «умных» устройств в 2018 году – 8 млрд, в 2021 – 12 млрд</a:t>
+            </a:r>
+            <a:r>
+              <a:rPr lang="ru-RU" dirty="0" smtClean="0">
+                <a:latin typeface="Segoe UI" panose="020B0502040204020203" pitchFamily="34" charset="0"/>
+                <a:cs typeface="Segoe UI" panose="020B0502040204020203" pitchFamily="34" charset="0"/>
+              </a:rPr>
+              <a:t>.</a:t>
+            </a:r>
+          </a:p>
+          <a:p>
+            <a:pPr lvl="1">
+              <a:lnSpc>
+                <a:spcPct val="100000"/>
+              </a:lnSpc>
+              <a:spcBef>
+                <a:spcPts val="600"/>
+              </a:spcBef>
+              <a:spcAft>
+                <a:spcPts val="0"/>
+              </a:spcAft>
+            </a:pPr>
+            <a:r>
+              <a:rPr lang="ru-RU" dirty="0" smtClean="0">
+                <a:latin typeface="Segoe UI" panose="020B0502040204020203" pitchFamily="34" charset="0"/>
+                <a:cs typeface="Segoe UI" panose="020B0502040204020203" pitchFamily="34" charset="0"/>
+              </a:rPr>
+              <a:t>Передающие </a:t>
+            </a:r>
+            <a:r>
+              <a:rPr lang="ru-RU" dirty="0">
+                <a:latin typeface="Segoe UI" panose="020B0502040204020203" pitchFamily="34" charset="0"/>
+                <a:cs typeface="Segoe UI" panose="020B0502040204020203" pitchFamily="34" charset="0"/>
+              </a:rPr>
+              <a:t>устройства – датчики, сенсоры должны быть эффективны, необходимо уменьшить количество сигнальной обработки на передатчиках и выполнять компенсацию на приемнике</a:t>
+            </a:r>
+          </a:p>
+          <a:p>
+            <a:pPr marL="0" indent="0">
+              <a:lnSpc>
+                <a:spcPct val="100000"/>
+              </a:lnSpc>
+              <a:spcBef>
+                <a:spcPts val="600"/>
+              </a:spcBef>
+              <a:spcAft>
+                <a:spcPts val="0"/>
+              </a:spcAft>
+              <a:buNone/>
+            </a:pPr>
+            <a:endParaRPr lang="ru-RU" dirty="0" smtClean="0">
+              <a:latin typeface="Segoe UI" panose="020B0502040204020203" pitchFamily="34" charset="0"/>
+              <a:cs typeface="Segoe UI" panose="020B0502040204020203" pitchFamily="34" charset="0"/>
+            </a:endParaRPr>
+          </a:p>
+        </p:txBody>
+      </p:sp>
+      <p:pic>
+        <p:nvPicPr>
+          <p:cNvPr id="1026" name="Picture 2" descr="3GPP – 5G-Xcast">
+            <a:extLst>
+              <a:ext uri="{FF2B5EF4-FFF2-40B4-BE49-F238E27FC236}">
+                <a16:creationId xmlns:a16="http://schemas.microsoft.com/office/drawing/2014/main" id="{D9628AE1-9B16-9CD6-7C5B-9910A86504C2}"/>
+              </a:ext>
+            </a:extLst>
+          </p:cNvPr>
+          <p:cNvPicPr>
+            <a:picLocks noChangeAspect="1" noChangeArrowheads="1"/>
+          </p:cNvPicPr>
+          <p:nvPr/>
+        </p:nvPicPr>
+        <p:blipFill>
+          <a:blip r:embed="rId2" cstate="print">
+            <a:extLst>
+              <a:ext uri="{28A0092B-C50C-407E-A947-70E740481C1C}">
+                <a14:useLocalDpi xmlns:a14="http://schemas.microsoft.com/office/drawing/2010/main" val="0"/>
+              </a:ext>
+            </a:extLst>
+          </a:blip>
+          <a:srcRect/>
+          <a:stretch>
+            <a:fillRect/>
+          </a:stretch>
+        </p:blipFill>
+        <p:spPr bwMode="auto">
+          <a:xfrm>
+            <a:off x="2943405" y="5300026"/>
+            <a:ext cx="3294228" cy="1401763"/>
+          </a:xfrm>
+          <a:prstGeom prst="rect">
+            <a:avLst/>
+          </a:prstGeom>
+          <a:noFill/>
+          <a:extLst>
+            <a:ext uri="{909E8E84-426E-40DD-AFC4-6F175D3DCCD1}">
+              <a14:hiddenFill xmlns:a14="http://schemas.microsoft.com/office/drawing/2010/main">
+                <a:solidFill>
+                  <a:srgbClr val="FFFFFF"/>
+                </a:solidFill>
+              </a14:hiddenFill>
+            </a:ext>
+          </a:extLst>
+        </p:spPr>
+      </p:pic>
+    </p:spTree>
+    <p:extLst>
+      <p:ext uri="{BB962C8B-B14F-4D97-AF65-F5344CB8AC3E}">
+        <p14:creationId xmlns:p14="http://schemas.microsoft.com/office/powerpoint/2010/main" val="1248343726"/>
+      </p:ext>
+    </p:extLst>
+  </p:cSld>
+  <p:clrMapOvr>
+    <a:masterClrMapping/>
+  </p:clrMapOvr>
+  <p:timing>
+    <p:tnLst>
+      <p:par>
+        <p:cTn id="1" dur="indefinite" restart="never" nodeType="tmRoot"/>
+      </p:par>
+    </p:tnLst>
+  </p:timing>
+</p:sld>
+</file>
+
+<file path=ppt/slides/slide30.xml><?xml version="1.0" encoding="utf-8"?>
 <p:sld xmlns:a="http://schemas.openxmlformats.org/drawingml/2006/main" xmlns:r="http://schemas.openxmlformats.org/officeDocument/2006/relationships" xmlns:p="http://schemas.openxmlformats.org/presentationml/2006/main">
   <p:cSld>
     <p:spTree>
@@ -17597,7 +20476,7 @@
           <a:p>
             <a:fld id="{12AFF886-F040-4FA5-8BD0-0A595B4BDA00}" type="slidenum">
               <a:rPr lang="ru-RU" smtClean="0"/>
-              <a:t>28</a:t>
+              <a:t>30</a:t>
             </a:fld>
             <a:endParaRPr lang="ru-RU"/>
           </a:p>
@@ -18011,7 +20890,7 @@
 </p:sld>
 </file>
 
-<file path=ppt/slides/slide29.xml><?xml version="1.0" encoding="utf-8"?>
+<file path=ppt/slides/slide31.xml><?xml version="1.0" encoding="utf-8"?>
 <p:sld xmlns:a="http://schemas.openxmlformats.org/drawingml/2006/main" xmlns:r="http://schemas.openxmlformats.org/officeDocument/2006/relationships" xmlns:p="http://schemas.openxmlformats.org/presentationml/2006/main">
   <p:cSld>
     <p:spTree>
@@ -18087,7 +20966,7 @@
           <a:p>
             <a:fld id="{12AFF886-F040-4FA5-8BD0-0A595B4BDA00}" type="slidenum">
               <a:rPr lang="ru-RU" smtClean="0"/>
-              <a:t>29</a:t>
+              <a:t>31</a:t>
             </a:fld>
             <a:endParaRPr lang="ru-RU"/>
           </a:p>
@@ -18522,611 +21401,7 @@
 </p:sld>
 </file>
 
-<file path=ppt/slides/slide3.xml><?xml version="1.0" encoding="utf-8"?>
-<p:sld xmlns:a="http://schemas.openxmlformats.org/drawingml/2006/main" xmlns:r="http://schemas.openxmlformats.org/officeDocument/2006/relationships" xmlns:p="http://schemas.openxmlformats.org/presentationml/2006/main">
-  <p:cSld>
-    <p:spTree>
-      <p:nvGrpSpPr>
-        <p:cNvPr id="1" name=""/>
-        <p:cNvGrpSpPr/>
-        <p:nvPr/>
-      </p:nvGrpSpPr>
-      <p:grpSpPr>
-        <a:xfrm>
-          <a:off x="0" y="0"/>
-          <a:ext cx="0" cy="0"/>
-          <a:chOff x="0" y="0"/>
-          <a:chExt cx="0" cy="0"/>
-        </a:xfrm>
-      </p:grpSpPr>
-      <p:sp>
-        <p:nvSpPr>
-          <p:cNvPr id="2" name="Заголовок 1">
-            <a:extLst>
-              <a:ext uri="{FF2B5EF4-FFF2-40B4-BE49-F238E27FC236}">
-                <a16:creationId xmlns:a16="http://schemas.microsoft.com/office/drawing/2014/main" id="{8BE826D0-5549-D29A-4886-74267A5EE61A}"/>
-              </a:ext>
-            </a:extLst>
-          </p:cNvPr>
-          <p:cNvSpPr>
-            <a:spLocks noGrp="1"/>
-          </p:cNvSpPr>
-          <p:nvPr>
-            <p:ph type="title"/>
-          </p:nvPr>
-        </p:nvSpPr>
-        <p:spPr>
-          <a:xfrm>
-            <a:off x="155829" y="156210"/>
-            <a:ext cx="7269480" cy="1325562"/>
-          </a:xfrm>
-        </p:spPr>
-        <p:txBody>
-          <a:bodyPr anchor="t"/>
-          <a:lstStyle/>
-          <a:p>
-            <a:r>
-              <a:rPr lang="ru-RU" dirty="0">
-                <a:latin typeface="Segoe UI Semibold" panose="020B0702040204020203" pitchFamily="34" charset="0"/>
-                <a:cs typeface="Segoe UI Semibold" panose="020B0702040204020203" pitchFamily="34" charset="0"/>
-              </a:rPr>
-              <a:t>Актуальность работы</a:t>
-            </a:r>
-          </a:p>
-        </p:txBody>
-      </p:sp>
-      <p:sp>
-        <p:nvSpPr>
-          <p:cNvPr id="4" name="Номер слайда 3">
-            <a:extLst>
-              <a:ext uri="{FF2B5EF4-FFF2-40B4-BE49-F238E27FC236}">
-                <a16:creationId xmlns:a16="http://schemas.microsoft.com/office/drawing/2014/main" id="{8B490247-C3DE-4E64-3994-77CF364D4A23}"/>
-              </a:ext>
-            </a:extLst>
-          </p:cNvPr>
-          <p:cNvSpPr>
-            <a:spLocks noGrp="1"/>
-          </p:cNvSpPr>
-          <p:nvPr>
-            <p:ph type="sldNum" sz="quarter" idx="12"/>
-          </p:nvPr>
-        </p:nvSpPr>
-        <p:spPr/>
-        <p:txBody>
-          <a:bodyPr>
-            <a:normAutofit fontScale="70000" lnSpcReduction="20000"/>
-          </a:bodyPr>
-          <a:lstStyle/>
-          <a:p>
-            <a:fld id="{12AFF886-F040-4FA5-8BD0-0A595B4BDA00}" type="slidenum">
-              <a:rPr lang="ru-RU" smtClean="0"/>
-              <a:t>3</a:t>
-            </a:fld>
-            <a:r>
-              <a:rPr lang="en-US" dirty="0"/>
-              <a:t> /22</a:t>
-            </a:r>
-            <a:endParaRPr lang="ru-RU" dirty="0"/>
-          </a:p>
-        </p:txBody>
-      </p:sp>
-      <p:sp>
-        <p:nvSpPr>
-          <p:cNvPr id="5" name="Объект 2">
-            <a:extLst>
-              <a:ext uri="{FF2B5EF4-FFF2-40B4-BE49-F238E27FC236}">
-                <a16:creationId xmlns:a16="http://schemas.microsoft.com/office/drawing/2014/main" id="{1078F957-4924-CBB4-3C1B-F8E7F971A207}"/>
-              </a:ext>
-            </a:extLst>
-          </p:cNvPr>
-          <p:cNvSpPr txBox="1">
-            <a:spLocks/>
-          </p:cNvSpPr>
-          <p:nvPr/>
-        </p:nvSpPr>
-        <p:spPr>
-          <a:xfrm>
-            <a:off x="333375" y="1009650"/>
-            <a:ext cx="6969125" cy="5692139"/>
-          </a:xfrm>
-          <a:prstGeom prst="rect">
-            <a:avLst/>
-          </a:prstGeom>
-        </p:spPr>
-        <p:txBody>
-          <a:bodyPr vert="horz" lIns="91440" tIns="45720" rIns="91440" bIns="45720" rtlCol="0">
-            <a:normAutofit/>
-          </a:bodyPr>
-          <a:lstStyle>
-            <a:lvl1pPr marL="182880" indent="-182880" algn="l" defTabSz="914400" rtl="0" eaLnBrk="1" latinLnBrk="0" hangingPunct="1">
-              <a:lnSpc>
-                <a:spcPct val="95000"/>
-              </a:lnSpc>
-              <a:spcBef>
-                <a:spcPts val="1400"/>
-              </a:spcBef>
-              <a:spcAft>
-                <a:spcPts val="200"/>
-              </a:spcAft>
-              <a:buClr>
-                <a:schemeClr val="accent1"/>
-              </a:buClr>
-              <a:buSzPct val="80000"/>
-              <a:buFont typeface="Arial" pitchFamily="34" charset="0"/>
-              <a:buChar char="•"/>
-              <a:defRPr sz="1800" kern="1200" spc="10" baseline="0">
-                <a:solidFill>
-                  <a:schemeClr val="tx1"/>
-                </a:solidFill>
-                <a:latin typeface="+mn-lt"/>
-                <a:ea typeface="+mn-ea"/>
-                <a:cs typeface="+mn-cs"/>
-              </a:defRPr>
-            </a:lvl1pPr>
-            <a:lvl2pPr marL="457200" indent="-182880" algn="l" defTabSz="914400" rtl="0" eaLnBrk="1" latinLnBrk="0" hangingPunct="1">
-              <a:lnSpc>
-                <a:spcPct val="90000"/>
-              </a:lnSpc>
-              <a:spcBef>
-                <a:spcPts val="300"/>
-              </a:spcBef>
-              <a:spcAft>
-                <a:spcPts val="300"/>
-              </a:spcAft>
-              <a:buClr>
-                <a:schemeClr val="accent1"/>
-              </a:buClr>
-              <a:buFont typeface="Wingdings 2" pitchFamily="18" charset="2"/>
-              <a:buChar char=""/>
-              <a:defRPr sz="1600" kern="1200">
-                <a:solidFill>
-                  <a:schemeClr val="tx1">
-                    <a:lumMod val="85000"/>
-                    <a:lumOff val="15000"/>
-                  </a:schemeClr>
-                </a:solidFill>
-                <a:latin typeface="+mn-lt"/>
-                <a:ea typeface="+mn-ea"/>
-                <a:cs typeface="+mn-cs"/>
-              </a:defRPr>
-            </a:lvl2pPr>
-            <a:lvl3pPr marL="731520" indent="-182880" algn="l" defTabSz="914400" rtl="0" eaLnBrk="1" latinLnBrk="0" hangingPunct="1">
-              <a:lnSpc>
-                <a:spcPct val="90000"/>
-              </a:lnSpc>
-              <a:spcBef>
-                <a:spcPts val="300"/>
-              </a:spcBef>
-              <a:spcAft>
-                <a:spcPts val="300"/>
-              </a:spcAft>
-              <a:buClr>
-                <a:schemeClr val="accent1"/>
-              </a:buClr>
-              <a:buFont typeface="Wingdings 2" pitchFamily="18" charset="2"/>
-              <a:buChar char=""/>
-              <a:defRPr sz="1400" kern="1200">
-                <a:solidFill>
-                  <a:schemeClr val="tx1">
-                    <a:lumMod val="85000"/>
-                    <a:lumOff val="15000"/>
-                  </a:schemeClr>
-                </a:solidFill>
-                <a:latin typeface="+mn-lt"/>
-                <a:ea typeface="+mn-ea"/>
-                <a:cs typeface="+mn-cs"/>
-              </a:defRPr>
-            </a:lvl3pPr>
-            <a:lvl4pPr marL="1005840" indent="-182880" algn="l" defTabSz="914400" rtl="0" eaLnBrk="1" latinLnBrk="0" hangingPunct="1">
-              <a:lnSpc>
-                <a:spcPct val="90000"/>
-              </a:lnSpc>
-              <a:spcBef>
-                <a:spcPts val="300"/>
-              </a:spcBef>
-              <a:spcAft>
-                <a:spcPts val="300"/>
-              </a:spcAft>
-              <a:buClr>
-                <a:schemeClr val="accent1"/>
-              </a:buClr>
-              <a:buFont typeface="Wingdings 2" pitchFamily="18" charset="2"/>
-              <a:buChar char=""/>
-              <a:defRPr sz="1400" kern="1200">
-                <a:solidFill>
-                  <a:schemeClr val="tx1">
-                    <a:lumMod val="85000"/>
-                    <a:lumOff val="15000"/>
-                  </a:schemeClr>
-                </a:solidFill>
-                <a:latin typeface="+mn-lt"/>
-                <a:ea typeface="+mn-ea"/>
-                <a:cs typeface="+mn-cs"/>
-              </a:defRPr>
-            </a:lvl4pPr>
-            <a:lvl5pPr marL="1280160" indent="-182880" algn="l" defTabSz="914400" rtl="0" eaLnBrk="1" latinLnBrk="0" hangingPunct="1">
-              <a:lnSpc>
-                <a:spcPct val="90000"/>
-              </a:lnSpc>
-              <a:spcBef>
-                <a:spcPts val="300"/>
-              </a:spcBef>
-              <a:spcAft>
-                <a:spcPts val="300"/>
-              </a:spcAft>
-              <a:buClr>
-                <a:schemeClr val="accent1"/>
-              </a:buClr>
-              <a:buFont typeface="Wingdings 2" pitchFamily="18" charset="2"/>
-              <a:buChar char=""/>
-              <a:defRPr sz="1400" kern="1200">
-                <a:solidFill>
-                  <a:schemeClr val="tx1">
-                    <a:lumMod val="85000"/>
-                    <a:lumOff val="15000"/>
-                  </a:schemeClr>
-                </a:solidFill>
-                <a:latin typeface="+mn-lt"/>
-                <a:ea typeface="+mn-ea"/>
-                <a:cs typeface="+mn-cs"/>
-              </a:defRPr>
-            </a:lvl5pPr>
-            <a:lvl6pPr marL="1600000" indent="-228600" algn="l" defTabSz="914400" rtl="0" eaLnBrk="1" latinLnBrk="0" hangingPunct="1">
-              <a:lnSpc>
-                <a:spcPct val="90000"/>
-              </a:lnSpc>
-              <a:spcBef>
-                <a:spcPts val="300"/>
-              </a:spcBef>
-              <a:spcAft>
-                <a:spcPts val="300"/>
-              </a:spcAft>
-              <a:buClr>
-                <a:schemeClr val="accent1"/>
-              </a:buClr>
-              <a:buFont typeface="Wingdings 2" pitchFamily="18" charset="2"/>
-              <a:buChar char=""/>
-              <a:defRPr sz="1400" kern="1200">
-                <a:solidFill>
-                  <a:schemeClr val="tx1">
-                    <a:lumMod val="85000"/>
-                    <a:lumOff val="15000"/>
-                  </a:schemeClr>
-                </a:solidFill>
-                <a:latin typeface="+mn-lt"/>
-                <a:ea typeface="+mn-ea"/>
-                <a:cs typeface="+mn-cs"/>
-              </a:defRPr>
-            </a:lvl6pPr>
-            <a:lvl7pPr marL="1900000" indent="-228600" algn="l" defTabSz="914400" rtl="0" eaLnBrk="1" latinLnBrk="0" hangingPunct="1">
-              <a:lnSpc>
-                <a:spcPct val="90000"/>
-              </a:lnSpc>
-              <a:spcBef>
-                <a:spcPts val="300"/>
-              </a:spcBef>
-              <a:spcAft>
-                <a:spcPts val="300"/>
-              </a:spcAft>
-              <a:buClr>
-                <a:schemeClr val="accent1"/>
-              </a:buClr>
-              <a:buFont typeface="Wingdings 2" pitchFamily="18" charset="2"/>
-              <a:buChar char=""/>
-              <a:defRPr sz="1400" kern="1200">
-                <a:solidFill>
-                  <a:schemeClr val="tx1">
-                    <a:lumMod val="85000"/>
-                    <a:lumOff val="15000"/>
-                  </a:schemeClr>
-                </a:solidFill>
-                <a:latin typeface="+mn-lt"/>
-                <a:ea typeface="+mn-ea"/>
-                <a:cs typeface="+mn-cs"/>
-              </a:defRPr>
-            </a:lvl7pPr>
-            <a:lvl8pPr marL="2200000" indent="-228600" algn="l" defTabSz="914400" rtl="0" eaLnBrk="1" latinLnBrk="0" hangingPunct="1">
-              <a:lnSpc>
-                <a:spcPct val="90000"/>
-              </a:lnSpc>
-              <a:spcBef>
-                <a:spcPts val="300"/>
-              </a:spcBef>
-              <a:spcAft>
-                <a:spcPts val="300"/>
-              </a:spcAft>
-              <a:buClr>
-                <a:schemeClr val="accent1"/>
-              </a:buClr>
-              <a:buFont typeface="Wingdings 2" pitchFamily="18" charset="2"/>
-              <a:buChar char=""/>
-              <a:defRPr sz="1400" kern="1200">
-                <a:solidFill>
-                  <a:schemeClr val="tx1">
-                    <a:lumMod val="85000"/>
-                    <a:lumOff val="15000"/>
-                  </a:schemeClr>
-                </a:solidFill>
-                <a:latin typeface="+mn-lt"/>
-                <a:ea typeface="+mn-ea"/>
-                <a:cs typeface="+mn-cs"/>
-              </a:defRPr>
-            </a:lvl8pPr>
-            <a:lvl9pPr marL="2500000" indent="-228600" algn="l" defTabSz="914400" rtl="0" eaLnBrk="1" latinLnBrk="0" hangingPunct="1">
-              <a:lnSpc>
-                <a:spcPct val="90000"/>
-              </a:lnSpc>
-              <a:spcBef>
-                <a:spcPts val="300"/>
-              </a:spcBef>
-              <a:spcAft>
-                <a:spcPts val="300"/>
-              </a:spcAft>
-              <a:buClr>
-                <a:schemeClr val="accent1"/>
-              </a:buClr>
-              <a:buFont typeface="Wingdings 2" pitchFamily="18" charset="2"/>
-              <a:buChar char=""/>
-              <a:defRPr sz="1400" kern="1200">
-                <a:solidFill>
-                  <a:schemeClr val="tx1">
-                    <a:lumMod val="85000"/>
-                    <a:lumOff val="15000"/>
-                  </a:schemeClr>
-                </a:solidFill>
-                <a:latin typeface="+mn-lt"/>
-                <a:ea typeface="+mn-ea"/>
-                <a:cs typeface="+mn-cs"/>
-              </a:defRPr>
-            </a:lvl9pPr>
-          </a:lstStyle>
-          <a:p>
-            <a:pPr marL="0" indent="0">
-              <a:lnSpc>
-                <a:spcPct val="100000"/>
-              </a:lnSpc>
-              <a:spcBef>
-                <a:spcPts val="600"/>
-              </a:spcBef>
-              <a:spcAft>
-                <a:spcPts val="0"/>
-              </a:spcAft>
-              <a:buNone/>
-            </a:pPr>
-            <a:r>
-              <a:rPr lang="ru-RU" dirty="0">
-                <a:latin typeface="Segoe UI" panose="020B0502040204020203" pitchFamily="34" charset="0"/>
-                <a:cs typeface="Segoe UI" panose="020B0502040204020203" pitchFamily="34" charset="0"/>
-              </a:rPr>
-              <a:t>Интернет вещей</a:t>
-            </a:r>
-            <a:r>
-              <a:rPr lang="en-GB" dirty="0">
-                <a:latin typeface="Segoe UI" panose="020B0502040204020203" pitchFamily="34" charset="0"/>
-                <a:cs typeface="Segoe UI" panose="020B0502040204020203" pitchFamily="34" charset="0"/>
-              </a:rPr>
-              <a:t> (IoT)</a:t>
-            </a:r>
-            <a:r>
-              <a:rPr lang="ru-RU" dirty="0">
-                <a:latin typeface="Segoe UI" panose="020B0502040204020203" pitchFamily="34" charset="0"/>
-                <a:cs typeface="Segoe UI" panose="020B0502040204020203" pitchFamily="34" charset="0"/>
-              </a:rPr>
-              <a:t> и </a:t>
-            </a:r>
-            <a:r>
-              <a:rPr lang="en-GB" dirty="0">
-                <a:latin typeface="Segoe UI" panose="020B0502040204020203" pitchFamily="34" charset="0"/>
-                <a:cs typeface="Segoe UI" panose="020B0502040204020203" pitchFamily="34" charset="0"/>
-              </a:rPr>
-              <a:t>5G NR</a:t>
-            </a:r>
-          </a:p>
-          <a:p>
-            <a:pPr>
-              <a:lnSpc>
-                <a:spcPct val="100000"/>
-              </a:lnSpc>
-              <a:spcBef>
-                <a:spcPts val="600"/>
-              </a:spcBef>
-              <a:spcAft>
-                <a:spcPts val="0"/>
-              </a:spcAft>
-            </a:pPr>
-            <a:r>
-              <a:rPr lang="ru-RU" dirty="0">
-                <a:latin typeface="Segoe UI" panose="020B0502040204020203" pitchFamily="34" charset="0"/>
-                <a:cs typeface="Segoe UI" panose="020B0502040204020203" pitchFamily="34" charset="0"/>
-              </a:rPr>
-              <a:t>Высокая скорость, надежность, возможность массового подключения устройств</a:t>
-            </a:r>
-          </a:p>
-          <a:p>
-            <a:pPr>
-              <a:lnSpc>
-                <a:spcPct val="100000"/>
-              </a:lnSpc>
-              <a:spcBef>
-                <a:spcPts val="600"/>
-              </a:spcBef>
-              <a:spcAft>
-                <a:spcPts val="0"/>
-              </a:spcAft>
-            </a:pPr>
-            <a:r>
-              <a:rPr lang="ru-RU" dirty="0">
-                <a:latin typeface="Segoe UI" panose="020B0502040204020203" pitchFamily="34" charset="0"/>
-                <a:cs typeface="Segoe UI" panose="020B0502040204020203" pitchFamily="34" charset="0"/>
-              </a:rPr>
-              <a:t>Количество подключенных «умных» устройств в 2018 году – 8 млрд, в 2021 – 12 млрд.</a:t>
-            </a:r>
-          </a:p>
-          <a:p>
-            <a:pPr>
-              <a:lnSpc>
-                <a:spcPct val="100000"/>
-              </a:lnSpc>
-              <a:spcBef>
-                <a:spcPts val="600"/>
-              </a:spcBef>
-              <a:spcAft>
-                <a:spcPts val="0"/>
-              </a:spcAft>
-            </a:pPr>
-            <a:r>
-              <a:rPr lang="ru-RU" dirty="0">
-                <a:latin typeface="Segoe UI" panose="020B0502040204020203" pitchFamily="34" charset="0"/>
-                <a:cs typeface="Segoe UI" panose="020B0502040204020203" pitchFamily="34" charset="0"/>
-              </a:rPr>
-              <a:t>Поддержка несущих частот до 52.6 ГГц в релизах 15, 16 стандарта </a:t>
-            </a:r>
-            <a:r>
-              <a:rPr lang="en-GB" dirty="0">
-                <a:latin typeface="Segoe UI" panose="020B0502040204020203" pitchFamily="34" charset="0"/>
-                <a:cs typeface="Segoe UI" panose="020B0502040204020203" pitchFamily="34" charset="0"/>
-              </a:rPr>
-              <a:t>5G</a:t>
-            </a:r>
-            <a:r>
-              <a:rPr lang="ru-RU" dirty="0">
-                <a:latin typeface="Segoe UI" panose="020B0502040204020203" pitchFamily="34" charset="0"/>
-                <a:cs typeface="Segoe UI" panose="020B0502040204020203" pitchFamily="34" charset="0"/>
-              </a:rPr>
-              <a:t>, расширение диапазона </a:t>
-            </a:r>
-            <a:r>
-              <a:rPr lang="en-GB" dirty="0">
-                <a:latin typeface="Segoe UI" panose="020B0502040204020203" pitchFamily="34" charset="0"/>
-                <a:cs typeface="Segoe UI" panose="020B0502040204020203" pitchFamily="34" charset="0"/>
-              </a:rPr>
-              <a:t>FR2 </a:t>
-            </a:r>
-            <a:r>
-              <a:rPr lang="ru-RU" dirty="0">
-                <a:latin typeface="Segoe UI" panose="020B0502040204020203" pitchFamily="34" charset="0"/>
-                <a:cs typeface="Segoe UI" panose="020B0502040204020203" pitchFamily="34" charset="0"/>
-              </a:rPr>
-              <a:t>до</a:t>
-            </a:r>
-            <a:r>
-              <a:rPr lang="en-US" dirty="0">
-                <a:latin typeface="Segoe UI" panose="020B0502040204020203" pitchFamily="34" charset="0"/>
-                <a:cs typeface="Segoe UI" panose="020B0502040204020203" pitchFamily="34" charset="0"/>
-              </a:rPr>
-              <a:t> 114</a:t>
-            </a:r>
-            <a:r>
-              <a:rPr lang="ru-RU" dirty="0">
-                <a:latin typeface="Segoe UI" panose="020B0502040204020203" pitchFamily="34" charset="0"/>
-                <a:cs typeface="Segoe UI" panose="020B0502040204020203" pitchFamily="34" charset="0"/>
-              </a:rPr>
-              <a:t> ГГц</a:t>
-            </a:r>
-          </a:p>
-          <a:p>
-            <a:pPr>
-              <a:lnSpc>
-                <a:spcPct val="100000"/>
-              </a:lnSpc>
-              <a:spcBef>
-                <a:spcPts val="600"/>
-              </a:spcBef>
-              <a:spcAft>
-                <a:spcPts val="0"/>
-              </a:spcAft>
-            </a:pPr>
-            <a:r>
-              <a:rPr lang="ru-RU" dirty="0">
-                <a:latin typeface="Segoe UI" panose="020B0502040204020203" pitchFamily="34" charset="0"/>
-                <a:cs typeface="Segoe UI" panose="020B0502040204020203" pitchFamily="34" charset="0"/>
-              </a:rPr>
-              <a:t>Не смотря на развитие технологий, характеристики усилителей в миллиметровом диапазоне значительно хуже более низкочастотных усилителей.</a:t>
-            </a:r>
-          </a:p>
-          <a:p>
-            <a:pPr>
-              <a:lnSpc>
-                <a:spcPct val="100000"/>
-              </a:lnSpc>
-              <a:spcBef>
-                <a:spcPts val="600"/>
-              </a:spcBef>
-              <a:spcAft>
-                <a:spcPts val="0"/>
-              </a:spcAft>
-            </a:pPr>
-            <a:r>
-              <a:rPr lang="ru-RU" dirty="0">
-                <a:latin typeface="Segoe UI" panose="020B0502040204020203" pitchFamily="34" charset="0"/>
-                <a:cs typeface="Segoe UI" panose="020B0502040204020203" pitchFamily="34" charset="0"/>
-              </a:rPr>
-              <a:t>Передающие устройства – датчики, сенсоры должны быть эффективны, необходимо уменьшить количество сигнальной обработки на передатчиках и выполнять компенсацию на приемнике</a:t>
-            </a:r>
-          </a:p>
-        </p:txBody>
-      </p:sp>
-      <p:pic>
-        <p:nvPicPr>
-          <p:cNvPr id="1026" name="Picture 2" descr="3GPP – 5G-Xcast">
-            <a:extLst>
-              <a:ext uri="{FF2B5EF4-FFF2-40B4-BE49-F238E27FC236}">
-                <a16:creationId xmlns:a16="http://schemas.microsoft.com/office/drawing/2014/main" id="{D9628AE1-9B16-9CD6-7C5B-9910A86504C2}"/>
-              </a:ext>
-            </a:extLst>
-          </p:cNvPr>
-          <p:cNvPicPr>
-            <a:picLocks noChangeAspect="1" noChangeArrowheads="1"/>
-          </p:cNvPicPr>
-          <p:nvPr/>
-        </p:nvPicPr>
-        <p:blipFill>
-          <a:blip r:embed="rId2" cstate="print">
-            <a:extLst>
-              <a:ext uri="{28A0092B-C50C-407E-A947-70E740481C1C}">
-                <a14:useLocalDpi xmlns:a14="http://schemas.microsoft.com/office/drawing/2010/main" val="0"/>
-              </a:ext>
-            </a:extLst>
-          </a:blip>
-          <a:srcRect/>
-          <a:stretch>
-            <a:fillRect/>
-          </a:stretch>
-        </p:blipFill>
-        <p:spPr bwMode="auto">
-          <a:xfrm>
-            <a:off x="2943405" y="5300026"/>
-            <a:ext cx="3294228" cy="1401763"/>
-          </a:xfrm>
-          <a:prstGeom prst="rect">
-            <a:avLst/>
-          </a:prstGeom>
-          <a:noFill/>
-          <a:extLst>
-            <a:ext uri="{909E8E84-426E-40DD-AFC4-6F175D3DCCD1}">
-              <a14:hiddenFill xmlns:a14="http://schemas.microsoft.com/office/drawing/2010/main">
-                <a:solidFill>
-                  <a:srgbClr val="FFFFFF"/>
-                </a:solidFill>
-              </a14:hiddenFill>
-            </a:ext>
-          </a:extLst>
-        </p:spPr>
-      </p:pic>
-    </p:spTree>
-    <p:extLst>
-      <p:ext uri="{BB962C8B-B14F-4D97-AF65-F5344CB8AC3E}">
-        <p14:creationId xmlns:p14="http://schemas.microsoft.com/office/powerpoint/2010/main" val="1248343726"/>
-      </p:ext>
-    </p:extLst>
-  </p:cSld>
-  <p:clrMapOvr>
-    <a:masterClrMapping/>
-  </p:clrMapOvr>
-</p:sld>
-</file>
-
-<file path=ppt/slides/slide30.xml><?xml version="1.0" encoding="utf-8"?>
+<file path=ppt/slides/slide32.xml><?xml version="1.0" encoding="utf-8"?>
 <p:sld xmlns:a="http://schemas.openxmlformats.org/drawingml/2006/main" xmlns:r="http://schemas.openxmlformats.org/officeDocument/2006/relationships" xmlns:p="http://schemas.openxmlformats.org/presentationml/2006/main">
   <p:cSld>
     <p:spTree>
@@ -19238,7 +21513,7 @@
           <a:p>
             <a:fld id="{12AFF886-F040-4FA5-8BD0-0A595B4BDA00}" type="slidenum">
               <a:rPr lang="ru-RU" smtClean="0"/>
-              <a:t>30</a:t>
+              <a:t>32</a:t>
             </a:fld>
             <a:endParaRPr lang="ru-RU"/>
           </a:p>
@@ -19637,7 +21912,7 @@
 </p:sld>
 </file>
 
-<file path=ppt/slides/slide31.xml><?xml version="1.0" encoding="utf-8"?>
+<file path=ppt/slides/slide33.xml><?xml version="1.0" encoding="utf-8"?>
 <p:sld xmlns:a="http://schemas.openxmlformats.org/drawingml/2006/main" xmlns:r="http://schemas.openxmlformats.org/officeDocument/2006/relationships" xmlns:p="http://schemas.openxmlformats.org/presentationml/2006/main">
   <p:cSld>
     <p:spTree>
@@ -19727,7 +22002,7 @@
           <a:p>
             <a:fld id="{12AFF886-F040-4FA5-8BD0-0A595B4BDA00}" type="slidenum">
               <a:rPr lang="ru-RU" smtClean="0"/>
-              <a:t>31</a:t>
+              <a:t>33</a:t>
             </a:fld>
             <a:endParaRPr lang="ru-RU"/>
           </a:p>
@@ -20202,6 +22477,13 @@
   <p:clrMapOvr>
     <a:masterClrMapping/>
   </p:clrMapOvr>
+  <p:timing>
+    <p:tnLst>
+      <p:par>
+        <p:cTn id="1" dur="indefinite" restart="never" nodeType="tmRoot"/>
+      </p:par>
+    </p:tnLst>
+  </p:timing>
 </p:sld>
 </file>
 
@@ -20425,6 +22707,13 @@
   <p:clrMapOvr>
     <a:masterClrMapping/>
   </p:clrMapOvr>
+  <p:timing>
+    <p:tnLst>
+      <p:par>
+        <p:cTn id="1" dur="indefinite" restart="never" nodeType="tmRoot"/>
+      </p:par>
+    </p:tnLst>
+  </p:timing>
 </p:sld>
 </file>
 
@@ -20540,8 +22829,8 @@
           </a:p>
         </p:txBody>
       </p:sp>
-      <mc:AlternateContent xmlns:mc="http://schemas.openxmlformats.org/markup-compatibility/2006" xmlns:a14="http://schemas.microsoft.com/office/drawing/2010/main">
-        <mc:Choice Requires="a14">
+      <mc:AlternateContent xmlns:mc="http://schemas.openxmlformats.org/markup-compatibility/2006">
+        <mc:Choice xmlns:a14="http://schemas.microsoft.com/office/drawing/2010/main" Requires="a14">
           <p:sp>
             <p:nvSpPr>
               <p:cNvPr id="5" name="TextBox 4">
@@ -20572,6 +22861,7 @@
               <a:p>
                 <a:r>
                   <a:rPr lang="ru-RU" sz="2000" dirty="0">
+                    <a:latin typeface="Segoe UI" panose="020B0502040204020203" pitchFamily="34" charset="0"/>
                     <a:cs typeface="Segoe UI" panose="020B0502040204020203" pitchFamily="34" charset="0"/>
                   </a:rPr>
                   <a:t>Точка компрессии </a:t>
@@ -20661,7 +22951,7 @@
             </p:txBody>
           </p:sp>
         </mc:Choice>
-        <mc:Fallback xmlns="">
+        <mc:Fallback>
           <p:sp>
             <p:nvSpPr>
               <p:cNvPr id="5" name="TextBox 4">
@@ -20687,7 +22977,7 @@
               <a:blipFill>
                 <a:blip r:embed="rId3"/>
                 <a:stretch>
-                  <a:fillRect l="-830" t="-267"/>
+                  <a:fillRect l="-830" r="-679"/>
                 </a:stretch>
               </a:blipFill>
             </p:spPr>
@@ -20928,6 +23218,13 @@
   <p:clrMapOvr>
     <a:masterClrMapping/>
   </p:clrMapOvr>
+  <p:timing>
+    <p:tnLst>
+      <p:par>
+        <p:cTn id="1" dur="indefinite" restart="never" nodeType="tmRoot"/>
+      </p:par>
+    </p:tnLst>
+  </p:timing>
 </p:sld>
 </file>
 
@@ -22310,8 +24607,8 @@
           </a:prstGeom>
         </p:spPr>
       </p:pic>
-      <mc:AlternateContent xmlns:mc="http://schemas.openxmlformats.org/markup-compatibility/2006" xmlns:a14="http://schemas.microsoft.com/office/drawing/2010/main">
-        <mc:Choice Requires="a14">
+      <mc:AlternateContent xmlns:mc="http://schemas.openxmlformats.org/markup-compatibility/2006">
+        <mc:Choice xmlns:a14="http://schemas.microsoft.com/office/drawing/2010/main" Requires="a14">
           <p:sp>
             <p:nvSpPr>
               <p:cNvPr id="11" name="Объект 2">
@@ -22329,7 +24626,7 @@
             <p:spPr>
               <a:xfrm>
                 <a:off x="370275" y="4725991"/>
-                <a:ext cx="3485734" cy="1761073"/>
+                <a:ext cx="3382216" cy="2039935"/>
               </a:xfrm>
               <a:prstGeom prst="rect">
                 <a:avLst/>
@@ -22605,25 +24902,53 @@
                   <a:t> – </a:t>
                 </a:r>
                 <a:r>
+                  <a:rPr lang="ru-RU" sz="1600" dirty="0" smtClean="0">
+                    <a:latin typeface="Segoe UI" panose="020B0502040204020203" pitchFamily="34" charset="0"/>
+                    <a:cs typeface="Segoe UI" panose="020B0502040204020203" pitchFamily="34" charset="0"/>
+                  </a:rPr>
+                  <a:t>коэффициент усиления</a:t>
+                </a:r>
+                <a:r>
+                  <a:rPr lang="ru-RU" sz="1600" dirty="0" smtClean="0">
+                    <a:latin typeface="Segoe UI" panose="020B0502040204020203" pitchFamily="34" charset="0"/>
+                    <a:cs typeface="Segoe UI" panose="020B0502040204020203" pitchFamily="34" charset="0"/>
+                  </a:rPr>
+                  <a:t> </a:t>
+                </a:r>
+                <a:r>
                   <a:rPr lang="ru-RU" sz="1600" dirty="0">
                     <a:latin typeface="Segoe UI" panose="020B0502040204020203" pitchFamily="34" charset="0"/>
                     <a:cs typeface="Segoe UI" panose="020B0502040204020203" pitchFamily="34" charset="0"/>
                   </a:rPr>
-                  <a:t>КУ малого сигнала, </a:t>
+                  <a:t>малого </a:t>
                 </a:r>
                 <a:r>
-                  <a:rPr lang="en-US" sz="1600" i="1" dirty="0">
+                  <a:rPr lang="ru-RU" sz="1600" dirty="0" smtClean="0">
+                    <a:latin typeface="Segoe UI" panose="020B0502040204020203" pitchFamily="34" charset="0"/>
+                    <a:cs typeface="Segoe UI" panose="020B0502040204020203" pitchFamily="34" charset="0"/>
+                  </a:rPr>
+                  <a:t>сигнала, </a:t>
+                </a:r>
+                <a:r>
+                  <a:rPr lang="en-US" sz="1600" i="1" dirty="0" smtClean="0">
                     <a:latin typeface="Segoe UI" panose="020B0502040204020203" pitchFamily="34" charset="0"/>
                     <a:cs typeface="Segoe UI" panose="020B0502040204020203" pitchFamily="34" charset="0"/>
                   </a:rPr>
                   <a:t>p</a:t>
                 </a:r>
                 <a:r>
+                  <a:rPr lang="en-US" sz="1600" dirty="0" smtClean="0">
+                    <a:latin typeface="Segoe UI" panose="020B0502040204020203" pitchFamily="34" charset="0"/>
+                    <a:cs typeface="Segoe UI" panose="020B0502040204020203" pitchFamily="34" charset="0"/>
+                  </a:rPr>
+                  <a:t> </a:t>
+                </a:r>
+                <a:r>
                   <a:rPr lang="en-US" sz="1600" dirty="0">
                     <a:latin typeface="Segoe UI" panose="020B0502040204020203" pitchFamily="34" charset="0"/>
                     <a:cs typeface="Segoe UI" panose="020B0502040204020203" pitchFamily="34" charset="0"/>
                   </a:rPr>
-                  <a:t> – </a:t>
+                  <a:t>– </a:t>
                 </a:r>
                 <a:r>
                   <a:rPr lang="ru-RU" sz="1600" dirty="0">
@@ -22719,7 +25044,7 @@
             </p:txBody>
           </p:sp>
         </mc:Choice>
-        <mc:Fallback xmlns="">
+        <mc:Fallback>
           <p:sp>
             <p:nvSpPr>
               <p:cNvPr id="11" name="Объект 2">
@@ -22737,7 +25062,7 @@
             <p:spPr>
               <a:xfrm>
                 <a:off x="370275" y="4725991"/>
-                <a:ext cx="3485734" cy="1761073"/>
+                <a:ext cx="3382216" cy="2039935"/>
               </a:xfrm>
               <a:prstGeom prst="rect">
                 <a:avLst/>
@@ -22745,7 +25070,7 @@
               <a:blipFill>
                 <a:blip r:embed="rId6"/>
                 <a:stretch>
-                  <a:fillRect l="-1049" t="-1384"/>
+                  <a:fillRect l="-1081" t="-1194"/>
                 </a:stretch>
               </a:blipFill>
             </p:spPr>
@@ -23572,6 +25897,13 @@
   <p:clrMapOvr>
     <a:masterClrMapping/>
   </p:clrMapOvr>
+  <p:timing>
+    <p:tnLst>
+      <p:par>
+        <p:cTn id="1" dur="indefinite" restart="never" nodeType="tmRoot"/>
+      </p:par>
+    </p:tnLst>
+  </p:timing>
 </p:sld>
 </file>
 
@@ -23980,11 +26312,32 @@
               <a:buNone/>
             </a:pPr>
             <a:r>
+              <a:rPr lang="ru-RU" sz="1600" dirty="0" smtClean="0">
+                <a:latin typeface="Segoe UI" panose="020B0502040204020203" pitchFamily="34" charset="0"/>
+                <a:cs typeface="Segoe UI" panose="020B0502040204020203" pitchFamily="34" charset="0"/>
+              </a:rPr>
+              <a:t>Модель </a:t>
+            </a:r>
+            <a:r>
               <a:rPr lang="ru-RU" sz="1600" dirty="0">
                 <a:latin typeface="Segoe UI" panose="020B0502040204020203" pitchFamily="34" charset="0"/>
                 <a:cs typeface="Segoe UI" panose="020B0502040204020203" pitchFamily="34" charset="0"/>
               </a:rPr>
-              <a:t>Параметры для модели 100-200 ГГц были получены на основе анализа последних работ по созданию твердотельных усилителей в соответствующем диапазоне частот</a:t>
+              <a:t>100-200 ГГц </a:t>
+            </a:r>
+            <a:r>
+              <a:rPr lang="ru-RU" sz="1600" dirty="0" smtClean="0">
+                <a:latin typeface="Segoe UI" panose="020B0502040204020203" pitchFamily="34" charset="0"/>
+                <a:cs typeface="Segoe UI" panose="020B0502040204020203" pitchFamily="34" charset="0"/>
+              </a:rPr>
+              <a:t>была разработана </a:t>
+            </a:r>
+            <a:r>
+              <a:rPr lang="ru-RU" sz="1600" dirty="0">
+                <a:latin typeface="Segoe UI" panose="020B0502040204020203" pitchFamily="34" charset="0"/>
+                <a:cs typeface="Segoe UI" panose="020B0502040204020203" pitchFamily="34" charset="0"/>
+              </a:rPr>
+              <a:t>на основе анализа последних работ по созданию твердотельных усилителей в соответствующем диапазоне частот</a:t>
             </a:r>
           </a:p>
           <a:p>
@@ -24550,6 +26903,13 @@
   <p:clrMapOvr>
     <a:masterClrMapping/>
   </p:clrMapOvr>
+  <p:timing>
+    <p:tnLst>
+      <p:par>
+        <p:cTn id="1" dur="indefinite" restart="never" nodeType="tmRoot"/>
+      </p:par>
+    </p:tnLst>
+  </p:timing>
 </p:sld>
 </file>
 
@@ -25412,6 +27772,13 @@
   <p:clrMapOvr>
     <a:masterClrMapping/>
   </p:clrMapOvr>
+  <p:timing>
+    <p:tnLst>
+      <p:par>
+        <p:cTn id="1" dur="indefinite" restart="never" nodeType="tmRoot"/>
+      </p:par>
+    </p:tnLst>
+  </p:timing>
 </p:sld>
 </file>
 

--- a/Presentation.pptx
+++ b/Presentation.pptx
@@ -3944,17 +3944,6 @@
               </a:rPr>
               <a:t>Метод компенсации нелинейных искажений усилителя мощности для стандарта мобильной связи</a:t>
             </a:r>
-            <a:r>
-              <a:rPr lang="en-GB" sz="4000" dirty="0">
-                <a:solidFill>
-                  <a:srgbClr val="F8F8F2"/>
-                </a:solidFill>
-                <a:effectLst/>
-                <a:latin typeface="Segoe UI Semibold" panose="020B0702040204020203" pitchFamily="34" charset="0"/>
-                <a:cs typeface="Segoe UI Semibold" panose="020B0702040204020203" pitchFamily="34" charset="0"/>
-              </a:rPr>
-              <a:t/>
-            </a:r>
             <a:br>
               <a:rPr lang="en-GB" sz="4000" dirty="0">
                 <a:solidFill>
@@ -4007,14 +3996,14 @@
               </a:lnSpc>
             </a:pPr>
             <a:r>
-              <a:rPr lang="ru-RU" sz="1600" dirty="0" smtClean="0">
+              <a:rPr lang="ru-RU" sz="1600" dirty="0">
                 <a:latin typeface="Segoe UI" panose="020B0502040204020203" pitchFamily="34" charset="0"/>
                 <a:cs typeface="Segoe UI" panose="020B0502040204020203" pitchFamily="34" charset="0"/>
               </a:rPr>
               <a:t>17</a:t>
             </a:r>
             <a:r>
-              <a:rPr lang="en-US" sz="1600" dirty="0" smtClean="0">
+              <a:rPr lang="en-US" sz="1600" dirty="0">
                 <a:latin typeface="Segoe UI" panose="020B0502040204020203" pitchFamily="34" charset="0"/>
                 <a:cs typeface="Segoe UI" panose="020B0502040204020203" pitchFamily="34" charset="0"/>
               </a:rPr>
@@ -4274,13 +4263,6 @@
   <p:clrMapOvr>
     <a:masterClrMapping/>
   </p:clrMapOvr>
-  <p:timing>
-    <p:tnLst>
-      <p:par>
-        <p:cTn id="1" dur="indefinite" restart="never" nodeType="tmRoot"/>
-      </p:par>
-    </p:tnLst>
-  </p:timing>
 </p:sld>
 </file>
 
@@ -4694,51 +4676,40 @@
               <a:t>, </a:t>
             </a:r>
             <a:r>
-              <a:rPr lang="ru-RU" dirty="0" smtClean="0">
-                <a:latin typeface="Segoe UI" panose="020B0502040204020203" pitchFamily="34" charset="0"/>
-                <a:cs typeface="Segoe UI" panose="020B0502040204020203" pitchFamily="34" charset="0"/>
-              </a:rPr>
-              <a:t>использующиеся в системе мобильной связи </a:t>
-            </a:r>
-            <a:r>
-              <a:rPr lang="en-US" dirty="0" smtClean="0">
-                <a:latin typeface="Segoe UI" panose="020B0502040204020203" pitchFamily="34" charset="0"/>
-                <a:cs typeface="Segoe UI" panose="020B0502040204020203" pitchFamily="34" charset="0"/>
-              </a:rPr>
-              <a:t>5G NR</a:t>
-            </a:r>
-            <a:r>
-              <a:rPr lang="ru-RU" dirty="0" smtClean="0">
-                <a:latin typeface="Segoe UI" panose="020B0502040204020203" pitchFamily="34" charset="0"/>
-                <a:cs typeface="Segoe UI" panose="020B0502040204020203" pitchFamily="34" charset="0"/>
-              </a:rPr>
-              <a:t> </a:t>
-            </a:r>
-            <a:r>
               <a:rPr lang="ru-RU" dirty="0">
                 <a:latin typeface="Segoe UI" panose="020B0502040204020203" pitchFamily="34" charset="0"/>
                 <a:cs typeface="Segoe UI" panose="020B0502040204020203" pitchFamily="34" charset="0"/>
               </a:rPr>
-              <a:t>для </a:t>
-            </a:r>
-            <a:r>
-              <a:rPr lang="en-US" dirty="0" smtClean="0">
+              <a:t>использующиеся в системе мобильной связи </a:t>
+            </a:r>
+            <a:r>
+              <a:rPr lang="en-US" dirty="0">
                 <a:latin typeface="Segoe UI" panose="020B0502040204020203" pitchFamily="34" charset="0"/>
                 <a:cs typeface="Segoe UI" panose="020B0502040204020203" pitchFamily="34" charset="0"/>
               </a:rPr>
-              <a:t>Uplink-</a:t>
-            </a:r>
-            <a:r>
-              <a:rPr lang="ru-RU" dirty="0" smtClean="0">
+              <a:t>5G NR</a:t>
+            </a:r>
+            <a:r>
+              <a:rPr lang="ru-RU" dirty="0">
                 <a:latin typeface="Segoe UI" panose="020B0502040204020203" pitchFamily="34" charset="0"/>
                 <a:cs typeface="Segoe UI" panose="020B0502040204020203" pitchFamily="34" charset="0"/>
               </a:rPr>
+              <a:t> для </a:t>
+            </a:r>
+            <a:r>
+              <a:rPr lang="en-US" dirty="0">
+                <a:latin typeface="Segoe UI" panose="020B0502040204020203" pitchFamily="34" charset="0"/>
+                <a:cs typeface="Segoe UI" panose="020B0502040204020203" pitchFamily="34" charset="0"/>
+              </a:rPr>
+              <a:t>Uplink-</a:t>
+            </a:r>
+            <a:r>
+              <a:rPr lang="ru-RU" dirty="0">
+                <a:latin typeface="Segoe UI" panose="020B0502040204020203" pitchFamily="34" charset="0"/>
+                <a:cs typeface="Segoe UI" panose="020B0502040204020203" pitchFamily="34" charset="0"/>
+              </a:rPr>
               <a:t>передачи:</a:t>
             </a:r>
-            <a:endParaRPr lang="ru-RU" dirty="0">
-              <a:latin typeface="Segoe UI" panose="020B0502040204020203" pitchFamily="34" charset="0"/>
-              <a:cs typeface="Segoe UI" panose="020B0502040204020203" pitchFamily="34" charset="0"/>
-            </a:endParaRPr>
           </a:p>
           <a:p>
             <a:pPr marL="0" indent="0">
@@ -5858,13 +5829,6 @@
   <p:clrMapOvr>
     <a:masterClrMapping/>
   </p:clrMapOvr>
-  <p:timing>
-    <p:tnLst>
-      <p:par>
-        <p:cTn id="1" dur="indefinite" restart="never" nodeType="tmRoot"/>
-      </p:par>
-    </p:tnLst>
-  </p:timing>
 </p:sld>
 </file>
 
@@ -7133,13 +7097,6 @@
   <p:clrMapOvr>
     <a:masterClrMapping/>
   </p:clrMapOvr>
-  <p:timing>
-    <p:tnLst>
-      <p:par>
-        <p:cTn id="1" dur="indefinite" restart="never" nodeType="tmRoot"/>
-      </p:par>
-    </p:tnLst>
-  </p:timing>
 </p:sld>
 </file>
 
@@ -7557,13 +7514,6 @@
   <p:clrMapOvr>
     <a:masterClrMapping/>
   </p:clrMapOvr>
-  <p:timing>
-    <p:tnLst>
-      <p:par>
-        <p:cTn id="1" dur="indefinite" restart="never" nodeType="tmRoot"/>
-      </p:par>
-    </p:tnLst>
-  </p:timing>
 </p:sld>
 </file>
 
@@ -7689,21 +7639,7 @@
                 <a:latin typeface="Segoe UI" panose="020B0502040204020203" pitchFamily="34" charset="0"/>
                 <a:cs typeface="Segoe UI" panose="020B0502040204020203" pitchFamily="34" charset="0"/>
               </a:rPr>
-              <a:t>Компенсация производится посредством оценки параметров УМ с помощью пилотных сигналов, либо параметры считаются </a:t>
-            </a:r>
-            <a:r>
-              <a:rPr lang="ru-RU" dirty="0" smtClean="0">
-                <a:latin typeface="Segoe UI" panose="020B0502040204020203" pitchFamily="34" charset="0"/>
-                <a:cs typeface="Segoe UI" panose="020B0502040204020203" pitchFamily="34" charset="0"/>
-              </a:rPr>
-              <a:t>известными/переданными </a:t>
-            </a:r>
-            <a:r>
-              <a:rPr lang="ru-RU" dirty="0">
-                <a:latin typeface="Segoe UI" panose="020B0502040204020203" pitchFamily="34" charset="0"/>
-                <a:cs typeface="Segoe UI" panose="020B0502040204020203" pitchFamily="34" charset="0"/>
-              </a:rPr>
-              <a:t>в сервисной информации. На основе полученных параметров применяется дополнительная обработка</a:t>
+              <a:t>Компенсация производится посредством оценки параметров УМ с помощью пилотных сигналов, либо параметры считаются известными/переданными в сервисной информации. На основе полученных параметров применяется дополнительная обработка</a:t>
             </a:r>
           </a:p>
           <a:p>
@@ -7839,13 +7775,6 @@
   <p:clrMapOvr>
     <a:masterClrMapping/>
   </p:clrMapOvr>
-  <p:timing>
-    <p:tnLst>
-      <p:par>
-        <p:cTn id="1" dur="indefinite" restart="never" nodeType="tmRoot"/>
-      </p:par>
-    </p:tnLst>
-  </p:timing>
 </p:sld>
 </file>
 
@@ -8640,13 +8569,6 @@
   <p:clrMapOvr>
     <a:masterClrMapping/>
   </p:clrMapOvr>
-  <p:timing>
-    <p:tnLst>
-      <p:par>
-        <p:cTn id="1" dur="indefinite" restart="never" nodeType="tmRoot"/>
-      </p:par>
-    </p:tnLst>
-  </p:timing>
 </p:sld>
 </file>
 
@@ -8808,13 +8730,6 @@
   <p:clrMapOvr>
     <a:masterClrMapping/>
   </p:clrMapOvr>
-  <p:timing>
-    <p:tnLst>
-      <p:par>
-        <p:cTn id="1" dur="indefinite" restart="never" nodeType="tmRoot"/>
-      </p:par>
-    </p:tnLst>
-  </p:timing>
 </p:sld>
 </file>
 
@@ -9323,7 +9238,7 @@
         </p:nvGraphicFramePr>
         <p:xfrm>
           <a:off x="3252955" y="1733554"/>
-          <a:ext cx="5040923" cy="4930901"/>
+          <a:ext cx="5040923" cy="4924421"/>
         </p:xfrm>
         <a:graphic>
           <a:graphicData uri="http://schemas.openxmlformats.org/drawingml/2006/table">
@@ -11138,13 +11053,6 @@
   <p:clrMapOvr>
     <a:masterClrMapping/>
   </p:clrMapOvr>
-  <p:timing>
-    <p:tnLst>
-      <p:par>
-        <p:cTn id="1" dur="indefinite" restart="never" nodeType="tmRoot"/>
-      </p:par>
-    </p:tnLst>
-  </p:timing>
 </p:sld>
 </file>
 
@@ -11562,14 +11470,7 @@
                 <a:latin typeface="Segoe UI" panose="020B0502040204020203" pitchFamily="34" charset="0"/>
                 <a:cs typeface="Segoe UI" panose="020B0502040204020203" pitchFamily="34" charset="0"/>
               </a:rPr>
-              <a:t>SCS </a:t>
-            </a:r>
-            <a:r>
-              <a:rPr lang="en-US" sz="2400" dirty="0" smtClean="0">
-                <a:latin typeface="Segoe UI" panose="020B0502040204020203" pitchFamily="34" charset="0"/>
-                <a:cs typeface="Segoe UI" panose="020B0502040204020203" pitchFamily="34" charset="0"/>
-              </a:rPr>
-              <a:t>480 </a:t>
+              <a:t>SCS 480 </a:t>
             </a:r>
             <a:r>
               <a:rPr lang="ru-RU" sz="2400" dirty="0">
@@ -12115,13 +12016,6 @@
   <p:clrMapOvr>
     <a:masterClrMapping/>
   </p:clrMapOvr>
-  <p:timing>
-    <p:tnLst>
-      <p:par>
-        <p:cTn id="1" dur="indefinite" restart="never" nodeType="tmRoot"/>
-      </p:par>
-    </p:tnLst>
-  </p:timing>
 </p:sld>
 </file>
 
@@ -12535,7 +12429,7 @@
               <a:t>ГГц / </a:t>
             </a:r>
             <a:r>
-              <a:rPr lang="en-US" sz="2400" dirty="0" smtClean="0">
+              <a:rPr lang="en-US" sz="2400" dirty="0">
                 <a:latin typeface="Segoe UI" panose="020B0502040204020203" pitchFamily="34" charset="0"/>
                 <a:cs typeface="Segoe UI" panose="020B0502040204020203" pitchFamily="34" charset="0"/>
               </a:rPr>
@@ -12840,90 +12734,48 @@
               <a:t>DFT-s-OFDM</a:t>
             </a:r>
             <a:r>
-              <a:rPr lang="ru-RU" dirty="0" smtClean="0">
-                <a:latin typeface="Segoe UI" panose="020B0502040204020203" pitchFamily="34" charset="0"/>
-                <a:cs typeface="Segoe UI" panose="020B0502040204020203" pitchFamily="34" charset="0"/>
-              </a:rPr>
-              <a:t> </a:t>
-            </a:r>
-            <a:r>
               <a:rPr lang="ru-RU" dirty="0">
                 <a:latin typeface="Segoe UI" panose="020B0502040204020203" pitchFamily="34" charset="0"/>
                 <a:cs typeface="Segoe UI" panose="020B0502040204020203" pitchFamily="34" charset="0"/>
               </a:rPr>
-              <a:t>сигнала </a:t>
-            </a:r>
-            <a:r>
-              <a:rPr lang="ru-RU" dirty="0" smtClean="0">
+              <a:t> сигнала ниже чем у </a:t>
+            </a:r>
+            <a:r>
+              <a:rPr lang="en-US" dirty="0">
                 <a:latin typeface="Segoe UI" panose="020B0502040204020203" pitchFamily="34" charset="0"/>
                 <a:cs typeface="Segoe UI" panose="020B0502040204020203" pitchFamily="34" charset="0"/>
               </a:rPr>
-              <a:t>ниже </a:t>
+              <a:t>OFDM</a:t>
+            </a:r>
+            <a:r>
+              <a:rPr lang="en-GB" dirty="0">
+                <a:latin typeface="Segoe UI" panose="020B0502040204020203" pitchFamily="34" charset="0"/>
+                <a:cs typeface="Segoe UI" panose="020B0502040204020203" pitchFamily="34" charset="0"/>
+              </a:rPr>
+              <a:t>,</a:t>
+            </a:r>
+            <a:r>
+              <a:rPr lang="en-US" dirty="0">
+                <a:latin typeface="Segoe UI" panose="020B0502040204020203" pitchFamily="34" charset="0"/>
+                <a:cs typeface="Segoe UI" panose="020B0502040204020203" pitchFamily="34" charset="0"/>
+              </a:rPr>
+              <a:t> </a:t>
             </a:r>
             <a:r>
               <a:rPr lang="ru-RU" dirty="0">
                 <a:latin typeface="Segoe UI" panose="020B0502040204020203" pitchFamily="34" charset="0"/>
                 <a:cs typeface="Segoe UI" panose="020B0502040204020203" pitchFamily="34" charset="0"/>
               </a:rPr>
-              <a:t>чем </a:t>
-            </a:r>
-            <a:r>
-              <a:rPr lang="ru-RU" dirty="0" smtClean="0">
+              <a:t>поэтому наблюдается меньшее количество ошибок по сравнению с </a:t>
+            </a:r>
+            <a:r>
+              <a:rPr lang="en-GB" dirty="0">
                 <a:latin typeface="Segoe UI" panose="020B0502040204020203" pitchFamily="34" charset="0"/>
                 <a:cs typeface="Segoe UI" panose="020B0502040204020203" pitchFamily="34" charset="0"/>
               </a:rPr>
-              <a:t>у </a:t>
-            </a:r>
-            <a:r>
-              <a:rPr lang="en-US" dirty="0" smtClean="0">
-                <a:latin typeface="Segoe UI" panose="020B0502040204020203" pitchFamily="34" charset="0"/>
-                <a:cs typeface="Segoe UI" panose="020B0502040204020203" pitchFamily="34" charset="0"/>
-              </a:rPr>
-              <a:t>OFDM</a:t>
-            </a:r>
-            <a:r>
-              <a:rPr lang="en-GB" dirty="0" smtClean="0">
-                <a:latin typeface="Segoe UI" panose="020B0502040204020203" pitchFamily="34" charset="0"/>
-                <a:cs typeface="Segoe UI" panose="020B0502040204020203" pitchFamily="34" charset="0"/>
-              </a:rPr>
-              <a:t>,</a:t>
-            </a:r>
-            <a:r>
-              <a:rPr lang="en-US" dirty="0" smtClean="0">
-                <a:latin typeface="Segoe UI" panose="020B0502040204020203" pitchFamily="34" charset="0"/>
-                <a:cs typeface="Segoe UI" panose="020B0502040204020203" pitchFamily="34" charset="0"/>
-              </a:rPr>
-              <a:t> </a:t>
-            </a:r>
-            <a:r>
-              <a:rPr lang="ru-RU" dirty="0">
-                <a:latin typeface="Segoe UI" panose="020B0502040204020203" pitchFamily="34" charset="0"/>
-                <a:cs typeface="Segoe UI" panose="020B0502040204020203" pitchFamily="34" charset="0"/>
-              </a:rPr>
-              <a:t>поэтому наблюдается </a:t>
-            </a:r>
-            <a:r>
-              <a:rPr lang="ru-RU" dirty="0" smtClean="0">
-                <a:latin typeface="Segoe UI" panose="020B0502040204020203" pitchFamily="34" charset="0"/>
-                <a:cs typeface="Segoe UI" panose="020B0502040204020203" pitchFamily="34" charset="0"/>
-              </a:rPr>
-              <a:t>меньшее </a:t>
-            </a:r>
-            <a:r>
-              <a:rPr lang="ru-RU" dirty="0">
-                <a:latin typeface="Segoe UI" panose="020B0502040204020203" pitchFamily="34" charset="0"/>
-                <a:cs typeface="Segoe UI" panose="020B0502040204020203" pitchFamily="34" charset="0"/>
-              </a:rPr>
-              <a:t>количество ошибок по сравнению с </a:t>
-            </a:r>
-            <a:r>
-              <a:rPr lang="en-GB" dirty="0" smtClean="0">
-                <a:latin typeface="Segoe UI" panose="020B0502040204020203" pitchFamily="34" charset="0"/>
-                <a:cs typeface="Segoe UI" panose="020B0502040204020203" pitchFamily="34" charset="0"/>
-              </a:rPr>
               <a:t>OFDM.</a:t>
             </a:r>
-            <a:endParaRPr lang="ru-RU" dirty="0" smtClean="0">
+            <a:endParaRPr lang="ru-RU" dirty="0">
               <a:latin typeface="Segoe UI" panose="020B0502040204020203" pitchFamily="34" charset="0"/>
               <a:cs typeface="Segoe UI" panose="020B0502040204020203" pitchFamily="34" charset="0"/>
             </a:endParaRPr>
@@ -13023,10 +12875,6 @@
                 </a:rPr>
                 <a:t>R = 0.89</a:t>
               </a:r>
-              <a:endParaRPr lang="en-US" dirty="0">
-                <a:latin typeface="Segoe UI" panose="020B0502040204020203" pitchFamily="34" charset="0"/>
-                <a:cs typeface="Segoe UI" panose="020B0502040204020203" pitchFamily="34" charset="0"/>
-              </a:endParaRPr>
             </a:p>
           </p:txBody>
         </p:sp>
@@ -13115,16 +12963,12 @@
             <a:lstStyle/>
             <a:p>
               <a:r>
-                <a:rPr lang="en-US" dirty="0" smtClean="0">
+                <a:rPr lang="en-US" dirty="0">
                   <a:latin typeface="Segoe UI" panose="020B0502040204020203" pitchFamily="34" charset="0"/>
                   <a:cs typeface="Segoe UI" panose="020B0502040204020203" pitchFamily="34" charset="0"/>
                 </a:rPr>
                 <a:t>MCS 22t2: 256-QAM, R = 0.74</a:t>
               </a:r>
-              <a:endParaRPr lang="en-US" dirty="0">
-                <a:latin typeface="Segoe UI" panose="020B0502040204020203" pitchFamily="34" charset="0"/>
-                <a:cs typeface="Segoe UI" panose="020B0502040204020203" pitchFamily="34" charset="0"/>
-              </a:endParaRPr>
             </a:p>
           </p:txBody>
         </p:sp>
@@ -13187,13 +13031,6 @@
   <p:clrMapOvr>
     <a:masterClrMapping/>
   </p:clrMapOvr>
-  <p:timing>
-    <p:tnLst>
-      <p:par>
-        <p:cTn id="1" dur="indefinite" restart="never" nodeType="tmRoot"/>
-      </p:par>
-    </p:tnLst>
-  </p:timing>
 </p:sld>
 </file>
 
@@ -13992,47 +13829,22 @@
                 <a:latin typeface="Segoe UI" panose="020B0502040204020203" pitchFamily="34" charset="0"/>
                 <a:cs typeface="Segoe UI" panose="020B0502040204020203" pitchFamily="34" charset="0"/>
               </a:rPr>
-              <a:t>информация практически не </a:t>
-            </a:r>
-            <a:r>
-              <a:rPr lang="ru-RU" dirty="0" smtClean="0">
+              <a:t>информация практически не восстановлена (ввиду высокого </a:t>
+            </a:r>
+            <a:r>
+              <a:rPr lang="ru-RU" dirty="0" err="1">
                 <a:latin typeface="Segoe UI" panose="020B0502040204020203" pitchFamily="34" charset="0"/>
                 <a:cs typeface="Segoe UI" panose="020B0502040204020203" pitchFamily="34" charset="0"/>
               </a:rPr>
-              <a:t>восстановлена</a:t>
+              <a:t>кодрейта</a:t>
             </a:r>
             <a:r>
               <a:rPr lang="ru-RU" dirty="0">
                 <a:latin typeface="Segoe UI" panose="020B0502040204020203" pitchFamily="34" charset="0"/>
                 <a:cs typeface="Segoe UI" panose="020B0502040204020203" pitchFamily="34" charset="0"/>
               </a:rPr>
-              <a:t> </a:t>
-            </a:r>
-            <a:r>
-              <a:rPr lang="ru-RU" dirty="0" smtClean="0">
-                <a:latin typeface="Segoe UI" panose="020B0502040204020203" pitchFamily="34" charset="0"/>
-                <a:cs typeface="Segoe UI" panose="020B0502040204020203" pitchFamily="34" charset="0"/>
-              </a:rPr>
-              <a:t>(Ввиду высокого </a:t>
-            </a:r>
-            <a:r>
-              <a:rPr lang="ru-RU" dirty="0" err="1" smtClean="0">
-                <a:latin typeface="Segoe UI" panose="020B0502040204020203" pitchFamily="34" charset="0"/>
-                <a:cs typeface="Segoe UI" panose="020B0502040204020203" pitchFamily="34" charset="0"/>
-              </a:rPr>
-              <a:t>кодрейта</a:t>
-            </a:r>
-            <a:r>
-              <a:rPr lang="ru-RU" dirty="0" smtClean="0">
-                <a:latin typeface="Segoe UI" panose="020B0502040204020203" pitchFamily="34" charset="0"/>
-                <a:cs typeface="Segoe UI" panose="020B0502040204020203" pitchFamily="34" charset="0"/>
-              </a:rPr>
               <a:t>)</a:t>
             </a:r>
-            <a:endParaRPr lang="ru-RU" dirty="0">
-              <a:latin typeface="Segoe UI" panose="020B0502040204020203" pitchFamily="34" charset="0"/>
-              <a:cs typeface="Segoe UI" panose="020B0502040204020203" pitchFamily="34" charset="0"/>
-            </a:endParaRPr>
           </a:p>
           <a:p>
             <a:pPr marL="0" indent="0">
@@ -14114,10 +13926,6 @@
                 </a:rPr>
                 <a:t>R = 0.89</a:t>
               </a:r>
-              <a:endParaRPr lang="en-US" dirty="0">
-                <a:latin typeface="Segoe UI" panose="020B0502040204020203" pitchFamily="34" charset="0"/>
-                <a:cs typeface="Segoe UI" panose="020B0502040204020203" pitchFamily="34" charset="0"/>
-              </a:endParaRPr>
             </a:p>
           </p:txBody>
         </p:sp>
@@ -14221,10 +14029,6 @@
                 </a:rPr>
                 <a:t>R = 0.65</a:t>
               </a:r>
-              <a:endParaRPr lang="en-US" dirty="0">
-                <a:latin typeface="Segoe UI" panose="020B0502040204020203" pitchFamily="34" charset="0"/>
-                <a:cs typeface="Segoe UI" panose="020B0502040204020203" pitchFamily="34" charset="0"/>
-              </a:endParaRPr>
             </a:p>
           </p:txBody>
         </p:sp>
@@ -14287,13 +14091,6 @@
   <p:clrMapOvr>
     <a:masterClrMapping/>
   </p:clrMapOvr>
-  <p:timing>
-    <p:tnLst>
-      <p:par>
-        <p:cTn id="1" dur="indefinite" restart="never" nodeType="tmRoot"/>
-      </p:par>
-    </p:tnLst>
-  </p:timing>
 </p:sld>
 </file>
 
@@ -14378,52 +14175,28 @@
                 <a:latin typeface="Segoe UI" panose="020B0502040204020203" pitchFamily="34" charset="0"/>
                 <a:cs typeface="Segoe UI" panose="020B0502040204020203" pitchFamily="34" charset="0"/>
               </a:rPr>
-              <a:t>Исследование влияния нелинейности усилителя мощности на различные типы сигнала, используемые в стандарте мобильных </a:t>
-            </a:r>
-            <a:r>
-              <a:rPr lang="ru-RU" sz="2400" dirty="0" smtClean="0">
+              <a:t>Исследование влияния нелинейности усилителя мощности на различные типы сигнала, используемые в стандарте мобильных сетей связи </a:t>
+            </a:r>
+            <a:r>
+              <a:rPr lang="en-GB" sz="2400" dirty="0">
                 <a:latin typeface="Segoe UI" panose="020B0502040204020203" pitchFamily="34" charset="0"/>
                 <a:cs typeface="Segoe UI" panose="020B0502040204020203" pitchFamily="34" charset="0"/>
               </a:rPr>
-              <a:t>сетей </a:t>
-            </a:r>
+              <a:t>5G NR</a:t>
+            </a:r>
+          </a:p>
+          <a:p>
             <a:r>
               <a:rPr lang="ru-RU" sz="2400" dirty="0">
                 <a:latin typeface="Segoe UI" panose="020B0502040204020203" pitchFamily="34" charset="0"/>
                 <a:cs typeface="Segoe UI" panose="020B0502040204020203" pitchFamily="34" charset="0"/>
               </a:rPr>
-              <a:t>связи </a:t>
-            </a:r>
-            <a:r>
-              <a:rPr lang="en-GB" sz="2400" dirty="0">
-                <a:latin typeface="Segoe UI" panose="020B0502040204020203" pitchFamily="34" charset="0"/>
-                <a:cs typeface="Segoe UI" panose="020B0502040204020203" pitchFamily="34" charset="0"/>
-              </a:rPr>
-              <a:t>5G NR</a:t>
-            </a:r>
-          </a:p>
-          <a:p>
-            <a:r>
-              <a:rPr lang="ru-RU" sz="2400" dirty="0">
-                <a:latin typeface="Segoe UI" panose="020B0502040204020203" pitchFamily="34" charset="0"/>
-                <a:cs typeface="Segoe UI" panose="020B0502040204020203" pitchFamily="34" charset="0"/>
-              </a:rPr>
-              <a:t>Разработка модели усилителя мощности для миллиметрового </a:t>
-            </a:r>
-            <a:r>
-              <a:rPr lang="ru-RU" sz="2400" dirty="0" smtClean="0">
-                <a:latin typeface="Segoe UI" panose="020B0502040204020203" pitchFamily="34" charset="0"/>
-                <a:cs typeface="Segoe UI" panose="020B0502040204020203" pitchFamily="34" charset="0"/>
-              </a:rPr>
-              <a:t>диапазона длин волн 100-200 </a:t>
-            </a:r>
-            <a:r>
-              <a:rPr lang="ru-RU" sz="2400" dirty="0">
-                <a:latin typeface="Segoe UI" panose="020B0502040204020203" pitchFamily="34" charset="0"/>
-                <a:cs typeface="Segoe UI" panose="020B0502040204020203" pitchFamily="34" charset="0"/>
-              </a:rPr>
-              <a:t>ГГц</a:t>
-            </a:r>
+              <a:t>Разработка модели усилителя мощности для миллиметрового диапазона длин волн </a:t>
+            </a:r>
+            <a:endParaRPr lang="en-US" sz="2400" dirty="0">
+              <a:latin typeface="Segoe UI" panose="020B0502040204020203" pitchFamily="34" charset="0"/>
+              <a:cs typeface="Segoe UI" panose="020B0502040204020203" pitchFamily="34" charset="0"/>
+            </a:endParaRPr>
           </a:p>
           <a:p>
             <a:r>
@@ -14481,13 +14254,6 @@
   <p:clrMapOvr>
     <a:masterClrMapping/>
   </p:clrMapOvr>
-  <p:timing>
-    <p:tnLst>
-      <p:par>
-        <p:cTn id="1" dur="indefinite" restart="never" nodeType="tmRoot"/>
-      </p:par>
-    </p:tnLst>
-  </p:timing>
 </p:sld>
 </file>
 
@@ -15328,10 +15094,6 @@
                 </a:rPr>
                 <a:t>R = 0.89</a:t>
               </a:r>
-              <a:endParaRPr lang="en-US" dirty="0">
-                <a:latin typeface="Segoe UI" panose="020B0502040204020203" pitchFamily="34" charset="0"/>
-                <a:cs typeface="Segoe UI" panose="020B0502040204020203" pitchFamily="34" charset="0"/>
-              </a:endParaRPr>
             </a:p>
           </p:txBody>
         </p:sp>
@@ -15420,16 +15182,12 @@
             <a:lstStyle/>
             <a:p>
               <a:r>
-                <a:rPr lang="en-US" dirty="0" smtClean="0">
+                <a:rPr lang="en-US" dirty="0">
                   <a:latin typeface="Segoe UI" panose="020B0502040204020203" pitchFamily="34" charset="0"/>
                   <a:cs typeface="Segoe UI" panose="020B0502040204020203" pitchFamily="34" charset="0"/>
                 </a:rPr>
                 <a:t>MCS 22t2: 256-QAM, R = 0.74</a:t>
               </a:r>
-              <a:endParaRPr lang="en-US" dirty="0">
-                <a:latin typeface="Segoe UI" panose="020B0502040204020203" pitchFamily="34" charset="0"/>
-                <a:cs typeface="Segoe UI" panose="020B0502040204020203" pitchFamily="34" charset="0"/>
-              </a:endParaRPr>
             </a:p>
           </p:txBody>
         </p:sp>
@@ -15492,13 +15250,6 @@
   <p:clrMapOvr>
     <a:masterClrMapping/>
   </p:clrMapOvr>
-  <p:timing>
-    <p:tnLst>
-      <p:par>
-        <p:cTn id="1" dur="indefinite" restart="never" nodeType="tmRoot"/>
-      </p:par>
-    </p:tnLst>
-  </p:timing>
 </p:sld>
 </file>
 
@@ -15623,55 +15374,53 @@
                 <a:latin typeface="Segoe UI" panose="020B0502040204020203" pitchFamily="34" charset="0"/>
                 <a:cs typeface="Segoe UI" panose="020B0502040204020203" pitchFamily="34" charset="0"/>
               </a:rPr>
-              <a:t>Исследовано влияние нелинейности усилителя мощности на различные сигналы, используемые в </a:t>
-            </a:r>
-            <a:r>
-              <a:rPr lang="ru-RU" sz="2000" dirty="0" smtClean="0">
+              <a:t>Исследовано влияние нелинейности усилителя мощности на различные сигналы, используемые в стандарте мобильной системы связи 5го поколения </a:t>
+            </a:r>
+            <a:r>
+              <a:rPr lang="en-US" sz="2000" dirty="0">
                 <a:latin typeface="Segoe UI" panose="020B0502040204020203" pitchFamily="34" charset="0"/>
                 <a:cs typeface="Segoe UI" panose="020B0502040204020203" pitchFamily="34" charset="0"/>
               </a:rPr>
-              <a:t>стандарте мобильной системы связи </a:t>
+              <a:t>5G NR</a:t>
             </a:r>
             <a:r>
               <a:rPr lang="ru-RU" sz="2000" dirty="0">
                 <a:latin typeface="Segoe UI" panose="020B0502040204020203" pitchFamily="34" charset="0"/>
                 <a:cs typeface="Segoe UI" panose="020B0502040204020203" pitchFamily="34" charset="0"/>
               </a:rPr>
-              <a:t>5го </a:t>
-            </a:r>
-            <a:r>
-              <a:rPr lang="ru-RU" sz="2000" dirty="0" smtClean="0">
+              <a:t>.</a:t>
+            </a:r>
+          </a:p>
+          <a:p>
+            <a:r>
+              <a:rPr lang="ru-RU" sz="2000" dirty="0">
                 <a:latin typeface="Segoe UI" panose="020B0502040204020203" pitchFamily="34" charset="0"/>
                 <a:cs typeface="Segoe UI" panose="020B0502040204020203" pitchFamily="34" charset="0"/>
               </a:rPr>
-              <a:t>поколения </a:t>
-            </a:r>
-            <a:r>
-              <a:rPr lang="en-US" sz="2000" dirty="0" smtClean="0">
+              <a:t>Создана модель усилителя мощности для диапазона 100-200 ГГц</a:t>
+            </a:r>
+          </a:p>
+          <a:p>
+            <a:pPr lvl="1"/>
+            <a:r>
+              <a:rPr lang="ru-RU" sz="1800" dirty="0">
                 <a:latin typeface="Segoe UI" panose="020B0502040204020203" pitchFamily="34" charset="0"/>
                 <a:cs typeface="Segoe UI" panose="020B0502040204020203" pitchFamily="34" charset="0"/>
               </a:rPr>
-              <a:t>5G NR</a:t>
-            </a:r>
-            <a:r>
-              <a:rPr lang="ru-RU" sz="2000" dirty="0" smtClean="0">
-                <a:latin typeface="Segoe UI" panose="020B0502040204020203" pitchFamily="34" charset="0"/>
-                <a:cs typeface="Segoe UI" panose="020B0502040204020203" pitchFamily="34" charset="0"/>
-              </a:rPr>
-              <a:t>.</a:t>
-            </a:r>
-            <a:endParaRPr lang="ru-RU" sz="2000" dirty="0">
+              <a:t>Усилитель значительно менее линеен по сравнению с 30-70 ГГц. </a:t>
+            </a:r>
+            <a:endParaRPr lang="en-US" sz="1800" dirty="0">
               <a:latin typeface="Segoe UI" panose="020B0502040204020203" pitchFamily="34" charset="0"/>
               <a:cs typeface="Segoe UI" panose="020B0502040204020203" pitchFamily="34" charset="0"/>
             </a:endParaRPr>
           </a:p>
           <a:p>
             <a:r>
-              <a:rPr lang="ru-RU" sz="2000" dirty="0">
+              <a:rPr lang="ru-RU" sz="2200" dirty="0">
                 <a:latin typeface="Segoe UI" panose="020B0502040204020203" pitchFamily="34" charset="0"/>
                 <a:cs typeface="Segoe UI" panose="020B0502040204020203" pitchFamily="34" charset="0"/>
               </a:rPr>
-              <a:t>Создана модель усилителя мощности для диапазона 100-200 ГГц</a:t>
+              <a:t>Разработан метод компенсации нелинейных искажений усилителя на приемнике, проведены соответствующие исследования в симуляторе канального уровня.</a:t>
             </a:r>
           </a:p>
           <a:p>
@@ -15681,77 +15430,22 @@
                 <a:latin typeface="Segoe UI" panose="020B0502040204020203" pitchFamily="34" charset="0"/>
                 <a:cs typeface="Segoe UI" panose="020B0502040204020203" pitchFamily="34" charset="0"/>
               </a:rPr>
-              <a:t>Усилитель значительно менее линеен по сравнению с 30-70 ГГц. </a:t>
-            </a:r>
-            <a:endParaRPr lang="en-US" sz="1800" dirty="0" smtClean="0">
+              <a:t>Компенсация выполняется на приемнике, позволяя базовой станции обрабатывать данные с простых передающих устройств</a:t>
+            </a:r>
+            <a:endParaRPr lang="en-US" sz="1800" dirty="0">
               <a:latin typeface="Segoe UI" panose="020B0502040204020203" pitchFamily="34" charset="0"/>
               <a:cs typeface="Segoe UI" panose="020B0502040204020203" pitchFamily="34" charset="0"/>
             </a:endParaRPr>
           </a:p>
           <a:p>
-            <a:r>
-              <a:rPr lang="ru-RU" sz="2200" dirty="0" smtClean="0">
-                <a:latin typeface="Segoe UI" panose="020B0502040204020203" pitchFamily="34" charset="0"/>
-                <a:cs typeface="Segoe UI" panose="020B0502040204020203" pitchFamily="34" charset="0"/>
-              </a:rPr>
-              <a:t>Разработан </a:t>
-            </a:r>
-            <a:r>
-              <a:rPr lang="ru-RU" sz="2200" dirty="0">
-                <a:latin typeface="Segoe UI" panose="020B0502040204020203" pitchFamily="34" charset="0"/>
-                <a:cs typeface="Segoe UI" panose="020B0502040204020203" pitchFamily="34" charset="0"/>
-              </a:rPr>
-              <a:t>метод компенсации нелинейных искажений усилителя на приемнике, проведены соответствующие исследования в симуляторе канального уровня.</a:t>
-            </a:r>
-          </a:p>
-          <a:p>
             <a:pPr lvl="1"/>
             <a:r>
               <a:rPr lang="ru-RU" sz="1800" dirty="0">
                 <a:latin typeface="Segoe UI" panose="020B0502040204020203" pitchFamily="34" charset="0"/>
                 <a:cs typeface="Segoe UI" panose="020B0502040204020203" pitchFamily="34" charset="0"/>
               </a:rPr>
-              <a:t>Компенсация выполняется на приемнике, </a:t>
-            </a:r>
-            <a:r>
-              <a:rPr lang="ru-RU" sz="1800" dirty="0" smtClean="0">
-                <a:latin typeface="Segoe UI" panose="020B0502040204020203" pitchFamily="34" charset="0"/>
-                <a:cs typeface="Segoe UI" panose="020B0502040204020203" pitchFamily="34" charset="0"/>
-              </a:rPr>
-              <a:t>позволяя базовой станции обрабатывать данные с простых передающих устройств</a:t>
-            </a:r>
-            <a:endParaRPr lang="en-US" sz="1800" dirty="0" smtClean="0">
-              <a:latin typeface="Segoe UI" panose="020B0502040204020203" pitchFamily="34" charset="0"/>
-              <a:cs typeface="Segoe UI" panose="020B0502040204020203" pitchFamily="34" charset="0"/>
-            </a:endParaRPr>
-          </a:p>
-          <a:p>
-            <a:pPr lvl="1"/>
-            <a:r>
-              <a:rPr lang="ru-RU" sz="1800" dirty="0" smtClean="0">
-                <a:latin typeface="Segoe UI" panose="020B0502040204020203" pitchFamily="34" charset="0"/>
-                <a:cs typeface="Segoe UI" panose="020B0502040204020203" pitchFamily="34" charset="0"/>
-              </a:rPr>
-              <a:t>Метод </a:t>
-            </a:r>
-            <a:r>
-              <a:rPr lang="ru-RU" sz="1800" dirty="0">
-                <a:latin typeface="Segoe UI" panose="020B0502040204020203" pitchFamily="34" charset="0"/>
-                <a:cs typeface="Segoe UI" panose="020B0502040204020203" pitchFamily="34" charset="0"/>
-              </a:rPr>
-              <a:t>способен улучшить производительность системы для обеих моделей усилителя по сравнению со случаем отсутствия </a:t>
-            </a:r>
-            <a:r>
-              <a:rPr lang="ru-RU" sz="1800" dirty="0" smtClean="0">
-                <a:latin typeface="Segoe UI" panose="020B0502040204020203" pitchFamily="34" charset="0"/>
-                <a:cs typeface="Segoe UI" panose="020B0502040204020203" pitchFamily="34" charset="0"/>
-              </a:rPr>
-              <a:t>компенсации</a:t>
-            </a:r>
-            <a:endParaRPr lang="ru-RU" sz="1800" dirty="0">
-              <a:latin typeface="Segoe UI" panose="020B0502040204020203" pitchFamily="34" charset="0"/>
-              <a:cs typeface="Segoe UI" panose="020B0502040204020203" pitchFamily="34" charset="0"/>
-            </a:endParaRPr>
+              <a:t>Метод способен улучшить производительность системы для обеих моделей усилителя по сравнению со случаем отсутствия компенсации</a:t>
+            </a:r>
           </a:p>
         </p:txBody>
       </p:sp>
@@ -15765,13 +15459,6 @@
   <p:clrMapOvr>
     <a:masterClrMapping/>
   </p:clrMapOvr>
-  <p:timing>
-    <p:tnLst>
-      <p:par>
-        <p:cTn id="1" dur="indefinite" restart="never" nodeType="tmRoot"/>
-      </p:par>
-    </p:tnLst>
-  </p:timing>
 </p:sld>
 </file>
 
@@ -15876,13 +15563,6 @@
   <p:clrMapOvr>
     <a:masterClrMapping/>
   </p:clrMapOvr>
-  <p:timing>
-    <p:tnLst>
-      <p:par>
-        <p:cTn id="1" dur="indefinite" restart="never" nodeType="tmRoot"/>
-      </p:par>
-    </p:tnLst>
-  </p:timing>
 </p:sld>
 </file>
 
@@ -15942,13 +15622,6 @@
   <p:clrMapOvr>
     <a:masterClrMapping/>
   </p:clrMapOvr>
-  <p:timing>
-    <p:tnLst>
-      <p:par>
-        <p:cTn id="1" dur="indefinite" restart="never" nodeType="tmRoot"/>
-      </p:par>
-    </p:tnLst>
-  </p:timing>
 </p:sld>
 </file>
 
@@ -16048,7 +15721,7 @@
           <a:lstStyle/>
           <a:p>
             <a:r>
-              <a:rPr lang="en-US" dirty="0" smtClean="0">
+              <a:rPr lang="en-US" dirty="0">
                 <a:latin typeface="Segoe UI" panose="020B0502040204020203" pitchFamily="34" charset="0"/>
                 <a:cs typeface="Segoe UI" panose="020B0502040204020203" pitchFamily="34" charset="0"/>
               </a:rPr>
@@ -16071,13 +15744,6 @@
   <p:clrMapOvr>
     <a:masterClrMapping/>
   </p:clrMapOvr>
-  <p:timing>
-    <p:tnLst>
-      <p:par>
-        <p:cTn id="1" dur="indefinite" restart="never" nodeType="tmRoot"/>
-      </p:par>
-    </p:tnLst>
-  </p:timing>
 </p:sld>
 </file>
 
@@ -16157,8 +15823,8 @@
           </a:prstGeom>
         </p:spPr>
       </p:pic>
-      <mc:AlternateContent xmlns:mc="http://schemas.openxmlformats.org/markup-compatibility/2006">
-        <mc:Choice xmlns:a14="http://schemas.microsoft.com/office/drawing/2010/main" Requires="a14">
+      <mc:AlternateContent xmlns:mc="http://schemas.openxmlformats.org/markup-compatibility/2006" xmlns:a14="http://schemas.microsoft.com/office/drawing/2010/main">
+        <mc:Choice Requires="a14">
           <p:graphicFrame>
             <p:nvGraphicFramePr>
               <p:cNvPr id="8" name="Таблица 7"/>
@@ -16298,7 +15964,7 @@
                             </m:oMath>
                           </a14:m>
                           <a:r>
-                            <a:rPr lang="en-US" sz="1600" b="1" i="0" baseline="0" dirty="0" smtClean="0">
+                            <a:rPr lang="en-US" sz="1600" b="1" i="0" baseline="0" dirty="0">
                               <a:latin typeface="Segoe UI" panose="020B0502040204020203" pitchFamily="34" charset="0"/>
                               <a:cs typeface="Segoe UI" panose="020B0502040204020203" pitchFamily="34" charset="0"/>
                             </a:rPr>
@@ -16319,7 +15985,7 @@
                         <a:p>
                           <a:pPr algn="ctr"/>
                           <a:r>
-                            <a:rPr lang="en-US" sz="1600" b="1" i="0" dirty="0" smtClean="0">
+                            <a:rPr lang="en-US" sz="1600" b="1" i="0" dirty="0">
                               <a:latin typeface="Segoe UI" panose="020B0502040204020203" pitchFamily="34" charset="0"/>
                               <a:cs typeface="Segoe UI" panose="020B0502040204020203" pitchFamily="34" charset="0"/>
                             </a:rPr>
@@ -16347,7 +16013,7 @@
                         <a:p>
                           <a:pPr algn="ctr"/>
                           <a:r>
-                            <a:rPr lang="en-US" sz="1600" dirty="0" smtClean="0">
+                            <a:rPr lang="en-US" sz="1600" dirty="0">
                               <a:latin typeface="Segoe UI" panose="020B0502040204020203" pitchFamily="34" charset="0"/>
                               <a:cs typeface="Segoe UI" panose="020B0502040204020203" pitchFamily="34" charset="0"/>
                             </a:rPr>
@@ -16368,7 +16034,7 @@
                         <a:p>
                           <a:pPr algn="ctr"/>
                           <a:r>
-                            <a:rPr lang="en-US" sz="1600" dirty="0" smtClean="0">
+                            <a:rPr lang="en-US" sz="1600" dirty="0">
                               <a:latin typeface="Segoe UI" panose="020B0502040204020203" pitchFamily="34" charset="0"/>
                               <a:cs typeface="Segoe UI" panose="020B0502040204020203" pitchFamily="34" charset="0"/>
                             </a:rPr>
@@ -16389,7 +16055,7 @@
                         <a:p>
                           <a:pPr algn="ctr"/>
                           <a:r>
-                            <a:rPr lang="en-US" sz="1600" dirty="0" smtClean="0">
+                            <a:rPr lang="en-US" sz="1600" dirty="0">
                               <a:latin typeface="Segoe UI" panose="020B0502040204020203" pitchFamily="34" charset="0"/>
                               <a:cs typeface="Segoe UI" panose="020B0502040204020203" pitchFamily="34" charset="0"/>
                             </a:rPr>
@@ -16417,7 +16083,7 @@
                         <a:p>
                           <a:pPr algn="ctr"/>
                           <a:r>
-                            <a:rPr lang="en-US" sz="1600" dirty="0" smtClean="0">
+                            <a:rPr lang="en-US" sz="1600" dirty="0">
                               <a:latin typeface="Segoe UI" panose="020B0502040204020203" pitchFamily="34" charset="0"/>
                               <a:cs typeface="Segoe UI" panose="020B0502040204020203" pitchFamily="34" charset="0"/>
                             </a:rPr>
@@ -16438,7 +16104,7 @@
                         <a:p>
                           <a:pPr algn="ctr"/>
                           <a:r>
-                            <a:rPr lang="en-US" sz="1600" dirty="0" smtClean="0">
+                            <a:rPr lang="en-US" sz="1600" dirty="0">
                               <a:latin typeface="Segoe UI" panose="020B0502040204020203" pitchFamily="34" charset="0"/>
                               <a:cs typeface="Segoe UI" panose="020B0502040204020203" pitchFamily="34" charset="0"/>
                             </a:rPr>
@@ -16475,13 +16141,13 @@
                             <a:defRPr/>
                           </a:pPr>
                           <a:r>
-                            <a:rPr lang="en-US" sz="1600" dirty="0" smtClean="0">
+                            <a:rPr lang="en-US" sz="1600" dirty="0">
                               <a:latin typeface="Segoe UI" panose="020B0502040204020203" pitchFamily="34" charset="0"/>
                               <a:cs typeface="Segoe UI" panose="020B0502040204020203" pitchFamily="34" charset="0"/>
                             </a:rPr>
                             <a:t>Normal</a:t>
                           </a:r>
-                          <a:endParaRPr lang="ru-RU" sz="1600" dirty="0" smtClean="0">
+                          <a:endParaRPr lang="ru-RU" sz="1600" dirty="0">
                             <a:latin typeface="Segoe UI" panose="020B0502040204020203" pitchFamily="34" charset="0"/>
                             <a:cs typeface="Segoe UI" panose="020B0502040204020203" pitchFamily="34" charset="0"/>
                           </a:endParaRPr>
@@ -16503,7 +16169,7 @@
                         <a:p>
                           <a:pPr algn="ctr"/>
                           <a:r>
-                            <a:rPr lang="en-US" sz="1600" dirty="0" smtClean="0">
+                            <a:rPr lang="en-US" sz="1600" dirty="0">
                               <a:latin typeface="Segoe UI" panose="020B0502040204020203" pitchFamily="34" charset="0"/>
                               <a:cs typeface="Segoe UI" panose="020B0502040204020203" pitchFamily="34" charset="0"/>
                             </a:rPr>
@@ -16524,7 +16190,7 @@
                         <a:p>
                           <a:pPr algn="ctr"/>
                           <a:r>
-                            <a:rPr lang="en-US" sz="1600" dirty="0" smtClean="0">
+                            <a:rPr lang="en-US" sz="1600" dirty="0">
                               <a:latin typeface="Segoe UI" panose="020B0502040204020203" pitchFamily="34" charset="0"/>
                               <a:cs typeface="Segoe UI" panose="020B0502040204020203" pitchFamily="34" charset="0"/>
                             </a:rPr>
@@ -16561,13 +16227,13 @@
                             <a:defRPr/>
                           </a:pPr>
                           <a:r>
-                            <a:rPr lang="en-US" sz="1600" dirty="0" smtClean="0">
+                            <a:rPr lang="en-US" sz="1600" dirty="0">
                               <a:latin typeface="Segoe UI" panose="020B0502040204020203" pitchFamily="34" charset="0"/>
                               <a:cs typeface="Segoe UI" panose="020B0502040204020203" pitchFamily="34" charset="0"/>
                             </a:rPr>
                             <a:t>Normal, Extended</a:t>
                           </a:r>
-                          <a:endParaRPr lang="ru-RU" sz="1600" dirty="0" smtClean="0">
+                          <a:endParaRPr lang="ru-RU" sz="1600" dirty="0">
                             <a:latin typeface="Segoe UI" panose="020B0502040204020203" pitchFamily="34" charset="0"/>
                             <a:cs typeface="Segoe UI" panose="020B0502040204020203" pitchFamily="34" charset="0"/>
                           </a:endParaRPr>
@@ -16589,7 +16255,7 @@
                         <a:p>
                           <a:pPr algn="ctr"/>
                           <a:r>
-                            <a:rPr lang="en-US" sz="1600" dirty="0" smtClean="0">
+                            <a:rPr lang="en-US" sz="1600" dirty="0">
                               <a:latin typeface="Segoe UI" panose="020B0502040204020203" pitchFamily="34" charset="0"/>
                               <a:cs typeface="Segoe UI" panose="020B0502040204020203" pitchFamily="34" charset="0"/>
                             </a:rPr>
@@ -16610,7 +16276,7 @@
                         <a:p>
                           <a:pPr algn="ctr"/>
                           <a:r>
-                            <a:rPr lang="en-US" sz="1600" dirty="0" smtClean="0">
+                            <a:rPr lang="en-US" sz="1600" dirty="0">
                               <a:latin typeface="Segoe UI" panose="020B0502040204020203" pitchFamily="34" charset="0"/>
                               <a:cs typeface="Segoe UI" panose="020B0502040204020203" pitchFamily="34" charset="0"/>
                             </a:rPr>
@@ -16647,13 +16313,13 @@
                             <a:defRPr/>
                           </a:pPr>
                           <a:r>
-                            <a:rPr lang="en-US" sz="1600" dirty="0" smtClean="0">
+                            <a:rPr lang="en-US" sz="1600" dirty="0">
                               <a:latin typeface="Segoe UI" panose="020B0502040204020203" pitchFamily="34" charset="0"/>
                               <a:cs typeface="Segoe UI" panose="020B0502040204020203" pitchFamily="34" charset="0"/>
                             </a:rPr>
                             <a:t>Normal</a:t>
                           </a:r>
-                          <a:endParaRPr lang="ru-RU" sz="1600" dirty="0" smtClean="0">
+                          <a:endParaRPr lang="ru-RU" sz="1600" dirty="0">
                             <a:latin typeface="Segoe UI" panose="020B0502040204020203" pitchFamily="34" charset="0"/>
                             <a:cs typeface="Segoe UI" panose="020B0502040204020203" pitchFamily="34" charset="0"/>
                           </a:endParaRPr>
@@ -16675,7 +16341,7 @@
                         <a:p>
                           <a:pPr algn="ctr"/>
                           <a:r>
-                            <a:rPr lang="en-US" sz="1600" dirty="0" smtClean="0">
+                            <a:rPr lang="en-US" sz="1600" dirty="0">
                               <a:latin typeface="Segoe UI" panose="020B0502040204020203" pitchFamily="34" charset="0"/>
                               <a:cs typeface="Segoe UI" panose="020B0502040204020203" pitchFamily="34" charset="0"/>
                             </a:rPr>
@@ -16696,7 +16362,7 @@
                         <a:p>
                           <a:pPr algn="ctr"/>
                           <a:r>
-                            <a:rPr lang="en-US" sz="1600" dirty="0" smtClean="0">
+                            <a:rPr lang="en-US" sz="1600" dirty="0">
                               <a:latin typeface="Segoe UI" panose="020B0502040204020203" pitchFamily="34" charset="0"/>
                               <a:cs typeface="Segoe UI" panose="020B0502040204020203" pitchFamily="34" charset="0"/>
                             </a:rPr>
@@ -16733,13 +16399,13 @@
                             <a:defRPr/>
                           </a:pPr>
                           <a:r>
-                            <a:rPr lang="en-US" sz="1600" dirty="0" smtClean="0">
+                            <a:rPr lang="en-US" sz="1600" dirty="0">
                               <a:latin typeface="Segoe UI" panose="020B0502040204020203" pitchFamily="34" charset="0"/>
                               <a:cs typeface="Segoe UI" panose="020B0502040204020203" pitchFamily="34" charset="0"/>
                             </a:rPr>
                             <a:t>Normal</a:t>
                           </a:r>
-                          <a:endParaRPr lang="ru-RU" sz="1600" dirty="0" smtClean="0">
+                          <a:endParaRPr lang="ru-RU" sz="1600" dirty="0">
                             <a:latin typeface="Segoe UI" panose="020B0502040204020203" pitchFamily="34" charset="0"/>
                             <a:cs typeface="Segoe UI" panose="020B0502040204020203" pitchFamily="34" charset="0"/>
                           </a:endParaRPr>
@@ -16761,7 +16427,7 @@
                         <a:p>
                           <a:pPr algn="ctr"/>
                           <a:r>
-                            <a:rPr lang="en-US" sz="1600" dirty="0" smtClean="0">
+                            <a:rPr lang="en-US" sz="1600" dirty="0">
                               <a:latin typeface="Segoe UI" panose="020B0502040204020203" pitchFamily="34" charset="0"/>
                               <a:cs typeface="Segoe UI" panose="020B0502040204020203" pitchFamily="34" charset="0"/>
                             </a:rPr>
@@ -16782,7 +16448,7 @@
                         <a:p>
                           <a:pPr algn="ctr"/>
                           <a:r>
-                            <a:rPr lang="en-US" sz="1600" dirty="0" smtClean="0">
+                            <a:rPr lang="en-US" sz="1600" dirty="0">
                               <a:latin typeface="Segoe UI" panose="020B0502040204020203" pitchFamily="34" charset="0"/>
                               <a:cs typeface="Segoe UI" panose="020B0502040204020203" pitchFamily="34" charset="0"/>
                             </a:rPr>
@@ -16819,13 +16485,13 @@
                             <a:defRPr/>
                           </a:pPr>
                           <a:r>
-                            <a:rPr lang="en-US" sz="1600" dirty="0" smtClean="0">
+                            <a:rPr lang="en-US" sz="1600" dirty="0">
                               <a:latin typeface="Segoe UI" panose="020B0502040204020203" pitchFamily="34" charset="0"/>
                               <a:cs typeface="Segoe UI" panose="020B0502040204020203" pitchFamily="34" charset="0"/>
                             </a:rPr>
                             <a:t>Normal</a:t>
                           </a:r>
-                          <a:endParaRPr lang="ru-RU" sz="1600" dirty="0" smtClean="0">
+                          <a:endParaRPr lang="ru-RU" sz="1600" dirty="0">
                             <a:latin typeface="Segoe UI" panose="020B0502040204020203" pitchFamily="34" charset="0"/>
                             <a:cs typeface="Segoe UI" panose="020B0502040204020203" pitchFamily="34" charset="0"/>
                           </a:endParaRPr>
@@ -16847,7 +16513,7 @@
                         <a:p>
                           <a:pPr algn="ctr"/>
                           <a:r>
-                            <a:rPr lang="en-US" sz="1600" dirty="0" smtClean="0">
+                            <a:rPr lang="en-US" sz="1600" dirty="0">
                               <a:latin typeface="Segoe UI" panose="020B0502040204020203" pitchFamily="34" charset="0"/>
                               <a:cs typeface="Segoe UI" panose="020B0502040204020203" pitchFamily="34" charset="0"/>
                             </a:rPr>
@@ -16868,7 +16534,7 @@
                         <a:p>
                           <a:pPr algn="ctr"/>
                           <a:r>
-                            <a:rPr lang="en-US" sz="1600" dirty="0" smtClean="0">
+                            <a:rPr lang="en-US" sz="1600" dirty="0">
                               <a:latin typeface="Segoe UI" panose="020B0502040204020203" pitchFamily="34" charset="0"/>
                               <a:cs typeface="Segoe UI" panose="020B0502040204020203" pitchFamily="34" charset="0"/>
                             </a:rPr>
@@ -16905,13 +16571,13 @@
                             <a:defRPr/>
                           </a:pPr>
                           <a:r>
-                            <a:rPr lang="en-US" sz="1600" dirty="0" smtClean="0">
+                            <a:rPr lang="en-US" sz="1600" dirty="0">
                               <a:latin typeface="Segoe UI" panose="020B0502040204020203" pitchFamily="34" charset="0"/>
                               <a:cs typeface="Segoe UI" panose="020B0502040204020203" pitchFamily="34" charset="0"/>
                             </a:rPr>
                             <a:t>Normal</a:t>
                           </a:r>
-                          <a:endParaRPr lang="ru-RU" sz="1600" dirty="0" smtClean="0">
+                          <a:endParaRPr lang="ru-RU" sz="1600" dirty="0">
                             <a:latin typeface="Segoe UI" panose="020B0502040204020203" pitchFamily="34" charset="0"/>
                             <a:cs typeface="Segoe UI" panose="020B0502040204020203" pitchFamily="34" charset="0"/>
                           </a:endParaRPr>
@@ -16930,7 +16596,7 @@
             </a:graphic>
           </p:graphicFrame>
         </mc:Choice>
-        <mc:Fallback>
+        <mc:Fallback xmlns="">
           <p:graphicFrame>
             <p:nvGraphicFramePr>
               <p:cNvPr id="8" name="Таблица 7"/>
@@ -17672,13 +17338,6 @@
   <p:clrMapOvr>
     <a:masterClrMapping/>
   </p:clrMapOvr>
-  <p:timing>
-    <p:tnLst>
-      <p:par>
-        <p:cTn id="1" dur="indefinite" restart="never" nodeType="tmRoot"/>
-      </p:par>
-    </p:tnLst>
-  </p:timing>
 </p:sld>
 </file>
 
@@ -18455,13 +18114,6 @@
   <p:clrMapOvr>
     <a:masterClrMapping/>
   </p:clrMapOvr>
-  <p:timing>
-    <p:tnLst>
-      <p:par>
-        <p:cTn id="1" dur="indefinite" restart="never" nodeType="tmRoot"/>
-      </p:par>
-    </p:tnLst>
-  </p:timing>
 </p:sld>
 </file>
 
@@ -20086,50 +19738,50 @@
               <a:buNone/>
             </a:pPr>
             <a:r>
-              <a:rPr lang="ru-RU" dirty="0" smtClean="0">
-                <a:latin typeface="Segoe UI" panose="020B0502040204020203" pitchFamily="34" charset="0"/>
-                <a:cs typeface="Segoe UI" panose="020B0502040204020203" pitchFamily="34" charset="0"/>
-              </a:rPr>
-              <a:t>Исследование и компенсация нелинейных искажений снова актуальны по ряду причин</a:t>
-            </a:r>
-          </a:p>
-          <a:p>
-            <a:pPr>
-              <a:lnSpc>
-                <a:spcPct val="100000"/>
-              </a:lnSpc>
-              <a:spcBef>
-                <a:spcPts val="600"/>
-              </a:spcBef>
-              <a:spcAft>
-                <a:spcPts val="0"/>
-              </a:spcAft>
-            </a:pPr>
-            <a:r>
-              <a:rPr lang="ru-RU" dirty="0" smtClean="0">
-                <a:latin typeface="Segoe UI" panose="020B0502040204020203" pitchFamily="34" charset="0"/>
-                <a:cs typeface="Segoe UI" panose="020B0502040204020203" pitchFamily="34" charset="0"/>
-              </a:rPr>
-              <a:t>Переход в миллиметровый диапазон длин волн, где технологии менее совершенные по сравнению с более низкими частотами</a:t>
-            </a:r>
-          </a:p>
-          <a:p>
-            <a:pPr lvl="1">
-              <a:lnSpc>
-                <a:spcPct val="100000"/>
-              </a:lnSpc>
-              <a:spcBef>
-                <a:spcPts val="600"/>
-              </a:spcBef>
-              <a:spcAft>
-                <a:spcPts val="0"/>
-              </a:spcAft>
-            </a:pPr>
-            <a:r>
               <a:rPr lang="ru-RU" dirty="0">
                 <a:latin typeface="Segoe UI" panose="020B0502040204020203" pitchFamily="34" charset="0"/>
                 <a:cs typeface="Segoe UI" panose="020B0502040204020203" pitchFamily="34" charset="0"/>
               </a:rPr>
+              <a:t>Исследование и компенсация нелинейных искажений снова актуальны по ряду причин</a:t>
+            </a:r>
+          </a:p>
+          <a:p>
+            <a:pPr>
+              <a:lnSpc>
+                <a:spcPct val="100000"/>
+              </a:lnSpc>
+              <a:spcBef>
+                <a:spcPts val="600"/>
+              </a:spcBef>
+              <a:spcAft>
+                <a:spcPts val="0"/>
+              </a:spcAft>
+            </a:pPr>
+            <a:r>
+              <a:rPr lang="ru-RU" dirty="0">
+                <a:latin typeface="Segoe UI" panose="020B0502040204020203" pitchFamily="34" charset="0"/>
+                <a:cs typeface="Segoe UI" panose="020B0502040204020203" pitchFamily="34" charset="0"/>
+              </a:rPr>
+              <a:t>Переход в миллиметровый диапазон длин волн, где технологии менее развиты по сравнению с более низкими частотами</a:t>
+            </a:r>
+          </a:p>
+          <a:p>
+            <a:pPr lvl="1">
+              <a:lnSpc>
+                <a:spcPct val="100000"/>
+              </a:lnSpc>
+              <a:spcBef>
+                <a:spcPts val="600"/>
+              </a:spcBef>
+              <a:spcAft>
+                <a:spcPts val="0"/>
+              </a:spcAft>
+            </a:pPr>
+            <a:r>
+              <a:rPr lang="ru-RU" dirty="0">
+                <a:latin typeface="Segoe UI" panose="020B0502040204020203" pitchFamily="34" charset="0"/>
+                <a:cs typeface="Segoe UI" panose="020B0502040204020203" pitchFamily="34" charset="0"/>
+              </a:rPr>
               <a:t>Поддержка несущих частот до 52.6 ГГц в релизах 15, 16 стандарта </a:t>
             </a:r>
             <a:r>
@@ -20172,14 +19824,7 @@
                 <a:latin typeface="Segoe UI" panose="020B0502040204020203" pitchFamily="34" charset="0"/>
                 <a:cs typeface="Segoe UI" panose="020B0502040204020203" pitchFamily="34" charset="0"/>
               </a:rPr>
-              <a:t> </a:t>
-            </a:r>
-            <a:r>
-              <a:rPr lang="ru-RU" dirty="0" smtClean="0">
-                <a:latin typeface="Segoe UI" panose="020B0502040204020203" pitchFamily="34" charset="0"/>
-                <a:cs typeface="Segoe UI" panose="020B0502040204020203" pitchFamily="34" charset="0"/>
-              </a:rPr>
-              <a:t>ГГц</a:t>
+              <a:t> ГГц</a:t>
             </a:r>
           </a:p>
           <a:p>
@@ -20195,7 +19840,7 @@
               </a:spcAft>
               <a:buNone/>
             </a:pPr>
-            <a:endParaRPr lang="ru-RU" dirty="0" smtClean="0">
+            <a:endParaRPr lang="ru-RU" dirty="0">
               <a:latin typeface="Segoe UI" panose="020B0502040204020203" pitchFamily="34" charset="0"/>
               <a:cs typeface="Segoe UI" panose="020B0502040204020203" pitchFamily="34" charset="0"/>
             </a:endParaRPr>
@@ -20213,48 +19858,48 @@
               </a:spcAft>
             </a:pPr>
             <a:r>
-              <a:rPr lang="ru-RU" dirty="0" smtClean="0">
+              <a:rPr lang="ru-RU" dirty="0">
                 <a:latin typeface="Segoe UI" panose="020B0502040204020203" pitchFamily="34" charset="0"/>
                 <a:cs typeface="Segoe UI" panose="020B0502040204020203" pitchFamily="34" charset="0"/>
               </a:rPr>
               <a:t>Введение Интернета Вещей (</a:t>
             </a:r>
             <a:r>
-              <a:rPr lang="en-US" dirty="0" err="1" smtClean="0">
+              <a:rPr lang="en-US" dirty="0" err="1">
                 <a:latin typeface="Segoe UI" panose="020B0502040204020203" pitchFamily="34" charset="0"/>
                 <a:cs typeface="Segoe UI" panose="020B0502040204020203" pitchFamily="34" charset="0"/>
               </a:rPr>
               <a:t>IoT</a:t>
             </a:r>
             <a:r>
-              <a:rPr lang="ru-RU" dirty="0" smtClean="0">
+              <a:rPr lang="ru-RU" dirty="0">
                 <a:latin typeface="Segoe UI" panose="020B0502040204020203" pitchFamily="34" charset="0"/>
                 <a:cs typeface="Segoe UI" panose="020B0502040204020203" pitchFamily="34" charset="0"/>
               </a:rPr>
               <a:t>)</a:t>
             </a:r>
             <a:r>
-              <a:rPr lang="en-US" dirty="0" smtClean="0">
+              <a:rPr lang="en-US" dirty="0">
                 <a:latin typeface="Segoe UI" panose="020B0502040204020203" pitchFamily="34" charset="0"/>
                 <a:cs typeface="Segoe UI" panose="020B0502040204020203" pitchFamily="34" charset="0"/>
               </a:rPr>
               <a:t> </a:t>
             </a:r>
             <a:r>
-              <a:rPr lang="ru-RU" dirty="0" smtClean="0">
+              <a:rPr lang="ru-RU" dirty="0">
                 <a:latin typeface="Segoe UI" panose="020B0502040204020203" pitchFamily="34" charset="0"/>
                 <a:cs typeface="Segoe UI" panose="020B0502040204020203" pitchFamily="34" charset="0"/>
               </a:rPr>
               <a:t>в мобильной системе связи </a:t>
             </a:r>
             <a:r>
-              <a:rPr lang="en-US" dirty="0" smtClean="0">
+              <a:rPr lang="en-US" dirty="0">
                 <a:latin typeface="Segoe UI" panose="020B0502040204020203" pitchFamily="34" charset="0"/>
                 <a:cs typeface="Segoe UI" panose="020B0502040204020203" pitchFamily="34" charset="0"/>
               </a:rPr>
               <a:t>5G New Radio</a:t>
             </a:r>
-            <a:endParaRPr lang="ru-RU" dirty="0" smtClean="0">
+            <a:endParaRPr lang="ru-RU" dirty="0">
               <a:latin typeface="Segoe UI" panose="020B0502040204020203" pitchFamily="34" charset="0"/>
               <a:cs typeface="Segoe UI" panose="020B0502040204020203" pitchFamily="34" charset="0"/>
             </a:endParaRPr>
@@ -20278,13 +19923,6 @@
               </a:rPr>
               <a:t>Количество подключенных «умных» устройств в 2018 году – 8 млрд, в 2021 – 12 млрд</a:t>
             </a:r>
-            <a:r>
-              <a:rPr lang="ru-RU" dirty="0" smtClean="0">
-                <a:latin typeface="Segoe UI" panose="020B0502040204020203" pitchFamily="34" charset="0"/>
-                <a:cs typeface="Segoe UI" panose="020B0502040204020203" pitchFamily="34" charset="0"/>
-              </a:rPr>
-              <a:t>.</a:t>
-            </a:r>
           </a:p>
           <a:p>
             <a:pPr lvl="1">
@@ -20298,19 +19936,12 @@
                 <a:spcPts val="0"/>
               </a:spcAft>
             </a:pPr>
-            <a:r>
-              <a:rPr lang="ru-RU" dirty="0" smtClean="0">
-                <a:latin typeface="Segoe UI" panose="020B0502040204020203" pitchFamily="34" charset="0"/>
-                <a:cs typeface="Segoe UI" panose="020B0502040204020203" pitchFamily="34" charset="0"/>
-              </a:rPr>
-              <a:t>Передающие </a:t>
-            </a:r>
             <a:r>
               <a:rPr lang="ru-RU" dirty="0">
                 <a:latin typeface="Segoe UI" panose="020B0502040204020203" pitchFamily="34" charset="0"/>
                 <a:cs typeface="Segoe UI" panose="020B0502040204020203" pitchFamily="34" charset="0"/>
               </a:rPr>
-              <a:t>устройства – датчики, сенсоры должны быть эффективны, необходимо уменьшить количество сигнальной обработки на передатчиках и выполнять компенсацию на приемнике</a:t>
+              <a:t>Передающие устройства – датчики, сенсоры должны быть эффективны, необходимо уменьшить количество сигнальной обработки на передатчиках и выполнять компенсацию на приемнике</a:t>
             </a:r>
           </a:p>
           <a:p>
@@ -20326,7 +19957,7 @@
               </a:spcAft>
               <a:buNone/>
             </a:pPr>
-            <a:endParaRPr lang="ru-RU" dirty="0" smtClean="0">
+            <a:endParaRPr lang="ru-RU" dirty="0">
               <a:latin typeface="Segoe UI" panose="020B0502040204020203" pitchFamily="34" charset="0"/>
               <a:cs typeface="Segoe UI" panose="020B0502040204020203" pitchFamily="34" charset="0"/>
             </a:endParaRPr>
@@ -20390,13 +20021,6 @@
   <p:clrMapOvr>
     <a:masterClrMapping/>
   </p:clrMapOvr>
-  <p:timing>
-    <p:tnLst>
-      <p:par>
-        <p:cTn id="1" dur="indefinite" restart="never" nodeType="tmRoot"/>
-      </p:par>
-    </p:tnLst>
-  </p:timing>
 </p:sld>
 </file>
 
@@ -22477,13 +22101,6 @@
   <p:clrMapOvr>
     <a:masterClrMapping/>
   </p:clrMapOvr>
-  <p:timing>
-    <p:tnLst>
-      <p:par>
-        <p:cTn id="1" dur="indefinite" restart="never" nodeType="tmRoot"/>
-      </p:par>
-    </p:tnLst>
-  </p:timing>
 </p:sld>
 </file>
 
@@ -22631,7 +22248,7 @@
                 <a:latin typeface="Segoe UI" panose="020B0502040204020203" pitchFamily="34" charset="0"/>
                 <a:cs typeface="Segoe UI" panose="020B0502040204020203" pitchFamily="34" charset="0"/>
               </a:rPr>
-              <a:t>При подаче сигнала на нелинейный участок усилителя возникают искажения</a:t>
+              <a:t>При подаче сигнала на нелинейный участок усилителя возникают искажения.</a:t>
             </a:r>
           </a:p>
           <a:p>
@@ -22707,13 +22324,6 @@
   <p:clrMapOvr>
     <a:masterClrMapping/>
   </p:clrMapOvr>
-  <p:timing>
-    <p:tnLst>
-      <p:par>
-        <p:cTn id="1" dur="indefinite" restart="never" nodeType="tmRoot"/>
-      </p:par>
-    </p:tnLst>
-  </p:timing>
 </p:sld>
 </file>
 
@@ -22918,7 +22528,7 @@
                     <a:latin typeface="Segoe UI" panose="020B0502040204020203" pitchFamily="34" charset="0"/>
                     <a:cs typeface="Segoe UI" panose="020B0502040204020203" pitchFamily="34" charset="0"/>
                   </a:rPr>
-                  <a:t>точка, в которой усиление становится на 1 дБ меньше чем у идеальной характеристики.</a:t>
+                  <a:t>точка, в которой усиление становится на 1 дБ меньше, чем у идеальной характеристики.</a:t>
                 </a:r>
               </a:p>
               <a:p>
@@ -23218,13 +22828,6 @@
   <p:clrMapOvr>
     <a:masterClrMapping/>
   </p:clrMapOvr>
-  <p:timing>
-    <p:tnLst>
-      <p:par>
-        <p:cTn id="1" dur="indefinite" restart="never" nodeType="tmRoot"/>
-      </p:par>
-    </p:tnLst>
-  </p:timing>
 </p:sld>
 </file>
 
@@ -24607,8 +24210,8 @@
           </a:prstGeom>
         </p:spPr>
       </p:pic>
-      <mc:AlternateContent xmlns:mc="http://schemas.openxmlformats.org/markup-compatibility/2006">
-        <mc:Choice xmlns:a14="http://schemas.microsoft.com/office/drawing/2010/main" Requires="a14">
+      <mc:AlternateContent xmlns:mc="http://schemas.openxmlformats.org/markup-compatibility/2006" xmlns:a14="http://schemas.microsoft.com/office/drawing/2010/main">
+        <mc:Choice Requires="a14">
           <p:sp>
             <p:nvSpPr>
               <p:cNvPr id="11" name="Объект 2">
@@ -24902,53 +24505,25 @@
                   <a:t> – </a:t>
                 </a:r>
                 <a:r>
-                  <a:rPr lang="ru-RU" sz="1600" dirty="0" smtClean="0">
-                    <a:latin typeface="Segoe UI" panose="020B0502040204020203" pitchFamily="34" charset="0"/>
-                    <a:cs typeface="Segoe UI" panose="020B0502040204020203" pitchFamily="34" charset="0"/>
-                  </a:rPr>
-                  <a:t>коэффициент усиления</a:t>
-                </a:r>
-                <a:r>
-                  <a:rPr lang="ru-RU" sz="1600" dirty="0" smtClean="0">
-                    <a:latin typeface="Segoe UI" panose="020B0502040204020203" pitchFamily="34" charset="0"/>
-                    <a:cs typeface="Segoe UI" panose="020B0502040204020203" pitchFamily="34" charset="0"/>
-                  </a:rPr>
-                  <a:t> </a:t>
-                </a:r>
-                <a:r>
                   <a:rPr lang="ru-RU" sz="1600" dirty="0">
                     <a:latin typeface="Segoe UI" panose="020B0502040204020203" pitchFamily="34" charset="0"/>
                     <a:cs typeface="Segoe UI" panose="020B0502040204020203" pitchFamily="34" charset="0"/>
                   </a:rPr>
-                  <a:t>малого </a:t>
+                  <a:t>коэффициент усиления малого сигнала, </a:t>
                 </a:r>
                 <a:r>
-                  <a:rPr lang="ru-RU" sz="1600" dirty="0" smtClean="0">
-                    <a:latin typeface="Segoe UI" panose="020B0502040204020203" pitchFamily="34" charset="0"/>
-                    <a:cs typeface="Segoe UI" panose="020B0502040204020203" pitchFamily="34" charset="0"/>
-                  </a:rPr>
-                  <a:t>сигнала, </a:t>
-                </a:r>
-                <a:r>
-                  <a:rPr lang="en-US" sz="1600" i="1" dirty="0" smtClean="0">
+                  <a:rPr lang="en-US" sz="1600" i="1" dirty="0">
                     <a:latin typeface="Segoe UI" panose="020B0502040204020203" pitchFamily="34" charset="0"/>
                     <a:cs typeface="Segoe UI" panose="020B0502040204020203" pitchFamily="34" charset="0"/>
                   </a:rPr>
                   <a:t>p</a:t>
                 </a:r>
                 <a:r>
-                  <a:rPr lang="en-US" sz="1600" dirty="0" smtClean="0">
-                    <a:latin typeface="Segoe UI" panose="020B0502040204020203" pitchFamily="34" charset="0"/>
-                    <a:cs typeface="Segoe UI" panose="020B0502040204020203" pitchFamily="34" charset="0"/>
-                  </a:rPr>
-                  <a:t> </a:t>
-                </a:r>
-                <a:r>
                   <a:rPr lang="en-US" sz="1600" dirty="0">
                     <a:latin typeface="Segoe UI" panose="020B0502040204020203" pitchFamily="34" charset="0"/>
                     <a:cs typeface="Segoe UI" panose="020B0502040204020203" pitchFamily="34" charset="0"/>
                   </a:rPr>
-                  <a:t>– </a:t>
+                  <a:t> – </a:t>
                 </a:r>
                 <a:r>
                   <a:rPr lang="ru-RU" sz="1600" dirty="0">
@@ -25044,7 +24619,7 @@
             </p:txBody>
           </p:sp>
         </mc:Choice>
-        <mc:Fallback>
+        <mc:Fallback xmlns="">
           <p:sp>
             <p:nvSpPr>
               <p:cNvPr id="11" name="Объект 2">
@@ -25897,13 +25472,6 @@
   <p:clrMapOvr>
     <a:masterClrMapping/>
   </p:clrMapOvr>
-  <p:timing>
-    <p:tnLst>
-      <p:par>
-        <p:cTn id="1" dur="indefinite" restart="never" nodeType="tmRoot"/>
-      </p:par>
-    </p:tnLst>
-  </p:timing>
 </p:sld>
 </file>
 
@@ -26312,32 +25880,11 @@
               <a:buNone/>
             </a:pPr>
             <a:r>
-              <a:rPr lang="ru-RU" sz="1600" dirty="0" smtClean="0">
-                <a:latin typeface="Segoe UI" panose="020B0502040204020203" pitchFamily="34" charset="0"/>
-                <a:cs typeface="Segoe UI" panose="020B0502040204020203" pitchFamily="34" charset="0"/>
-              </a:rPr>
-              <a:t>Модель </a:t>
-            </a:r>
-            <a:r>
               <a:rPr lang="ru-RU" sz="1600" dirty="0">
                 <a:latin typeface="Segoe UI" panose="020B0502040204020203" pitchFamily="34" charset="0"/>
                 <a:cs typeface="Segoe UI" panose="020B0502040204020203" pitchFamily="34" charset="0"/>
               </a:rPr>
-              <a:t>100-200 ГГц </a:t>
-            </a:r>
-            <a:r>
-              <a:rPr lang="ru-RU" sz="1600" dirty="0" smtClean="0">
-                <a:latin typeface="Segoe UI" panose="020B0502040204020203" pitchFamily="34" charset="0"/>
-                <a:cs typeface="Segoe UI" panose="020B0502040204020203" pitchFamily="34" charset="0"/>
-              </a:rPr>
-              <a:t>была разработана </a:t>
-            </a:r>
-            <a:r>
-              <a:rPr lang="ru-RU" sz="1600" dirty="0">
-                <a:latin typeface="Segoe UI" panose="020B0502040204020203" pitchFamily="34" charset="0"/>
-                <a:cs typeface="Segoe UI" panose="020B0502040204020203" pitchFamily="34" charset="0"/>
-              </a:rPr>
-              <a:t>на основе анализа последних работ по созданию твердотельных усилителей в соответствующем диапазоне частот</a:t>
+              <a:t>Модель 100-200 ГГц была разработана на основе анализа последних работ по созданию твердотельных усилителей в соответствующем диапазоне частот</a:t>
             </a:r>
           </a:p>
           <a:p>
@@ -26903,13 +26450,6 @@
   <p:clrMapOvr>
     <a:masterClrMapping/>
   </p:clrMapOvr>
-  <p:timing>
-    <p:tnLst>
-      <p:par>
-        <p:cTn id="1" dur="indefinite" restart="never" nodeType="tmRoot"/>
-      </p:par>
-    </p:tnLst>
-  </p:timing>
 </p:sld>
 </file>
 
@@ -27362,7 +26902,7 @@
                 <a:latin typeface="Segoe UI" panose="020B0502040204020203" pitchFamily="34" charset="0"/>
                 <a:cs typeface="Segoe UI" panose="020B0502040204020203" pitchFamily="34" charset="0"/>
               </a:rPr>
-              <a:t> и откалиброван</a:t>
+              <a:t>.</a:t>
             </a:r>
           </a:p>
           <a:p>
@@ -27392,7 +26932,7 @@
                 <a:latin typeface="Segoe UI" panose="020B0502040204020203" pitchFamily="34" charset="0"/>
                 <a:cs typeface="Segoe UI" panose="020B0502040204020203" pitchFamily="34" charset="0"/>
               </a:rPr>
-              <a:t> была имплементирована в симулятор для оценки степени искажения, и дальнейшей компенсации</a:t>
+              <a:t> была имплементирована в симулятор для оценки степени искажения и дальнейшей компенсации.</a:t>
             </a:r>
           </a:p>
         </p:txBody>
@@ -27772,13 +27312,6 @@
   <p:clrMapOvr>
     <a:masterClrMapping/>
   </p:clrMapOvr>
-  <p:timing>
-    <p:tnLst>
-      <p:par>
-        <p:cTn id="1" dur="indefinite" restart="never" nodeType="tmRoot"/>
-      </p:par>
-    </p:tnLst>
-  </p:timing>
 </p:sld>
 </file>
 
